--- a/Survey meeting/0719 survey/190719 UGRP 발표자료.pptx
+++ b/Survey meeting/0719 survey/190719 UGRP 발표자료.pptx
@@ -14,11 +14,11 @@
     <p:sldId id="1055" r:id="rId2"/>
     <p:sldId id="1367" r:id="rId3"/>
     <p:sldId id="1390" r:id="rId4"/>
-    <p:sldId id="1393" r:id="rId5"/>
-    <p:sldId id="1394" r:id="rId6"/>
-    <p:sldId id="1395" r:id="rId7"/>
-    <p:sldId id="1396" r:id="rId8"/>
-    <p:sldId id="1397" r:id="rId9"/>
+    <p:sldId id="1398" r:id="rId5"/>
+    <p:sldId id="1395" r:id="rId6"/>
+    <p:sldId id="1396" r:id="rId7"/>
+    <p:sldId id="1397" r:id="rId8"/>
+    <p:sldId id="1399" r:id="rId9"/>
     <p:sldId id="1391" r:id="rId10"/>
     <p:sldId id="1389" r:id="rId11"/>
     <p:sldId id="1386" r:id="rId12"/>
@@ -1023,7 +1023,7 @@
     </p:spTree>
     <p:extLst>
       <p:ext uri="{BB962C8B-B14F-4D97-AF65-F5344CB8AC3E}">
-        <p14:creationId xmlns:p14="http://schemas.microsoft.com/office/powerpoint/2010/main" val="4029472499"/>
+        <p14:creationId xmlns:p14="http://schemas.microsoft.com/office/powerpoint/2010/main" val="2759586286"/>
       </p:ext>
     </p:extLst>
   </p:cSld>
@@ -1098,7 +1098,7 @@
           <a:p>
             <a:fld id="{B98F8F32-8FB8-B84B-82B3-E896E2106CA1}" type="slidenum">
               <a:rPr lang="en-US" smtClean="0"/>
-              <a:t>5</a:t>
+              <a:t>8</a:t>
             </a:fld>
             <a:endParaRPr lang="en-US" dirty="0"/>
           </a:p>
@@ -1107,7 +1107,7 @@
     </p:spTree>
     <p:extLst>
       <p:ext uri="{BB962C8B-B14F-4D97-AF65-F5344CB8AC3E}">
-        <p14:creationId xmlns:p14="http://schemas.microsoft.com/office/powerpoint/2010/main" val="2975132756"/>
+        <p14:creationId xmlns:p14="http://schemas.microsoft.com/office/powerpoint/2010/main" val="956800287"/>
       </p:ext>
     </p:extLst>
   </p:cSld>
@@ -4964,7 +4964,7 @@
               </a14:hiddenLine>
             </a:ext>
             <a:ext uri="{FAA26D3D-D897-4be2-8F04-BA451C77F1D7}">
-              <ma14:placeholderFlag xmlns="" xmlns:ma14="http://schemas.microsoft.com/office/mac/drawingml/2011/main" val="1"/>
+              <ma14:placeholderFlag xmlns:ma14="http://schemas.microsoft.com/office/mac/drawingml/2011/main" xmlns="" val="1"/>
             </a:ext>
           </a:extLst>
         </p:spPr>
@@ -5252,12 +5252,9 @@
                   <a:srgbClr val="0000FF"/>
                 </a:solidFill>
               </a:rPr>
-              <a:t>Design Env code </a:t>
-            </a:r>
-            <a:r>
-              <a:rPr lang="en-US" altLang="ko-KR" b="1" dirty="0"/>
-              <a:t>– done</a:t>
-            </a:r>
+              <a:t>Design Env code</a:t>
+            </a:r>
+            <a:endParaRPr lang="en-US" altLang="ko-KR" b="1" dirty="0"/>
           </a:p>
           <a:p>
             <a:r>
@@ -5270,7 +5267,7 @@
             </a:r>
             <a:r>
               <a:rPr lang="en-US" altLang="ko-KR" b="1" dirty="0"/>
-              <a:t>– MCTS</a:t>
+              <a:t>– MCTS </a:t>
             </a:r>
           </a:p>
           <a:p>
@@ -5314,13 +5311,13 @@
                   <a:schemeClr val="tx1"/>
                 </a:solidFill>
               </a:rPr>
-              <a:t>We decided to mcts.py module instead of using MCTS library</a:t>
+              <a:t>We decided to mcts.py module instead of using MCTS library </a:t>
             </a:r>
           </a:p>
           <a:p>
             <a:r>
               <a:rPr lang="en-US" altLang="ko-KR" b="1" dirty="0"/>
-              <a:t>Make three module(2 module has done)</a:t>
+              <a:t>Make 2 module</a:t>
             </a:r>
           </a:p>
           <a:p>
@@ -5331,7 +5328,23 @@
                   <a:schemeClr val="tx1"/>
                 </a:solidFill>
               </a:rPr>
-              <a:t>UDNEnv.py: environment code</a:t>
+              <a:t>main.py: </a:t>
+            </a:r>
+            <a:r>
+              <a:rPr lang="en-US" altLang="ko-KR" b="1" dirty="0" err="1">
+                <a:solidFill>
+                  <a:schemeClr val="tx1"/>
+                </a:solidFill>
+              </a:rPr>
+              <a:t>UDNEnv</a:t>
+            </a:r>
+            <a:r>
+              <a:rPr lang="en-US" altLang="ko-KR" b="1" dirty="0">
+                <a:solidFill>
+                  <a:schemeClr val="tx1"/>
+                </a:solidFill>
+              </a:rPr>
+              <a:t>(environment code)+MCTS(RL code)</a:t>
             </a:r>
           </a:p>
           <a:p>
@@ -5343,63 +5356,6 @@
                 </a:solidFill>
               </a:rPr>
               <a:t>ppp.py: BSposition.csv(information of BS position) create</a:t>
-            </a:r>
-          </a:p>
-          <a:p>
-            <a:pPr lvl="1"/>
-            <a:r>
-              <a:rPr lang="en-US" altLang="ko-KR" b="1" dirty="0" err="1">
-                <a:solidFill>
-                  <a:schemeClr val="tx1"/>
-                </a:solidFill>
-              </a:rPr>
-              <a:t>mcts</a:t>
-            </a:r>
-            <a:r>
-              <a:rPr lang="en-US" altLang="ko-KR" b="1" dirty="0">
-                <a:solidFill>
-                  <a:schemeClr val="tx1"/>
-                </a:solidFill>
-              </a:rPr>
-              <a:t>: RL code.py</a:t>
-            </a:r>
-          </a:p>
-          <a:p>
-            <a:pPr lvl="2"/>
-            <a:r>
-              <a:rPr lang="en-US" altLang="ko-KR" b="1" dirty="0">
-                <a:solidFill>
-                  <a:schemeClr val="tx1"/>
-                </a:solidFill>
-              </a:rPr>
-              <a:t>Each module runs independently</a:t>
-            </a:r>
-          </a:p>
-          <a:p>
-            <a:pPr lvl="2"/>
-            <a:r>
-              <a:rPr lang="en-US" altLang="ko-KR" b="1" dirty="0">
-                <a:solidFill>
-                  <a:schemeClr val="tx1"/>
-                </a:solidFill>
-              </a:rPr>
-              <a:t>Having problems running </a:t>
-            </a:r>
-            <a:r>
-              <a:rPr lang="en-US" altLang="ko-KR" b="1" dirty="0" err="1">
-                <a:solidFill>
-                  <a:schemeClr val="tx1"/>
-                </a:solidFill>
-              </a:rPr>
-              <a:t>UDNEnv</a:t>
-            </a:r>
-            <a:r>
-              <a:rPr lang="en-US" altLang="ko-KR" b="1" dirty="0">
-                <a:solidFill>
-                  <a:schemeClr val="tx1"/>
-                </a:solidFill>
-              </a:rPr>
-              <a:t> onto MCTS</a:t>
             </a:r>
           </a:p>
         </p:txBody>
@@ -5462,14 +5418,14 @@
           <a:p>
             <a:r>
               <a:rPr lang="en-US" altLang="ko-KR" dirty="0"/>
-              <a:t>Environment model design</a:t>
+              <a:t>System Model</a:t>
             </a:r>
             <a:endParaRPr lang="ko-KR" altLang="en-US" dirty="0"/>
           </a:p>
         </p:txBody>
       </p:sp>
-      <mc:AlternateContent xmlns:mc="http://schemas.openxmlformats.org/markup-compatibility/2006" xmlns:a14="http://schemas.microsoft.com/office/drawing/2010/main">
-        <mc:Choice Requires="a14">
+      <mc:AlternateContent xmlns:mc="http://schemas.openxmlformats.org/markup-compatibility/2006">
+        <mc:Choice xmlns:a14="http://schemas.microsoft.com/office/drawing/2010/main" Requires="a14">
           <p:sp>
             <p:nvSpPr>
               <p:cNvPr id="3" name="내용 개체 틀 2">
@@ -5494,7 +5450,7 @@
             </p:spPr>
             <p:txBody>
               <a:bodyPr>
-                <a:normAutofit lnSpcReduction="10000"/>
+                <a:normAutofit/>
               </a:bodyPr>
               <a:lstStyle/>
               <a:p>
@@ -6028,27 +5984,7 @@
                       <a:schemeClr val="tx1"/>
                     </a:solidFill>
                   </a:rPr>
-                  <a:t>: (Sum of distance attenuation – Sum of activate BS)</a:t>
-                </a:r>
-                <a:endParaRPr lang="ko-KR" altLang="ko-KR" b="1" dirty="0">
-                  <a:solidFill>
-                    <a:schemeClr val="tx1"/>
-                  </a:solidFill>
-                </a:endParaRPr>
-              </a:p>
-              <a:p>
-                <a:pPr lvl="1" latinLnBrk="1">
-                  <a:lnSpc>
-                    <a:spcPct val="150000"/>
-                  </a:lnSpc>
-                </a:pPr>
-                <a:r>
-                  <a:rPr lang="en-US" altLang="ko-KR" b="1" dirty="0">
-                    <a:solidFill>
-                      <a:schemeClr val="tx1"/>
-                    </a:solidFill>
-                  </a:rPr>
-                  <a:t>User-BS association rule: nearest BS association</a:t>
+                  <a:t>: (Sum of each SNR / Sum of Energy Consumption)</a:t>
                 </a:r>
                 <a:endParaRPr lang="ko-KR" altLang="ko-KR" b="1" dirty="0">
                   <a:solidFill>
@@ -6059,7 +5995,7 @@
             </p:txBody>
           </p:sp>
         </mc:Choice>
-        <mc:Fallback xmlns="">
+        <mc:Fallback>
           <p:sp>
             <p:nvSpPr>
               <p:cNvPr id="3" name="내용 개체 틀 2">
@@ -6084,7 +6020,7 @@
               <a:blipFill>
                 <a:blip r:embed="rId3"/>
                 <a:stretch>
-                  <a:fillRect b="-449"/>
+                  <a:fillRect/>
                 </a:stretch>
               </a:blipFill>
             </p:spPr>
@@ -6152,7 +6088,7 @@
         <p:spPr>
           <a:xfrm>
             <a:off x="116681" y="-4"/>
-            <a:ext cx="8910637" cy="494375"/>
+            <a:ext cx="8910637" cy="987425"/>
           </a:xfrm>
         </p:spPr>
         <p:txBody>
@@ -6161,7 +6097,7 @@
           <a:p>
             <a:r>
               <a:rPr lang="en-US" altLang="ko-KR" dirty="0"/>
-              <a:t>Environment model design</a:t>
+              <a:t>System Model</a:t>
             </a:r>
             <a:endParaRPr lang="ko-KR" altLang="en-US" dirty="0"/>
           </a:p>
@@ -6169,10 +6105,10 @@
       </p:sp>
       <p:sp>
         <p:nvSpPr>
-          <p:cNvPr id="8" name="내용 개체 틀 7">
+          <p:cNvPr id="3" name="내용 개체 틀 2">
             <a:extLst>
               <a:ext uri="{FF2B5EF4-FFF2-40B4-BE49-F238E27FC236}">
-                <a16:creationId xmlns:a16="http://schemas.microsoft.com/office/drawing/2014/main" id="{689365DD-EDB8-4B61-A4B0-3132A66D6479}"/>
+                <a16:creationId xmlns:a16="http://schemas.microsoft.com/office/drawing/2014/main" id="{08458E5A-D904-4F83-968A-D96BD79BB32E}"/>
               </a:ext>
             </a:extLst>
           </p:cNvPr>
@@ -6183,49 +6119,234 @@
             <p:ph idx="1"/>
           </p:nvPr>
         </p:nvSpPr>
-        <p:spPr/>
+        <p:spPr>
+          <a:xfrm>
+            <a:off x="457199" y="1036062"/>
+            <a:ext cx="8297695" cy="5428800"/>
+          </a:xfrm>
+        </p:spPr>
         <p:txBody>
-          <a:bodyPr/>
+          <a:bodyPr>
+            <a:normAutofit/>
+          </a:bodyPr>
           <a:lstStyle/>
           <a:p>
-            <a:endParaRPr lang="ko-KR" altLang="en-US"/>
+            <a:r>
+              <a:rPr lang="en-US" altLang="ko-KR" b="1" dirty="0"/>
+              <a:t>Environment model</a:t>
+            </a:r>
+          </a:p>
+          <a:p>
+            <a:pPr lvl="1"/>
+            <a:r>
+              <a:rPr lang="en-US" altLang="ko-KR" b="1" i="1" dirty="0">
+                <a:solidFill>
+                  <a:srgbClr val="FF0000"/>
+                </a:solidFill>
+              </a:rPr>
+              <a:t>16-users and 10-BSs </a:t>
+            </a:r>
+            <a:r>
+              <a:rPr lang="en-US" altLang="ko-KR" b="1" dirty="0"/>
+              <a:t>are deployed in the area </a:t>
+            </a:r>
+          </a:p>
+          <a:p>
+            <a:pPr lvl="2"/>
+            <a:r>
+              <a:rPr lang="en-US" altLang="ko-KR" b="1" dirty="0"/>
+              <a:t>BS location is PPP</a:t>
+            </a:r>
+          </a:p>
+          <a:p>
+            <a:pPr lvl="2"/>
+            <a:r>
+              <a:rPr lang="en-US" altLang="ko-KR" b="1" dirty="0"/>
+              <a:t>User location is uniform distribution which changes every step</a:t>
+            </a:r>
+          </a:p>
+          <a:p>
+            <a:pPr lvl="1" latinLnBrk="1">
+              <a:lnSpc>
+                <a:spcPct val="150000"/>
+              </a:lnSpc>
+            </a:pPr>
+            <a:r>
+              <a:rPr lang="en-US" altLang="ko-KR" b="1" dirty="0">
+                <a:solidFill>
+                  <a:schemeClr val="tx1"/>
+                </a:solidFill>
+              </a:rPr>
+              <a:t>User-BS association rule: nearest BS association</a:t>
+            </a:r>
+            <a:endParaRPr lang="ko-KR" altLang="ko-KR" b="1" dirty="0">
+              <a:solidFill>
+                <a:schemeClr val="tx1"/>
+              </a:solidFill>
+            </a:endParaRPr>
+          </a:p>
+          <a:p>
+            <a:pPr lvl="2"/>
+            <a:r>
+              <a:rPr lang="ko-KR" altLang="en-US" b="1" dirty="0">
+                <a:solidFill>
+                  <a:srgbClr val="0000FF"/>
+                </a:solidFill>
+              </a:rPr>
+              <a:t>전원 </a:t>
+            </a:r>
+            <a:r>
+              <a:rPr lang="en-US" altLang="ko-KR" b="1" dirty="0">
+                <a:solidFill>
+                  <a:srgbClr val="0000FF"/>
+                </a:solidFill>
+              </a:rPr>
+              <a:t>off </a:t>
+            </a:r>
+            <a:r>
+              <a:rPr lang="ko-KR" altLang="en-US" b="1" dirty="0">
+                <a:solidFill>
+                  <a:srgbClr val="0000FF"/>
+                </a:solidFill>
+              </a:rPr>
+              <a:t>된 </a:t>
+            </a:r>
+            <a:r>
+              <a:rPr lang="en-US" altLang="ko-KR" b="1" dirty="0">
+                <a:solidFill>
+                  <a:srgbClr val="0000FF"/>
+                </a:solidFill>
+              </a:rPr>
+              <a:t>BS</a:t>
+            </a:r>
+            <a:r>
+              <a:rPr lang="ko-KR" altLang="en-US" b="1" dirty="0">
+                <a:solidFill>
+                  <a:srgbClr val="0000FF"/>
+                </a:solidFill>
+              </a:rPr>
+              <a:t>와 </a:t>
+            </a:r>
+            <a:r>
+              <a:rPr lang="en-US" altLang="ko-KR" b="1" dirty="0">
+                <a:solidFill>
+                  <a:srgbClr val="0000FF"/>
+                </a:solidFill>
+              </a:rPr>
+              <a:t>user</a:t>
+            </a:r>
+            <a:r>
+              <a:rPr lang="ko-KR" altLang="en-US" b="1" dirty="0">
+                <a:solidFill>
+                  <a:srgbClr val="0000FF"/>
+                </a:solidFill>
+              </a:rPr>
+              <a:t>까지의 거리를 </a:t>
+            </a:r>
+            <a:r>
+              <a:rPr lang="en-US" altLang="ko-KR" b="1" dirty="0">
+                <a:solidFill>
+                  <a:srgbClr val="0000FF"/>
+                </a:solidFill>
+              </a:rPr>
+              <a:t>infinity</a:t>
+            </a:r>
+            <a:r>
+              <a:rPr lang="ko-KR" altLang="en-US" b="1" dirty="0">
+                <a:solidFill>
+                  <a:srgbClr val="0000FF"/>
+                </a:solidFill>
+              </a:rPr>
+              <a:t>로 하여 </a:t>
+            </a:r>
+            <a:r>
+              <a:rPr lang="en-US" altLang="ko-KR" b="1" dirty="0">
+                <a:solidFill>
+                  <a:srgbClr val="0000FF"/>
+                </a:solidFill>
+              </a:rPr>
+              <a:t>association</a:t>
+            </a:r>
+            <a:r>
+              <a:rPr lang="ko-KR" altLang="en-US" b="1" dirty="0">
+                <a:solidFill>
+                  <a:srgbClr val="0000FF"/>
+                </a:solidFill>
+              </a:rPr>
+              <a:t>을 막음</a:t>
+            </a:r>
+            <a:endParaRPr lang="en-US" altLang="ko-KR" b="1" dirty="0">
+              <a:solidFill>
+                <a:srgbClr val="0000FF"/>
+              </a:solidFill>
+            </a:endParaRPr>
+          </a:p>
+          <a:p>
+            <a:pPr lvl="2"/>
+            <a:endParaRPr lang="en-US" altLang="ko-KR" b="1" dirty="0">
+              <a:solidFill>
+                <a:srgbClr val="0000FF"/>
+              </a:solidFill>
+            </a:endParaRPr>
+          </a:p>
+          <a:p>
+            <a:r>
+              <a:rPr lang="en-US" altLang="ko-KR" b="1" dirty="0"/>
+              <a:t>MCTS model </a:t>
+            </a:r>
+          </a:p>
+          <a:p>
+            <a:pPr lvl="1"/>
+            <a:r>
+              <a:rPr lang="en-US" altLang="ko-KR" b="1" dirty="0">
+                <a:solidFill>
+                  <a:schemeClr val="tx1"/>
+                </a:solidFill>
+              </a:rPr>
+              <a:t>Utilize MCTS library on </a:t>
+            </a:r>
+            <a:r>
+              <a:rPr lang="en-US" altLang="ko-KR" b="1" dirty="0" err="1">
+                <a:solidFill>
+                  <a:schemeClr val="tx1"/>
+                </a:solidFill>
+              </a:rPr>
+              <a:t>Github</a:t>
+            </a:r>
+            <a:endParaRPr lang="en-US" altLang="ko-KR" b="1" dirty="0">
+              <a:solidFill>
+                <a:schemeClr val="tx1"/>
+              </a:solidFill>
+            </a:endParaRPr>
+          </a:p>
+          <a:p>
+            <a:pPr lvl="2"/>
+            <a:r>
+              <a:rPr lang="en-US" altLang="ko-KR" b="1" dirty="0">
+                <a:solidFill>
+                  <a:schemeClr val="tx1"/>
+                </a:solidFill>
+              </a:rPr>
+              <a:t>Most of MCTS libraries are for sequential game</a:t>
+            </a:r>
+          </a:p>
+          <a:p>
+            <a:pPr lvl="1"/>
+            <a:r>
+              <a:rPr lang="en-US" altLang="ko-KR" b="1" dirty="0">
+                <a:solidFill>
+                  <a:schemeClr val="tx1"/>
+                </a:solidFill>
+              </a:rPr>
+              <a:t>We decided to edit the library for our environment model</a:t>
+            </a:r>
           </a:p>
         </p:txBody>
       </p:sp>
-      <p:pic>
-        <p:nvPicPr>
-          <p:cNvPr id="9" name="그림 8">
-            <a:extLst>
-              <a:ext uri="{FF2B5EF4-FFF2-40B4-BE49-F238E27FC236}">
-                <a16:creationId xmlns:a16="http://schemas.microsoft.com/office/drawing/2014/main" id="{1CC97404-D649-4D9C-A6C0-FF9F1EA87530}"/>
-              </a:ext>
-            </a:extLst>
-          </p:cNvPr>
-          <p:cNvPicPr>
-            <a:picLocks noChangeAspect="1"/>
-          </p:cNvPicPr>
-          <p:nvPr/>
-        </p:nvPicPr>
-        <p:blipFill>
-          <a:blip r:embed="rId3"/>
-          <a:stretch>
-            <a:fillRect/>
-          </a:stretch>
-        </p:blipFill>
-        <p:spPr>
-          <a:xfrm>
-            <a:off x="-1" y="494371"/>
-            <a:ext cx="9144000" cy="6135029"/>
-          </a:xfrm>
-          <a:prstGeom prst="rect">
-            <a:avLst/>
-          </a:prstGeom>
-        </p:spPr>
-      </p:pic>
     </p:spTree>
     <p:extLst>
       <p:ext uri="{BB962C8B-B14F-4D97-AF65-F5344CB8AC3E}">
-        <p14:creationId xmlns:p14="http://schemas.microsoft.com/office/powerpoint/2010/main" val="3799050912"/>
+        <p14:creationId xmlns:p14="http://schemas.microsoft.com/office/powerpoint/2010/main" val="3443461438"/>
       </p:ext>
     </p:extLst>
   </p:cSld>
@@ -6257,7 +6378,7 @@
           <p:cNvPr id="2" name="제목 1">
             <a:extLst>
               <a:ext uri="{FF2B5EF4-FFF2-40B4-BE49-F238E27FC236}">
-                <a16:creationId xmlns:a16="http://schemas.microsoft.com/office/drawing/2014/main" id="{F5F63D42-1E06-4A5B-9AAA-45F95E0B04D0}"/>
+                <a16:creationId xmlns:a16="http://schemas.microsoft.com/office/drawing/2014/main" id="{2FC832C6-B966-497F-A5E0-588C4BED0E2F}"/>
               </a:ext>
             </a:extLst>
           </p:cNvPr>
@@ -6268,10 +6389,39 @@
             <p:ph type="title"/>
           </p:nvPr>
         </p:nvSpPr>
+        <p:spPr/>
+        <p:txBody>
+          <a:bodyPr/>
+          <a:lstStyle/>
+          <a:p>
+            <a:r>
+              <a:rPr lang="en-US" altLang="ko-KR" dirty="0"/>
+              <a:t>System Model</a:t>
+            </a:r>
+            <a:endParaRPr lang="ko-KR" altLang="en-US" dirty="0"/>
+          </a:p>
+        </p:txBody>
+      </p:sp>
+      <p:sp>
+        <p:nvSpPr>
+          <p:cNvPr id="3" name="내용 개체 틀 2">
+            <a:extLst>
+              <a:ext uri="{FF2B5EF4-FFF2-40B4-BE49-F238E27FC236}">
+                <a16:creationId xmlns:a16="http://schemas.microsoft.com/office/drawing/2014/main" id="{FAEF7A98-5912-4F1F-8CD4-41561FCBE376}"/>
+              </a:ext>
+            </a:extLst>
+          </p:cNvPr>
+          <p:cNvSpPr>
+            <a:spLocks noGrp="1"/>
+          </p:cNvSpPr>
+          <p:nvPr>
+            <p:ph idx="1"/>
+          </p:nvPr>
+        </p:nvSpPr>
         <p:spPr>
           <a:xfrm>
-            <a:off x="116681" y="-4"/>
-            <a:ext cx="8910637" cy="494375"/>
+            <a:off x="457200" y="1052163"/>
+            <a:ext cx="8229600" cy="5428522"/>
           </a:xfrm>
         </p:spPr>
         <p:txBody>
@@ -6279,45 +6429,63 @@
           <a:lstStyle/>
           <a:p>
             <a:r>
-              <a:rPr lang="en-US" altLang="ko-KR" dirty="0"/>
-              <a:t>Environment model design</a:t>
-            </a:r>
-            <a:endParaRPr lang="ko-KR" altLang="en-US" dirty="0"/>
+              <a:rPr lang="en-US" altLang="ko-KR" b="1" dirty="0"/>
+              <a:t>Make 2 python module</a:t>
+            </a:r>
+          </a:p>
+          <a:p>
+            <a:pPr lvl="1"/>
+            <a:r>
+              <a:rPr lang="en-US" altLang="ko-KR" b="1" dirty="0">
+                <a:solidFill>
+                  <a:schemeClr val="tx1"/>
+                </a:solidFill>
+              </a:rPr>
+              <a:t>main.py: </a:t>
+            </a:r>
+            <a:r>
+              <a:rPr lang="en-US" altLang="ko-KR" b="1" dirty="0" err="1">
+                <a:solidFill>
+                  <a:schemeClr val="tx1"/>
+                </a:solidFill>
+              </a:rPr>
+              <a:t>UDNEnv</a:t>
+            </a:r>
+            <a:r>
+              <a:rPr lang="en-US" altLang="ko-KR" b="1" dirty="0">
+                <a:solidFill>
+                  <a:schemeClr val="tx1"/>
+                </a:solidFill>
+              </a:rPr>
+              <a:t>(environment code)+MCTS(RL code)</a:t>
+            </a:r>
+          </a:p>
+          <a:p>
+            <a:pPr lvl="1"/>
+            <a:endParaRPr lang="en-US" altLang="ko-KR" b="1" dirty="0">
+              <a:solidFill>
+                <a:schemeClr val="tx1"/>
+              </a:solidFill>
+            </a:endParaRPr>
+          </a:p>
+          <a:p>
+            <a:pPr lvl="1"/>
+            <a:r>
+              <a:rPr lang="en-US" altLang="ko-KR" b="1" dirty="0">
+                <a:solidFill>
+                  <a:schemeClr val="tx1"/>
+                </a:solidFill>
+              </a:rPr>
+              <a:t>ppp.py: create BSposition.csv(information of BS position)</a:t>
+            </a:r>
+            <a:endParaRPr lang="en-US" altLang="ko-KR" b="1" dirty="0"/>
           </a:p>
         </p:txBody>
       </p:sp>
-      <p:pic>
-        <p:nvPicPr>
-          <p:cNvPr id="4" name="내용 개체 틀 3" descr="스크린샷이(가) 표시된 사진&#10;&#10;자동 생성된 설명">
-            <a:extLst>
-              <a:ext uri="{FF2B5EF4-FFF2-40B4-BE49-F238E27FC236}">
-                <a16:creationId xmlns:a16="http://schemas.microsoft.com/office/drawing/2014/main" id="{6CF51B91-3DBD-4D92-B127-CF273ECC36FC}"/>
-              </a:ext>
-            </a:extLst>
-          </p:cNvPr>
-          <p:cNvPicPr>
-            <a:picLocks noGrp="1" noChangeAspect="1"/>
-          </p:cNvPicPr>
-          <p:nvPr>
-            <p:ph idx="1"/>
-          </p:nvPr>
-        </p:nvPicPr>
-        <p:blipFill rotWithShape="1">
-          <a:blip r:embed="rId3"/>
-          <a:srcRect t="4161"/>
-          <a:stretch/>
-        </p:blipFill>
-        <p:spPr>
-          <a:xfrm>
-            <a:off x="0" y="999200"/>
-            <a:ext cx="9153536" cy="5133975"/>
-          </a:xfrm>
-        </p:spPr>
-      </p:pic>
     </p:spTree>
     <p:extLst>
       <p:ext uri="{BB962C8B-B14F-4D97-AF65-F5344CB8AC3E}">
-        <p14:creationId xmlns:p14="http://schemas.microsoft.com/office/powerpoint/2010/main" val="1944048155"/>
+        <p14:creationId xmlns:p14="http://schemas.microsoft.com/office/powerpoint/2010/main" val="219446114"/>
       </p:ext>
     </p:extLst>
   </p:cSld>
@@ -6396,56 +6564,192 @@
           </a:xfrm>
         </p:spPr>
         <p:txBody>
-          <a:bodyPr/>
+          <a:bodyPr>
+            <a:normAutofit lnSpcReduction="10000"/>
+          </a:bodyPr>
           <a:lstStyle/>
           <a:p>
             <a:r>
               <a:rPr lang="en-US" altLang="ko-KR" b="1" dirty="0"/>
-              <a:t>Use Monte Carlo Tree Search</a:t>
-            </a:r>
-          </a:p>
-          <a:p>
+              <a:t>def </a:t>
+            </a:r>
+            <a:r>
+              <a:rPr lang="en-US" altLang="ko-KR" b="1" dirty="0" err="1"/>
+              <a:t>isTerminal</a:t>
+            </a:r>
             <a:r>
               <a:rPr lang="en-US" altLang="ko-KR" b="1" dirty="0"/>
-              <a:t>Utilize MCTS library on GitHub</a:t>
-            </a:r>
-          </a:p>
-          <a:p>
+              <a:t>():   #return Boolean value</a:t>
+            </a:r>
+          </a:p>
+          <a:p>
+            <a:pPr marL="457200" lvl="1" indent="0">
+              <a:buNone/>
+            </a:pPr>
             <a:r>
               <a:rPr lang="en-US" altLang="ko-KR" b="1" dirty="0"/>
-              <a:t>Env model doesn’t run on MCTS library.</a:t>
-            </a:r>
-          </a:p>
-          <a:p>
-            <a:pPr lvl="1"/>
+              <a:t>if search time &gt; threshold:</a:t>
+            </a:r>
+          </a:p>
+          <a:p>
+            <a:pPr marL="457200" lvl="1" indent="0">
+              <a:buNone/>
+            </a:pPr>
             <a:r>
               <a:rPr lang="en-US" altLang="ko-KR" b="1" dirty="0"/>
-              <a:t>the library needs state object involving algorithm functions</a:t>
-            </a:r>
-          </a:p>
-          <a:p>
-            <a:pPr lvl="1"/>
+              <a:t>	return True</a:t>
+            </a:r>
+          </a:p>
+          <a:p>
+            <a:pPr marL="457200" lvl="1" indent="0">
+              <a:buNone/>
+            </a:pPr>
             <a:r>
               <a:rPr lang="en-US" altLang="ko-KR" b="1" dirty="0"/>
-              <a:t>As we are going to make another env instance later, designing env object instead of sole state object  is considered reasonable</a:t>
-            </a:r>
-          </a:p>
-          <a:p>
-            <a:pPr lvl="1"/>
+              <a:t>else:</a:t>
+            </a:r>
+          </a:p>
+          <a:p>
+            <a:pPr marL="457200" lvl="1" indent="0">
+              <a:buNone/>
+            </a:pPr>
             <a:r>
               <a:rPr lang="en-US" altLang="ko-KR" b="1" dirty="0"/>
-              <a:t>Remodeling MCTS library into MCTS module so that env code would run on mcts.py</a:t>
-            </a:r>
-          </a:p>
-          <a:p>
-            <a:endParaRPr lang="ko-KR" altLang="en-US" dirty="0"/>
+              <a:t>	return False </a:t>
+            </a:r>
+          </a:p>
+          <a:p>
+            <a:r>
+              <a:rPr lang="en-US" altLang="ko-KR" b="1" dirty="0"/>
+              <a:t>def </a:t>
+            </a:r>
+            <a:r>
+              <a:rPr lang="en-US" altLang="ko-KR" b="1" dirty="0" err="1"/>
+              <a:t>getPossibleActions</a:t>
+            </a:r>
+            <a:r>
+              <a:rPr lang="en-US" altLang="ko-KR" b="1" dirty="0"/>
+              <a:t>(</a:t>
+            </a:r>
+            <a:r>
+              <a:rPr lang="en-US" altLang="ko-KR" b="1" dirty="0" err="1"/>
+              <a:t>env.state</a:t>
+            </a:r>
+            <a:r>
+              <a:rPr lang="en-US" altLang="ko-KR" b="1" dirty="0"/>
+              <a:t>):</a:t>
+            </a:r>
+          </a:p>
+          <a:p>
+            <a:pPr marL="457200" lvl="1" indent="0">
+              <a:buNone/>
+            </a:pPr>
+            <a:r>
+              <a:rPr lang="en-US" altLang="ko-KR" b="1" dirty="0"/>
+              <a:t>return </a:t>
+            </a:r>
+            <a:r>
+              <a:rPr lang="en-US" altLang="ko-KR" b="1" dirty="0" err="1"/>
+              <a:t>iterable</a:t>
+            </a:r>
+            <a:r>
+              <a:rPr lang="en-US" altLang="ko-KR" b="1" dirty="0"/>
+              <a:t> list of possible actions from specific </a:t>
+            </a:r>
+            <a:r>
+              <a:rPr lang="en-US" altLang="ko-KR" b="1" dirty="0" err="1"/>
+              <a:t>env.state</a:t>
+            </a:r>
+            <a:endParaRPr lang="en-US" altLang="ko-KR" b="1" dirty="0"/>
+          </a:p>
+          <a:p>
+            <a:pPr marL="457200" lvl="1" indent="0">
+              <a:buNone/>
+            </a:pPr>
+            <a:r>
+              <a:rPr lang="en-US" altLang="ko-KR" b="1" dirty="0"/>
+              <a:t>- in progress</a:t>
+            </a:r>
+          </a:p>
+          <a:p>
+            <a:r>
+              <a:rPr lang="en-US" altLang="ko-KR" b="1" dirty="0"/>
+              <a:t>def </a:t>
+            </a:r>
+            <a:r>
+              <a:rPr lang="en-US" altLang="ko-KR" b="1" dirty="0" err="1"/>
+              <a:t>takeAction</a:t>
+            </a:r>
+            <a:r>
+              <a:rPr lang="en-US" altLang="ko-KR" b="1" dirty="0"/>
+              <a:t>(action):</a:t>
+            </a:r>
+          </a:p>
+          <a:p>
+            <a:pPr marL="457200" lvl="1" indent="0">
+              <a:buNone/>
+            </a:pPr>
+            <a:r>
+              <a:rPr lang="en-US" altLang="ko-KR" b="1" dirty="0"/>
+              <a:t>return the state which results from taking action </a:t>
+            </a:r>
+          </a:p>
+          <a:p>
+            <a:pPr marL="457200" lvl="1" indent="0">
+              <a:buNone/>
+            </a:pPr>
+            <a:r>
+              <a:rPr lang="en-US" altLang="ko-KR" b="1" dirty="0"/>
+              <a:t>- in progress</a:t>
+            </a:r>
+          </a:p>
+          <a:p>
+            <a:r>
+              <a:rPr lang="en-US" altLang="ko-KR" b="1" dirty="0"/>
+              <a:t>def </a:t>
+            </a:r>
+            <a:r>
+              <a:rPr lang="en-US" altLang="ko-KR" b="1" dirty="0" err="1"/>
+              <a:t>getReward</a:t>
+            </a:r>
+            <a:r>
+              <a:rPr lang="en-US" altLang="ko-KR" b="1" dirty="0"/>
+              <a:t>(</a:t>
+            </a:r>
+            <a:r>
+              <a:rPr lang="en-US" altLang="ko-KR" b="1" dirty="0" err="1"/>
+              <a:t>env.state</a:t>
+            </a:r>
+            <a:r>
+              <a:rPr lang="en-US" altLang="ko-KR" b="1" dirty="0"/>
+              <a:t>):</a:t>
+            </a:r>
+          </a:p>
+          <a:p>
+            <a:pPr marL="457200" lvl="1" indent="0">
+              <a:buNone/>
+            </a:pPr>
+            <a:r>
+              <a:rPr lang="en-US" altLang="ko-KR" b="1" dirty="0"/>
+              <a:t>return the reward of specific state</a:t>
+            </a:r>
+          </a:p>
+          <a:p>
+            <a:pPr marL="457200" lvl="1" indent="0">
+              <a:buNone/>
+            </a:pPr>
+            <a:r>
+              <a:rPr lang="en-US" altLang="ko-KR" b="1" dirty="0"/>
+              <a:t>-in progress</a:t>
+            </a:r>
+            <a:endParaRPr lang="ko-KR" altLang="en-US" b="1" dirty="0"/>
           </a:p>
         </p:txBody>
       </p:sp>
     </p:spTree>
     <p:extLst>
       <p:ext uri="{BB962C8B-B14F-4D97-AF65-F5344CB8AC3E}">
-        <p14:creationId xmlns:p14="http://schemas.microsoft.com/office/powerpoint/2010/main" val="219446114"/>
+        <p14:creationId xmlns:p14="http://schemas.microsoft.com/office/powerpoint/2010/main" val="3043170752"/>
       </p:ext>
     </p:extLst>
   </p:cSld>
@@ -6525,21 +6829,21 @@
         </p:spPr>
         <p:txBody>
           <a:bodyPr>
-            <a:normAutofit lnSpcReduction="10000"/>
+            <a:normAutofit/>
           </a:bodyPr>
           <a:lstStyle/>
           <a:p>
             <a:r>
               <a:rPr lang="en-US" altLang="ko-KR" b="1" dirty="0"/>
-              <a:t>def </a:t>
+              <a:t>class </a:t>
             </a:r>
             <a:r>
               <a:rPr lang="en-US" altLang="ko-KR" b="1" dirty="0" err="1"/>
-              <a:t>isTerminal</a:t>
+              <a:t>mcts</a:t>
             </a:r>
             <a:r>
               <a:rPr lang="en-US" altLang="ko-KR" b="1" dirty="0"/>
-              <a:t>():   #return Boolean value</a:t>
+              <a:t>():</a:t>
             </a:r>
           </a:p>
           <a:p>
@@ -6548,7 +6852,15 @@
             </a:pPr>
             <a:r>
               <a:rPr lang="en-US" altLang="ko-KR" b="1" dirty="0"/>
-              <a:t>if search time &gt; threshold:</a:t>
+              <a:t>def __</a:t>
+            </a:r>
+            <a:r>
+              <a:rPr lang="en-US" altLang="ko-KR" b="1" dirty="0" err="1"/>
+              <a:t>init</a:t>
+            </a:r>
+            <a:r>
+              <a:rPr lang="en-US" altLang="ko-KR" b="1" dirty="0"/>
+              <a:t>__():</a:t>
             </a:r>
           </a:p>
           <a:p>
@@ -6557,7 +6869,7 @@
             </a:pPr>
             <a:r>
               <a:rPr lang="en-US" altLang="ko-KR" b="1" dirty="0"/>
-              <a:t>	return True</a:t>
+              <a:t>def search():</a:t>
             </a:r>
           </a:p>
           <a:p>
@@ -6566,7 +6878,15 @@
             </a:pPr>
             <a:r>
               <a:rPr lang="en-US" altLang="ko-KR" b="1" dirty="0"/>
-              <a:t>else:</a:t>
+              <a:t>def </a:t>
+            </a:r>
+            <a:r>
+              <a:rPr lang="en-US" altLang="ko-KR" b="1" dirty="0" err="1"/>
+              <a:t>selectNode</a:t>
+            </a:r>
+            <a:r>
+              <a:rPr lang="en-US" altLang="ko-KR" b="1" dirty="0"/>
+              <a:t>():</a:t>
             </a:r>
           </a:p>
           <a:p>
@@ -6575,29 +6895,7 @@
             </a:pPr>
             <a:r>
               <a:rPr lang="en-US" altLang="ko-KR" b="1" dirty="0"/>
-              <a:t>	return False </a:t>
-            </a:r>
-          </a:p>
-          <a:p>
-            <a:r>
-              <a:rPr lang="en-US" altLang="ko-KR" b="1" dirty="0"/>
-              <a:t>def </a:t>
-            </a:r>
-            <a:r>
-              <a:rPr lang="en-US" altLang="ko-KR" b="1" dirty="0" err="1"/>
-              <a:t>getPossibleActions</a:t>
-            </a:r>
-            <a:r>
-              <a:rPr lang="en-US" altLang="ko-KR" b="1" dirty="0"/>
-              <a:t>(</a:t>
-            </a:r>
-            <a:r>
-              <a:rPr lang="en-US" altLang="ko-KR" b="1" dirty="0" err="1"/>
-              <a:t>env.state</a:t>
-            </a:r>
-            <a:r>
-              <a:rPr lang="en-US" altLang="ko-KR" b="1" dirty="0"/>
-              <a:t>):</a:t>
+              <a:t>def backpropagate():</a:t>
             </a:r>
           </a:p>
           <a:p>
@@ -6606,101 +6904,27 @@
             </a:pPr>
             <a:r>
               <a:rPr lang="en-US" altLang="ko-KR" b="1" dirty="0"/>
-              <a:t>return </a:t>
+              <a:t>…</a:t>
+            </a:r>
+          </a:p>
+          <a:p>
+            <a:r>
+              <a:rPr lang="en-US" altLang="ko-KR" b="1" dirty="0"/>
+              <a:t>MCTS algorithm is already implemented in class </a:t>
             </a:r>
             <a:r>
               <a:rPr lang="en-US" altLang="ko-KR" b="1" dirty="0" err="1"/>
-              <a:t>iterable</a:t>
+              <a:t>mcts</a:t>
             </a:r>
             <a:r>
               <a:rPr lang="en-US" altLang="ko-KR" b="1" dirty="0"/>
-              <a:t> list of possible actions from specific </a:t>
-            </a:r>
-            <a:r>
-              <a:rPr lang="en-US" altLang="ko-KR" b="1" dirty="0" err="1"/>
-              <a:t>env.state</a:t>
-            </a:r>
-            <a:endParaRPr lang="en-US" altLang="ko-KR" b="1" dirty="0"/>
-          </a:p>
-          <a:p>
-            <a:pPr marL="457200" lvl="1" indent="0">
-              <a:buNone/>
-            </a:pPr>
+              <a:t>()</a:t>
+            </a:r>
+          </a:p>
+          <a:p>
             <a:r>
               <a:rPr lang="en-US" altLang="ko-KR" b="1" dirty="0"/>
-              <a:t>- in progress</a:t>
-            </a:r>
-          </a:p>
-          <a:p>
-            <a:r>
-              <a:rPr lang="en-US" altLang="ko-KR" b="1" dirty="0"/>
-              <a:t>def </a:t>
-            </a:r>
-            <a:r>
-              <a:rPr lang="en-US" altLang="ko-KR" b="1" dirty="0" err="1"/>
-              <a:t>takeAction</a:t>
-            </a:r>
-            <a:r>
-              <a:rPr lang="en-US" altLang="ko-KR" b="1" dirty="0"/>
-              <a:t>(action):</a:t>
-            </a:r>
-          </a:p>
-          <a:p>
-            <a:pPr marL="457200" lvl="1" indent="0">
-              <a:buNone/>
-            </a:pPr>
-            <a:r>
-              <a:rPr lang="en-US" altLang="ko-KR" b="1" dirty="0"/>
-              <a:t>return the state which results from taking action </a:t>
-            </a:r>
-          </a:p>
-          <a:p>
-            <a:pPr marL="457200" lvl="1" indent="0">
-              <a:buNone/>
-            </a:pPr>
-            <a:r>
-              <a:rPr lang="en-US" altLang="ko-KR" b="1" dirty="0"/>
-              <a:t>- in progress</a:t>
-            </a:r>
-          </a:p>
-          <a:p>
-            <a:r>
-              <a:rPr lang="en-US" altLang="ko-KR" b="1" dirty="0"/>
-              <a:t>def </a:t>
-            </a:r>
-            <a:r>
-              <a:rPr lang="en-US" altLang="ko-KR" b="1" dirty="0" err="1"/>
-              <a:t>getReward</a:t>
-            </a:r>
-            <a:r>
-              <a:rPr lang="en-US" altLang="ko-KR" b="1" dirty="0"/>
-              <a:t>(</a:t>
-            </a:r>
-            <a:r>
-              <a:rPr lang="en-US" altLang="ko-KR" b="1" dirty="0" err="1"/>
-              <a:t>env.state</a:t>
-            </a:r>
-            <a:r>
-              <a:rPr lang="en-US" altLang="ko-KR" b="1" dirty="0"/>
-              <a:t>):</a:t>
-            </a:r>
-          </a:p>
-          <a:p>
-            <a:pPr marL="457200" lvl="1" indent="0">
-              <a:buNone/>
-            </a:pPr>
-            <a:r>
-              <a:rPr lang="en-US" altLang="ko-KR" b="1" dirty="0"/>
-              <a:t>return the reward of specific state</a:t>
-            </a:r>
-          </a:p>
-          <a:p>
-            <a:pPr marL="457200" lvl="1" indent="0">
-              <a:buNone/>
-            </a:pPr>
-            <a:r>
-              <a:rPr lang="en-US" altLang="ko-KR" b="1" dirty="0"/>
-              <a:t>-in progress</a:t>
+              <a:t>Several variables needs editing to run Env code in mcts.py </a:t>
             </a:r>
             <a:endParaRPr lang="ko-KR" altLang="en-US" b="1" dirty="0"/>
           </a:p>
@@ -6709,7 +6933,7 @@
     </p:spTree>
     <p:extLst>
       <p:ext uri="{BB962C8B-B14F-4D97-AF65-F5344CB8AC3E}">
-        <p14:creationId xmlns:p14="http://schemas.microsoft.com/office/powerpoint/2010/main" val="3043170752"/>
+        <p14:creationId xmlns:p14="http://schemas.microsoft.com/office/powerpoint/2010/main" val="2080462866"/>
       </p:ext>
     </p:extLst>
   </p:cSld>
@@ -6741,7 +6965,7 @@
           <p:cNvPr id="2" name="제목 1">
             <a:extLst>
               <a:ext uri="{FF2B5EF4-FFF2-40B4-BE49-F238E27FC236}">
-                <a16:creationId xmlns:a16="http://schemas.microsoft.com/office/drawing/2014/main" id="{2FC832C6-B966-497F-A5E0-588C4BED0E2F}"/>
+                <a16:creationId xmlns:a16="http://schemas.microsoft.com/office/drawing/2014/main" id="{F5F63D42-1E06-4A5B-9AAA-45F95E0B04D0}"/>
               </a:ext>
             </a:extLst>
           </p:cNvPr>
@@ -6752,16 +6976,25 @@
             <p:ph type="title"/>
           </p:nvPr>
         </p:nvSpPr>
-        <p:spPr/>
+        <p:spPr>
+          <a:xfrm>
+            <a:off x="116681" y="-4"/>
+            <a:ext cx="8910637" cy="987425"/>
+          </a:xfrm>
+        </p:spPr>
         <p:txBody>
           <a:bodyPr/>
           <a:lstStyle/>
           <a:p>
             <a:r>
               <a:rPr lang="en-US" altLang="ko-KR" dirty="0"/>
-              <a:t>RL model design</a:t>
-            </a:r>
-            <a:endParaRPr lang="ko-KR" altLang="en-US" dirty="0"/>
+              <a:t>Future Plan(next week) </a:t>
+            </a:r>
+            <a:r>
+              <a:rPr lang="en-US" altLang="ko-KR" sz="2000" dirty="0"/>
+              <a:t>at 7/5</a:t>
+            </a:r>
+            <a:endParaRPr lang="ko-KR" altLang="en-US" sz="2000" dirty="0"/>
           </a:p>
         </p:txBody>
       </p:sp>
@@ -6770,7 +7003,7 @@
           <p:cNvPr id="3" name="내용 개체 틀 2">
             <a:extLst>
               <a:ext uri="{FF2B5EF4-FFF2-40B4-BE49-F238E27FC236}">
-                <a16:creationId xmlns:a16="http://schemas.microsoft.com/office/drawing/2014/main" id="{FAEF7A98-5912-4F1F-8CD4-41561FCBE376}"/>
+                <a16:creationId xmlns:a16="http://schemas.microsoft.com/office/drawing/2014/main" id="{08458E5A-D904-4F83-968A-D96BD79BB32E}"/>
               </a:ext>
             </a:extLst>
           </p:cNvPr>
@@ -6783,8 +7016,8 @@
         </p:nvSpPr>
         <p:spPr>
           <a:xfrm>
-            <a:off x="457200" y="1052163"/>
-            <a:ext cx="8229600" cy="5428522"/>
+            <a:off x="457199" y="1036062"/>
+            <a:ext cx="8297695" cy="5428800"/>
           </a:xfrm>
         </p:spPr>
         <p:txBody>
@@ -6794,106 +7027,75 @@
           <a:lstStyle/>
           <a:p>
             <a:r>
+              <a:rPr lang="en-US" altLang="ko-KR" b="1" dirty="0">
+                <a:solidFill>
+                  <a:schemeClr val="tx1"/>
+                </a:solidFill>
+              </a:rPr>
+              <a:t>MCTS design</a:t>
+            </a:r>
+          </a:p>
+          <a:p>
+            <a:r>
+              <a:rPr lang="en-US" altLang="ko-KR" b="1" dirty="0">
+                <a:solidFill>
+                  <a:schemeClr val="tx1"/>
+                </a:solidFill>
+              </a:rPr>
+              <a:t>Environment</a:t>
+            </a:r>
+            <a:r>
+              <a:rPr lang="ko-KR" altLang="en-US" b="1" dirty="0">
+                <a:solidFill>
+                  <a:schemeClr val="tx1"/>
+                </a:solidFill>
+              </a:rPr>
+              <a:t>를 </a:t>
+            </a:r>
+            <a:r>
+              <a:rPr lang="en-US" altLang="ko-KR" b="1" dirty="0" err="1">
+                <a:solidFill>
+                  <a:schemeClr val="tx1"/>
+                </a:solidFill>
+              </a:rPr>
+              <a:t>samplin</a:t>
+            </a:r>
+            <a:r>
+              <a:rPr lang="ko-KR" altLang="en-US" b="1" dirty="0">
+                <a:solidFill>
+                  <a:schemeClr val="tx1"/>
+                </a:solidFill>
+              </a:rPr>
+              <a:t>해 </a:t>
+            </a:r>
+            <a:r>
+              <a:rPr lang="ko-KR" altLang="en-US" b="1" dirty="0"/>
+              <a:t>학습된 </a:t>
+            </a:r>
+            <a:r>
               <a:rPr lang="en-US" altLang="ko-KR" b="1" dirty="0"/>
-              <a:t>class </a:t>
-            </a:r>
-            <a:r>
-              <a:rPr lang="en-US" altLang="ko-KR" b="1" dirty="0" err="1"/>
-              <a:t>mcts</a:t>
-            </a:r>
-            <a:r>
-              <a:rPr lang="en-US" altLang="ko-KR" b="1" dirty="0"/>
-              <a:t>():</a:t>
-            </a:r>
-          </a:p>
-          <a:p>
-            <a:pPr marL="457200" lvl="1" indent="0">
-              <a:buNone/>
-            </a:pPr>
-            <a:r>
-              <a:rPr lang="en-US" altLang="ko-KR" b="1" dirty="0"/>
-              <a:t>def __</a:t>
-            </a:r>
-            <a:r>
-              <a:rPr lang="en-US" altLang="ko-KR" b="1" dirty="0" err="1"/>
-              <a:t>init</a:t>
-            </a:r>
-            <a:r>
-              <a:rPr lang="en-US" altLang="ko-KR" b="1" dirty="0"/>
-              <a:t>__():</a:t>
-            </a:r>
-          </a:p>
-          <a:p>
-            <a:pPr marL="457200" lvl="1" indent="0">
-              <a:buNone/>
-            </a:pPr>
-            <a:r>
-              <a:rPr lang="en-US" altLang="ko-KR" b="1" dirty="0"/>
-              <a:t>def search():</a:t>
-            </a:r>
-          </a:p>
-          <a:p>
-            <a:pPr marL="457200" lvl="1" indent="0">
-              <a:buNone/>
-            </a:pPr>
-            <a:r>
-              <a:rPr lang="en-US" altLang="ko-KR" b="1" dirty="0"/>
-              <a:t>def </a:t>
-            </a:r>
-            <a:r>
-              <a:rPr lang="en-US" altLang="ko-KR" b="1" dirty="0" err="1"/>
-              <a:t>selectNode</a:t>
-            </a:r>
-            <a:r>
-              <a:rPr lang="en-US" altLang="ko-KR" b="1" dirty="0"/>
-              <a:t>():</a:t>
-            </a:r>
-          </a:p>
-          <a:p>
-            <a:pPr marL="457200" lvl="1" indent="0">
-              <a:buNone/>
-            </a:pPr>
-            <a:r>
-              <a:rPr lang="en-US" altLang="ko-KR" b="1" dirty="0"/>
-              <a:t>def backpropagate():</a:t>
-            </a:r>
-          </a:p>
-          <a:p>
-            <a:pPr marL="457200" lvl="1" indent="0">
-              <a:buNone/>
-            </a:pPr>
-            <a:r>
-              <a:rPr lang="en-US" altLang="ko-KR" b="1" dirty="0"/>
-              <a:t>…</a:t>
-            </a:r>
-          </a:p>
-          <a:p>
-            <a:r>
-              <a:rPr lang="en-US" altLang="ko-KR" b="1" dirty="0"/>
-              <a:t>MCTS algorithm is already implemented in class </a:t>
-            </a:r>
-            <a:r>
-              <a:rPr lang="en-US" altLang="ko-KR" b="1" dirty="0" err="1"/>
-              <a:t>mcts</a:t>
-            </a:r>
-            <a:r>
-              <a:rPr lang="en-US" altLang="ko-KR" b="1" dirty="0"/>
-              <a:t>()</a:t>
-            </a:r>
-          </a:p>
-          <a:p>
-            <a:r>
-              <a:rPr lang="en-US" altLang="ko-KR" b="1" dirty="0"/>
-              <a:t>Several variables needs editing to run Env code in mcts.py </a:t>
-            </a:r>
-            <a:endParaRPr lang="ko-KR" altLang="en-US" b="1" dirty="0"/>
+              <a:t>policy</a:t>
+            </a:r>
+            <a:r>
+              <a:rPr lang="ko-KR" altLang="en-US" b="1" dirty="0"/>
+              <a:t>가 </a:t>
+            </a:r>
+            <a:r>
+              <a:rPr lang="ko-KR" altLang="en-US" b="1" dirty="0" err="1"/>
+              <a:t>과적합되었는지</a:t>
+            </a:r>
+            <a:r>
+              <a:rPr lang="ko-KR" altLang="en-US" b="1" dirty="0"/>
+              <a:t> 확인</a:t>
+            </a:r>
+            <a:endParaRPr lang="en-US" altLang="ko-KR" b="1" dirty="0"/>
           </a:p>
         </p:txBody>
       </p:sp>
     </p:spTree>
     <p:extLst>
       <p:ext uri="{BB962C8B-B14F-4D97-AF65-F5344CB8AC3E}">
-        <p14:creationId xmlns:p14="http://schemas.microsoft.com/office/powerpoint/2010/main" val="2080462866"/>
+        <p14:creationId xmlns:p14="http://schemas.microsoft.com/office/powerpoint/2010/main" val="2061944708"/>
       </p:ext>
     </p:extLst>
   </p:cSld>

--- a/Survey meeting/0719 survey/190719 UGRP 발표자료.pptx
+++ b/Survey meeting/0719 survey/190719 UGRP 발표자료.pptx
@@ -5,29 +5,30 @@
     <p:sldMasterId id="2147483648" r:id="rId1"/>
   </p:sldMasterIdLst>
   <p:notesMasterIdLst>
-    <p:notesMasterId r:id="rId14"/>
+    <p:notesMasterId r:id="rId15"/>
   </p:notesMasterIdLst>
   <p:handoutMasterIdLst>
-    <p:handoutMasterId r:id="rId15"/>
+    <p:handoutMasterId r:id="rId16"/>
   </p:handoutMasterIdLst>
   <p:sldIdLst>
     <p:sldId id="1055" r:id="rId2"/>
     <p:sldId id="1367" r:id="rId3"/>
-    <p:sldId id="1390" r:id="rId4"/>
-    <p:sldId id="1398" r:id="rId5"/>
-    <p:sldId id="1395" r:id="rId6"/>
-    <p:sldId id="1396" r:id="rId7"/>
-    <p:sldId id="1397" r:id="rId8"/>
-    <p:sldId id="1399" r:id="rId9"/>
-    <p:sldId id="1391" r:id="rId10"/>
-    <p:sldId id="1389" r:id="rId11"/>
-    <p:sldId id="1386" r:id="rId12"/>
-    <p:sldId id="1202" r:id="rId13"/>
+    <p:sldId id="1398" r:id="rId4"/>
+    <p:sldId id="1390" r:id="rId5"/>
+    <p:sldId id="1400" r:id="rId6"/>
+    <p:sldId id="1395" r:id="rId7"/>
+    <p:sldId id="1396" r:id="rId8"/>
+    <p:sldId id="1397" r:id="rId9"/>
+    <p:sldId id="1399" r:id="rId10"/>
+    <p:sldId id="1391" r:id="rId11"/>
+    <p:sldId id="1389" r:id="rId12"/>
+    <p:sldId id="1386" r:id="rId13"/>
+    <p:sldId id="1202" r:id="rId14"/>
   </p:sldIdLst>
   <p:sldSz cx="9144000" cy="6858000" type="screen4x3"/>
   <p:notesSz cx="6805613" cy="9939338"/>
   <p:custDataLst>
-    <p:tags r:id="rId16"/>
+    <p:tags r:id="rId17"/>
   </p:custDataLst>
   <p:defaultTextStyle>
     <a:defPPr>
@@ -939,7 +940,7 @@
     </p:spTree>
     <p:extLst>
       <p:ext uri="{BB962C8B-B14F-4D97-AF65-F5344CB8AC3E}">
-        <p14:creationId xmlns:p14="http://schemas.microsoft.com/office/powerpoint/2010/main" val="2884592428"/>
+        <p14:creationId xmlns:p14="http://schemas.microsoft.com/office/powerpoint/2010/main" val="2759586286"/>
       </p:ext>
     </p:extLst>
   </p:cSld>
@@ -1023,7 +1024,7 @@
     </p:spTree>
     <p:extLst>
       <p:ext uri="{BB962C8B-B14F-4D97-AF65-F5344CB8AC3E}">
-        <p14:creationId xmlns:p14="http://schemas.microsoft.com/office/powerpoint/2010/main" val="2759586286"/>
+        <p14:creationId xmlns:p14="http://schemas.microsoft.com/office/powerpoint/2010/main" val="2884592428"/>
       </p:ext>
     </p:extLst>
   </p:cSld>
@@ -1098,7 +1099,7 @@
           <a:p>
             <a:fld id="{B98F8F32-8FB8-B84B-82B3-E896E2106CA1}" type="slidenum">
               <a:rPr lang="en-US" smtClean="0"/>
-              <a:t>8</a:t>
+              <a:t>5</a:t>
             </a:fld>
             <a:endParaRPr lang="en-US" dirty="0"/>
           </a:p>
@@ -1107,7 +1108,7 @@
     </p:spTree>
     <p:extLst>
       <p:ext uri="{BB962C8B-B14F-4D97-AF65-F5344CB8AC3E}">
-        <p14:creationId xmlns:p14="http://schemas.microsoft.com/office/powerpoint/2010/main" val="956800287"/>
+        <p14:creationId xmlns:p14="http://schemas.microsoft.com/office/powerpoint/2010/main" val="1858787133"/>
       </p:ext>
     </p:extLst>
   </p:cSld>
@@ -1191,7 +1192,7 @@
     </p:spTree>
     <p:extLst>
       <p:ext uri="{BB962C8B-B14F-4D97-AF65-F5344CB8AC3E}">
-        <p14:creationId xmlns:p14="http://schemas.microsoft.com/office/powerpoint/2010/main" val="1321410617"/>
+        <p14:creationId xmlns:p14="http://schemas.microsoft.com/office/powerpoint/2010/main" val="956800287"/>
       </p:ext>
     </p:extLst>
   </p:cSld>
@@ -1267,6 +1268,90 @@
             <a:fld id="{B98F8F32-8FB8-B84B-82B3-E896E2106CA1}" type="slidenum">
               <a:rPr lang="en-US" smtClean="0"/>
               <a:t>10</a:t>
+            </a:fld>
+            <a:endParaRPr lang="en-US" dirty="0"/>
+          </a:p>
+        </p:txBody>
+      </p:sp>
+    </p:spTree>
+    <p:extLst>
+      <p:ext uri="{BB962C8B-B14F-4D97-AF65-F5344CB8AC3E}">
+        <p14:creationId xmlns:p14="http://schemas.microsoft.com/office/powerpoint/2010/main" val="1321410617"/>
+      </p:ext>
+    </p:extLst>
+  </p:cSld>
+  <p:clrMapOvr>
+    <a:masterClrMapping/>
+  </p:clrMapOvr>
+</p:notes>
+</file>
+
+<file path=ppt/notesSlides/notesSlide8.xml><?xml version="1.0" encoding="utf-8"?>
+<p:notes xmlns:a="http://schemas.openxmlformats.org/drawingml/2006/main" xmlns:r="http://schemas.openxmlformats.org/officeDocument/2006/relationships" xmlns:p="http://schemas.openxmlformats.org/presentationml/2006/main">
+  <p:cSld>
+    <p:spTree>
+      <p:nvGrpSpPr>
+        <p:cNvPr id="1" name=""/>
+        <p:cNvGrpSpPr/>
+        <p:nvPr/>
+      </p:nvGrpSpPr>
+      <p:grpSpPr>
+        <a:xfrm>
+          <a:off x="0" y="0"/>
+          <a:ext cx="0" cy="0"/>
+          <a:chOff x="0" y="0"/>
+          <a:chExt cx="0" cy="0"/>
+        </a:xfrm>
+      </p:grpSpPr>
+      <p:sp>
+        <p:nvSpPr>
+          <p:cNvPr id="2" name="슬라이드 이미지 개체 틀 1"/>
+          <p:cNvSpPr>
+            <a:spLocks noGrp="1" noRot="1" noChangeAspect="1"/>
+          </p:cNvSpPr>
+          <p:nvPr>
+            <p:ph type="sldImg"/>
+          </p:nvPr>
+        </p:nvSpPr>
+        <p:spPr/>
+      </p:sp>
+      <p:sp>
+        <p:nvSpPr>
+          <p:cNvPr id="3" name="슬라이드 노트 개체 틀 2"/>
+          <p:cNvSpPr>
+            <a:spLocks noGrp="1"/>
+          </p:cNvSpPr>
+          <p:nvPr>
+            <p:ph type="body" idx="1"/>
+          </p:nvPr>
+        </p:nvSpPr>
+        <p:spPr/>
+        <p:txBody>
+          <a:bodyPr/>
+          <a:lstStyle/>
+          <a:p>
+            <a:endParaRPr lang="ko-KR" altLang="en-US" dirty="0"/>
+          </a:p>
+        </p:txBody>
+      </p:sp>
+      <p:sp>
+        <p:nvSpPr>
+          <p:cNvPr id="4" name="슬라이드 번호 개체 틀 3"/>
+          <p:cNvSpPr>
+            <a:spLocks noGrp="1"/>
+          </p:cNvSpPr>
+          <p:nvPr>
+            <p:ph type="sldNum" sz="quarter" idx="10"/>
+          </p:nvPr>
+        </p:nvSpPr>
+        <p:spPr/>
+        <p:txBody>
+          <a:bodyPr/>
+          <a:lstStyle/>
+          <a:p>
+            <a:fld id="{B98F8F32-8FB8-B84B-82B3-E896E2106CA1}" type="slidenum">
+              <a:rPr lang="en-US" smtClean="0"/>
+              <a:t>11</a:t>
             </a:fld>
             <a:endParaRPr lang="en-US" dirty="0"/>
           </a:p>
@@ -4299,2813 +4384,6 @@
 </file>
 
 <file path=ppt/slides/slide10.xml><?xml version="1.0" encoding="utf-8"?>
-<p:sld xmlns:a="http://schemas.openxmlformats.org/drawingml/2006/main" xmlns:r="http://schemas.openxmlformats.org/officeDocument/2006/relationships" xmlns:p="http://schemas.openxmlformats.org/presentationml/2006/main">
-  <p:cSld>
-    <p:spTree>
-      <p:nvGrpSpPr>
-        <p:cNvPr id="1" name=""/>
-        <p:cNvGrpSpPr/>
-        <p:nvPr/>
-      </p:nvGrpSpPr>
-      <p:grpSpPr>
-        <a:xfrm>
-          <a:off x="0" y="0"/>
-          <a:ext cx="0" cy="0"/>
-          <a:chOff x="0" y="0"/>
-          <a:chExt cx="0" cy="0"/>
-        </a:xfrm>
-      </p:grpSpPr>
-      <p:sp>
-        <p:nvSpPr>
-          <p:cNvPr id="2" name="제목 1">
-            <a:extLst>
-              <a:ext uri="{FF2B5EF4-FFF2-40B4-BE49-F238E27FC236}">
-                <a16:creationId xmlns:a16="http://schemas.microsoft.com/office/drawing/2014/main" id="{F5F63D42-1E06-4A5B-9AAA-45F95E0B04D0}"/>
-              </a:ext>
-            </a:extLst>
-          </p:cNvPr>
-          <p:cNvSpPr>
-            <a:spLocks noGrp="1"/>
-          </p:cNvSpPr>
-          <p:nvPr>
-            <p:ph type="title"/>
-          </p:nvPr>
-        </p:nvSpPr>
-        <p:spPr>
-          <a:xfrm>
-            <a:off x="116681" y="-4"/>
-            <a:ext cx="8910637" cy="987425"/>
-          </a:xfrm>
-        </p:spPr>
-        <p:txBody>
-          <a:bodyPr/>
-          <a:lstStyle/>
-          <a:p>
-            <a:r>
-              <a:rPr lang="en-US" altLang="ko-KR" dirty="0"/>
-              <a:t>Future Plan(next week) </a:t>
-            </a:r>
-            <a:r>
-              <a:rPr lang="en-US" altLang="ko-KR" sz="2000" dirty="0"/>
-              <a:t>at 7/5</a:t>
-            </a:r>
-            <a:endParaRPr lang="ko-KR" altLang="en-US" sz="2000" dirty="0"/>
-          </a:p>
-        </p:txBody>
-      </p:sp>
-      <p:sp>
-        <p:nvSpPr>
-          <p:cNvPr id="3" name="내용 개체 틀 2">
-            <a:extLst>
-              <a:ext uri="{FF2B5EF4-FFF2-40B4-BE49-F238E27FC236}">
-                <a16:creationId xmlns:a16="http://schemas.microsoft.com/office/drawing/2014/main" id="{08458E5A-D904-4F83-968A-D96BD79BB32E}"/>
-              </a:ext>
-            </a:extLst>
-          </p:cNvPr>
-          <p:cNvSpPr>
-            <a:spLocks noGrp="1"/>
-          </p:cNvSpPr>
-          <p:nvPr>
-            <p:ph idx="1"/>
-          </p:nvPr>
-        </p:nvSpPr>
-        <p:spPr>
-          <a:xfrm>
-            <a:off x="457199" y="1036062"/>
-            <a:ext cx="8297695" cy="5428800"/>
-          </a:xfrm>
-        </p:spPr>
-        <p:txBody>
-          <a:bodyPr>
-            <a:normAutofit/>
-          </a:bodyPr>
-          <a:lstStyle/>
-          <a:p>
-            <a:endParaRPr lang="en-US" altLang="ko-KR" dirty="0">
-              <a:solidFill>
-                <a:schemeClr val="tx1">
-                  <a:lumMod val="75000"/>
-                  <a:lumOff val="25000"/>
-                </a:schemeClr>
-              </a:solidFill>
-            </a:endParaRPr>
-          </a:p>
-          <a:p>
-            <a:endParaRPr lang="en-US" altLang="ko-KR" dirty="0">
-              <a:solidFill>
-                <a:schemeClr val="tx1">
-                  <a:lumMod val="75000"/>
-                  <a:lumOff val="25000"/>
-                </a:schemeClr>
-              </a:solidFill>
-            </a:endParaRPr>
-          </a:p>
-          <a:p>
-            <a:endParaRPr lang="en-US" altLang="ko-KR" dirty="0">
-              <a:solidFill>
-                <a:schemeClr val="tx1">
-                  <a:lumMod val="75000"/>
-                  <a:lumOff val="25000"/>
-                </a:schemeClr>
-              </a:solidFill>
-            </a:endParaRPr>
-          </a:p>
-          <a:p>
-            <a:endParaRPr lang="en-US" altLang="ko-KR" dirty="0">
-              <a:solidFill>
-                <a:schemeClr val="tx1">
-                  <a:lumMod val="75000"/>
-                  <a:lumOff val="25000"/>
-                </a:schemeClr>
-              </a:solidFill>
-            </a:endParaRPr>
-          </a:p>
-        </p:txBody>
-      </p:sp>
-      <p:pic>
-        <p:nvPicPr>
-          <p:cNvPr id="1026" name="Picture 2" descr="ê´ë ¨ ì´ë¯¸ì§">
-            <a:extLst>
-              <a:ext uri="{FF2B5EF4-FFF2-40B4-BE49-F238E27FC236}">
-                <a16:creationId xmlns:a16="http://schemas.microsoft.com/office/drawing/2014/main" id="{10C0BC41-E8F1-4660-8C3A-FE406D719765}"/>
-              </a:ext>
-            </a:extLst>
-          </p:cNvPr>
-          <p:cNvPicPr>
-            <a:picLocks noChangeAspect="1" noChangeArrowheads="1"/>
-          </p:cNvPicPr>
-          <p:nvPr/>
-        </p:nvPicPr>
-        <p:blipFill>
-          <a:blip r:embed="rId3">
-            <a:extLst>
-              <a:ext uri="{28A0092B-C50C-407E-A947-70E740481C1C}">
-                <a14:useLocalDpi xmlns:a14="http://schemas.microsoft.com/office/drawing/2010/main" val="0"/>
-              </a:ext>
-            </a:extLst>
-          </a:blip>
-          <a:srcRect/>
-          <a:stretch>
-            <a:fillRect/>
-          </a:stretch>
-        </p:blipFill>
-        <p:spPr bwMode="auto">
-          <a:xfrm>
-            <a:off x="1748546" y="2300498"/>
-            <a:ext cx="5715000" cy="3362325"/>
-          </a:xfrm>
-          <a:prstGeom prst="rect">
-            <a:avLst/>
-          </a:prstGeom>
-          <a:noFill/>
-          <a:extLst>
-            <a:ext uri="{909E8E84-426E-40DD-AFC4-6F175D3DCCD1}">
-              <a14:hiddenFill xmlns:a14="http://schemas.microsoft.com/office/drawing/2010/main">
-                <a:solidFill>
-                  <a:srgbClr val="FFFFFF"/>
-                </a:solidFill>
-              </a14:hiddenFill>
-            </a:ext>
-          </a:extLst>
-        </p:spPr>
-      </p:pic>
-      <p:sp>
-        <p:nvSpPr>
-          <p:cNvPr id="6" name="TextBox 5">
-            <a:extLst>
-              <a:ext uri="{FF2B5EF4-FFF2-40B4-BE49-F238E27FC236}">
-                <a16:creationId xmlns:a16="http://schemas.microsoft.com/office/drawing/2014/main" id="{F348C021-381F-4ECD-8331-0A214A1EEC1A}"/>
-              </a:ext>
-            </a:extLst>
-          </p:cNvPr>
-          <p:cNvSpPr txBox="1"/>
-          <p:nvPr/>
-        </p:nvSpPr>
-        <p:spPr>
-          <a:xfrm>
-            <a:off x="6478529" y="5363177"/>
-            <a:ext cx="1883102" cy="646331"/>
-          </a:xfrm>
-          <a:prstGeom prst="rect">
-            <a:avLst/>
-          </a:prstGeom>
-          <a:noFill/>
-        </p:spPr>
-        <p:txBody>
-          <a:bodyPr wrap="square" rtlCol="0">
-            <a:spAutoFit/>
-          </a:bodyPr>
-          <a:lstStyle/>
-          <a:p>
-            <a:r>
-              <a:rPr lang="en-US" altLang="ko-KR" b="1" dirty="0">
-                <a:solidFill>
-                  <a:srgbClr val="FF0000"/>
-                </a:solidFill>
-              </a:rPr>
-              <a:t>In progress – MCTS module</a:t>
-            </a:r>
-          </a:p>
-        </p:txBody>
-      </p:sp>
-    </p:spTree>
-    <p:extLst>
-      <p:ext uri="{BB962C8B-B14F-4D97-AF65-F5344CB8AC3E}">
-        <p14:creationId xmlns:p14="http://schemas.microsoft.com/office/powerpoint/2010/main" val="2239232316"/>
-      </p:ext>
-    </p:extLst>
-  </p:cSld>
-  <p:clrMapOvr>
-    <a:masterClrMapping/>
-  </p:clrMapOvr>
-</p:sld>
-</file>
-
-<file path=ppt/slides/slide11.xml><?xml version="1.0" encoding="utf-8"?>
-<p:sld xmlns:a="http://schemas.openxmlformats.org/drawingml/2006/main" xmlns:r="http://schemas.openxmlformats.org/officeDocument/2006/relationships" xmlns:p="http://schemas.openxmlformats.org/presentationml/2006/main">
-  <p:cSld>
-    <p:spTree>
-      <p:nvGrpSpPr>
-        <p:cNvPr id="1" name=""/>
-        <p:cNvGrpSpPr/>
-        <p:nvPr/>
-      </p:nvGrpSpPr>
-      <p:grpSpPr>
-        <a:xfrm>
-          <a:off x="0" y="0"/>
-          <a:ext cx="0" cy="0"/>
-          <a:chOff x="0" y="0"/>
-          <a:chExt cx="0" cy="0"/>
-        </a:xfrm>
-      </p:grpSpPr>
-      <p:sp>
-        <p:nvSpPr>
-          <p:cNvPr id="2" name="제목 1">
-            <a:extLst>
-              <a:ext uri="{FF2B5EF4-FFF2-40B4-BE49-F238E27FC236}">
-                <a16:creationId xmlns:a16="http://schemas.microsoft.com/office/drawing/2014/main" id="{D479E31B-A679-4AE2-A74F-D35A39E82A40}"/>
-              </a:ext>
-            </a:extLst>
-          </p:cNvPr>
-          <p:cNvSpPr>
-            <a:spLocks noGrp="1"/>
-          </p:cNvSpPr>
-          <p:nvPr>
-            <p:ph type="title"/>
-          </p:nvPr>
-        </p:nvSpPr>
-        <p:spPr>
-          <a:xfrm>
-            <a:off x="116681" y="0"/>
-            <a:ext cx="8910637" cy="987425"/>
-          </a:xfrm>
-        </p:spPr>
-        <p:txBody>
-          <a:bodyPr/>
-          <a:lstStyle/>
-          <a:p>
-            <a:r>
-              <a:rPr lang="en-US" altLang="ko-KR" dirty="0"/>
-              <a:t>Future plan(one month) </a:t>
-            </a:r>
-            <a:r>
-              <a:rPr lang="en-US" altLang="ko-KR" sz="2000" dirty="0"/>
-              <a:t>at 7/5</a:t>
-            </a:r>
-            <a:endParaRPr lang="ko-KR" altLang="en-US" sz="2000" dirty="0"/>
-          </a:p>
-        </p:txBody>
-      </p:sp>
-      <mc:AlternateContent xmlns:mc="http://schemas.openxmlformats.org/markup-compatibility/2006" xmlns:a14="http://schemas.microsoft.com/office/drawing/2010/main">
-        <mc:Choice Requires="a14">
-          <p:sp>
-            <p:nvSpPr>
-              <p:cNvPr id="3" name="내용 개체 틀 2">
-                <a:extLst>
-                  <a:ext uri="{FF2B5EF4-FFF2-40B4-BE49-F238E27FC236}">
-                    <a16:creationId xmlns:a16="http://schemas.microsoft.com/office/drawing/2014/main" id="{76A2C441-517F-450A-A437-5A34F2F7B7E1}"/>
-                  </a:ext>
-                </a:extLst>
-              </p:cNvPr>
-              <p:cNvSpPr>
-                <a:spLocks noGrp="1"/>
-              </p:cNvSpPr>
-              <p:nvPr>
-                <p:ph idx="1"/>
-              </p:nvPr>
-            </p:nvSpPr>
-            <p:spPr/>
-            <p:txBody>
-              <a:bodyPr/>
-              <a:lstStyle/>
-              <a:p>
-                <a:r>
-                  <a:rPr lang="en-US" altLang="ko-KR" dirty="0">
-                    <a:solidFill>
-                      <a:schemeClr val="tx1"/>
-                    </a:solidFill>
-                  </a:rPr>
-                  <a:t>Program RL code by </a:t>
-                </a:r>
-                <a:r>
-                  <a:rPr lang="en-US" altLang="ko-KR" dirty="0" err="1">
-                    <a:solidFill>
-                      <a:schemeClr val="tx1"/>
-                    </a:solidFill>
-                  </a:rPr>
-                  <a:t>Tensorflow</a:t>
-                </a:r>
-                <a:r>
-                  <a:rPr lang="en-US" altLang="ko-KR" dirty="0">
-                    <a:solidFill>
-                      <a:schemeClr val="tx1"/>
-                    </a:solidFill>
-                  </a:rPr>
-                  <a:t> Library</a:t>
-                </a:r>
-              </a:p>
-              <a:p>
-                <a:r>
-                  <a:rPr lang="en-US" altLang="ko-KR" dirty="0">
-                    <a:solidFill>
-                      <a:schemeClr val="tx1"/>
-                    </a:solidFill>
-                  </a:rPr>
-                  <a:t>Apply UDN at our</a:t>
-                </a:r>
-                <a:r>
-                  <a:rPr lang="ko-KR" altLang="en-US" dirty="0">
-                    <a:solidFill>
-                      <a:schemeClr val="tx1"/>
-                    </a:solidFill>
-                  </a:rPr>
-                  <a:t> </a:t>
-                </a:r>
-                <a:r>
-                  <a:rPr lang="en-US" altLang="ko-KR" dirty="0">
-                    <a:solidFill>
-                      <a:schemeClr val="tx1"/>
-                    </a:solidFill>
-                  </a:rPr>
-                  <a:t>Environment</a:t>
-                </a:r>
-              </a:p>
-              <a:p>
-                <a:pPr lvl="1"/>
-                <a:r>
-                  <a:rPr lang="en-US" altLang="ko-KR" dirty="0">
-                    <a:solidFill>
-                      <a:schemeClr val="tx1"/>
-                    </a:solidFill>
-                  </a:rPr>
-                  <a:t>Consider </a:t>
-                </a:r>
-                <a:r>
-                  <a:rPr lang="en-US" altLang="ko-KR" dirty="0" err="1">
-                    <a:solidFill>
-                      <a:schemeClr val="tx1"/>
-                    </a:solidFill>
-                  </a:rPr>
-                  <a:t>LoS</a:t>
-                </a:r>
-                <a:r>
-                  <a:rPr lang="en-US" altLang="ko-KR" dirty="0">
-                    <a:solidFill>
-                      <a:schemeClr val="tx1"/>
-                    </a:solidFill>
-                  </a:rPr>
-                  <a:t>, </a:t>
-                </a:r>
-                <a:r>
-                  <a:rPr lang="en-US" altLang="ko-KR" dirty="0" err="1">
-                    <a:solidFill>
-                      <a:schemeClr val="tx1"/>
-                    </a:solidFill>
-                  </a:rPr>
-                  <a:t>NLoS</a:t>
-                </a:r>
-                <a:r>
-                  <a:rPr lang="en-US" altLang="ko-KR" dirty="0">
-                    <a:solidFill>
-                      <a:schemeClr val="tx1"/>
-                    </a:solidFill>
-                  </a:rPr>
-                  <a:t>, Interference</a:t>
-                </a:r>
-              </a:p>
-              <a:p>
-                <a:pPr lvl="1"/>
-                <a:r>
-                  <a:rPr lang="en-US" altLang="ko-KR" dirty="0">
-                    <a:solidFill>
-                      <a:schemeClr val="tx1"/>
-                    </a:solidFill>
-                  </a:rPr>
-                  <a:t>Set BS density for UDN</a:t>
-                </a:r>
-              </a:p>
-              <a:p>
-                <a:pPr lvl="1"/>
-                <a:r>
-                  <a:rPr lang="en-US" altLang="ko-KR" dirty="0">
-                    <a:solidFill>
-                      <a:schemeClr val="tx1"/>
-                    </a:solidFill>
-                  </a:rPr>
-                  <a:t>Consider all BS state change concurrently </a:t>
-                </a:r>
-              </a:p>
-              <a:p>
-                <a:pPr lvl="1"/>
-                <a:r>
-                  <a:rPr lang="en-US" altLang="ko-KR" dirty="0">
-                    <a:solidFill>
-                      <a:schemeClr val="tx1"/>
-                    </a:solidFill>
-                  </a:rPr>
-                  <a:t>Update reward</a:t>
-                </a:r>
-              </a:p>
-              <a:p>
-                <a:pPr lvl="2"/>
-                <a:r>
-                  <a:rPr lang="en-US" altLang="ko-KR" dirty="0">
-                    <a:solidFill>
-                      <a:schemeClr val="tx1"/>
-                    </a:solidFill>
-                  </a:rPr>
-                  <a:t>consider Energy Consumption</a:t>
-                </a:r>
-              </a:p>
-              <a:p>
-                <a:pPr lvl="2"/>
-                <a:r>
-                  <a:rPr lang="en-US" altLang="ko-KR" dirty="0">
-                    <a:solidFill>
-                      <a:schemeClr val="tx1"/>
-                    </a:solidFill>
-                  </a:rPr>
-                  <a:t>SNR </a:t>
-                </a:r>
-              </a:p>
-              <a:p>
-                <a:pPr lvl="2"/>
-                <a:r>
-                  <a:rPr lang="en-US" altLang="ko-KR" dirty="0">
-                    <a:solidFill>
-                      <a:schemeClr val="tx1"/>
-                    </a:solidFill>
-                  </a:rPr>
-                  <a:t>Terminal condition - reach at Terminal Node or SNR &lt; threshold </a:t>
-                </a:r>
-                <a14:m>
-                  <m:oMath xmlns:m="http://schemas.openxmlformats.org/officeDocument/2006/math">
-                    <m:r>
-                      <a:rPr lang="en-US" altLang="ko-KR" b="0" i="1" smtClean="0">
-                        <a:solidFill>
-                          <a:schemeClr val="tx1"/>
-                        </a:solidFill>
-                        <a:latin typeface="Cambria Math" panose="02040503050406030204" pitchFamily="18" charset="0"/>
-                      </a:rPr>
-                      <m:t>𝜃</m:t>
-                    </m:r>
-                  </m:oMath>
-                </a14:m>
-                <a:endParaRPr lang="en-US" altLang="ko-KR" dirty="0">
-                  <a:solidFill>
-                    <a:schemeClr val="tx1"/>
-                  </a:solidFill>
-                </a:endParaRPr>
-              </a:p>
-              <a:p>
-                <a:r>
-                  <a:rPr lang="en-US" altLang="ko-KR" dirty="0">
-                    <a:solidFill>
-                      <a:schemeClr val="tx1"/>
-                    </a:solidFill>
-                  </a:rPr>
-                  <a:t>Update RL code for programmed env code</a:t>
-                </a:r>
-              </a:p>
-              <a:p>
-                <a:endParaRPr lang="en-US" altLang="ko-KR" dirty="0">
-                  <a:solidFill>
-                    <a:schemeClr val="tx1"/>
-                  </a:solidFill>
-                </a:endParaRPr>
-              </a:p>
-            </p:txBody>
-          </p:sp>
-        </mc:Choice>
-        <mc:Fallback xmlns="">
-          <p:sp>
-            <p:nvSpPr>
-              <p:cNvPr id="3" name="내용 개체 틀 2">
-                <a:extLst>
-                  <a:ext uri="{FF2B5EF4-FFF2-40B4-BE49-F238E27FC236}">
-                    <a16:creationId xmlns:a16="http://schemas.microsoft.com/office/drawing/2014/main" id="{76A2C441-517F-450A-A437-5A34F2F7B7E1}"/>
-                  </a:ext>
-                </a:extLst>
-              </p:cNvPr>
-              <p:cNvSpPr>
-                <a:spLocks noGrp="1" noRot="1" noChangeAspect="1" noMove="1" noResize="1" noEditPoints="1" noAdjustHandles="1" noChangeArrowheads="1" noChangeShapeType="1" noTextEdit="1"/>
-              </p:cNvSpPr>
-              <p:nvPr>
-                <p:ph idx="1"/>
-              </p:nvPr>
-            </p:nvSpPr>
-            <p:spPr>
-              <a:blipFill>
-                <a:blip r:embed="rId2"/>
-                <a:stretch>
-                  <a:fillRect t="-787"/>
-                </a:stretch>
-              </a:blipFill>
-            </p:spPr>
-            <p:txBody>
-              <a:bodyPr/>
-              <a:lstStyle/>
-              <a:p>
-                <a:r>
-                  <a:rPr lang="ko-KR" altLang="en-US">
-                    <a:noFill/>
-                  </a:rPr>
-                  <a:t> </a:t>
-                </a:r>
-              </a:p>
-            </p:txBody>
-          </p:sp>
-        </mc:Fallback>
-      </mc:AlternateContent>
-    </p:spTree>
-    <p:extLst>
-      <p:ext uri="{BB962C8B-B14F-4D97-AF65-F5344CB8AC3E}">
-        <p14:creationId xmlns:p14="http://schemas.microsoft.com/office/powerpoint/2010/main" val="3739733913"/>
-      </p:ext>
-    </p:extLst>
-  </p:cSld>
-  <p:clrMapOvr>
-    <a:masterClrMapping/>
-  </p:clrMapOvr>
-</p:sld>
-</file>
-
-<file path=ppt/slides/slide12.xml><?xml version="1.0" encoding="utf-8"?>
-<p:sld xmlns:a="http://schemas.openxmlformats.org/drawingml/2006/main" xmlns:r="http://schemas.openxmlformats.org/officeDocument/2006/relationships" xmlns:p="http://schemas.openxmlformats.org/presentationml/2006/main">
-  <p:cSld>
-    <p:spTree>
-      <p:nvGrpSpPr>
-        <p:cNvPr id="1" name=""/>
-        <p:cNvGrpSpPr/>
-        <p:nvPr/>
-      </p:nvGrpSpPr>
-      <p:grpSpPr>
-        <a:xfrm>
-          <a:off x="0" y="0"/>
-          <a:ext cx="0" cy="0"/>
-          <a:chOff x="0" y="0"/>
-          <a:chExt cx="0" cy="0"/>
-        </a:xfrm>
-      </p:grpSpPr>
-      <p:sp>
-        <p:nvSpPr>
-          <p:cNvPr id="7" name="Title 4"/>
-          <p:cNvSpPr>
-            <a:spLocks noGrp="1"/>
-          </p:cNvSpPr>
-          <p:nvPr>
-            <p:ph type="title"/>
-          </p:nvPr>
-        </p:nvSpPr>
-        <p:spPr>
-          <a:effectLst>
-            <a:outerShdw blurRad="50800" dist="38100" dir="2700000" algn="tl" rotWithShape="0">
-              <a:prstClr val="black">
-                <a:alpha val="40000"/>
-              </a:prstClr>
-            </a:outerShdw>
-          </a:effectLst>
-        </p:spPr>
-        <p:txBody>
-          <a:bodyPr/>
-          <a:lstStyle/>
-          <a:p>
-            <a:pPr>
-              <a:defRPr/>
-            </a:pPr>
-            <a:r>
-              <a:rPr lang="en-US" b="0" dirty="0"/>
-              <a:t>Thank you</a:t>
-            </a:r>
-          </a:p>
-        </p:txBody>
-      </p:sp>
-      <p:sp>
-        <p:nvSpPr>
-          <p:cNvPr id="3" name="Text Placeholder 2"/>
-          <p:cNvSpPr>
-            <a:spLocks noGrp="1"/>
-          </p:cNvSpPr>
-          <p:nvPr>
-            <p:ph type="body" idx="1"/>
-          </p:nvPr>
-        </p:nvSpPr>
-        <p:spPr/>
-        <p:txBody>
-          <a:bodyPr/>
-          <a:lstStyle/>
-          <a:p>
-            <a:pPr>
-              <a:defRPr/>
-            </a:pPr>
-            <a:r>
-              <a:rPr lang="en-US" dirty="0"/>
-              <a:t>Any Questions? </a:t>
-            </a:r>
-          </a:p>
-        </p:txBody>
-      </p:sp>
-      <p:sp>
-        <p:nvSpPr>
-          <p:cNvPr id="10" name="Text Placeholder 2"/>
-          <p:cNvSpPr txBox="1">
-            <a:spLocks/>
-          </p:cNvSpPr>
-          <p:nvPr/>
-        </p:nvSpPr>
-        <p:spPr bwMode="auto">
-          <a:xfrm>
-            <a:off x="750888" y="4005263"/>
-            <a:ext cx="7772400" cy="1500187"/>
-          </a:xfrm>
-          <a:prstGeom prst="rect">
-            <a:avLst/>
-          </a:prstGeom>
-          <a:noFill/>
-          <a:ln>
-            <a:noFill/>
-          </a:ln>
-          <a:extLst>
-            <a:ext uri="{909E8E84-426E-40DD-AFC4-6F175D3DCCD1}">
-              <a14:hiddenFill xmlns:a14="http://schemas.microsoft.com/office/drawing/2010/main">
-                <a:solidFill>
-                  <a:srgbClr val="FFFFFF"/>
-                </a:solidFill>
-              </a14:hiddenFill>
-            </a:ext>
-            <a:ext uri="{91240B29-F687-4F45-9708-019B960494DF}">
-              <a14:hiddenLine xmlns:a14="http://schemas.microsoft.com/office/drawing/2010/main" w="9525">
-                <a:solidFill>
-                  <a:srgbClr val="000000"/>
-                </a:solidFill>
-                <a:miter lim="800000"/>
-                <a:headEnd/>
-                <a:tailEnd/>
-              </a14:hiddenLine>
-            </a:ext>
-            <a:ext uri="{FAA26D3D-D897-4be2-8F04-BA451C77F1D7}">
-              <ma14:placeholderFlag xmlns:ma14="http://schemas.microsoft.com/office/mac/drawingml/2011/main" xmlns="" val="1"/>
-            </a:ext>
-          </a:extLst>
-        </p:spPr>
-        <p:txBody>
-          <a:bodyPr anchor="b"/>
-          <a:lstStyle>
-            <a:lvl1pPr marL="0" indent="0" algn="l" defTabSz="457200" rtl="0" eaLnBrk="0" fontAlgn="base" hangingPunct="0">
-              <a:spcBef>
-                <a:spcPct val="20000"/>
-              </a:spcBef>
-              <a:spcAft>
-                <a:spcPct val="0"/>
-              </a:spcAft>
-              <a:buFont typeface="Arial" charset="0"/>
-              <a:buNone/>
-              <a:defRPr sz="2000" kern="1200">
-                <a:solidFill>
-                  <a:schemeClr val="tx1">
-                    <a:tint val="75000"/>
-                  </a:schemeClr>
-                </a:solidFill>
-                <a:latin typeface="+mn-lt"/>
-                <a:ea typeface="ＭＳ Ｐゴシック" pitchFamily="-112" charset="-128"/>
-                <a:cs typeface="ＭＳ Ｐゴシック" pitchFamily="-112" charset="-128"/>
-              </a:defRPr>
-            </a:lvl1pPr>
-            <a:lvl2pPr marL="457200" indent="0" algn="l" defTabSz="457200" rtl="0" eaLnBrk="0" fontAlgn="base" hangingPunct="0">
-              <a:spcBef>
-                <a:spcPct val="20000"/>
-              </a:spcBef>
-              <a:spcAft>
-                <a:spcPct val="0"/>
-              </a:spcAft>
-              <a:buFont typeface="Arial" charset="0"/>
-              <a:buNone/>
-              <a:defRPr sz="1800" kern="1200">
-                <a:solidFill>
-                  <a:schemeClr val="tx1">
-                    <a:tint val="75000"/>
-                  </a:schemeClr>
-                </a:solidFill>
-                <a:latin typeface="+mn-lt"/>
-                <a:ea typeface="ＭＳ Ｐゴシック" pitchFamily="-112" charset="-128"/>
-                <a:cs typeface="+mn-cs"/>
-              </a:defRPr>
-            </a:lvl2pPr>
-            <a:lvl3pPr marL="914400" indent="0" algn="l" defTabSz="457200" rtl="0" eaLnBrk="0" fontAlgn="base" hangingPunct="0">
-              <a:spcBef>
-                <a:spcPct val="20000"/>
-              </a:spcBef>
-              <a:spcAft>
-                <a:spcPct val="0"/>
-              </a:spcAft>
-              <a:buFont typeface="Arial" charset="0"/>
-              <a:buNone/>
-              <a:defRPr sz="1600" kern="1200">
-                <a:solidFill>
-                  <a:schemeClr val="tx1">
-                    <a:tint val="75000"/>
-                  </a:schemeClr>
-                </a:solidFill>
-                <a:latin typeface="+mn-lt"/>
-                <a:ea typeface="ＭＳ Ｐゴシック" pitchFamily="-112" charset="-128"/>
-                <a:cs typeface="+mn-cs"/>
-              </a:defRPr>
-            </a:lvl3pPr>
-            <a:lvl4pPr marL="1371600" indent="0" algn="l" defTabSz="457200" rtl="0" eaLnBrk="0" fontAlgn="base" hangingPunct="0">
-              <a:spcBef>
-                <a:spcPct val="20000"/>
-              </a:spcBef>
-              <a:spcAft>
-                <a:spcPct val="0"/>
-              </a:spcAft>
-              <a:buFont typeface="Arial" charset="0"/>
-              <a:buNone/>
-              <a:defRPr sz="1400" kern="1200">
-                <a:solidFill>
-                  <a:schemeClr val="tx1">
-                    <a:tint val="75000"/>
-                  </a:schemeClr>
-                </a:solidFill>
-                <a:latin typeface="+mn-lt"/>
-                <a:ea typeface="ＭＳ Ｐゴシック" pitchFamily="-112" charset="-128"/>
-                <a:cs typeface="+mn-cs"/>
-              </a:defRPr>
-            </a:lvl4pPr>
-            <a:lvl5pPr marL="1828800" indent="0" algn="l" defTabSz="457200" rtl="0" eaLnBrk="0" fontAlgn="base" hangingPunct="0">
-              <a:spcBef>
-                <a:spcPct val="20000"/>
-              </a:spcBef>
-              <a:spcAft>
-                <a:spcPct val="0"/>
-              </a:spcAft>
-              <a:buFont typeface="Arial" charset="0"/>
-              <a:buNone/>
-              <a:defRPr sz="1400" kern="1200">
-                <a:solidFill>
-                  <a:schemeClr val="tx1">
-                    <a:tint val="75000"/>
-                  </a:schemeClr>
-                </a:solidFill>
-                <a:latin typeface="+mn-lt"/>
-                <a:ea typeface="ＭＳ Ｐゴシック" pitchFamily="-112" charset="-128"/>
-                <a:cs typeface="+mn-cs"/>
-              </a:defRPr>
-            </a:lvl5pPr>
-            <a:lvl6pPr marL="2286000" indent="0" algn="l" defTabSz="457200" rtl="0" eaLnBrk="1" latinLnBrk="0" hangingPunct="1">
-              <a:spcBef>
-                <a:spcPct val="20000"/>
-              </a:spcBef>
-              <a:buFont typeface="Arial"/>
-              <a:buNone/>
-              <a:defRPr sz="1400" kern="1200">
-                <a:solidFill>
-                  <a:schemeClr val="tx1">
-                    <a:tint val="75000"/>
-                  </a:schemeClr>
-                </a:solidFill>
-                <a:latin typeface="+mn-lt"/>
-                <a:ea typeface="+mn-ea"/>
-                <a:cs typeface="+mn-cs"/>
-              </a:defRPr>
-            </a:lvl6pPr>
-            <a:lvl7pPr marL="2743200" indent="0" algn="l" defTabSz="457200" rtl="0" eaLnBrk="1" latinLnBrk="0" hangingPunct="1">
-              <a:spcBef>
-                <a:spcPct val="20000"/>
-              </a:spcBef>
-              <a:buFont typeface="Arial"/>
-              <a:buNone/>
-              <a:defRPr sz="1400" kern="1200">
-                <a:solidFill>
-                  <a:schemeClr val="tx1">
-                    <a:tint val="75000"/>
-                  </a:schemeClr>
-                </a:solidFill>
-                <a:latin typeface="+mn-lt"/>
-                <a:ea typeface="+mn-ea"/>
-                <a:cs typeface="+mn-cs"/>
-              </a:defRPr>
-            </a:lvl7pPr>
-            <a:lvl8pPr marL="3200400" indent="0" algn="l" defTabSz="457200" rtl="0" eaLnBrk="1" latinLnBrk="0" hangingPunct="1">
-              <a:spcBef>
-                <a:spcPct val="20000"/>
-              </a:spcBef>
-              <a:buFont typeface="Arial"/>
-              <a:buNone/>
-              <a:defRPr sz="1400" kern="1200">
-                <a:solidFill>
-                  <a:schemeClr val="tx1">
-                    <a:tint val="75000"/>
-                  </a:schemeClr>
-                </a:solidFill>
-                <a:latin typeface="+mn-lt"/>
-                <a:ea typeface="+mn-ea"/>
-                <a:cs typeface="+mn-cs"/>
-              </a:defRPr>
-            </a:lvl8pPr>
-            <a:lvl9pPr marL="3657600" indent="0" algn="l" defTabSz="457200" rtl="0" eaLnBrk="1" latinLnBrk="0" hangingPunct="1">
-              <a:spcBef>
-                <a:spcPct val="20000"/>
-              </a:spcBef>
-              <a:buFont typeface="Arial"/>
-              <a:buNone/>
-              <a:defRPr sz="1400" kern="1200">
-                <a:solidFill>
-                  <a:schemeClr val="tx1">
-                    <a:tint val="75000"/>
-                  </a:schemeClr>
-                </a:solidFill>
-                <a:latin typeface="+mn-lt"/>
-                <a:ea typeface="+mn-ea"/>
-                <a:cs typeface="+mn-cs"/>
-              </a:defRPr>
-            </a:lvl9pPr>
-          </a:lstStyle>
-          <a:p>
-            <a:pPr>
-              <a:defRPr/>
-            </a:pPr>
-            <a:endParaRPr lang="en-US" dirty="0">
-              <a:solidFill>
-                <a:schemeClr val="bg1">
-                  <a:lumMod val="65000"/>
-                </a:schemeClr>
-              </a:solidFill>
-            </a:endParaRPr>
-          </a:p>
-        </p:txBody>
-      </p:sp>
-    </p:spTree>
-    <p:extLst>
-      <p:ext uri="{BB962C8B-B14F-4D97-AF65-F5344CB8AC3E}">
-        <p14:creationId xmlns:p14="http://schemas.microsoft.com/office/powerpoint/2010/main" val="1727544517"/>
-      </p:ext>
-    </p:extLst>
-  </p:cSld>
-  <p:clrMapOvr>
-    <a:masterClrMapping/>
-  </p:clrMapOvr>
-</p:sld>
-</file>
-
-<file path=ppt/slides/slide2.xml><?xml version="1.0" encoding="utf-8"?>
-<p:sld xmlns:a="http://schemas.openxmlformats.org/drawingml/2006/main" xmlns:r="http://schemas.openxmlformats.org/officeDocument/2006/relationships" xmlns:p="http://schemas.openxmlformats.org/presentationml/2006/main">
-  <p:cSld>
-    <p:spTree>
-      <p:nvGrpSpPr>
-        <p:cNvPr id="1" name=""/>
-        <p:cNvGrpSpPr/>
-        <p:nvPr/>
-      </p:nvGrpSpPr>
-      <p:grpSpPr>
-        <a:xfrm>
-          <a:off x="0" y="0"/>
-          <a:ext cx="0" cy="0"/>
-          <a:chOff x="0" y="0"/>
-          <a:chExt cx="0" cy="0"/>
-        </a:xfrm>
-      </p:grpSpPr>
-      <p:sp>
-        <p:nvSpPr>
-          <p:cNvPr id="2" name="제목 1">
-            <a:extLst>
-              <a:ext uri="{FF2B5EF4-FFF2-40B4-BE49-F238E27FC236}">
-                <a16:creationId xmlns:a16="http://schemas.microsoft.com/office/drawing/2014/main" id="{F5F63D42-1E06-4A5B-9AAA-45F95E0B04D0}"/>
-              </a:ext>
-            </a:extLst>
-          </p:cNvPr>
-          <p:cNvSpPr>
-            <a:spLocks noGrp="1"/>
-          </p:cNvSpPr>
-          <p:nvPr>
-            <p:ph type="title"/>
-          </p:nvPr>
-        </p:nvSpPr>
-        <p:spPr>
-          <a:xfrm>
-            <a:off x="116681" y="-4"/>
-            <a:ext cx="8910637" cy="987425"/>
-          </a:xfrm>
-        </p:spPr>
-        <p:txBody>
-          <a:bodyPr/>
-          <a:lstStyle/>
-          <a:p>
-            <a:r>
-              <a:rPr lang="en-US" altLang="ko-KR" dirty="0"/>
-              <a:t>Progress</a:t>
-            </a:r>
-            <a:endParaRPr lang="ko-KR" altLang="en-US" dirty="0"/>
-          </a:p>
-        </p:txBody>
-      </p:sp>
-      <p:sp>
-        <p:nvSpPr>
-          <p:cNvPr id="3" name="내용 개체 틀 2">
-            <a:extLst>
-              <a:ext uri="{FF2B5EF4-FFF2-40B4-BE49-F238E27FC236}">
-                <a16:creationId xmlns:a16="http://schemas.microsoft.com/office/drawing/2014/main" id="{08458E5A-D904-4F83-968A-D96BD79BB32E}"/>
-              </a:ext>
-            </a:extLst>
-          </p:cNvPr>
-          <p:cNvSpPr>
-            <a:spLocks noGrp="1"/>
-          </p:cNvSpPr>
-          <p:nvPr>
-            <p:ph idx="1"/>
-          </p:nvPr>
-        </p:nvSpPr>
-        <p:spPr>
-          <a:xfrm>
-            <a:off x="457199" y="1036062"/>
-            <a:ext cx="8297695" cy="5428800"/>
-          </a:xfrm>
-        </p:spPr>
-        <p:txBody>
-          <a:bodyPr>
-            <a:normAutofit/>
-          </a:bodyPr>
-          <a:lstStyle/>
-          <a:p>
-            <a:r>
-              <a:rPr lang="en-US" altLang="ko-KR" b="1" dirty="0">
-                <a:solidFill>
-                  <a:srgbClr val="0000FF"/>
-                </a:solidFill>
-              </a:rPr>
-              <a:t>Design Env code</a:t>
-            </a:r>
-            <a:endParaRPr lang="en-US" altLang="ko-KR" b="1" dirty="0"/>
-          </a:p>
-          <a:p>
-            <a:r>
-              <a:rPr lang="en-US" altLang="ko-KR" b="1" dirty="0">
-                <a:solidFill>
-                  <a:srgbClr val="FF0000"/>
-                </a:solidFill>
-              </a:rPr>
-              <a:t>Design RL code </a:t>
-            </a:r>
-            <a:r>
-              <a:rPr lang="en-US" altLang="ko-KR" b="1" dirty="0"/>
-              <a:t>– MCTS </a:t>
-            </a:r>
-          </a:p>
-          <a:p>
-            <a:pPr lvl="1"/>
-            <a:r>
-              <a:rPr lang="en-US" altLang="ko-KR" b="1" dirty="0">
-                <a:solidFill>
-                  <a:schemeClr val="tx1"/>
-                </a:solidFill>
-              </a:rPr>
-              <a:t>Remodel based on sample library</a:t>
-            </a:r>
-          </a:p>
-          <a:p>
-            <a:pPr lvl="2"/>
-            <a:r>
-              <a:rPr lang="en-US" altLang="ko-KR" b="1" dirty="0">
-                <a:solidFill>
-                  <a:schemeClr val="tx1"/>
-                </a:solidFill>
-              </a:rPr>
-              <a:t>Most of MCTS libraries are for sequential game</a:t>
-            </a:r>
-          </a:p>
-          <a:p>
-            <a:pPr marL="800100" lvl="2" indent="0">
-              <a:buNone/>
-            </a:pPr>
-            <a:r>
-              <a:rPr lang="en-US" altLang="ko-KR" b="1" dirty="0">
-                <a:solidFill>
-                  <a:schemeClr val="tx1"/>
-                </a:solidFill>
-                <a:sym typeface="Wingdings" panose="05000000000000000000" pitchFamily="2" charset="2"/>
-              </a:rPr>
-              <a:t> </a:t>
-            </a:r>
-            <a:r>
-              <a:rPr lang="en-US" altLang="ko-KR" b="1" dirty="0">
-                <a:solidFill>
-                  <a:schemeClr val="tx1"/>
-                </a:solidFill>
-              </a:rPr>
-              <a:t>We decided to mcts.py module instead of using MCTS library </a:t>
-            </a:r>
-          </a:p>
-          <a:p>
-            <a:r>
-              <a:rPr lang="en-US" altLang="ko-KR" b="1" dirty="0"/>
-              <a:t>Make 2 module</a:t>
-            </a:r>
-          </a:p>
-          <a:p>
-            <a:pPr lvl="1"/>
-            <a:r>
-              <a:rPr lang="en-US" altLang="ko-KR" b="1" dirty="0">
-                <a:solidFill>
-                  <a:schemeClr val="tx1"/>
-                </a:solidFill>
-              </a:rPr>
-              <a:t>main.py: </a:t>
-            </a:r>
-            <a:r>
-              <a:rPr lang="en-US" altLang="ko-KR" b="1" dirty="0" err="1">
-                <a:solidFill>
-                  <a:schemeClr val="tx1"/>
-                </a:solidFill>
-              </a:rPr>
-              <a:t>UDNEnv</a:t>
-            </a:r>
-            <a:r>
-              <a:rPr lang="en-US" altLang="ko-KR" b="1" dirty="0">
-                <a:solidFill>
-                  <a:schemeClr val="tx1"/>
-                </a:solidFill>
-              </a:rPr>
-              <a:t>(environment code)+MCTS(RL code)</a:t>
-            </a:r>
-          </a:p>
-          <a:p>
-            <a:pPr lvl="1"/>
-            <a:r>
-              <a:rPr lang="en-US" altLang="ko-KR" b="1" dirty="0">
-                <a:solidFill>
-                  <a:schemeClr val="tx1"/>
-                </a:solidFill>
-              </a:rPr>
-              <a:t>ppp.py: BSposition.csv(information of BS position) create</a:t>
-            </a:r>
-          </a:p>
-        </p:txBody>
-      </p:sp>
-    </p:spTree>
-    <p:extLst>
-      <p:ext uri="{BB962C8B-B14F-4D97-AF65-F5344CB8AC3E}">
-        <p14:creationId xmlns:p14="http://schemas.microsoft.com/office/powerpoint/2010/main" val="47788732"/>
-      </p:ext>
-    </p:extLst>
-  </p:cSld>
-  <p:clrMapOvr>
-    <a:masterClrMapping/>
-  </p:clrMapOvr>
-</p:sld>
-</file>
-
-<file path=ppt/slides/slide3.xml><?xml version="1.0" encoding="utf-8"?>
-<p:sld xmlns:a="http://schemas.openxmlformats.org/drawingml/2006/main" xmlns:r="http://schemas.openxmlformats.org/officeDocument/2006/relationships" xmlns:p="http://schemas.openxmlformats.org/presentationml/2006/main">
-  <p:cSld>
-    <p:spTree>
-      <p:nvGrpSpPr>
-        <p:cNvPr id="1" name=""/>
-        <p:cNvGrpSpPr/>
-        <p:nvPr/>
-      </p:nvGrpSpPr>
-      <p:grpSpPr>
-        <a:xfrm>
-          <a:off x="0" y="0"/>
-          <a:ext cx="0" cy="0"/>
-          <a:chOff x="0" y="0"/>
-          <a:chExt cx="0" cy="0"/>
-        </a:xfrm>
-      </p:grpSpPr>
-      <p:sp>
-        <p:nvSpPr>
-          <p:cNvPr id="2" name="제목 1">
-            <a:extLst>
-              <a:ext uri="{FF2B5EF4-FFF2-40B4-BE49-F238E27FC236}">
-                <a16:creationId xmlns:a16="http://schemas.microsoft.com/office/drawing/2014/main" id="{F5F63D42-1E06-4A5B-9AAA-45F95E0B04D0}"/>
-              </a:ext>
-            </a:extLst>
-          </p:cNvPr>
-          <p:cNvSpPr>
-            <a:spLocks noGrp="1"/>
-          </p:cNvSpPr>
-          <p:nvPr>
-            <p:ph type="title"/>
-          </p:nvPr>
-        </p:nvSpPr>
-        <p:spPr>
-          <a:xfrm>
-            <a:off x="116681" y="-4"/>
-            <a:ext cx="8910637" cy="987425"/>
-          </a:xfrm>
-        </p:spPr>
-        <p:txBody>
-          <a:bodyPr/>
-          <a:lstStyle/>
-          <a:p>
-            <a:r>
-              <a:rPr lang="en-US" altLang="ko-KR" dirty="0"/>
-              <a:t>System Model</a:t>
-            </a:r>
-            <a:endParaRPr lang="ko-KR" altLang="en-US" dirty="0"/>
-          </a:p>
-        </p:txBody>
-      </p:sp>
-      <mc:AlternateContent xmlns:mc="http://schemas.openxmlformats.org/markup-compatibility/2006">
-        <mc:Choice xmlns:a14="http://schemas.microsoft.com/office/drawing/2010/main" Requires="a14">
-          <p:sp>
-            <p:nvSpPr>
-              <p:cNvPr id="3" name="내용 개체 틀 2">
-                <a:extLst>
-                  <a:ext uri="{FF2B5EF4-FFF2-40B4-BE49-F238E27FC236}">
-                    <a16:creationId xmlns:a16="http://schemas.microsoft.com/office/drawing/2014/main" id="{08458E5A-D904-4F83-968A-D96BD79BB32E}"/>
-                  </a:ext>
-                </a:extLst>
-              </p:cNvPr>
-              <p:cNvSpPr>
-                <a:spLocks noGrp="1"/>
-              </p:cNvSpPr>
-              <p:nvPr>
-                <p:ph idx="1"/>
-              </p:nvPr>
-            </p:nvSpPr>
-            <p:spPr>
-              <a:xfrm>
-                <a:off x="457199" y="1036062"/>
-                <a:ext cx="8297695" cy="5428800"/>
-              </a:xfrm>
-            </p:spPr>
-            <p:txBody>
-              <a:bodyPr>
-                <a:normAutofit/>
-              </a:bodyPr>
-              <a:lstStyle/>
-              <a:p>
-                <a:pPr>
-                  <a:lnSpc>
-                    <a:spcPct val="150000"/>
-                  </a:lnSpc>
-                </a:pPr>
-                <a:r>
-                  <a:rPr lang="en-US" altLang="ko-KR" b="1" dirty="0">
-                    <a:solidFill>
-                      <a:schemeClr val="tx1"/>
-                    </a:solidFill>
-                  </a:rPr>
-                  <a:t>Environment model based on gym environment &amp; </a:t>
-                </a:r>
-                <a:r>
-                  <a:rPr lang="en-US" altLang="ko-KR" b="1" dirty="0" err="1">
-                    <a:solidFill>
-                      <a:schemeClr val="tx1"/>
-                    </a:solidFill>
-                  </a:rPr>
-                  <a:t>tensorflow</a:t>
-                </a:r>
-                <a:r>
-                  <a:rPr lang="en-US" altLang="ko-KR" b="1" dirty="0">
-                    <a:solidFill>
-                      <a:schemeClr val="tx1"/>
-                    </a:solidFill>
-                  </a:rPr>
-                  <a:t> lib.</a:t>
-                </a:r>
-              </a:p>
-              <a:p>
-                <a:pPr lvl="1" latinLnBrk="1">
-                  <a:lnSpc>
-                    <a:spcPct val="150000"/>
-                  </a:lnSpc>
-                </a:pPr>
-                <a:r>
-                  <a:rPr lang="en-US" altLang="ko-KR" b="1" dirty="0">
-                    <a:solidFill>
-                      <a:srgbClr val="0000FF"/>
-                    </a:solidFill>
-                  </a:rPr>
-                  <a:t>State</a:t>
-                </a:r>
-                <a:r>
-                  <a:rPr lang="en-US" altLang="ko-KR" b="1" dirty="0">
-                    <a:solidFill>
-                      <a:schemeClr val="tx1"/>
-                    </a:solidFill>
-                  </a:rPr>
-                  <a:t>: Matrix of BS on/off [discrete, </a:t>
-                </a:r>
-                <a14:m>
-                  <m:oMath xmlns:m="http://schemas.openxmlformats.org/officeDocument/2006/math">
-                    <m:sSub>
-                      <m:sSubPr>
-                        <m:ctrlPr>
-                          <a:rPr lang="en-US" altLang="ko-KR" b="1" i="1" smtClean="0">
-                            <a:solidFill>
-                              <a:schemeClr val="tx1"/>
-                            </a:solidFill>
-                            <a:latin typeface="Cambria Math" panose="02040503050406030204" pitchFamily="18" charset="0"/>
-                          </a:rPr>
-                        </m:ctrlPr>
-                      </m:sSubPr>
-                      <m:e>
-                        <m:r>
-                          <a:rPr lang="en-US" altLang="ko-KR" b="1" i="1" smtClean="0">
-                            <a:solidFill>
-                              <a:schemeClr val="tx1"/>
-                            </a:solidFill>
-                            <a:latin typeface="Cambria Math" panose="02040503050406030204" pitchFamily="18" charset="0"/>
-                          </a:rPr>
-                          <m:t>𝑺</m:t>
-                        </m:r>
-                      </m:e>
-                      <m:sub>
-                        <m:r>
-                          <a:rPr lang="en-US" altLang="ko-KR" b="1" i="1" smtClean="0">
-                            <a:solidFill>
-                              <a:schemeClr val="tx1"/>
-                            </a:solidFill>
-                            <a:latin typeface="Cambria Math" panose="02040503050406030204" pitchFamily="18" charset="0"/>
-                          </a:rPr>
-                          <m:t>𝒊</m:t>
-                        </m:r>
-                      </m:sub>
-                    </m:sSub>
-                    <m:r>
-                      <a:rPr lang="en-US" altLang="ko-KR" b="1" i="1" smtClean="0">
-                        <a:solidFill>
-                          <a:schemeClr val="tx1"/>
-                        </a:solidFill>
-                        <a:latin typeface="Cambria Math" panose="02040503050406030204" pitchFamily="18" charset="0"/>
-                      </a:rPr>
-                      <m:t> ≡</m:t>
-                    </m:r>
-                    <m:sSup>
-                      <m:sSupPr>
-                        <m:ctrlPr>
-                          <a:rPr lang="en-US" altLang="ko-KR" b="1" i="1" smtClean="0">
-                            <a:solidFill>
-                              <a:schemeClr val="tx1"/>
-                            </a:solidFill>
-                            <a:latin typeface="Cambria Math" panose="02040503050406030204" pitchFamily="18" charset="0"/>
-                          </a:rPr>
-                        </m:ctrlPr>
-                      </m:sSupPr>
-                      <m:e>
-                        <m:r>
-                          <a:rPr lang="en-US" altLang="ko-KR" b="1" i="1" smtClean="0">
-                            <a:solidFill>
-                              <a:schemeClr val="tx1"/>
-                            </a:solidFill>
-                            <a:latin typeface="Cambria Math" panose="02040503050406030204" pitchFamily="18" charset="0"/>
-                          </a:rPr>
-                          <m:t>𝒊</m:t>
-                        </m:r>
-                      </m:e>
-                      <m:sup>
-                        <m:r>
-                          <a:rPr lang="en-US" altLang="ko-KR" b="1" i="0" smtClean="0">
-                            <a:solidFill>
-                              <a:schemeClr val="tx1"/>
-                            </a:solidFill>
-                            <a:latin typeface="Cambria Math" panose="02040503050406030204" pitchFamily="18" charset="0"/>
-                          </a:rPr>
-                          <m:t>𝐭𝐡</m:t>
-                        </m:r>
-                      </m:sup>
-                    </m:sSup>
-                    <m:r>
-                      <a:rPr lang="en-US" altLang="ko-KR" b="1" i="1" smtClean="0">
-                        <a:solidFill>
-                          <a:schemeClr val="tx1"/>
-                        </a:solidFill>
-                        <a:latin typeface="Cambria Math" panose="02040503050406030204" pitchFamily="18" charset="0"/>
-                      </a:rPr>
-                      <m:t>  </m:t>
-                    </m:r>
-                  </m:oMath>
-                </a14:m>
-                <a:r>
-                  <a:rPr lang="en-US" altLang="ko-KR" b="1" dirty="0">
-                    <a:solidFill>
-                      <a:schemeClr val="tx1"/>
-                    </a:solidFill>
-                  </a:rPr>
-                  <a:t>BS on, 𝑖=1, 2, …,n ]</a:t>
-                </a:r>
-              </a:p>
-              <a:p>
-                <a:pPr lvl="2" latinLnBrk="1">
-                  <a:lnSpc>
-                    <a:spcPct val="150000"/>
-                  </a:lnSpc>
-                </a:pPr>
-                <a:r>
-                  <a:rPr lang="en-US" altLang="ko-KR" b="1" dirty="0">
-                    <a:solidFill>
-                      <a:schemeClr val="tx1"/>
-                    </a:solidFill>
-                  </a:rPr>
-                  <a:t>Use matrix for describing entire state </a:t>
-                </a:r>
-                <a:endParaRPr lang="ko-KR" altLang="ko-KR" b="1" i="1" dirty="0">
-                  <a:solidFill>
-                    <a:schemeClr val="tx1"/>
-                  </a:solidFill>
-                </a:endParaRPr>
-              </a:p>
-              <a:p>
-                <a:pPr lvl="1" latinLnBrk="1">
-                  <a:lnSpc>
-                    <a:spcPct val="150000"/>
-                  </a:lnSpc>
-                </a:pPr>
-                <a:r>
-                  <a:rPr lang="en-US" altLang="ko-KR" b="1" dirty="0">
-                    <a:solidFill>
-                      <a:srgbClr val="0000FF"/>
-                    </a:solidFill>
-                  </a:rPr>
-                  <a:t>Action</a:t>
-                </a:r>
-                <a:r>
-                  <a:rPr lang="en-US" altLang="ko-KR" b="1" dirty="0">
-                    <a:solidFill>
-                      <a:schemeClr val="tx1"/>
-                    </a:solidFill>
-                  </a:rPr>
-                  <a:t>: Matrix of change BS on/off state [discrete]</a:t>
-                </a:r>
-              </a:p>
-              <a:p>
-                <a:pPr lvl="2" latinLnBrk="1">
-                  <a:lnSpc>
-                    <a:spcPct val="150000"/>
-                  </a:lnSpc>
-                </a:pPr>
-                <a:r>
-                  <a:rPr lang="en-US" altLang="ko-KR" b="1" dirty="0">
-                    <a:solidFill>
-                      <a:schemeClr val="tx1"/>
-                    </a:solidFill>
-                  </a:rPr>
-                  <a:t>action change BSs state at the same time</a:t>
-                </a:r>
-              </a:p>
-              <a:p>
-                <a:pPr lvl="2" latinLnBrk="1">
-                  <a:lnSpc>
-                    <a:spcPct val="150000"/>
-                  </a:lnSpc>
-                </a:pPr>
-                <a:r>
-                  <a:rPr lang="en-US" altLang="ko-KR" b="1" dirty="0">
-                    <a:solidFill>
-                      <a:schemeClr val="tx1"/>
-                    </a:solidFill>
-                  </a:rPr>
-                  <a:t>Previous : BS state changed by action in order</a:t>
-                </a:r>
-              </a:p>
-              <a:p>
-                <a:pPr lvl="3" latinLnBrk="1">
-                  <a:lnSpc>
-                    <a:spcPct val="150000"/>
-                  </a:lnSpc>
-                </a:pPr>
-                <a14:m>
-                  <m:oMath xmlns:m="http://schemas.openxmlformats.org/officeDocument/2006/math">
-                    <m:sSub>
-                      <m:sSubPr>
-                        <m:ctrlPr>
-                          <a:rPr lang="en-US" altLang="ko-KR" b="1" i="1">
-                            <a:solidFill>
-                              <a:schemeClr val="tx1"/>
-                            </a:solidFill>
-                            <a:latin typeface="Cambria Math" panose="02040503050406030204" pitchFamily="18" charset="0"/>
-                          </a:rPr>
-                        </m:ctrlPr>
-                      </m:sSubPr>
-                      <m:e>
-                        <m:r>
-                          <a:rPr lang="en-US" altLang="ko-KR" b="1" i="0" smtClean="0">
-                            <a:solidFill>
-                              <a:schemeClr val="tx1"/>
-                            </a:solidFill>
-                            <a:latin typeface="Cambria Math" panose="02040503050406030204" pitchFamily="18" charset="0"/>
-                          </a:rPr>
-                          <m:t>𝐁</m:t>
-                        </m:r>
-                        <m:r>
-                          <a:rPr lang="en-US" altLang="ko-KR" b="1" i="0">
-                            <a:solidFill>
-                              <a:schemeClr val="tx1"/>
-                            </a:solidFill>
-                            <a:latin typeface="Cambria Math" panose="02040503050406030204" pitchFamily="18" charset="0"/>
-                          </a:rPr>
-                          <m:t>𝐒</m:t>
-                        </m:r>
-                      </m:e>
-                      <m:sub>
-                        <m:r>
-                          <a:rPr lang="en-US" altLang="ko-KR" b="1" i="1">
-                            <a:solidFill>
-                              <a:schemeClr val="tx1"/>
-                            </a:solidFill>
-                            <a:latin typeface="Cambria Math" panose="02040503050406030204" pitchFamily="18" charset="0"/>
-                          </a:rPr>
-                          <m:t>𝒊</m:t>
-                        </m:r>
-                      </m:sub>
-                    </m:sSub>
-                    <m:r>
-                      <a:rPr lang="en-US" altLang="ko-KR" b="1" i="1" smtClean="0">
-                        <a:solidFill>
-                          <a:schemeClr val="tx1"/>
-                        </a:solidFill>
-                        <a:latin typeface="Cambria Math" panose="02040503050406030204" pitchFamily="18" charset="0"/>
-                      </a:rPr>
-                      <m:t> </m:t>
-                    </m:r>
-                  </m:oMath>
-                </a14:m>
-                <a:r>
-                  <a:rPr lang="en-US" altLang="ko-KR" b="1" dirty="0">
-                    <a:solidFill>
-                      <a:schemeClr val="tx1"/>
-                    </a:solidFill>
-                  </a:rPr>
-                  <a:t>is</a:t>
-                </a:r>
-                <a:r>
-                  <a:rPr lang="ko-KR" altLang="en-US" b="1" dirty="0">
-                    <a:solidFill>
-                      <a:schemeClr val="tx1"/>
-                    </a:solidFill>
-                  </a:rPr>
-                  <a:t> </a:t>
-                </a:r>
-                <a:r>
-                  <a:rPr lang="en-US" altLang="ko-KR" b="1" dirty="0">
-                    <a:solidFill>
-                      <a:schemeClr val="tx1"/>
-                    </a:solidFill>
-                  </a:rPr>
-                  <a:t>more significant than </a:t>
-                </a:r>
-                <a14:m>
-                  <m:oMath xmlns:m="http://schemas.openxmlformats.org/officeDocument/2006/math">
-                    <m:sSub>
-                      <m:sSubPr>
-                        <m:ctrlPr>
-                          <a:rPr lang="en-US" altLang="ko-KR" b="1" i="1">
-                            <a:solidFill>
-                              <a:schemeClr val="tx1"/>
-                            </a:solidFill>
-                            <a:latin typeface="Cambria Math" panose="02040503050406030204" pitchFamily="18" charset="0"/>
-                          </a:rPr>
-                        </m:ctrlPr>
-                      </m:sSubPr>
-                      <m:e>
-                        <m:r>
-                          <a:rPr lang="en-US" altLang="ko-KR" b="1" i="0" smtClean="0">
-                            <a:solidFill>
-                              <a:schemeClr val="tx1"/>
-                            </a:solidFill>
-                            <a:latin typeface="Cambria Math" panose="02040503050406030204" pitchFamily="18" charset="0"/>
-                          </a:rPr>
-                          <m:t>𝐁</m:t>
-                        </m:r>
-                        <m:r>
-                          <a:rPr lang="en-US" altLang="ko-KR" b="1" i="0">
-                            <a:solidFill>
-                              <a:schemeClr val="tx1"/>
-                            </a:solidFill>
-                            <a:latin typeface="Cambria Math" panose="02040503050406030204" pitchFamily="18" charset="0"/>
-                          </a:rPr>
-                          <m:t>𝐒</m:t>
-                        </m:r>
-                      </m:e>
-                      <m:sub>
-                        <m:r>
-                          <a:rPr lang="en-US" altLang="ko-KR" b="1" i="1" smtClean="0">
-                            <a:solidFill>
-                              <a:schemeClr val="tx1"/>
-                            </a:solidFill>
-                            <a:latin typeface="Cambria Math" panose="02040503050406030204" pitchFamily="18" charset="0"/>
-                          </a:rPr>
-                          <m:t>𝒋</m:t>
-                        </m:r>
-                      </m:sub>
-                    </m:sSub>
-                  </m:oMath>
-                </a14:m>
-                <a:r>
-                  <a:rPr lang="en-US" altLang="ko-KR" b="1" dirty="0">
-                    <a:solidFill>
-                      <a:schemeClr val="tx1"/>
-                    </a:solidFill>
-                  </a:rPr>
-                  <a:t> in this case </a:t>
-                </a:r>
-                <a14:m>
-                  <m:oMath xmlns:m="http://schemas.openxmlformats.org/officeDocument/2006/math">
-                    <m:d>
-                      <m:dPr>
-                        <m:ctrlPr>
-                          <a:rPr lang="en-US" altLang="ko-KR" b="1" i="1" smtClean="0">
-                            <a:solidFill>
-                              <a:schemeClr val="tx1"/>
-                            </a:solidFill>
-                            <a:latin typeface="Cambria Math" panose="02040503050406030204" pitchFamily="18" charset="0"/>
-                          </a:rPr>
-                        </m:ctrlPr>
-                      </m:dPr>
-                      <m:e>
-                        <m:r>
-                          <a:rPr lang="en-US" altLang="ko-KR" b="1" i="1" smtClean="0">
-                            <a:solidFill>
-                              <a:schemeClr val="tx1"/>
-                            </a:solidFill>
-                            <a:latin typeface="Cambria Math" panose="02040503050406030204" pitchFamily="18" charset="0"/>
-                          </a:rPr>
-                          <m:t>𝒊</m:t>
-                        </m:r>
-                        <m:r>
-                          <a:rPr lang="en-US" altLang="ko-KR" b="1" i="1" smtClean="0">
-                            <a:solidFill>
-                              <a:schemeClr val="tx1"/>
-                            </a:solidFill>
-                            <a:latin typeface="Cambria Math" panose="02040503050406030204" pitchFamily="18" charset="0"/>
-                          </a:rPr>
-                          <m:t>&lt;</m:t>
-                        </m:r>
-                        <m:r>
-                          <a:rPr lang="en-US" altLang="ko-KR" b="1" i="1" smtClean="0">
-                            <a:solidFill>
-                              <a:schemeClr val="tx1"/>
-                            </a:solidFill>
-                            <a:latin typeface="Cambria Math" panose="02040503050406030204" pitchFamily="18" charset="0"/>
-                          </a:rPr>
-                          <m:t>𝒋</m:t>
-                        </m:r>
-                      </m:e>
-                    </m:d>
-                  </m:oMath>
-                </a14:m>
-                <a:r>
-                  <a:rPr lang="en-US" altLang="ko-KR" b="1" dirty="0">
-                    <a:solidFill>
-                      <a:schemeClr val="tx1"/>
-                    </a:solidFill>
-                  </a:rPr>
-                  <a:t>,</a:t>
-                </a:r>
-              </a:p>
-              <a:p>
-                <a:pPr marL="1200150" lvl="3" indent="0" latinLnBrk="1">
-                  <a:lnSpc>
-                    <a:spcPct val="150000"/>
-                  </a:lnSpc>
-                  <a:buNone/>
-                </a:pPr>
-                <a:r>
-                  <a:rPr lang="en-US" altLang="ko-KR" b="1" dirty="0">
-                    <a:solidFill>
-                      <a:schemeClr val="tx1"/>
-                    </a:solidFill>
-                  </a:rPr>
-                  <a:t>   as </a:t>
-                </a:r>
-                <a14:m>
-                  <m:oMath xmlns:m="http://schemas.openxmlformats.org/officeDocument/2006/math">
-                    <m:sSub>
-                      <m:sSubPr>
-                        <m:ctrlPr>
-                          <a:rPr lang="en-US" altLang="ko-KR" b="1" i="1">
-                            <a:solidFill>
-                              <a:schemeClr val="tx1"/>
-                            </a:solidFill>
-                            <a:latin typeface="Cambria Math" panose="02040503050406030204" pitchFamily="18" charset="0"/>
-                          </a:rPr>
-                        </m:ctrlPr>
-                      </m:sSubPr>
-                      <m:e>
-                        <m:r>
-                          <a:rPr lang="en-US" altLang="ko-KR" b="1">
-                            <a:solidFill>
-                              <a:schemeClr val="tx1"/>
-                            </a:solidFill>
-                            <a:latin typeface="Cambria Math" panose="02040503050406030204" pitchFamily="18" charset="0"/>
-                          </a:rPr>
-                          <m:t>𝐁𝐒</m:t>
-                        </m:r>
-                      </m:e>
-                      <m:sub>
-                        <m:r>
-                          <a:rPr lang="en-US" altLang="ko-KR" b="1" i="1">
-                            <a:solidFill>
-                              <a:schemeClr val="tx1"/>
-                            </a:solidFill>
-                            <a:latin typeface="Cambria Math" panose="02040503050406030204" pitchFamily="18" charset="0"/>
-                          </a:rPr>
-                          <m:t>𝒊</m:t>
-                        </m:r>
-                      </m:sub>
-                    </m:sSub>
-                    <m:r>
-                      <a:rPr lang="en-US" altLang="ko-KR" b="1" i="1">
-                        <a:solidFill>
-                          <a:schemeClr val="tx1"/>
-                        </a:solidFill>
-                        <a:latin typeface="Cambria Math" panose="02040503050406030204" pitchFamily="18" charset="0"/>
-                      </a:rPr>
-                      <m:t> </m:t>
-                    </m:r>
-                  </m:oMath>
-                </a14:m>
-                <a:r>
-                  <a:rPr lang="en-US" altLang="ko-KR" b="1" dirty="0">
-                    <a:solidFill>
-                      <a:schemeClr val="tx1"/>
-                    </a:solidFill>
-                  </a:rPr>
-                  <a:t>has priority in backpropagation</a:t>
-                </a:r>
-              </a:p>
-              <a:p>
-                <a:pPr lvl="3" latinLnBrk="1">
-                  <a:lnSpc>
-                    <a:spcPct val="150000"/>
-                  </a:lnSpc>
-                </a:pPr>
-                <a:r>
-                  <a:rPr lang="en-US" altLang="ko-KR" b="1" dirty="0">
-                    <a:solidFill>
-                      <a:schemeClr val="tx1"/>
-                    </a:solidFill>
-                  </a:rPr>
-                  <a:t>We suppose each BS identical, so this model has been discarded.</a:t>
-                </a:r>
-                <a:endParaRPr lang="ko-KR" altLang="ko-KR" b="1" dirty="0">
-                  <a:solidFill>
-                    <a:schemeClr val="tx1"/>
-                  </a:solidFill>
-                </a:endParaRPr>
-              </a:p>
-              <a:p>
-                <a:pPr lvl="1" latinLnBrk="1">
-                  <a:lnSpc>
-                    <a:spcPct val="150000"/>
-                  </a:lnSpc>
-                </a:pPr>
-                <a:r>
-                  <a:rPr lang="en-US" altLang="ko-KR" b="1" dirty="0">
-                    <a:solidFill>
-                      <a:srgbClr val="FF0000"/>
-                    </a:solidFill>
-                  </a:rPr>
-                  <a:t>Reward</a:t>
-                </a:r>
-                <a:r>
-                  <a:rPr lang="en-US" altLang="ko-KR" b="1" dirty="0">
-                    <a:solidFill>
-                      <a:schemeClr val="tx1"/>
-                    </a:solidFill>
-                  </a:rPr>
-                  <a:t>: (Sum of each SNR / Sum of Energy Consumption)</a:t>
-                </a:r>
-                <a:endParaRPr lang="ko-KR" altLang="ko-KR" b="1" dirty="0">
-                  <a:solidFill>
-                    <a:schemeClr val="tx1"/>
-                  </a:solidFill>
-                </a:endParaRPr>
-              </a:p>
-            </p:txBody>
-          </p:sp>
-        </mc:Choice>
-        <mc:Fallback>
-          <p:sp>
-            <p:nvSpPr>
-              <p:cNvPr id="3" name="내용 개체 틀 2">
-                <a:extLst>
-                  <a:ext uri="{FF2B5EF4-FFF2-40B4-BE49-F238E27FC236}">
-                    <a16:creationId xmlns:a16="http://schemas.microsoft.com/office/drawing/2014/main" id="{08458E5A-D904-4F83-968A-D96BD79BB32E}"/>
-                  </a:ext>
-                </a:extLst>
-              </p:cNvPr>
-              <p:cNvSpPr>
-                <a:spLocks noGrp="1" noRot="1" noChangeAspect="1" noMove="1" noResize="1" noEditPoints="1" noAdjustHandles="1" noChangeArrowheads="1" noChangeShapeType="1" noTextEdit="1"/>
-              </p:cNvSpPr>
-              <p:nvPr>
-                <p:ph idx="1"/>
-              </p:nvPr>
-            </p:nvSpPr>
-            <p:spPr>
-              <a:xfrm>
-                <a:off x="457199" y="1036062"/>
-                <a:ext cx="8297695" cy="5428800"/>
-              </a:xfrm>
-              <a:blipFill>
-                <a:blip r:embed="rId3"/>
-                <a:stretch>
-                  <a:fillRect/>
-                </a:stretch>
-              </a:blipFill>
-            </p:spPr>
-            <p:txBody>
-              <a:bodyPr/>
-              <a:lstStyle/>
-              <a:p>
-                <a:r>
-                  <a:rPr lang="ko-KR" altLang="en-US">
-                    <a:noFill/>
-                  </a:rPr>
-                  <a:t> </a:t>
-                </a:r>
-              </a:p>
-            </p:txBody>
-          </p:sp>
-        </mc:Fallback>
-      </mc:AlternateContent>
-    </p:spTree>
-    <p:extLst>
-      <p:ext uri="{BB962C8B-B14F-4D97-AF65-F5344CB8AC3E}">
-        <p14:creationId xmlns:p14="http://schemas.microsoft.com/office/powerpoint/2010/main" val="1208485303"/>
-      </p:ext>
-    </p:extLst>
-  </p:cSld>
-  <p:clrMapOvr>
-    <a:masterClrMapping/>
-  </p:clrMapOvr>
-</p:sld>
-</file>
-
-<file path=ppt/slides/slide4.xml><?xml version="1.0" encoding="utf-8"?>
-<p:sld xmlns:a="http://schemas.openxmlformats.org/drawingml/2006/main" xmlns:r="http://schemas.openxmlformats.org/officeDocument/2006/relationships" xmlns:p="http://schemas.openxmlformats.org/presentationml/2006/main">
-  <p:cSld>
-    <p:spTree>
-      <p:nvGrpSpPr>
-        <p:cNvPr id="1" name=""/>
-        <p:cNvGrpSpPr/>
-        <p:nvPr/>
-      </p:nvGrpSpPr>
-      <p:grpSpPr>
-        <a:xfrm>
-          <a:off x="0" y="0"/>
-          <a:ext cx="0" cy="0"/>
-          <a:chOff x="0" y="0"/>
-          <a:chExt cx="0" cy="0"/>
-        </a:xfrm>
-      </p:grpSpPr>
-      <p:sp>
-        <p:nvSpPr>
-          <p:cNvPr id="2" name="제목 1">
-            <a:extLst>
-              <a:ext uri="{FF2B5EF4-FFF2-40B4-BE49-F238E27FC236}">
-                <a16:creationId xmlns:a16="http://schemas.microsoft.com/office/drawing/2014/main" id="{F5F63D42-1E06-4A5B-9AAA-45F95E0B04D0}"/>
-              </a:ext>
-            </a:extLst>
-          </p:cNvPr>
-          <p:cNvSpPr>
-            <a:spLocks noGrp="1"/>
-          </p:cNvSpPr>
-          <p:nvPr>
-            <p:ph type="title"/>
-          </p:nvPr>
-        </p:nvSpPr>
-        <p:spPr>
-          <a:xfrm>
-            <a:off x="116681" y="-4"/>
-            <a:ext cx="8910637" cy="987425"/>
-          </a:xfrm>
-        </p:spPr>
-        <p:txBody>
-          <a:bodyPr/>
-          <a:lstStyle/>
-          <a:p>
-            <a:r>
-              <a:rPr lang="en-US" altLang="ko-KR" dirty="0"/>
-              <a:t>System Model</a:t>
-            </a:r>
-            <a:endParaRPr lang="ko-KR" altLang="en-US" dirty="0"/>
-          </a:p>
-        </p:txBody>
-      </p:sp>
-      <p:sp>
-        <p:nvSpPr>
-          <p:cNvPr id="3" name="내용 개체 틀 2">
-            <a:extLst>
-              <a:ext uri="{FF2B5EF4-FFF2-40B4-BE49-F238E27FC236}">
-                <a16:creationId xmlns:a16="http://schemas.microsoft.com/office/drawing/2014/main" id="{08458E5A-D904-4F83-968A-D96BD79BB32E}"/>
-              </a:ext>
-            </a:extLst>
-          </p:cNvPr>
-          <p:cNvSpPr>
-            <a:spLocks noGrp="1"/>
-          </p:cNvSpPr>
-          <p:nvPr>
-            <p:ph idx="1"/>
-          </p:nvPr>
-        </p:nvSpPr>
-        <p:spPr>
-          <a:xfrm>
-            <a:off x="457199" y="1036062"/>
-            <a:ext cx="8297695" cy="5428800"/>
-          </a:xfrm>
-        </p:spPr>
-        <p:txBody>
-          <a:bodyPr>
-            <a:normAutofit/>
-          </a:bodyPr>
-          <a:lstStyle/>
-          <a:p>
-            <a:r>
-              <a:rPr lang="en-US" altLang="ko-KR" b="1" dirty="0"/>
-              <a:t>Environment model</a:t>
-            </a:r>
-          </a:p>
-          <a:p>
-            <a:pPr lvl="1"/>
-            <a:r>
-              <a:rPr lang="en-US" altLang="ko-KR" b="1" i="1" dirty="0">
-                <a:solidFill>
-                  <a:srgbClr val="FF0000"/>
-                </a:solidFill>
-              </a:rPr>
-              <a:t>16-users and 10-BSs </a:t>
-            </a:r>
-            <a:r>
-              <a:rPr lang="en-US" altLang="ko-KR" b="1" dirty="0"/>
-              <a:t>are deployed in the area </a:t>
-            </a:r>
-          </a:p>
-          <a:p>
-            <a:pPr lvl="2"/>
-            <a:r>
-              <a:rPr lang="en-US" altLang="ko-KR" b="1" dirty="0"/>
-              <a:t>BS location is PPP</a:t>
-            </a:r>
-          </a:p>
-          <a:p>
-            <a:pPr lvl="2"/>
-            <a:r>
-              <a:rPr lang="en-US" altLang="ko-KR" b="1" dirty="0"/>
-              <a:t>User location is uniform distribution which changes every step</a:t>
-            </a:r>
-          </a:p>
-          <a:p>
-            <a:pPr lvl="1" latinLnBrk="1">
-              <a:lnSpc>
-                <a:spcPct val="150000"/>
-              </a:lnSpc>
-            </a:pPr>
-            <a:r>
-              <a:rPr lang="en-US" altLang="ko-KR" b="1" dirty="0">
-                <a:solidFill>
-                  <a:schemeClr val="tx1"/>
-                </a:solidFill>
-              </a:rPr>
-              <a:t>User-BS association rule: nearest BS association</a:t>
-            </a:r>
-            <a:endParaRPr lang="ko-KR" altLang="ko-KR" b="1" dirty="0">
-              <a:solidFill>
-                <a:schemeClr val="tx1"/>
-              </a:solidFill>
-            </a:endParaRPr>
-          </a:p>
-          <a:p>
-            <a:pPr lvl="2"/>
-            <a:r>
-              <a:rPr lang="ko-KR" altLang="en-US" b="1" dirty="0">
-                <a:solidFill>
-                  <a:srgbClr val="0000FF"/>
-                </a:solidFill>
-              </a:rPr>
-              <a:t>전원 </a:t>
-            </a:r>
-            <a:r>
-              <a:rPr lang="en-US" altLang="ko-KR" b="1" dirty="0">
-                <a:solidFill>
-                  <a:srgbClr val="0000FF"/>
-                </a:solidFill>
-              </a:rPr>
-              <a:t>off </a:t>
-            </a:r>
-            <a:r>
-              <a:rPr lang="ko-KR" altLang="en-US" b="1" dirty="0">
-                <a:solidFill>
-                  <a:srgbClr val="0000FF"/>
-                </a:solidFill>
-              </a:rPr>
-              <a:t>된 </a:t>
-            </a:r>
-            <a:r>
-              <a:rPr lang="en-US" altLang="ko-KR" b="1" dirty="0">
-                <a:solidFill>
-                  <a:srgbClr val="0000FF"/>
-                </a:solidFill>
-              </a:rPr>
-              <a:t>BS</a:t>
-            </a:r>
-            <a:r>
-              <a:rPr lang="ko-KR" altLang="en-US" b="1" dirty="0">
-                <a:solidFill>
-                  <a:srgbClr val="0000FF"/>
-                </a:solidFill>
-              </a:rPr>
-              <a:t>와 </a:t>
-            </a:r>
-            <a:r>
-              <a:rPr lang="en-US" altLang="ko-KR" b="1" dirty="0">
-                <a:solidFill>
-                  <a:srgbClr val="0000FF"/>
-                </a:solidFill>
-              </a:rPr>
-              <a:t>user</a:t>
-            </a:r>
-            <a:r>
-              <a:rPr lang="ko-KR" altLang="en-US" b="1" dirty="0">
-                <a:solidFill>
-                  <a:srgbClr val="0000FF"/>
-                </a:solidFill>
-              </a:rPr>
-              <a:t>까지의 거리를 </a:t>
-            </a:r>
-            <a:r>
-              <a:rPr lang="en-US" altLang="ko-KR" b="1" dirty="0">
-                <a:solidFill>
-                  <a:srgbClr val="0000FF"/>
-                </a:solidFill>
-              </a:rPr>
-              <a:t>infinity</a:t>
-            </a:r>
-            <a:r>
-              <a:rPr lang="ko-KR" altLang="en-US" b="1" dirty="0">
-                <a:solidFill>
-                  <a:srgbClr val="0000FF"/>
-                </a:solidFill>
-              </a:rPr>
-              <a:t>로 하여 </a:t>
-            </a:r>
-            <a:r>
-              <a:rPr lang="en-US" altLang="ko-KR" b="1" dirty="0">
-                <a:solidFill>
-                  <a:srgbClr val="0000FF"/>
-                </a:solidFill>
-              </a:rPr>
-              <a:t>association</a:t>
-            </a:r>
-            <a:r>
-              <a:rPr lang="ko-KR" altLang="en-US" b="1" dirty="0">
-                <a:solidFill>
-                  <a:srgbClr val="0000FF"/>
-                </a:solidFill>
-              </a:rPr>
-              <a:t>을 막음</a:t>
-            </a:r>
-            <a:endParaRPr lang="en-US" altLang="ko-KR" b="1" dirty="0">
-              <a:solidFill>
-                <a:srgbClr val="0000FF"/>
-              </a:solidFill>
-            </a:endParaRPr>
-          </a:p>
-          <a:p>
-            <a:pPr lvl="2"/>
-            <a:endParaRPr lang="en-US" altLang="ko-KR" b="1" dirty="0">
-              <a:solidFill>
-                <a:srgbClr val="0000FF"/>
-              </a:solidFill>
-            </a:endParaRPr>
-          </a:p>
-          <a:p>
-            <a:r>
-              <a:rPr lang="en-US" altLang="ko-KR" b="1" dirty="0"/>
-              <a:t>MCTS model </a:t>
-            </a:r>
-          </a:p>
-          <a:p>
-            <a:pPr lvl="1"/>
-            <a:r>
-              <a:rPr lang="en-US" altLang="ko-KR" b="1" dirty="0">
-                <a:solidFill>
-                  <a:schemeClr val="tx1"/>
-                </a:solidFill>
-              </a:rPr>
-              <a:t>Utilize MCTS library on </a:t>
-            </a:r>
-            <a:r>
-              <a:rPr lang="en-US" altLang="ko-KR" b="1" dirty="0" err="1">
-                <a:solidFill>
-                  <a:schemeClr val="tx1"/>
-                </a:solidFill>
-              </a:rPr>
-              <a:t>Github</a:t>
-            </a:r>
-            <a:endParaRPr lang="en-US" altLang="ko-KR" b="1" dirty="0">
-              <a:solidFill>
-                <a:schemeClr val="tx1"/>
-              </a:solidFill>
-            </a:endParaRPr>
-          </a:p>
-          <a:p>
-            <a:pPr lvl="2"/>
-            <a:r>
-              <a:rPr lang="en-US" altLang="ko-KR" b="1" dirty="0">
-                <a:solidFill>
-                  <a:schemeClr val="tx1"/>
-                </a:solidFill>
-              </a:rPr>
-              <a:t>Most of MCTS libraries are for sequential game</a:t>
-            </a:r>
-          </a:p>
-          <a:p>
-            <a:pPr lvl="1"/>
-            <a:r>
-              <a:rPr lang="en-US" altLang="ko-KR" b="1" dirty="0">
-                <a:solidFill>
-                  <a:schemeClr val="tx1"/>
-                </a:solidFill>
-              </a:rPr>
-              <a:t>We decided to edit the library for our environment model</a:t>
-            </a:r>
-          </a:p>
-        </p:txBody>
-      </p:sp>
-    </p:spTree>
-    <p:extLst>
-      <p:ext uri="{BB962C8B-B14F-4D97-AF65-F5344CB8AC3E}">
-        <p14:creationId xmlns:p14="http://schemas.microsoft.com/office/powerpoint/2010/main" val="3443461438"/>
-      </p:ext>
-    </p:extLst>
-  </p:cSld>
-  <p:clrMapOvr>
-    <a:masterClrMapping/>
-  </p:clrMapOvr>
-</p:sld>
-</file>
-
-<file path=ppt/slides/slide5.xml><?xml version="1.0" encoding="utf-8"?>
-<p:sld xmlns:a="http://schemas.openxmlformats.org/drawingml/2006/main" xmlns:r="http://schemas.openxmlformats.org/officeDocument/2006/relationships" xmlns:p="http://schemas.openxmlformats.org/presentationml/2006/main">
-  <p:cSld>
-    <p:spTree>
-      <p:nvGrpSpPr>
-        <p:cNvPr id="1" name=""/>
-        <p:cNvGrpSpPr/>
-        <p:nvPr/>
-      </p:nvGrpSpPr>
-      <p:grpSpPr>
-        <a:xfrm>
-          <a:off x="0" y="0"/>
-          <a:ext cx="0" cy="0"/>
-          <a:chOff x="0" y="0"/>
-          <a:chExt cx="0" cy="0"/>
-        </a:xfrm>
-      </p:grpSpPr>
-      <p:sp>
-        <p:nvSpPr>
-          <p:cNvPr id="2" name="제목 1">
-            <a:extLst>
-              <a:ext uri="{FF2B5EF4-FFF2-40B4-BE49-F238E27FC236}">
-                <a16:creationId xmlns:a16="http://schemas.microsoft.com/office/drawing/2014/main" id="{2FC832C6-B966-497F-A5E0-588C4BED0E2F}"/>
-              </a:ext>
-            </a:extLst>
-          </p:cNvPr>
-          <p:cNvSpPr>
-            <a:spLocks noGrp="1"/>
-          </p:cNvSpPr>
-          <p:nvPr>
-            <p:ph type="title"/>
-          </p:nvPr>
-        </p:nvSpPr>
-        <p:spPr/>
-        <p:txBody>
-          <a:bodyPr/>
-          <a:lstStyle/>
-          <a:p>
-            <a:r>
-              <a:rPr lang="en-US" altLang="ko-KR" dirty="0"/>
-              <a:t>System Model</a:t>
-            </a:r>
-            <a:endParaRPr lang="ko-KR" altLang="en-US" dirty="0"/>
-          </a:p>
-        </p:txBody>
-      </p:sp>
-      <p:sp>
-        <p:nvSpPr>
-          <p:cNvPr id="3" name="내용 개체 틀 2">
-            <a:extLst>
-              <a:ext uri="{FF2B5EF4-FFF2-40B4-BE49-F238E27FC236}">
-                <a16:creationId xmlns:a16="http://schemas.microsoft.com/office/drawing/2014/main" id="{FAEF7A98-5912-4F1F-8CD4-41561FCBE376}"/>
-              </a:ext>
-            </a:extLst>
-          </p:cNvPr>
-          <p:cNvSpPr>
-            <a:spLocks noGrp="1"/>
-          </p:cNvSpPr>
-          <p:nvPr>
-            <p:ph idx="1"/>
-          </p:nvPr>
-        </p:nvSpPr>
-        <p:spPr>
-          <a:xfrm>
-            <a:off x="457200" y="1052163"/>
-            <a:ext cx="8229600" cy="5428522"/>
-          </a:xfrm>
-        </p:spPr>
-        <p:txBody>
-          <a:bodyPr/>
-          <a:lstStyle/>
-          <a:p>
-            <a:r>
-              <a:rPr lang="en-US" altLang="ko-KR" b="1" dirty="0"/>
-              <a:t>Make 2 python module</a:t>
-            </a:r>
-          </a:p>
-          <a:p>
-            <a:pPr lvl="1"/>
-            <a:r>
-              <a:rPr lang="en-US" altLang="ko-KR" b="1" dirty="0">
-                <a:solidFill>
-                  <a:schemeClr val="tx1"/>
-                </a:solidFill>
-              </a:rPr>
-              <a:t>main.py: </a:t>
-            </a:r>
-            <a:r>
-              <a:rPr lang="en-US" altLang="ko-KR" b="1" dirty="0" err="1">
-                <a:solidFill>
-                  <a:schemeClr val="tx1"/>
-                </a:solidFill>
-              </a:rPr>
-              <a:t>UDNEnv</a:t>
-            </a:r>
-            <a:r>
-              <a:rPr lang="en-US" altLang="ko-KR" b="1" dirty="0">
-                <a:solidFill>
-                  <a:schemeClr val="tx1"/>
-                </a:solidFill>
-              </a:rPr>
-              <a:t>(environment code)+MCTS(RL code)</a:t>
-            </a:r>
-          </a:p>
-          <a:p>
-            <a:pPr lvl="1"/>
-            <a:endParaRPr lang="en-US" altLang="ko-KR" b="1" dirty="0">
-              <a:solidFill>
-                <a:schemeClr val="tx1"/>
-              </a:solidFill>
-            </a:endParaRPr>
-          </a:p>
-          <a:p>
-            <a:pPr lvl="1"/>
-            <a:r>
-              <a:rPr lang="en-US" altLang="ko-KR" b="1" dirty="0">
-                <a:solidFill>
-                  <a:schemeClr val="tx1"/>
-                </a:solidFill>
-              </a:rPr>
-              <a:t>ppp.py: create BSposition.csv(information of BS position)</a:t>
-            </a:r>
-            <a:endParaRPr lang="en-US" altLang="ko-KR" b="1" dirty="0"/>
-          </a:p>
-        </p:txBody>
-      </p:sp>
-    </p:spTree>
-    <p:extLst>
-      <p:ext uri="{BB962C8B-B14F-4D97-AF65-F5344CB8AC3E}">
-        <p14:creationId xmlns:p14="http://schemas.microsoft.com/office/powerpoint/2010/main" val="219446114"/>
-      </p:ext>
-    </p:extLst>
-  </p:cSld>
-  <p:clrMapOvr>
-    <a:masterClrMapping/>
-  </p:clrMapOvr>
-</p:sld>
-</file>
-
-<file path=ppt/slides/slide6.xml><?xml version="1.0" encoding="utf-8"?>
-<p:sld xmlns:a="http://schemas.openxmlformats.org/drawingml/2006/main" xmlns:r="http://schemas.openxmlformats.org/officeDocument/2006/relationships" xmlns:p="http://schemas.openxmlformats.org/presentationml/2006/main">
-  <p:cSld>
-    <p:spTree>
-      <p:nvGrpSpPr>
-        <p:cNvPr id="1" name=""/>
-        <p:cNvGrpSpPr/>
-        <p:nvPr/>
-      </p:nvGrpSpPr>
-      <p:grpSpPr>
-        <a:xfrm>
-          <a:off x="0" y="0"/>
-          <a:ext cx="0" cy="0"/>
-          <a:chOff x="0" y="0"/>
-          <a:chExt cx="0" cy="0"/>
-        </a:xfrm>
-      </p:grpSpPr>
-      <p:sp>
-        <p:nvSpPr>
-          <p:cNvPr id="2" name="제목 1">
-            <a:extLst>
-              <a:ext uri="{FF2B5EF4-FFF2-40B4-BE49-F238E27FC236}">
-                <a16:creationId xmlns:a16="http://schemas.microsoft.com/office/drawing/2014/main" id="{2FC832C6-B966-497F-A5E0-588C4BED0E2F}"/>
-              </a:ext>
-            </a:extLst>
-          </p:cNvPr>
-          <p:cNvSpPr>
-            <a:spLocks noGrp="1"/>
-          </p:cNvSpPr>
-          <p:nvPr>
-            <p:ph type="title"/>
-          </p:nvPr>
-        </p:nvSpPr>
-        <p:spPr/>
-        <p:txBody>
-          <a:bodyPr/>
-          <a:lstStyle/>
-          <a:p>
-            <a:r>
-              <a:rPr lang="en-US" altLang="ko-KR" dirty="0"/>
-              <a:t>RL model design</a:t>
-            </a:r>
-            <a:endParaRPr lang="ko-KR" altLang="en-US" dirty="0"/>
-          </a:p>
-        </p:txBody>
-      </p:sp>
-      <p:sp>
-        <p:nvSpPr>
-          <p:cNvPr id="3" name="내용 개체 틀 2">
-            <a:extLst>
-              <a:ext uri="{FF2B5EF4-FFF2-40B4-BE49-F238E27FC236}">
-                <a16:creationId xmlns:a16="http://schemas.microsoft.com/office/drawing/2014/main" id="{FAEF7A98-5912-4F1F-8CD4-41561FCBE376}"/>
-              </a:ext>
-            </a:extLst>
-          </p:cNvPr>
-          <p:cNvSpPr>
-            <a:spLocks noGrp="1"/>
-          </p:cNvSpPr>
-          <p:nvPr>
-            <p:ph idx="1"/>
-          </p:nvPr>
-        </p:nvSpPr>
-        <p:spPr>
-          <a:xfrm>
-            <a:off x="457200" y="1052163"/>
-            <a:ext cx="8229600" cy="5428522"/>
-          </a:xfrm>
-        </p:spPr>
-        <p:txBody>
-          <a:bodyPr>
-            <a:normAutofit lnSpcReduction="10000"/>
-          </a:bodyPr>
-          <a:lstStyle/>
-          <a:p>
-            <a:r>
-              <a:rPr lang="en-US" altLang="ko-KR" b="1" dirty="0"/>
-              <a:t>def </a:t>
-            </a:r>
-            <a:r>
-              <a:rPr lang="en-US" altLang="ko-KR" b="1" dirty="0" err="1"/>
-              <a:t>isTerminal</a:t>
-            </a:r>
-            <a:r>
-              <a:rPr lang="en-US" altLang="ko-KR" b="1" dirty="0"/>
-              <a:t>():   #return Boolean value</a:t>
-            </a:r>
-          </a:p>
-          <a:p>
-            <a:pPr marL="457200" lvl="1" indent="0">
-              <a:buNone/>
-            </a:pPr>
-            <a:r>
-              <a:rPr lang="en-US" altLang="ko-KR" b="1" dirty="0"/>
-              <a:t>if search time &gt; threshold:</a:t>
-            </a:r>
-          </a:p>
-          <a:p>
-            <a:pPr marL="457200" lvl="1" indent="0">
-              <a:buNone/>
-            </a:pPr>
-            <a:r>
-              <a:rPr lang="en-US" altLang="ko-KR" b="1" dirty="0"/>
-              <a:t>	return True</a:t>
-            </a:r>
-          </a:p>
-          <a:p>
-            <a:pPr marL="457200" lvl="1" indent="0">
-              <a:buNone/>
-            </a:pPr>
-            <a:r>
-              <a:rPr lang="en-US" altLang="ko-KR" b="1" dirty="0"/>
-              <a:t>else:</a:t>
-            </a:r>
-          </a:p>
-          <a:p>
-            <a:pPr marL="457200" lvl="1" indent="0">
-              <a:buNone/>
-            </a:pPr>
-            <a:r>
-              <a:rPr lang="en-US" altLang="ko-KR" b="1" dirty="0"/>
-              <a:t>	return False </a:t>
-            </a:r>
-          </a:p>
-          <a:p>
-            <a:r>
-              <a:rPr lang="en-US" altLang="ko-KR" b="1" dirty="0"/>
-              <a:t>def </a:t>
-            </a:r>
-            <a:r>
-              <a:rPr lang="en-US" altLang="ko-KR" b="1" dirty="0" err="1"/>
-              <a:t>getPossibleActions</a:t>
-            </a:r>
-            <a:r>
-              <a:rPr lang="en-US" altLang="ko-KR" b="1" dirty="0"/>
-              <a:t>(</a:t>
-            </a:r>
-            <a:r>
-              <a:rPr lang="en-US" altLang="ko-KR" b="1" dirty="0" err="1"/>
-              <a:t>env.state</a:t>
-            </a:r>
-            <a:r>
-              <a:rPr lang="en-US" altLang="ko-KR" b="1" dirty="0"/>
-              <a:t>):</a:t>
-            </a:r>
-          </a:p>
-          <a:p>
-            <a:pPr marL="457200" lvl="1" indent="0">
-              <a:buNone/>
-            </a:pPr>
-            <a:r>
-              <a:rPr lang="en-US" altLang="ko-KR" b="1" dirty="0"/>
-              <a:t>return </a:t>
-            </a:r>
-            <a:r>
-              <a:rPr lang="en-US" altLang="ko-KR" b="1" dirty="0" err="1"/>
-              <a:t>iterable</a:t>
-            </a:r>
-            <a:r>
-              <a:rPr lang="en-US" altLang="ko-KR" b="1" dirty="0"/>
-              <a:t> list of possible actions from specific </a:t>
-            </a:r>
-            <a:r>
-              <a:rPr lang="en-US" altLang="ko-KR" b="1" dirty="0" err="1"/>
-              <a:t>env.state</a:t>
-            </a:r>
-            <a:endParaRPr lang="en-US" altLang="ko-KR" b="1" dirty="0"/>
-          </a:p>
-          <a:p>
-            <a:pPr marL="457200" lvl="1" indent="0">
-              <a:buNone/>
-            </a:pPr>
-            <a:r>
-              <a:rPr lang="en-US" altLang="ko-KR" b="1" dirty="0"/>
-              <a:t>- in progress</a:t>
-            </a:r>
-          </a:p>
-          <a:p>
-            <a:r>
-              <a:rPr lang="en-US" altLang="ko-KR" b="1" dirty="0"/>
-              <a:t>def </a:t>
-            </a:r>
-            <a:r>
-              <a:rPr lang="en-US" altLang="ko-KR" b="1" dirty="0" err="1"/>
-              <a:t>takeAction</a:t>
-            </a:r>
-            <a:r>
-              <a:rPr lang="en-US" altLang="ko-KR" b="1" dirty="0"/>
-              <a:t>(action):</a:t>
-            </a:r>
-          </a:p>
-          <a:p>
-            <a:pPr marL="457200" lvl="1" indent="0">
-              <a:buNone/>
-            </a:pPr>
-            <a:r>
-              <a:rPr lang="en-US" altLang="ko-KR" b="1" dirty="0"/>
-              <a:t>return the state which results from taking action </a:t>
-            </a:r>
-          </a:p>
-          <a:p>
-            <a:pPr marL="457200" lvl="1" indent="0">
-              <a:buNone/>
-            </a:pPr>
-            <a:r>
-              <a:rPr lang="en-US" altLang="ko-KR" b="1" dirty="0"/>
-              <a:t>- in progress</a:t>
-            </a:r>
-          </a:p>
-          <a:p>
-            <a:r>
-              <a:rPr lang="en-US" altLang="ko-KR" b="1" dirty="0"/>
-              <a:t>def </a:t>
-            </a:r>
-            <a:r>
-              <a:rPr lang="en-US" altLang="ko-KR" b="1" dirty="0" err="1"/>
-              <a:t>getReward</a:t>
-            </a:r>
-            <a:r>
-              <a:rPr lang="en-US" altLang="ko-KR" b="1" dirty="0"/>
-              <a:t>(</a:t>
-            </a:r>
-            <a:r>
-              <a:rPr lang="en-US" altLang="ko-KR" b="1" dirty="0" err="1"/>
-              <a:t>env.state</a:t>
-            </a:r>
-            <a:r>
-              <a:rPr lang="en-US" altLang="ko-KR" b="1" dirty="0"/>
-              <a:t>):</a:t>
-            </a:r>
-          </a:p>
-          <a:p>
-            <a:pPr marL="457200" lvl="1" indent="0">
-              <a:buNone/>
-            </a:pPr>
-            <a:r>
-              <a:rPr lang="en-US" altLang="ko-KR" b="1" dirty="0"/>
-              <a:t>return the reward of specific state</a:t>
-            </a:r>
-          </a:p>
-          <a:p>
-            <a:pPr marL="457200" lvl="1" indent="0">
-              <a:buNone/>
-            </a:pPr>
-            <a:r>
-              <a:rPr lang="en-US" altLang="ko-KR" b="1" dirty="0"/>
-              <a:t>-in progress</a:t>
-            </a:r>
-            <a:endParaRPr lang="ko-KR" altLang="en-US" b="1" dirty="0"/>
-          </a:p>
-        </p:txBody>
-      </p:sp>
-    </p:spTree>
-    <p:extLst>
-      <p:ext uri="{BB962C8B-B14F-4D97-AF65-F5344CB8AC3E}">
-        <p14:creationId xmlns:p14="http://schemas.microsoft.com/office/powerpoint/2010/main" val="3043170752"/>
-      </p:ext>
-    </p:extLst>
-  </p:cSld>
-  <p:clrMapOvr>
-    <a:masterClrMapping/>
-  </p:clrMapOvr>
-</p:sld>
-</file>
-
-<file path=ppt/slides/slide7.xml><?xml version="1.0" encoding="utf-8"?>
-<p:sld xmlns:a="http://schemas.openxmlformats.org/drawingml/2006/main" xmlns:r="http://schemas.openxmlformats.org/officeDocument/2006/relationships" xmlns:p="http://schemas.openxmlformats.org/presentationml/2006/main">
-  <p:cSld>
-    <p:spTree>
-      <p:nvGrpSpPr>
-        <p:cNvPr id="1" name=""/>
-        <p:cNvGrpSpPr/>
-        <p:nvPr/>
-      </p:nvGrpSpPr>
-      <p:grpSpPr>
-        <a:xfrm>
-          <a:off x="0" y="0"/>
-          <a:ext cx="0" cy="0"/>
-          <a:chOff x="0" y="0"/>
-          <a:chExt cx="0" cy="0"/>
-        </a:xfrm>
-      </p:grpSpPr>
-      <p:sp>
-        <p:nvSpPr>
-          <p:cNvPr id="2" name="제목 1">
-            <a:extLst>
-              <a:ext uri="{FF2B5EF4-FFF2-40B4-BE49-F238E27FC236}">
-                <a16:creationId xmlns:a16="http://schemas.microsoft.com/office/drawing/2014/main" id="{2FC832C6-B966-497F-A5E0-588C4BED0E2F}"/>
-              </a:ext>
-            </a:extLst>
-          </p:cNvPr>
-          <p:cNvSpPr>
-            <a:spLocks noGrp="1"/>
-          </p:cNvSpPr>
-          <p:nvPr>
-            <p:ph type="title"/>
-          </p:nvPr>
-        </p:nvSpPr>
-        <p:spPr/>
-        <p:txBody>
-          <a:bodyPr/>
-          <a:lstStyle/>
-          <a:p>
-            <a:r>
-              <a:rPr lang="en-US" altLang="ko-KR" dirty="0"/>
-              <a:t>RL model design</a:t>
-            </a:r>
-            <a:endParaRPr lang="ko-KR" altLang="en-US" dirty="0"/>
-          </a:p>
-        </p:txBody>
-      </p:sp>
-      <p:sp>
-        <p:nvSpPr>
-          <p:cNvPr id="3" name="내용 개체 틀 2">
-            <a:extLst>
-              <a:ext uri="{FF2B5EF4-FFF2-40B4-BE49-F238E27FC236}">
-                <a16:creationId xmlns:a16="http://schemas.microsoft.com/office/drawing/2014/main" id="{FAEF7A98-5912-4F1F-8CD4-41561FCBE376}"/>
-              </a:ext>
-            </a:extLst>
-          </p:cNvPr>
-          <p:cNvSpPr>
-            <a:spLocks noGrp="1"/>
-          </p:cNvSpPr>
-          <p:nvPr>
-            <p:ph idx="1"/>
-          </p:nvPr>
-        </p:nvSpPr>
-        <p:spPr>
-          <a:xfrm>
-            <a:off x="457200" y="1052163"/>
-            <a:ext cx="8229600" cy="5428522"/>
-          </a:xfrm>
-        </p:spPr>
-        <p:txBody>
-          <a:bodyPr>
-            <a:normAutofit/>
-          </a:bodyPr>
-          <a:lstStyle/>
-          <a:p>
-            <a:r>
-              <a:rPr lang="en-US" altLang="ko-KR" b="1" dirty="0"/>
-              <a:t>class </a:t>
-            </a:r>
-            <a:r>
-              <a:rPr lang="en-US" altLang="ko-KR" b="1" dirty="0" err="1"/>
-              <a:t>mcts</a:t>
-            </a:r>
-            <a:r>
-              <a:rPr lang="en-US" altLang="ko-KR" b="1" dirty="0"/>
-              <a:t>():</a:t>
-            </a:r>
-          </a:p>
-          <a:p>
-            <a:pPr marL="457200" lvl="1" indent="0">
-              <a:buNone/>
-            </a:pPr>
-            <a:r>
-              <a:rPr lang="en-US" altLang="ko-KR" b="1" dirty="0"/>
-              <a:t>def __</a:t>
-            </a:r>
-            <a:r>
-              <a:rPr lang="en-US" altLang="ko-KR" b="1" dirty="0" err="1"/>
-              <a:t>init</a:t>
-            </a:r>
-            <a:r>
-              <a:rPr lang="en-US" altLang="ko-KR" b="1" dirty="0"/>
-              <a:t>__():</a:t>
-            </a:r>
-          </a:p>
-          <a:p>
-            <a:pPr marL="457200" lvl="1" indent="0">
-              <a:buNone/>
-            </a:pPr>
-            <a:r>
-              <a:rPr lang="en-US" altLang="ko-KR" b="1" dirty="0"/>
-              <a:t>def search():</a:t>
-            </a:r>
-          </a:p>
-          <a:p>
-            <a:pPr marL="457200" lvl="1" indent="0">
-              <a:buNone/>
-            </a:pPr>
-            <a:r>
-              <a:rPr lang="en-US" altLang="ko-KR" b="1" dirty="0"/>
-              <a:t>def </a:t>
-            </a:r>
-            <a:r>
-              <a:rPr lang="en-US" altLang="ko-KR" b="1" dirty="0" err="1"/>
-              <a:t>selectNode</a:t>
-            </a:r>
-            <a:r>
-              <a:rPr lang="en-US" altLang="ko-KR" b="1" dirty="0"/>
-              <a:t>():</a:t>
-            </a:r>
-          </a:p>
-          <a:p>
-            <a:pPr marL="457200" lvl="1" indent="0">
-              <a:buNone/>
-            </a:pPr>
-            <a:r>
-              <a:rPr lang="en-US" altLang="ko-KR" b="1" dirty="0"/>
-              <a:t>def backpropagate():</a:t>
-            </a:r>
-          </a:p>
-          <a:p>
-            <a:pPr marL="457200" lvl="1" indent="0">
-              <a:buNone/>
-            </a:pPr>
-            <a:r>
-              <a:rPr lang="en-US" altLang="ko-KR" b="1" dirty="0"/>
-              <a:t>…</a:t>
-            </a:r>
-          </a:p>
-          <a:p>
-            <a:r>
-              <a:rPr lang="en-US" altLang="ko-KR" b="1" dirty="0"/>
-              <a:t>MCTS algorithm is already implemented in class </a:t>
-            </a:r>
-            <a:r>
-              <a:rPr lang="en-US" altLang="ko-KR" b="1" dirty="0" err="1"/>
-              <a:t>mcts</a:t>
-            </a:r>
-            <a:r>
-              <a:rPr lang="en-US" altLang="ko-KR" b="1" dirty="0"/>
-              <a:t>()</a:t>
-            </a:r>
-          </a:p>
-          <a:p>
-            <a:r>
-              <a:rPr lang="en-US" altLang="ko-KR" b="1" dirty="0"/>
-              <a:t>Several variables needs editing to run Env code in mcts.py </a:t>
-            </a:r>
-            <a:endParaRPr lang="ko-KR" altLang="en-US" b="1" dirty="0"/>
-          </a:p>
-        </p:txBody>
-      </p:sp>
-    </p:spTree>
-    <p:extLst>
-      <p:ext uri="{BB962C8B-B14F-4D97-AF65-F5344CB8AC3E}">
-        <p14:creationId xmlns:p14="http://schemas.microsoft.com/office/powerpoint/2010/main" val="2080462866"/>
-      </p:ext>
-    </p:extLst>
-  </p:cSld>
-  <p:clrMapOvr>
-    <a:masterClrMapping/>
-  </p:clrMapOvr>
-</p:sld>
-</file>
-
-<file path=ppt/slides/slide8.xml><?xml version="1.0" encoding="utf-8"?>
-<p:sld xmlns:a="http://schemas.openxmlformats.org/drawingml/2006/main" xmlns:r="http://schemas.openxmlformats.org/officeDocument/2006/relationships" xmlns:p="http://schemas.openxmlformats.org/presentationml/2006/main">
-  <p:cSld>
-    <p:spTree>
-      <p:nvGrpSpPr>
-        <p:cNvPr id="1" name=""/>
-        <p:cNvGrpSpPr/>
-        <p:nvPr/>
-      </p:nvGrpSpPr>
-      <p:grpSpPr>
-        <a:xfrm>
-          <a:off x="0" y="0"/>
-          <a:ext cx="0" cy="0"/>
-          <a:chOff x="0" y="0"/>
-          <a:chExt cx="0" cy="0"/>
-        </a:xfrm>
-      </p:grpSpPr>
-      <p:sp>
-        <p:nvSpPr>
-          <p:cNvPr id="2" name="제목 1">
-            <a:extLst>
-              <a:ext uri="{FF2B5EF4-FFF2-40B4-BE49-F238E27FC236}">
-                <a16:creationId xmlns:a16="http://schemas.microsoft.com/office/drawing/2014/main" id="{F5F63D42-1E06-4A5B-9AAA-45F95E0B04D0}"/>
-              </a:ext>
-            </a:extLst>
-          </p:cNvPr>
-          <p:cNvSpPr>
-            <a:spLocks noGrp="1"/>
-          </p:cNvSpPr>
-          <p:nvPr>
-            <p:ph type="title"/>
-          </p:nvPr>
-        </p:nvSpPr>
-        <p:spPr>
-          <a:xfrm>
-            <a:off x="116681" y="-4"/>
-            <a:ext cx="8910637" cy="987425"/>
-          </a:xfrm>
-        </p:spPr>
-        <p:txBody>
-          <a:bodyPr/>
-          <a:lstStyle/>
-          <a:p>
-            <a:r>
-              <a:rPr lang="en-US" altLang="ko-KR" dirty="0"/>
-              <a:t>Future Plan(next week) </a:t>
-            </a:r>
-            <a:r>
-              <a:rPr lang="en-US" altLang="ko-KR" sz="2000" dirty="0"/>
-              <a:t>at 7/5</a:t>
-            </a:r>
-            <a:endParaRPr lang="ko-KR" altLang="en-US" sz="2000" dirty="0"/>
-          </a:p>
-        </p:txBody>
-      </p:sp>
-      <p:sp>
-        <p:nvSpPr>
-          <p:cNvPr id="3" name="내용 개체 틀 2">
-            <a:extLst>
-              <a:ext uri="{FF2B5EF4-FFF2-40B4-BE49-F238E27FC236}">
-                <a16:creationId xmlns:a16="http://schemas.microsoft.com/office/drawing/2014/main" id="{08458E5A-D904-4F83-968A-D96BD79BB32E}"/>
-              </a:ext>
-            </a:extLst>
-          </p:cNvPr>
-          <p:cNvSpPr>
-            <a:spLocks noGrp="1"/>
-          </p:cNvSpPr>
-          <p:nvPr>
-            <p:ph idx="1"/>
-          </p:nvPr>
-        </p:nvSpPr>
-        <p:spPr>
-          <a:xfrm>
-            <a:off x="457199" y="1036062"/>
-            <a:ext cx="8297695" cy="5428800"/>
-          </a:xfrm>
-        </p:spPr>
-        <p:txBody>
-          <a:bodyPr>
-            <a:normAutofit/>
-          </a:bodyPr>
-          <a:lstStyle/>
-          <a:p>
-            <a:r>
-              <a:rPr lang="en-US" altLang="ko-KR" b="1" dirty="0">
-                <a:solidFill>
-                  <a:schemeClr val="tx1"/>
-                </a:solidFill>
-              </a:rPr>
-              <a:t>MCTS design</a:t>
-            </a:r>
-          </a:p>
-          <a:p>
-            <a:r>
-              <a:rPr lang="en-US" altLang="ko-KR" b="1" dirty="0">
-                <a:solidFill>
-                  <a:schemeClr val="tx1"/>
-                </a:solidFill>
-              </a:rPr>
-              <a:t>Environment</a:t>
-            </a:r>
-            <a:r>
-              <a:rPr lang="ko-KR" altLang="en-US" b="1" dirty="0">
-                <a:solidFill>
-                  <a:schemeClr val="tx1"/>
-                </a:solidFill>
-              </a:rPr>
-              <a:t>를 </a:t>
-            </a:r>
-            <a:r>
-              <a:rPr lang="en-US" altLang="ko-KR" b="1" dirty="0" err="1">
-                <a:solidFill>
-                  <a:schemeClr val="tx1"/>
-                </a:solidFill>
-              </a:rPr>
-              <a:t>samplin</a:t>
-            </a:r>
-            <a:r>
-              <a:rPr lang="ko-KR" altLang="en-US" b="1" dirty="0">
-                <a:solidFill>
-                  <a:schemeClr val="tx1"/>
-                </a:solidFill>
-              </a:rPr>
-              <a:t>해 </a:t>
-            </a:r>
-            <a:r>
-              <a:rPr lang="ko-KR" altLang="en-US" b="1" dirty="0"/>
-              <a:t>학습된 </a:t>
-            </a:r>
-            <a:r>
-              <a:rPr lang="en-US" altLang="ko-KR" b="1" dirty="0"/>
-              <a:t>policy</a:t>
-            </a:r>
-            <a:r>
-              <a:rPr lang="ko-KR" altLang="en-US" b="1" dirty="0"/>
-              <a:t>가 </a:t>
-            </a:r>
-            <a:r>
-              <a:rPr lang="ko-KR" altLang="en-US" b="1" dirty="0" err="1"/>
-              <a:t>과적합되었는지</a:t>
-            </a:r>
-            <a:r>
-              <a:rPr lang="ko-KR" altLang="en-US" b="1" dirty="0"/>
-              <a:t> 확인</a:t>
-            </a:r>
-            <a:endParaRPr lang="en-US" altLang="ko-KR" b="1" dirty="0"/>
-          </a:p>
-        </p:txBody>
-      </p:sp>
-    </p:spTree>
-    <p:extLst>
-      <p:ext uri="{BB962C8B-B14F-4D97-AF65-F5344CB8AC3E}">
-        <p14:creationId xmlns:p14="http://schemas.microsoft.com/office/powerpoint/2010/main" val="2061944708"/>
-      </p:ext>
-    </p:extLst>
-  </p:cSld>
-  <p:clrMapOvr>
-    <a:masterClrMapping/>
-  </p:clrMapOvr>
-</p:sld>
-</file>
-
-<file path=ppt/slides/slide9.xml><?xml version="1.0" encoding="utf-8"?>
 <p:sld xmlns:a="http://schemas.openxmlformats.org/drawingml/2006/main" xmlns:r="http://schemas.openxmlformats.org/officeDocument/2006/relationships" xmlns:p="http://schemas.openxmlformats.org/presentationml/2006/main">
   <p:cSld>
     <p:spTree>
@@ -8236,6 +5514,3900 @@
     <p:extLst>
       <p:ext uri="{BB962C8B-B14F-4D97-AF65-F5344CB8AC3E}">
         <p14:creationId xmlns:p14="http://schemas.microsoft.com/office/powerpoint/2010/main" val="480253426"/>
+      </p:ext>
+    </p:extLst>
+  </p:cSld>
+  <p:clrMapOvr>
+    <a:masterClrMapping/>
+  </p:clrMapOvr>
+</p:sld>
+</file>
+
+<file path=ppt/slides/slide11.xml><?xml version="1.0" encoding="utf-8"?>
+<p:sld xmlns:a="http://schemas.openxmlformats.org/drawingml/2006/main" xmlns:r="http://schemas.openxmlformats.org/officeDocument/2006/relationships" xmlns:p="http://schemas.openxmlformats.org/presentationml/2006/main">
+  <p:cSld>
+    <p:spTree>
+      <p:nvGrpSpPr>
+        <p:cNvPr id="1" name=""/>
+        <p:cNvGrpSpPr/>
+        <p:nvPr/>
+      </p:nvGrpSpPr>
+      <p:grpSpPr>
+        <a:xfrm>
+          <a:off x="0" y="0"/>
+          <a:ext cx="0" cy="0"/>
+          <a:chOff x="0" y="0"/>
+          <a:chExt cx="0" cy="0"/>
+        </a:xfrm>
+      </p:grpSpPr>
+      <p:sp>
+        <p:nvSpPr>
+          <p:cNvPr id="2" name="제목 1">
+            <a:extLst>
+              <a:ext uri="{FF2B5EF4-FFF2-40B4-BE49-F238E27FC236}">
+                <a16:creationId xmlns:a16="http://schemas.microsoft.com/office/drawing/2014/main" id="{F5F63D42-1E06-4A5B-9AAA-45F95E0B04D0}"/>
+              </a:ext>
+            </a:extLst>
+          </p:cNvPr>
+          <p:cNvSpPr>
+            <a:spLocks noGrp="1"/>
+          </p:cNvSpPr>
+          <p:nvPr>
+            <p:ph type="title"/>
+          </p:nvPr>
+        </p:nvSpPr>
+        <p:spPr>
+          <a:xfrm>
+            <a:off x="116681" y="-4"/>
+            <a:ext cx="8910637" cy="987425"/>
+          </a:xfrm>
+        </p:spPr>
+        <p:txBody>
+          <a:bodyPr/>
+          <a:lstStyle/>
+          <a:p>
+            <a:r>
+              <a:rPr lang="en-US" altLang="ko-KR" dirty="0"/>
+              <a:t>Future Plan(next week) </a:t>
+            </a:r>
+            <a:r>
+              <a:rPr lang="en-US" altLang="ko-KR" sz="2000" dirty="0"/>
+              <a:t>at 7/5</a:t>
+            </a:r>
+            <a:endParaRPr lang="ko-KR" altLang="en-US" sz="2000" dirty="0"/>
+          </a:p>
+        </p:txBody>
+      </p:sp>
+      <p:sp>
+        <p:nvSpPr>
+          <p:cNvPr id="3" name="내용 개체 틀 2">
+            <a:extLst>
+              <a:ext uri="{FF2B5EF4-FFF2-40B4-BE49-F238E27FC236}">
+                <a16:creationId xmlns:a16="http://schemas.microsoft.com/office/drawing/2014/main" id="{08458E5A-D904-4F83-968A-D96BD79BB32E}"/>
+              </a:ext>
+            </a:extLst>
+          </p:cNvPr>
+          <p:cNvSpPr>
+            <a:spLocks noGrp="1"/>
+          </p:cNvSpPr>
+          <p:nvPr>
+            <p:ph idx="1"/>
+          </p:nvPr>
+        </p:nvSpPr>
+        <p:spPr>
+          <a:xfrm>
+            <a:off x="457199" y="1036062"/>
+            <a:ext cx="8297695" cy="5428800"/>
+          </a:xfrm>
+        </p:spPr>
+        <p:txBody>
+          <a:bodyPr>
+            <a:normAutofit/>
+          </a:bodyPr>
+          <a:lstStyle/>
+          <a:p>
+            <a:endParaRPr lang="en-US" altLang="ko-KR" dirty="0">
+              <a:solidFill>
+                <a:schemeClr val="tx1">
+                  <a:lumMod val="75000"/>
+                  <a:lumOff val="25000"/>
+                </a:schemeClr>
+              </a:solidFill>
+            </a:endParaRPr>
+          </a:p>
+          <a:p>
+            <a:endParaRPr lang="en-US" altLang="ko-KR" dirty="0">
+              <a:solidFill>
+                <a:schemeClr val="tx1">
+                  <a:lumMod val="75000"/>
+                  <a:lumOff val="25000"/>
+                </a:schemeClr>
+              </a:solidFill>
+            </a:endParaRPr>
+          </a:p>
+          <a:p>
+            <a:endParaRPr lang="en-US" altLang="ko-KR" dirty="0">
+              <a:solidFill>
+                <a:schemeClr val="tx1">
+                  <a:lumMod val="75000"/>
+                  <a:lumOff val="25000"/>
+                </a:schemeClr>
+              </a:solidFill>
+            </a:endParaRPr>
+          </a:p>
+          <a:p>
+            <a:endParaRPr lang="en-US" altLang="ko-KR" dirty="0">
+              <a:solidFill>
+                <a:schemeClr val="tx1">
+                  <a:lumMod val="75000"/>
+                  <a:lumOff val="25000"/>
+                </a:schemeClr>
+              </a:solidFill>
+            </a:endParaRPr>
+          </a:p>
+        </p:txBody>
+      </p:sp>
+      <p:pic>
+        <p:nvPicPr>
+          <p:cNvPr id="1026" name="Picture 2" descr="ê´ë ¨ ì´ë¯¸ì§">
+            <a:extLst>
+              <a:ext uri="{FF2B5EF4-FFF2-40B4-BE49-F238E27FC236}">
+                <a16:creationId xmlns:a16="http://schemas.microsoft.com/office/drawing/2014/main" id="{10C0BC41-E8F1-4660-8C3A-FE406D719765}"/>
+              </a:ext>
+            </a:extLst>
+          </p:cNvPr>
+          <p:cNvPicPr>
+            <a:picLocks noChangeAspect="1" noChangeArrowheads="1"/>
+          </p:cNvPicPr>
+          <p:nvPr/>
+        </p:nvPicPr>
+        <p:blipFill>
+          <a:blip r:embed="rId3">
+            <a:extLst>
+              <a:ext uri="{28A0092B-C50C-407E-A947-70E740481C1C}">
+                <a14:useLocalDpi xmlns:a14="http://schemas.microsoft.com/office/drawing/2010/main" val="0"/>
+              </a:ext>
+            </a:extLst>
+          </a:blip>
+          <a:srcRect/>
+          <a:stretch>
+            <a:fillRect/>
+          </a:stretch>
+        </p:blipFill>
+        <p:spPr bwMode="auto">
+          <a:xfrm>
+            <a:off x="1748546" y="2300498"/>
+            <a:ext cx="5715000" cy="3362325"/>
+          </a:xfrm>
+          <a:prstGeom prst="rect">
+            <a:avLst/>
+          </a:prstGeom>
+          <a:noFill/>
+          <a:extLst>
+            <a:ext uri="{909E8E84-426E-40DD-AFC4-6F175D3DCCD1}">
+              <a14:hiddenFill xmlns:a14="http://schemas.microsoft.com/office/drawing/2010/main">
+                <a:solidFill>
+                  <a:srgbClr val="FFFFFF"/>
+                </a:solidFill>
+              </a14:hiddenFill>
+            </a:ext>
+          </a:extLst>
+        </p:spPr>
+      </p:pic>
+      <p:sp>
+        <p:nvSpPr>
+          <p:cNvPr id="6" name="TextBox 5">
+            <a:extLst>
+              <a:ext uri="{FF2B5EF4-FFF2-40B4-BE49-F238E27FC236}">
+                <a16:creationId xmlns:a16="http://schemas.microsoft.com/office/drawing/2014/main" id="{F348C021-381F-4ECD-8331-0A214A1EEC1A}"/>
+              </a:ext>
+            </a:extLst>
+          </p:cNvPr>
+          <p:cNvSpPr txBox="1"/>
+          <p:nvPr/>
+        </p:nvSpPr>
+        <p:spPr>
+          <a:xfrm>
+            <a:off x="6478529" y="5363177"/>
+            <a:ext cx="1883102" cy="646331"/>
+          </a:xfrm>
+          <a:prstGeom prst="rect">
+            <a:avLst/>
+          </a:prstGeom>
+          <a:noFill/>
+        </p:spPr>
+        <p:txBody>
+          <a:bodyPr wrap="square" rtlCol="0">
+            <a:spAutoFit/>
+          </a:bodyPr>
+          <a:lstStyle/>
+          <a:p>
+            <a:r>
+              <a:rPr lang="en-US" altLang="ko-KR" b="1" dirty="0">
+                <a:solidFill>
+                  <a:srgbClr val="FF0000"/>
+                </a:solidFill>
+              </a:rPr>
+              <a:t>In progress – MCTS module</a:t>
+            </a:r>
+          </a:p>
+        </p:txBody>
+      </p:sp>
+    </p:spTree>
+    <p:extLst>
+      <p:ext uri="{BB962C8B-B14F-4D97-AF65-F5344CB8AC3E}">
+        <p14:creationId xmlns:p14="http://schemas.microsoft.com/office/powerpoint/2010/main" val="2239232316"/>
+      </p:ext>
+    </p:extLst>
+  </p:cSld>
+  <p:clrMapOvr>
+    <a:masterClrMapping/>
+  </p:clrMapOvr>
+</p:sld>
+</file>
+
+<file path=ppt/slides/slide12.xml><?xml version="1.0" encoding="utf-8"?>
+<p:sld xmlns:a="http://schemas.openxmlformats.org/drawingml/2006/main" xmlns:r="http://schemas.openxmlformats.org/officeDocument/2006/relationships" xmlns:p="http://schemas.openxmlformats.org/presentationml/2006/main">
+  <p:cSld>
+    <p:spTree>
+      <p:nvGrpSpPr>
+        <p:cNvPr id="1" name=""/>
+        <p:cNvGrpSpPr/>
+        <p:nvPr/>
+      </p:nvGrpSpPr>
+      <p:grpSpPr>
+        <a:xfrm>
+          <a:off x="0" y="0"/>
+          <a:ext cx="0" cy="0"/>
+          <a:chOff x="0" y="0"/>
+          <a:chExt cx="0" cy="0"/>
+        </a:xfrm>
+      </p:grpSpPr>
+      <p:sp>
+        <p:nvSpPr>
+          <p:cNvPr id="2" name="제목 1">
+            <a:extLst>
+              <a:ext uri="{FF2B5EF4-FFF2-40B4-BE49-F238E27FC236}">
+                <a16:creationId xmlns:a16="http://schemas.microsoft.com/office/drawing/2014/main" id="{D479E31B-A679-4AE2-A74F-D35A39E82A40}"/>
+              </a:ext>
+            </a:extLst>
+          </p:cNvPr>
+          <p:cNvSpPr>
+            <a:spLocks noGrp="1"/>
+          </p:cNvSpPr>
+          <p:nvPr>
+            <p:ph type="title"/>
+          </p:nvPr>
+        </p:nvSpPr>
+        <p:spPr>
+          <a:xfrm>
+            <a:off x="116681" y="0"/>
+            <a:ext cx="8910637" cy="987425"/>
+          </a:xfrm>
+        </p:spPr>
+        <p:txBody>
+          <a:bodyPr/>
+          <a:lstStyle/>
+          <a:p>
+            <a:r>
+              <a:rPr lang="en-US" altLang="ko-KR" dirty="0"/>
+              <a:t>Future plan(one month) </a:t>
+            </a:r>
+            <a:r>
+              <a:rPr lang="en-US" altLang="ko-KR" sz="2000" dirty="0"/>
+              <a:t>at 7/5</a:t>
+            </a:r>
+            <a:endParaRPr lang="ko-KR" altLang="en-US" sz="2000" dirty="0"/>
+          </a:p>
+        </p:txBody>
+      </p:sp>
+      <mc:AlternateContent xmlns:mc="http://schemas.openxmlformats.org/markup-compatibility/2006" xmlns:a14="http://schemas.microsoft.com/office/drawing/2010/main">
+        <mc:Choice Requires="a14">
+          <p:sp>
+            <p:nvSpPr>
+              <p:cNvPr id="3" name="내용 개체 틀 2">
+                <a:extLst>
+                  <a:ext uri="{FF2B5EF4-FFF2-40B4-BE49-F238E27FC236}">
+                    <a16:creationId xmlns:a16="http://schemas.microsoft.com/office/drawing/2014/main" id="{76A2C441-517F-450A-A437-5A34F2F7B7E1}"/>
+                  </a:ext>
+                </a:extLst>
+              </p:cNvPr>
+              <p:cNvSpPr>
+                <a:spLocks noGrp="1"/>
+              </p:cNvSpPr>
+              <p:nvPr>
+                <p:ph idx="1"/>
+              </p:nvPr>
+            </p:nvSpPr>
+            <p:spPr/>
+            <p:txBody>
+              <a:bodyPr/>
+              <a:lstStyle/>
+              <a:p>
+                <a:r>
+                  <a:rPr lang="en-US" altLang="ko-KR" dirty="0">
+                    <a:solidFill>
+                      <a:schemeClr val="tx1"/>
+                    </a:solidFill>
+                  </a:rPr>
+                  <a:t>Program RL code by </a:t>
+                </a:r>
+                <a:r>
+                  <a:rPr lang="en-US" altLang="ko-KR" dirty="0" err="1">
+                    <a:solidFill>
+                      <a:schemeClr val="tx1"/>
+                    </a:solidFill>
+                  </a:rPr>
+                  <a:t>Tensorflow</a:t>
+                </a:r>
+                <a:r>
+                  <a:rPr lang="en-US" altLang="ko-KR" dirty="0">
+                    <a:solidFill>
+                      <a:schemeClr val="tx1"/>
+                    </a:solidFill>
+                  </a:rPr>
+                  <a:t> Library</a:t>
+                </a:r>
+              </a:p>
+              <a:p>
+                <a:r>
+                  <a:rPr lang="en-US" altLang="ko-KR" dirty="0">
+                    <a:solidFill>
+                      <a:schemeClr val="tx1"/>
+                    </a:solidFill>
+                  </a:rPr>
+                  <a:t>Apply UDN at our</a:t>
+                </a:r>
+                <a:r>
+                  <a:rPr lang="ko-KR" altLang="en-US" dirty="0">
+                    <a:solidFill>
+                      <a:schemeClr val="tx1"/>
+                    </a:solidFill>
+                  </a:rPr>
+                  <a:t> </a:t>
+                </a:r>
+                <a:r>
+                  <a:rPr lang="en-US" altLang="ko-KR" dirty="0">
+                    <a:solidFill>
+                      <a:schemeClr val="tx1"/>
+                    </a:solidFill>
+                  </a:rPr>
+                  <a:t>Environment</a:t>
+                </a:r>
+              </a:p>
+              <a:p>
+                <a:pPr lvl="1"/>
+                <a:r>
+                  <a:rPr lang="en-US" altLang="ko-KR" dirty="0">
+                    <a:solidFill>
+                      <a:schemeClr val="tx1"/>
+                    </a:solidFill>
+                  </a:rPr>
+                  <a:t>Consider </a:t>
+                </a:r>
+                <a:r>
+                  <a:rPr lang="en-US" altLang="ko-KR" dirty="0" err="1">
+                    <a:solidFill>
+                      <a:schemeClr val="tx1"/>
+                    </a:solidFill>
+                  </a:rPr>
+                  <a:t>LoS</a:t>
+                </a:r>
+                <a:r>
+                  <a:rPr lang="en-US" altLang="ko-KR" dirty="0">
+                    <a:solidFill>
+                      <a:schemeClr val="tx1"/>
+                    </a:solidFill>
+                  </a:rPr>
+                  <a:t>, </a:t>
+                </a:r>
+                <a:r>
+                  <a:rPr lang="en-US" altLang="ko-KR" dirty="0" err="1">
+                    <a:solidFill>
+                      <a:schemeClr val="tx1"/>
+                    </a:solidFill>
+                  </a:rPr>
+                  <a:t>NLoS</a:t>
+                </a:r>
+                <a:r>
+                  <a:rPr lang="en-US" altLang="ko-KR" dirty="0">
+                    <a:solidFill>
+                      <a:schemeClr val="tx1"/>
+                    </a:solidFill>
+                  </a:rPr>
+                  <a:t>, Interference</a:t>
+                </a:r>
+              </a:p>
+              <a:p>
+                <a:pPr lvl="1"/>
+                <a:r>
+                  <a:rPr lang="en-US" altLang="ko-KR" dirty="0">
+                    <a:solidFill>
+                      <a:schemeClr val="tx1"/>
+                    </a:solidFill>
+                  </a:rPr>
+                  <a:t>Set BS density for UDN</a:t>
+                </a:r>
+              </a:p>
+              <a:p>
+                <a:pPr lvl="1"/>
+                <a:r>
+                  <a:rPr lang="en-US" altLang="ko-KR" dirty="0">
+                    <a:solidFill>
+                      <a:schemeClr val="tx1"/>
+                    </a:solidFill>
+                  </a:rPr>
+                  <a:t>Consider all BS state change concurrently </a:t>
+                </a:r>
+              </a:p>
+              <a:p>
+                <a:pPr lvl="1"/>
+                <a:r>
+                  <a:rPr lang="en-US" altLang="ko-KR" dirty="0">
+                    <a:solidFill>
+                      <a:schemeClr val="tx1"/>
+                    </a:solidFill>
+                  </a:rPr>
+                  <a:t>Update reward</a:t>
+                </a:r>
+              </a:p>
+              <a:p>
+                <a:pPr lvl="2"/>
+                <a:r>
+                  <a:rPr lang="en-US" altLang="ko-KR" dirty="0">
+                    <a:solidFill>
+                      <a:schemeClr val="tx1"/>
+                    </a:solidFill>
+                  </a:rPr>
+                  <a:t>consider Energy Consumption</a:t>
+                </a:r>
+              </a:p>
+              <a:p>
+                <a:pPr lvl="2"/>
+                <a:r>
+                  <a:rPr lang="en-US" altLang="ko-KR" dirty="0">
+                    <a:solidFill>
+                      <a:schemeClr val="tx1"/>
+                    </a:solidFill>
+                  </a:rPr>
+                  <a:t>SNR </a:t>
+                </a:r>
+              </a:p>
+              <a:p>
+                <a:pPr lvl="2"/>
+                <a:r>
+                  <a:rPr lang="en-US" altLang="ko-KR" dirty="0">
+                    <a:solidFill>
+                      <a:schemeClr val="tx1"/>
+                    </a:solidFill>
+                  </a:rPr>
+                  <a:t>Terminal condition - reach at Terminal Node or SNR &lt; threshold </a:t>
+                </a:r>
+                <a14:m>
+                  <m:oMath xmlns:m="http://schemas.openxmlformats.org/officeDocument/2006/math">
+                    <m:r>
+                      <a:rPr lang="en-US" altLang="ko-KR" b="0" i="1" smtClean="0">
+                        <a:solidFill>
+                          <a:schemeClr val="tx1"/>
+                        </a:solidFill>
+                        <a:latin typeface="Cambria Math" panose="02040503050406030204" pitchFamily="18" charset="0"/>
+                      </a:rPr>
+                      <m:t>𝜃</m:t>
+                    </m:r>
+                  </m:oMath>
+                </a14:m>
+                <a:endParaRPr lang="en-US" altLang="ko-KR" dirty="0">
+                  <a:solidFill>
+                    <a:schemeClr val="tx1"/>
+                  </a:solidFill>
+                </a:endParaRPr>
+              </a:p>
+              <a:p>
+                <a:r>
+                  <a:rPr lang="en-US" altLang="ko-KR" dirty="0">
+                    <a:solidFill>
+                      <a:schemeClr val="tx1"/>
+                    </a:solidFill>
+                  </a:rPr>
+                  <a:t>Update RL code for programmed env code</a:t>
+                </a:r>
+              </a:p>
+              <a:p>
+                <a:endParaRPr lang="en-US" altLang="ko-KR" dirty="0">
+                  <a:solidFill>
+                    <a:schemeClr val="tx1"/>
+                  </a:solidFill>
+                </a:endParaRPr>
+              </a:p>
+            </p:txBody>
+          </p:sp>
+        </mc:Choice>
+        <mc:Fallback xmlns="">
+          <p:sp>
+            <p:nvSpPr>
+              <p:cNvPr id="3" name="내용 개체 틀 2">
+                <a:extLst>
+                  <a:ext uri="{FF2B5EF4-FFF2-40B4-BE49-F238E27FC236}">
+                    <a16:creationId xmlns:a16="http://schemas.microsoft.com/office/drawing/2014/main" id="{76A2C441-517F-450A-A437-5A34F2F7B7E1}"/>
+                  </a:ext>
+                </a:extLst>
+              </p:cNvPr>
+              <p:cNvSpPr>
+                <a:spLocks noGrp="1" noRot="1" noChangeAspect="1" noMove="1" noResize="1" noEditPoints="1" noAdjustHandles="1" noChangeArrowheads="1" noChangeShapeType="1" noTextEdit="1"/>
+              </p:cNvSpPr>
+              <p:nvPr>
+                <p:ph idx="1"/>
+              </p:nvPr>
+            </p:nvSpPr>
+            <p:spPr>
+              <a:blipFill>
+                <a:blip r:embed="rId2"/>
+                <a:stretch>
+                  <a:fillRect t="-787"/>
+                </a:stretch>
+              </a:blipFill>
+            </p:spPr>
+            <p:txBody>
+              <a:bodyPr/>
+              <a:lstStyle/>
+              <a:p>
+                <a:r>
+                  <a:rPr lang="ko-KR" altLang="en-US">
+                    <a:noFill/>
+                  </a:rPr>
+                  <a:t> </a:t>
+                </a:r>
+              </a:p>
+            </p:txBody>
+          </p:sp>
+        </mc:Fallback>
+      </mc:AlternateContent>
+    </p:spTree>
+    <p:extLst>
+      <p:ext uri="{BB962C8B-B14F-4D97-AF65-F5344CB8AC3E}">
+        <p14:creationId xmlns:p14="http://schemas.microsoft.com/office/powerpoint/2010/main" val="3739733913"/>
+      </p:ext>
+    </p:extLst>
+  </p:cSld>
+  <p:clrMapOvr>
+    <a:masterClrMapping/>
+  </p:clrMapOvr>
+</p:sld>
+</file>
+
+<file path=ppt/slides/slide13.xml><?xml version="1.0" encoding="utf-8"?>
+<p:sld xmlns:a="http://schemas.openxmlformats.org/drawingml/2006/main" xmlns:r="http://schemas.openxmlformats.org/officeDocument/2006/relationships" xmlns:p="http://schemas.openxmlformats.org/presentationml/2006/main">
+  <p:cSld>
+    <p:spTree>
+      <p:nvGrpSpPr>
+        <p:cNvPr id="1" name=""/>
+        <p:cNvGrpSpPr/>
+        <p:nvPr/>
+      </p:nvGrpSpPr>
+      <p:grpSpPr>
+        <a:xfrm>
+          <a:off x="0" y="0"/>
+          <a:ext cx="0" cy="0"/>
+          <a:chOff x="0" y="0"/>
+          <a:chExt cx="0" cy="0"/>
+        </a:xfrm>
+      </p:grpSpPr>
+      <p:sp>
+        <p:nvSpPr>
+          <p:cNvPr id="7" name="Title 4"/>
+          <p:cNvSpPr>
+            <a:spLocks noGrp="1"/>
+          </p:cNvSpPr>
+          <p:nvPr>
+            <p:ph type="title"/>
+          </p:nvPr>
+        </p:nvSpPr>
+        <p:spPr>
+          <a:effectLst>
+            <a:outerShdw blurRad="50800" dist="38100" dir="2700000" algn="tl" rotWithShape="0">
+              <a:prstClr val="black">
+                <a:alpha val="40000"/>
+              </a:prstClr>
+            </a:outerShdw>
+          </a:effectLst>
+        </p:spPr>
+        <p:txBody>
+          <a:bodyPr/>
+          <a:lstStyle/>
+          <a:p>
+            <a:pPr>
+              <a:defRPr/>
+            </a:pPr>
+            <a:r>
+              <a:rPr lang="en-US" b="0" dirty="0"/>
+              <a:t>Thank you</a:t>
+            </a:r>
+          </a:p>
+        </p:txBody>
+      </p:sp>
+      <p:sp>
+        <p:nvSpPr>
+          <p:cNvPr id="3" name="Text Placeholder 2"/>
+          <p:cNvSpPr>
+            <a:spLocks noGrp="1"/>
+          </p:cNvSpPr>
+          <p:nvPr>
+            <p:ph type="body" idx="1"/>
+          </p:nvPr>
+        </p:nvSpPr>
+        <p:spPr/>
+        <p:txBody>
+          <a:bodyPr/>
+          <a:lstStyle/>
+          <a:p>
+            <a:pPr>
+              <a:defRPr/>
+            </a:pPr>
+            <a:r>
+              <a:rPr lang="en-US" dirty="0"/>
+              <a:t>Any Questions? </a:t>
+            </a:r>
+          </a:p>
+        </p:txBody>
+      </p:sp>
+      <p:sp>
+        <p:nvSpPr>
+          <p:cNvPr id="10" name="Text Placeholder 2"/>
+          <p:cNvSpPr txBox="1">
+            <a:spLocks/>
+          </p:cNvSpPr>
+          <p:nvPr/>
+        </p:nvSpPr>
+        <p:spPr bwMode="auto">
+          <a:xfrm>
+            <a:off x="750888" y="4005263"/>
+            <a:ext cx="7772400" cy="1500187"/>
+          </a:xfrm>
+          <a:prstGeom prst="rect">
+            <a:avLst/>
+          </a:prstGeom>
+          <a:noFill/>
+          <a:ln>
+            <a:noFill/>
+          </a:ln>
+          <a:extLst>
+            <a:ext uri="{909E8E84-426E-40DD-AFC4-6F175D3DCCD1}">
+              <a14:hiddenFill xmlns:a14="http://schemas.microsoft.com/office/drawing/2010/main">
+                <a:solidFill>
+                  <a:srgbClr val="FFFFFF"/>
+                </a:solidFill>
+              </a14:hiddenFill>
+            </a:ext>
+            <a:ext uri="{91240B29-F687-4F45-9708-019B960494DF}">
+              <a14:hiddenLine xmlns:a14="http://schemas.microsoft.com/office/drawing/2010/main" w="9525">
+                <a:solidFill>
+                  <a:srgbClr val="000000"/>
+                </a:solidFill>
+                <a:miter lim="800000"/>
+                <a:headEnd/>
+                <a:tailEnd/>
+              </a14:hiddenLine>
+            </a:ext>
+            <a:ext uri="{FAA26D3D-D897-4be2-8F04-BA451C77F1D7}">
+              <ma14:placeholderFlag xmlns="" xmlns:ma14="http://schemas.microsoft.com/office/mac/drawingml/2011/main" val="1"/>
+            </a:ext>
+          </a:extLst>
+        </p:spPr>
+        <p:txBody>
+          <a:bodyPr anchor="b"/>
+          <a:lstStyle>
+            <a:lvl1pPr marL="0" indent="0" algn="l" defTabSz="457200" rtl="0" eaLnBrk="0" fontAlgn="base" hangingPunct="0">
+              <a:spcBef>
+                <a:spcPct val="20000"/>
+              </a:spcBef>
+              <a:spcAft>
+                <a:spcPct val="0"/>
+              </a:spcAft>
+              <a:buFont typeface="Arial" charset="0"/>
+              <a:buNone/>
+              <a:defRPr sz="2000" kern="1200">
+                <a:solidFill>
+                  <a:schemeClr val="tx1">
+                    <a:tint val="75000"/>
+                  </a:schemeClr>
+                </a:solidFill>
+                <a:latin typeface="+mn-lt"/>
+                <a:ea typeface="ＭＳ Ｐゴシック" pitchFamily="-112" charset="-128"/>
+                <a:cs typeface="ＭＳ Ｐゴシック" pitchFamily="-112" charset="-128"/>
+              </a:defRPr>
+            </a:lvl1pPr>
+            <a:lvl2pPr marL="457200" indent="0" algn="l" defTabSz="457200" rtl="0" eaLnBrk="0" fontAlgn="base" hangingPunct="0">
+              <a:spcBef>
+                <a:spcPct val="20000"/>
+              </a:spcBef>
+              <a:spcAft>
+                <a:spcPct val="0"/>
+              </a:spcAft>
+              <a:buFont typeface="Arial" charset="0"/>
+              <a:buNone/>
+              <a:defRPr sz="1800" kern="1200">
+                <a:solidFill>
+                  <a:schemeClr val="tx1">
+                    <a:tint val="75000"/>
+                  </a:schemeClr>
+                </a:solidFill>
+                <a:latin typeface="+mn-lt"/>
+                <a:ea typeface="ＭＳ Ｐゴシック" pitchFamily="-112" charset="-128"/>
+                <a:cs typeface="+mn-cs"/>
+              </a:defRPr>
+            </a:lvl2pPr>
+            <a:lvl3pPr marL="914400" indent="0" algn="l" defTabSz="457200" rtl="0" eaLnBrk="0" fontAlgn="base" hangingPunct="0">
+              <a:spcBef>
+                <a:spcPct val="20000"/>
+              </a:spcBef>
+              <a:spcAft>
+                <a:spcPct val="0"/>
+              </a:spcAft>
+              <a:buFont typeface="Arial" charset="0"/>
+              <a:buNone/>
+              <a:defRPr sz="1600" kern="1200">
+                <a:solidFill>
+                  <a:schemeClr val="tx1">
+                    <a:tint val="75000"/>
+                  </a:schemeClr>
+                </a:solidFill>
+                <a:latin typeface="+mn-lt"/>
+                <a:ea typeface="ＭＳ Ｐゴシック" pitchFamily="-112" charset="-128"/>
+                <a:cs typeface="+mn-cs"/>
+              </a:defRPr>
+            </a:lvl3pPr>
+            <a:lvl4pPr marL="1371600" indent="0" algn="l" defTabSz="457200" rtl="0" eaLnBrk="0" fontAlgn="base" hangingPunct="0">
+              <a:spcBef>
+                <a:spcPct val="20000"/>
+              </a:spcBef>
+              <a:spcAft>
+                <a:spcPct val="0"/>
+              </a:spcAft>
+              <a:buFont typeface="Arial" charset="0"/>
+              <a:buNone/>
+              <a:defRPr sz="1400" kern="1200">
+                <a:solidFill>
+                  <a:schemeClr val="tx1">
+                    <a:tint val="75000"/>
+                  </a:schemeClr>
+                </a:solidFill>
+                <a:latin typeface="+mn-lt"/>
+                <a:ea typeface="ＭＳ Ｐゴシック" pitchFamily="-112" charset="-128"/>
+                <a:cs typeface="+mn-cs"/>
+              </a:defRPr>
+            </a:lvl4pPr>
+            <a:lvl5pPr marL="1828800" indent="0" algn="l" defTabSz="457200" rtl="0" eaLnBrk="0" fontAlgn="base" hangingPunct="0">
+              <a:spcBef>
+                <a:spcPct val="20000"/>
+              </a:spcBef>
+              <a:spcAft>
+                <a:spcPct val="0"/>
+              </a:spcAft>
+              <a:buFont typeface="Arial" charset="0"/>
+              <a:buNone/>
+              <a:defRPr sz="1400" kern="1200">
+                <a:solidFill>
+                  <a:schemeClr val="tx1">
+                    <a:tint val="75000"/>
+                  </a:schemeClr>
+                </a:solidFill>
+                <a:latin typeface="+mn-lt"/>
+                <a:ea typeface="ＭＳ Ｐゴシック" pitchFamily="-112" charset="-128"/>
+                <a:cs typeface="+mn-cs"/>
+              </a:defRPr>
+            </a:lvl5pPr>
+            <a:lvl6pPr marL="2286000" indent="0" algn="l" defTabSz="457200" rtl="0" eaLnBrk="1" latinLnBrk="0" hangingPunct="1">
+              <a:spcBef>
+                <a:spcPct val="20000"/>
+              </a:spcBef>
+              <a:buFont typeface="Arial"/>
+              <a:buNone/>
+              <a:defRPr sz="1400" kern="1200">
+                <a:solidFill>
+                  <a:schemeClr val="tx1">
+                    <a:tint val="75000"/>
+                  </a:schemeClr>
+                </a:solidFill>
+                <a:latin typeface="+mn-lt"/>
+                <a:ea typeface="+mn-ea"/>
+                <a:cs typeface="+mn-cs"/>
+              </a:defRPr>
+            </a:lvl6pPr>
+            <a:lvl7pPr marL="2743200" indent="0" algn="l" defTabSz="457200" rtl="0" eaLnBrk="1" latinLnBrk="0" hangingPunct="1">
+              <a:spcBef>
+                <a:spcPct val="20000"/>
+              </a:spcBef>
+              <a:buFont typeface="Arial"/>
+              <a:buNone/>
+              <a:defRPr sz="1400" kern="1200">
+                <a:solidFill>
+                  <a:schemeClr val="tx1">
+                    <a:tint val="75000"/>
+                  </a:schemeClr>
+                </a:solidFill>
+                <a:latin typeface="+mn-lt"/>
+                <a:ea typeface="+mn-ea"/>
+                <a:cs typeface="+mn-cs"/>
+              </a:defRPr>
+            </a:lvl7pPr>
+            <a:lvl8pPr marL="3200400" indent="0" algn="l" defTabSz="457200" rtl="0" eaLnBrk="1" latinLnBrk="0" hangingPunct="1">
+              <a:spcBef>
+                <a:spcPct val="20000"/>
+              </a:spcBef>
+              <a:buFont typeface="Arial"/>
+              <a:buNone/>
+              <a:defRPr sz="1400" kern="1200">
+                <a:solidFill>
+                  <a:schemeClr val="tx1">
+                    <a:tint val="75000"/>
+                  </a:schemeClr>
+                </a:solidFill>
+                <a:latin typeface="+mn-lt"/>
+                <a:ea typeface="+mn-ea"/>
+                <a:cs typeface="+mn-cs"/>
+              </a:defRPr>
+            </a:lvl8pPr>
+            <a:lvl9pPr marL="3657600" indent="0" algn="l" defTabSz="457200" rtl="0" eaLnBrk="1" latinLnBrk="0" hangingPunct="1">
+              <a:spcBef>
+                <a:spcPct val="20000"/>
+              </a:spcBef>
+              <a:buFont typeface="Arial"/>
+              <a:buNone/>
+              <a:defRPr sz="1400" kern="1200">
+                <a:solidFill>
+                  <a:schemeClr val="tx1">
+                    <a:tint val="75000"/>
+                  </a:schemeClr>
+                </a:solidFill>
+                <a:latin typeface="+mn-lt"/>
+                <a:ea typeface="+mn-ea"/>
+                <a:cs typeface="+mn-cs"/>
+              </a:defRPr>
+            </a:lvl9pPr>
+          </a:lstStyle>
+          <a:p>
+            <a:pPr>
+              <a:defRPr/>
+            </a:pPr>
+            <a:endParaRPr lang="en-US" dirty="0">
+              <a:solidFill>
+                <a:schemeClr val="bg1">
+                  <a:lumMod val="65000"/>
+                </a:schemeClr>
+              </a:solidFill>
+            </a:endParaRPr>
+          </a:p>
+        </p:txBody>
+      </p:sp>
+    </p:spTree>
+    <p:extLst>
+      <p:ext uri="{BB962C8B-B14F-4D97-AF65-F5344CB8AC3E}">
+        <p14:creationId xmlns:p14="http://schemas.microsoft.com/office/powerpoint/2010/main" val="1727544517"/>
+      </p:ext>
+    </p:extLst>
+  </p:cSld>
+  <p:clrMapOvr>
+    <a:masterClrMapping/>
+  </p:clrMapOvr>
+</p:sld>
+</file>
+
+<file path=ppt/slides/slide2.xml><?xml version="1.0" encoding="utf-8"?>
+<p:sld xmlns:a="http://schemas.openxmlformats.org/drawingml/2006/main" xmlns:r="http://schemas.openxmlformats.org/officeDocument/2006/relationships" xmlns:p="http://schemas.openxmlformats.org/presentationml/2006/main">
+  <p:cSld>
+    <p:spTree>
+      <p:nvGrpSpPr>
+        <p:cNvPr id="1" name=""/>
+        <p:cNvGrpSpPr/>
+        <p:nvPr/>
+      </p:nvGrpSpPr>
+      <p:grpSpPr>
+        <a:xfrm>
+          <a:off x="0" y="0"/>
+          <a:ext cx="0" cy="0"/>
+          <a:chOff x="0" y="0"/>
+          <a:chExt cx="0" cy="0"/>
+        </a:xfrm>
+      </p:grpSpPr>
+      <p:sp>
+        <p:nvSpPr>
+          <p:cNvPr id="2" name="제목 1">
+            <a:extLst>
+              <a:ext uri="{FF2B5EF4-FFF2-40B4-BE49-F238E27FC236}">
+                <a16:creationId xmlns:a16="http://schemas.microsoft.com/office/drawing/2014/main" id="{F5F63D42-1E06-4A5B-9AAA-45F95E0B04D0}"/>
+              </a:ext>
+            </a:extLst>
+          </p:cNvPr>
+          <p:cNvSpPr>
+            <a:spLocks noGrp="1"/>
+          </p:cNvSpPr>
+          <p:nvPr>
+            <p:ph type="title"/>
+          </p:nvPr>
+        </p:nvSpPr>
+        <p:spPr>
+          <a:xfrm>
+            <a:off x="116681" y="-4"/>
+            <a:ext cx="8910637" cy="987425"/>
+          </a:xfrm>
+        </p:spPr>
+        <p:txBody>
+          <a:bodyPr/>
+          <a:lstStyle/>
+          <a:p>
+            <a:r>
+              <a:rPr lang="en-US" altLang="ko-KR" dirty="0"/>
+              <a:t>Progress</a:t>
+            </a:r>
+            <a:endParaRPr lang="ko-KR" altLang="en-US" dirty="0"/>
+          </a:p>
+        </p:txBody>
+      </p:sp>
+      <p:sp>
+        <p:nvSpPr>
+          <p:cNvPr id="3" name="내용 개체 틀 2">
+            <a:extLst>
+              <a:ext uri="{FF2B5EF4-FFF2-40B4-BE49-F238E27FC236}">
+                <a16:creationId xmlns:a16="http://schemas.microsoft.com/office/drawing/2014/main" id="{08458E5A-D904-4F83-968A-D96BD79BB32E}"/>
+              </a:ext>
+            </a:extLst>
+          </p:cNvPr>
+          <p:cNvSpPr>
+            <a:spLocks noGrp="1"/>
+          </p:cNvSpPr>
+          <p:nvPr>
+            <p:ph idx="1"/>
+          </p:nvPr>
+        </p:nvSpPr>
+        <p:spPr>
+          <a:xfrm>
+            <a:off x="457199" y="1036062"/>
+            <a:ext cx="8297695" cy="5428800"/>
+          </a:xfrm>
+        </p:spPr>
+        <p:txBody>
+          <a:bodyPr>
+            <a:normAutofit/>
+          </a:bodyPr>
+          <a:lstStyle/>
+          <a:p>
+            <a:r>
+              <a:rPr lang="en-US" altLang="ko-KR" b="1" dirty="0">
+                <a:solidFill>
+                  <a:srgbClr val="0000FF"/>
+                </a:solidFill>
+              </a:rPr>
+              <a:t>Design Env code</a:t>
+            </a:r>
+            <a:endParaRPr lang="en-US" altLang="ko-KR" b="1" dirty="0"/>
+          </a:p>
+          <a:p>
+            <a:r>
+              <a:rPr lang="en-US" altLang="ko-KR" b="1" dirty="0">
+                <a:solidFill>
+                  <a:srgbClr val="FF0000"/>
+                </a:solidFill>
+              </a:rPr>
+              <a:t>Design RL code </a:t>
+            </a:r>
+            <a:r>
+              <a:rPr lang="en-US" altLang="ko-KR" b="1" dirty="0"/>
+              <a:t>– MCTS </a:t>
+            </a:r>
+          </a:p>
+          <a:p>
+            <a:pPr lvl="1"/>
+            <a:r>
+              <a:rPr lang="en-US" altLang="ko-KR" b="1" dirty="0">
+                <a:solidFill>
+                  <a:schemeClr val="tx1"/>
+                </a:solidFill>
+              </a:rPr>
+              <a:t>Remodel based on sample library</a:t>
+            </a:r>
+          </a:p>
+          <a:p>
+            <a:pPr lvl="2"/>
+            <a:r>
+              <a:rPr lang="en-US" altLang="ko-KR" b="1" dirty="0">
+                <a:solidFill>
+                  <a:schemeClr val="tx1"/>
+                </a:solidFill>
+              </a:rPr>
+              <a:t>Most of MCTS libraries are for sequential game</a:t>
+            </a:r>
+          </a:p>
+          <a:p>
+            <a:pPr marL="800100" lvl="2" indent="0">
+              <a:buNone/>
+            </a:pPr>
+            <a:r>
+              <a:rPr lang="en-US" altLang="ko-KR" b="1" dirty="0">
+                <a:solidFill>
+                  <a:schemeClr val="tx1"/>
+                </a:solidFill>
+                <a:sym typeface="Wingdings" panose="05000000000000000000" pitchFamily="2" charset="2"/>
+              </a:rPr>
+              <a:t> </a:t>
+            </a:r>
+            <a:r>
+              <a:rPr lang="en-US" altLang="ko-KR" b="1" dirty="0">
+                <a:solidFill>
+                  <a:schemeClr val="tx1"/>
+                </a:solidFill>
+              </a:rPr>
+              <a:t>We decided to mcts.py module instead of using MCTS library </a:t>
+            </a:r>
+          </a:p>
+          <a:p>
+            <a:r>
+              <a:rPr lang="en-US" altLang="ko-KR" b="1" dirty="0"/>
+              <a:t>Make 2 module</a:t>
+            </a:r>
+          </a:p>
+          <a:p>
+            <a:pPr lvl="1"/>
+            <a:r>
+              <a:rPr lang="en-US" altLang="ko-KR" b="1" dirty="0">
+                <a:solidFill>
+                  <a:schemeClr val="tx1"/>
+                </a:solidFill>
+              </a:rPr>
+              <a:t>main.py: </a:t>
+            </a:r>
+            <a:r>
+              <a:rPr lang="en-US" altLang="ko-KR" b="1" dirty="0" err="1">
+                <a:solidFill>
+                  <a:schemeClr val="tx1"/>
+                </a:solidFill>
+              </a:rPr>
+              <a:t>UDNEnv</a:t>
+            </a:r>
+            <a:r>
+              <a:rPr lang="en-US" altLang="ko-KR" b="1" dirty="0">
+                <a:solidFill>
+                  <a:schemeClr val="tx1"/>
+                </a:solidFill>
+              </a:rPr>
+              <a:t>(environment code)+MCTS(RL code)</a:t>
+            </a:r>
+          </a:p>
+          <a:p>
+            <a:pPr lvl="1"/>
+            <a:r>
+              <a:rPr lang="en-US" altLang="ko-KR" b="1" dirty="0">
+                <a:solidFill>
+                  <a:schemeClr val="tx1"/>
+                </a:solidFill>
+              </a:rPr>
+              <a:t>ppp.py: BSposition.csv(information of BS position) create</a:t>
+            </a:r>
+          </a:p>
+        </p:txBody>
+      </p:sp>
+    </p:spTree>
+    <p:extLst>
+      <p:ext uri="{BB962C8B-B14F-4D97-AF65-F5344CB8AC3E}">
+        <p14:creationId xmlns:p14="http://schemas.microsoft.com/office/powerpoint/2010/main" val="47788732"/>
+      </p:ext>
+    </p:extLst>
+  </p:cSld>
+  <p:clrMapOvr>
+    <a:masterClrMapping/>
+  </p:clrMapOvr>
+</p:sld>
+</file>
+
+<file path=ppt/slides/slide3.xml><?xml version="1.0" encoding="utf-8"?>
+<p:sld xmlns:a="http://schemas.openxmlformats.org/drawingml/2006/main" xmlns:r="http://schemas.openxmlformats.org/officeDocument/2006/relationships" xmlns:p="http://schemas.openxmlformats.org/presentationml/2006/main">
+  <p:cSld>
+    <p:spTree>
+      <p:nvGrpSpPr>
+        <p:cNvPr id="1" name=""/>
+        <p:cNvGrpSpPr/>
+        <p:nvPr/>
+      </p:nvGrpSpPr>
+      <p:grpSpPr>
+        <a:xfrm>
+          <a:off x="0" y="0"/>
+          <a:ext cx="0" cy="0"/>
+          <a:chOff x="0" y="0"/>
+          <a:chExt cx="0" cy="0"/>
+        </a:xfrm>
+      </p:grpSpPr>
+      <p:sp>
+        <p:nvSpPr>
+          <p:cNvPr id="2" name="제목 1">
+            <a:extLst>
+              <a:ext uri="{FF2B5EF4-FFF2-40B4-BE49-F238E27FC236}">
+                <a16:creationId xmlns:a16="http://schemas.microsoft.com/office/drawing/2014/main" id="{F5F63D42-1E06-4A5B-9AAA-45F95E0B04D0}"/>
+              </a:ext>
+            </a:extLst>
+          </p:cNvPr>
+          <p:cNvSpPr>
+            <a:spLocks noGrp="1"/>
+          </p:cNvSpPr>
+          <p:nvPr>
+            <p:ph type="title"/>
+          </p:nvPr>
+        </p:nvSpPr>
+        <p:spPr>
+          <a:xfrm>
+            <a:off x="116681" y="-4"/>
+            <a:ext cx="8910637" cy="987425"/>
+          </a:xfrm>
+        </p:spPr>
+        <p:txBody>
+          <a:bodyPr/>
+          <a:lstStyle/>
+          <a:p>
+            <a:r>
+              <a:rPr lang="en-US" altLang="ko-KR" dirty="0"/>
+              <a:t>System Model</a:t>
+            </a:r>
+            <a:endParaRPr lang="ko-KR" altLang="en-US" dirty="0"/>
+          </a:p>
+        </p:txBody>
+      </p:sp>
+      <p:sp>
+        <p:nvSpPr>
+          <p:cNvPr id="3" name="내용 개체 틀 2">
+            <a:extLst>
+              <a:ext uri="{FF2B5EF4-FFF2-40B4-BE49-F238E27FC236}">
+                <a16:creationId xmlns:a16="http://schemas.microsoft.com/office/drawing/2014/main" id="{08458E5A-D904-4F83-968A-D96BD79BB32E}"/>
+              </a:ext>
+            </a:extLst>
+          </p:cNvPr>
+          <p:cNvSpPr>
+            <a:spLocks noGrp="1"/>
+          </p:cNvSpPr>
+          <p:nvPr>
+            <p:ph idx="1"/>
+          </p:nvPr>
+        </p:nvSpPr>
+        <p:spPr>
+          <a:xfrm>
+            <a:off x="457199" y="1036062"/>
+            <a:ext cx="8297695" cy="5428800"/>
+          </a:xfrm>
+        </p:spPr>
+        <p:txBody>
+          <a:bodyPr>
+            <a:normAutofit/>
+          </a:bodyPr>
+          <a:lstStyle/>
+          <a:p>
+            <a:r>
+              <a:rPr lang="en-US" altLang="ko-KR" b="1" dirty="0"/>
+              <a:t>Environment model</a:t>
+            </a:r>
+          </a:p>
+          <a:p>
+            <a:pPr lvl="1"/>
+            <a:r>
+              <a:rPr lang="en-US" altLang="ko-KR" b="1" i="1" dirty="0">
+                <a:solidFill>
+                  <a:srgbClr val="FF0000"/>
+                </a:solidFill>
+              </a:rPr>
+              <a:t>16-users and 10-BSs </a:t>
+            </a:r>
+            <a:r>
+              <a:rPr lang="en-US" altLang="ko-KR" b="1" dirty="0"/>
+              <a:t>are deployed in the area </a:t>
+            </a:r>
+          </a:p>
+          <a:p>
+            <a:pPr lvl="2"/>
+            <a:r>
+              <a:rPr lang="en-US" altLang="ko-KR" b="1" dirty="0"/>
+              <a:t>BS location is PPP</a:t>
+            </a:r>
+          </a:p>
+          <a:p>
+            <a:pPr lvl="2"/>
+            <a:r>
+              <a:rPr lang="en-US" altLang="ko-KR" b="1" dirty="0"/>
+              <a:t>User location is uniform distribution which changes every step</a:t>
+            </a:r>
+          </a:p>
+          <a:p>
+            <a:pPr lvl="1" latinLnBrk="1">
+              <a:lnSpc>
+                <a:spcPct val="150000"/>
+              </a:lnSpc>
+            </a:pPr>
+            <a:r>
+              <a:rPr lang="en-US" altLang="ko-KR" b="1" dirty="0">
+                <a:solidFill>
+                  <a:schemeClr val="tx1"/>
+                </a:solidFill>
+              </a:rPr>
+              <a:t>User-BS association rule: nearest BS association</a:t>
+            </a:r>
+            <a:endParaRPr lang="ko-KR" altLang="ko-KR" b="1" dirty="0">
+              <a:solidFill>
+                <a:schemeClr val="tx1"/>
+              </a:solidFill>
+            </a:endParaRPr>
+          </a:p>
+          <a:p>
+            <a:pPr lvl="2"/>
+            <a:r>
+              <a:rPr lang="ko-KR" altLang="en-US" b="1" dirty="0">
+                <a:solidFill>
+                  <a:srgbClr val="0000FF"/>
+                </a:solidFill>
+              </a:rPr>
+              <a:t>전원 </a:t>
+            </a:r>
+            <a:r>
+              <a:rPr lang="en-US" altLang="ko-KR" b="1" dirty="0">
+                <a:solidFill>
+                  <a:srgbClr val="0000FF"/>
+                </a:solidFill>
+              </a:rPr>
+              <a:t>off </a:t>
+            </a:r>
+            <a:r>
+              <a:rPr lang="ko-KR" altLang="en-US" b="1" dirty="0">
+                <a:solidFill>
+                  <a:srgbClr val="0000FF"/>
+                </a:solidFill>
+              </a:rPr>
+              <a:t>된 </a:t>
+            </a:r>
+            <a:r>
+              <a:rPr lang="en-US" altLang="ko-KR" b="1" dirty="0">
+                <a:solidFill>
+                  <a:srgbClr val="0000FF"/>
+                </a:solidFill>
+              </a:rPr>
+              <a:t>BS</a:t>
+            </a:r>
+            <a:r>
+              <a:rPr lang="ko-KR" altLang="en-US" b="1" dirty="0">
+                <a:solidFill>
+                  <a:srgbClr val="0000FF"/>
+                </a:solidFill>
+              </a:rPr>
+              <a:t>와 </a:t>
+            </a:r>
+            <a:r>
+              <a:rPr lang="en-US" altLang="ko-KR" b="1" dirty="0">
+                <a:solidFill>
+                  <a:srgbClr val="0000FF"/>
+                </a:solidFill>
+              </a:rPr>
+              <a:t>user</a:t>
+            </a:r>
+            <a:r>
+              <a:rPr lang="ko-KR" altLang="en-US" b="1" dirty="0">
+                <a:solidFill>
+                  <a:srgbClr val="0000FF"/>
+                </a:solidFill>
+              </a:rPr>
+              <a:t>까지의 거리를 </a:t>
+            </a:r>
+            <a:r>
+              <a:rPr lang="en-US" altLang="ko-KR" b="1" dirty="0">
+                <a:solidFill>
+                  <a:srgbClr val="0000FF"/>
+                </a:solidFill>
+              </a:rPr>
+              <a:t>infinity</a:t>
+            </a:r>
+            <a:r>
+              <a:rPr lang="ko-KR" altLang="en-US" b="1" dirty="0">
+                <a:solidFill>
+                  <a:srgbClr val="0000FF"/>
+                </a:solidFill>
+              </a:rPr>
+              <a:t>로 하여 </a:t>
+            </a:r>
+            <a:r>
+              <a:rPr lang="en-US" altLang="ko-KR" b="1" dirty="0">
+                <a:solidFill>
+                  <a:srgbClr val="0000FF"/>
+                </a:solidFill>
+              </a:rPr>
+              <a:t>association</a:t>
+            </a:r>
+            <a:r>
+              <a:rPr lang="ko-KR" altLang="en-US" b="1" dirty="0">
+                <a:solidFill>
+                  <a:srgbClr val="0000FF"/>
+                </a:solidFill>
+              </a:rPr>
+              <a:t>을 막음</a:t>
+            </a:r>
+            <a:endParaRPr lang="en-US" altLang="ko-KR" b="1" dirty="0">
+              <a:solidFill>
+                <a:srgbClr val="0000FF"/>
+              </a:solidFill>
+            </a:endParaRPr>
+          </a:p>
+          <a:p>
+            <a:pPr lvl="2"/>
+            <a:endParaRPr lang="en-US" altLang="ko-KR" b="1" dirty="0">
+              <a:solidFill>
+                <a:srgbClr val="0000FF"/>
+              </a:solidFill>
+            </a:endParaRPr>
+          </a:p>
+          <a:p>
+            <a:r>
+              <a:rPr lang="en-US" altLang="ko-KR" b="1" dirty="0"/>
+              <a:t>MCTS model </a:t>
+            </a:r>
+          </a:p>
+          <a:p>
+            <a:pPr lvl="1"/>
+            <a:r>
+              <a:rPr lang="en-US" altLang="ko-KR" b="1" dirty="0">
+                <a:solidFill>
+                  <a:schemeClr val="tx1"/>
+                </a:solidFill>
+              </a:rPr>
+              <a:t>Utilize MCTS library on </a:t>
+            </a:r>
+            <a:r>
+              <a:rPr lang="en-US" altLang="ko-KR" b="1" dirty="0" err="1">
+                <a:solidFill>
+                  <a:schemeClr val="tx1"/>
+                </a:solidFill>
+              </a:rPr>
+              <a:t>Github</a:t>
+            </a:r>
+            <a:endParaRPr lang="en-US" altLang="ko-KR" b="1" dirty="0">
+              <a:solidFill>
+                <a:schemeClr val="tx1"/>
+              </a:solidFill>
+            </a:endParaRPr>
+          </a:p>
+          <a:p>
+            <a:pPr lvl="2"/>
+            <a:r>
+              <a:rPr lang="en-US" altLang="ko-KR" b="1" dirty="0">
+                <a:solidFill>
+                  <a:schemeClr val="tx1"/>
+                </a:solidFill>
+              </a:rPr>
+              <a:t>Most of MCTS libraries are for sequential game</a:t>
+            </a:r>
+          </a:p>
+          <a:p>
+            <a:pPr lvl="1"/>
+            <a:r>
+              <a:rPr lang="en-US" altLang="ko-KR" b="1" dirty="0">
+                <a:solidFill>
+                  <a:schemeClr val="tx1"/>
+                </a:solidFill>
+              </a:rPr>
+              <a:t>We decided to edit the library for our environment model</a:t>
+            </a:r>
+          </a:p>
+        </p:txBody>
+      </p:sp>
+    </p:spTree>
+    <p:extLst>
+      <p:ext uri="{BB962C8B-B14F-4D97-AF65-F5344CB8AC3E}">
+        <p14:creationId xmlns:p14="http://schemas.microsoft.com/office/powerpoint/2010/main" val="3443461438"/>
+      </p:ext>
+    </p:extLst>
+  </p:cSld>
+  <p:clrMapOvr>
+    <a:masterClrMapping/>
+  </p:clrMapOvr>
+</p:sld>
+</file>
+
+<file path=ppt/slides/slide4.xml><?xml version="1.0" encoding="utf-8"?>
+<p:sld xmlns:a="http://schemas.openxmlformats.org/drawingml/2006/main" xmlns:r="http://schemas.openxmlformats.org/officeDocument/2006/relationships" xmlns:p="http://schemas.openxmlformats.org/presentationml/2006/main">
+  <p:cSld>
+    <p:spTree>
+      <p:nvGrpSpPr>
+        <p:cNvPr id="1" name=""/>
+        <p:cNvGrpSpPr/>
+        <p:nvPr/>
+      </p:nvGrpSpPr>
+      <p:grpSpPr>
+        <a:xfrm>
+          <a:off x="0" y="0"/>
+          <a:ext cx="0" cy="0"/>
+          <a:chOff x="0" y="0"/>
+          <a:chExt cx="0" cy="0"/>
+        </a:xfrm>
+      </p:grpSpPr>
+      <p:sp>
+        <p:nvSpPr>
+          <p:cNvPr id="2" name="제목 1">
+            <a:extLst>
+              <a:ext uri="{FF2B5EF4-FFF2-40B4-BE49-F238E27FC236}">
+                <a16:creationId xmlns:a16="http://schemas.microsoft.com/office/drawing/2014/main" id="{F5F63D42-1E06-4A5B-9AAA-45F95E0B04D0}"/>
+              </a:ext>
+            </a:extLst>
+          </p:cNvPr>
+          <p:cNvSpPr>
+            <a:spLocks noGrp="1"/>
+          </p:cNvSpPr>
+          <p:nvPr>
+            <p:ph type="title"/>
+          </p:nvPr>
+        </p:nvSpPr>
+        <p:spPr>
+          <a:xfrm>
+            <a:off x="116681" y="-4"/>
+            <a:ext cx="8910637" cy="987425"/>
+          </a:xfrm>
+        </p:spPr>
+        <p:txBody>
+          <a:bodyPr/>
+          <a:lstStyle/>
+          <a:p>
+            <a:r>
+              <a:rPr lang="en-US" altLang="ko-KR" dirty="0"/>
+              <a:t>System Model</a:t>
+            </a:r>
+            <a:endParaRPr lang="ko-KR" altLang="en-US" dirty="0"/>
+          </a:p>
+        </p:txBody>
+      </p:sp>
+      <mc:AlternateContent xmlns:mc="http://schemas.openxmlformats.org/markup-compatibility/2006" xmlns:a14="http://schemas.microsoft.com/office/drawing/2010/main">
+        <mc:Choice Requires="a14">
+          <p:sp>
+            <p:nvSpPr>
+              <p:cNvPr id="3" name="내용 개체 틀 2">
+                <a:extLst>
+                  <a:ext uri="{FF2B5EF4-FFF2-40B4-BE49-F238E27FC236}">
+                    <a16:creationId xmlns:a16="http://schemas.microsoft.com/office/drawing/2014/main" id="{08458E5A-D904-4F83-968A-D96BD79BB32E}"/>
+                  </a:ext>
+                </a:extLst>
+              </p:cNvPr>
+              <p:cNvSpPr>
+                <a:spLocks noGrp="1"/>
+              </p:cNvSpPr>
+              <p:nvPr>
+                <p:ph idx="1"/>
+              </p:nvPr>
+            </p:nvSpPr>
+            <p:spPr>
+              <a:xfrm>
+                <a:off x="457199" y="1036062"/>
+                <a:ext cx="8297695" cy="5428800"/>
+              </a:xfrm>
+            </p:spPr>
+            <p:txBody>
+              <a:bodyPr>
+                <a:normAutofit/>
+              </a:bodyPr>
+              <a:lstStyle/>
+              <a:p>
+                <a:pPr>
+                  <a:lnSpc>
+                    <a:spcPct val="150000"/>
+                  </a:lnSpc>
+                </a:pPr>
+                <a:r>
+                  <a:rPr lang="en-US" altLang="ko-KR" b="1" dirty="0">
+                    <a:solidFill>
+                      <a:schemeClr val="tx1"/>
+                    </a:solidFill>
+                  </a:rPr>
+                  <a:t>Environment model based on gym environment &amp; </a:t>
+                </a:r>
+                <a:r>
+                  <a:rPr lang="en-US" altLang="ko-KR" b="1" dirty="0" err="1">
+                    <a:solidFill>
+                      <a:schemeClr val="tx1"/>
+                    </a:solidFill>
+                  </a:rPr>
+                  <a:t>tensorflow</a:t>
+                </a:r>
+                <a:r>
+                  <a:rPr lang="en-US" altLang="ko-KR" b="1" dirty="0">
+                    <a:solidFill>
+                      <a:schemeClr val="tx1"/>
+                    </a:solidFill>
+                  </a:rPr>
+                  <a:t> lib.</a:t>
+                </a:r>
+              </a:p>
+              <a:p>
+                <a:pPr lvl="1" latinLnBrk="1">
+                  <a:lnSpc>
+                    <a:spcPct val="150000"/>
+                  </a:lnSpc>
+                </a:pPr>
+                <a:r>
+                  <a:rPr lang="en-US" altLang="ko-KR" b="1" dirty="0">
+                    <a:solidFill>
+                      <a:srgbClr val="0000FF"/>
+                    </a:solidFill>
+                  </a:rPr>
+                  <a:t>State</a:t>
+                </a:r>
+                <a:r>
+                  <a:rPr lang="en-US" altLang="ko-KR" b="1" dirty="0">
+                    <a:solidFill>
+                      <a:schemeClr val="tx1"/>
+                    </a:solidFill>
+                  </a:rPr>
+                  <a:t>: Matrix of BS on/off [discrete, </a:t>
+                </a:r>
+                <a14:m>
+                  <m:oMath xmlns:m="http://schemas.openxmlformats.org/officeDocument/2006/math">
+                    <m:sSub>
+                      <m:sSubPr>
+                        <m:ctrlPr>
+                          <a:rPr lang="en-US" altLang="ko-KR" b="1" i="1" smtClean="0">
+                            <a:solidFill>
+                              <a:schemeClr val="tx1"/>
+                            </a:solidFill>
+                            <a:latin typeface="Cambria Math" panose="02040503050406030204" pitchFamily="18" charset="0"/>
+                          </a:rPr>
+                        </m:ctrlPr>
+                      </m:sSubPr>
+                      <m:e>
+                        <m:r>
+                          <a:rPr lang="en-US" altLang="ko-KR" b="1" i="1" smtClean="0">
+                            <a:solidFill>
+                              <a:schemeClr val="tx1"/>
+                            </a:solidFill>
+                            <a:latin typeface="Cambria Math" panose="02040503050406030204" pitchFamily="18" charset="0"/>
+                          </a:rPr>
+                          <m:t>𝑺</m:t>
+                        </m:r>
+                      </m:e>
+                      <m:sub>
+                        <m:r>
+                          <a:rPr lang="en-US" altLang="ko-KR" b="1" i="1" smtClean="0">
+                            <a:solidFill>
+                              <a:schemeClr val="tx1"/>
+                            </a:solidFill>
+                            <a:latin typeface="Cambria Math" panose="02040503050406030204" pitchFamily="18" charset="0"/>
+                          </a:rPr>
+                          <m:t>𝒊</m:t>
+                        </m:r>
+                      </m:sub>
+                    </m:sSub>
+                    <m:r>
+                      <a:rPr lang="en-US" altLang="ko-KR" b="1" i="1" smtClean="0">
+                        <a:solidFill>
+                          <a:schemeClr val="tx1"/>
+                        </a:solidFill>
+                        <a:latin typeface="Cambria Math" panose="02040503050406030204" pitchFamily="18" charset="0"/>
+                      </a:rPr>
+                      <m:t> ≡</m:t>
+                    </m:r>
+                    <m:sSup>
+                      <m:sSupPr>
+                        <m:ctrlPr>
+                          <a:rPr lang="en-US" altLang="ko-KR" b="1" i="1" smtClean="0">
+                            <a:solidFill>
+                              <a:schemeClr val="tx1"/>
+                            </a:solidFill>
+                            <a:latin typeface="Cambria Math" panose="02040503050406030204" pitchFamily="18" charset="0"/>
+                          </a:rPr>
+                        </m:ctrlPr>
+                      </m:sSupPr>
+                      <m:e>
+                        <m:r>
+                          <a:rPr lang="en-US" altLang="ko-KR" b="1" i="1" smtClean="0">
+                            <a:solidFill>
+                              <a:schemeClr val="tx1"/>
+                            </a:solidFill>
+                            <a:latin typeface="Cambria Math" panose="02040503050406030204" pitchFamily="18" charset="0"/>
+                          </a:rPr>
+                          <m:t>𝒊</m:t>
+                        </m:r>
+                      </m:e>
+                      <m:sup>
+                        <m:r>
+                          <a:rPr lang="en-US" altLang="ko-KR" b="1" i="0" smtClean="0">
+                            <a:solidFill>
+                              <a:schemeClr val="tx1"/>
+                            </a:solidFill>
+                            <a:latin typeface="Cambria Math" panose="02040503050406030204" pitchFamily="18" charset="0"/>
+                          </a:rPr>
+                          <m:t>𝐭𝐡</m:t>
+                        </m:r>
+                      </m:sup>
+                    </m:sSup>
+                    <m:r>
+                      <a:rPr lang="en-US" altLang="ko-KR" b="1" i="1" smtClean="0">
+                        <a:solidFill>
+                          <a:schemeClr val="tx1"/>
+                        </a:solidFill>
+                        <a:latin typeface="Cambria Math" panose="02040503050406030204" pitchFamily="18" charset="0"/>
+                      </a:rPr>
+                      <m:t>  </m:t>
+                    </m:r>
+                  </m:oMath>
+                </a14:m>
+                <a:r>
+                  <a:rPr lang="en-US" altLang="ko-KR" b="1" dirty="0">
+                    <a:solidFill>
+                      <a:schemeClr val="tx1"/>
+                    </a:solidFill>
+                  </a:rPr>
+                  <a:t>BS on, 𝑖=1, 2, …,n ]</a:t>
+                </a:r>
+              </a:p>
+              <a:p>
+                <a:pPr lvl="2" latinLnBrk="1">
+                  <a:lnSpc>
+                    <a:spcPct val="150000"/>
+                  </a:lnSpc>
+                </a:pPr>
+                <a:r>
+                  <a:rPr lang="en-US" altLang="ko-KR" b="1" dirty="0">
+                    <a:solidFill>
+                      <a:schemeClr val="tx1"/>
+                    </a:solidFill>
+                  </a:rPr>
+                  <a:t>Use matrix for describing entire state </a:t>
+                </a:r>
+                <a:endParaRPr lang="ko-KR" altLang="ko-KR" b="1" i="1" dirty="0">
+                  <a:solidFill>
+                    <a:schemeClr val="tx1"/>
+                  </a:solidFill>
+                </a:endParaRPr>
+              </a:p>
+              <a:p>
+                <a:pPr lvl="1" latinLnBrk="1">
+                  <a:lnSpc>
+                    <a:spcPct val="150000"/>
+                  </a:lnSpc>
+                </a:pPr>
+                <a:r>
+                  <a:rPr lang="en-US" altLang="ko-KR" b="1" dirty="0">
+                    <a:solidFill>
+                      <a:srgbClr val="0000FF"/>
+                    </a:solidFill>
+                  </a:rPr>
+                  <a:t>Action</a:t>
+                </a:r>
+                <a:r>
+                  <a:rPr lang="en-US" altLang="ko-KR" b="1" dirty="0">
+                    <a:solidFill>
+                      <a:schemeClr val="tx1"/>
+                    </a:solidFill>
+                  </a:rPr>
+                  <a:t>: Matrix of change BS on/off state [discrete]</a:t>
+                </a:r>
+              </a:p>
+              <a:p>
+                <a:pPr lvl="2" latinLnBrk="1">
+                  <a:lnSpc>
+                    <a:spcPct val="150000"/>
+                  </a:lnSpc>
+                </a:pPr>
+                <a:r>
+                  <a:rPr lang="en-US" altLang="ko-KR" b="1" dirty="0">
+                    <a:solidFill>
+                      <a:schemeClr val="tx1"/>
+                    </a:solidFill>
+                  </a:rPr>
+                  <a:t>action change BSs state at the same time</a:t>
+                </a:r>
+              </a:p>
+              <a:p>
+                <a:pPr lvl="2" latinLnBrk="1">
+                  <a:lnSpc>
+                    <a:spcPct val="150000"/>
+                  </a:lnSpc>
+                </a:pPr>
+                <a:r>
+                  <a:rPr lang="en-US" altLang="ko-KR" b="1" dirty="0">
+                    <a:solidFill>
+                      <a:schemeClr val="tx1"/>
+                    </a:solidFill>
+                  </a:rPr>
+                  <a:t>Previous : BS state changed by action in order</a:t>
+                </a:r>
+              </a:p>
+              <a:p>
+                <a:pPr lvl="3" latinLnBrk="1">
+                  <a:lnSpc>
+                    <a:spcPct val="150000"/>
+                  </a:lnSpc>
+                </a:pPr>
+                <a14:m>
+                  <m:oMath xmlns:m="http://schemas.openxmlformats.org/officeDocument/2006/math">
+                    <m:sSub>
+                      <m:sSubPr>
+                        <m:ctrlPr>
+                          <a:rPr lang="en-US" altLang="ko-KR" b="1" i="1">
+                            <a:solidFill>
+                              <a:schemeClr val="tx1"/>
+                            </a:solidFill>
+                            <a:latin typeface="Cambria Math" panose="02040503050406030204" pitchFamily="18" charset="0"/>
+                          </a:rPr>
+                        </m:ctrlPr>
+                      </m:sSubPr>
+                      <m:e>
+                        <m:r>
+                          <a:rPr lang="en-US" altLang="ko-KR" b="1" i="0" smtClean="0">
+                            <a:solidFill>
+                              <a:schemeClr val="tx1"/>
+                            </a:solidFill>
+                            <a:latin typeface="Cambria Math" panose="02040503050406030204" pitchFamily="18" charset="0"/>
+                          </a:rPr>
+                          <m:t>𝐁</m:t>
+                        </m:r>
+                        <m:r>
+                          <a:rPr lang="en-US" altLang="ko-KR" b="1" i="0">
+                            <a:solidFill>
+                              <a:schemeClr val="tx1"/>
+                            </a:solidFill>
+                            <a:latin typeface="Cambria Math" panose="02040503050406030204" pitchFamily="18" charset="0"/>
+                          </a:rPr>
+                          <m:t>𝐒</m:t>
+                        </m:r>
+                      </m:e>
+                      <m:sub>
+                        <m:r>
+                          <a:rPr lang="en-US" altLang="ko-KR" b="1" i="1">
+                            <a:solidFill>
+                              <a:schemeClr val="tx1"/>
+                            </a:solidFill>
+                            <a:latin typeface="Cambria Math" panose="02040503050406030204" pitchFamily="18" charset="0"/>
+                          </a:rPr>
+                          <m:t>𝒊</m:t>
+                        </m:r>
+                      </m:sub>
+                    </m:sSub>
+                    <m:r>
+                      <a:rPr lang="en-US" altLang="ko-KR" b="1" i="1" smtClean="0">
+                        <a:solidFill>
+                          <a:schemeClr val="tx1"/>
+                        </a:solidFill>
+                        <a:latin typeface="Cambria Math" panose="02040503050406030204" pitchFamily="18" charset="0"/>
+                      </a:rPr>
+                      <m:t> </m:t>
+                    </m:r>
+                  </m:oMath>
+                </a14:m>
+                <a:r>
+                  <a:rPr lang="en-US" altLang="ko-KR" b="1" dirty="0">
+                    <a:solidFill>
+                      <a:schemeClr val="tx1"/>
+                    </a:solidFill>
+                  </a:rPr>
+                  <a:t>is</a:t>
+                </a:r>
+                <a:r>
+                  <a:rPr lang="ko-KR" altLang="en-US" b="1" dirty="0">
+                    <a:solidFill>
+                      <a:schemeClr val="tx1"/>
+                    </a:solidFill>
+                  </a:rPr>
+                  <a:t> </a:t>
+                </a:r>
+                <a:r>
+                  <a:rPr lang="en-US" altLang="ko-KR" b="1" dirty="0">
+                    <a:solidFill>
+                      <a:schemeClr val="tx1"/>
+                    </a:solidFill>
+                  </a:rPr>
+                  <a:t>more significant than </a:t>
+                </a:r>
+                <a14:m>
+                  <m:oMath xmlns:m="http://schemas.openxmlformats.org/officeDocument/2006/math">
+                    <m:sSub>
+                      <m:sSubPr>
+                        <m:ctrlPr>
+                          <a:rPr lang="en-US" altLang="ko-KR" b="1" i="1">
+                            <a:solidFill>
+                              <a:schemeClr val="tx1"/>
+                            </a:solidFill>
+                            <a:latin typeface="Cambria Math" panose="02040503050406030204" pitchFamily="18" charset="0"/>
+                          </a:rPr>
+                        </m:ctrlPr>
+                      </m:sSubPr>
+                      <m:e>
+                        <m:r>
+                          <a:rPr lang="en-US" altLang="ko-KR" b="1" i="0" smtClean="0">
+                            <a:solidFill>
+                              <a:schemeClr val="tx1"/>
+                            </a:solidFill>
+                            <a:latin typeface="Cambria Math" panose="02040503050406030204" pitchFamily="18" charset="0"/>
+                          </a:rPr>
+                          <m:t>𝐁</m:t>
+                        </m:r>
+                        <m:r>
+                          <a:rPr lang="en-US" altLang="ko-KR" b="1" i="0">
+                            <a:solidFill>
+                              <a:schemeClr val="tx1"/>
+                            </a:solidFill>
+                            <a:latin typeface="Cambria Math" panose="02040503050406030204" pitchFamily="18" charset="0"/>
+                          </a:rPr>
+                          <m:t>𝐒</m:t>
+                        </m:r>
+                      </m:e>
+                      <m:sub>
+                        <m:r>
+                          <a:rPr lang="en-US" altLang="ko-KR" b="1" i="1" smtClean="0">
+                            <a:solidFill>
+                              <a:schemeClr val="tx1"/>
+                            </a:solidFill>
+                            <a:latin typeface="Cambria Math" panose="02040503050406030204" pitchFamily="18" charset="0"/>
+                          </a:rPr>
+                          <m:t>𝒋</m:t>
+                        </m:r>
+                      </m:sub>
+                    </m:sSub>
+                  </m:oMath>
+                </a14:m>
+                <a:r>
+                  <a:rPr lang="en-US" altLang="ko-KR" b="1" dirty="0">
+                    <a:solidFill>
+                      <a:schemeClr val="tx1"/>
+                    </a:solidFill>
+                  </a:rPr>
+                  <a:t> in this case </a:t>
+                </a:r>
+                <a14:m>
+                  <m:oMath xmlns:m="http://schemas.openxmlformats.org/officeDocument/2006/math">
+                    <m:d>
+                      <m:dPr>
+                        <m:ctrlPr>
+                          <a:rPr lang="en-US" altLang="ko-KR" b="1" i="1" smtClean="0">
+                            <a:solidFill>
+                              <a:schemeClr val="tx1"/>
+                            </a:solidFill>
+                            <a:latin typeface="Cambria Math" panose="02040503050406030204" pitchFamily="18" charset="0"/>
+                          </a:rPr>
+                        </m:ctrlPr>
+                      </m:dPr>
+                      <m:e>
+                        <m:r>
+                          <a:rPr lang="en-US" altLang="ko-KR" b="1" i="1" smtClean="0">
+                            <a:solidFill>
+                              <a:schemeClr val="tx1"/>
+                            </a:solidFill>
+                            <a:latin typeface="Cambria Math" panose="02040503050406030204" pitchFamily="18" charset="0"/>
+                          </a:rPr>
+                          <m:t>𝒊</m:t>
+                        </m:r>
+                        <m:r>
+                          <a:rPr lang="en-US" altLang="ko-KR" b="1" i="1" smtClean="0">
+                            <a:solidFill>
+                              <a:schemeClr val="tx1"/>
+                            </a:solidFill>
+                            <a:latin typeface="Cambria Math" panose="02040503050406030204" pitchFamily="18" charset="0"/>
+                          </a:rPr>
+                          <m:t>&lt;</m:t>
+                        </m:r>
+                        <m:r>
+                          <a:rPr lang="en-US" altLang="ko-KR" b="1" i="1" smtClean="0">
+                            <a:solidFill>
+                              <a:schemeClr val="tx1"/>
+                            </a:solidFill>
+                            <a:latin typeface="Cambria Math" panose="02040503050406030204" pitchFamily="18" charset="0"/>
+                          </a:rPr>
+                          <m:t>𝒋</m:t>
+                        </m:r>
+                      </m:e>
+                    </m:d>
+                  </m:oMath>
+                </a14:m>
+                <a:r>
+                  <a:rPr lang="en-US" altLang="ko-KR" b="1" dirty="0">
+                    <a:solidFill>
+                      <a:schemeClr val="tx1"/>
+                    </a:solidFill>
+                  </a:rPr>
+                  <a:t>,</a:t>
+                </a:r>
+              </a:p>
+              <a:p>
+                <a:pPr marL="1200150" lvl="3" indent="0" latinLnBrk="1">
+                  <a:lnSpc>
+                    <a:spcPct val="150000"/>
+                  </a:lnSpc>
+                  <a:buNone/>
+                </a:pPr>
+                <a:r>
+                  <a:rPr lang="en-US" altLang="ko-KR" b="1" dirty="0">
+                    <a:solidFill>
+                      <a:schemeClr val="tx1"/>
+                    </a:solidFill>
+                  </a:rPr>
+                  <a:t>   as </a:t>
+                </a:r>
+                <a14:m>
+                  <m:oMath xmlns:m="http://schemas.openxmlformats.org/officeDocument/2006/math">
+                    <m:sSub>
+                      <m:sSubPr>
+                        <m:ctrlPr>
+                          <a:rPr lang="en-US" altLang="ko-KR" b="1" i="1">
+                            <a:solidFill>
+                              <a:schemeClr val="tx1"/>
+                            </a:solidFill>
+                            <a:latin typeface="Cambria Math" panose="02040503050406030204" pitchFamily="18" charset="0"/>
+                          </a:rPr>
+                        </m:ctrlPr>
+                      </m:sSubPr>
+                      <m:e>
+                        <m:r>
+                          <a:rPr lang="en-US" altLang="ko-KR" b="1">
+                            <a:solidFill>
+                              <a:schemeClr val="tx1"/>
+                            </a:solidFill>
+                            <a:latin typeface="Cambria Math" panose="02040503050406030204" pitchFamily="18" charset="0"/>
+                          </a:rPr>
+                          <m:t>𝐁𝐒</m:t>
+                        </m:r>
+                      </m:e>
+                      <m:sub>
+                        <m:r>
+                          <a:rPr lang="en-US" altLang="ko-KR" b="1" i="1">
+                            <a:solidFill>
+                              <a:schemeClr val="tx1"/>
+                            </a:solidFill>
+                            <a:latin typeface="Cambria Math" panose="02040503050406030204" pitchFamily="18" charset="0"/>
+                          </a:rPr>
+                          <m:t>𝒊</m:t>
+                        </m:r>
+                      </m:sub>
+                    </m:sSub>
+                    <m:r>
+                      <a:rPr lang="en-US" altLang="ko-KR" b="1" i="1">
+                        <a:solidFill>
+                          <a:schemeClr val="tx1"/>
+                        </a:solidFill>
+                        <a:latin typeface="Cambria Math" panose="02040503050406030204" pitchFamily="18" charset="0"/>
+                      </a:rPr>
+                      <m:t> </m:t>
+                    </m:r>
+                  </m:oMath>
+                </a14:m>
+                <a:r>
+                  <a:rPr lang="en-US" altLang="ko-KR" b="1" dirty="0">
+                    <a:solidFill>
+                      <a:schemeClr val="tx1"/>
+                    </a:solidFill>
+                  </a:rPr>
+                  <a:t>has priority in backpropagation</a:t>
+                </a:r>
+              </a:p>
+              <a:p>
+                <a:pPr lvl="3" latinLnBrk="1">
+                  <a:lnSpc>
+                    <a:spcPct val="150000"/>
+                  </a:lnSpc>
+                </a:pPr>
+                <a:r>
+                  <a:rPr lang="en-US" altLang="ko-KR" b="1" dirty="0">
+                    <a:solidFill>
+                      <a:schemeClr val="tx1"/>
+                    </a:solidFill>
+                  </a:rPr>
+                  <a:t>We suppose each BS identical, so this model has been discarded.</a:t>
+                </a:r>
+                <a:endParaRPr lang="ko-KR" altLang="ko-KR" b="1" dirty="0">
+                  <a:solidFill>
+                    <a:schemeClr val="tx1"/>
+                  </a:solidFill>
+                </a:endParaRPr>
+              </a:p>
+              <a:p>
+                <a:pPr lvl="1" latinLnBrk="1">
+                  <a:lnSpc>
+                    <a:spcPct val="150000"/>
+                  </a:lnSpc>
+                </a:pPr>
+                <a:r>
+                  <a:rPr lang="en-US" altLang="ko-KR" b="1" dirty="0">
+                    <a:solidFill>
+                      <a:srgbClr val="FF0000"/>
+                    </a:solidFill>
+                  </a:rPr>
+                  <a:t>Reward</a:t>
+                </a:r>
+                <a:r>
+                  <a:rPr lang="en-US" altLang="ko-KR" b="1" dirty="0">
+                    <a:solidFill>
+                      <a:schemeClr val="tx1"/>
+                    </a:solidFill>
+                  </a:rPr>
+                  <a:t>: (Sum of each SNR / Sum of Energy Consumption)</a:t>
+                </a:r>
+                <a:endParaRPr lang="ko-KR" altLang="ko-KR" b="1" dirty="0">
+                  <a:solidFill>
+                    <a:schemeClr val="tx1"/>
+                  </a:solidFill>
+                </a:endParaRPr>
+              </a:p>
+            </p:txBody>
+          </p:sp>
+        </mc:Choice>
+        <mc:Fallback xmlns="">
+          <p:sp>
+            <p:nvSpPr>
+              <p:cNvPr id="3" name="내용 개체 틀 2">
+                <a:extLst>
+                  <a:ext uri="{FF2B5EF4-FFF2-40B4-BE49-F238E27FC236}">
+                    <a16:creationId xmlns:a16="http://schemas.microsoft.com/office/drawing/2014/main" id="{08458E5A-D904-4F83-968A-D96BD79BB32E}"/>
+                  </a:ext>
+                </a:extLst>
+              </p:cNvPr>
+              <p:cNvSpPr>
+                <a:spLocks noGrp="1" noRot="1" noChangeAspect="1" noMove="1" noResize="1" noEditPoints="1" noAdjustHandles="1" noChangeArrowheads="1" noChangeShapeType="1" noTextEdit="1"/>
+              </p:cNvSpPr>
+              <p:nvPr>
+                <p:ph idx="1"/>
+              </p:nvPr>
+            </p:nvSpPr>
+            <p:spPr>
+              <a:xfrm>
+                <a:off x="457199" y="1036062"/>
+                <a:ext cx="8297695" cy="5428800"/>
+              </a:xfrm>
+              <a:blipFill>
+                <a:blip r:embed="rId3"/>
+                <a:stretch>
+                  <a:fillRect/>
+                </a:stretch>
+              </a:blipFill>
+            </p:spPr>
+            <p:txBody>
+              <a:bodyPr/>
+              <a:lstStyle/>
+              <a:p>
+                <a:r>
+                  <a:rPr lang="ko-KR" altLang="en-US">
+                    <a:noFill/>
+                  </a:rPr>
+                  <a:t> </a:t>
+                </a:r>
+              </a:p>
+            </p:txBody>
+          </p:sp>
+        </mc:Fallback>
+      </mc:AlternateContent>
+    </p:spTree>
+    <p:extLst>
+      <p:ext uri="{BB962C8B-B14F-4D97-AF65-F5344CB8AC3E}">
+        <p14:creationId xmlns:p14="http://schemas.microsoft.com/office/powerpoint/2010/main" val="1208485303"/>
+      </p:ext>
+    </p:extLst>
+  </p:cSld>
+  <p:clrMapOvr>
+    <a:masterClrMapping/>
+  </p:clrMapOvr>
+</p:sld>
+</file>
+
+<file path=ppt/slides/slide5.xml><?xml version="1.0" encoding="utf-8"?>
+<p:sld xmlns:a="http://schemas.openxmlformats.org/drawingml/2006/main" xmlns:r="http://schemas.openxmlformats.org/officeDocument/2006/relationships" xmlns:p="http://schemas.openxmlformats.org/presentationml/2006/main">
+  <p:cSld>
+    <p:spTree>
+      <p:nvGrpSpPr>
+        <p:cNvPr id="1" name=""/>
+        <p:cNvGrpSpPr/>
+        <p:nvPr/>
+      </p:nvGrpSpPr>
+      <p:grpSpPr>
+        <a:xfrm>
+          <a:off x="0" y="0"/>
+          <a:ext cx="0" cy="0"/>
+          <a:chOff x="0" y="0"/>
+          <a:chExt cx="0" cy="0"/>
+        </a:xfrm>
+      </p:grpSpPr>
+      <p:sp>
+        <p:nvSpPr>
+          <p:cNvPr id="2" name="제목 1">
+            <a:extLst>
+              <a:ext uri="{FF2B5EF4-FFF2-40B4-BE49-F238E27FC236}">
+                <a16:creationId xmlns:a16="http://schemas.microsoft.com/office/drawing/2014/main" id="{F5F63D42-1E06-4A5B-9AAA-45F95E0B04D0}"/>
+              </a:ext>
+            </a:extLst>
+          </p:cNvPr>
+          <p:cNvSpPr>
+            <a:spLocks noGrp="1"/>
+          </p:cNvSpPr>
+          <p:nvPr>
+            <p:ph type="title"/>
+          </p:nvPr>
+        </p:nvSpPr>
+        <p:spPr>
+          <a:xfrm>
+            <a:off x="116681" y="-4"/>
+            <a:ext cx="8910637" cy="987425"/>
+          </a:xfrm>
+        </p:spPr>
+        <p:txBody>
+          <a:bodyPr/>
+          <a:lstStyle/>
+          <a:p>
+            <a:r>
+              <a:rPr lang="en-US" altLang="ko-KR" dirty="0"/>
+              <a:t>System Model</a:t>
+            </a:r>
+            <a:endParaRPr lang="ko-KR" altLang="en-US" sz="2000" dirty="0"/>
+          </a:p>
+        </p:txBody>
+      </p:sp>
+      <mc:AlternateContent xmlns:mc="http://schemas.openxmlformats.org/markup-compatibility/2006">
+        <mc:Choice xmlns:a14="http://schemas.microsoft.com/office/drawing/2010/main" Requires="a14">
+          <p:sp>
+            <p:nvSpPr>
+              <p:cNvPr id="3" name="내용 개체 틀 2">
+                <a:extLst>
+                  <a:ext uri="{FF2B5EF4-FFF2-40B4-BE49-F238E27FC236}">
+                    <a16:creationId xmlns:a16="http://schemas.microsoft.com/office/drawing/2014/main" id="{08458E5A-D904-4F83-968A-D96BD79BB32E}"/>
+                  </a:ext>
+                </a:extLst>
+              </p:cNvPr>
+              <p:cNvSpPr>
+                <a:spLocks noGrp="1"/>
+              </p:cNvSpPr>
+              <p:nvPr>
+                <p:ph idx="1"/>
+              </p:nvPr>
+            </p:nvSpPr>
+            <p:spPr>
+              <a:xfrm>
+                <a:off x="457199" y="1036062"/>
+                <a:ext cx="8297695" cy="5428800"/>
+              </a:xfrm>
+            </p:spPr>
+            <p:txBody>
+              <a:bodyPr>
+                <a:normAutofit/>
+              </a:bodyPr>
+              <a:lstStyle/>
+              <a:p>
+                <a:r>
+                  <a:rPr lang="en-US" altLang="ko-KR" b="1" dirty="0">
+                    <a:solidFill>
+                      <a:schemeClr val="tx1"/>
+                    </a:solidFill>
+                  </a:rPr>
+                  <a:t>MCTS design</a:t>
+                </a:r>
+              </a:p>
+              <a:p>
+                <a:pPr lvl="1"/>
+                <a:r>
+                  <a:rPr lang="en-US" altLang="ko-KR" dirty="0">
+                    <a:solidFill>
+                      <a:srgbClr val="FF0000"/>
+                    </a:solidFill>
+                  </a:rPr>
+                  <a:t>Reward</a:t>
+                </a:r>
+                <a:r>
+                  <a:rPr lang="en-US" altLang="ko-KR" dirty="0">
+                    <a:solidFill>
+                      <a:schemeClr val="tx1"/>
+                    </a:solidFill>
+                  </a:rPr>
+                  <a:t>: SIR + Energy consumption, </a:t>
+                </a:r>
+                <a14:m>
+                  <m:oMath xmlns:m="http://schemas.openxmlformats.org/officeDocument/2006/math">
+                    <m:r>
+                      <a:rPr lang="en-US" altLang="ko-KR" i="1" smtClean="0">
+                        <a:solidFill>
+                          <a:schemeClr val="tx1"/>
+                        </a:solidFill>
+                        <a:latin typeface="Cambria Math" panose="02040503050406030204" pitchFamily="18" charset="0"/>
+                        <a:ea typeface="Cambria Math" panose="02040503050406030204" pitchFamily="18" charset="0"/>
+                      </a:rPr>
+                      <m:t>∝</m:t>
+                    </m:r>
+                    <m:sSup>
+                      <m:sSupPr>
+                        <m:ctrlPr>
+                          <a:rPr lang="en-US" altLang="ko-KR" b="0" i="1" smtClean="0">
+                            <a:solidFill>
+                              <a:schemeClr val="tx1"/>
+                            </a:solidFill>
+                            <a:latin typeface="Cambria Math" panose="02040503050406030204" pitchFamily="18" charset="0"/>
+                            <a:ea typeface="Cambria Math" panose="02040503050406030204" pitchFamily="18" charset="0"/>
+                          </a:rPr>
+                        </m:ctrlPr>
+                      </m:sSupPr>
+                      <m:e>
+                        <m:r>
+                          <a:rPr lang="en-US" altLang="ko-KR" b="0" i="1" smtClean="0">
+                            <a:solidFill>
+                              <a:schemeClr val="tx1"/>
+                            </a:solidFill>
+                            <a:latin typeface="Cambria Math" panose="02040503050406030204" pitchFamily="18" charset="0"/>
+                            <a:ea typeface="Cambria Math" panose="02040503050406030204" pitchFamily="18" charset="0"/>
+                          </a:rPr>
+                          <m:t>𝐷</m:t>
+                        </m:r>
+                      </m:e>
+                      <m:sup>
+                        <m:r>
+                          <a:rPr lang="en-US" altLang="ko-KR" b="0" i="1" smtClean="0">
+                            <a:solidFill>
+                              <a:schemeClr val="tx1"/>
+                            </a:solidFill>
+                            <a:latin typeface="Cambria Math" panose="02040503050406030204" pitchFamily="18" charset="0"/>
+                            <a:ea typeface="Cambria Math" panose="02040503050406030204" pitchFamily="18" charset="0"/>
+                          </a:rPr>
+                          <m:t>𝛼</m:t>
+                        </m:r>
+                      </m:sup>
+                    </m:sSup>
+                  </m:oMath>
+                </a14:m>
+                <a:r>
+                  <a:rPr lang="en-US" altLang="ko-KR" dirty="0">
+                    <a:solidFill>
+                      <a:schemeClr val="tx1"/>
+                    </a:solidFill>
+                  </a:rPr>
+                  <a:t> [</a:t>
+                </a:r>
+                <a14:m>
+                  <m:oMath xmlns:m="http://schemas.openxmlformats.org/officeDocument/2006/math">
+                    <m:r>
+                      <a:rPr lang="en-US" altLang="ko-KR" b="0" i="1" smtClean="0">
+                        <a:solidFill>
+                          <a:schemeClr val="tx1"/>
+                        </a:solidFill>
+                        <a:latin typeface="Cambria Math" panose="02040503050406030204" pitchFamily="18" charset="0"/>
+                        <a:ea typeface="Cambria Math" panose="02040503050406030204" pitchFamily="18" charset="0"/>
+                      </a:rPr>
+                      <m:t>𝛼</m:t>
+                    </m:r>
+                    <m:r>
+                      <a:rPr lang="en-US" altLang="ko-KR" b="0" i="1" smtClean="0">
+                        <a:solidFill>
+                          <a:schemeClr val="tx1"/>
+                        </a:solidFill>
+                        <a:latin typeface="Cambria Math" panose="02040503050406030204" pitchFamily="18" charset="0"/>
+                        <a:ea typeface="Cambria Math" panose="02040503050406030204" pitchFamily="18" charset="0"/>
+                      </a:rPr>
+                      <m:t>=−4</m:t>
+                    </m:r>
+                  </m:oMath>
+                </a14:m>
+                <a:r>
+                  <a:rPr lang="en-US" altLang="ko-KR" dirty="0">
+                    <a:solidFill>
+                      <a:schemeClr val="tx1"/>
+                    </a:solidFill>
+                  </a:rPr>
+                  <a:t> (</a:t>
+                </a:r>
+                <a:r>
+                  <a:rPr lang="en-US" altLang="ko-KR" dirty="0" err="1">
+                    <a:solidFill>
+                      <a:schemeClr val="tx1"/>
+                    </a:solidFill>
+                  </a:rPr>
+                  <a:t>NLoS</a:t>
+                </a:r>
+                <a:r>
+                  <a:rPr lang="en-US" altLang="ko-KR" dirty="0">
+                    <a:solidFill>
+                      <a:schemeClr val="tx1"/>
+                    </a:solidFill>
+                  </a:rPr>
+                  <a:t>) ]</a:t>
+                </a:r>
+              </a:p>
+              <a:p>
+                <a:pPr lvl="1"/>
+                <a:r>
+                  <a:rPr lang="en-US" altLang="ko-KR" dirty="0"/>
+                  <a:t>User-BS association rule: </a:t>
+                </a:r>
+                <a:r>
+                  <a:rPr lang="en-US" altLang="ko-KR" dirty="0">
+                    <a:solidFill>
+                      <a:srgbClr val="FF0000"/>
+                    </a:solidFill>
+                  </a:rPr>
+                  <a:t>nearest association</a:t>
+                </a:r>
+              </a:p>
+              <a:p>
+                <a:pPr lvl="1" algn="l"/>
+                <a14:m>
+                  <m:oMath xmlns:m="http://schemas.openxmlformats.org/officeDocument/2006/math">
+                    <m:r>
+                      <a:rPr lang="en-US" altLang="ko-KR" i="1">
+                        <a:solidFill>
+                          <a:schemeClr val="tx1"/>
+                        </a:solidFill>
+                        <a:latin typeface="Cambria Math" panose="02040503050406030204" pitchFamily="18" charset="0"/>
+                        <a:ea typeface="Cambria Math" panose="02040503050406030204" pitchFamily="18" charset="0"/>
+                      </a:rPr>
+                      <m:t>𝐷</m:t>
+                    </m:r>
+                  </m:oMath>
+                </a14:m>
+                <a:r>
+                  <a:rPr lang="en-US" altLang="ko-KR" dirty="0">
+                    <a:solidFill>
+                      <a:schemeClr val="tx1"/>
+                    </a:solidFill>
+                  </a:rPr>
+                  <a:t>: Distance between User and BS matrix </a:t>
+                </a:r>
+              </a:p>
+              <a:p>
+                <a:pPr lvl="2" algn="l"/>
+                <a14:m>
+                  <m:oMath xmlns:m="http://schemas.openxmlformats.org/officeDocument/2006/math">
+                    <m:sSub>
+                      <m:sSubPr>
+                        <m:ctrlPr>
+                          <a:rPr lang="en-US" altLang="ko-KR" i="1">
+                            <a:solidFill>
+                              <a:schemeClr val="tx1"/>
+                            </a:solidFill>
+                            <a:latin typeface="Cambria Math" panose="02040503050406030204" pitchFamily="18" charset="0"/>
+                            <a:ea typeface="Cambria Math" panose="02040503050406030204" pitchFamily="18" charset="0"/>
+                          </a:rPr>
+                        </m:ctrlPr>
+                      </m:sSubPr>
+                      <m:e>
+                        <m:r>
+                          <a:rPr lang="en-US" altLang="ko-KR" i="1">
+                            <a:solidFill>
+                              <a:schemeClr val="tx1"/>
+                            </a:solidFill>
+                            <a:latin typeface="Cambria Math" panose="02040503050406030204" pitchFamily="18" charset="0"/>
+                            <a:ea typeface="Cambria Math" panose="02040503050406030204" pitchFamily="18" charset="0"/>
+                          </a:rPr>
+                          <m:t>𝐷</m:t>
+                        </m:r>
+                      </m:e>
+                      <m:sub>
+                        <m:r>
+                          <a:rPr lang="en-US" altLang="ko-KR" i="1">
+                            <a:solidFill>
+                              <a:schemeClr val="tx1"/>
+                            </a:solidFill>
+                            <a:latin typeface="Cambria Math" panose="02040503050406030204" pitchFamily="18" charset="0"/>
+                            <a:ea typeface="Cambria Math" panose="02040503050406030204" pitchFamily="18" charset="0"/>
+                          </a:rPr>
+                          <m:t>𝑖𝑗</m:t>
+                        </m:r>
+                      </m:sub>
+                    </m:sSub>
+                    <m:r>
+                      <a:rPr lang="en-US" altLang="ko-KR" i="1">
+                        <a:solidFill>
+                          <a:schemeClr val="tx1"/>
+                        </a:solidFill>
+                        <a:latin typeface="Cambria Math" panose="02040503050406030204" pitchFamily="18" charset="0"/>
+                        <a:ea typeface="Cambria Math" panose="02040503050406030204" pitchFamily="18" charset="0"/>
+                      </a:rPr>
+                      <m:t>=</m:t>
+                    </m:r>
+                    <m:sSup>
+                      <m:sSupPr>
+                        <m:ctrlPr>
+                          <a:rPr lang="en-US" altLang="ko-KR" i="1">
+                            <a:solidFill>
+                              <a:schemeClr val="tx1"/>
+                            </a:solidFill>
+                            <a:latin typeface="Cambria Math" panose="02040503050406030204" pitchFamily="18" charset="0"/>
+                            <a:ea typeface="Cambria Math" panose="02040503050406030204" pitchFamily="18" charset="0"/>
+                          </a:rPr>
+                        </m:ctrlPr>
+                      </m:sSupPr>
+                      <m:e>
+                        <m:d>
+                          <m:dPr>
+                            <m:ctrlPr>
+                              <a:rPr lang="en-US" altLang="ko-KR" i="1">
+                                <a:solidFill>
+                                  <a:schemeClr val="tx1"/>
+                                </a:solidFill>
+                                <a:latin typeface="Cambria Math" panose="02040503050406030204" pitchFamily="18" charset="0"/>
+                                <a:ea typeface="Cambria Math" panose="02040503050406030204" pitchFamily="18" charset="0"/>
+                              </a:rPr>
+                            </m:ctrlPr>
+                          </m:dPr>
+                          <m:e>
+                            <m:r>
+                              <a:rPr lang="en-US" altLang="ko-KR" i="1">
+                                <a:solidFill>
+                                  <a:schemeClr val="tx1"/>
+                                </a:solidFill>
+                                <a:latin typeface="Cambria Math" panose="02040503050406030204" pitchFamily="18" charset="0"/>
+                                <a:ea typeface="Cambria Math" panose="02040503050406030204" pitchFamily="18" charset="0"/>
+                              </a:rPr>
+                              <m:t>𝐵</m:t>
+                            </m:r>
+                            <m:sSub>
+                              <m:sSubPr>
+                                <m:ctrlPr>
+                                  <a:rPr lang="en-US" altLang="ko-KR" i="1">
+                                    <a:solidFill>
+                                      <a:schemeClr val="tx1"/>
+                                    </a:solidFill>
+                                    <a:latin typeface="Cambria Math" panose="02040503050406030204" pitchFamily="18" charset="0"/>
+                                    <a:ea typeface="Cambria Math" panose="02040503050406030204" pitchFamily="18" charset="0"/>
+                                  </a:rPr>
+                                </m:ctrlPr>
+                              </m:sSubPr>
+                              <m:e>
+                                <m:r>
+                                  <a:rPr lang="en-US" altLang="ko-KR" i="1">
+                                    <a:solidFill>
+                                      <a:schemeClr val="tx1"/>
+                                    </a:solidFill>
+                                    <a:latin typeface="Cambria Math" panose="02040503050406030204" pitchFamily="18" charset="0"/>
+                                    <a:ea typeface="Cambria Math" panose="02040503050406030204" pitchFamily="18" charset="0"/>
+                                  </a:rPr>
+                                  <m:t>𝑆</m:t>
+                                </m:r>
+                              </m:e>
+                              <m:sub>
+                                <m:r>
+                                  <a:rPr lang="en-US" altLang="ko-KR" i="1">
+                                    <a:solidFill>
+                                      <a:schemeClr val="tx1"/>
+                                    </a:solidFill>
+                                    <a:latin typeface="Cambria Math" panose="02040503050406030204" pitchFamily="18" charset="0"/>
+                                    <a:ea typeface="Cambria Math" panose="02040503050406030204" pitchFamily="18" charset="0"/>
+                                  </a:rPr>
+                                  <m:t>𝑖𝑥</m:t>
+                                </m:r>
+                              </m:sub>
+                            </m:sSub>
+                            <m:r>
+                              <a:rPr lang="en-US" altLang="ko-KR" i="1">
+                                <a:solidFill>
+                                  <a:schemeClr val="tx1"/>
+                                </a:solidFill>
+                                <a:latin typeface="Cambria Math" panose="02040503050406030204" pitchFamily="18" charset="0"/>
+                                <a:ea typeface="Cambria Math" panose="02040503050406030204" pitchFamily="18" charset="0"/>
+                              </a:rPr>
+                              <m:t>−</m:t>
+                            </m:r>
+                            <m:r>
+                              <a:rPr lang="en-US" altLang="ko-KR" i="1">
+                                <a:solidFill>
+                                  <a:schemeClr val="tx1"/>
+                                </a:solidFill>
+                                <a:latin typeface="Cambria Math" panose="02040503050406030204" pitchFamily="18" charset="0"/>
+                                <a:ea typeface="Cambria Math" panose="02040503050406030204" pitchFamily="18" charset="0"/>
+                              </a:rPr>
+                              <m:t>𝑈</m:t>
+                            </m:r>
+                            <m:sSub>
+                              <m:sSubPr>
+                                <m:ctrlPr>
+                                  <a:rPr lang="en-US" altLang="ko-KR" i="1">
+                                    <a:solidFill>
+                                      <a:schemeClr val="tx1"/>
+                                    </a:solidFill>
+                                    <a:latin typeface="Cambria Math" panose="02040503050406030204" pitchFamily="18" charset="0"/>
+                                    <a:ea typeface="Cambria Math" panose="02040503050406030204" pitchFamily="18" charset="0"/>
+                                  </a:rPr>
+                                </m:ctrlPr>
+                              </m:sSubPr>
+                              <m:e>
+                                <m:r>
+                                  <a:rPr lang="en-US" altLang="ko-KR" i="1">
+                                    <a:solidFill>
+                                      <a:schemeClr val="tx1"/>
+                                    </a:solidFill>
+                                    <a:latin typeface="Cambria Math" panose="02040503050406030204" pitchFamily="18" charset="0"/>
+                                    <a:ea typeface="Cambria Math" panose="02040503050406030204" pitchFamily="18" charset="0"/>
+                                  </a:rPr>
+                                  <m:t>𝐸</m:t>
+                                </m:r>
+                              </m:e>
+                              <m:sub>
+                                <m:r>
+                                  <a:rPr lang="en-US" altLang="ko-KR" i="1">
+                                    <a:solidFill>
+                                      <a:schemeClr val="tx1"/>
+                                    </a:solidFill>
+                                    <a:latin typeface="Cambria Math" panose="02040503050406030204" pitchFamily="18" charset="0"/>
+                                    <a:ea typeface="Cambria Math" panose="02040503050406030204" pitchFamily="18" charset="0"/>
+                                  </a:rPr>
+                                  <m:t>𝑗𝑥</m:t>
+                                </m:r>
+                              </m:sub>
+                            </m:sSub>
+                          </m:e>
+                        </m:d>
+                      </m:e>
+                      <m:sup>
+                        <m:r>
+                          <a:rPr lang="en-US" altLang="ko-KR" i="1">
+                            <a:solidFill>
+                              <a:schemeClr val="tx1"/>
+                            </a:solidFill>
+                            <a:latin typeface="Cambria Math" panose="02040503050406030204" pitchFamily="18" charset="0"/>
+                            <a:ea typeface="Cambria Math" panose="02040503050406030204" pitchFamily="18" charset="0"/>
+                          </a:rPr>
+                          <m:t>2</m:t>
+                        </m:r>
+                      </m:sup>
+                    </m:sSup>
+                    <m:r>
+                      <a:rPr lang="en-US" altLang="ko-KR" i="1">
+                        <a:solidFill>
+                          <a:schemeClr val="tx1"/>
+                        </a:solidFill>
+                        <a:latin typeface="Cambria Math" panose="02040503050406030204" pitchFamily="18" charset="0"/>
+                        <a:ea typeface="Cambria Math" panose="02040503050406030204" pitchFamily="18" charset="0"/>
+                      </a:rPr>
+                      <m:t>+</m:t>
+                    </m:r>
+                    <m:sSup>
+                      <m:sSupPr>
+                        <m:ctrlPr>
+                          <a:rPr lang="en-US" altLang="ko-KR" i="1">
+                            <a:solidFill>
+                              <a:schemeClr val="tx1"/>
+                            </a:solidFill>
+                            <a:latin typeface="Cambria Math" panose="02040503050406030204" pitchFamily="18" charset="0"/>
+                            <a:ea typeface="Cambria Math" panose="02040503050406030204" pitchFamily="18" charset="0"/>
+                          </a:rPr>
+                        </m:ctrlPr>
+                      </m:sSupPr>
+                      <m:e>
+                        <m:d>
+                          <m:dPr>
+                            <m:ctrlPr>
+                              <a:rPr lang="en-US" altLang="ko-KR" i="1">
+                                <a:solidFill>
+                                  <a:schemeClr val="tx1"/>
+                                </a:solidFill>
+                                <a:latin typeface="Cambria Math" panose="02040503050406030204" pitchFamily="18" charset="0"/>
+                                <a:ea typeface="Cambria Math" panose="02040503050406030204" pitchFamily="18" charset="0"/>
+                              </a:rPr>
+                            </m:ctrlPr>
+                          </m:dPr>
+                          <m:e>
+                            <m:r>
+                              <a:rPr lang="en-US" altLang="ko-KR" i="1">
+                                <a:solidFill>
+                                  <a:schemeClr val="tx1"/>
+                                </a:solidFill>
+                                <a:latin typeface="Cambria Math" panose="02040503050406030204" pitchFamily="18" charset="0"/>
+                                <a:ea typeface="Cambria Math" panose="02040503050406030204" pitchFamily="18" charset="0"/>
+                              </a:rPr>
+                              <m:t>𝐵</m:t>
+                            </m:r>
+                            <m:sSub>
+                              <m:sSubPr>
+                                <m:ctrlPr>
+                                  <a:rPr lang="en-US" altLang="ko-KR" i="1">
+                                    <a:solidFill>
+                                      <a:schemeClr val="tx1"/>
+                                    </a:solidFill>
+                                    <a:latin typeface="Cambria Math" panose="02040503050406030204" pitchFamily="18" charset="0"/>
+                                    <a:ea typeface="Cambria Math" panose="02040503050406030204" pitchFamily="18" charset="0"/>
+                                  </a:rPr>
+                                </m:ctrlPr>
+                              </m:sSubPr>
+                              <m:e>
+                                <m:r>
+                                  <a:rPr lang="en-US" altLang="ko-KR" i="1">
+                                    <a:solidFill>
+                                      <a:schemeClr val="tx1"/>
+                                    </a:solidFill>
+                                    <a:latin typeface="Cambria Math" panose="02040503050406030204" pitchFamily="18" charset="0"/>
+                                    <a:ea typeface="Cambria Math" panose="02040503050406030204" pitchFamily="18" charset="0"/>
+                                  </a:rPr>
+                                  <m:t>𝑆</m:t>
+                                </m:r>
+                              </m:e>
+                              <m:sub>
+                                <m:r>
+                                  <a:rPr lang="en-US" altLang="ko-KR" i="1">
+                                    <a:solidFill>
+                                      <a:schemeClr val="tx1"/>
+                                    </a:solidFill>
+                                    <a:latin typeface="Cambria Math" panose="02040503050406030204" pitchFamily="18" charset="0"/>
+                                    <a:ea typeface="Cambria Math" panose="02040503050406030204" pitchFamily="18" charset="0"/>
+                                  </a:rPr>
+                                  <m:t>𝑖𝑦</m:t>
+                                </m:r>
+                              </m:sub>
+                            </m:sSub>
+                            <m:r>
+                              <a:rPr lang="en-US" altLang="ko-KR" i="1">
+                                <a:solidFill>
+                                  <a:schemeClr val="tx1"/>
+                                </a:solidFill>
+                                <a:latin typeface="Cambria Math" panose="02040503050406030204" pitchFamily="18" charset="0"/>
+                                <a:ea typeface="Cambria Math" panose="02040503050406030204" pitchFamily="18" charset="0"/>
+                              </a:rPr>
+                              <m:t>−</m:t>
+                            </m:r>
+                            <m:r>
+                              <a:rPr lang="en-US" altLang="ko-KR" i="1">
+                                <a:solidFill>
+                                  <a:schemeClr val="tx1"/>
+                                </a:solidFill>
+                                <a:latin typeface="Cambria Math" panose="02040503050406030204" pitchFamily="18" charset="0"/>
+                                <a:ea typeface="Cambria Math" panose="02040503050406030204" pitchFamily="18" charset="0"/>
+                              </a:rPr>
+                              <m:t>𝑈</m:t>
+                            </m:r>
+                            <m:sSub>
+                              <m:sSubPr>
+                                <m:ctrlPr>
+                                  <a:rPr lang="en-US" altLang="ko-KR" i="1">
+                                    <a:solidFill>
+                                      <a:schemeClr val="tx1"/>
+                                    </a:solidFill>
+                                    <a:latin typeface="Cambria Math" panose="02040503050406030204" pitchFamily="18" charset="0"/>
+                                    <a:ea typeface="Cambria Math" panose="02040503050406030204" pitchFamily="18" charset="0"/>
+                                  </a:rPr>
+                                </m:ctrlPr>
+                              </m:sSubPr>
+                              <m:e>
+                                <m:r>
+                                  <a:rPr lang="en-US" altLang="ko-KR" i="1">
+                                    <a:solidFill>
+                                      <a:schemeClr val="tx1"/>
+                                    </a:solidFill>
+                                    <a:latin typeface="Cambria Math" panose="02040503050406030204" pitchFamily="18" charset="0"/>
+                                    <a:ea typeface="Cambria Math" panose="02040503050406030204" pitchFamily="18" charset="0"/>
+                                  </a:rPr>
+                                  <m:t>𝐸</m:t>
+                                </m:r>
+                              </m:e>
+                              <m:sub>
+                                <m:r>
+                                  <a:rPr lang="en-US" altLang="ko-KR" i="1">
+                                    <a:solidFill>
+                                      <a:schemeClr val="tx1"/>
+                                    </a:solidFill>
+                                    <a:latin typeface="Cambria Math" panose="02040503050406030204" pitchFamily="18" charset="0"/>
+                                    <a:ea typeface="Cambria Math" panose="02040503050406030204" pitchFamily="18" charset="0"/>
+                                  </a:rPr>
+                                  <m:t>𝑗𝑦</m:t>
+                                </m:r>
+                              </m:sub>
+                            </m:sSub>
+                            <m:r>
+                              <a:rPr lang="en-US" altLang="ko-KR" i="1">
+                                <a:solidFill>
+                                  <a:schemeClr val="tx1"/>
+                                </a:solidFill>
+                                <a:latin typeface="Cambria Math" panose="02040503050406030204" pitchFamily="18" charset="0"/>
+                                <a:ea typeface="Cambria Math" panose="02040503050406030204" pitchFamily="18" charset="0"/>
+                              </a:rPr>
+                              <m:t> </m:t>
+                            </m:r>
+                          </m:e>
+                        </m:d>
+                      </m:e>
+                      <m:sup>
+                        <m:r>
+                          <a:rPr lang="en-US" altLang="ko-KR" i="1">
+                            <a:solidFill>
+                              <a:schemeClr val="tx1"/>
+                            </a:solidFill>
+                            <a:latin typeface="Cambria Math" panose="02040503050406030204" pitchFamily="18" charset="0"/>
+                            <a:ea typeface="Cambria Math" panose="02040503050406030204" pitchFamily="18" charset="0"/>
+                          </a:rPr>
+                          <m:t>2</m:t>
+                        </m:r>
+                      </m:sup>
+                    </m:sSup>
+                  </m:oMath>
+                </a14:m>
+                <a:endParaRPr lang="en-US" altLang="ko-KR" dirty="0">
+                  <a:solidFill>
+                    <a:schemeClr val="tx1"/>
+                  </a:solidFill>
+                </a:endParaRPr>
+              </a:p>
+              <a:p>
+                <a:pPr lvl="2" algn="l"/>
+                <a:r>
+                  <a:rPr lang="en-US" altLang="ko-KR" dirty="0">
+                    <a:solidFill>
+                      <a:schemeClr val="tx1"/>
+                    </a:solidFill>
+                  </a:rPr>
+                  <a:t>[BS, UE is location matrix of BS and User]</a:t>
+                </a:r>
+              </a:p>
+              <a:p>
+                <a:pPr lvl="1" algn="l"/>
+                <a:r>
+                  <a:rPr lang="en-US" altLang="ko-KR" dirty="0"/>
+                  <a:t>Node: initialize with </a:t>
+                </a:r>
+                <a14:m>
+                  <m:oMath xmlns:m="http://schemas.openxmlformats.org/officeDocument/2006/math">
+                    <m:sSub>
+                      <m:sSubPr>
+                        <m:ctrlPr>
+                          <a:rPr lang="en-US" altLang="ko-KR" i="1" dirty="0">
+                            <a:latin typeface="Cambria Math" panose="02040503050406030204" pitchFamily="18" charset="0"/>
+                          </a:rPr>
+                        </m:ctrlPr>
+                      </m:sSubPr>
+                      <m:e>
+                        <m:r>
+                          <m:rPr>
+                            <m:sty m:val="p"/>
+                          </m:rPr>
+                          <a:rPr lang="en-US" altLang="ko-KR" dirty="0">
+                            <a:latin typeface="Cambria Math" panose="02040503050406030204" pitchFamily="18" charset="0"/>
+                          </a:rPr>
+                          <m:t>BS</m:t>
+                        </m:r>
+                      </m:e>
+                      <m:sub>
+                        <m:r>
+                          <a:rPr lang="en-US" altLang="ko-KR" i="1" dirty="0">
+                            <a:latin typeface="Cambria Math" panose="02040503050406030204" pitchFamily="18" charset="0"/>
+                          </a:rPr>
+                          <m:t>𝑖</m:t>
+                        </m:r>
+                      </m:sub>
+                    </m:sSub>
+                    <m:r>
+                      <a:rPr lang="en-US" altLang="ko-KR" dirty="0">
+                        <a:latin typeface="Cambria Math" panose="02040503050406030204" pitchFamily="18" charset="0"/>
+                      </a:rPr>
+                      <m:t>=1</m:t>
+                    </m:r>
+                  </m:oMath>
+                </a14:m>
+                <a:r>
+                  <a:rPr lang="en-US" altLang="ko-KR" dirty="0"/>
+                  <a:t> for every </a:t>
+                </a:r>
+                <a14:m>
+                  <m:oMath xmlns:m="http://schemas.openxmlformats.org/officeDocument/2006/math">
+                    <m:r>
+                      <a:rPr lang="en-US" altLang="ko-KR" i="1" dirty="0">
+                        <a:latin typeface="Cambria Math" panose="02040503050406030204" pitchFamily="18" charset="0"/>
+                      </a:rPr>
+                      <m:t>𝑖</m:t>
+                    </m:r>
+                    <m:r>
+                      <a:rPr lang="en-US" altLang="ko-KR" dirty="0">
+                        <a:latin typeface="Cambria Math" panose="02040503050406030204" pitchFamily="18" charset="0"/>
+                      </a:rPr>
+                      <m:t> </m:t>
+                    </m:r>
+                  </m:oMath>
+                </a14:m>
+                <a:endParaRPr lang="en-US" altLang="ko-KR" dirty="0">
+                  <a:solidFill>
+                    <a:schemeClr val="tx1"/>
+                  </a:solidFill>
+                </a:endParaRPr>
+              </a:p>
+              <a:p>
+                <a:pPr lvl="1" algn="l"/>
+                <a:r>
+                  <a:rPr lang="en-US" altLang="ko-KR" dirty="0"/>
+                  <a:t>Initial policy: </a:t>
+                </a:r>
+                <a14:m>
+                  <m:oMath xmlns:m="http://schemas.openxmlformats.org/officeDocument/2006/math">
+                    <m:sSub>
+                      <m:sSubPr>
+                        <m:ctrlPr>
+                          <a:rPr lang="en-US" altLang="ko-KR" i="1">
+                            <a:latin typeface="Cambria Math" panose="02040503050406030204" pitchFamily="18" charset="0"/>
+                          </a:rPr>
+                        </m:ctrlPr>
+                      </m:sSubPr>
+                      <m:e>
+                        <m:r>
+                          <a:rPr lang="en-US" altLang="ko-KR" i="1">
+                            <a:latin typeface="Cambria Math" panose="02040503050406030204" pitchFamily="18" charset="0"/>
+                          </a:rPr>
+                          <m:t>𝜋</m:t>
+                        </m:r>
+                      </m:e>
+                      <m:sub>
+                        <m:r>
+                          <a:rPr lang="en-US" altLang="ko-KR" i="1">
+                            <a:latin typeface="Cambria Math" panose="02040503050406030204" pitchFamily="18" charset="0"/>
+                          </a:rPr>
+                          <m:t>0</m:t>
+                        </m:r>
+                      </m:sub>
+                    </m:sSub>
+                    <m:r>
+                      <a:rPr lang="en-US" altLang="ko-KR" i="1">
+                        <a:latin typeface="Cambria Math" panose="02040503050406030204" pitchFamily="18" charset="0"/>
+                      </a:rPr>
+                      <m:t>=</m:t>
+                    </m:r>
+                    <m:r>
+                      <a:rPr lang="en-US" altLang="ko-KR" i="1">
+                        <a:latin typeface="Cambria Math" panose="02040503050406030204" pitchFamily="18" charset="0"/>
+                      </a:rPr>
+                      <m:t>𝑃</m:t>
+                    </m:r>
+                    <m:d>
+                      <m:dPr>
+                        <m:ctrlPr>
+                          <a:rPr lang="en-US" altLang="ko-KR" i="1">
+                            <a:latin typeface="Cambria Math" panose="02040503050406030204" pitchFamily="18" charset="0"/>
+                          </a:rPr>
+                        </m:ctrlPr>
+                      </m:dPr>
+                      <m:e>
+                        <m:r>
+                          <a:rPr lang="en-US" altLang="ko-KR" i="1">
+                            <a:latin typeface="Cambria Math" panose="02040503050406030204" pitchFamily="18" charset="0"/>
+                          </a:rPr>
+                          <m:t>𝑎</m:t>
+                        </m:r>
+                      </m:e>
+                      <m:e>
+                        <m:r>
+                          <a:rPr lang="en-US" altLang="ko-KR" i="1">
+                            <a:latin typeface="Cambria Math" panose="02040503050406030204" pitchFamily="18" charset="0"/>
+                          </a:rPr>
+                          <m:t>𝑠</m:t>
+                        </m:r>
+                      </m:e>
+                    </m:d>
+                    <m:r>
+                      <a:rPr lang="en-US" altLang="ko-KR" i="1">
+                        <a:latin typeface="Cambria Math" panose="02040503050406030204" pitchFamily="18" charset="0"/>
+                      </a:rPr>
+                      <m:t>=0.5</m:t>
+                    </m:r>
+                  </m:oMath>
+                </a14:m>
+                <a:endParaRPr lang="en-US" altLang="ko-KR" b="0" dirty="0">
+                  <a:solidFill>
+                    <a:schemeClr val="tx1"/>
+                  </a:solidFill>
+                  <a:ea typeface="Cambria Math" panose="02040503050406030204" pitchFamily="18" charset="0"/>
+                </a:endParaRPr>
+              </a:p>
+              <a:p>
+                <a:pPr lvl="1"/>
+                <a:r>
+                  <a:rPr lang="en-US" altLang="ko-KR" dirty="0">
+                    <a:solidFill>
+                      <a:schemeClr val="tx1"/>
+                    </a:solidFill>
+                  </a:rPr>
+                  <a:t>Constraint: one action, one BS condition change </a:t>
+                </a:r>
+                <a:r>
+                  <a:rPr lang="en-US" altLang="ko-KR" dirty="0">
+                    <a:solidFill>
+                      <a:schemeClr val="tx1"/>
+                    </a:solidFill>
+                    <a:sym typeface="Wingdings" panose="05000000000000000000" pitchFamily="2" charset="2"/>
+                  </a:rPr>
+                  <a:t></a:t>
+                </a:r>
+                <a:r>
+                  <a:rPr lang="en-US" altLang="ko-KR" dirty="0">
+                    <a:solidFill>
+                      <a:schemeClr val="tx1"/>
+                    </a:solidFill>
+                  </a:rPr>
+                  <a:t> </a:t>
+                </a:r>
+              </a:p>
+              <a:p>
+                <a:pPr marL="457200" lvl="1" indent="0">
+                  <a:buNone/>
+                </a:pPr>
+                <a:r>
+                  <a:rPr lang="en-US" altLang="ko-KR" dirty="0"/>
+                  <a:t>    </a:t>
+                </a:r>
+                <a:r>
+                  <a:rPr lang="en-US" altLang="ko-KR" dirty="0">
+                    <a:solidFill>
+                      <a:srgbClr val="0000FF"/>
+                    </a:solidFill>
+                  </a:rPr>
+                  <a:t>one action, every BS condition could change</a:t>
+                </a:r>
+              </a:p>
+              <a:p>
+                <a:pPr lvl="1"/>
+                <a:r>
+                  <a:rPr lang="en-US" altLang="ko-KR" dirty="0">
+                    <a:solidFill>
+                      <a:schemeClr val="tx1"/>
+                    </a:solidFill>
+                  </a:rPr>
+                  <a:t>Optimize policy – update by backpropagation</a:t>
+                </a:r>
+              </a:p>
+            </p:txBody>
+          </p:sp>
+        </mc:Choice>
+        <mc:Fallback>
+          <p:sp>
+            <p:nvSpPr>
+              <p:cNvPr id="3" name="내용 개체 틀 2">
+                <a:extLst>
+                  <a:ext uri="{FF2B5EF4-FFF2-40B4-BE49-F238E27FC236}">
+                    <a16:creationId xmlns:a16="http://schemas.microsoft.com/office/drawing/2014/main" id="{08458E5A-D904-4F83-968A-D96BD79BB32E}"/>
+                  </a:ext>
+                </a:extLst>
+              </p:cNvPr>
+              <p:cNvSpPr>
+                <a:spLocks noGrp="1" noRot="1" noChangeAspect="1" noMove="1" noResize="1" noEditPoints="1" noAdjustHandles="1" noChangeArrowheads="1" noChangeShapeType="1" noTextEdit="1"/>
+              </p:cNvSpPr>
+              <p:nvPr>
+                <p:ph idx="1"/>
+              </p:nvPr>
+            </p:nvSpPr>
+            <p:spPr>
+              <a:xfrm>
+                <a:off x="457199" y="1036062"/>
+                <a:ext cx="8297695" cy="5428800"/>
+              </a:xfrm>
+              <a:blipFill>
+                <a:blip r:embed="rId3"/>
+                <a:stretch>
+                  <a:fillRect t="-786"/>
+                </a:stretch>
+              </a:blipFill>
+            </p:spPr>
+            <p:txBody>
+              <a:bodyPr/>
+              <a:lstStyle/>
+              <a:p>
+                <a:r>
+                  <a:rPr lang="ko-KR" altLang="en-US">
+                    <a:noFill/>
+                  </a:rPr>
+                  <a:t> </a:t>
+                </a:r>
+              </a:p>
+            </p:txBody>
+          </p:sp>
+        </mc:Fallback>
+      </mc:AlternateContent>
+      <p:sp>
+        <p:nvSpPr>
+          <p:cNvPr id="4" name="오른쪽 중괄호 3">
+            <a:extLst>
+              <a:ext uri="{FF2B5EF4-FFF2-40B4-BE49-F238E27FC236}">
+                <a16:creationId xmlns:a16="http://schemas.microsoft.com/office/drawing/2014/main" id="{4676BBAF-C155-4B5D-AB58-75072E796C53}"/>
+              </a:ext>
+            </a:extLst>
+          </p:cNvPr>
+          <p:cNvSpPr/>
+          <p:nvPr/>
+        </p:nvSpPr>
+        <p:spPr>
+          <a:xfrm>
+            <a:off x="7373859" y="1496871"/>
+            <a:ext cx="153908" cy="3125594"/>
+          </a:xfrm>
+          <a:prstGeom prst="rightBrace">
+            <a:avLst/>
+          </a:prstGeom>
+          <a:ln>
+            <a:solidFill>
+              <a:srgbClr val="C00000"/>
+            </a:solidFill>
+          </a:ln>
+          <a:effectLst/>
+        </p:spPr>
+        <p:style>
+          <a:lnRef idx="2">
+            <a:schemeClr val="accent1"/>
+          </a:lnRef>
+          <a:fillRef idx="0">
+            <a:schemeClr val="accent1"/>
+          </a:fillRef>
+          <a:effectRef idx="1">
+            <a:schemeClr val="accent1"/>
+          </a:effectRef>
+          <a:fontRef idx="minor">
+            <a:schemeClr val="tx1"/>
+          </a:fontRef>
+        </p:style>
+        <p:txBody>
+          <a:bodyPr rtlCol="0" anchor="ctr"/>
+          <a:lstStyle/>
+          <a:p>
+            <a:pPr algn="ctr"/>
+            <a:endParaRPr lang="ko-KR" altLang="en-US"/>
+          </a:p>
+        </p:txBody>
+      </p:sp>
+      <p:sp>
+        <p:nvSpPr>
+          <p:cNvPr id="5" name="TextBox 4">
+            <a:extLst>
+              <a:ext uri="{FF2B5EF4-FFF2-40B4-BE49-F238E27FC236}">
+                <a16:creationId xmlns:a16="http://schemas.microsoft.com/office/drawing/2014/main" id="{5ED103EF-2EDA-48F2-A423-BB360D8800B1}"/>
+              </a:ext>
+            </a:extLst>
+          </p:cNvPr>
+          <p:cNvSpPr txBox="1"/>
+          <p:nvPr/>
+        </p:nvSpPr>
+        <p:spPr>
+          <a:xfrm>
+            <a:off x="7587486" y="2875002"/>
+            <a:ext cx="738882" cy="369332"/>
+          </a:xfrm>
+          <a:prstGeom prst="rect">
+            <a:avLst/>
+          </a:prstGeom>
+          <a:noFill/>
+        </p:spPr>
+        <p:txBody>
+          <a:bodyPr wrap="square" rtlCol="0">
+            <a:spAutoFit/>
+          </a:bodyPr>
+          <a:lstStyle/>
+          <a:p>
+            <a:r>
+              <a:rPr lang="en-US" altLang="ko-KR" b="1" dirty="0">
+                <a:solidFill>
+                  <a:srgbClr val="FF0000"/>
+                </a:solidFill>
+              </a:rPr>
+              <a:t>done</a:t>
+            </a:r>
+          </a:p>
+        </p:txBody>
+      </p:sp>
+      <p:sp>
+        <p:nvSpPr>
+          <p:cNvPr id="6" name="오른쪽 중괄호 5">
+            <a:extLst>
+              <a:ext uri="{FF2B5EF4-FFF2-40B4-BE49-F238E27FC236}">
+                <a16:creationId xmlns:a16="http://schemas.microsoft.com/office/drawing/2014/main" id="{8E02C415-5B12-45F8-9B88-917F244F3F31}"/>
+              </a:ext>
+            </a:extLst>
+          </p:cNvPr>
+          <p:cNvSpPr/>
+          <p:nvPr/>
+        </p:nvSpPr>
+        <p:spPr>
+          <a:xfrm>
+            <a:off x="6458810" y="5139098"/>
+            <a:ext cx="153908" cy="1094490"/>
+          </a:xfrm>
+          <a:prstGeom prst="rightBrace">
+            <a:avLst/>
+          </a:prstGeom>
+          <a:ln>
+            <a:solidFill>
+              <a:srgbClr val="C00000"/>
+            </a:solidFill>
+          </a:ln>
+          <a:effectLst/>
+        </p:spPr>
+        <p:style>
+          <a:lnRef idx="2">
+            <a:schemeClr val="accent1"/>
+          </a:lnRef>
+          <a:fillRef idx="0">
+            <a:schemeClr val="accent1"/>
+          </a:fillRef>
+          <a:effectRef idx="1">
+            <a:schemeClr val="accent1"/>
+          </a:effectRef>
+          <a:fontRef idx="minor">
+            <a:schemeClr val="tx1"/>
+          </a:fontRef>
+        </p:style>
+        <p:txBody>
+          <a:bodyPr rtlCol="0" anchor="ctr"/>
+          <a:lstStyle/>
+          <a:p>
+            <a:pPr algn="ctr"/>
+            <a:endParaRPr lang="ko-KR" altLang="en-US"/>
+          </a:p>
+        </p:txBody>
+      </p:sp>
+      <p:sp>
+        <p:nvSpPr>
+          <p:cNvPr id="7" name="TextBox 6">
+            <a:extLst>
+              <a:ext uri="{FF2B5EF4-FFF2-40B4-BE49-F238E27FC236}">
+                <a16:creationId xmlns:a16="http://schemas.microsoft.com/office/drawing/2014/main" id="{BC42C601-FD6E-420F-891F-7DEE47B5AD97}"/>
+              </a:ext>
+            </a:extLst>
+          </p:cNvPr>
+          <p:cNvSpPr txBox="1"/>
+          <p:nvPr/>
+        </p:nvSpPr>
+        <p:spPr>
+          <a:xfrm>
+            <a:off x="6673085" y="5363177"/>
+            <a:ext cx="1883102" cy="646331"/>
+          </a:xfrm>
+          <a:prstGeom prst="rect">
+            <a:avLst/>
+          </a:prstGeom>
+          <a:noFill/>
+        </p:spPr>
+        <p:txBody>
+          <a:bodyPr wrap="square" rtlCol="0">
+            <a:spAutoFit/>
+          </a:bodyPr>
+          <a:lstStyle/>
+          <a:p>
+            <a:r>
+              <a:rPr lang="en-US" altLang="ko-KR" b="1" dirty="0">
+                <a:solidFill>
+                  <a:srgbClr val="FF0000"/>
+                </a:solidFill>
+              </a:rPr>
+              <a:t>In progress – MCTS module</a:t>
+            </a:r>
+          </a:p>
+        </p:txBody>
+      </p:sp>
+    </p:spTree>
+    <p:extLst>
+      <p:ext uri="{BB962C8B-B14F-4D97-AF65-F5344CB8AC3E}">
+        <p14:creationId xmlns:p14="http://schemas.microsoft.com/office/powerpoint/2010/main" val="465659987"/>
+      </p:ext>
+    </p:extLst>
+  </p:cSld>
+  <p:clrMapOvr>
+    <a:masterClrMapping/>
+  </p:clrMapOvr>
+</p:sld>
+</file>
+
+<file path=ppt/slides/slide6.xml><?xml version="1.0" encoding="utf-8"?>
+<p:sld xmlns:a="http://schemas.openxmlformats.org/drawingml/2006/main" xmlns:r="http://schemas.openxmlformats.org/officeDocument/2006/relationships" xmlns:p="http://schemas.openxmlformats.org/presentationml/2006/main">
+  <p:cSld>
+    <p:spTree>
+      <p:nvGrpSpPr>
+        <p:cNvPr id="1" name=""/>
+        <p:cNvGrpSpPr/>
+        <p:nvPr/>
+      </p:nvGrpSpPr>
+      <p:grpSpPr>
+        <a:xfrm>
+          <a:off x="0" y="0"/>
+          <a:ext cx="0" cy="0"/>
+          <a:chOff x="0" y="0"/>
+          <a:chExt cx="0" cy="0"/>
+        </a:xfrm>
+      </p:grpSpPr>
+      <p:sp>
+        <p:nvSpPr>
+          <p:cNvPr id="2" name="제목 1">
+            <a:extLst>
+              <a:ext uri="{FF2B5EF4-FFF2-40B4-BE49-F238E27FC236}">
+                <a16:creationId xmlns:a16="http://schemas.microsoft.com/office/drawing/2014/main" id="{2FC832C6-B966-497F-A5E0-588C4BED0E2F}"/>
+              </a:ext>
+            </a:extLst>
+          </p:cNvPr>
+          <p:cNvSpPr>
+            <a:spLocks noGrp="1"/>
+          </p:cNvSpPr>
+          <p:nvPr>
+            <p:ph type="title"/>
+          </p:nvPr>
+        </p:nvSpPr>
+        <p:spPr/>
+        <p:txBody>
+          <a:bodyPr/>
+          <a:lstStyle/>
+          <a:p>
+            <a:r>
+              <a:rPr lang="en-US" altLang="ko-KR" dirty="0"/>
+              <a:t>System Model</a:t>
+            </a:r>
+            <a:endParaRPr lang="ko-KR" altLang="en-US" dirty="0"/>
+          </a:p>
+        </p:txBody>
+      </p:sp>
+      <p:sp>
+        <p:nvSpPr>
+          <p:cNvPr id="3" name="내용 개체 틀 2">
+            <a:extLst>
+              <a:ext uri="{FF2B5EF4-FFF2-40B4-BE49-F238E27FC236}">
+                <a16:creationId xmlns:a16="http://schemas.microsoft.com/office/drawing/2014/main" id="{FAEF7A98-5912-4F1F-8CD4-41561FCBE376}"/>
+              </a:ext>
+            </a:extLst>
+          </p:cNvPr>
+          <p:cNvSpPr>
+            <a:spLocks noGrp="1"/>
+          </p:cNvSpPr>
+          <p:nvPr>
+            <p:ph idx="1"/>
+          </p:nvPr>
+        </p:nvSpPr>
+        <p:spPr>
+          <a:xfrm>
+            <a:off x="457200" y="1052163"/>
+            <a:ext cx="8229600" cy="5428522"/>
+          </a:xfrm>
+        </p:spPr>
+        <p:txBody>
+          <a:bodyPr/>
+          <a:lstStyle/>
+          <a:p>
+            <a:r>
+              <a:rPr lang="en-US" altLang="ko-KR" b="1" dirty="0"/>
+              <a:t>Make 2 python module</a:t>
+            </a:r>
+          </a:p>
+          <a:p>
+            <a:pPr lvl="1"/>
+            <a:r>
+              <a:rPr lang="en-US" altLang="ko-KR" b="1" dirty="0">
+                <a:solidFill>
+                  <a:schemeClr val="tx1"/>
+                </a:solidFill>
+              </a:rPr>
+              <a:t>main.py: </a:t>
+            </a:r>
+            <a:r>
+              <a:rPr lang="en-US" altLang="ko-KR" b="1" dirty="0" err="1">
+                <a:solidFill>
+                  <a:schemeClr val="tx1"/>
+                </a:solidFill>
+              </a:rPr>
+              <a:t>UDNEnv</a:t>
+            </a:r>
+            <a:r>
+              <a:rPr lang="en-US" altLang="ko-KR" b="1" dirty="0">
+                <a:solidFill>
+                  <a:schemeClr val="tx1"/>
+                </a:solidFill>
+              </a:rPr>
+              <a:t>(environment code)+MCTS(RL code)</a:t>
+            </a:r>
+          </a:p>
+          <a:p>
+            <a:pPr lvl="1"/>
+            <a:endParaRPr lang="en-US" altLang="ko-KR" b="1" dirty="0">
+              <a:solidFill>
+                <a:schemeClr val="tx1"/>
+              </a:solidFill>
+            </a:endParaRPr>
+          </a:p>
+          <a:p>
+            <a:pPr lvl="1"/>
+            <a:r>
+              <a:rPr lang="en-US" altLang="ko-KR" b="1" dirty="0">
+                <a:solidFill>
+                  <a:schemeClr val="tx1"/>
+                </a:solidFill>
+              </a:rPr>
+              <a:t>ppp.py: create BSposition.csv(information of BS position)</a:t>
+            </a:r>
+            <a:endParaRPr lang="en-US" altLang="ko-KR" b="1" dirty="0"/>
+          </a:p>
+        </p:txBody>
+      </p:sp>
+    </p:spTree>
+    <p:extLst>
+      <p:ext uri="{BB962C8B-B14F-4D97-AF65-F5344CB8AC3E}">
+        <p14:creationId xmlns:p14="http://schemas.microsoft.com/office/powerpoint/2010/main" val="219446114"/>
+      </p:ext>
+    </p:extLst>
+  </p:cSld>
+  <p:clrMapOvr>
+    <a:masterClrMapping/>
+  </p:clrMapOvr>
+</p:sld>
+</file>
+
+<file path=ppt/slides/slide7.xml><?xml version="1.0" encoding="utf-8"?>
+<p:sld xmlns:a="http://schemas.openxmlformats.org/drawingml/2006/main" xmlns:r="http://schemas.openxmlformats.org/officeDocument/2006/relationships" xmlns:p="http://schemas.openxmlformats.org/presentationml/2006/main">
+  <p:cSld>
+    <p:spTree>
+      <p:nvGrpSpPr>
+        <p:cNvPr id="1" name=""/>
+        <p:cNvGrpSpPr/>
+        <p:nvPr/>
+      </p:nvGrpSpPr>
+      <p:grpSpPr>
+        <a:xfrm>
+          <a:off x="0" y="0"/>
+          <a:ext cx="0" cy="0"/>
+          <a:chOff x="0" y="0"/>
+          <a:chExt cx="0" cy="0"/>
+        </a:xfrm>
+      </p:grpSpPr>
+      <p:sp>
+        <p:nvSpPr>
+          <p:cNvPr id="2" name="제목 1">
+            <a:extLst>
+              <a:ext uri="{FF2B5EF4-FFF2-40B4-BE49-F238E27FC236}">
+                <a16:creationId xmlns:a16="http://schemas.microsoft.com/office/drawing/2014/main" id="{2FC832C6-B966-497F-A5E0-588C4BED0E2F}"/>
+              </a:ext>
+            </a:extLst>
+          </p:cNvPr>
+          <p:cNvSpPr>
+            <a:spLocks noGrp="1"/>
+          </p:cNvSpPr>
+          <p:nvPr>
+            <p:ph type="title"/>
+          </p:nvPr>
+        </p:nvSpPr>
+        <p:spPr/>
+        <p:txBody>
+          <a:bodyPr/>
+          <a:lstStyle/>
+          <a:p>
+            <a:r>
+              <a:rPr lang="en-US" altLang="ko-KR" dirty="0"/>
+              <a:t>RL model design</a:t>
+            </a:r>
+            <a:endParaRPr lang="ko-KR" altLang="en-US" dirty="0"/>
+          </a:p>
+        </p:txBody>
+      </p:sp>
+      <p:sp>
+        <p:nvSpPr>
+          <p:cNvPr id="3" name="내용 개체 틀 2">
+            <a:extLst>
+              <a:ext uri="{FF2B5EF4-FFF2-40B4-BE49-F238E27FC236}">
+                <a16:creationId xmlns:a16="http://schemas.microsoft.com/office/drawing/2014/main" id="{FAEF7A98-5912-4F1F-8CD4-41561FCBE376}"/>
+              </a:ext>
+            </a:extLst>
+          </p:cNvPr>
+          <p:cNvSpPr>
+            <a:spLocks noGrp="1"/>
+          </p:cNvSpPr>
+          <p:nvPr>
+            <p:ph idx="1"/>
+          </p:nvPr>
+        </p:nvSpPr>
+        <p:spPr>
+          <a:xfrm>
+            <a:off x="457200" y="1052163"/>
+            <a:ext cx="8229600" cy="5428522"/>
+          </a:xfrm>
+        </p:spPr>
+        <p:txBody>
+          <a:bodyPr>
+            <a:normAutofit lnSpcReduction="10000"/>
+          </a:bodyPr>
+          <a:lstStyle/>
+          <a:p>
+            <a:r>
+              <a:rPr lang="en-US" altLang="ko-KR" b="1" dirty="0"/>
+              <a:t>def </a:t>
+            </a:r>
+            <a:r>
+              <a:rPr lang="en-US" altLang="ko-KR" b="1" dirty="0" err="1"/>
+              <a:t>isTerminal</a:t>
+            </a:r>
+            <a:r>
+              <a:rPr lang="en-US" altLang="ko-KR" b="1" dirty="0"/>
+              <a:t>():   #return Boolean value</a:t>
+            </a:r>
+          </a:p>
+          <a:p>
+            <a:pPr marL="457200" lvl="1" indent="0">
+              <a:buNone/>
+            </a:pPr>
+            <a:r>
+              <a:rPr lang="en-US" altLang="ko-KR" b="1" dirty="0"/>
+              <a:t>if search time &gt; threshold:</a:t>
+            </a:r>
+          </a:p>
+          <a:p>
+            <a:pPr marL="457200" lvl="1" indent="0">
+              <a:buNone/>
+            </a:pPr>
+            <a:r>
+              <a:rPr lang="en-US" altLang="ko-KR" b="1" dirty="0"/>
+              <a:t>	return True</a:t>
+            </a:r>
+          </a:p>
+          <a:p>
+            <a:pPr marL="457200" lvl="1" indent="0">
+              <a:buNone/>
+            </a:pPr>
+            <a:r>
+              <a:rPr lang="en-US" altLang="ko-KR" b="1" dirty="0"/>
+              <a:t>else:</a:t>
+            </a:r>
+          </a:p>
+          <a:p>
+            <a:pPr marL="457200" lvl="1" indent="0">
+              <a:buNone/>
+            </a:pPr>
+            <a:r>
+              <a:rPr lang="en-US" altLang="ko-KR" b="1" dirty="0"/>
+              <a:t>	return False </a:t>
+            </a:r>
+          </a:p>
+          <a:p>
+            <a:r>
+              <a:rPr lang="en-US" altLang="ko-KR" b="1" dirty="0"/>
+              <a:t>def </a:t>
+            </a:r>
+            <a:r>
+              <a:rPr lang="en-US" altLang="ko-KR" b="1" dirty="0" err="1"/>
+              <a:t>getPossibleActions</a:t>
+            </a:r>
+            <a:r>
+              <a:rPr lang="en-US" altLang="ko-KR" b="1" dirty="0"/>
+              <a:t>(</a:t>
+            </a:r>
+            <a:r>
+              <a:rPr lang="en-US" altLang="ko-KR" b="1" dirty="0" err="1"/>
+              <a:t>env.state</a:t>
+            </a:r>
+            <a:r>
+              <a:rPr lang="en-US" altLang="ko-KR" b="1" dirty="0"/>
+              <a:t>):</a:t>
+            </a:r>
+          </a:p>
+          <a:p>
+            <a:pPr marL="457200" lvl="1" indent="0">
+              <a:buNone/>
+            </a:pPr>
+            <a:r>
+              <a:rPr lang="en-US" altLang="ko-KR" b="1" dirty="0"/>
+              <a:t>return </a:t>
+            </a:r>
+            <a:r>
+              <a:rPr lang="en-US" altLang="ko-KR" b="1" dirty="0" err="1"/>
+              <a:t>iterable</a:t>
+            </a:r>
+            <a:r>
+              <a:rPr lang="en-US" altLang="ko-KR" b="1" dirty="0"/>
+              <a:t> list of possible actions from specific </a:t>
+            </a:r>
+            <a:r>
+              <a:rPr lang="en-US" altLang="ko-KR" b="1" dirty="0" err="1"/>
+              <a:t>env.state</a:t>
+            </a:r>
+            <a:endParaRPr lang="en-US" altLang="ko-KR" b="1" dirty="0"/>
+          </a:p>
+          <a:p>
+            <a:pPr marL="457200" lvl="1" indent="0">
+              <a:buNone/>
+            </a:pPr>
+            <a:r>
+              <a:rPr lang="en-US" altLang="ko-KR" b="1" dirty="0"/>
+              <a:t>- in progress</a:t>
+            </a:r>
+          </a:p>
+          <a:p>
+            <a:r>
+              <a:rPr lang="en-US" altLang="ko-KR" b="1" dirty="0"/>
+              <a:t>def </a:t>
+            </a:r>
+            <a:r>
+              <a:rPr lang="en-US" altLang="ko-KR" b="1" dirty="0" err="1"/>
+              <a:t>takeAction</a:t>
+            </a:r>
+            <a:r>
+              <a:rPr lang="en-US" altLang="ko-KR" b="1" dirty="0"/>
+              <a:t>(action):</a:t>
+            </a:r>
+          </a:p>
+          <a:p>
+            <a:pPr marL="457200" lvl="1" indent="0">
+              <a:buNone/>
+            </a:pPr>
+            <a:r>
+              <a:rPr lang="en-US" altLang="ko-KR" b="1" dirty="0"/>
+              <a:t>return the state which results from taking action </a:t>
+            </a:r>
+          </a:p>
+          <a:p>
+            <a:pPr marL="457200" lvl="1" indent="0">
+              <a:buNone/>
+            </a:pPr>
+            <a:r>
+              <a:rPr lang="en-US" altLang="ko-KR" b="1" dirty="0"/>
+              <a:t>- in progress</a:t>
+            </a:r>
+          </a:p>
+          <a:p>
+            <a:r>
+              <a:rPr lang="en-US" altLang="ko-KR" b="1" dirty="0"/>
+              <a:t>def </a:t>
+            </a:r>
+            <a:r>
+              <a:rPr lang="en-US" altLang="ko-KR" b="1" dirty="0" err="1"/>
+              <a:t>getReward</a:t>
+            </a:r>
+            <a:r>
+              <a:rPr lang="en-US" altLang="ko-KR" b="1" dirty="0"/>
+              <a:t>(</a:t>
+            </a:r>
+            <a:r>
+              <a:rPr lang="en-US" altLang="ko-KR" b="1" dirty="0" err="1"/>
+              <a:t>env.state</a:t>
+            </a:r>
+            <a:r>
+              <a:rPr lang="en-US" altLang="ko-KR" b="1" dirty="0"/>
+              <a:t>):</a:t>
+            </a:r>
+          </a:p>
+          <a:p>
+            <a:pPr marL="457200" lvl="1" indent="0">
+              <a:buNone/>
+            </a:pPr>
+            <a:r>
+              <a:rPr lang="en-US" altLang="ko-KR" b="1" dirty="0"/>
+              <a:t>return the reward of specific state</a:t>
+            </a:r>
+          </a:p>
+          <a:p>
+            <a:pPr marL="457200" lvl="1" indent="0">
+              <a:buNone/>
+            </a:pPr>
+            <a:r>
+              <a:rPr lang="en-US" altLang="ko-KR" b="1" dirty="0"/>
+              <a:t>-in progress</a:t>
+            </a:r>
+            <a:endParaRPr lang="ko-KR" altLang="en-US" b="1" dirty="0"/>
+          </a:p>
+        </p:txBody>
+      </p:sp>
+    </p:spTree>
+    <p:extLst>
+      <p:ext uri="{BB962C8B-B14F-4D97-AF65-F5344CB8AC3E}">
+        <p14:creationId xmlns:p14="http://schemas.microsoft.com/office/powerpoint/2010/main" val="3043170752"/>
+      </p:ext>
+    </p:extLst>
+  </p:cSld>
+  <p:clrMapOvr>
+    <a:masterClrMapping/>
+  </p:clrMapOvr>
+</p:sld>
+</file>
+
+<file path=ppt/slides/slide8.xml><?xml version="1.0" encoding="utf-8"?>
+<p:sld xmlns:a="http://schemas.openxmlformats.org/drawingml/2006/main" xmlns:r="http://schemas.openxmlformats.org/officeDocument/2006/relationships" xmlns:p="http://schemas.openxmlformats.org/presentationml/2006/main">
+  <p:cSld>
+    <p:spTree>
+      <p:nvGrpSpPr>
+        <p:cNvPr id="1" name=""/>
+        <p:cNvGrpSpPr/>
+        <p:nvPr/>
+      </p:nvGrpSpPr>
+      <p:grpSpPr>
+        <a:xfrm>
+          <a:off x="0" y="0"/>
+          <a:ext cx="0" cy="0"/>
+          <a:chOff x="0" y="0"/>
+          <a:chExt cx="0" cy="0"/>
+        </a:xfrm>
+      </p:grpSpPr>
+      <p:sp>
+        <p:nvSpPr>
+          <p:cNvPr id="2" name="제목 1">
+            <a:extLst>
+              <a:ext uri="{FF2B5EF4-FFF2-40B4-BE49-F238E27FC236}">
+                <a16:creationId xmlns:a16="http://schemas.microsoft.com/office/drawing/2014/main" id="{2FC832C6-B966-497F-A5E0-588C4BED0E2F}"/>
+              </a:ext>
+            </a:extLst>
+          </p:cNvPr>
+          <p:cNvSpPr>
+            <a:spLocks noGrp="1"/>
+          </p:cNvSpPr>
+          <p:nvPr>
+            <p:ph type="title"/>
+          </p:nvPr>
+        </p:nvSpPr>
+        <p:spPr/>
+        <p:txBody>
+          <a:bodyPr/>
+          <a:lstStyle/>
+          <a:p>
+            <a:r>
+              <a:rPr lang="en-US" altLang="ko-KR" dirty="0"/>
+              <a:t>RL model design</a:t>
+            </a:r>
+            <a:endParaRPr lang="ko-KR" altLang="en-US" dirty="0"/>
+          </a:p>
+        </p:txBody>
+      </p:sp>
+      <p:sp>
+        <p:nvSpPr>
+          <p:cNvPr id="3" name="내용 개체 틀 2">
+            <a:extLst>
+              <a:ext uri="{FF2B5EF4-FFF2-40B4-BE49-F238E27FC236}">
+                <a16:creationId xmlns:a16="http://schemas.microsoft.com/office/drawing/2014/main" id="{FAEF7A98-5912-4F1F-8CD4-41561FCBE376}"/>
+              </a:ext>
+            </a:extLst>
+          </p:cNvPr>
+          <p:cNvSpPr>
+            <a:spLocks noGrp="1"/>
+          </p:cNvSpPr>
+          <p:nvPr>
+            <p:ph idx="1"/>
+          </p:nvPr>
+        </p:nvSpPr>
+        <p:spPr>
+          <a:xfrm>
+            <a:off x="457200" y="1052163"/>
+            <a:ext cx="8229600" cy="5428522"/>
+          </a:xfrm>
+        </p:spPr>
+        <p:txBody>
+          <a:bodyPr>
+            <a:normAutofit/>
+          </a:bodyPr>
+          <a:lstStyle/>
+          <a:p>
+            <a:r>
+              <a:rPr lang="en-US" altLang="ko-KR" b="1" dirty="0"/>
+              <a:t>class </a:t>
+            </a:r>
+            <a:r>
+              <a:rPr lang="en-US" altLang="ko-KR" b="1" dirty="0" err="1"/>
+              <a:t>mcts</a:t>
+            </a:r>
+            <a:r>
+              <a:rPr lang="en-US" altLang="ko-KR" b="1" dirty="0"/>
+              <a:t>():</a:t>
+            </a:r>
+          </a:p>
+          <a:p>
+            <a:pPr marL="457200" lvl="1" indent="0">
+              <a:buNone/>
+            </a:pPr>
+            <a:r>
+              <a:rPr lang="en-US" altLang="ko-KR" b="1" dirty="0"/>
+              <a:t>def __</a:t>
+            </a:r>
+            <a:r>
+              <a:rPr lang="en-US" altLang="ko-KR" b="1" dirty="0" err="1"/>
+              <a:t>init</a:t>
+            </a:r>
+            <a:r>
+              <a:rPr lang="en-US" altLang="ko-KR" b="1" dirty="0"/>
+              <a:t>__():</a:t>
+            </a:r>
+          </a:p>
+          <a:p>
+            <a:pPr marL="457200" lvl="1" indent="0">
+              <a:buNone/>
+            </a:pPr>
+            <a:r>
+              <a:rPr lang="en-US" altLang="ko-KR" b="1" dirty="0"/>
+              <a:t>def search():</a:t>
+            </a:r>
+          </a:p>
+          <a:p>
+            <a:pPr marL="457200" lvl="1" indent="0">
+              <a:buNone/>
+            </a:pPr>
+            <a:r>
+              <a:rPr lang="en-US" altLang="ko-KR" b="1" dirty="0"/>
+              <a:t>def </a:t>
+            </a:r>
+            <a:r>
+              <a:rPr lang="en-US" altLang="ko-KR" b="1" dirty="0" err="1"/>
+              <a:t>selectNode</a:t>
+            </a:r>
+            <a:r>
+              <a:rPr lang="en-US" altLang="ko-KR" b="1" dirty="0"/>
+              <a:t>():</a:t>
+            </a:r>
+          </a:p>
+          <a:p>
+            <a:pPr marL="457200" lvl="1" indent="0">
+              <a:buNone/>
+            </a:pPr>
+            <a:r>
+              <a:rPr lang="en-US" altLang="ko-KR" b="1" dirty="0"/>
+              <a:t>def backpropagate():</a:t>
+            </a:r>
+          </a:p>
+          <a:p>
+            <a:pPr marL="457200" lvl="1" indent="0">
+              <a:buNone/>
+            </a:pPr>
+            <a:r>
+              <a:rPr lang="en-US" altLang="ko-KR" b="1" dirty="0"/>
+              <a:t>…</a:t>
+            </a:r>
+          </a:p>
+          <a:p>
+            <a:r>
+              <a:rPr lang="en-US" altLang="ko-KR" b="1" dirty="0"/>
+              <a:t>MCTS algorithm is already implemented in class </a:t>
+            </a:r>
+            <a:r>
+              <a:rPr lang="en-US" altLang="ko-KR" b="1" dirty="0" err="1"/>
+              <a:t>mcts</a:t>
+            </a:r>
+            <a:r>
+              <a:rPr lang="en-US" altLang="ko-KR" b="1" dirty="0"/>
+              <a:t>()</a:t>
+            </a:r>
+          </a:p>
+          <a:p>
+            <a:r>
+              <a:rPr lang="en-US" altLang="ko-KR" b="1" dirty="0"/>
+              <a:t>Several variables needs editing to run Env code in mcts.py </a:t>
+            </a:r>
+            <a:endParaRPr lang="ko-KR" altLang="en-US" b="1" dirty="0"/>
+          </a:p>
+        </p:txBody>
+      </p:sp>
+    </p:spTree>
+    <p:extLst>
+      <p:ext uri="{BB962C8B-B14F-4D97-AF65-F5344CB8AC3E}">
+        <p14:creationId xmlns:p14="http://schemas.microsoft.com/office/powerpoint/2010/main" val="2080462866"/>
+      </p:ext>
+    </p:extLst>
+  </p:cSld>
+  <p:clrMapOvr>
+    <a:masterClrMapping/>
+  </p:clrMapOvr>
+</p:sld>
+</file>
+
+<file path=ppt/slides/slide9.xml><?xml version="1.0" encoding="utf-8"?>
+<p:sld xmlns:a="http://schemas.openxmlformats.org/drawingml/2006/main" xmlns:r="http://schemas.openxmlformats.org/officeDocument/2006/relationships" xmlns:p="http://schemas.openxmlformats.org/presentationml/2006/main">
+  <p:cSld>
+    <p:spTree>
+      <p:nvGrpSpPr>
+        <p:cNvPr id="1" name=""/>
+        <p:cNvGrpSpPr/>
+        <p:nvPr/>
+      </p:nvGrpSpPr>
+      <p:grpSpPr>
+        <a:xfrm>
+          <a:off x="0" y="0"/>
+          <a:ext cx="0" cy="0"/>
+          <a:chOff x="0" y="0"/>
+          <a:chExt cx="0" cy="0"/>
+        </a:xfrm>
+      </p:grpSpPr>
+      <p:sp>
+        <p:nvSpPr>
+          <p:cNvPr id="2" name="제목 1">
+            <a:extLst>
+              <a:ext uri="{FF2B5EF4-FFF2-40B4-BE49-F238E27FC236}">
+                <a16:creationId xmlns:a16="http://schemas.microsoft.com/office/drawing/2014/main" id="{F5F63D42-1E06-4A5B-9AAA-45F95E0B04D0}"/>
+              </a:ext>
+            </a:extLst>
+          </p:cNvPr>
+          <p:cNvSpPr>
+            <a:spLocks noGrp="1"/>
+          </p:cNvSpPr>
+          <p:nvPr>
+            <p:ph type="title"/>
+          </p:nvPr>
+        </p:nvSpPr>
+        <p:spPr>
+          <a:xfrm>
+            <a:off x="116681" y="-4"/>
+            <a:ext cx="8910637" cy="987425"/>
+          </a:xfrm>
+        </p:spPr>
+        <p:txBody>
+          <a:bodyPr/>
+          <a:lstStyle/>
+          <a:p>
+            <a:r>
+              <a:rPr lang="en-US" altLang="ko-KR" dirty="0"/>
+              <a:t>Future Plan(next week) </a:t>
+            </a:r>
+            <a:r>
+              <a:rPr lang="en-US" altLang="ko-KR" sz="2000" dirty="0"/>
+              <a:t>at 7/5</a:t>
+            </a:r>
+            <a:endParaRPr lang="ko-KR" altLang="en-US" sz="2000" dirty="0"/>
+          </a:p>
+        </p:txBody>
+      </p:sp>
+      <p:sp>
+        <p:nvSpPr>
+          <p:cNvPr id="3" name="내용 개체 틀 2">
+            <a:extLst>
+              <a:ext uri="{FF2B5EF4-FFF2-40B4-BE49-F238E27FC236}">
+                <a16:creationId xmlns:a16="http://schemas.microsoft.com/office/drawing/2014/main" id="{08458E5A-D904-4F83-968A-D96BD79BB32E}"/>
+              </a:ext>
+            </a:extLst>
+          </p:cNvPr>
+          <p:cNvSpPr>
+            <a:spLocks noGrp="1"/>
+          </p:cNvSpPr>
+          <p:nvPr>
+            <p:ph idx="1"/>
+          </p:nvPr>
+        </p:nvSpPr>
+        <p:spPr>
+          <a:xfrm>
+            <a:off x="457199" y="1036062"/>
+            <a:ext cx="8297695" cy="5428800"/>
+          </a:xfrm>
+        </p:spPr>
+        <p:txBody>
+          <a:bodyPr>
+            <a:normAutofit/>
+          </a:bodyPr>
+          <a:lstStyle/>
+          <a:p>
+            <a:r>
+              <a:rPr lang="en-US" altLang="ko-KR" b="1" dirty="0">
+                <a:solidFill>
+                  <a:schemeClr val="tx1"/>
+                </a:solidFill>
+              </a:rPr>
+              <a:t>MCTS design</a:t>
+            </a:r>
+          </a:p>
+          <a:p>
+            <a:r>
+              <a:rPr lang="en-US" altLang="ko-KR" b="1" dirty="0">
+                <a:solidFill>
+                  <a:schemeClr val="tx1"/>
+                </a:solidFill>
+              </a:rPr>
+              <a:t>Environment</a:t>
+            </a:r>
+            <a:r>
+              <a:rPr lang="ko-KR" altLang="en-US" b="1" dirty="0">
+                <a:solidFill>
+                  <a:schemeClr val="tx1"/>
+                </a:solidFill>
+              </a:rPr>
+              <a:t>를 </a:t>
+            </a:r>
+            <a:r>
+              <a:rPr lang="en-US" altLang="ko-KR" b="1" dirty="0" err="1">
+                <a:solidFill>
+                  <a:schemeClr val="tx1"/>
+                </a:solidFill>
+              </a:rPr>
+              <a:t>samplin</a:t>
+            </a:r>
+            <a:r>
+              <a:rPr lang="ko-KR" altLang="en-US" b="1" dirty="0">
+                <a:solidFill>
+                  <a:schemeClr val="tx1"/>
+                </a:solidFill>
+              </a:rPr>
+              <a:t>해 </a:t>
+            </a:r>
+            <a:r>
+              <a:rPr lang="ko-KR" altLang="en-US" b="1" dirty="0"/>
+              <a:t>학습된 </a:t>
+            </a:r>
+            <a:r>
+              <a:rPr lang="en-US" altLang="ko-KR" b="1" dirty="0"/>
+              <a:t>policy</a:t>
+            </a:r>
+            <a:r>
+              <a:rPr lang="ko-KR" altLang="en-US" b="1" dirty="0"/>
+              <a:t>가 </a:t>
+            </a:r>
+            <a:r>
+              <a:rPr lang="ko-KR" altLang="en-US" b="1" dirty="0" err="1"/>
+              <a:t>과적합되었는지</a:t>
+            </a:r>
+            <a:r>
+              <a:rPr lang="ko-KR" altLang="en-US" b="1" dirty="0"/>
+              <a:t> 확인</a:t>
+            </a:r>
+            <a:endParaRPr lang="en-US" altLang="ko-KR" b="1" dirty="0"/>
+          </a:p>
+        </p:txBody>
+      </p:sp>
+    </p:spTree>
+    <p:extLst>
+      <p:ext uri="{BB962C8B-B14F-4D97-AF65-F5344CB8AC3E}">
+        <p14:creationId xmlns:p14="http://schemas.microsoft.com/office/powerpoint/2010/main" val="2061944708"/>
       </p:ext>
     </p:extLst>
   </p:cSld>

--- a/Survey meeting/0719 survey/190719 UGRP 발표자료.pptx
+++ b/Survey meeting/0719 survey/190719 UGRP 발표자료.pptx
@@ -5,30 +5,27 @@
     <p:sldMasterId id="2147483648" r:id="rId1"/>
   </p:sldMasterIdLst>
   <p:notesMasterIdLst>
-    <p:notesMasterId r:id="rId15"/>
+    <p:notesMasterId r:id="rId12"/>
   </p:notesMasterIdLst>
   <p:handoutMasterIdLst>
-    <p:handoutMasterId r:id="rId16"/>
+    <p:handoutMasterId r:id="rId13"/>
   </p:handoutMasterIdLst>
   <p:sldIdLst>
     <p:sldId id="1055" r:id="rId2"/>
     <p:sldId id="1367" r:id="rId3"/>
     <p:sldId id="1398" r:id="rId4"/>
-    <p:sldId id="1390" r:id="rId5"/>
-    <p:sldId id="1400" r:id="rId6"/>
+    <p:sldId id="1400" r:id="rId5"/>
+    <p:sldId id="1390" r:id="rId6"/>
     <p:sldId id="1395" r:id="rId7"/>
-    <p:sldId id="1396" r:id="rId8"/>
-    <p:sldId id="1397" r:id="rId9"/>
-    <p:sldId id="1399" r:id="rId10"/>
-    <p:sldId id="1391" r:id="rId11"/>
-    <p:sldId id="1389" r:id="rId12"/>
-    <p:sldId id="1386" r:id="rId13"/>
-    <p:sldId id="1202" r:id="rId14"/>
+    <p:sldId id="1401" r:id="rId8"/>
+    <p:sldId id="1402" r:id="rId9"/>
+    <p:sldId id="1386" r:id="rId10"/>
+    <p:sldId id="1202" r:id="rId11"/>
   </p:sldIdLst>
   <p:sldSz cx="9144000" cy="6858000" type="screen4x3"/>
   <p:notesSz cx="6805613" cy="9939338"/>
   <p:custDataLst>
-    <p:tags r:id="rId17"/>
+    <p:tags r:id="rId14"/>
   </p:custDataLst>
   <p:defaultTextStyle>
     <a:defPPr>
@@ -182,6 +179,263 @@
 </p:cmAuthorLst>
 </file>
 
+<file path=ppt/revisionInfo.xml><?xml version="1.0" encoding="utf-8"?>
+<p1510:revInfo xmlns:a="http://schemas.openxmlformats.org/drawingml/2006/main" xmlns:r="http://schemas.openxmlformats.org/officeDocument/2006/relationships" xmlns:p1510="http://schemas.microsoft.com/office/powerpoint/2015/10/main">
+  <p1510:revLst>
+    <p1510:client id="{DAAED229-2DD7-4B56-A3D0-FFB6A9DF3094}" v="26" dt="2019-07-18T16:23:01.858"/>
+  </p1510:revLst>
+</p1510:revInfo>
+</file>
+
+<file path=ppt/changesInfos/changesInfo1.xml><?xml version="1.0" encoding="utf-8"?>
+<pc:chgInfo xmlns:a="http://schemas.openxmlformats.org/drawingml/2006/main" xmlns:r="http://schemas.openxmlformats.org/officeDocument/2006/relationships" xmlns:ac="http://schemas.microsoft.com/office/drawing/2013/main/command" xmlns:pc="http://schemas.microsoft.com/office/powerpoint/2013/main/command">
+  <pc:docChgLst>
+    <pc:chgData name="KimBongSang" userId="c8ee6006-c320-4749-b534-71e37e88ccdb" providerId="ADAL" clId="{DAAED229-2DD7-4B56-A3D0-FFB6A9DF3094}"/>
+    <pc:docChg chg="undo custSel addSld delSld modSld sldOrd modMainMaster">
+      <pc:chgData name="KimBongSang" userId="c8ee6006-c320-4749-b534-71e37e88ccdb" providerId="ADAL" clId="{DAAED229-2DD7-4B56-A3D0-FFB6A9DF3094}" dt="2019-07-18T16:23:55.204" v="1655" actId="6549"/>
+      <pc:docMkLst>
+        <pc:docMk/>
+      </pc:docMkLst>
+      <pc:sldChg chg="modSp">
+        <pc:chgData name="KimBongSang" userId="c8ee6006-c320-4749-b534-71e37e88ccdb" providerId="ADAL" clId="{DAAED229-2DD7-4B56-A3D0-FFB6A9DF3094}" dt="2019-07-18T16:23:55.204" v="1655" actId="6549"/>
+        <pc:sldMkLst>
+          <pc:docMk/>
+          <pc:sldMk cId="3739733913" sldId="1386"/>
+        </pc:sldMkLst>
+        <pc:spChg chg="mod">
+          <ac:chgData name="KimBongSang" userId="c8ee6006-c320-4749-b534-71e37e88ccdb" providerId="ADAL" clId="{DAAED229-2DD7-4B56-A3D0-FFB6A9DF3094}" dt="2019-07-18T16:23:10.867" v="1548" actId="6549"/>
+          <ac:spMkLst>
+            <pc:docMk/>
+            <pc:sldMk cId="3739733913" sldId="1386"/>
+            <ac:spMk id="2" creationId="{D479E31B-A679-4AE2-A74F-D35A39E82A40}"/>
+          </ac:spMkLst>
+        </pc:spChg>
+        <pc:spChg chg="mod">
+          <ac:chgData name="KimBongSang" userId="c8ee6006-c320-4749-b534-71e37e88ccdb" providerId="ADAL" clId="{DAAED229-2DD7-4B56-A3D0-FFB6A9DF3094}" dt="2019-07-18T16:23:55.204" v="1655" actId="6549"/>
+          <ac:spMkLst>
+            <pc:docMk/>
+            <pc:sldMk cId="3739733913" sldId="1386"/>
+            <ac:spMk id="3" creationId="{76A2C441-517F-450A-A437-5A34F2F7B7E1}"/>
+          </ac:spMkLst>
+        </pc:spChg>
+      </pc:sldChg>
+      <pc:sldChg chg="del">
+        <pc:chgData name="KimBongSang" userId="c8ee6006-c320-4749-b534-71e37e88ccdb" providerId="ADAL" clId="{DAAED229-2DD7-4B56-A3D0-FFB6A9DF3094}" dt="2019-07-18T16:22:48.469" v="1543" actId="2696"/>
+        <pc:sldMkLst>
+          <pc:docMk/>
+          <pc:sldMk cId="2239232316" sldId="1389"/>
+        </pc:sldMkLst>
+      </pc:sldChg>
+      <pc:sldChg chg="modSp">
+        <pc:chgData name="KimBongSang" userId="c8ee6006-c320-4749-b534-71e37e88ccdb" providerId="ADAL" clId="{DAAED229-2DD7-4B56-A3D0-FFB6A9DF3094}" dt="2019-07-18T13:45:11.030" v="5" actId="20577"/>
+        <pc:sldMkLst>
+          <pc:docMk/>
+          <pc:sldMk cId="1208485303" sldId="1390"/>
+        </pc:sldMkLst>
+        <pc:spChg chg="mod">
+          <ac:chgData name="KimBongSang" userId="c8ee6006-c320-4749-b534-71e37e88ccdb" providerId="ADAL" clId="{DAAED229-2DD7-4B56-A3D0-FFB6A9DF3094}" dt="2019-07-18T13:45:11.030" v="5" actId="20577"/>
+          <ac:spMkLst>
+            <pc:docMk/>
+            <pc:sldMk cId="1208485303" sldId="1390"/>
+            <ac:spMk id="3" creationId="{08458E5A-D904-4F83-968A-D96BD79BB32E}"/>
+          </ac:spMkLst>
+        </pc:spChg>
+      </pc:sldChg>
+      <pc:sldChg chg="del">
+        <pc:chgData name="KimBongSang" userId="c8ee6006-c320-4749-b534-71e37e88ccdb" providerId="ADAL" clId="{DAAED229-2DD7-4B56-A3D0-FFB6A9DF3094}" dt="2019-07-18T14:43:36.418" v="416" actId="2696"/>
+        <pc:sldMkLst>
+          <pc:docMk/>
+          <pc:sldMk cId="480253426" sldId="1391"/>
+        </pc:sldMkLst>
+      </pc:sldChg>
+      <pc:sldChg chg="modSp add del">
+        <pc:chgData name="KimBongSang" userId="c8ee6006-c320-4749-b534-71e37e88ccdb" providerId="ADAL" clId="{DAAED229-2DD7-4B56-A3D0-FFB6A9DF3094}" dt="2019-07-18T15:54:07.250" v="1129" actId="2696"/>
+        <pc:sldMkLst>
+          <pc:docMk/>
+          <pc:sldMk cId="3043170752" sldId="1396"/>
+        </pc:sldMkLst>
+        <pc:spChg chg="mod">
+          <ac:chgData name="KimBongSang" userId="c8ee6006-c320-4749-b534-71e37e88ccdb" providerId="ADAL" clId="{DAAED229-2DD7-4B56-A3D0-FFB6A9DF3094}" dt="2019-07-18T15:53:49.918" v="1126" actId="6549"/>
+          <ac:spMkLst>
+            <pc:docMk/>
+            <pc:sldMk cId="3043170752" sldId="1396"/>
+            <ac:spMk id="3" creationId="{FAEF7A98-5912-4F1F-8CD4-41561FCBE376}"/>
+          </ac:spMkLst>
+        </pc:spChg>
+      </pc:sldChg>
+      <pc:sldChg chg="del">
+        <pc:chgData name="KimBongSang" userId="c8ee6006-c320-4749-b534-71e37e88ccdb" providerId="ADAL" clId="{DAAED229-2DD7-4B56-A3D0-FFB6A9DF3094}" dt="2019-07-18T14:42:03.422" v="415" actId="2696"/>
+        <pc:sldMkLst>
+          <pc:docMk/>
+          <pc:sldMk cId="2080462866" sldId="1397"/>
+        </pc:sldMkLst>
+      </pc:sldChg>
+      <pc:sldChg chg="modSp">
+        <pc:chgData name="KimBongSang" userId="c8ee6006-c320-4749-b534-71e37e88ccdb" providerId="ADAL" clId="{DAAED229-2DD7-4B56-A3D0-FFB6A9DF3094}" dt="2019-07-18T13:45:04.681" v="0"/>
+        <pc:sldMkLst>
+          <pc:docMk/>
+          <pc:sldMk cId="3443461438" sldId="1398"/>
+        </pc:sldMkLst>
+        <pc:spChg chg="mod">
+          <ac:chgData name="KimBongSang" userId="c8ee6006-c320-4749-b534-71e37e88ccdb" providerId="ADAL" clId="{DAAED229-2DD7-4B56-A3D0-FFB6A9DF3094}" dt="2019-07-18T13:45:04.681" v="0"/>
+          <ac:spMkLst>
+            <pc:docMk/>
+            <pc:sldMk cId="3443461438" sldId="1398"/>
+            <ac:spMk id="3" creationId="{08458E5A-D904-4F83-968A-D96BD79BB32E}"/>
+          </ac:spMkLst>
+        </pc:spChg>
+      </pc:sldChg>
+      <pc:sldChg chg="modSp del">
+        <pc:chgData name="KimBongSang" userId="c8ee6006-c320-4749-b534-71e37e88ccdb" providerId="ADAL" clId="{DAAED229-2DD7-4B56-A3D0-FFB6A9DF3094}" dt="2019-07-18T16:23:03.813" v="1547" actId="2696"/>
+        <pc:sldMkLst>
+          <pc:docMk/>
+          <pc:sldMk cId="2061944708" sldId="1399"/>
+        </pc:sldMkLst>
+        <pc:spChg chg="mod">
+          <ac:chgData name="KimBongSang" userId="c8ee6006-c320-4749-b534-71e37e88ccdb" providerId="ADAL" clId="{DAAED229-2DD7-4B56-A3D0-FFB6A9DF3094}" dt="2019-07-18T16:22:59.198" v="1544"/>
+          <ac:spMkLst>
+            <pc:docMk/>
+            <pc:sldMk cId="2061944708" sldId="1399"/>
+            <ac:spMk id="3" creationId="{08458E5A-D904-4F83-968A-D96BD79BB32E}"/>
+          </ac:spMkLst>
+        </pc:spChg>
+      </pc:sldChg>
+      <pc:sldChg chg="delSp modSp ord">
+        <pc:chgData name="KimBongSang" userId="c8ee6006-c320-4749-b534-71e37e88ccdb" providerId="ADAL" clId="{DAAED229-2DD7-4B56-A3D0-FFB6A9DF3094}" dt="2019-07-18T16:22:39.050" v="1542"/>
+        <pc:sldMkLst>
+          <pc:docMk/>
+          <pc:sldMk cId="465659987" sldId="1400"/>
+        </pc:sldMkLst>
+        <pc:spChg chg="mod">
+          <ac:chgData name="KimBongSang" userId="c8ee6006-c320-4749-b534-71e37e88ccdb" providerId="ADAL" clId="{DAAED229-2DD7-4B56-A3D0-FFB6A9DF3094}" dt="2019-07-18T16:22:03.766" v="1540"/>
+          <ac:spMkLst>
+            <pc:docMk/>
+            <pc:sldMk cId="465659987" sldId="1400"/>
+            <ac:spMk id="3" creationId="{08458E5A-D904-4F83-968A-D96BD79BB32E}"/>
+          </ac:spMkLst>
+        </pc:spChg>
+        <pc:spChg chg="del">
+          <ac:chgData name="KimBongSang" userId="c8ee6006-c320-4749-b534-71e37e88ccdb" providerId="ADAL" clId="{DAAED229-2DD7-4B56-A3D0-FFB6A9DF3094}" dt="2019-07-18T13:45:20.747" v="9" actId="478"/>
+          <ac:spMkLst>
+            <pc:docMk/>
+            <pc:sldMk cId="465659987" sldId="1400"/>
+            <ac:spMk id="4" creationId="{4676BBAF-C155-4B5D-AB58-75072E796C53}"/>
+          </ac:spMkLst>
+        </pc:spChg>
+        <pc:spChg chg="del">
+          <ac:chgData name="KimBongSang" userId="c8ee6006-c320-4749-b534-71e37e88ccdb" providerId="ADAL" clId="{DAAED229-2DD7-4B56-A3D0-FFB6A9DF3094}" dt="2019-07-18T13:45:22.446" v="10" actId="478"/>
+          <ac:spMkLst>
+            <pc:docMk/>
+            <pc:sldMk cId="465659987" sldId="1400"/>
+            <ac:spMk id="5" creationId="{5ED103EF-2EDA-48F2-A423-BB360D8800B1}"/>
+          </ac:spMkLst>
+        </pc:spChg>
+        <pc:spChg chg="del">
+          <ac:chgData name="KimBongSang" userId="c8ee6006-c320-4749-b534-71e37e88ccdb" providerId="ADAL" clId="{DAAED229-2DD7-4B56-A3D0-FFB6A9DF3094}" dt="2019-07-18T13:45:20.101" v="8" actId="478"/>
+          <ac:spMkLst>
+            <pc:docMk/>
+            <pc:sldMk cId="465659987" sldId="1400"/>
+            <ac:spMk id="6" creationId="{8E02C415-5B12-45F8-9B88-917F244F3F31}"/>
+          </ac:spMkLst>
+        </pc:spChg>
+        <pc:spChg chg="del">
+          <ac:chgData name="KimBongSang" userId="c8ee6006-c320-4749-b534-71e37e88ccdb" providerId="ADAL" clId="{DAAED229-2DD7-4B56-A3D0-FFB6A9DF3094}" dt="2019-07-18T13:45:19.421" v="7" actId="478"/>
+          <ac:spMkLst>
+            <pc:docMk/>
+            <pc:sldMk cId="465659987" sldId="1400"/>
+            <ac:spMk id="7" creationId="{BC42C601-FD6E-420F-891F-7DEE47B5AD97}"/>
+          </ac:spMkLst>
+        </pc:spChg>
+      </pc:sldChg>
+      <pc:sldChg chg="addSp delSp modSp add">
+        <pc:chgData name="KimBongSang" userId="c8ee6006-c320-4749-b534-71e37e88ccdb" providerId="ADAL" clId="{DAAED229-2DD7-4B56-A3D0-FFB6A9DF3094}" dt="2019-07-18T15:53:45.392" v="1125" actId="20577"/>
+        <pc:sldMkLst>
+          <pc:docMk/>
+          <pc:sldMk cId="2602252885" sldId="1401"/>
+        </pc:sldMkLst>
+        <pc:spChg chg="mod">
+          <ac:chgData name="KimBongSang" userId="c8ee6006-c320-4749-b534-71e37e88ccdb" providerId="ADAL" clId="{DAAED229-2DD7-4B56-A3D0-FFB6A9DF3094}" dt="2019-07-18T13:55:03.094" v="38" actId="20577"/>
+          <ac:spMkLst>
+            <pc:docMk/>
+            <pc:sldMk cId="2602252885" sldId="1401"/>
+            <ac:spMk id="2" creationId="{2FC832C6-B966-497F-A5E0-588C4BED0E2F}"/>
+          </ac:spMkLst>
+        </pc:spChg>
+        <pc:spChg chg="mod">
+          <ac:chgData name="KimBongSang" userId="c8ee6006-c320-4749-b534-71e37e88ccdb" providerId="ADAL" clId="{DAAED229-2DD7-4B56-A3D0-FFB6A9DF3094}" dt="2019-07-18T15:53:45.392" v="1125" actId="20577"/>
+          <ac:spMkLst>
+            <pc:docMk/>
+            <pc:sldMk cId="2602252885" sldId="1401"/>
+            <ac:spMk id="3" creationId="{FAEF7A98-5912-4F1F-8CD4-41561FCBE376}"/>
+          </ac:spMkLst>
+        </pc:spChg>
+        <pc:graphicFrameChg chg="add del mod">
+          <ac:chgData name="KimBongSang" userId="c8ee6006-c320-4749-b534-71e37e88ccdb" providerId="ADAL" clId="{DAAED229-2DD7-4B56-A3D0-FFB6A9DF3094}" dt="2019-07-18T14:01:40.539" v="40" actId="478"/>
+          <ac:graphicFrameMkLst>
+            <pc:docMk/>
+            <pc:sldMk cId="2602252885" sldId="1401"/>
+            <ac:graphicFrameMk id="4" creationId="{0EA81C68-E4E4-4FD6-9048-D417BF51E41C}"/>
+          </ac:graphicFrameMkLst>
+        </pc:graphicFrameChg>
+      </pc:sldChg>
+      <pc:sldChg chg="add del">
+        <pc:chgData name="KimBongSang" userId="c8ee6006-c320-4749-b534-71e37e88ccdb" providerId="ADAL" clId="{DAAED229-2DD7-4B56-A3D0-FFB6A9DF3094}" dt="2019-07-18T14:23:47.170" v="307" actId="2696"/>
+        <pc:sldMkLst>
+          <pc:docMk/>
+          <pc:sldMk cId="443216746" sldId="1402"/>
+        </pc:sldMkLst>
+      </pc:sldChg>
+      <pc:sldChg chg="modSp add">
+        <pc:chgData name="KimBongSang" userId="c8ee6006-c320-4749-b534-71e37e88ccdb" providerId="ADAL" clId="{DAAED229-2DD7-4B56-A3D0-FFB6A9DF3094}" dt="2019-07-18T16:21:25.628" v="1531" actId="20577"/>
+        <pc:sldMkLst>
+          <pc:docMk/>
+          <pc:sldMk cId="1679403011" sldId="1402"/>
+        </pc:sldMkLst>
+        <pc:spChg chg="mod">
+          <ac:chgData name="KimBongSang" userId="c8ee6006-c320-4749-b534-71e37e88ccdb" providerId="ADAL" clId="{DAAED229-2DD7-4B56-A3D0-FFB6A9DF3094}" dt="2019-07-18T16:21:25.628" v="1531" actId="20577"/>
+          <ac:spMkLst>
+            <pc:docMk/>
+            <pc:sldMk cId="1679403011" sldId="1402"/>
+            <ac:spMk id="3" creationId="{FAEF7A98-5912-4F1F-8CD4-41561FCBE376}"/>
+          </ac:spMkLst>
+        </pc:spChg>
+      </pc:sldChg>
+      <pc:sldChg chg="add del">
+        <pc:chgData name="KimBongSang" userId="c8ee6006-c320-4749-b534-71e37e88ccdb" providerId="ADAL" clId="{DAAED229-2DD7-4B56-A3D0-FFB6A9DF3094}" dt="2019-07-18T15:53:13.929" v="1118" actId="2696"/>
+        <pc:sldMkLst>
+          <pc:docMk/>
+          <pc:sldMk cId="1757710328" sldId="1403"/>
+        </pc:sldMkLst>
+      </pc:sldChg>
+      <pc:sldMasterChg chg="modSldLayout">
+        <pc:chgData name="KimBongSang" userId="c8ee6006-c320-4749-b534-71e37e88ccdb" providerId="ADAL" clId="{DAAED229-2DD7-4B56-A3D0-FFB6A9DF3094}" dt="2019-07-18T14:24:52.366" v="313" actId="207"/>
+        <pc:sldMasterMkLst>
+          <pc:docMk/>
+          <pc:sldMasterMk cId="2261891556" sldId="2147483648"/>
+        </pc:sldMasterMkLst>
+        <pc:sldLayoutChg chg="modSp">
+          <pc:chgData name="KimBongSang" userId="c8ee6006-c320-4749-b534-71e37e88ccdb" providerId="ADAL" clId="{DAAED229-2DD7-4B56-A3D0-FFB6A9DF3094}" dt="2019-07-18T14:24:52.366" v="313" actId="207"/>
+          <pc:sldLayoutMkLst>
+            <pc:docMk/>
+            <pc:sldMasterMk cId="2261891556" sldId="2147483648"/>
+            <pc:sldLayoutMk cId="440983218" sldId="2147483650"/>
+          </pc:sldLayoutMkLst>
+          <pc:spChg chg="mod">
+            <ac:chgData name="KimBongSang" userId="c8ee6006-c320-4749-b534-71e37e88ccdb" providerId="ADAL" clId="{DAAED229-2DD7-4B56-A3D0-FFB6A9DF3094}" dt="2019-07-18T14:24:52.366" v="313" actId="207"/>
+            <ac:spMkLst>
+              <pc:docMk/>
+              <pc:sldMasterMk cId="2261891556" sldId="2147483648"/>
+              <pc:sldLayoutMk cId="440983218" sldId="2147483650"/>
+              <ac:spMk id="3" creationId="{00000000-0000-0000-0000-000000000000}"/>
+            </ac:spMkLst>
+          </pc:spChg>
+        </pc:sldLayoutChg>
+      </pc:sldMasterChg>
+    </pc:docChg>
+  </pc:docChgLst>
+</pc:chgInfo>
+</file>
+
 <file path=ppt/handoutMasters/handoutMaster1.xml><?xml version="1.0" encoding="utf-8"?>
 <p:handoutMaster xmlns:a="http://schemas.openxmlformats.org/drawingml/2006/main" xmlns:r="http://schemas.openxmlformats.org/officeDocument/2006/relationships" xmlns:p="http://schemas.openxmlformats.org/presentationml/2006/main">
   <p:cSld>
@@ -1024,7 +1278,7 @@
     </p:spTree>
     <p:extLst>
       <p:ext uri="{BB962C8B-B14F-4D97-AF65-F5344CB8AC3E}">
-        <p14:creationId xmlns:p14="http://schemas.microsoft.com/office/powerpoint/2010/main" val="2884592428"/>
+        <p14:creationId xmlns:p14="http://schemas.microsoft.com/office/powerpoint/2010/main" val="1858787133"/>
       </p:ext>
     </p:extLst>
   </p:cSld>
@@ -1108,259 +1362,7 @@
     </p:spTree>
     <p:extLst>
       <p:ext uri="{BB962C8B-B14F-4D97-AF65-F5344CB8AC3E}">
-        <p14:creationId xmlns:p14="http://schemas.microsoft.com/office/powerpoint/2010/main" val="1858787133"/>
-      </p:ext>
-    </p:extLst>
-  </p:cSld>
-  <p:clrMapOvr>
-    <a:masterClrMapping/>
-  </p:clrMapOvr>
-</p:notes>
-</file>
-
-<file path=ppt/notesSlides/notesSlide6.xml><?xml version="1.0" encoding="utf-8"?>
-<p:notes xmlns:a="http://schemas.openxmlformats.org/drawingml/2006/main" xmlns:r="http://schemas.openxmlformats.org/officeDocument/2006/relationships" xmlns:p="http://schemas.openxmlformats.org/presentationml/2006/main">
-  <p:cSld>
-    <p:spTree>
-      <p:nvGrpSpPr>
-        <p:cNvPr id="1" name=""/>
-        <p:cNvGrpSpPr/>
-        <p:nvPr/>
-      </p:nvGrpSpPr>
-      <p:grpSpPr>
-        <a:xfrm>
-          <a:off x="0" y="0"/>
-          <a:ext cx="0" cy="0"/>
-          <a:chOff x="0" y="0"/>
-          <a:chExt cx="0" cy="0"/>
-        </a:xfrm>
-      </p:grpSpPr>
-      <p:sp>
-        <p:nvSpPr>
-          <p:cNvPr id="2" name="슬라이드 이미지 개체 틀 1"/>
-          <p:cNvSpPr>
-            <a:spLocks noGrp="1" noRot="1" noChangeAspect="1"/>
-          </p:cNvSpPr>
-          <p:nvPr>
-            <p:ph type="sldImg"/>
-          </p:nvPr>
-        </p:nvSpPr>
-        <p:spPr/>
-      </p:sp>
-      <p:sp>
-        <p:nvSpPr>
-          <p:cNvPr id="3" name="슬라이드 노트 개체 틀 2"/>
-          <p:cNvSpPr>
-            <a:spLocks noGrp="1"/>
-          </p:cNvSpPr>
-          <p:nvPr>
-            <p:ph type="body" idx="1"/>
-          </p:nvPr>
-        </p:nvSpPr>
-        <p:spPr/>
-        <p:txBody>
-          <a:bodyPr/>
-          <a:lstStyle/>
-          <a:p>
-            <a:endParaRPr lang="ko-KR" altLang="en-US" dirty="0"/>
-          </a:p>
-        </p:txBody>
-      </p:sp>
-      <p:sp>
-        <p:nvSpPr>
-          <p:cNvPr id="4" name="슬라이드 번호 개체 틀 3"/>
-          <p:cNvSpPr>
-            <a:spLocks noGrp="1"/>
-          </p:cNvSpPr>
-          <p:nvPr>
-            <p:ph type="sldNum" sz="quarter" idx="10"/>
-          </p:nvPr>
-        </p:nvSpPr>
-        <p:spPr/>
-        <p:txBody>
-          <a:bodyPr/>
-          <a:lstStyle/>
-          <a:p>
-            <a:fld id="{B98F8F32-8FB8-B84B-82B3-E896E2106CA1}" type="slidenum">
-              <a:rPr lang="en-US" smtClean="0"/>
-              <a:t>9</a:t>
-            </a:fld>
-            <a:endParaRPr lang="en-US" dirty="0"/>
-          </a:p>
-        </p:txBody>
-      </p:sp>
-    </p:spTree>
-    <p:extLst>
-      <p:ext uri="{BB962C8B-B14F-4D97-AF65-F5344CB8AC3E}">
-        <p14:creationId xmlns:p14="http://schemas.microsoft.com/office/powerpoint/2010/main" val="956800287"/>
-      </p:ext>
-    </p:extLst>
-  </p:cSld>
-  <p:clrMapOvr>
-    <a:masterClrMapping/>
-  </p:clrMapOvr>
-</p:notes>
-</file>
-
-<file path=ppt/notesSlides/notesSlide7.xml><?xml version="1.0" encoding="utf-8"?>
-<p:notes xmlns:a="http://schemas.openxmlformats.org/drawingml/2006/main" xmlns:r="http://schemas.openxmlformats.org/officeDocument/2006/relationships" xmlns:p="http://schemas.openxmlformats.org/presentationml/2006/main">
-  <p:cSld>
-    <p:spTree>
-      <p:nvGrpSpPr>
-        <p:cNvPr id="1" name=""/>
-        <p:cNvGrpSpPr/>
-        <p:nvPr/>
-      </p:nvGrpSpPr>
-      <p:grpSpPr>
-        <a:xfrm>
-          <a:off x="0" y="0"/>
-          <a:ext cx="0" cy="0"/>
-          <a:chOff x="0" y="0"/>
-          <a:chExt cx="0" cy="0"/>
-        </a:xfrm>
-      </p:grpSpPr>
-      <p:sp>
-        <p:nvSpPr>
-          <p:cNvPr id="2" name="슬라이드 이미지 개체 틀 1"/>
-          <p:cNvSpPr>
-            <a:spLocks noGrp="1" noRot="1" noChangeAspect="1"/>
-          </p:cNvSpPr>
-          <p:nvPr>
-            <p:ph type="sldImg"/>
-          </p:nvPr>
-        </p:nvSpPr>
-        <p:spPr/>
-      </p:sp>
-      <p:sp>
-        <p:nvSpPr>
-          <p:cNvPr id="3" name="슬라이드 노트 개체 틀 2"/>
-          <p:cNvSpPr>
-            <a:spLocks noGrp="1"/>
-          </p:cNvSpPr>
-          <p:nvPr>
-            <p:ph type="body" idx="1"/>
-          </p:nvPr>
-        </p:nvSpPr>
-        <p:spPr/>
-        <p:txBody>
-          <a:bodyPr/>
-          <a:lstStyle/>
-          <a:p>
-            <a:endParaRPr lang="ko-KR" altLang="en-US" dirty="0"/>
-          </a:p>
-        </p:txBody>
-      </p:sp>
-      <p:sp>
-        <p:nvSpPr>
-          <p:cNvPr id="4" name="슬라이드 번호 개체 틀 3"/>
-          <p:cNvSpPr>
-            <a:spLocks noGrp="1"/>
-          </p:cNvSpPr>
-          <p:nvPr>
-            <p:ph type="sldNum" sz="quarter" idx="10"/>
-          </p:nvPr>
-        </p:nvSpPr>
-        <p:spPr/>
-        <p:txBody>
-          <a:bodyPr/>
-          <a:lstStyle/>
-          <a:p>
-            <a:fld id="{B98F8F32-8FB8-B84B-82B3-E896E2106CA1}" type="slidenum">
-              <a:rPr lang="en-US" smtClean="0"/>
-              <a:t>10</a:t>
-            </a:fld>
-            <a:endParaRPr lang="en-US" dirty="0"/>
-          </a:p>
-        </p:txBody>
-      </p:sp>
-    </p:spTree>
-    <p:extLst>
-      <p:ext uri="{BB962C8B-B14F-4D97-AF65-F5344CB8AC3E}">
-        <p14:creationId xmlns:p14="http://schemas.microsoft.com/office/powerpoint/2010/main" val="1321410617"/>
-      </p:ext>
-    </p:extLst>
-  </p:cSld>
-  <p:clrMapOvr>
-    <a:masterClrMapping/>
-  </p:clrMapOvr>
-</p:notes>
-</file>
-
-<file path=ppt/notesSlides/notesSlide8.xml><?xml version="1.0" encoding="utf-8"?>
-<p:notes xmlns:a="http://schemas.openxmlformats.org/drawingml/2006/main" xmlns:r="http://schemas.openxmlformats.org/officeDocument/2006/relationships" xmlns:p="http://schemas.openxmlformats.org/presentationml/2006/main">
-  <p:cSld>
-    <p:spTree>
-      <p:nvGrpSpPr>
-        <p:cNvPr id="1" name=""/>
-        <p:cNvGrpSpPr/>
-        <p:nvPr/>
-      </p:nvGrpSpPr>
-      <p:grpSpPr>
-        <a:xfrm>
-          <a:off x="0" y="0"/>
-          <a:ext cx="0" cy="0"/>
-          <a:chOff x="0" y="0"/>
-          <a:chExt cx="0" cy="0"/>
-        </a:xfrm>
-      </p:grpSpPr>
-      <p:sp>
-        <p:nvSpPr>
-          <p:cNvPr id="2" name="슬라이드 이미지 개체 틀 1"/>
-          <p:cNvSpPr>
-            <a:spLocks noGrp="1" noRot="1" noChangeAspect="1"/>
-          </p:cNvSpPr>
-          <p:nvPr>
-            <p:ph type="sldImg"/>
-          </p:nvPr>
-        </p:nvSpPr>
-        <p:spPr/>
-      </p:sp>
-      <p:sp>
-        <p:nvSpPr>
-          <p:cNvPr id="3" name="슬라이드 노트 개체 틀 2"/>
-          <p:cNvSpPr>
-            <a:spLocks noGrp="1"/>
-          </p:cNvSpPr>
-          <p:nvPr>
-            <p:ph type="body" idx="1"/>
-          </p:nvPr>
-        </p:nvSpPr>
-        <p:spPr/>
-        <p:txBody>
-          <a:bodyPr/>
-          <a:lstStyle/>
-          <a:p>
-            <a:endParaRPr lang="ko-KR" altLang="en-US" dirty="0"/>
-          </a:p>
-        </p:txBody>
-      </p:sp>
-      <p:sp>
-        <p:nvSpPr>
-          <p:cNvPr id="4" name="슬라이드 번호 개체 틀 3"/>
-          <p:cNvSpPr>
-            <a:spLocks noGrp="1"/>
-          </p:cNvSpPr>
-          <p:nvPr>
-            <p:ph type="sldNum" sz="quarter" idx="10"/>
-          </p:nvPr>
-        </p:nvSpPr>
-        <p:spPr/>
-        <p:txBody>
-          <a:bodyPr/>
-          <a:lstStyle/>
-          <a:p>
-            <a:fld id="{B98F8F32-8FB8-B84B-82B3-E896E2106CA1}" type="slidenum">
-              <a:rPr lang="en-US" smtClean="0"/>
-              <a:t>11</a:t>
-            </a:fld>
-            <a:endParaRPr lang="en-US" dirty="0"/>
-          </a:p>
-        </p:txBody>
-      </p:sp>
-    </p:spTree>
-    <p:extLst>
-      <p:ext uri="{BB962C8B-B14F-4D97-AF65-F5344CB8AC3E}">
-        <p14:creationId xmlns:p14="http://schemas.microsoft.com/office/powerpoint/2010/main" val="3537665558"/>
+        <p14:creationId xmlns:p14="http://schemas.microsoft.com/office/powerpoint/2010/main" val="2884592428"/>
       </p:ext>
     </p:extLst>
   </p:cSld>
@@ -2133,44 +2135,75 @@
               <a:spcBef>
                 <a:spcPts val="800"/>
               </a:spcBef>
-              <a:defRPr/>
+              <a:defRPr>
+                <a:solidFill>
+                  <a:schemeClr val="tx1"/>
+                </a:solidFill>
+              </a:defRPr>
             </a:lvl1pPr>
+            <a:lvl2pPr>
+              <a:defRPr>
+                <a:solidFill>
+                  <a:schemeClr val="tx1"/>
+                </a:solidFill>
+              </a:defRPr>
+            </a:lvl2pPr>
+            <a:lvl3pPr>
+              <a:defRPr>
+                <a:solidFill>
+                  <a:schemeClr val="tx1"/>
+                </a:solidFill>
+              </a:defRPr>
+            </a:lvl3pPr>
+            <a:lvl4pPr>
+              <a:defRPr>
+                <a:solidFill>
+                  <a:schemeClr val="tx1"/>
+                </a:solidFill>
+              </a:defRPr>
+            </a:lvl4pPr>
+            <a:lvl5pPr>
+              <a:defRPr>
+                <a:solidFill>
+                  <a:schemeClr val="tx1"/>
+                </a:solidFill>
+              </a:defRPr>
+            </a:lvl5pPr>
           </a:lstStyle>
           <a:p>
             <a:pPr lvl="0"/>
             <a:r>
-              <a:rPr lang="en-US"/>
+              <a:rPr lang="en-US" dirty="0"/>
               <a:t>Click to edit Master text styles</a:t>
             </a:r>
           </a:p>
           <a:p>
             <a:pPr lvl="1"/>
             <a:r>
-              <a:rPr lang="en-US"/>
+              <a:rPr lang="en-US" dirty="0"/>
               <a:t>Second level</a:t>
             </a:r>
           </a:p>
           <a:p>
             <a:pPr lvl="2"/>
             <a:r>
-              <a:rPr lang="en-US"/>
+              <a:rPr lang="en-US" dirty="0"/>
               <a:t>Third level</a:t>
             </a:r>
           </a:p>
           <a:p>
             <a:pPr lvl="3"/>
             <a:r>
-              <a:rPr lang="en-US"/>
+              <a:rPr lang="en-US" dirty="0"/>
               <a:t>Fourth level</a:t>
             </a:r>
           </a:p>
           <a:p>
             <a:pPr lvl="4"/>
             <a:r>
-              <a:rPr lang="en-US"/>
+              <a:rPr lang="en-US" dirty="0"/>
               <a:t>Fifth level</a:t>
             </a:r>
-            <a:endParaRPr lang="en-US" dirty="0"/>
           </a:p>
         </p:txBody>
       </p:sp>
@@ -4402,6 +4435,323 @@
       </p:grpSpPr>
       <p:sp>
         <p:nvSpPr>
+          <p:cNvPr id="7" name="Title 4"/>
+          <p:cNvSpPr>
+            <a:spLocks noGrp="1"/>
+          </p:cNvSpPr>
+          <p:nvPr>
+            <p:ph type="title"/>
+          </p:nvPr>
+        </p:nvSpPr>
+        <p:spPr>
+          <a:effectLst>
+            <a:outerShdw blurRad="50800" dist="38100" dir="2700000" algn="tl" rotWithShape="0">
+              <a:prstClr val="black">
+                <a:alpha val="40000"/>
+              </a:prstClr>
+            </a:outerShdw>
+          </a:effectLst>
+        </p:spPr>
+        <p:txBody>
+          <a:bodyPr/>
+          <a:lstStyle/>
+          <a:p>
+            <a:pPr>
+              <a:defRPr/>
+            </a:pPr>
+            <a:r>
+              <a:rPr lang="en-US" b="0" dirty="0"/>
+              <a:t>Thank you</a:t>
+            </a:r>
+          </a:p>
+        </p:txBody>
+      </p:sp>
+      <p:sp>
+        <p:nvSpPr>
+          <p:cNvPr id="3" name="Text Placeholder 2"/>
+          <p:cNvSpPr>
+            <a:spLocks noGrp="1"/>
+          </p:cNvSpPr>
+          <p:nvPr>
+            <p:ph type="body" idx="1"/>
+          </p:nvPr>
+        </p:nvSpPr>
+        <p:spPr/>
+        <p:txBody>
+          <a:bodyPr/>
+          <a:lstStyle/>
+          <a:p>
+            <a:pPr>
+              <a:defRPr/>
+            </a:pPr>
+            <a:r>
+              <a:rPr lang="en-US" dirty="0"/>
+              <a:t>Any Questions? </a:t>
+            </a:r>
+          </a:p>
+        </p:txBody>
+      </p:sp>
+      <p:sp>
+        <p:nvSpPr>
+          <p:cNvPr id="10" name="Text Placeholder 2"/>
+          <p:cNvSpPr txBox="1">
+            <a:spLocks/>
+          </p:cNvSpPr>
+          <p:nvPr/>
+        </p:nvSpPr>
+        <p:spPr bwMode="auto">
+          <a:xfrm>
+            <a:off x="750888" y="4005263"/>
+            <a:ext cx="7772400" cy="1500187"/>
+          </a:xfrm>
+          <a:prstGeom prst="rect">
+            <a:avLst/>
+          </a:prstGeom>
+          <a:noFill/>
+          <a:ln>
+            <a:noFill/>
+          </a:ln>
+          <a:extLst>
+            <a:ext uri="{909E8E84-426E-40DD-AFC4-6F175D3DCCD1}">
+              <a14:hiddenFill xmlns:a14="http://schemas.microsoft.com/office/drawing/2010/main">
+                <a:solidFill>
+                  <a:srgbClr val="FFFFFF"/>
+                </a:solidFill>
+              </a14:hiddenFill>
+            </a:ext>
+            <a:ext uri="{91240B29-F687-4F45-9708-019B960494DF}">
+              <a14:hiddenLine xmlns:a14="http://schemas.microsoft.com/office/drawing/2010/main" w="9525">
+                <a:solidFill>
+                  <a:srgbClr val="000000"/>
+                </a:solidFill>
+                <a:miter lim="800000"/>
+                <a:headEnd/>
+                <a:tailEnd/>
+              </a14:hiddenLine>
+            </a:ext>
+            <a:ext uri="{FAA26D3D-D897-4be2-8F04-BA451C77F1D7}">
+              <ma14:placeholderFlag xmlns:ma14="http://schemas.microsoft.com/office/mac/drawingml/2011/main" xmlns="" val="1"/>
+            </a:ext>
+          </a:extLst>
+        </p:spPr>
+        <p:txBody>
+          <a:bodyPr anchor="b"/>
+          <a:lstStyle>
+            <a:lvl1pPr marL="0" indent="0" algn="l" defTabSz="457200" rtl="0" eaLnBrk="0" fontAlgn="base" hangingPunct="0">
+              <a:spcBef>
+                <a:spcPct val="20000"/>
+              </a:spcBef>
+              <a:spcAft>
+                <a:spcPct val="0"/>
+              </a:spcAft>
+              <a:buFont typeface="Arial" charset="0"/>
+              <a:buNone/>
+              <a:defRPr sz="2000" kern="1200">
+                <a:solidFill>
+                  <a:schemeClr val="tx1">
+                    <a:tint val="75000"/>
+                  </a:schemeClr>
+                </a:solidFill>
+                <a:latin typeface="+mn-lt"/>
+                <a:ea typeface="ＭＳ Ｐゴシック" pitchFamily="-112" charset="-128"/>
+                <a:cs typeface="ＭＳ Ｐゴシック" pitchFamily="-112" charset="-128"/>
+              </a:defRPr>
+            </a:lvl1pPr>
+            <a:lvl2pPr marL="457200" indent="0" algn="l" defTabSz="457200" rtl="0" eaLnBrk="0" fontAlgn="base" hangingPunct="0">
+              <a:spcBef>
+                <a:spcPct val="20000"/>
+              </a:spcBef>
+              <a:spcAft>
+                <a:spcPct val="0"/>
+              </a:spcAft>
+              <a:buFont typeface="Arial" charset="0"/>
+              <a:buNone/>
+              <a:defRPr sz="1800" kern="1200">
+                <a:solidFill>
+                  <a:schemeClr val="tx1">
+                    <a:tint val="75000"/>
+                  </a:schemeClr>
+                </a:solidFill>
+                <a:latin typeface="+mn-lt"/>
+                <a:ea typeface="ＭＳ Ｐゴシック" pitchFamily="-112" charset="-128"/>
+                <a:cs typeface="+mn-cs"/>
+              </a:defRPr>
+            </a:lvl2pPr>
+            <a:lvl3pPr marL="914400" indent="0" algn="l" defTabSz="457200" rtl="0" eaLnBrk="0" fontAlgn="base" hangingPunct="0">
+              <a:spcBef>
+                <a:spcPct val="20000"/>
+              </a:spcBef>
+              <a:spcAft>
+                <a:spcPct val="0"/>
+              </a:spcAft>
+              <a:buFont typeface="Arial" charset="0"/>
+              <a:buNone/>
+              <a:defRPr sz="1600" kern="1200">
+                <a:solidFill>
+                  <a:schemeClr val="tx1">
+                    <a:tint val="75000"/>
+                  </a:schemeClr>
+                </a:solidFill>
+                <a:latin typeface="+mn-lt"/>
+                <a:ea typeface="ＭＳ Ｐゴシック" pitchFamily="-112" charset="-128"/>
+                <a:cs typeface="+mn-cs"/>
+              </a:defRPr>
+            </a:lvl3pPr>
+            <a:lvl4pPr marL="1371600" indent="0" algn="l" defTabSz="457200" rtl="0" eaLnBrk="0" fontAlgn="base" hangingPunct="0">
+              <a:spcBef>
+                <a:spcPct val="20000"/>
+              </a:spcBef>
+              <a:spcAft>
+                <a:spcPct val="0"/>
+              </a:spcAft>
+              <a:buFont typeface="Arial" charset="0"/>
+              <a:buNone/>
+              <a:defRPr sz="1400" kern="1200">
+                <a:solidFill>
+                  <a:schemeClr val="tx1">
+                    <a:tint val="75000"/>
+                  </a:schemeClr>
+                </a:solidFill>
+                <a:latin typeface="+mn-lt"/>
+                <a:ea typeface="ＭＳ Ｐゴシック" pitchFamily="-112" charset="-128"/>
+                <a:cs typeface="+mn-cs"/>
+              </a:defRPr>
+            </a:lvl4pPr>
+            <a:lvl5pPr marL="1828800" indent="0" algn="l" defTabSz="457200" rtl="0" eaLnBrk="0" fontAlgn="base" hangingPunct="0">
+              <a:spcBef>
+                <a:spcPct val="20000"/>
+              </a:spcBef>
+              <a:spcAft>
+                <a:spcPct val="0"/>
+              </a:spcAft>
+              <a:buFont typeface="Arial" charset="0"/>
+              <a:buNone/>
+              <a:defRPr sz="1400" kern="1200">
+                <a:solidFill>
+                  <a:schemeClr val="tx1">
+                    <a:tint val="75000"/>
+                  </a:schemeClr>
+                </a:solidFill>
+                <a:latin typeface="+mn-lt"/>
+                <a:ea typeface="ＭＳ Ｐゴシック" pitchFamily="-112" charset="-128"/>
+                <a:cs typeface="+mn-cs"/>
+              </a:defRPr>
+            </a:lvl5pPr>
+            <a:lvl6pPr marL="2286000" indent="0" algn="l" defTabSz="457200" rtl="0" eaLnBrk="1" latinLnBrk="0" hangingPunct="1">
+              <a:spcBef>
+                <a:spcPct val="20000"/>
+              </a:spcBef>
+              <a:buFont typeface="Arial"/>
+              <a:buNone/>
+              <a:defRPr sz="1400" kern="1200">
+                <a:solidFill>
+                  <a:schemeClr val="tx1">
+                    <a:tint val="75000"/>
+                  </a:schemeClr>
+                </a:solidFill>
+                <a:latin typeface="+mn-lt"/>
+                <a:ea typeface="+mn-ea"/>
+                <a:cs typeface="+mn-cs"/>
+              </a:defRPr>
+            </a:lvl6pPr>
+            <a:lvl7pPr marL="2743200" indent="0" algn="l" defTabSz="457200" rtl="0" eaLnBrk="1" latinLnBrk="0" hangingPunct="1">
+              <a:spcBef>
+                <a:spcPct val="20000"/>
+              </a:spcBef>
+              <a:buFont typeface="Arial"/>
+              <a:buNone/>
+              <a:defRPr sz="1400" kern="1200">
+                <a:solidFill>
+                  <a:schemeClr val="tx1">
+                    <a:tint val="75000"/>
+                  </a:schemeClr>
+                </a:solidFill>
+                <a:latin typeface="+mn-lt"/>
+                <a:ea typeface="+mn-ea"/>
+                <a:cs typeface="+mn-cs"/>
+              </a:defRPr>
+            </a:lvl7pPr>
+            <a:lvl8pPr marL="3200400" indent="0" algn="l" defTabSz="457200" rtl="0" eaLnBrk="1" latinLnBrk="0" hangingPunct="1">
+              <a:spcBef>
+                <a:spcPct val="20000"/>
+              </a:spcBef>
+              <a:buFont typeface="Arial"/>
+              <a:buNone/>
+              <a:defRPr sz="1400" kern="1200">
+                <a:solidFill>
+                  <a:schemeClr val="tx1">
+                    <a:tint val="75000"/>
+                  </a:schemeClr>
+                </a:solidFill>
+                <a:latin typeface="+mn-lt"/>
+                <a:ea typeface="+mn-ea"/>
+                <a:cs typeface="+mn-cs"/>
+              </a:defRPr>
+            </a:lvl8pPr>
+            <a:lvl9pPr marL="3657600" indent="0" algn="l" defTabSz="457200" rtl="0" eaLnBrk="1" latinLnBrk="0" hangingPunct="1">
+              <a:spcBef>
+                <a:spcPct val="20000"/>
+              </a:spcBef>
+              <a:buFont typeface="Arial"/>
+              <a:buNone/>
+              <a:defRPr sz="1400" kern="1200">
+                <a:solidFill>
+                  <a:schemeClr val="tx1">
+                    <a:tint val="75000"/>
+                  </a:schemeClr>
+                </a:solidFill>
+                <a:latin typeface="+mn-lt"/>
+                <a:ea typeface="+mn-ea"/>
+                <a:cs typeface="+mn-cs"/>
+              </a:defRPr>
+            </a:lvl9pPr>
+          </a:lstStyle>
+          <a:p>
+            <a:pPr>
+              <a:defRPr/>
+            </a:pPr>
+            <a:endParaRPr lang="en-US" dirty="0">
+              <a:solidFill>
+                <a:schemeClr val="bg1">
+                  <a:lumMod val="65000"/>
+                </a:schemeClr>
+              </a:solidFill>
+            </a:endParaRPr>
+          </a:p>
+        </p:txBody>
+      </p:sp>
+    </p:spTree>
+    <p:extLst>
+      <p:ext uri="{BB962C8B-B14F-4D97-AF65-F5344CB8AC3E}">
+        <p14:creationId xmlns:p14="http://schemas.microsoft.com/office/powerpoint/2010/main" val="1727544517"/>
+      </p:ext>
+    </p:extLst>
+  </p:cSld>
+  <p:clrMapOvr>
+    <a:masterClrMapping/>
+  </p:clrMapOvr>
+</p:sld>
+</file>
+
+<file path=ppt/slides/slide2.xml><?xml version="1.0" encoding="utf-8"?>
+<p:sld xmlns:a="http://schemas.openxmlformats.org/drawingml/2006/main" xmlns:r="http://schemas.openxmlformats.org/officeDocument/2006/relationships" xmlns:p="http://schemas.openxmlformats.org/presentationml/2006/main">
+  <p:cSld>
+    <p:spTree>
+      <p:nvGrpSpPr>
+        <p:cNvPr id="1" name=""/>
+        <p:cNvGrpSpPr/>
+        <p:nvPr/>
+      </p:nvGrpSpPr>
+      <p:grpSpPr>
+        <a:xfrm>
+          <a:off x="0" y="0"/>
+          <a:ext cx="0" cy="0"/>
+          <a:chOff x="0" y="0"/>
+          <a:chExt cx="0" cy="0"/>
+        </a:xfrm>
+      </p:grpSpPr>
+      <p:sp>
+        <p:nvSpPr>
           <p:cNvPr id="2" name="제목 1">
             <a:extLst>
               <a:ext uri="{FF2B5EF4-FFF2-40B4-BE49-F238E27FC236}">
@@ -4428,18 +4778,504 @@
           <a:p>
             <a:r>
               <a:rPr lang="en-US" altLang="ko-KR" dirty="0"/>
-              <a:t>Future Plan(next week) </a:t>
-            </a:r>
-            <a:r>
-              <a:rPr lang="en-US" altLang="ko-KR" sz="2000" dirty="0"/>
-              <a:t>at 7/5</a:t>
-            </a:r>
-            <a:endParaRPr lang="ko-KR" altLang="en-US" sz="2000" dirty="0"/>
+              <a:t>Progress</a:t>
+            </a:r>
+            <a:endParaRPr lang="ko-KR" altLang="en-US" dirty="0"/>
           </a:p>
         </p:txBody>
       </p:sp>
-      <mc:AlternateContent xmlns:mc="http://schemas.openxmlformats.org/markup-compatibility/2006" xmlns:a14="http://schemas.microsoft.com/office/drawing/2010/main">
-        <mc:Choice Requires="a14">
+      <p:sp>
+        <p:nvSpPr>
+          <p:cNvPr id="3" name="내용 개체 틀 2">
+            <a:extLst>
+              <a:ext uri="{FF2B5EF4-FFF2-40B4-BE49-F238E27FC236}">
+                <a16:creationId xmlns:a16="http://schemas.microsoft.com/office/drawing/2014/main" id="{08458E5A-D904-4F83-968A-D96BD79BB32E}"/>
+              </a:ext>
+            </a:extLst>
+          </p:cNvPr>
+          <p:cNvSpPr>
+            <a:spLocks noGrp="1"/>
+          </p:cNvSpPr>
+          <p:nvPr>
+            <p:ph idx="1"/>
+          </p:nvPr>
+        </p:nvSpPr>
+        <p:spPr>
+          <a:xfrm>
+            <a:off x="457199" y="1036062"/>
+            <a:ext cx="8297695" cy="5428800"/>
+          </a:xfrm>
+        </p:spPr>
+        <p:txBody>
+          <a:bodyPr>
+            <a:normAutofit/>
+          </a:bodyPr>
+          <a:lstStyle/>
+          <a:p>
+            <a:r>
+              <a:rPr lang="en-US" altLang="ko-KR" b="1" dirty="0">
+                <a:solidFill>
+                  <a:srgbClr val="0000FF"/>
+                </a:solidFill>
+              </a:rPr>
+              <a:t>Design Env code</a:t>
+            </a:r>
+            <a:endParaRPr lang="en-US" altLang="ko-KR" b="1" dirty="0"/>
+          </a:p>
+          <a:p>
+            <a:r>
+              <a:rPr lang="en-US" altLang="ko-KR" b="1" dirty="0">
+                <a:solidFill>
+                  <a:srgbClr val="FF0000"/>
+                </a:solidFill>
+              </a:rPr>
+              <a:t>Design RL code </a:t>
+            </a:r>
+            <a:r>
+              <a:rPr lang="en-US" altLang="ko-KR" b="1" dirty="0"/>
+              <a:t>– MCTS </a:t>
+            </a:r>
+          </a:p>
+          <a:p>
+            <a:pPr lvl="1"/>
+            <a:r>
+              <a:rPr lang="en-US" altLang="ko-KR" b="1" dirty="0">
+                <a:solidFill>
+                  <a:schemeClr val="tx1"/>
+                </a:solidFill>
+              </a:rPr>
+              <a:t>Remodel based on sample library</a:t>
+            </a:r>
+          </a:p>
+          <a:p>
+            <a:pPr lvl="2"/>
+            <a:r>
+              <a:rPr lang="en-US" altLang="ko-KR" b="1" dirty="0">
+                <a:solidFill>
+                  <a:schemeClr val="tx1"/>
+                </a:solidFill>
+              </a:rPr>
+              <a:t>Most of MCTS libraries are for sequential game</a:t>
+            </a:r>
+          </a:p>
+          <a:p>
+            <a:pPr marL="800100" lvl="2" indent="0">
+              <a:buNone/>
+            </a:pPr>
+            <a:r>
+              <a:rPr lang="en-US" altLang="ko-KR" b="1" dirty="0">
+                <a:solidFill>
+                  <a:schemeClr val="tx1"/>
+                </a:solidFill>
+                <a:sym typeface="Wingdings" panose="05000000000000000000" pitchFamily="2" charset="2"/>
+              </a:rPr>
+              <a:t> </a:t>
+            </a:r>
+            <a:r>
+              <a:rPr lang="en-US" altLang="ko-KR" b="1" dirty="0">
+                <a:solidFill>
+                  <a:schemeClr val="tx1"/>
+                </a:solidFill>
+              </a:rPr>
+              <a:t>We decided to mcts.py module instead of using MCTS library </a:t>
+            </a:r>
+          </a:p>
+          <a:p>
+            <a:r>
+              <a:rPr lang="en-US" altLang="ko-KR" b="1" dirty="0"/>
+              <a:t>Make 2 module</a:t>
+            </a:r>
+          </a:p>
+          <a:p>
+            <a:pPr lvl="1"/>
+            <a:r>
+              <a:rPr lang="en-US" altLang="ko-KR" b="1" dirty="0">
+                <a:solidFill>
+                  <a:schemeClr val="tx1"/>
+                </a:solidFill>
+              </a:rPr>
+              <a:t>main.py: </a:t>
+            </a:r>
+            <a:r>
+              <a:rPr lang="en-US" altLang="ko-KR" b="1" dirty="0" err="1">
+                <a:solidFill>
+                  <a:schemeClr val="tx1"/>
+                </a:solidFill>
+              </a:rPr>
+              <a:t>UDNEnv</a:t>
+            </a:r>
+            <a:r>
+              <a:rPr lang="en-US" altLang="ko-KR" b="1" dirty="0">
+                <a:solidFill>
+                  <a:schemeClr val="tx1"/>
+                </a:solidFill>
+              </a:rPr>
+              <a:t>(environment code)+MCTS(RL code)</a:t>
+            </a:r>
+          </a:p>
+          <a:p>
+            <a:pPr lvl="1"/>
+            <a:r>
+              <a:rPr lang="en-US" altLang="ko-KR" b="1" dirty="0">
+                <a:solidFill>
+                  <a:schemeClr val="tx1"/>
+                </a:solidFill>
+              </a:rPr>
+              <a:t>ppp.py: BSposition.csv(information of BS position) create</a:t>
+            </a:r>
+          </a:p>
+        </p:txBody>
+      </p:sp>
+    </p:spTree>
+    <p:extLst>
+      <p:ext uri="{BB962C8B-B14F-4D97-AF65-F5344CB8AC3E}">
+        <p14:creationId xmlns:p14="http://schemas.microsoft.com/office/powerpoint/2010/main" val="47788732"/>
+      </p:ext>
+    </p:extLst>
+  </p:cSld>
+  <p:clrMapOvr>
+    <a:masterClrMapping/>
+  </p:clrMapOvr>
+</p:sld>
+</file>
+
+<file path=ppt/slides/slide3.xml><?xml version="1.0" encoding="utf-8"?>
+<p:sld xmlns:a="http://schemas.openxmlformats.org/drawingml/2006/main" xmlns:r="http://schemas.openxmlformats.org/officeDocument/2006/relationships" xmlns:p="http://schemas.openxmlformats.org/presentationml/2006/main">
+  <p:cSld>
+    <p:spTree>
+      <p:nvGrpSpPr>
+        <p:cNvPr id="1" name=""/>
+        <p:cNvGrpSpPr/>
+        <p:nvPr/>
+      </p:nvGrpSpPr>
+      <p:grpSpPr>
+        <a:xfrm>
+          <a:off x="0" y="0"/>
+          <a:ext cx="0" cy="0"/>
+          <a:chOff x="0" y="0"/>
+          <a:chExt cx="0" cy="0"/>
+        </a:xfrm>
+      </p:grpSpPr>
+      <p:sp>
+        <p:nvSpPr>
+          <p:cNvPr id="2" name="제목 1">
+            <a:extLst>
+              <a:ext uri="{FF2B5EF4-FFF2-40B4-BE49-F238E27FC236}">
+                <a16:creationId xmlns:a16="http://schemas.microsoft.com/office/drawing/2014/main" id="{F5F63D42-1E06-4A5B-9AAA-45F95E0B04D0}"/>
+              </a:ext>
+            </a:extLst>
+          </p:cNvPr>
+          <p:cNvSpPr>
+            <a:spLocks noGrp="1"/>
+          </p:cNvSpPr>
+          <p:nvPr>
+            <p:ph type="title"/>
+          </p:nvPr>
+        </p:nvSpPr>
+        <p:spPr>
+          <a:xfrm>
+            <a:off x="116681" y="-4"/>
+            <a:ext cx="8910637" cy="987425"/>
+          </a:xfrm>
+        </p:spPr>
+        <p:txBody>
+          <a:bodyPr/>
+          <a:lstStyle/>
+          <a:p>
+            <a:r>
+              <a:rPr lang="en-US" altLang="ko-KR" dirty="0"/>
+              <a:t>System Model</a:t>
+            </a:r>
+            <a:endParaRPr lang="ko-KR" altLang="en-US" dirty="0"/>
+          </a:p>
+        </p:txBody>
+      </p:sp>
+      <p:sp>
+        <p:nvSpPr>
+          <p:cNvPr id="3" name="내용 개체 틀 2">
+            <a:extLst>
+              <a:ext uri="{FF2B5EF4-FFF2-40B4-BE49-F238E27FC236}">
+                <a16:creationId xmlns:a16="http://schemas.microsoft.com/office/drawing/2014/main" id="{08458E5A-D904-4F83-968A-D96BD79BB32E}"/>
+              </a:ext>
+            </a:extLst>
+          </p:cNvPr>
+          <p:cNvSpPr>
+            <a:spLocks noGrp="1"/>
+          </p:cNvSpPr>
+          <p:nvPr>
+            <p:ph idx="1"/>
+          </p:nvPr>
+        </p:nvSpPr>
+        <p:spPr>
+          <a:xfrm>
+            <a:off x="457199" y="1036062"/>
+            <a:ext cx="8297695" cy="5428800"/>
+          </a:xfrm>
+        </p:spPr>
+        <p:txBody>
+          <a:bodyPr>
+            <a:normAutofit/>
+          </a:bodyPr>
+          <a:lstStyle/>
+          <a:p>
+            <a:r>
+              <a:rPr lang="en-US" altLang="ko-KR" b="1" dirty="0"/>
+              <a:t>Environment model</a:t>
+            </a:r>
+          </a:p>
+          <a:p>
+            <a:pPr lvl="1"/>
+            <a:r>
+              <a:rPr lang="en-US" altLang="ko-KR" b="1" i="1" dirty="0">
+                <a:solidFill>
+                  <a:srgbClr val="FF0000"/>
+                </a:solidFill>
+              </a:rPr>
+              <a:t>16-users and 10-BSs </a:t>
+            </a:r>
+            <a:r>
+              <a:rPr lang="en-US" altLang="ko-KR" b="1" dirty="0"/>
+              <a:t>are deployed in the area </a:t>
+            </a:r>
+          </a:p>
+          <a:p>
+            <a:pPr lvl="2"/>
+            <a:r>
+              <a:rPr lang="en-US" altLang="ko-KR" b="1" dirty="0"/>
+              <a:t>BS location is PPP</a:t>
+            </a:r>
+          </a:p>
+          <a:p>
+            <a:pPr lvl="2"/>
+            <a:r>
+              <a:rPr lang="en-US" altLang="ko-KR" b="1" dirty="0"/>
+              <a:t>User location is uniform distribution which changes every step</a:t>
+            </a:r>
+          </a:p>
+          <a:p>
+            <a:pPr lvl="2"/>
+            <a:r>
+              <a:rPr lang="ko-KR" altLang="en-US" b="1" dirty="0">
+                <a:solidFill>
+                  <a:srgbClr val="0000FF"/>
+                </a:solidFill>
+              </a:rPr>
+              <a:t>전원 </a:t>
+            </a:r>
+            <a:r>
+              <a:rPr lang="en-US" altLang="ko-KR" b="1" dirty="0">
+                <a:solidFill>
+                  <a:srgbClr val="0000FF"/>
+                </a:solidFill>
+              </a:rPr>
+              <a:t>off </a:t>
+            </a:r>
+            <a:r>
+              <a:rPr lang="ko-KR" altLang="en-US" b="1" dirty="0">
+                <a:solidFill>
+                  <a:srgbClr val="0000FF"/>
+                </a:solidFill>
+              </a:rPr>
+              <a:t>된 </a:t>
+            </a:r>
+            <a:r>
+              <a:rPr lang="en-US" altLang="ko-KR" b="1" dirty="0">
+                <a:solidFill>
+                  <a:srgbClr val="0000FF"/>
+                </a:solidFill>
+              </a:rPr>
+              <a:t>BS</a:t>
+            </a:r>
+            <a:r>
+              <a:rPr lang="ko-KR" altLang="en-US" b="1" dirty="0">
+                <a:solidFill>
+                  <a:srgbClr val="0000FF"/>
+                </a:solidFill>
+              </a:rPr>
+              <a:t>와 </a:t>
+            </a:r>
+            <a:r>
+              <a:rPr lang="en-US" altLang="ko-KR" b="1" dirty="0">
+                <a:solidFill>
+                  <a:srgbClr val="0000FF"/>
+                </a:solidFill>
+              </a:rPr>
+              <a:t>user</a:t>
+            </a:r>
+            <a:r>
+              <a:rPr lang="ko-KR" altLang="en-US" b="1" dirty="0">
+                <a:solidFill>
+                  <a:srgbClr val="0000FF"/>
+                </a:solidFill>
+              </a:rPr>
+              <a:t>까지의 거리를 </a:t>
+            </a:r>
+            <a:r>
+              <a:rPr lang="en-US" altLang="ko-KR" b="1" dirty="0">
+                <a:solidFill>
+                  <a:srgbClr val="0000FF"/>
+                </a:solidFill>
+              </a:rPr>
+              <a:t>infinity</a:t>
+            </a:r>
+            <a:r>
+              <a:rPr lang="ko-KR" altLang="en-US" b="1" dirty="0">
+                <a:solidFill>
+                  <a:srgbClr val="0000FF"/>
+                </a:solidFill>
+              </a:rPr>
+              <a:t>로 하여 </a:t>
+            </a:r>
+            <a:r>
+              <a:rPr lang="en-US" altLang="ko-KR" b="1" dirty="0">
+                <a:solidFill>
+                  <a:srgbClr val="0000FF"/>
+                </a:solidFill>
+              </a:rPr>
+              <a:t>association</a:t>
+            </a:r>
+            <a:r>
+              <a:rPr lang="ko-KR" altLang="en-US" b="1" dirty="0">
+                <a:solidFill>
+                  <a:srgbClr val="0000FF"/>
+                </a:solidFill>
+              </a:rPr>
+              <a:t>을 막음</a:t>
+            </a:r>
+            <a:endParaRPr lang="en-US" altLang="ko-KR" b="1" dirty="0">
+              <a:solidFill>
+                <a:srgbClr val="0000FF"/>
+              </a:solidFill>
+            </a:endParaRPr>
+          </a:p>
+          <a:p>
+            <a:pPr lvl="2"/>
+            <a:endParaRPr lang="en-US" altLang="ko-KR" b="1" dirty="0">
+              <a:solidFill>
+                <a:srgbClr val="0000FF"/>
+              </a:solidFill>
+            </a:endParaRPr>
+          </a:p>
+          <a:p>
+            <a:r>
+              <a:rPr lang="en-US" altLang="ko-KR" b="1" dirty="0"/>
+              <a:t>MCTS model </a:t>
+            </a:r>
+          </a:p>
+          <a:p>
+            <a:pPr lvl="1"/>
+            <a:r>
+              <a:rPr lang="en-US" altLang="ko-KR" b="1" dirty="0">
+                <a:solidFill>
+                  <a:schemeClr val="tx1"/>
+                </a:solidFill>
+              </a:rPr>
+              <a:t>Utilize MCTS library on </a:t>
+            </a:r>
+            <a:r>
+              <a:rPr lang="en-US" altLang="ko-KR" b="1" dirty="0" err="1">
+                <a:solidFill>
+                  <a:schemeClr val="tx1"/>
+                </a:solidFill>
+              </a:rPr>
+              <a:t>Github</a:t>
+            </a:r>
+            <a:endParaRPr lang="en-US" altLang="ko-KR" b="1" dirty="0">
+              <a:solidFill>
+                <a:schemeClr val="tx1"/>
+              </a:solidFill>
+            </a:endParaRPr>
+          </a:p>
+          <a:p>
+            <a:pPr lvl="2"/>
+            <a:r>
+              <a:rPr lang="en-US" altLang="ko-KR" b="1" dirty="0">
+                <a:solidFill>
+                  <a:schemeClr val="tx1"/>
+                </a:solidFill>
+              </a:rPr>
+              <a:t>Most of MCTS libraries are for sequential game</a:t>
+            </a:r>
+          </a:p>
+          <a:p>
+            <a:pPr lvl="1"/>
+            <a:r>
+              <a:rPr lang="en-US" altLang="ko-KR" b="1" dirty="0">
+                <a:solidFill>
+                  <a:schemeClr val="tx1"/>
+                </a:solidFill>
+              </a:rPr>
+              <a:t>We decided to edit the library for our environment model</a:t>
+            </a:r>
+          </a:p>
+        </p:txBody>
+      </p:sp>
+    </p:spTree>
+    <p:extLst>
+      <p:ext uri="{BB962C8B-B14F-4D97-AF65-F5344CB8AC3E}">
+        <p14:creationId xmlns:p14="http://schemas.microsoft.com/office/powerpoint/2010/main" val="3443461438"/>
+      </p:ext>
+    </p:extLst>
+  </p:cSld>
+  <p:clrMapOvr>
+    <a:masterClrMapping/>
+  </p:clrMapOvr>
+</p:sld>
+</file>
+
+<file path=ppt/slides/slide4.xml><?xml version="1.0" encoding="utf-8"?>
+<p:sld xmlns:a="http://schemas.openxmlformats.org/drawingml/2006/main" xmlns:r="http://schemas.openxmlformats.org/officeDocument/2006/relationships" xmlns:p="http://schemas.openxmlformats.org/presentationml/2006/main">
+  <p:cSld>
+    <p:spTree>
+      <p:nvGrpSpPr>
+        <p:cNvPr id="1" name=""/>
+        <p:cNvGrpSpPr/>
+        <p:nvPr/>
+      </p:nvGrpSpPr>
+      <p:grpSpPr>
+        <a:xfrm>
+          <a:off x="0" y="0"/>
+          <a:ext cx="0" cy="0"/>
+          <a:chOff x="0" y="0"/>
+          <a:chExt cx="0" cy="0"/>
+        </a:xfrm>
+      </p:grpSpPr>
+      <p:sp>
+        <p:nvSpPr>
+          <p:cNvPr id="2" name="제목 1">
+            <a:extLst>
+              <a:ext uri="{FF2B5EF4-FFF2-40B4-BE49-F238E27FC236}">
+                <a16:creationId xmlns:a16="http://schemas.microsoft.com/office/drawing/2014/main" id="{F5F63D42-1E06-4A5B-9AAA-45F95E0B04D0}"/>
+              </a:ext>
+            </a:extLst>
+          </p:cNvPr>
+          <p:cNvSpPr>
+            <a:spLocks noGrp="1"/>
+          </p:cNvSpPr>
+          <p:nvPr>
+            <p:ph type="title"/>
+          </p:nvPr>
+        </p:nvSpPr>
+        <p:spPr>
+          <a:xfrm>
+            <a:off x="116681" y="-4"/>
+            <a:ext cx="8910637" cy="987425"/>
+          </a:xfrm>
+        </p:spPr>
+        <p:txBody>
+          <a:bodyPr/>
+          <a:lstStyle/>
+          <a:p>
+            <a:r>
+              <a:rPr lang="en-US" altLang="ko-KR" dirty="0"/>
+              <a:t>System Model</a:t>
+            </a:r>
+            <a:endParaRPr lang="ko-KR" altLang="en-US" sz="2000" dirty="0"/>
+          </a:p>
+        </p:txBody>
+      </p:sp>
+      <mc:AlternateContent xmlns:mc="http://schemas.openxmlformats.org/markup-compatibility/2006">
+        <mc:Choice xmlns:a14="http://schemas.microsoft.com/office/drawing/2010/main" Requires="a14">
           <p:sp>
             <p:nvSpPr>
               <p:cNvPr id="3" name="내용 개체 틀 2">
@@ -4475,55 +5311,6 @@
                     </a:solidFill>
                   </a:rPr>
                   <a:t>MCTS design</a:t>
-                </a:r>
-              </a:p>
-              <a:p>
-                <a:pPr lvl="1"/>
-                <a:r>
-                  <a:rPr lang="en-US" altLang="ko-KR" dirty="0">
-                    <a:solidFill>
-                      <a:schemeClr val="tx1"/>
-                    </a:solidFill>
-                  </a:rPr>
-                  <a:t>n BS, m UE, distributed in random.</a:t>
-                </a:r>
-              </a:p>
-              <a:p>
-                <a:pPr lvl="1"/>
-                <a:r>
-                  <a:rPr lang="en-US" altLang="ko-KR" dirty="0">
-                    <a:solidFill>
-                      <a:srgbClr val="0000FF"/>
-                    </a:solidFill>
-                  </a:rPr>
-                  <a:t>State</a:t>
-                </a:r>
-                <a:r>
-                  <a:rPr lang="en-US" altLang="ko-KR" dirty="0">
-                    <a:solidFill>
-                      <a:schemeClr val="tx1"/>
-                    </a:solidFill>
-                  </a:rPr>
-                  <a:t>: Matrix of BS on/off</a:t>
-                </a:r>
-              </a:p>
-              <a:p>
-                <a:pPr lvl="1"/>
-                <a:r>
-                  <a:rPr lang="en-US" altLang="ko-KR" dirty="0">
-                    <a:solidFill>
-                      <a:srgbClr val="0000FF"/>
-                    </a:solidFill>
-                  </a:rPr>
-                  <a:t>Action</a:t>
-                </a:r>
-                <a:r>
-                  <a:rPr lang="en-US" altLang="ko-KR" dirty="0">
-                    <a:solidFill>
-                      <a:schemeClr val="tx1"/>
-                    </a:solidFill>
-                  </a:rPr>
-                  <a:t>: Matrix of change BS on/off state [discrete]</a:t>
                 </a:r>
               </a:p>
               <a:p>
@@ -4653,21 +5440,6 @@
                 </a:r>
               </a:p>
               <a:p>
-                <a:pPr lvl="1"/>
-                <a:r>
-                  <a:rPr lang="en-US" altLang="ko-KR" dirty="0"/>
-                  <a:t>User-BS association rule: </a:t>
-                </a:r>
-                <a:r>
-                  <a:rPr lang="en-US" altLang="ko-KR" dirty="0">
-                    <a:solidFill>
-                      <a:srgbClr val="FF0000"/>
-                    </a:solidFill>
-                  </a:rPr>
-                  <a:t>nearest association</a:t>
-                </a:r>
-              </a:p>
-              <a:p>
                 <a:pPr lvl="1" algn="l"/>
                 <a14:m>
                   <m:oMath xmlns:m="http://schemas.openxmlformats.org/officeDocument/2006/math">
@@ -4743,13 +5515,20 @@
                       </a:rPr>
                       <m:t>=</m:t>
                     </m:r>
+                    <m:r>
+                      <a:rPr lang="en-US" altLang="ko-KR" b="0" i="1" smtClean="0">
+                        <a:solidFill>
+                          <a:schemeClr val="tx1"/>
+                        </a:solidFill>
+                        <a:latin typeface="Cambria Math" panose="02040503050406030204" pitchFamily="18" charset="0"/>
+                        <a:ea typeface="Cambria Math" panose="02040503050406030204" pitchFamily="18" charset="0"/>
+                      </a:rPr>
+                      <m:t>√</m:t>
+                    </m:r>
                     <m:sSup>
                       <m:sSupPr>
                         <m:ctrlPr>
                           <a:rPr lang="en-US" altLang="ko-KR" i="1">
-                            <a:solidFill>
-                              <a:schemeClr val="tx1"/>
-                            </a:solidFill>
                             <a:latin typeface="Cambria Math" panose="02040503050406030204" pitchFamily="18" charset="0"/>
                             <a:ea typeface="Cambria Math" panose="02040503050406030204" pitchFamily="18" charset="0"/>
                           </a:rPr>
@@ -4760,9 +5539,6 @@
                           <m:dPr>
                             <m:ctrlPr>
                               <a:rPr lang="en-US" altLang="ko-KR" i="1">
-                                <a:solidFill>
-                                  <a:schemeClr val="tx1"/>
-                                </a:solidFill>
                                 <a:latin typeface="Cambria Math" panose="02040503050406030204" pitchFamily="18" charset="0"/>
                                 <a:ea typeface="Cambria Math" panose="02040503050406030204" pitchFamily="18" charset="0"/>
                               </a:rPr>
@@ -4771,9 +5547,6 @@
                           <m:e>
                             <m:r>
                               <a:rPr lang="en-US" altLang="ko-KR" i="1">
-                                <a:solidFill>
-                                  <a:schemeClr val="tx1"/>
-                                </a:solidFill>
                                 <a:latin typeface="Cambria Math" panose="02040503050406030204" pitchFamily="18" charset="0"/>
                                 <a:ea typeface="Cambria Math" panose="02040503050406030204" pitchFamily="18" charset="0"/>
                               </a:rPr>
@@ -4783,9 +5556,6 @@
                               <m:sSubPr>
                                 <m:ctrlPr>
                                   <a:rPr lang="en-US" altLang="ko-KR" i="1">
-                                    <a:solidFill>
-                                      <a:schemeClr val="tx1"/>
-                                    </a:solidFill>
                                     <a:latin typeface="Cambria Math" panose="02040503050406030204" pitchFamily="18" charset="0"/>
                                     <a:ea typeface="Cambria Math" panose="02040503050406030204" pitchFamily="18" charset="0"/>
                                   </a:rPr>
@@ -4794,9 +5564,6 @@
                               <m:e>
                                 <m:r>
                                   <a:rPr lang="en-US" altLang="ko-KR" i="1">
-                                    <a:solidFill>
-                                      <a:schemeClr val="tx1"/>
-                                    </a:solidFill>
                                     <a:latin typeface="Cambria Math" panose="02040503050406030204" pitchFamily="18" charset="0"/>
                                     <a:ea typeface="Cambria Math" panose="02040503050406030204" pitchFamily="18" charset="0"/>
                                   </a:rPr>
@@ -4806,9 +5573,6 @@
                               <m:sub>
                                 <m:r>
                                   <a:rPr lang="en-US" altLang="ko-KR" i="1">
-                                    <a:solidFill>
-                                      <a:schemeClr val="tx1"/>
-                                    </a:solidFill>
                                     <a:latin typeface="Cambria Math" panose="02040503050406030204" pitchFamily="18" charset="0"/>
                                     <a:ea typeface="Cambria Math" panose="02040503050406030204" pitchFamily="18" charset="0"/>
                                   </a:rPr>
@@ -4818,9 +5582,6 @@
                             </m:sSub>
                             <m:r>
                               <a:rPr lang="en-US" altLang="ko-KR" i="1">
-                                <a:solidFill>
-                                  <a:schemeClr val="tx1"/>
-                                </a:solidFill>
                                 <a:latin typeface="Cambria Math" panose="02040503050406030204" pitchFamily="18" charset="0"/>
                                 <a:ea typeface="Cambria Math" panose="02040503050406030204" pitchFamily="18" charset="0"/>
                               </a:rPr>
@@ -4828,9 +5589,6 @@
                             </m:r>
                             <m:r>
                               <a:rPr lang="en-US" altLang="ko-KR" i="1">
-                                <a:solidFill>
-                                  <a:schemeClr val="tx1"/>
-                                </a:solidFill>
                                 <a:latin typeface="Cambria Math" panose="02040503050406030204" pitchFamily="18" charset="0"/>
                                 <a:ea typeface="Cambria Math" panose="02040503050406030204" pitchFamily="18" charset="0"/>
                               </a:rPr>
@@ -4840,9 +5598,6 @@
                               <m:sSubPr>
                                 <m:ctrlPr>
                                   <a:rPr lang="en-US" altLang="ko-KR" i="1">
-                                    <a:solidFill>
-                                      <a:schemeClr val="tx1"/>
-                                    </a:solidFill>
                                     <a:latin typeface="Cambria Math" panose="02040503050406030204" pitchFamily="18" charset="0"/>
                                     <a:ea typeface="Cambria Math" panose="02040503050406030204" pitchFamily="18" charset="0"/>
                                   </a:rPr>
@@ -4851,9 +5606,6 @@
                               <m:e>
                                 <m:r>
                                   <a:rPr lang="en-US" altLang="ko-KR" i="1">
-                                    <a:solidFill>
-                                      <a:schemeClr val="tx1"/>
-                                    </a:solidFill>
                                     <a:latin typeface="Cambria Math" panose="02040503050406030204" pitchFamily="18" charset="0"/>
                                     <a:ea typeface="Cambria Math" panose="02040503050406030204" pitchFamily="18" charset="0"/>
                                   </a:rPr>
@@ -4863,9 +5615,6 @@
                               <m:sub>
                                 <m:r>
                                   <a:rPr lang="en-US" altLang="ko-KR" i="1">
-                                    <a:solidFill>
-                                      <a:schemeClr val="tx1"/>
-                                    </a:solidFill>
                                     <a:latin typeface="Cambria Math" panose="02040503050406030204" pitchFamily="18" charset="0"/>
                                     <a:ea typeface="Cambria Math" panose="02040503050406030204" pitchFamily="18" charset="0"/>
                                   </a:rPr>
@@ -4879,9 +5628,6 @@
                       <m:sup>
                         <m:r>
                           <a:rPr lang="en-US" altLang="ko-KR" i="1">
-                            <a:solidFill>
-                              <a:schemeClr val="tx1"/>
-                            </a:solidFill>
                             <a:latin typeface="Cambria Math" panose="02040503050406030204" pitchFamily="18" charset="0"/>
                             <a:ea typeface="Cambria Math" panose="02040503050406030204" pitchFamily="18" charset="0"/>
                           </a:rPr>
@@ -4891,9 +5637,6 @@
                     </m:sSup>
                     <m:r>
                       <a:rPr lang="en-US" altLang="ko-KR" i="1">
-                        <a:solidFill>
-                          <a:schemeClr val="tx1"/>
-                        </a:solidFill>
                         <a:latin typeface="Cambria Math" panose="02040503050406030204" pitchFamily="18" charset="0"/>
                         <a:ea typeface="Cambria Math" panose="02040503050406030204" pitchFamily="18" charset="0"/>
                       </a:rPr>
@@ -4903,9 +5646,6 @@
                       <m:sSupPr>
                         <m:ctrlPr>
                           <a:rPr lang="en-US" altLang="ko-KR" i="1">
-                            <a:solidFill>
-                              <a:schemeClr val="tx1"/>
-                            </a:solidFill>
                             <a:latin typeface="Cambria Math" panose="02040503050406030204" pitchFamily="18" charset="0"/>
                             <a:ea typeface="Cambria Math" panose="02040503050406030204" pitchFamily="18" charset="0"/>
                           </a:rPr>
@@ -4916,9 +5656,6 @@
                           <m:dPr>
                             <m:ctrlPr>
                               <a:rPr lang="en-US" altLang="ko-KR" i="1">
-                                <a:solidFill>
-                                  <a:schemeClr val="tx1"/>
-                                </a:solidFill>
                                 <a:latin typeface="Cambria Math" panose="02040503050406030204" pitchFamily="18" charset="0"/>
                                 <a:ea typeface="Cambria Math" panose="02040503050406030204" pitchFamily="18" charset="0"/>
                               </a:rPr>
@@ -4927,9 +5664,6 @@
                           <m:e>
                             <m:r>
                               <a:rPr lang="en-US" altLang="ko-KR" i="1">
-                                <a:solidFill>
-                                  <a:schemeClr val="tx1"/>
-                                </a:solidFill>
                                 <a:latin typeface="Cambria Math" panose="02040503050406030204" pitchFamily="18" charset="0"/>
                                 <a:ea typeface="Cambria Math" panose="02040503050406030204" pitchFamily="18" charset="0"/>
                               </a:rPr>
@@ -4939,9 +5673,6 @@
                               <m:sSubPr>
                                 <m:ctrlPr>
                                   <a:rPr lang="en-US" altLang="ko-KR" i="1">
-                                    <a:solidFill>
-                                      <a:schemeClr val="tx1"/>
-                                    </a:solidFill>
                                     <a:latin typeface="Cambria Math" panose="02040503050406030204" pitchFamily="18" charset="0"/>
                                     <a:ea typeface="Cambria Math" panose="02040503050406030204" pitchFamily="18" charset="0"/>
                                   </a:rPr>
@@ -4950,9 +5681,6 @@
                               <m:e>
                                 <m:r>
                                   <a:rPr lang="en-US" altLang="ko-KR" i="1">
-                                    <a:solidFill>
-                                      <a:schemeClr val="tx1"/>
-                                    </a:solidFill>
                                     <a:latin typeface="Cambria Math" panose="02040503050406030204" pitchFamily="18" charset="0"/>
                                     <a:ea typeface="Cambria Math" panose="02040503050406030204" pitchFamily="18" charset="0"/>
                                   </a:rPr>
@@ -4962,9 +5690,6 @@
                               <m:sub>
                                 <m:r>
                                   <a:rPr lang="en-US" altLang="ko-KR" i="1">
-                                    <a:solidFill>
-                                      <a:schemeClr val="tx1"/>
-                                    </a:solidFill>
                                     <a:latin typeface="Cambria Math" panose="02040503050406030204" pitchFamily="18" charset="0"/>
                                     <a:ea typeface="Cambria Math" panose="02040503050406030204" pitchFamily="18" charset="0"/>
                                   </a:rPr>
@@ -4974,9 +5699,6 @@
                             </m:sSub>
                             <m:r>
                               <a:rPr lang="en-US" altLang="ko-KR" i="1">
-                                <a:solidFill>
-                                  <a:schemeClr val="tx1"/>
-                                </a:solidFill>
                                 <a:latin typeface="Cambria Math" panose="02040503050406030204" pitchFamily="18" charset="0"/>
                                 <a:ea typeface="Cambria Math" panose="02040503050406030204" pitchFamily="18" charset="0"/>
                               </a:rPr>
@@ -4984,9 +5706,6 @@
                             </m:r>
                             <m:r>
                               <a:rPr lang="en-US" altLang="ko-KR" i="1">
-                                <a:solidFill>
-                                  <a:schemeClr val="tx1"/>
-                                </a:solidFill>
                                 <a:latin typeface="Cambria Math" panose="02040503050406030204" pitchFamily="18" charset="0"/>
                                 <a:ea typeface="Cambria Math" panose="02040503050406030204" pitchFamily="18" charset="0"/>
                               </a:rPr>
@@ -4996,9 +5715,6 @@
                               <m:sSubPr>
                                 <m:ctrlPr>
                                   <a:rPr lang="en-US" altLang="ko-KR" i="1">
-                                    <a:solidFill>
-                                      <a:schemeClr val="tx1"/>
-                                    </a:solidFill>
                                     <a:latin typeface="Cambria Math" panose="02040503050406030204" pitchFamily="18" charset="0"/>
                                     <a:ea typeface="Cambria Math" panose="02040503050406030204" pitchFamily="18" charset="0"/>
                                   </a:rPr>
@@ -5007,9 +5723,6 @@
                               <m:e>
                                 <m:r>
                                   <a:rPr lang="en-US" altLang="ko-KR" i="1">
-                                    <a:solidFill>
-                                      <a:schemeClr val="tx1"/>
-                                    </a:solidFill>
                                     <a:latin typeface="Cambria Math" panose="02040503050406030204" pitchFamily="18" charset="0"/>
                                     <a:ea typeface="Cambria Math" panose="02040503050406030204" pitchFamily="18" charset="0"/>
                                   </a:rPr>
@@ -5019,9 +5732,6 @@
                               <m:sub>
                                 <m:r>
                                   <a:rPr lang="en-US" altLang="ko-KR" i="1">
-                                    <a:solidFill>
-                                      <a:schemeClr val="tx1"/>
-                                    </a:solidFill>
                                     <a:latin typeface="Cambria Math" panose="02040503050406030204" pitchFamily="18" charset="0"/>
                                     <a:ea typeface="Cambria Math" panose="02040503050406030204" pitchFamily="18" charset="0"/>
                                   </a:rPr>
@@ -5031,9 +5741,6 @@
                             </m:sSub>
                             <m:r>
                               <a:rPr lang="en-US" altLang="ko-KR" i="1">
-                                <a:solidFill>
-                                  <a:schemeClr val="tx1"/>
-                                </a:solidFill>
                                 <a:latin typeface="Cambria Math" panose="02040503050406030204" pitchFamily="18" charset="0"/>
                                 <a:ea typeface="Cambria Math" panose="02040503050406030204" pitchFamily="18" charset="0"/>
                               </a:rPr>
@@ -5045,9 +5752,6 @@
                       <m:sup>
                         <m:r>
                           <a:rPr lang="en-US" altLang="ko-KR" i="1">
-                            <a:solidFill>
-                              <a:schemeClr val="tx1"/>
-                            </a:solidFill>
                             <a:latin typeface="Cambria Math" panose="02040503050406030204" pitchFamily="18" charset="0"/>
                             <a:ea typeface="Cambria Math" panose="02040503050406030204" pitchFamily="18" charset="0"/>
                           </a:rPr>
@@ -5057,11 +5761,7 @@
                     </m:sSup>
                   </m:oMath>
                 </a14:m>
-                <a:endParaRPr lang="en-US" altLang="ko-KR" dirty="0">
-                  <a:solidFill>
-                    <a:schemeClr val="tx1"/>
-                  </a:solidFill>
-                </a:endParaRPr>
+                <a:endParaRPr lang="en-US" altLang="ko-KR" dirty="0"/>
               </a:p>
               <a:p>
                 <a:pPr lvl="2" algn="l"/>
@@ -5288,7 +5988,7 @@
             </p:txBody>
           </p:sp>
         </mc:Choice>
-        <mc:Fallback xmlns="">
+        <mc:Fallback>
           <p:sp>
             <p:nvSpPr>
               <p:cNvPr id="3" name="내용 개체 틀 2">
@@ -5313,7 +6013,7 @@
               <a:blipFill>
                 <a:blip r:embed="rId3"/>
                 <a:stretch>
-                  <a:fillRect t="-786" b="-1684"/>
+                  <a:fillRect t="-786"/>
                 </a:stretch>
               </a:blipFill>
             </p:spPr>
@@ -5332,188 +6032,10 @@
           </p:sp>
         </mc:Fallback>
       </mc:AlternateContent>
-      <p:sp>
-        <p:nvSpPr>
-          <p:cNvPr id="4" name="오른쪽 중괄호 3">
-            <a:extLst>
-              <a:ext uri="{FF2B5EF4-FFF2-40B4-BE49-F238E27FC236}">
-                <a16:creationId xmlns:a16="http://schemas.microsoft.com/office/drawing/2014/main" id="{4676BBAF-C155-4B5D-AB58-75072E796C53}"/>
-              </a:ext>
-            </a:extLst>
-          </p:cNvPr>
-          <p:cNvSpPr/>
-          <p:nvPr/>
-        </p:nvSpPr>
-        <p:spPr>
-          <a:xfrm>
-            <a:off x="7373859" y="1496871"/>
-            <a:ext cx="153908" cy="3125594"/>
-          </a:xfrm>
-          <a:prstGeom prst="rightBrace">
-            <a:avLst/>
-          </a:prstGeom>
-          <a:ln>
-            <a:solidFill>
-              <a:srgbClr val="C00000"/>
-            </a:solidFill>
-          </a:ln>
-          <a:effectLst/>
-        </p:spPr>
-        <p:style>
-          <a:lnRef idx="2">
-            <a:schemeClr val="accent1"/>
-          </a:lnRef>
-          <a:fillRef idx="0">
-            <a:schemeClr val="accent1"/>
-          </a:fillRef>
-          <a:effectRef idx="1">
-            <a:schemeClr val="accent1"/>
-          </a:effectRef>
-          <a:fontRef idx="minor">
-            <a:schemeClr val="tx1"/>
-          </a:fontRef>
-        </p:style>
-        <p:txBody>
-          <a:bodyPr rtlCol="0" anchor="ctr"/>
-          <a:lstStyle/>
-          <a:p>
-            <a:pPr algn="ctr"/>
-            <a:endParaRPr lang="ko-KR" altLang="en-US"/>
-          </a:p>
-        </p:txBody>
-      </p:sp>
-      <p:sp>
-        <p:nvSpPr>
-          <p:cNvPr id="5" name="TextBox 4">
-            <a:extLst>
-              <a:ext uri="{FF2B5EF4-FFF2-40B4-BE49-F238E27FC236}">
-                <a16:creationId xmlns:a16="http://schemas.microsoft.com/office/drawing/2014/main" id="{5ED103EF-2EDA-48F2-A423-BB360D8800B1}"/>
-              </a:ext>
-            </a:extLst>
-          </p:cNvPr>
-          <p:cNvSpPr txBox="1"/>
-          <p:nvPr/>
-        </p:nvSpPr>
-        <p:spPr>
-          <a:xfrm>
-            <a:off x="7587486" y="2875002"/>
-            <a:ext cx="738882" cy="369332"/>
-          </a:xfrm>
-          <a:prstGeom prst="rect">
-            <a:avLst/>
-          </a:prstGeom>
-          <a:noFill/>
-        </p:spPr>
-        <p:txBody>
-          <a:bodyPr wrap="square" rtlCol="0">
-            <a:spAutoFit/>
-          </a:bodyPr>
-          <a:lstStyle/>
-          <a:p>
-            <a:r>
-              <a:rPr lang="en-US" altLang="ko-KR" b="1" dirty="0">
-                <a:solidFill>
-                  <a:srgbClr val="FF0000"/>
-                </a:solidFill>
-              </a:rPr>
-              <a:t>done</a:t>
-            </a:r>
-          </a:p>
-        </p:txBody>
-      </p:sp>
-      <p:sp>
-        <p:nvSpPr>
-          <p:cNvPr id="6" name="오른쪽 중괄호 5">
-            <a:extLst>
-              <a:ext uri="{FF2B5EF4-FFF2-40B4-BE49-F238E27FC236}">
-                <a16:creationId xmlns:a16="http://schemas.microsoft.com/office/drawing/2014/main" id="{8E02C415-5B12-45F8-9B88-917F244F3F31}"/>
-              </a:ext>
-            </a:extLst>
-          </p:cNvPr>
-          <p:cNvSpPr/>
-          <p:nvPr/>
-        </p:nvSpPr>
-        <p:spPr>
-          <a:xfrm>
-            <a:off x="6458810" y="5139098"/>
-            <a:ext cx="153908" cy="1094490"/>
-          </a:xfrm>
-          <a:prstGeom prst="rightBrace">
-            <a:avLst/>
-          </a:prstGeom>
-          <a:ln>
-            <a:solidFill>
-              <a:srgbClr val="C00000"/>
-            </a:solidFill>
-          </a:ln>
-          <a:effectLst/>
-        </p:spPr>
-        <p:style>
-          <a:lnRef idx="2">
-            <a:schemeClr val="accent1"/>
-          </a:lnRef>
-          <a:fillRef idx="0">
-            <a:schemeClr val="accent1"/>
-          </a:fillRef>
-          <a:effectRef idx="1">
-            <a:schemeClr val="accent1"/>
-          </a:effectRef>
-          <a:fontRef idx="minor">
-            <a:schemeClr val="tx1"/>
-          </a:fontRef>
-        </p:style>
-        <p:txBody>
-          <a:bodyPr rtlCol="0" anchor="ctr"/>
-          <a:lstStyle/>
-          <a:p>
-            <a:pPr algn="ctr"/>
-            <a:endParaRPr lang="ko-KR" altLang="en-US"/>
-          </a:p>
-        </p:txBody>
-      </p:sp>
-      <p:sp>
-        <p:nvSpPr>
-          <p:cNvPr id="7" name="TextBox 6">
-            <a:extLst>
-              <a:ext uri="{FF2B5EF4-FFF2-40B4-BE49-F238E27FC236}">
-                <a16:creationId xmlns:a16="http://schemas.microsoft.com/office/drawing/2014/main" id="{BC42C601-FD6E-420F-891F-7DEE47B5AD97}"/>
-              </a:ext>
-            </a:extLst>
-          </p:cNvPr>
-          <p:cNvSpPr txBox="1"/>
-          <p:nvPr/>
-        </p:nvSpPr>
-        <p:spPr>
-          <a:xfrm>
-            <a:off x="6673085" y="5363177"/>
-            <a:ext cx="1883102" cy="646331"/>
-          </a:xfrm>
-          <a:prstGeom prst="rect">
-            <a:avLst/>
-          </a:prstGeom>
-          <a:noFill/>
-        </p:spPr>
-        <p:txBody>
-          <a:bodyPr wrap="square" rtlCol="0">
-            <a:spAutoFit/>
-          </a:bodyPr>
-          <a:lstStyle/>
-          <a:p>
-            <a:r>
-              <a:rPr lang="en-US" altLang="ko-KR" b="1" dirty="0">
-                <a:solidFill>
-                  <a:srgbClr val="FF0000"/>
-                </a:solidFill>
-              </a:rPr>
-              <a:t>In progress – MCTS module</a:t>
-            </a:r>
-          </a:p>
-        </p:txBody>
-      </p:sp>
     </p:spTree>
     <p:extLst>
       <p:ext uri="{BB962C8B-B14F-4D97-AF65-F5344CB8AC3E}">
-        <p14:creationId xmlns:p14="http://schemas.microsoft.com/office/powerpoint/2010/main" val="480253426"/>
+        <p14:creationId xmlns:p14="http://schemas.microsoft.com/office/powerpoint/2010/main" val="465659987"/>
       </p:ext>
     </p:extLst>
   </p:cSld>
@@ -5523,7 +6045,7 @@
 </p:sld>
 </file>
 
-<file path=ppt/slides/slide11.xml><?xml version="1.0" encoding="utf-8"?>
+<file path=ppt/slides/slide5.xml><?xml version="1.0" encoding="utf-8"?>
 <p:sld xmlns:a="http://schemas.openxmlformats.org/drawingml/2006/main" xmlns:r="http://schemas.openxmlformats.org/officeDocument/2006/relationships" xmlns:p="http://schemas.openxmlformats.org/presentationml/2006/main">
   <p:cSld>
     <p:spTree>
@@ -5568,1393 +6090,14 @@
           <a:p>
             <a:r>
               <a:rPr lang="en-US" altLang="ko-KR" dirty="0"/>
-              <a:t>Future Plan(next week) </a:t>
-            </a:r>
-            <a:r>
-              <a:rPr lang="en-US" altLang="ko-KR" sz="2000" dirty="0"/>
-              <a:t>at 7/5</a:t>
-            </a:r>
-            <a:endParaRPr lang="ko-KR" altLang="en-US" sz="2000" dirty="0"/>
+              <a:t>System Model</a:t>
+            </a:r>
+            <a:endParaRPr lang="ko-KR" altLang="en-US" dirty="0"/>
           </a:p>
         </p:txBody>
       </p:sp>
-      <p:sp>
-        <p:nvSpPr>
-          <p:cNvPr id="3" name="내용 개체 틀 2">
-            <a:extLst>
-              <a:ext uri="{FF2B5EF4-FFF2-40B4-BE49-F238E27FC236}">
-                <a16:creationId xmlns:a16="http://schemas.microsoft.com/office/drawing/2014/main" id="{08458E5A-D904-4F83-968A-D96BD79BB32E}"/>
-              </a:ext>
-            </a:extLst>
-          </p:cNvPr>
-          <p:cNvSpPr>
-            <a:spLocks noGrp="1"/>
-          </p:cNvSpPr>
-          <p:nvPr>
-            <p:ph idx="1"/>
-          </p:nvPr>
-        </p:nvSpPr>
-        <p:spPr>
-          <a:xfrm>
-            <a:off x="457199" y="1036062"/>
-            <a:ext cx="8297695" cy="5428800"/>
-          </a:xfrm>
-        </p:spPr>
-        <p:txBody>
-          <a:bodyPr>
-            <a:normAutofit/>
-          </a:bodyPr>
-          <a:lstStyle/>
-          <a:p>
-            <a:endParaRPr lang="en-US" altLang="ko-KR" dirty="0">
-              <a:solidFill>
-                <a:schemeClr val="tx1">
-                  <a:lumMod val="75000"/>
-                  <a:lumOff val="25000"/>
-                </a:schemeClr>
-              </a:solidFill>
-            </a:endParaRPr>
-          </a:p>
-          <a:p>
-            <a:endParaRPr lang="en-US" altLang="ko-KR" dirty="0">
-              <a:solidFill>
-                <a:schemeClr val="tx1">
-                  <a:lumMod val="75000"/>
-                  <a:lumOff val="25000"/>
-                </a:schemeClr>
-              </a:solidFill>
-            </a:endParaRPr>
-          </a:p>
-          <a:p>
-            <a:endParaRPr lang="en-US" altLang="ko-KR" dirty="0">
-              <a:solidFill>
-                <a:schemeClr val="tx1">
-                  <a:lumMod val="75000"/>
-                  <a:lumOff val="25000"/>
-                </a:schemeClr>
-              </a:solidFill>
-            </a:endParaRPr>
-          </a:p>
-          <a:p>
-            <a:endParaRPr lang="en-US" altLang="ko-KR" dirty="0">
-              <a:solidFill>
-                <a:schemeClr val="tx1">
-                  <a:lumMod val="75000"/>
-                  <a:lumOff val="25000"/>
-                </a:schemeClr>
-              </a:solidFill>
-            </a:endParaRPr>
-          </a:p>
-        </p:txBody>
-      </p:sp>
-      <p:pic>
-        <p:nvPicPr>
-          <p:cNvPr id="1026" name="Picture 2" descr="ê´ë ¨ ì´ë¯¸ì§">
-            <a:extLst>
-              <a:ext uri="{FF2B5EF4-FFF2-40B4-BE49-F238E27FC236}">
-                <a16:creationId xmlns:a16="http://schemas.microsoft.com/office/drawing/2014/main" id="{10C0BC41-E8F1-4660-8C3A-FE406D719765}"/>
-              </a:ext>
-            </a:extLst>
-          </p:cNvPr>
-          <p:cNvPicPr>
-            <a:picLocks noChangeAspect="1" noChangeArrowheads="1"/>
-          </p:cNvPicPr>
-          <p:nvPr/>
-        </p:nvPicPr>
-        <p:blipFill>
-          <a:blip r:embed="rId3">
-            <a:extLst>
-              <a:ext uri="{28A0092B-C50C-407E-A947-70E740481C1C}">
-                <a14:useLocalDpi xmlns:a14="http://schemas.microsoft.com/office/drawing/2010/main" val="0"/>
-              </a:ext>
-            </a:extLst>
-          </a:blip>
-          <a:srcRect/>
-          <a:stretch>
-            <a:fillRect/>
-          </a:stretch>
-        </p:blipFill>
-        <p:spPr bwMode="auto">
-          <a:xfrm>
-            <a:off x="1748546" y="2300498"/>
-            <a:ext cx="5715000" cy="3362325"/>
-          </a:xfrm>
-          <a:prstGeom prst="rect">
-            <a:avLst/>
-          </a:prstGeom>
-          <a:noFill/>
-          <a:extLst>
-            <a:ext uri="{909E8E84-426E-40DD-AFC4-6F175D3DCCD1}">
-              <a14:hiddenFill xmlns:a14="http://schemas.microsoft.com/office/drawing/2010/main">
-                <a:solidFill>
-                  <a:srgbClr val="FFFFFF"/>
-                </a:solidFill>
-              </a14:hiddenFill>
-            </a:ext>
-          </a:extLst>
-        </p:spPr>
-      </p:pic>
-      <p:sp>
-        <p:nvSpPr>
-          <p:cNvPr id="6" name="TextBox 5">
-            <a:extLst>
-              <a:ext uri="{FF2B5EF4-FFF2-40B4-BE49-F238E27FC236}">
-                <a16:creationId xmlns:a16="http://schemas.microsoft.com/office/drawing/2014/main" id="{F348C021-381F-4ECD-8331-0A214A1EEC1A}"/>
-              </a:ext>
-            </a:extLst>
-          </p:cNvPr>
-          <p:cNvSpPr txBox="1"/>
-          <p:nvPr/>
-        </p:nvSpPr>
-        <p:spPr>
-          <a:xfrm>
-            <a:off x="6478529" y="5363177"/>
-            <a:ext cx="1883102" cy="646331"/>
-          </a:xfrm>
-          <a:prstGeom prst="rect">
-            <a:avLst/>
-          </a:prstGeom>
-          <a:noFill/>
-        </p:spPr>
-        <p:txBody>
-          <a:bodyPr wrap="square" rtlCol="0">
-            <a:spAutoFit/>
-          </a:bodyPr>
-          <a:lstStyle/>
-          <a:p>
-            <a:r>
-              <a:rPr lang="en-US" altLang="ko-KR" b="1" dirty="0">
-                <a:solidFill>
-                  <a:srgbClr val="FF0000"/>
-                </a:solidFill>
-              </a:rPr>
-              <a:t>In progress – MCTS module</a:t>
-            </a:r>
-          </a:p>
-        </p:txBody>
-      </p:sp>
-    </p:spTree>
-    <p:extLst>
-      <p:ext uri="{BB962C8B-B14F-4D97-AF65-F5344CB8AC3E}">
-        <p14:creationId xmlns:p14="http://schemas.microsoft.com/office/powerpoint/2010/main" val="2239232316"/>
-      </p:ext>
-    </p:extLst>
-  </p:cSld>
-  <p:clrMapOvr>
-    <a:masterClrMapping/>
-  </p:clrMapOvr>
-</p:sld>
-</file>
-
-<file path=ppt/slides/slide12.xml><?xml version="1.0" encoding="utf-8"?>
-<p:sld xmlns:a="http://schemas.openxmlformats.org/drawingml/2006/main" xmlns:r="http://schemas.openxmlformats.org/officeDocument/2006/relationships" xmlns:p="http://schemas.openxmlformats.org/presentationml/2006/main">
-  <p:cSld>
-    <p:spTree>
-      <p:nvGrpSpPr>
-        <p:cNvPr id="1" name=""/>
-        <p:cNvGrpSpPr/>
-        <p:nvPr/>
-      </p:nvGrpSpPr>
-      <p:grpSpPr>
-        <a:xfrm>
-          <a:off x="0" y="0"/>
-          <a:ext cx="0" cy="0"/>
-          <a:chOff x="0" y="0"/>
-          <a:chExt cx="0" cy="0"/>
-        </a:xfrm>
-      </p:grpSpPr>
-      <p:sp>
-        <p:nvSpPr>
-          <p:cNvPr id="2" name="제목 1">
-            <a:extLst>
-              <a:ext uri="{FF2B5EF4-FFF2-40B4-BE49-F238E27FC236}">
-                <a16:creationId xmlns:a16="http://schemas.microsoft.com/office/drawing/2014/main" id="{D479E31B-A679-4AE2-A74F-D35A39E82A40}"/>
-              </a:ext>
-            </a:extLst>
-          </p:cNvPr>
-          <p:cNvSpPr>
-            <a:spLocks noGrp="1"/>
-          </p:cNvSpPr>
-          <p:nvPr>
-            <p:ph type="title"/>
-          </p:nvPr>
-        </p:nvSpPr>
-        <p:spPr>
-          <a:xfrm>
-            <a:off x="116681" y="0"/>
-            <a:ext cx="8910637" cy="987425"/>
-          </a:xfrm>
-        </p:spPr>
-        <p:txBody>
-          <a:bodyPr/>
-          <a:lstStyle/>
-          <a:p>
-            <a:r>
-              <a:rPr lang="en-US" altLang="ko-KR" dirty="0"/>
-              <a:t>Future plan(one month) </a:t>
-            </a:r>
-            <a:r>
-              <a:rPr lang="en-US" altLang="ko-KR" sz="2000" dirty="0"/>
-              <a:t>at 7/5</a:t>
-            </a:r>
-            <a:endParaRPr lang="ko-KR" altLang="en-US" sz="2000" dirty="0"/>
-          </a:p>
-        </p:txBody>
-      </p:sp>
-      <mc:AlternateContent xmlns:mc="http://schemas.openxmlformats.org/markup-compatibility/2006" xmlns:a14="http://schemas.microsoft.com/office/drawing/2010/main">
-        <mc:Choice Requires="a14">
-          <p:sp>
-            <p:nvSpPr>
-              <p:cNvPr id="3" name="내용 개체 틀 2">
-                <a:extLst>
-                  <a:ext uri="{FF2B5EF4-FFF2-40B4-BE49-F238E27FC236}">
-                    <a16:creationId xmlns:a16="http://schemas.microsoft.com/office/drawing/2014/main" id="{76A2C441-517F-450A-A437-5A34F2F7B7E1}"/>
-                  </a:ext>
-                </a:extLst>
-              </p:cNvPr>
-              <p:cNvSpPr>
-                <a:spLocks noGrp="1"/>
-              </p:cNvSpPr>
-              <p:nvPr>
-                <p:ph idx="1"/>
-              </p:nvPr>
-            </p:nvSpPr>
-            <p:spPr/>
-            <p:txBody>
-              <a:bodyPr/>
-              <a:lstStyle/>
-              <a:p>
-                <a:r>
-                  <a:rPr lang="en-US" altLang="ko-KR" dirty="0">
-                    <a:solidFill>
-                      <a:schemeClr val="tx1"/>
-                    </a:solidFill>
-                  </a:rPr>
-                  <a:t>Program RL code by </a:t>
-                </a:r>
-                <a:r>
-                  <a:rPr lang="en-US" altLang="ko-KR" dirty="0" err="1">
-                    <a:solidFill>
-                      <a:schemeClr val="tx1"/>
-                    </a:solidFill>
-                  </a:rPr>
-                  <a:t>Tensorflow</a:t>
-                </a:r>
-                <a:r>
-                  <a:rPr lang="en-US" altLang="ko-KR" dirty="0">
-                    <a:solidFill>
-                      <a:schemeClr val="tx1"/>
-                    </a:solidFill>
-                  </a:rPr>
-                  <a:t> Library</a:t>
-                </a:r>
-              </a:p>
-              <a:p>
-                <a:r>
-                  <a:rPr lang="en-US" altLang="ko-KR" dirty="0">
-                    <a:solidFill>
-                      <a:schemeClr val="tx1"/>
-                    </a:solidFill>
-                  </a:rPr>
-                  <a:t>Apply UDN at our</a:t>
-                </a:r>
-                <a:r>
-                  <a:rPr lang="ko-KR" altLang="en-US" dirty="0">
-                    <a:solidFill>
-                      <a:schemeClr val="tx1"/>
-                    </a:solidFill>
-                  </a:rPr>
-                  <a:t> </a:t>
-                </a:r>
-                <a:r>
-                  <a:rPr lang="en-US" altLang="ko-KR" dirty="0">
-                    <a:solidFill>
-                      <a:schemeClr val="tx1"/>
-                    </a:solidFill>
-                  </a:rPr>
-                  <a:t>Environment</a:t>
-                </a:r>
-              </a:p>
-              <a:p>
-                <a:pPr lvl="1"/>
-                <a:r>
-                  <a:rPr lang="en-US" altLang="ko-KR" dirty="0">
-                    <a:solidFill>
-                      <a:schemeClr val="tx1"/>
-                    </a:solidFill>
-                  </a:rPr>
-                  <a:t>Consider </a:t>
-                </a:r>
-                <a:r>
-                  <a:rPr lang="en-US" altLang="ko-KR" dirty="0" err="1">
-                    <a:solidFill>
-                      <a:schemeClr val="tx1"/>
-                    </a:solidFill>
-                  </a:rPr>
-                  <a:t>LoS</a:t>
-                </a:r>
-                <a:r>
-                  <a:rPr lang="en-US" altLang="ko-KR" dirty="0">
-                    <a:solidFill>
-                      <a:schemeClr val="tx1"/>
-                    </a:solidFill>
-                  </a:rPr>
-                  <a:t>, </a:t>
-                </a:r>
-                <a:r>
-                  <a:rPr lang="en-US" altLang="ko-KR" dirty="0" err="1">
-                    <a:solidFill>
-                      <a:schemeClr val="tx1"/>
-                    </a:solidFill>
-                  </a:rPr>
-                  <a:t>NLoS</a:t>
-                </a:r>
-                <a:r>
-                  <a:rPr lang="en-US" altLang="ko-KR" dirty="0">
-                    <a:solidFill>
-                      <a:schemeClr val="tx1"/>
-                    </a:solidFill>
-                  </a:rPr>
-                  <a:t>, Interference</a:t>
-                </a:r>
-              </a:p>
-              <a:p>
-                <a:pPr lvl="1"/>
-                <a:r>
-                  <a:rPr lang="en-US" altLang="ko-KR" dirty="0">
-                    <a:solidFill>
-                      <a:schemeClr val="tx1"/>
-                    </a:solidFill>
-                  </a:rPr>
-                  <a:t>Set BS density for UDN</a:t>
-                </a:r>
-              </a:p>
-              <a:p>
-                <a:pPr lvl="1"/>
-                <a:r>
-                  <a:rPr lang="en-US" altLang="ko-KR" dirty="0">
-                    <a:solidFill>
-                      <a:schemeClr val="tx1"/>
-                    </a:solidFill>
-                  </a:rPr>
-                  <a:t>Consider all BS state change concurrently </a:t>
-                </a:r>
-              </a:p>
-              <a:p>
-                <a:pPr lvl="1"/>
-                <a:r>
-                  <a:rPr lang="en-US" altLang="ko-KR" dirty="0">
-                    <a:solidFill>
-                      <a:schemeClr val="tx1"/>
-                    </a:solidFill>
-                  </a:rPr>
-                  <a:t>Update reward</a:t>
-                </a:r>
-              </a:p>
-              <a:p>
-                <a:pPr lvl="2"/>
-                <a:r>
-                  <a:rPr lang="en-US" altLang="ko-KR" dirty="0">
-                    <a:solidFill>
-                      <a:schemeClr val="tx1"/>
-                    </a:solidFill>
-                  </a:rPr>
-                  <a:t>consider Energy Consumption</a:t>
-                </a:r>
-              </a:p>
-              <a:p>
-                <a:pPr lvl="2"/>
-                <a:r>
-                  <a:rPr lang="en-US" altLang="ko-KR" dirty="0">
-                    <a:solidFill>
-                      <a:schemeClr val="tx1"/>
-                    </a:solidFill>
-                  </a:rPr>
-                  <a:t>SNR </a:t>
-                </a:r>
-              </a:p>
-              <a:p>
-                <a:pPr lvl="2"/>
-                <a:r>
-                  <a:rPr lang="en-US" altLang="ko-KR" dirty="0">
-                    <a:solidFill>
-                      <a:schemeClr val="tx1"/>
-                    </a:solidFill>
-                  </a:rPr>
-                  <a:t>Terminal condition - reach at Terminal Node or SNR &lt; threshold </a:t>
-                </a:r>
-                <a14:m>
-                  <m:oMath xmlns:m="http://schemas.openxmlformats.org/officeDocument/2006/math">
-                    <m:r>
-                      <a:rPr lang="en-US" altLang="ko-KR" b="0" i="1" smtClean="0">
-                        <a:solidFill>
-                          <a:schemeClr val="tx1"/>
-                        </a:solidFill>
-                        <a:latin typeface="Cambria Math" panose="02040503050406030204" pitchFamily="18" charset="0"/>
-                      </a:rPr>
-                      <m:t>𝜃</m:t>
-                    </m:r>
-                  </m:oMath>
-                </a14:m>
-                <a:endParaRPr lang="en-US" altLang="ko-KR" dirty="0">
-                  <a:solidFill>
-                    <a:schemeClr val="tx1"/>
-                  </a:solidFill>
-                </a:endParaRPr>
-              </a:p>
-              <a:p>
-                <a:r>
-                  <a:rPr lang="en-US" altLang="ko-KR" dirty="0">
-                    <a:solidFill>
-                      <a:schemeClr val="tx1"/>
-                    </a:solidFill>
-                  </a:rPr>
-                  <a:t>Update RL code for programmed env code</a:t>
-                </a:r>
-              </a:p>
-              <a:p>
-                <a:endParaRPr lang="en-US" altLang="ko-KR" dirty="0">
-                  <a:solidFill>
-                    <a:schemeClr val="tx1"/>
-                  </a:solidFill>
-                </a:endParaRPr>
-              </a:p>
-            </p:txBody>
-          </p:sp>
-        </mc:Choice>
-        <mc:Fallback xmlns="">
-          <p:sp>
-            <p:nvSpPr>
-              <p:cNvPr id="3" name="내용 개체 틀 2">
-                <a:extLst>
-                  <a:ext uri="{FF2B5EF4-FFF2-40B4-BE49-F238E27FC236}">
-                    <a16:creationId xmlns:a16="http://schemas.microsoft.com/office/drawing/2014/main" id="{76A2C441-517F-450A-A437-5A34F2F7B7E1}"/>
-                  </a:ext>
-                </a:extLst>
-              </p:cNvPr>
-              <p:cNvSpPr>
-                <a:spLocks noGrp="1" noRot="1" noChangeAspect="1" noMove="1" noResize="1" noEditPoints="1" noAdjustHandles="1" noChangeArrowheads="1" noChangeShapeType="1" noTextEdit="1"/>
-              </p:cNvSpPr>
-              <p:nvPr>
-                <p:ph idx="1"/>
-              </p:nvPr>
-            </p:nvSpPr>
-            <p:spPr>
-              <a:blipFill>
-                <a:blip r:embed="rId2"/>
-                <a:stretch>
-                  <a:fillRect t="-787"/>
-                </a:stretch>
-              </a:blipFill>
-            </p:spPr>
-            <p:txBody>
-              <a:bodyPr/>
-              <a:lstStyle/>
-              <a:p>
-                <a:r>
-                  <a:rPr lang="ko-KR" altLang="en-US">
-                    <a:noFill/>
-                  </a:rPr>
-                  <a:t> </a:t>
-                </a:r>
-              </a:p>
-            </p:txBody>
-          </p:sp>
-        </mc:Fallback>
-      </mc:AlternateContent>
-    </p:spTree>
-    <p:extLst>
-      <p:ext uri="{BB962C8B-B14F-4D97-AF65-F5344CB8AC3E}">
-        <p14:creationId xmlns:p14="http://schemas.microsoft.com/office/powerpoint/2010/main" val="3739733913"/>
-      </p:ext>
-    </p:extLst>
-  </p:cSld>
-  <p:clrMapOvr>
-    <a:masterClrMapping/>
-  </p:clrMapOvr>
-</p:sld>
-</file>
-
-<file path=ppt/slides/slide13.xml><?xml version="1.0" encoding="utf-8"?>
-<p:sld xmlns:a="http://schemas.openxmlformats.org/drawingml/2006/main" xmlns:r="http://schemas.openxmlformats.org/officeDocument/2006/relationships" xmlns:p="http://schemas.openxmlformats.org/presentationml/2006/main">
-  <p:cSld>
-    <p:spTree>
-      <p:nvGrpSpPr>
-        <p:cNvPr id="1" name=""/>
-        <p:cNvGrpSpPr/>
-        <p:nvPr/>
-      </p:nvGrpSpPr>
-      <p:grpSpPr>
-        <a:xfrm>
-          <a:off x="0" y="0"/>
-          <a:ext cx="0" cy="0"/>
-          <a:chOff x="0" y="0"/>
-          <a:chExt cx="0" cy="0"/>
-        </a:xfrm>
-      </p:grpSpPr>
-      <p:sp>
-        <p:nvSpPr>
-          <p:cNvPr id="7" name="Title 4"/>
-          <p:cNvSpPr>
-            <a:spLocks noGrp="1"/>
-          </p:cNvSpPr>
-          <p:nvPr>
-            <p:ph type="title"/>
-          </p:nvPr>
-        </p:nvSpPr>
-        <p:spPr>
-          <a:effectLst>
-            <a:outerShdw blurRad="50800" dist="38100" dir="2700000" algn="tl" rotWithShape="0">
-              <a:prstClr val="black">
-                <a:alpha val="40000"/>
-              </a:prstClr>
-            </a:outerShdw>
-          </a:effectLst>
-        </p:spPr>
-        <p:txBody>
-          <a:bodyPr/>
-          <a:lstStyle/>
-          <a:p>
-            <a:pPr>
-              <a:defRPr/>
-            </a:pPr>
-            <a:r>
-              <a:rPr lang="en-US" b="0" dirty="0"/>
-              <a:t>Thank you</a:t>
-            </a:r>
-          </a:p>
-        </p:txBody>
-      </p:sp>
-      <p:sp>
-        <p:nvSpPr>
-          <p:cNvPr id="3" name="Text Placeholder 2"/>
-          <p:cNvSpPr>
-            <a:spLocks noGrp="1"/>
-          </p:cNvSpPr>
-          <p:nvPr>
-            <p:ph type="body" idx="1"/>
-          </p:nvPr>
-        </p:nvSpPr>
-        <p:spPr/>
-        <p:txBody>
-          <a:bodyPr/>
-          <a:lstStyle/>
-          <a:p>
-            <a:pPr>
-              <a:defRPr/>
-            </a:pPr>
-            <a:r>
-              <a:rPr lang="en-US" dirty="0"/>
-              <a:t>Any Questions? </a:t>
-            </a:r>
-          </a:p>
-        </p:txBody>
-      </p:sp>
-      <p:sp>
-        <p:nvSpPr>
-          <p:cNvPr id="10" name="Text Placeholder 2"/>
-          <p:cNvSpPr txBox="1">
-            <a:spLocks/>
-          </p:cNvSpPr>
-          <p:nvPr/>
-        </p:nvSpPr>
-        <p:spPr bwMode="auto">
-          <a:xfrm>
-            <a:off x="750888" y="4005263"/>
-            <a:ext cx="7772400" cy="1500187"/>
-          </a:xfrm>
-          <a:prstGeom prst="rect">
-            <a:avLst/>
-          </a:prstGeom>
-          <a:noFill/>
-          <a:ln>
-            <a:noFill/>
-          </a:ln>
-          <a:extLst>
-            <a:ext uri="{909E8E84-426E-40DD-AFC4-6F175D3DCCD1}">
-              <a14:hiddenFill xmlns:a14="http://schemas.microsoft.com/office/drawing/2010/main">
-                <a:solidFill>
-                  <a:srgbClr val="FFFFFF"/>
-                </a:solidFill>
-              </a14:hiddenFill>
-            </a:ext>
-            <a:ext uri="{91240B29-F687-4F45-9708-019B960494DF}">
-              <a14:hiddenLine xmlns:a14="http://schemas.microsoft.com/office/drawing/2010/main" w="9525">
-                <a:solidFill>
-                  <a:srgbClr val="000000"/>
-                </a:solidFill>
-                <a:miter lim="800000"/>
-                <a:headEnd/>
-                <a:tailEnd/>
-              </a14:hiddenLine>
-            </a:ext>
-            <a:ext uri="{FAA26D3D-D897-4be2-8F04-BA451C77F1D7}">
-              <ma14:placeholderFlag xmlns="" xmlns:ma14="http://schemas.microsoft.com/office/mac/drawingml/2011/main" val="1"/>
-            </a:ext>
-          </a:extLst>
-        </p:spPr>
-        <p:txBody>
-          <a:bodyPr anchor="b"/>
-          <a:lstStyle>
-            <a:lvl1pPr marL="0" indent="0" algn="l" defTabSz="457200" rtl="0" eaLnBrk="0" fontAlgn="base" hangingPunct="0">
-              <a:spcBef>
-                <a:spcPct val="20000"/>
-              </a:spcBef>
-              <a:spcAft>
-                <a:spcPct val="0"/>
-              </a:spcAft>
-              <a:buFont typeface="Arial" charset="0"/>
-              <a:buNone/>
-              <a:defRPr sz="2000" kern="1200">
-                <a:solidFill>
-                  <a:schemeClr val="tx1">
-                    <a:tint val="75000"/>
-                  </a:schemeClr>
-                </a:solidFill>
-                <a:latin typeface="+mn-lt"/>
-                <a:ea typeface="ＭＳ Ｐゴシック" pitchFamily="-112" charset="-128"/>
-                <a:cs typeface="ＭＳ Ｐゴシック" pitchFamily="-112" charset="-128"/>
-              </a:defRPr>
-            </a:lvl1pPr>
-            <a:lvl2pPr marL="457200" indent="0" algn="l" defTabSz="457200" rtl="0" eaLnBrk="0" fontAlgn="base" hangingPunct="0">
-              <a:spcBef>
-                <a:spcPct val="20000"/>
-              </a:spcBef>
-              <a:spcAft>
-                <a:spcPct val="0"/>
-              </a:spcAft>
-              <a:buFont typeface="Arial" charset="0"/>
-              <a:buNone/>
-              <a:defRPr sz="1800" kern="1200">
-                <a:solidFill>
-                  <a:schemeClr val="tx1">
-                    <a:tint val="75000"/>
-                  </a:schemeClr>
-                </a:solidFill>
-                <a:latin typeface="+mn-lt"/>
-                <a:ea typeface="ＭＳ Ｐゴシック" pitchFamily="-112" charset="-128"/>
-                <a:cs typeface="+mn-cs"/>
-              </a:defRPr>
-            </a:lvl2pPr>
-            <a:lvl3pPr marL="914400" indent="0" algn="l" defTabSz="457200" rtl="0" eaLnBrk="0" fontAlgn="base" hangingPunct="0">
-              <a:spcBef>
-                <a:spcPct val="20000"/>
-              </a:spcBef>
-              <a:spcAft>
-                <a:spcPct val="0"/>
-              </a:spcAft>
-              <a:buFont typeface="Arial" charset="0"/>
-              <a:buNone/>
-              <a:defRPr sz="1600" kern="1200">
-                <a:solidFill>
-                  <a:schemeClr val="tx1">
-                    <a:tint val="75000"/>
-                  </a:schemeClr>
-                </a:solidFill>
-                <a:latin typeface="+mn-lt"/>
-                <a:ea typeface="ＭＳ Ｐゴシック" pitchFamily="-112" charset="-128"/>
-                <a:cs typeface="+mn-cs"/>
-              </a:defRPr>
-            </a:lvl3pPr>
-            <a:lvl4pPr marL="1371600" indent="0" algn="l" defTabSz="457200" rtl="0" eaLnBrk="0" fontAlgn="base" hangingPunct="0">
-              <a:spcBef>
-                <a:spcPct val="20000"/>
-              </a:spcBef>
-              <a:spcAft>
-                <a:spcPct val="0"/>
-              </a:spcAft>
-              <a:buFont typeface="Arial" charset="0"/>
-              <a:buNone/>
-              <a:defRPr sz="1400" kern="1200">
-                <a:solidFill>
-                  <a:schemeClr val="tx1">
-                    <a:tint val="75000"/>
-                  </a:schemeClr>
-                </a:solidFill>
-                <a:latin typeface="+mn-lt"/>
-                <a:ea typeface="ＭＳ Ｐゴシック" pitchFamily="-112" charset="-128"/>
-                <a:cs typeface="+mn-cs"/>
-              </a:defRPr>
-            </a:lvl4pPr>
-            <a:lvl5pPr marL="1828800" indent="0" algn="l" defTabSz="457200" rtl="0" eaLnBrk="0" fontAlgn="base" hangingPunct="0">
-              <a:spcBef>
-                <a:spcPct val="20000"/>
-              </a:spcBef>
-              <a:spcAft>
-                <a:spcPct val="0"/>
-              </a:spcAft>
-              <a:buFont typeface="Arial" charset="0"/>
-              <a:buNone/>
-              <a:defRPr sz="1400" kern="1200">
-                <a:solidFill>
-                  <a:schemeClr val="tx1">
-                    <a:tint val="75000"/>
-                  </a:schemeClr>
-                </a:solidFill>
-                <a:latin typeface="+mn-lt"/>
-                <a:ea typeface="ＭＳ Ｐゴシック" pitchFamily="-112" charset="-128"/>
-                <a:cs typeface="+mn-cs"/>
-              </a:defRPr>
-            </a:lvl5pPr>
-            <a:lvl6pPr marL="2286000" indent="0" algn="l" defTabSz="457200" rtl="0" eaLnBrk="1" latinLnBrk="0" hangingPunct="1">
-              <a:spcBef>
-                <a:spcPct val="20000"/>
-              </a:spcBef>
-              <a:buFont typeface="Arial"/>
-              <a:buNone/>
-              <a:defRPr sz="1400" kern="1200">
-                <a:solidFill>
-                  <a:schemeClr val="tx1">
-                    <a:tint val="75000"/>
-                  </a:schemeClr>
-                </a:solidFill>
-                <a:latin typeface="+mn-lt"/>
-                <a:ea typeface="+mn-ea"/>
-                <a:cs typeface="+mn-cs"/>
-              </a:defRPr>
-            </a:lvl6pPr>
-            <a:lvl7pPr marL="2743200" indent="0" algn="l" defTabSz="457200" rtl="0" eaLnBrk="1" latinLnBrk="0" hangingPunct="1">
-              <a:spcBef>
-                <a:spcPct val="20000"/>
-              </a:spcBef>
-              <a:buFont typeface="Arial"/>
-              <a:buNone/>
-              <a:defRPr sz="1400" kern="1200">
-                <a:solidFill>
-                  <a:schemeClr val="tx1">
-                    <a:tint val="75000"/>
-                  </a:schemeClr>
-                </a:solidFill>
-                <a:latin typeface="+mn-lt"/>
-                <a:ea typeface="+mn-ea"/>
-                <a:cs typeface="+mn-cs"/>
-              </a:defRPr>
-            </a:lvl7pPr>
-            <a:lvl8pPr marL="3200400" indent="0" algn="l" defTabSz="457200" rtl="0" eaLnBrk="1" latinLnBrk="0" hangingPunct="1">
-              <a:spcBef>
-                <a:spcPct val="20000"/>
-              </a:spcBef>
-              <a:buFont typeface="Arial"/>
-              <a:buNone/>
-              <a:defRPr sz="1400" kern="1200">
-                <a:solidFill>
-                  <a:schemeClr val="tx1">
-                    <a:tint val="75000"/>
-                  </a:schemeClr>
-                </a:solidFill>
-                <a:latin typeface="+mn-lt"/>
-                <a:ea typeface="+mn-ea"/>
-                <a:cs typeface="+mn-cs"/>
-              </a:defRPr>
-            </a:lvl8pPr>
-            <a:lvl9pPr marL="3657600" indent="0" algn="l" defTabSz="457200" rtl="0" eaLnBrk="1" latinLnBrk="0" hangingPunct="1">
-              <a:spcBef>
-                <a:spcPct val="20000"/>
-              </a:spcBef>
-              <a:buFont typeface="Arial"/>
-              <a:buNone/>
-              <a:defRPr sz="1400" kern="1200">
-                <a:solidFill>
-                  <a:schemeClr val="tx1">
-                    <a:tint val="75000"/>
-                  </a:schemeClr>
-                </a:solidFill>
-                <a:latin typeface="+mn-lt"/>
-                <a:ea typeface="+mn-ea"/>
-                <a:cs typeface="+mn-cs"/>
-              </a:defRPr>
-            </a:lvl9pPr>
-          </a:lstStyle>
-          <a:p>
-            <a:pPr>
-              <a:defRPr/>
-            </a:pPr>
-            <a:endParaRPr lang="en-US" dirty="0">
-              <a:solidFill>
-                <a:schemeClr val="bg1">
-                  <a:lumMod val="65000"/>
-                </a:schemeClr>
-              </a:solidFill>
-            </a:endParaRPr>
-          </a:p>
-        </p:txBody>
-      </p:sp>
-    </p:spTree>
-    <p:extLst>
-      <p:ext uri="{BB962C8B-B14F-4D97-AF65-F5344CB8AC3E}">
-        <p14:creationId xmlns:p14="http://schemas.microsoft.com/office/powerpoint/2010/main" val="1727544517"/>
-      </p:ext>
-    </p:extLst>
-  </p:cSld>
-  <p:clrMapOvr>
-    <a:masterClrMapping/>
-  </p:clrMapOvr>
-</p:sld>
-</file>
-
-<file path=ppt/slides/slide2.xml><?xml version="1.0" encoding="utf-8"?>
-<p:sld xmlns:a="http://schemas.openxmlformats.org/drawingml/2006/main" xmlns:r="http://schemas.openxmlformats.org/officeDocument/2006/relationships" xmlns:p="http://schemas.openxmlformats.org/presentationml/2006/main">
-  <p:cSld>
-    <p:spTree>
-      <p:nvGrpSpPr>
-        <p:cNvPr id="1" name=""/>
-        <p:cNvGrpSpPr/>
-        <p:nvPr/>
-      </p:nvGrpSpPr>
-      <p:grpSpPr>
-        <a:xfrm>
-          <a:off x="0" y="0"/>
-          <a:ext cx="0" cy="0"/>
-          <a:chOff x="0" y="0"/>
-          <a:chExt cx="0" cy="0"/>
-        </a:xfrm>
-      </p:grpSpPr>
-      <p:sp>
-        <p:nvSpPr>
-          <p:cNvPr id="2" name="제목 1">
-            <a:extLst>
-              <a:ext uri="{FF2B5EF4-FFF2-40B4-BE49-F238E27FC236}">
-                <a16:creationId xmlns:a16="http://schemas.microsoft.com/office/drawing/2014/main" id="{F5F63D42-1E06-4A5B-9AAA-45F95E0B04D0}"/>
-              </a:ext>
-            </a:extLst>
-          </p:cNvPr>
-          <p:cNvSpPr>
-            <a:spLocks noGrp="1"/>
-          </p:cNvSpPr>
-          <p:nvPr>
-            <p:ph type="title"/>
-          </p:nvPr>
-        </p:nvSpPr>
-        <p:spPr>
-          <a:xfrm>
-            <a:off x="116681" y="-4"/>
-            <a:ext cx="8910637" cy="987425"/>
-          </a:xfrm>
-        </p:spPr>
-        <p:txBody>
-          <a:bodyPr/>
-          <a:lstStyle/>
-          <a:p>
-            <a:r>
-              <a:rPr lang="en-US" altLang="ko-KR" dirty="0"/>
-              <a:t>Progress</a:t>
-            </a:r>
-            <a:endParaRPr lang="ko-KR" altLang="en-US" dirty="0"/>
-          </a:p>
-        </p:txBody>
-      </p:sp>
-      <p:sp>
-        <p:nvSpPr>
-          <p:cNvPr id="3" name="내용 개체 틀 2">
-            <a:extLst>
-              <a:ext uri="{FF2B5EF4-FFF2-40B4-BE49-F238E27FC236}">
-                <a16:creationId xmlns:a16="http://schemas.microsoft.com/office/drawing/2014/main" id="{08458E5A-D904-4F83-968A-D96BD79BB32E}"/>
-              </a:ext>
-            </a:extLst>
-          </p:cNvPr>
-          <p:cNvSpPr>
-            <a:spLocks noGrp="1"/>
-          </p:cNvSpPr>
-          <p:nvPr>
-            <p:ph idx="1"/>
-          </p:nvPr>
-        </p:nvSpPr>
-        <p:spPr>
-          <a:xfrm>
-            <a:off x="457199" y="1036062"/>
-            <a:ext cx="8297695" cy="5428800"/>
-          </a:xfrm>
-        </p:spPr>
-        <p:txBody>
-          <a:bodyPr>
-            <a:normAutofit/>
-          </a:bodyPr>
-          <a:lstStyle/>
-          <a:p>
-            <a:r>
-              <a:rPr lang="en-US" altLang="ko-KR" b="1" dirty="0">
-                <a:solidFill>
-                  <a:srgbClr val="0000FF"/>
-                </a:solidFill>
-              </a:rPr>
-              <a:t>Design Env code</a:t>
-            </a:r>
-            <a:endParaRPr lang="en-US" altLang="ko-KR" b="1" dirty="0"/>
-          </a:p>
-          <a:p>
-            <a:r>
-              <a:rPr lang="en-US" altLang="ko-KR" b="1" dirty="0">
-                <a:solidFill>
-                  <a:srgbClr val="FF0000"/>
-                </a:solidFill>
-              </a:rPr>
-              <a:t>Design RL code </a:t>
-            </a:r>
-            <a:r>
-              <a:rPr lang="en-US" altLang="ko-KR" b="1" dirty="0"/>
-              <a:t>– MCTS </a:t>
-            </a:r>
-          </a:p>
-          <a:p>
-            <a:pPr lvl="1"/>
-            <a:r>
-              <a:rPr lang="en-US" altLang="ko-KR" b="1" dirty="0">
-                <a:solidFill>
-                  <a:schemeClr val="tx1"/>
-                </a:solidFill>
-              </a:rPr>
-              <a:t>Remodel based on sample library</a:t>
-            </a:r>
-          </a:p>
-          <a:p>
-            <a:pPr lvl="2"/>
-            <a:r>
-              <a:rPr lang="en-US" altLang="ko-KR" b="1" dirty="0">
-                <a:solidFill>
-                  <a:schemeClr val="tx1"/>
-                </a:solidFill>
-              </a:rPr>
-              <a:t>Most of MCTS libraries are for sequential game</a:t>
-            </a:r>
-          </a:p>
-          <a:p>
-            <a:pPr marL="800100" lvl="2" indent="0">
-              <a:buNone/>
-            </a:pPr>
-            <a:r>
-              <a:rPr lang="en-US" altLang="ko-KR" b="1" dirty="0">
-                <a:solidFill>
-                  <a:schemeClr val="tx1"/>
-                </a:solidFill>
-                <a:sym typeface="Wingdings" panose="05000000000000000000" pitchFamily="2" charset="2"/>
-              </a:rPr>
-              <a:t> </a:t>
-            </a:r>
-            <a:r>
-              <a:rPr lang="en-US" altLang="ko-KR" b="1" dirty="0">
-                <a:solidFill>
-                  <a:schemeClr val="tx1"/>
-                </a:solidFill>
-              </a:rPr>
-              <a:t>We decided to mcts.py module instead of using MCTS library </a:t>
-            </a:r>
-          </a:p>
-          <a:p>
-            <a:r>
-              <a:rPr lang="en-US" altLang="ko-KR" b="1" dirty="0"/>
-              <a:t>Make 2 module</a:t>
-            </a:r>
-          </a:p>
-          <a:p>
-            <a:pPr lvl="1"/>
-            <a:r>
-              <a:rPr lang="en-US" altLang="ko-KR" b="1" dirty="0">
-                <a:solidFill>
-                  <a:schemeClr val="tx1"/>
-                </a:solidFill>
-              </a:rPr>
-              <a:t>main.py: </a:t>
-            </a:r>
-            <a:r>
-              <a:rPr lang="en-US" altLang="ko-KR" b="1" dirty="0" err="1">
-                <a:solidFill>
-                  <a:schemeClr val="tx1"/>
-                </a:solidFill>
-              </a:rPr>
-              <a:t>UDNEnv</a:t>
-            </a:r>
-            <a:r>
-              <a:rPr lang="en-US" altLang="ko-KR" b="1" dirty="0">
-                <a:solidFill>
-                  <a:schemeClr val="tx1"/>
-                </a:solidFill>
-              </a:rPr>
-              <a:t>(environment code)+MCTS(RL code)</a:t>
-            </a:r>
-          </a:p>
-          <a:p>
-            <a:pPr lvl="1"/>
-            <a:r>
-              <a:rPr lang="en-US" altLang="ko-KR" b="1" dirty="0">
-                <a:solidFill>
-                  <a:schemeClr val="tx1"/>
-                </a:solidFill>
-              </a:rPr>
-              <a:t>ppp.py: BSposition.csv(information of BS position) create</a:t>
-            </a:r>
-          </a:p>
-        </p:txBody>
-      </p:sp>
-    </p:spTree>
-    <p:extLst>
-      <p:ext uri="{BB962C8B-B14F-4D97-AF65-F5344CB8AC3E}">
-        <p14:creationId xmlns:p14="http://schemas.microsoft.com/office/powerpoint/2010/main" val="47788732"/>
-      </p:ext>
-    </p:extLst>
-  </p:cSld>
-  <p:clrMapOvr>
-    <a:masterClrMapping/>
-  </p:clrMapOvr>
-</p:sld>
-</file>
-
-<file path=ppt/slides/slide3.xml><?xml version="1.0" encoding="utf-8"?>
-<p:sld xmlns:a="http://schemas.openxmlformats.org/drawingml/2006/main" xmlns:r="http://schemas.openxmlformats.org/officeDocument/2006/relationships" xmlns:p="http://schemas.openxmlformats.org/presentationml/2006/main">
-  <p:cSld>
-    <p:spTree>
-      <p:nvGrpSpPr>
-        <p:cNvPr id="1" name=""/>
-        <p:cNvGrpSpPr/>
-        <p:nvPr/>
-      </p:nvGrpSpPr>
-      <p:grpSpPr>
-        <a:xfrm>
-          <a:off x="0" y="0"/>
-          <a:ext cx="0" cy="0"/>
-          <a:chOff x="0" y="0"/>
-          <a:chExt cx="0" cy="0"/>
-        </a:xfrm>
-      </p:grpSpPr>
-      <p:sp>
-        <p:nvSpPr>
-          <p:cNvPr id="2" name="제목 1">
-            <a:extLst>
-              <a:ext uri="{FF2B5EF4-FFF2-40B4-BE49-F238E27FC236}">
-                <a16:creationId xmlns:a16="http://schemas.microsoft.com/office/drawing/2014/main" id="{F5F63D42-1E06-4A5B-9AAA-45F95E0B04D0}"/>
-              </a:ext>
-            </a:extLst>
-          </p:cNvPr>
-          <p:cNvSpPr>
-            <a:spLocks noGrp="1"/>
-          </p:cNvSpPr>
-          <p:nvPr>
-            <p:ph type="title"/>
-          </p:nvPr>
-        </p:nvSpPr>
-        <p:spPr>
-          <a:xfrm>
-            <a:off x="116681" y="-4"/>
-            <a:ext cx="8910637" cy="987425"/>
-          </a:xfrm>
-        </p:spPr>
-        <p:txBody>
-          <a:bodyPr/>
-          <a:lstStyle/>
-          <a:p>
-            <a:r>
-              <a:rPr lang="en-US" altLang="ko-KR" dirty="0"/>
-              <a:t>System Model</a:t>
-            </a:r>
-            <a:endParaRPr lang="ko-KR" altLang="en-US" dirty="0"/>
-          </a:p>
-        </p:txBody>
-      </p:sp>
-      <p:sp>
-        <p:nvSpPr>
-          <p:cNvPr id="3" name="내용 개체 틀 2">
-            <a:extLst>
-              <a:ext uri="{FF2B5EF4-FFF2-40B4-BE49-F238E27FC236}">
-                <a16:creationId xmlns:a16="http://schemas.microsoft.com/office/drawing/2014/main" id="{08458E5A-D904-4F83-968A-D96BD79BB32E}"/>
-              </a:ext>
-            </a:extLst>
-          </p:cNvPr>
-          <p:cNvSpPr>
-            <a:spLocks noGrp="1"/>
-          </p:cNvSpPr>
-          <p:nvPr>
-            <p:ph idx="1"/>
-          </p:nvPr>
-        </p:nvSpPr>
-        <p:spPr>
-          <a:xfrm>
-            <a:off x="457199" y="1036062"/>
-            <a:ext cx="8297695" cy="5428800"/>
-          </a:xfrm>
-        </p:spPr>
-        <p:txBody>
-          <a:bodyPr>
-            <a:normAutofit/>
-          </a:bodyPr>
-          <a:lstStyle/>
-          <a:p>
-            <a:r>
-              <a:rPr lang="en-US" altLang="ko-KR" b="1" dirty="0"/>
-              <a:t>Environment model</a:t>
-            </a:r>
-          </a:p>
-          <a:p>
-            <a:pPr lvl="1"/>
-            <a:r>
-              <a:rPr lang="en-US" altLang="ko-KR" b="1" i="1" dirty="0">
-                <a:solidFill>
-                  <a:srgbClr val="FF0000"/>
-                </a:solidFill>
-              </a:rPr>
-              <a:t>16-users and 10-BSs </a:t>
-            </a:r>
-            <a:r>
-              <a:rPr lang="en-US" altLang="ko-KR" b="1" dirty="0"/>
-              <a:t>are deployed in the area </a:t>
-            </a:r>
-          </a:p>
-          <a:p>
-            <a:pPr lvl="2"/>
-            <a:r>
-              <a:rPr lang="en-US" altLang="ko-KR" b="1" dirty="0"/>
-              <a:t>BS location is PPP</a:t>
-            </a:r>
-          </a:p>
-          <a:p>
-            <a:pPr lvl="2"/>
-            <a:r>
-              <a:rPr lang="en-US" altLang="ko-KR" b="1" dirty="0"/>
-              <a:t>User location is uniform distribution which changes every step</a:t>
-            </a:r>
-          </a:p>
-          <a:p>
-            <a:pPr lvl="1" latinLnBrk="1">
-              <a:lnSpc>
-                <a:spcPct val="150000"/>
-              </a:lnSpc>
-            </a:pPr>
-            <a:r>
-              <a:rPr lang="en-US" altLang="ko-KR" b="1" dirty="0">
-                <a:solidFill>
-                  <a:schemeClr val="tx1"/>
-                </a:solidFill>
-              </a:rPr>
-              <a:t>User-BS association rule: nearest BS association</a:t>
-            </a:r>
-            <a:endParaRPr lang="ko-KR" altLang="ko-KR" b="1" dirty="0">
-              <a:solidFill>
-                <a:schemeClr val="tx1"/>
-              </a:solidFill>
-            </a:endParaRPr>
-          </a:p>
-          <a:p>
-            <a:pPr lvl="2"/>
-            <a:r>
-              <a:rPr lang="ko-KR" altLang="en-US" b="1" dirty="0">
-                <a:solidFill>
-                  <a:srgbClr val="0000FF"/>
-                </a:solidFill>
-              </a:rPr>
-              <a:t>전원 </a:t>
-            </a:r>
-            <a:r>
-              <a:rPr lang="en-US" altLang="ko-KR" b="1" dirty="0">
-                <a:solidFill>
-                  <a:srgbClr val="0000FF"/>
-                </a:solidFill>
-              </a:rPr>
-              <a:t>off </a:t>
-            </a:r>
-            <a:r>
-              <a:rPr lang="ko-KR" altLang="en-US" b="1" dirty="0">
-                <a:solidFill>
-                  <a:srgbClr val="0000FF"/>
-                </a:solidFill>
-              </a:rPr>
-              <a:t>된 </a:t>
-            </a:r>
-            <a:r>
-              <a:rPr lang="en-US" altLang="ko-KR" b="1" dirty="0">
-                <a:solidFill>
-                  <a:srgbClr val="0000FF"/>
-                </a:solidFill>
-              </a:rPr>
-              <a:t>BS</a:t>
-            </a:r>
-            <a:r>
-              <a:rPr lang="ko-KR" altLang="en-US" b="1" dirty="0">
-                <a:solidFill>
-                  <a:srgbClr val="0000FF"/>
-                </a:solidFill>
-              </a:rPr>
-              <a:t>와 </a:t>
-            </a:r>
-            <a:r>
-              <a:rPr lang="en-US" altLang="ko-KR" b="1" dirty="0">
-                <a:solidFill>
-                  <a:srgbClr val="0000FF"/>
-                </a:solidFill>
-              </a:rPr>
-              <a:t>user</a:t>
-            </a:r>
-            <a:r>
-              <a:rPr lang="ko-KR" altLang="en-US" b="1" dirty="0">
-                <a:solidFill>
-                  <a:srgbClr val="0000FF"/>
-                </a:solidFill>
-              </a:rPr>
-              <a:t>까지의 거리를 </a:t>
-            </a:r>
-            <a:r>
-              <a:rPr lang="en-US" altLang="ko-KR" b="1" dirty="0">
-                <a:solidFill>
-                  <a:srgbClr val="0000FF"/>
-                </a:solidFill>
-              </a:rPr>
-              <a:t>infinity</a:t>
-            </a:r>
-            <a:r>
-              <a:rPr lang="ko-KR" altLang="en-US" b="1" dirty="0">
-                <a:solidFill>
-                  <a:srgbClr val="0000FF"/>
-                </a:solidFill>
-              </a:rPr>
-              <a:t>로 하여 </a:t>
-            </a:r>
-            <a:r>
-              <a:rPr lang="en-US" altLang="ko-KR" b="1" dirty="0">
-                <a:solidFill>
-                  <a:srgbClr val="0000FF"/>
-                </a:solidFill>
-              </a:rPr>
-              <a:t>association</a:t>
-            </a:r>
-            <a:r>
-              <a:rPr lang="ko-KR" altLang="en-US" b="1" dirty="0">
-                <a:solidFill>
-                  <a:srgbClr val="0000FF"/>
-                </a:solidFill>
-              </a:rPr>
-              <a:t>을 막음</a:t>
-            </a:r>
-            <a:endParaRPr lang="en-US" altLang="ko-KR" b="1" dirty="0">
-              <a:solidFill>
-                <a:srgbClr val="0000FF"/>
-              </a:solidFill>
-            </a:endParaRPr>
-          </a:p>
-          <a:p>
-            <a:pPr lvl="2"/>
-            <a:endParaRPr lang="en-US" altLang="ko-KR" b="1" dirty="0">
-              <a:solidFill>
-                <a:srgbClr val="0000FF"/>
-              </a:solidFill>
-            </a:endParaRPr>
-          </a:p>
-          <a:p>
-            <a:r>
-              <a:rPr lang="en-US" altLang="ko-KR" b="1" dirty="0"/>
-              <a:t>MCTS model </a:t>
-            </a:r>
-          </a:p>
-          <a:p>
-            <a:pPr lvl="1"/>
-            <a:r>
-              <a:rPr lang="en-US" altLang="ko-KR" b="1" dirty="0">
-                <a:solidFill>
-                  <a:schemeClr val="tx1"/>
-                </a:solidFill>
-              </a:rPr>
-              <a:t>Utilize MCTS library on </a:t>
-            </a:r>
-            <a:r>
-              <a:rPr lang="en-US" altLang="ko-KR" b="1" dirty="0" err="1">
-                <a:solidFill>
-                  <a:schemeClr val="tx1"/>
-                </a:solidFill>
-              </a:rPr>
-              <a:t>Github</a:t>
-            </a:r>
-            <a:endParaRPr lang="en-US" altLang="ko-KR" b="1" dirty="0">
-              <a:solidFill>
-                <a:schemeClr val="tx1"/>
-              </a:solidFill>
-            </a:endParaRPr>
-          </a:p>
-          <a:p>
-            <a:pPr lvl="2"/>
-            <a:r>
-              <a:rPr lang="en-US" altLang="ko-KR" b="1" dirty="0">
-                <a:solidFill>
-                  <a:schemeClr val="tx1"/>
-                </a:solidFill>
-              </a:rPr>
-              <a:t>Most of MCTS libraries are for sequential game</a:t>
-            </a:r>
-          </a:p>
-          <a:p>
-            <a:pPr lvl="1"/>
-            <a:r>
-              <a:rPr lang="en-US" altLang="ko-KR" b="1" dirty="0">
-                <a:solidFill>
-                  <a:schemeClr val="tx1"/>
-                </a:solidFill>
-              </a:rPr>
-              <a:t>We decided to edit the library for our environment model</a:t>
-            </a:r>
-          </a:p>
-        </p:txBody>
-      </p:sp>
-    </p:spTree>
-    <p:extLst>
-      <p:ext uri="{BB962C8B-B14F-4D97-AF65-F5344CB8AC3E}">
-        <p14:creationId xmlns:p14="http://schemas.microsoft.com/office/powerpoint/2010/main" val="3443461438"/>
-      </p:ext>
-    </p:extLst>
-  </p:cSld>
-  <p:clrMapOvr>
-    <a:masterClrMapping/>
-  </p:clrMapOvr>
-</p:sld>
-</file>
-
-<file path=ppt/slides/slide4.xml><?xml version="1.0" encoding="utf-8"?>
-<p:sld xmlns:a="http://schemas.openxmlformats.org/drawingml/2006/main" xmlns:r="http://schemas.openxmlformats.org/officeDocument/2006/relationships" xmlns:p="http://schemas.openxmlformats.org/presentationml/2006/main">
-  <p:cSld>
-    <p:spTree>
-      <p:nvGrpSpPr>
-        <p:cNvPr id="1" name=""/>
-        <p:cNvGrpSpPr/>
-        <p:nvPr/>
-      </p:nvGrpSpPr>
-      <p:grpSpPr>
-        <a:xfrm>
-          <a:off x="0" y="0"/>
-          <a:ext cx="0" cy="0"/>
-          <a:chOff x="0" y="0"/>
-          <a:chExt cx="0" cy="0"/>
-        </a:xfrm>
-      </p:grpSpPr>
-      <p:sp>
-        <p:nvSpPr>
-          <p:cNvPr id="2" name="제목 1">
-            <a:extLst>
-              <a:ext uri="{FF2B5EF4-FFF2-40B4-BE49-F238E27FC236}">
-                <a16:creationId xmlns:a16="http://schemas.microsoft.com/office/drawing/2014/main" id="{F5F63D42-1E06-4A5B-9AAA-45F95E0B04D0}"/>
-              </a:ext>
-            </a:extLst>
-          </p:cNvPr>
-          <p:cNvSpPr>
-            <a:spLocks noGrp="1"/>
-          </p:cNvSpPr>
-          <p:nvPr>
-            <p:ph type="title"/>
-          </p:nvPr>
-        </p:nvSpPr>
-        <p:spPr>
-          <a:xfrm>
-            <a:off x="116681" y="-4"/>
-            <a:ext cx="8910637" cy="987425"/>
-          </a:xfrm>
-        </p:spPr>
-        <p:txBody>
-          <a:bodyPr/>
-          <a:lstStyle/>
-          <a:p>
-            <a:r>
-              <a:rPr lang="en-US" altLang="ko-KR" dirty="0"/>
-              <a:t>System Model</a:t>
-            </a:r>
-            <a:endParaRPr lang="ko-KR" altLang="en-US" dirty="0"/>
-          </a:p>
-        </p:txBody>
-      </p:sp>
-      <mc:AlternateContent xmlns:mc="http://schemas.openxmlformats.org/markup-compatibility/2006" xmlns:a14="http://schemas.microsoft.com/office/drawing/2010/main">
-        <mc:Choice Requires="a14">
+      <mc:AlternateContent xmlns:mc="http://schemas.openxmlformats.org/markup-compatibility/2006">
+        <mc:Choice xmlns:a14="http://schemas.microsoft.com/office/drawing/2010/main" Requires="a14">
           <p:sp>
             <p:nvSpPr>
               <p:cNvPr id="3" name="내용 개체 틀 2">
@@ -6979,7 +6122,7 @@
             </p:spPr>
             <p:txBody>
               <a:bodyPr>
-                <a:normAutofit/>
+                <a:normAutofit lnSpcReduction="10000"/>
               </a:bodyPr>
               <a:lstStyle/>
               <a:p>
@@ -7515,920 +6658,26 @@
                   </a:rPr>
                   <a:t>: (Sum of each SNR / Sum of Energy Consumption)</a:t>
                 </a:r>
-                <a:endParaRPr lang="ko-KR" altLang="ko-KR" b="1" dirty="0">
-                  <a:solidFill>
-                    <a:schemeClr val="tx1"/>
-                  </a:solidFill>
-                </a:endParaRPr>
               </a:p>
-            </p:txBody>
-          </p:sp>
-        </mc:Choice>
-        <mc:Fallback xmlns="">
-          <p:sp>
-            <p:nvSpPr>
-              <p:cNvPr id="3" name="내용 개체 틀 2">
-                <a:extLst>
-                  <a:ext uri="{FF2B5EF4-FFF2-40B4-BE49-F238E27FC236}">
-                    <a16:creationId xmlns:a16="http://schemas.microsoft.com/office/drawing/2014/main" id="{08458E5A-D904-4F83-968A-D96BD79BB32E}"/>
-                  </a:ext>
-                </a:extLst>
-              </p:cNvPr>
-              <p:cNvSpPr>
-                <a:spLocks noGrp="1" noRot="1" noChangeAspect="1" noMove="1" noResize="1" noEditPoints="1" noAdjustHandles="1" noChangeArrowheads="1" noChangeShapeType="1" noTextEdit="1"/>
-              </p:cNvSpPr>
-              <p:nvPr>
-                <p:ph idx="1"/>
-              </p:nvPr>
-            </p:nvSpPr>
-            <p:spPr>
-              <a:xfrm>
-                <a:off x="457199" y="1036062"/>
-                <a:ext cx="8297695" cy="5428800"/>
-              </a:xfrm>
-              <a:blipFill>
-                <a:blip r:embed="rId3"/>
-                <a:stretch>
-                  <a:fillRect/>
-                </a:stretch>
-              </a:blipFill>
-            </p:spPr>
-            <p:txBody>
-              <a:bodyPr/>
-              <a:lstStyle/>
               <a:p>
-                <a:r>
-                  <a:rPr lang="ko-KR" altLang="en-US">
-                    <a:noFill/>
-                  </a:rPr>
-                  <a:t> </a:t>
-                </a:r>
-              </a:p>
-            </p:txBody>
-          </p:sp>
-        </mc:Fallback>
-      </mc:AlternateContent>
-    </p:spTree>
-    <p:extLst>
-      <p:ext uri="{BB962C8B-B14F-4D97-AF65-F5344CB8AC3E}">
-        <p14:creationId xmlns:p14="http://schemas.microsoft.com/office/powerpoint/2010/main" val="1208485303"/>
-      </p:ext>
-    </p:extLst>
-  </p:cSld>
-  <p:clrMapOvr>
-    <a:masterClrMapping/>
-  </p:clrMapOvr>
-</p:sld>
-</file>
-
-<file path=ppt/slides/slide5.xml><?xml version="1.0" encoding="utf-8"?>
-<p:sld xmlns:a="http://schemas.openxmlformats.org/drawingml/2006/main" xmlns:r="http://schemas.openxmlformats.org/officeDocument/2006/relationships" xmlns:p="http://schemas.openxmlformats.org/presentationml/2006/main">
-  <p:cSld>
-    <p:spTree>
-      <p:nvGrpSpPr>
-        <p:cNvPr id="1" name=""/>
-        <p:cNvGrpSpPr/>
-        <p:nvPr/>
-      </p:nvGrpSpPr>
-      <p:grpSpPr>
-        <a:xfrm>
-          <a:off x="0" y="0"/>
-          <a:ext cx="0" cy="0"/>
-          <a:chOff x="0" y="0"/>
-          <a:chExt cx="0" cy="0"/>
-        </a:xfrm>
-      </p:grpSpPr>
-      <p:sp>
-        <p:nvSpPr>
-          <p:cNvPr id="2" name="제목 1">
-            <a:extLst>
-              <a:ext uri="{FF2B5EF4-FFF2-40B4-BE49-F238E27FC236}">
-                <a16:creationId xmlns:a16="http://schemas.microsoft.com/office/drawing/2014/main" id="{F5F63D42-1E06-4A5B-9AAA-45F95E0B04D0}"/>
-              </a:ext>
-            </a:extLst>
-          </p:cNvPr>
-          <p:cNvSpPr>
-            <a:spLocks noGrp="1"/>
-          </p:cNvSpPr>
-          <p:nvPr>
-            <p:ph type="title"/>
-          </p:nvPr>
-        </p:nvSpPr>
-        <p:spPr>
-          <a:xfrm>
-            <a:off x="116681" y="-4"/>
-            <a:ext cx="8910637" cy="987425"/>
-          </a:xfrm>
-        </p:spPr>
-        <p:txBody>
-          <a:bodyPr/>
-          <a:lstStyle/>
-          <a:p>
-            <a:r>
-              <a:rPr lang="en-US" altLang="ko-KR" dirty="0"/>
-              <a:t>System Model</a:t>
-            </a:r>
-            <a:endParaRPr lang="ko-KR" altLang="en-US" sz="2000" dirty="0"/>
-          </a:p>
-        </p:txBody>
-      </p:sp>
-      <mc:AlternateContent xmlns:mc="http://schemas.openxmlformats.org/markup-compatibility/2006">
-        <mc:Choice xmlns:a14="http://schemas.microsoft.com/office/drawing/2010/main" Requires="a14">
-          <p:sp>
-            <p:nvSpPr>
-              <p:cNvPr id="3" name="내용 개체 틀 2">
-                <a:extLst>
-                  <a:ext uri="{FF2B5EF4-FFF2-40B4-BE49-F238E27FC236}">
-                    <a16:creationId xmlns:a16="http://schemas.microsoft.com/office/drawing/2014/main" id="{08458E5A-D904-4F83-968A-D96BD79BB32E}"/>
-                  </a:ext>
-                </a:extLst>
-              </p:cNvPr>
-              <p:cNvSpPr>
-                <a:spLocks noGrp="1"/>
-              </p:cNvSpPr>
-              <p:nvPr>
-                <p:ph idx="1"/>
-              </p:nvPr>
-            </p:nvSpPr>
-            <p:spPr>
-              <a:xfrm>
-                <a:off x="457199" y="1036062"/>
-                <a:ext cx="8297695" cy="5428800"/>
-              </a:xfrm>
-            </p:spPr>
-            <p:txBody>
-              <a:bodyPr>
-                <a:normAutofit/>
-              </a:bodyPr>
-              <a:lstStyle/>
-              <a:p>
+                <a:pPr lvl="1" latinLnBrk="1">
+                  <a:lnSpc>
+                    <a:spcPct val="150000"/>
+                  </a:lnSpc>
+                </a:pPr>
                 <a:r>
                   <a:rPr lang="en-US" altLang="ko-KR" b="1" dirty="0">
                     <a:solidFill>
                       <a:schemeClr val="tx1"/>
                     </a:solidFill>
                   </a:rPr>
-                  <a:t>MCTS design</a:t>
+                  <a:t>User-BS association rule: nearest BS association</a:t>
                 </a:r>
-              </a:p>
-              <a:p>
-                <a:pPr lvl="1"/>
-                <a:r>
-                  <a:rPr lang="en-US" altLang="ko-KR" dirty="0">
-                    <a:solidFill>
-                      <a:srgbClr val="FF0000"/>
-                    </a:solidFill>
-                  </a:rPr>
-                  <a:t>Reward</a:t>
-                </a:r>
-                <a:r>
-                  <a:rPr lang="en-US" altLang="ko-KR" dirty="0">
-                    <a:solidFill>
-                      <a:schemeClr val="tx1"/>
-                    </a:solidFill>
-                  </a:rPr>
-                  <a:t>: SIR + Energy consumption, </a:t>
-                </a:r>
-                <a14:m>
-                  <m:oMath xmlns:m="http://schemas.openxmlformats.org/officeDocument/2006/math">
-                    <m:r>
-                      <a:rPr lang="en-US" altLang="ko-KR" i="1" smtClean="0">
-                        <a:solidFill>
-                          <a:schemeClr val="tx1"/>
-                        </a:solidFill>
-                        <a:latin typeface="Cambria Math" panose="02040503050406030204" pitchFamily="18" charset="0"/>
-                        <a:ea typeface="Cambria Math" panose="02040503050406030204" pitchFamily="18" charset="0"/>
-                      </a:rPr>
-                      <m:t>∝</m:t>
-                    </m:r>
-                    <m:sSup>
-                      <m:sSupPr>
-                        <m:ctrlPr>
-                          <a:rPr lang="en-US" altLang="ko-KR" b="0" i="1" smtClean="0">
-                            <a:solidFill>
-                              <a:schemeClr val="tx1"/>
-                            </a:solidFill>
-                            <a:latin typeface="Cambria Math" panose="02040503050406030204" pitchFamily="18" charset="0"/>
-                            <a:ea typeface="Cambria Math" panose="02040503050406030204" pitchFamily="18" charset="0"/>
-                          </a:rPr>
-                        </m:ctrlPr>
-                      </m:sSupPr>
-                      <m:e>
-                        <m:r>
-                          <a:rPr lang="en-US" altLang="ko-KR" b="0" i="1" smtClean="0">
-                            <a:solidFill>
-                              <a:schemeClr val="tx1"/>
-                            </a:solidFill>
-                            <a:latin typeface="Cambria Math" panose="02040503050406030204" pitchFamily="18" charset="0"/>
-                            <a:ea typeface="Cambria Math" panose="02040503050406030204" pitchFamily="18" charset="0"/>
-                          </a:rPr>
-                          <m:t>𝐷</m:t>
-                        </m:r>
-                      </m:e>
-                      <m:sup>
-                        <m:r>
-                          <a:rPr lang="en-US" altLang="ko-KR" b="0" i="1" smtClean="0">
-                            <a:solidFill>
-                              <a:schemeClr val="tx1"/>
-                            </a:solidFill>
-                            <a:latin typeface="Cambria Math" panose="02040503050406030204" pitchFamily="18" charset="0"/>
-                            <a:ea typeface="Cambria Math" panose="02040503050406030204" pitchFamily="18" charset="0"/>
-                          </a:rPr>
-                          <m:t>𝛼</m:t>
-                        </m:r>
-                      </m:sup>
-                    </m:sSup>
-                  </m:oMath>
-                </a14:m>
-                <a:r>
-                  <a:rPr lang="en-US" altLang="ko-KR" dirty="0">
-                    <a:solidFill>
-                      <a:schemeClr val="tx1"/>
-                    </a:solidFill>
-                  </a:rPr>
-                  <a:t> [</a:t>
-                </a:r>
-                <a14:m>
-                  <m:oMath xmlns:m="http://schemas.openxmlformats.org/officeDocument/2006/math">
-                    <m:r>
-                      <a:rPr lang="en-US" altLang="ko-KR" b="0" i="1" smtClean="0">
-                        <a:solidFill>
-                          <a:schemeClr val="tx1"/>
-                        </a:solidFill>
-                        <a:latin typeface="Cambria Math" panose="02040503050406030204" pitchFamily="18" charset="0"/>
-                        <a:ea typeface="Cambria Math" panose="02040503050406030204" pitchFamily="18" charset="0"/>
-                      </a:rPr>
-                      <m:t>𝛼</m:t>
-                    </m:r>
-                    <m:r>
-                      <a:rPr lang="en-US" altLang="ko-KR" b="0" i="1" smtClean="0">
-                        <a:solidFill>
-                          <a:schemeClr val="tx1"/>
-                        </a:solidFill>
-                        <a:latin typeface="Cambria Math" panose="02040503050406030204" pitchFamily="18" charset="0"/>
-                        <a:ea typeface="Cambria Math" panose="02040503050406030204" pitchFamily="18" charset="0"/>
-                      </a:rPr>
-                      <m:t>=−4</m:t>
-                    </m:r>
-                  </m:oMath>
-                </a14:m>
-                <a:r>
-                  <a:rPr lang="en-US" altLang="ko-KR" dirty="0">
-                    <a:solidFill>
-                      <a:schemeClr val="tx1"/>
-                    </a:solidFill>
-                  </a:rPr>
-                  <a:t> (</a:t>
-                </a:r>
-                <a:r>
-                  <a:rPr lang="en-US" altLang="ko-KR" dirty="0" err="1">
-                    <a:solidFill>
-                      <a:schemeClr val="tx1"/>
-                    </a:solidFill>
-                  </a:rPr>
-                  <a:t>NLoS</a:t>
-                </a:r>
-                <a:r>
-                  <a:rPr lang="en-US" altLang="ko-KR" dirty="0">
-                    <a:solidFill>
-                      <a:schemeClr val="tx1"/>
-                    </a:solidFill>
-                  </a:rPr>
-                  <a:t>) ]</a:t>
-                </a:r>
-              </a:p>
-              <a:p>
-                <a:pPr lvl="1"/>
-                <a:r>
-                  <a:rPr lang="en-US" altLang="ko-KR" dirty="0"/>
-                  <a:t>User-BS association rule: </a:t>
-                </a:r>
-                <a:r>
-                  <a:rPr lang="en-US" altLang="ko-KR" dirty="0">
-                    <a:solidFill>
-                      <a:srgbClr val="FF0000"/>
-                    </a:solidFill>
-                  </a:rPr>
-                  <a:t>nearest association</a:t>
-                </a:r>
-              </a:p>
-              <a:p>
-                <a:pPr lvl="1" algn="l"/>
-                <a14:m>
-                  <m:oMath xmlns:m="http://schemas.openxmlformats.org/officeDocument/2006/math">
-                    <m:r>
-                      <a:rPr lang="en-US" altLang="ko-KR" i="1">
-                        <a:solidFill>
-                          <a:schemeClr val="tx1"/>
-                        </a:solidFill>
-                        <a:latin typeface="Cambria Math" panose="02040503050406030204" pitchFamily="18" charset="0"/>
-                        <a:ea typeface="Cambria Math" panose="02040503050406030204" pitchFamily="18" charset="0"/>
-                      </a:rPr>
-                      <m:t>𝐷</m:t>
-                    </m:r>
-                  </m:oMath>
-                </a14:m>
-                <a:r>
-                  <a:rPr lang="en-US" altLang="ko-KR" dirty="0">
-                    <a:solidFill>
-                      <a:schemeClr val="tx1"/>
-                    </a:solidFill>
-                  </a:rPr>
-                  <a:t>: Distance between User and BS matrix </a:t>
-                </a:r>
-              </a:p>
-              <a:p>
-                <a:pPr lvl="2" algn="l"/>
-                <a14:m>
-                  <m:oMath xmlns:m="http://schemas.openxmlformats.org/officeDocument/2006/math">
-                    <m:sSub>
-                      <m:sSubPr>
-                        <m:ctrlPr>
-                          <a:rPr lang="en-US" altLang="ko-KR" i="1">
-                            <a:solidFill>
-                              <a:schemeClr val="tx1"/>
-                            </a:solidFill>
-                            <a:latin typeface="Cambria Math" panose="02040503050406030204" pitchFamily="18" charset="0"/>
-                            <a:ea typeface="Cambria Math" panose="02040503050406030204" pitchFamily="18" charset="0"/>
-                          </a:rPr>
-                        </m:ctrlPr>
-                      </m:sSubPr>
-                      <m:e>
-                        <m:r>
-                          <a:rPr lang="en-US" altLang="ko-KR" i="1">
-                            <a:solidFill>
-                              <a:schemeClr val="tx1"/>
-                            </a:solidFill>
-                            <a:latin typeface="Cambria Math" panose="02040503050406030204" pitchFamily="18" charset="0"/>
-                            <a:ea typeface="Cambria Math" panose="02040503050406030204" pitchFamily="18" charset="0"/>
-                          </a:rPr>
-                          <m:t>𝐷</m:t>
-                        </m:r>
-                      </m:e>
-                      <m:sub>
-                        <m:r>
-                          <a:rPr lang="en-US" altLang="ko-KR" i="1">
-                            <a:solidFill>
-                              <a:schemeClr val="tx1"/>
-                            </a:solidFill>
-                            <a:latin typeface="Cambria Math" panose="02040503050406030204" pitchFamily="18" charset="0"/>
-                            <a:ea typeface="Cambria Math" panose="02040503050406030204" pitchFamily="18" charset="0"/>
-                          </a:rPr>
-                          <m:t>𝑖𝑗</m:t>
-                        </m:r>
-                      </m:sub>
-                    </m:sSub>
-                    <m:r>
-                      <a:rPr lang="en-US" altLang="ko-KR" i="1">
-                        <a:solidFill>
-                          <a:schemeClr val="tx1"/>
-                        </a:solidFill>
-                        <a:latin typeface="Cambria Math" panose="02040503050406030204" pitchFamily="18" charset="0"/>
-                        <a:ea typeface="Cambria Math" panose="02040503050406030204" pitchFamily="18" charset="0"/>
-                      </a:rPr>
-                      <m:t>=</m:t>
-                    </m:r>
-                    <m:sSup>
-                      <m:sSupPr>
-                        <m:ctrlPr>
-                          <a:rPr lang="en-US" altLang="ko-KR" i="1">
-                            <a:solidFill>
-                              <a:schemeClr val="tx1"/>
-                            </a:solidFill>
-                            <a:latin typeface="Cambria Math" panose="02040503050406030204" pitchFamily="18" charset="0"/>
-                            <a:ea typeface="Cambria Math" panose="02040503050406030204" pitchFamily="18" charset="0"/>
-                          </a:rPr>
-                        </m:ctrlPr>
-                      </m:sSupPr>
-                      <m:e>
-                        <m:d>
-                          <m:dPr>
-                            <m:ctrlPr>
-                              <a:rPr lang="en-US" altLang="ko-KR" i="1">
-                                <a:solidFill>
-                                  <a:schemeClr val="tx1"/>
-                                </a:solidFill>
-                                <a:latin typeface="Cambria Math" panose="02040503050406030204" pitchFamily="18" charset="0"/>
-                                <a:ea typeface="Cambria Math" panose="02040503050406030204" pitchFamily="18" charset="0"/>
-                              </a:rPr>
-                            </m:ctrlPr>
-                          </m:dPr>
-                          <m:e>
-                            <m:r>
-                              <a:rPr lang="en-US" altLang="ko-KR" i="1">
-                                <a:solidFill>
-                                  <a:schemeClr val="tx1"/>
-                                </a:solidFill>
-                                <a:latin typeface="Cambria Math" panose="02040503050406030204" pitchFamily="18" charset="0"/>
-                                <a:ea typeface="Cambria Math" panose="02040503050406030204" pitchFamily="18" charset="0"/>
-                              </a:rPr>
-                              <m:t>𝐵</m:t>
-                            </m:r>
-                            <m:sSub>
-                              <m:sSubPr>
-                                <m:ctrlPr>
-                                  <a:rPr lang="en-US" altLang="ko-KR" i="1">
-                                    <a:solidFill>
-                                      <a:schemeClr val="tx1"/>
-                                    </a:solidFill>
-                                    <a:latin typeface="Cambria Math" panose="02040503050406030204" pitchFamily="18" charset="0"/>
-                                    <a:ea typeface="Cambria Math" panose="02040503050406030204" pitchFamily="18" charset="0"/>
-                                  </a:rPr>
-                                </m:ctrlPr>
-                              </m:sSubPr>
-                              <m:e>
-                                <m:r>
-                                  <a:rPr lang="en-US" altLang="ko-KR" i="1">
-                                    <a:solidFill>
-                                      <a:schemeClr val="tx1"/>
-                                    </a:solidFill>
-                                    <a:latin typeface="Cambria Math" panose="02040503050406030204" pitchFamily="18" charset="0"/>
-                                    <a:ea typeface="Cambria Math" panose="02040503050406030204" pitchFamily="18" charset="0"/>
-                                  </a:rPr>
-                                  <m:t>𝑆</m:t>
-                                </m:r>
-                              </m:e>
-                              <m:sub>
-                                <m:r>
-                                  <a:rPr lang="en-US" altLang="ko-KR" i="1">
-                                    <a:solidFill>
-                                      <a:schemeClr val="tx1"/>
-                                    </a:solidFill>
-                                    <a:latin typeface="Cambria Math" panose="02040503050406030204" pitchFamily="18" charset="0"/>
-                                    <a:ea typeface="Cambria Math" panose="02040503050406030204" pitchFamily="18" charset="0"/>
-                                  </a:rPr>
-                                  <m:t>𝑖𝑥</m:t>
-                                </m:r>
-                              </m:sub>
-                            </m:sSub>
-                            <m:r>
-                              <a:rPr lang="en-US" altLang="ko-KR" i="1">
-                                <a:solidFill>
-                                  <a:schemeClr val="tx1"/>
-                                </a:solidFill>
-                                <a:latin typeface="Cambria Math" panose="02040503050406030204" pitchFamily="18" charset="0"/>
-                                <a:ea typeface="Cambria Math" panose="02040503050406030204" pitchFamily="18" charset="0"/>
-                              </a:rPr>
-                              <m:t>−</m:t>
-                            </m:r>
-                            <m:r>
-                              <a:rPr lang="en-US" altLang="ko-KR" i="1">
-                                <a:solidFill>
-                                  <a:schemeClr val="tx1"/>
-                                </a:solidFill>
-                                <a:latin typeface="Cambria Math" panose="02040503050406030204" pitchFamily="18" charset="0"/>
-                                <a:ea typeface="Cambria Math" panose="02040503050406030204" pitchFamily="18" charset="0"/>
-                              </a:rPr>
-                              <m:t>𝑈</m:t>
-                            </m:r>
-                            <m:sSub>
-                              <m:sSubPr>
-                                <m:ctrlPr>
-                                  <a:rPr lang="en-US" altLang="ko-KR" i="1">
-                                    <a:solidFill>
-                                      <a:schemeClr val="tx1"/>
-                                    </a:solidFill>
-                                    <a:latin typeface="Cambria Math" panose="02040503050406030204" pitchFamily="18" charset="0"/>
-                                    <a:ea typeface="Cambria Math" panose="02040503050406030204" pitchFamily="18" charset="0"/>
-                                  </a:rPr>
-                                </m:ctrlPr>
-                              </m:sSubPr>
-                              <m:e>
-                                <m:r>
-                                  <a:rPr lang="en-US" altLang="ko-KR" i="1">
-                                    <a:solidFill>
-                                      <a:schemeClr val="tx1"/>
-                                    </a:solidFill>
-                                    <a:latin typeface="Cambria Math" panose="02040503050406030204" pitchFamily="18" charset="0"/>
-                                    <a:ea typeface="Cambria Math" panose="02040503050406030204" pitchFamily="18" charset="0"/>
-                                  </a:rPr>
-                                  <m:t>𝐸</m:t>
-                                </m:r>
-                              </m:e>
-                              <m:sub>
-                                <m:r>
-                                  <a:rPr lang="en-US" altLang="ko-KR" i="1">
-                                    <a:solidFill>
-                                      <a:schemeClr val="tx1"/>
-                                    </a:solidFill>
-                                    <a:latin typeface="Cambria Math" panose="02040503050406030204" pitchFamily="18" charset="0"/>
-                                    <a:ea typeface="Cambria Math" panose="02040503050406030204" pitchFamily="18" charset="0"/>
-                                  </a:rPr>
-                                  <m:t>𝑗𝑥</m:t>
-                                </m:r>
-                              </m:sub>
-                            </m:sSub>
-                          </m:e>
-                        </m:d>
-                      </m:e>
-                      <m:sup>
-                        <m:r>
-                          <a:rPr lang="en-US" altLang="ko-KR" i="1">
-                            <a:solidFill>
-                              <a:schemeClr val="tx1"/>
-                            </a:solidFill>
-                            <a:latin typeface="Cambria Math" panose="02040503050406030204" pitchFamily="18" charset="0"/>
-                            <a:ea typeface="Cambria Math" panose="02040503050406030204" pitchFamily="18" charset="0"/>
-                          </a:rPr>
-                          <m:t>2</m:t>
-                        </m:r>
-                      </m:sup>
-                    </m:sSup>
-                    <m:r>
-                      <a:rPr lang="en-US" altLang="ko-KR" i="1">
-                        <a:solidFill>
-                          <a:schemeClr val="tx1"/>
-                        </a:solidFill>
-                        <a:latin typeface="Cambria Math" panose="02040503050406030204" pitchFamily="18" charset="0"/>
-                        <a:ea typeface="Cambria Math" panose="02040503050406030204" pitchFamily="18" charset="0"/>
-                      </a:rPr>
-                      <m:t>+</m:t>
-                    </m:r>
-                    <m:sSup>
-                      <m:sSupPr>
-                        <m:ctrlPr>
-                          <a:rPr lang="en-US" altLang="ko-KR" i="1">
-                            <a:solidFill>
-                              <a:schemeClr val="tx1"/>
-                            </a:solidFill>
-                            <a:latin typeface="Cambria Math" panose="02040503050406030204" pitchFamily="18" charset="0"/>
-                            <a:ea typeface="Cambria Math" panose="02040503050406030204" pitchFamily="18" charset="0"/>
-                          </a:rPr>
-                        </m:ctrlPr>
-                      </m:sSupPr>
-                      <m:e>
-                        <m:d>
-                          <m:dPr>
-                            <m:ctrlPr>
-                              <a:rPr lang="en-US" altLang="ko-KR" i="1">
-                                <a:solidFill>
-                                  <a:schemeClr val="tx1"/>
-                                </a:solidFill>
-                                <a:latin typeface="Cambria Math" panose="02040503050406030204" pitchFamily="18" charset="0"/>
-                                <a:ea typeface="Cambria Math" panose="02040503050406030204" pitchFamily="18" charset="0"/>
-                              </a:rPr>
-                            </m:ctrlPr>
-                          </m:dPr>
-                          <m:e>
-                            <m:r>
-                              <a:rPr lang="en-US" altLang="ko-KR" i="1">
-                                <a:solidFill>
-                                  <a:schemeClr val="tx1"/>
-                                </a:solidFill>
-                                <a:latin typeface="Cambria Math" panose="02040503050406030204" pitchFamily="18" charset="0"/>
-                                <a:ea typeface="Cambria Math" panose="02040503050406030204" pitchFamily="18" charset="0"/>
-                              </a:rPr>
-                              <m:t>𝐵</m:t>
-                            </m:r>
-                            <m:sSub>
-                              <m:sSubPr>
-                                <m:ctrlPr>
-                                  <a:rPr lang="en-US" altLang="ko-KR" i="1">
-                                    <a:solidFill>
-                                      <a:schemeClr val="tx1"/>
-                                    </a:solidFill>
-                                    <a:latin typeface="Cambria Math" panose="02040503050406030204" pitchFamily="18" charset="0"/>
-                                    <a:ea typeface="Cambria Math" panose="02040503050406030204" pitchFamily="18" charset="0"/>
-                                  </a:rPr>
-                                </m:ctrlPr>
-                              </m:sSubPr>
-                              <m:e>
-                                <m:r>
-                                  <a:rPr lang="en-US" altLang="ko-KR" i="1">
-                                    <a:solidFill>
-                                      <a:schemeClr val="tx1"/>
-                                    </a:solidFill>
-                                    <a:latin typeface="Cambria Math" panose="02040503050406030204" pitchFamily="18" charset="0"/>
-                                    <a:ea typeface="Cambria Math" panose="02040503050406030204" pitchFamily="18" charset="0"/>
-                                  </a:rPr>
-                                  <m:t>𝑆</m:t>
-                                </m:r>
-                              </m:e>
-                              <m:sub>
-                                <m:r>
-                                  <a:rPr lang="en-US" altLang="ko-KR" i="1">
-                                    <a:solidFill>
-                                      <a:schemeClr val="tx1"/>
-                                    </a:solidFill>
-                                    <a:latin typeface="Cambria Math" panose="02040503050406030204" pitchFamily="18" charset="0"/>
-                                    <a:ea typeface="Cambria Math" panose="02040503050406030204" pitchFamily="18" charset="0"/>
-                                  </a:rPr>
-                                  <m:t>𝑖𝑦</m:t>
-                                </m:r>
-                              </m:sub>
-                            </m:sSub>
-                            <m:r>
-                              <a:rPr lang="en-US" altLang="ko-KR" i="1">
-                                <a:solidFill>
-                                  <a:schemeClr val="tx1"/>
-                                </a:solidFill>
-                                <a:latin typeface="Cambria Math" panose="02040503050406030204" pitchFamily="18" charset="0"/>
-                                <a:ea typeface="Cambria Math" panose="02040503050406030204" pitchFamily="18" charset="0"/>
-                              </a:rPr>
-                              <m:t>−</m:t>
-                            </m:r>
-                            <m:r>
-                              <a:rPr lang="en-US" altLang="ko-KR" i="1">
-                                <a:solidFill>
-                                  <a:schemeClr val="tx1"/>
-                                </a:solidFill>
-                                <a:latin typeface="Cambria Math" panose="02040503050406030204" pitchFamily="18" charset="0"/>
-                                <a:ea typeface="Cambria Math" panose="02040503050406030204" pitchFamily="18" charset="0"/>
-                              </a:rPr>
-                              <m:t>𝑈</m:t>
-                            </m:r>
-                            <m:sSub>
-                              <m:sSubPr>
-                                <m:ctrlPr>
-                                  <a:rPr lang="en-US" altLang="ko-KR" i="1">
-                                    <a:solidFill>
-                                      <a:schemeClr val="tx1"/>
-                                    </a:solidFill>
-                                    <a:latin typeface="Cambria Math" panose="02040503050406030204" pitchFamily="18" charset="0"/>
-                                    <a:ea typeface="Cambria Math" panose="02040503050406030204" pitchFamily="18" charset="0"/>
-                                  </a:rPr>
-                                </m:ctrlPr>
-                              </m:sSubPr>
-                              <m:e>
-                                <m:r>
-                                  <a:rPr lang="en-US" altLang="ko-KR" i="1">
-                                    <a:solidFill>
-                                      <a:schemeClr val="tx1"/>
-                                    </a:solidFill>
-                                    <a:latin typeface="Cambria Math" panose="02040503050406030204" pitchFamily="18" charset="0"/>
-                                    <a:ea typeface="Cambria Math" panose="02040503050406030204" pitchFamily="18" charset="0"/>
-                                  </a:rPr>
-                                  <m:t>𝐸</m:t>
-                                </m:r>
-                              </m:e>
-                              <m:sub>
-                                <m:r>
-                                  <a:rPr lang="en-US" altLang="ko-KR" i="1">
-                                    <a:solidFill>
-                                      <a:schemeClr val="tx1"/>
-                                    </a:solidFill>
-                                    <a:latin typeface="Cambria Math" panose="02040503050406030204" pitchFamily="18" charset="0"/>
-                                    <a:ea typeface="Cambria Math" panose="02040503050406030204" pitchFamily="18" charset="0"/>
-                                  </a:rPr>
-                                  <m:t>𝑗𝑦</m:t>
-                                </m:r>
-                              </m:sub>
-                            </m:sSub>
-                            <m:r>
-                              <a:rPr lang="en-US" altLang="ko-KR" i="1">
-                                <a:solidFill>
-                                  <a:schemeClr val="tx1"/>
-                                </a:solidFill>
-                                <a:latin typeface="Cambria Math" panose="02040503050406030204" pitchFamily="18" charset="0"/>
-                                <a:ea typeface="Cambria Math" panose="02040503050406030204" pitchFamily="18" charset="0"/>
-                              </a:rPr>
-                              <m:t> </m:t>
-                            </m:r>
-                          </m:e>
-                        </m:d>
-                      </m:e>
-                      <m:sup>
-                        <m:r>
-                          <a:rPr lang="en-US" altLang="ko-KR" i="1">
-                            <a:solidFill>
-                              <a:schemeClr val="tx1"/>
-                            </a:solidFill>
-                            <a:latin typeface="Cambria Math" panose="02040503050406030204" pitchFamily="18" charset="0"/>
-                            <a:ea typeface="Cambria Math" panose="02040503050406030204" pitchFamily="18" charset="0"/>
-                          </a:rPr>
-                          <m:t>2</m:t>
-                        </m:r>
-                      </m:sup>
-                    </m:sSup>
-                  </m:oMath>
-                </a14:m>
-                <a:endParaRPr lang="en-US" altLang="ko-KR" dirty="0">
+                <a:endParaRPr lang="ko-KR" altLang="ko-KR" b="1" dirty="0">
                   <a:solidFill>
                     <a:schemeClr val="tx1"/>
                   </a:solidFill>
                 </a:endParaRPr>
-              </a:p>
-              <a:p>
-                <a:pPr lvl="2" algn="l"/>
-                <a:r>
-                  <a:rPr lang="en-US" altLang="ko-KR" dirty="0">
-                    <a:solidFill>
-                      <a:schemeClr val="tx1"/>
-                    </a:solidFill>
-                  </a:rPr>
-                  <a:t>[BS, UE is location matrix of BS and User]</a:t>
-                </a:r>
-              </a:p>
-              <a:p>
-                <a:pPr lvl="1" algn="l"/>
-                <a:r>
-                  <a:rPr lang="en-US" altLang="ko-KR" dirty="0"/>
-                  <a:t>Node: initialize with </a:t>
-                </a:r>
-                <a14:m>
-                  <m:oMath xmlns:m="http://schemas.openxmlformats.org/officeDocument/2006/math">
-                    <m:sSub>
-                      <m:sSubPr>
-                        <m:ctrlPr>
-                          <a:rPr lang="en-US" altLang="ko-KR" i="1" dirty="0">
-                            <a:latin typeface="Cambria Math" panose="02040503050406030204" pitchFamily="18" charset="0"/>
-                          </a:rPr>
-                        </m:ctrlPr>
-                      </m:sSubPr>
-                      <m:e>
-                        <m:r>
-                          <m:rPr>
-                            <m:sty m:val="p"/>
-                          </m:rPr>
-                          <a:rPr lang="en-US" altLang="ko-KR" dirty="0">
-                            <a:latin typeface="Cambria Math" panose="02040503050406030204" pitchFamily="18" charset="0"/>
-                          </a:rPr>
-                          <m:t>BS</m:t>
-                        </m:r>
-                      </m:e>
-                      <m:sub>
-                        <m:r>
-                          <a:rPr lang="en-US" altLang="ko-KR" i="1" dirty="0">
-                            <a:latin typeface="Cambria Math" panose="02040503050406030204" pitchFamily="18" charset="0"/>
-                          </a:rPr>
-                          <m:t>𝑖</m:t>
-                        </m:r>
-                      </m:sub>
-                    </m:sSub>
-                    <m:r>
-                      <a:rPr lang="en-US" altLang="ko-KR" dirty="0">
-                        <a:latin typeface="Cambria Math" panose="02040503050406030204" pitchFamily="18" charset="0"/>
-                      </a:rPr>
-                      <m:t>=1</m:t>
-                    </m:r>
-                  </m:oMath>
-                </a14:m>
-                <a:r>
-                  <a:rPr lang="en-US" altLang="ko-KR" dirty="0"/>
-                  <a:t> for every </a:t>
-                </a:r>
-                <a14:m>
-                  <m:oMath xmlns:m="http://schemas.openxmlformats.org/officeDocument/2006/math">
-                    <m:r>
-                      <a:rPr lang="en-US" altLang="ko-KR" i="1" dirty="0">
-                        <a:latin typeface="Cambria Math" panose="02040503050406030204" pitchFamily="18" charset="0"/>
-                      </a:rPr>
-                      <m:t>𝑖</m:t>
-                    </m:r>
-                    <m:r>
-                      <a:rPr lang="en-US" altLang="ko-KR" dirty="0">
-                        <a:latin typeface="Cambria Math" panose="02040503050406030204" pitchFamily="18" charset="0"/>
-                      </a:rPr>
-                      <m:t> </m:t>
-                    </m:r>
-                  </m:oMath>
-                </a14:m>
-                <a:endParaRPr lang="en-US" altLang="ko-KR" dirty="0">
-                  <a:solidFill>
-                    <a:schemeClr val="tx1"/>
-                  </a:solidFill>
-                </a:endParaRPr>
-              </a:p>
-              <a:p>
-                <a:pPr lvl="1" algn="l"/>
-                <a:r>
-                  <a:rPr lang="en-US" altLang="ko-KR" dirty="0"/>
-                  <a:t>Initial policy: </a:t>
-                </a:r>
-                <a14:m>
-                  <m:oMath xmlns:m="http://schemas.openxmlformats.org/officeDocument/2006/math">
-                    <m:sSub>
-                      <m:sSubPr>
-                        <m:ctrlPr>
-                          <a:rPr lang="en-US" altLang="ko-KR" i="1">
-                            <a:latin typeface="Cambria Math" panose="02040503050406030204" pitchFamily="18" charset="0"/>
-                          </a:rPr>
-                        </m:ctrlPr>
-                      </m:sSubPr>
-                      <m:e>
-                        <m:r>
-                          <a:rPr lang="en-US" altLang="ko-KR" i="1">
-                            <a:latin typeface="Cambria Math" panose="02040503050406030204" pitchFamily="18" charset="0"/>
-                          </a:rPr>
-                          <m:t>𝜋</m:t>
-                        </m:r>
-                      </m:e>
-                      <m:sub>
-                        <m:r>
-                          <a:rPr lang="en-US" altLang="ko-KR" i="1">
-                            <a:latin typeface="Cambria Math" panose="02040503050406030204" pitchFamily="18" charset="0"/>
-                          </a:rPr>
-                          <m:t>0</m:t>
-                        </m:r>
-                      </m:sub>
-                    </m:sSub>
-                    <m:r>
-                      <a:rPr lang="en-US" altLang="ko-KR" i="1">
-                        <a:latin typeface="Cambria Math" panose="02040503050406030204" pitchFamily="18" charset="0"/>
-                      </a:rPr>
-                      <m:t>=</m:t>
-                    </m:r>
-                    <m:r>
-                      <a:rPr lang="en-US" altLang="ko-KR" i="1">
-                        <a:latin typeface="Cambria Math" panose="02040503050406030204" pitchFamily="18" charset="0"/>
-                      </a:rPr>
-                      <m:t>𝑃</m:t>
-                    </m:r>
-                    <m:d>
-                      <m:dPr>
-                        <m:ctrlPr>
-                          <a:rPr lang="en-US" altLang="ko-KR" i="1">
-                            <a:latin typeface="Cambria Math" panose="02040503050406030204" pitchFamily="18" charset="0"/>
-                          </a:rPr>
-                        </m:ctrlPr>
-                      </m:dPr>
-                      <m:e>
-                        <m:r>
-                          <a:rPr lang="en-US" altLang="ko-KR" i="1">
-                            <a:latin typeface="Cambria Math" panose="02040503050406030204" pitchFamily="18" charset="0"/>
-                          </a:rPr>
-                          <m:t>𝑎</m:t>
-                        </m:r>
-                      </m:e>
-                      <m:e>
-                        <m:r>
-                          <a:rPr lang="en-US" altLang="ko-KR" i="1">
-                            <a:latin typeface="Cambria Math" panose="02040503050406030204" pitchFamily="18" charset="0"/>
-                          </a:rPr>
-                          <m:t>𝑠</m:t>
-                        </m:r>
-                      </m:e>
-                    </m:d>
-                    <m:r>
-                      <a:rPr lang="en-US" altLang="ko-KR" i="1">
-                        <a:latin typeface="Cambria Math" panose="02040503050406030204" pitchFamily="18" charset="0"/>
-                      </a:rPr>
-                      <m:t>=0.5</m:t>
-                    </m:r>
-                  </m:oMath>
-                </a14:m>
-                <a:endParaRPr lang="en-US" altLang="ko-KR" b="0" dirty="0">
-                  <a:solidFill>
-                    <a:schemeClr val="tx1"/>
-                  </a:solidFill>
-                  <a:ea typeface="Cambria Math" panose="02040503050406030204" pitchFamily="18" charset="0"/>
-                </a:endParaRPr>
-              </a:p>
-              <a:p>
-                <a:pPr lvl="1"/>
-                <a:r>
-                  <a:rPr lang="en-US" altLang="ko-KR" dirty="0">
-                    <a:solidFill>
-                      <a:schemeClr val="tx1"/>
-                    </a:solidFill>
-                  </a:rPr>
-                  <a:t>Constraint: one action, one BS condition change </a:t>
-                </a:r>
-                <a:r>
-                  <a:rPr lang="en-US" altLang="ko-KR" dirty="0">
-                    <a:solidFill>
-                      <a:schemeClr val="tx1"/>
-                    </a:solidFill>
-                    <a:sym typeface="Wingdings" panose="05000000000000000000" pitchFamily="2" charset="2"/>
-                  </a:rPr>
-                  <a:t></a:t>
-                </a:r>
-                <a:r>
-                  <a:rPr lang="en-US" altLang="ko-KR" dirty="0">
-                    <a:solidFill>
-                      <a:schemeClr val="tx1"/>
-                    </a:solidFill>
-                  </a:rPr>
-                  <a:t> </a:t>
-                </a:r>
-              </a:p>
-              <a:p>
-                <a:pPr marL="457200" lvl="1" indent="0">
-                  <a:buNone/>
-                </a:pPr>
-                <a:r>
-                  <a:rPr lang="en-US" altLang="ko-KR" dirty="0"/>
-                  <a:t>    </a:t>
-                </a:r>
-                <a:r>
-                  <a:rPr lang="en-US" altLang="ko-KR" dirty="0">
-                    <a:solidFill>
-                      <a:srgbClr val="0000FF"/>
-                    </a:solidFill>
-                  </a:rPr>
-                  <a:t>one action, every BS condition could change</a:t>
-                </a:r>
-              </a:p>
-              <a:p>
-                <a:pPr lvl="1"/>
-                <a:r>
-                  <a:rPr lang="en-US" altLang="ko-KR" dirty="0">
-                    <a:solidFill>
-                      <a:schemeClr val="tx1"/>
-                    </a:solidFill>
-                  </a:rPr>
-                  <a:t>Optimize policy – update by backpropagation</a:t>
-                </a:r>
               </a:p>
             </p:txBody>
           </p:sp>
@@ -8458,7 +6707,7 @@
               <a:blipFill>
                 <a:blip r:embed="rId3"/>
                 <a:stretch>
-                  <a:fillRect t="-786"/>
+                  <a:fillRect b="-449"/>
                 </a:stretch>
               </a:blipFill>
             </p:spPr>
@@ -8477,188 +6726,10 @@
           </p:sp>
         </mc:Fallback>
       </mc:AlternateContent>
-      <p:sp>
-        <p:nvSpPr>
-          <p:cNvPr id="4" name="오른쪽 중괄호 3">
-            <a:extLst>
-              <a:ext uri="{FF2B5EF4-FFF2-40B4-BE49-F238E27FC236}">
-                <a16:creationId xmlns:a16="http://schemas.microsoft.com/office/drawing/2014/main" id="{4676BBAF-C155-4B5D-AB58-75072E796C53}"/>
-              </a:ext>
-            </a:extLst>
-          </p:cNvPr>
-          <p:cNvSpPr/>
-          <p:nvPr/>
-        </p:nvSpPr>
-        <p:spPr>
-          <a:xfrm>
-            <a:off x="7373859" y="1496871"/>
-            <a:ext cx="153908" cy="3125594"/>
-          </a:xfrm>
-          <a:prstGeom prst="rightBrace">
-            <a:avLst/>
-          </a:prstGeom>
-          <a:ln>
-            <a:solidFill>
-              <a:srgbClr val="C00000"/>
-            </a:solidFill>
-          </a:ln>
-          <a:effectLst/>
-        </p:spPr>
-        <p:style>
-          <a:lnRef idx="2">
-            <a:schemeClr val="accent1"/>
-          </a:lnRef>
-          <a:fillRef idx="0">
-            <a:schemeClr val="accent1"/>
-          </a:fillRef>
-          <a:effectRef idx="1">
-            <a:schemeClr val="accent1"/>
-          </a:effectRef>
-          <a:fontRef idx="minor">
-            <a:schemeClr val="tx1"/>
-          </a:fontRef>
-        </p:style>
-        <p:txBody>
-          <a:bodyPr rtlCol="0" anchor="ctr"/>
-          <a:lstStyle/>
-          <a:p>
-            <a:pPr algn="ctr"/>
-            <a:endParaRPr lang="ko-KR" altLang="en-US"/>
-          </a:p>
-        </p:txBody>
-      </p:sp>
-      <p:sp>
-        <p:nvSpPr>
-          <p:cNvPr id="5" name="TextBox 4">
-            <a:extLst>
-              <a:ext uri="{FF2B5EF4-FFF2-40B4-BE49-F238E27FC236}">
-                <a16:creationId xmlns:a16="http://schemas.microsoft.com/office/drawing/2014/main" id="{5ED103EF-2EDA-48F2-A423-BB360D8800B1}"/>
-              </a:ext>
-            </a:extLst>
-          </p:cNvPr>
-          <p:cNvSpPr txBox="1"/>
-          <p:nvPr/>
-        </p:nvSpPr>
-        <p:spPr>
-          <a:xfrm>
-            <a:off x="7587486" y="2875002"/>
-            <a:ext cx="738882" cy="369332"/>
-          </a:xfrm>
-          <a:prstGeom prst="rect">
-            <a:avLst/>
-          </a:prstGeom>
-          <a:noFill/>
-        </p:spPr>
-        <p:txBody>
-          <a:bodyPr wrap="square" rtlCol="0">
-            <a:spAutoFit/>
-          </a:bodyPr>
-          <a:lstStyle/>
-          <a:p>
-            <a:r>
-              <a:rPr lang="en-US" altLang="ko-KR" b="1" dirty="0">
-                <a:solidFill>
-                  <a:srgbClr val="FF0000"/>
-                </a:solidFill>
-              </a:rPr>
-              <a:t>done</a:t>
-            </a:r>
-          </a:p>
-        </p:txBody>
-      </p:sp>
-      <p:sp>
-        <p:nvSpPr>
-          <p:cNvPr id="6" name="오른쪽 중괄호 5">
-            <a:extLst>
-              <a:ext uri="{FF2B5EF4-FFF2-40B4-BE49-F238E27FC236}">
-                <a16:creationId xmlns:a16="http://schemas.microsoft.com/office/drawing/2014/main" id="{8E02C415-5B12-45F8-9B88-917F244F3F31}"/>
-              </a:ext>
-            </a:extLst>
-          </p:cNvPr>
-          <p:cNvSpPr/>
-          <p:nvPr/>
-        </p:nvSpPr>
-        <p:spPr>
-          <a:xfrm>
-            <a:off x="6458810" y="5139098"/>
-            <a:ext cx="153908" cy="1094490"/>
-          </a:xfrm>
-          <a:prstGeom prst="rightBrace">
-            <a:avLst/>
-          </a:prstGeom>
-          <a:ln>
-            <a:solidFill>
-              <a:srgbClr val="C00000"/>
-            </a:solidFill>
-          </a:ln>
-          <a:effectLst/>
-        </p:spPr>
-        <p:style>
-          <a:lnRef idx="2">
-            <a:schemeClr val="accent1"/>
-          </a:lnRef>
-          <a:fillRef idx="0">
-            <a:schemeClr val="accent1"/>
-          </a:fillRef>
-          <a:effectRef idx="1">
-            <a:schemeClr val="accent1"/>
-          </a:effectRef>
-          <a:fontRef idx="minor">
-            <a:schemeClr val="tx1"/>
-          </a:fontRef>
-        </p:style>
-        <p:txBody>
-          <a:bodyPr rtlCol="0" anchor="ctr"/>
-          <a:lstStyle/>
-          <a:p>
-            <a:pPr algn="ctr"/>
-            <a:endParaRPr lang="ko-KR" altLang="en-US"/>
-          </a:p>
-        </p:txBody>
-      </p:sp>
-      <p:sp>
-        <p:nvSpPr>
-          <p:cNvPr id="7" name="TextBox 6">
-            <a:extLst>
-              <a:ext uri="{FF2B5EF4-FFF2-40B4-BE49-F238E27FC236}">
-                <a16:creationId xmlns:a16="http://schemas.microsoft.com/office/drawing/2014/main" id="{BC42C601-FD6E-420F-891F-7DEE47B5AD97}"/>
-              </a:ext>
-            </a:extLst>
-          </p:cNvPr>
-          <p:cNvSpPr txBox="1"/>
-          <p:nvPr/>
-        </p:nvSpPr>
-        <p:spPr>
-          <a:xfrm>
-            <a:off x="6673085" y="5363177"/>
-            <a:ext cx="1883102" cy="646331"/>
-          </a:xfrm>
-          <a:prstGeom prst="rect">
-            <a:avLst/>
-          </a:prstGeom>
-          <a:noFill/>
-        </p:spPr>
-        <p:txBody>
-          <a:bodyPr wrap="square" rtlCol="0">
-            <a:spAutoFit/>
-          </a:bodyPr>
-          <a:lstStyle/>
-          <a:p>
-            <a:r>
-              <a:rPr lang="en-US" altLang="ko-KR" b="1" dirty="0">
-                <a:solidFill>
-                  <a:srgbClr val="FF0000"/>
-                </a:solidFill>
-              </a:rPr>
-              <a:t>In progress – MCTS module</a:t>
-            </a:r>
-          </a:p>
-        </p:txBody>
-      </p:sp>
     </p:spTree>
     <p:extLst>
       <p:ext uri="{BB962C8B-B14F-4D97-AF65-F5344CB8AC3E}">
-        <p14:creationId xmlns:p14="http://schemas.microsoft.com/office/powerpoint/2010/main" val="465659987"/>
+        <p14:creationId xmlns:p14="http://schemas.microsoft.com/office/powerpoint/2010/main" val="1208485303"/>
       </p:ext>
     </p:extLst>
   </p:cSld>
@@ -8847,7 +6918,7 @@
           <a:p>
             <a:r>
               <a:rPr lang="en-US" altLang="ko-KR" dirty="0"/>
-              <a:t>RL model design</a:t>
+              <a:t>System Model Structure</a:t>
             </a:r>
             <a:endParaRPr lang="ko-KR" altLang="en-US" dirty="0"/>
           </a:p>
@@ -8876,192 +6947,211 @@
           </a:xfrm>
         </p:spPr>
         <p:txBody>
-          <a:bodyPr>
-            <a:normAutofit lnSpcReduction="10000"/>
-          </a:bodyPr>
+          <a:bodyPr/>
           <a:lstStyle/>
           <a:p>
             <a:r>
               <a:rPr lang="en-US" altLang="ko-KR" b="1" dirty="0"/>
-              <a:t>def </a:t>
-            </a:r>
+              <a:t>Class : </a:t>
+            </a:r>
+            <a:r>
+              <a:rPr lang="en-US" altLang="ko-KR" b="1" dirty="0" err="1"/>
+              <a:t>UDNEnv</a:t>
+            </a:r>
+            <a:endParaRPr lang="en-US" altLang="ko-KR" b="1" dirty="0"/>
+          </a:p>
+          <a:p>
+            <a:pPr lvl="1"/>
+            <a:r>
+              <a:rPr lang="en-US" altLang="ko-KR" b="1" dirty="0">
+                <a:solidFill>
+                  <a:schemeClr val="tx1"/>
+                </a:solidFill>
+              </a:rPr>
+              <a:t>__</a:t>
+            </a:r>
+            <a:r>
+              <a:rPr lang="en-US" altLang="ko-KR" b="1" dirty="0" err="1">
+                <a:solidFill>
+                  <a:schemeClr val="tx1"/>
+                </a:solidFill>
+              </a:rPr>
+              <a:t>init</a:t>
+            </a:r>
+            <a:r>
+              <a:rPr lang="en-US" altLang="ko-KR" b="1" dirty="0">
+                <a:solidFill>
+                  <a:schemeClr val="tx1"/>
+                </a:solidFill>
+              </a:rPr>
+              <a:t>__ : Initialize parameters, BS position, </a:t>
+            </a:r>
+            <a:r>
+              <a:rPr lang="en-US" altLang="ko-KR" b="1" dirty="0" err="1">
+                <a:solidFill>
+                  <a:schemeClr val="tx1"/>
+                </a:solidFill>
+              </a:rPr>
+              <a:t>depthLimit</a:t>
+            </a:r>
+            <a:endParaRPr lang="en-US" altLang="ko-KR" b="1" dirty="0">
+              <a:solidFill>
+                <a:schemeClr val="tx1"/>
+              </a:solidFill>
+            </a:endParaRPr>
+          </a:p>
+          <a:p>
+            <a:pPr lvl="1"/>
+            <a:r>
+              <a:rPr lang="en-US" altLang="ko-KR" b="1" dirty="0">
+                <a:solidFill>
+                  <a:schemeClr val="tx1"/>
+                </a:solidFill>
+              </a:rPr>
+              <a:t>Step : calculate </a:t>
+            </a:r>
+            <a:r>
+              <a:rPr lang="en-US" altLang="ko-KR" b="1" dirty="0" err="1">
+                <a:solidFill>
+                  <a:schemeClr val="tx1"/>
+                </a:solidFill>
+              </a:rPr>
+              <a:t>Bsdistance</a:t>
+            </a:r>
+            <a:r>
+              <a:rPr lang="en-US" altLang="ko-KR" b="1" dirty="0">
+                <a:solidFill>
+                  <a:schemeClr val="tx1"/>
+                </a:solidFill>
+              </a:rPr>
+              <a:t>/</a:t>
+            </a:r>
+            <a:r>
+              <a:rPr lang="en-US" altLang="ko-KR" b="1" dirty="0" err="1">
+                <a:solidFill>
+                  <a:schemeClr val="tx1"/>
+                </a:solidFill>
+              </a:rPr>
+              <a:t>EnergyConsumption</a:t>
+            </a:r>
+            <a:r>
+              <a:rPr lang="en-US" altLang="ko-KR" b="1" dirty="0"/>
+              <a:t>/SNR/reward</a:t>
+            </a:r>
+          </a:p>
+          <a:p>
+            <a:pPr marL="1200150" lvl="3" indent="0">
+              <a:buNone/>
+            </a:pPr>
+            <a:r>
+              <a:rPr lang="en-US" altLang="ko-KR" b="1" dirty="0"/>
+              <a:t>Initialize UE position(at every iteration)</a:t>
+            </a:r>
+          </a:p>
+          <a:p>
+            <a:pPr marL="1200150" lvl="3" indent="0">
+              <a:buNone/>
+            </a:pPr>
+            <a:r>
+              <a:rPr lang="en-US" altLang="ko-KR" b="1" dirty="0">
+                <a:solidFill>
+                  <a:schemeClr val="tx1"/>
+                </a:solidFill>
+              </a:rPr>
+              <a:t>Update State / Reward</a:t>
+            </a:r>
+          </a:p>
+          <a:p>
+            <a:pPr lvl="1"/>
+            <a:r>
+              <a:rPr lang="en-US" altLang="ko-KR" b="1" dirty="0"/>
+              <a:t>Association : associate BS/UE by association rule</a:t>
+            </a:r>
+          </a:p>
+          <a:p>
+            <a:pPr lvl="1"/>
+            <a:r>
+              <a:rPr lang="en-US" altLang="ko-KR" b="1" dirty="0"/>
+              <a:t>Binary convert : convert integer number to binary action</a:t>
+            </a:r>
+          </a:p>
+          <a:p>
+            <a:pPr lvl="1"/>
             <a:r>
               <a:rPr lang="en-US" altLang="ko-KR" b="1" dirty="0" err="1"/>
               <a:t>isTerminal</a:t>
             </a:r>
             <a:r>
               <a:rPr lang="en-US" altLang="ko-KR" b="1" dirty="0"/>
-              <a:t>():   #return Boolean value</a:t>
-            </a:r>
-          </a:p>
-          <a:p>
-            <a:pPr marL="457200" lvl="1" indent="0">
+              <a:t> : decide whether the state is terminal or not</a:t>
+            </a:r>
+          </a:p>
+          <a:p>
+            <a:pPr marL="1600200" lvl="4" indent="0">
               <a:buNone/>
             </a:pPr>
             <a:r>
               <a:rPr lang="en-US" altLang="ko-KR" b="1" dirty="0"/>
-              <a:t>if search time &gt; threshold:</a:t>
-            </a:r>
-          </a:p>
-          <a:p>
-            <a:pPr marL="457200" lvl="1" indent="0">
+              <a:t>Terminate when reach at </a:t>
+            </a:r>
+          </a:p>
+          <a:p>
+            <a:pPr marL="1600200" lvl="4" indent="0">
               <a:buNone/>
             </a:pPr>
             <a:r>
               <a:rPr lang="en-US" altLang="ko-KR" b="1" dirty="0"/>
-              <a:t>	return True</a:t>
-            </a:r>
-          </a:p>
-          <a:p>
-            <a:pPr marL="457200" lvl="1" indent="0">
-              <a:buNone/>
-            </a:pPr>
+              <a:t>Return True/False</a:t>
+            </a:r>
+          </a:p>
+          <a:p>
+            <a:pPr lvl="1"/>
+            <a:r>
+              <a:rPr lang="en-US" altLang="ko-KR" b="1" dirty="0" err="1"/>
+              <a:t>getPossibleAction</a:t>
+            </a:r>
             <a:r>
               <a:rPr lang="en-US" altLang="ko-KR" b="1" dirty="0"/>
-              <a:t>else:</a:t>
-            </a:r>
-          </a:p>
-          <a:p>
-            <a:pPr marL="457200" lvl="1" indent="0">
-              <a:buNone/>
-            </a:pPr>
-            <a:r>
-              <a:rPr lang="en-US" altLang="ko-KR" b="1" dirty="0"/>
-              <a:t>	return False </a:t>
-            </a:r>
-          </a:p>
-          <a:p>
-            <a:r>
-              <a:rPr lang="en-US" altLang="ko-KR" b="1" dirty="0"/>
-              <a:t>def </a:t>
+              <a:t> :  return list of every </a:t>
             </a:r>
             <a:r>
               <a:rPr lang="en-US" altLang="ko-KR" b="1" dirty="0" err="1"/>
-              <a:t>getPossibleActions</a:t>
-            </a:r>
-            <a:r>
-              <a:rPr lang="en-US" altLang="ko-KR" b="1" dirty="0"/>
-              <a:t>(</a:t>
-            </a:r>
-            <a:r>
-              <a:rPr lang="en-US" altLang="ko-KR" b="1" dirty="0" err="1"/>
-              <a:t>env.state</a:t>
-            </a:r>
-            <a:r>
-              <a:rPr lang="en-US" altLang="ko-KR" b="1" dirty="0"/>
-              <a:t>):</a:t>
-            </a:r>
-          </a:p>
-          <a:p>
-            <a:pPr marL="457200" lvl="1" indent="0">
-              <a:buNone/>
-            </a:pPr>
-            <a:r>
-              <a:rPr lang="en-US" altLang="ko-KR" b="1" dirty="0"/>
-              <a:t>return </a:t>
-            </a:r>
-            <a:r>
-              <a:rPr lang="en-US" altLang="ko-KR" b="1" dirty="0" err="1"/>
-              <a:t>iterable</a:t>
-            </a:r>
-            <a:r>
-              <a:rPr lang="en-US" altLang="ko-KR" b="1" dirty="0"/>
-              <a:t> list of possible actions from specific </a:t>
-            </a:r>
-            <a:r>
-              <a:rPr lang="en-US" altLang="ko-KR" b="1" dirty="0" err="1"/>
-              <a:t>env.state</a:t>
+              <a:t>possibleaction</a:t>
             </a:r>
             <a:endParaRPr lang="en-US" altLang="ko-KR" b="1" dirty="0"/>
           </a:p>
           <a:p>
-            <a:pPr marL="457200" lvl="1" indent="0">
-              <a:buNone/>
-            </a:pPr>
-            <a:r>
-              <a:rPr lang="en-US" altLang="ko-KR" b="1" dirty="0"/>
-              <a:t>- in progress</a:t>
-            </a:r>
-          </a:p>
-          <a:p>
-            <a:r>
-              <a:rPr lang="en-US" altLang="ko-KR" b="1" dirty="0"/>
-              <a:t>def </a:t>
-            </a:r>
+            <a:pPr lvl="1"/>
             <a:r>
               <a:rPr lang="en-US" altLang="ko-KR" b="1" dirty="0" err="1"/>
               <a:t>takeAction</a:t>
             </a:r>
             <a:r>
               <a:rPr lang="en-US" altLang="ko-KR" b="1" dirty="0"/>
-              <a:t>(action):</a:t>
-            </a:r>
-          </a:p>
-          <a:p>
-            <a:pPr marL="457200" lvl="1" indent="0">
-              <a:buNone/>
-            </a:pPr>
-            <a:r>
-              <a:rPr lang="en-US" altLang="ko-KR" b="1" dirty="0"/>
-              <a:t>return the state which results from taking action </a:t>
-            </a:r>
-          </a:p>
-          <a:p>
-            <a:pPr marL="457200" lvl="1" indent="0">
-              <a:buNone/>
-            </a:pPr>
-            <a:r>
-              <a:rPr lang="en-US" altLang="ko-KR" b="1" dirty="0"/>
-              <a:t>- in progress</a:t>
-            </a:r>
-          </a:p>
-          <a:p>
-            <a:r>
-              <a:rPr lang="en-US" altLang="ko-KR" b="1" dirty="0"/>
-              <a:t>def </a:t>
-            </a:r>
+              <a:t>(action) : return the state according to action</a:t>
+            </a:r>
+          </a:p>
+          <a:p>
+            <a:pPr lvl="1"/>
             <a:r>
               <a:rPr lang="en-US" altLang="ko-KR" b="1" dirty="0" err="1"/>
               <a:t>getReward</a:t>
             </a:r>
             <a:r>
               <a:rPr lang="en-US" altLang="ko-KR" b="1" dirty="0"/>
-              <a:t>(</a:t>
-            </a:r>
-            <a:r>
-              <a:rPr lang="en-US" altLang="ko-KR" b="1" dirty="0" err="1"/>
-              <a:t>env.state</a:t>
-            </a:r>
-            <a:r>
-              <a:rPr lang="en-US" altLang="ko-KR" b="1" dirty="0"/>
-              <a:t>):</a:t>
-            </a:r>
-          </a:p>
-          <a:p>
-            <a:pPr marL="457200" lvl="1" indent="0">
-              <a:buNone/>
-            </a:pPr>
-            <a:r>
-              <a:rPr lang="en-US" altLang="ko-KR" b="1" dirty="0"/>
-              <a:t>return the reward of specific state</a:t>
-            </a:r>
-          </a:p>
-          <a:p>
-            <a:pPr marL="457200" lvl="1" indent="0">
-              <a:buNone/>
-            </a:pPr>
-            <a:r>
-              <a:rPr lang="en-US" altLang="ko-KR" b="1" dirty="0"/>
-              <a:t>-in progress</a:t>
-            </a:r>
-            <a:endParaRPr lang="ko-KR" altLang="en-US" b="1" dirty="0"/>
+              <a:t>(action) : return the reward of specific state</a:t>
+            </a:r>
+          </a:p>
+          <a:p>
+            <a:pPr lvl="1"/>
+            <a:endParaRPr lang="en-US" altLang="ko-KR" b="1" dirty="0"/>
           </a:p>
         </p:txBody>
       </p:sp>
     </p:spTree>
     <p:extLst>
       <p:ext uri="{BB962C8B-B14F-4D97-AF65-F5344CB8AC3E}">
-        <p14:creationId xmlns:p14="http://schemas.microsoft.com/office/powerpoint/2010/main" val="3043170752"/>
+        <p14:creationId xmlns:p14="http://schemas.microsoft.com/office/powerpoint/2010/main" val="2602252885"/>
       </p:ext>
     </p:extLst>
   </p:cSld>
@@ -9111,7 +7201,7 @@
           <a:p>
             <a:r>
               <a:rPr lang="en-US" altLang="ko-KR" dirty="0"/>
-              <a:t>RL model design</a:t>
+              <a:t>System Model Structure</a:t>
             </a:r>
             <a:endParaRPr lang="ko-KR" altLang="en-US" dirty="0"/>
           </a:p>
@@ -9140,112 +7230,140 @@
           </a:xfrm>
         </p:spPr>
         <p:txBody>
-          <a:bodyPr>
-            <a:normAutofit/>
-          </a:bodyPr>
+          <a:bodyPr/>
           <a:lstStyle/>
           <a:p>
             <a:r>
               <a:rPr lang="en-US" altLang="ko-KR" b="1" dirty="0"/>
-              <a:t>class </a:t>
+              <a:t>Class : </a:t>
             </a:r>
             <a:r>
               <a:rPr lang="en-US" altLang="ko-KR" b="1" dirty="0" err="1"/>
               <a:t>mcts</a:t>
             </a:r>
+            <a:endParaRPr lang="en-US" altLang="ko-KR" b="1" dirty="0"/>
+          </a:p>
+          <a:p>
+            <a:pPr lvl="1"/>
+            <a:r>
+              <a:rPr lang="en-US" altLang="ko-KR" b="1" dirty="0">
+                <a:solidFill>
+                  <a:schemeClr val="tx1"/>
+                </a:solidFill>
+              </a:rPr>
+              <a:t>__</a:t>
+            </a:r>
+            <a:r>
+              <a:rPr lang="en-US" altLang="ko-KR" b="1" dirty="0" err="1">
+                <a:solidFill>
+                  <a:schemeClr val="tx1"/>
+                </a:solidFill>
+              </a:rPr>
+              <a:t>init</a:t>
+            </a:r>
+            <a:r>
+              <a:rPr lang="en-US" altLang="ko-KR" b="1" dirty="0">
+                <a:solidFill>
+                  <a:schemeClr val="tx1"/>
+                </a:solidFill>
+              </a:rPr>
+              <a:t>__ : initialize parameters</a:t>
+            </a:r>
+          </a:p>
+          <a:p>
+            <a:pPr lvl="1"/>
             <a:r>
               <a:rPr lang="en-US" altLang="ko-KR" b="1" dirty="0"/>
-              <a:t>():</a:t>
-            </a:r>
-          </a:p>
-          <a:p>
-            <a:pPr marL="457200" lvl="1" indent="0">
-              <a:buNone/>
-            </a:pPr>
+              <a:t>search : search Tree until </a:t>
+            </a:r>
+            <a:r>
+              <a:rPr lang="en-US" altLang="ko-KR" b="1" dirty="0" err="1"/>
+              <a:t>iterationlimit</a:t>
+            </a:r>
+            <a:endParaRPr lang="en-US" altLang="ko-KR" b="1" dirty="0"/>
+          </a:p>
+          <a:p>
+            <a:pPr lvl="1"/>
+            <a:r>
+              <a:rPr lang="en-US" altLang="ko-KR" b="1" dirty="0" err="1"/>
+              <a:t>executeRound</a:t>
+            </a:r>
             <a:r>
               <a:rPr lang="en-US" altLang="ko-KR" b="1" dirty="0"/>
-              <a:t>def __</a:t>
-            </a:r>
-            <a:r>
-              <a:rPr lang="en-US" altLang="ko-KR" b="1" dirty="0" err="1"/>
-              <a:t>init</a:t>
-            </a:r>
-            <a:r>
-              <a:rPr lang="en-US" altLang="ko-KR" b="1" dirty="0"/>
-              <a:t>__():</a:t>
-            </a:r>
-          </a:p>
-          <a:p>
-            <a:pPr marL="457200" lvl="1" indent="0">
-              <a:buNone/>
-            </a:pPr>
-            <a:r>
-              <a:rPr lang="en-US" altLang="ko-KR" b="1" dirty="0"/>
-              <a:t>def search():</a:t>
-            </a:r>
-          </a:p>
-          <a:p>
-            <a:pPr marL="457200" lvl="1" indent="0">
-              <a:buNone/>
-            </a:pPr>
-            <a:r>
-              <a:rPr lang="en-US" altLang="ko-KR" b="1" dirty="0"/>
-              <a:t>def </a:t>
-            </a:r>
+              <a:t> : update node/reward, do backpropagate</a:t>
+            </a:r>
+          </a:p>
+          <a:p>
+            <a:pPr lvl="1"/>
             <a:r>
               <a:rPr lang="en-US" altLang="ko-KR" b="1" dirty="0" err="1"/>
               <a:t>selectNode</a:t>
             </a:r>
             <a:r>
               <a:rPr lang="en-US" altLang="ko-KR" b="1" dirty="0"/>
-              <a:t>():</a:t>
-            </a:r>
-          </a:p>
-          <a:p>
-            <a:pPr marL="457200" lvl="1" indent="0">
-              <a:buNone/>
-            </a:pPr>
+              <a:t> : decide next node</a:t>
+            </a:r>
+          </a:p>
+          <a:p>
+            <a:pPr lvl="1"/>
             <a:r>
               <a:rPr lang="en-US" altLang="ko-KR" b="1" dirty="0"/>
-              <a:t>def backpropagate():</a:t>
-            </a:r>
-          </a:p>
-          <a:p>
-            <a:pPr marL="457200" lvl="1" indent="0">
-              <a:buNone/>
-            </a:pPr>
+              <a:t>expand : expand new node</a:t>
+            </a:r>
+          </a:p>
+          <a:p>
+            <a:pPr lvl="1"/>
             <a:r>
               <a:rPr lang="en-US" altLang="ko-KR" b="1" dirty="0"/>
-              <a:t>…</a:t>
-            </a:r>
-          </a:p>
-          <a:p>
+              <a:t>Backpropagate : backpropagate the tree</a:t>
+            </a:r>
+          </a:p>
+          <a:p>
+            <a:pPr lvl="1"/>
+            <a:r>
+              <a:rPr lang="en-US" altLang="ko-KR" b="1" dirty="0" err="1"/>
+              <a:t>getBestChild</a:t>
+            </a:r>
             <a:r>
               <a:rPr lang="en-US" altLang="ko-KR" b="1" dirty="0"/>
-              <a:t>MCTS algorithm is already implemented in class </a:t>
+              <a:t> : find possible </a:t>
             </a:r>
             <a:r>
               <a:rPr lang="en-US" altLang="ko-KR" b="1" dirty="0" err="1"/>
-              <a:t>mcts</a:t>
+              <a:t>bestNodes</a:t>
+            </a:r>
+            <a:endParaRPr lang="en-US" altLang="ko-KR" b="1" dirty="0"/>
+          </a:p>
+          <a:p>
+            <a:pPr lvl="1"/>
+            <a:r>
+              <a:rPr lang="en-US" altLang="ko-KR" b="1" dirty="0" err="1"/>
+              <a:t>getAction</a:t>
             </a:r>
             <a:r>
               <a:rPr lang="en-US" altLang="ko-KR" b="1" dirty="0"/>
-              <a:t>()</a:t>
-            </a:r>
-          </a:p>
-          <a:p>
-            <a:r>
-              <a:rPr lang="en-US" altLang="ko-KR" b="1" dirty="0"/>
-              <a:t>Several variables needs editing to run Env code in mcts.py </a:t>
-            </a:r>
-            <a:endParaRPr lang="ko-KR" altLang="en-US" b="1" dirty="0"/>
+              <a:t> : return action of </a:t>
+            </a:r>
+            <a:r>
+              <a:rPr lang="en-US" altLang="ko-KR" b="1" dirty="0" err="1"/>
+              <a:t>bestnode</a:t>
+            </a:r>
+            <a:endParaRPr lang="en-US" altLang="ko-KR" b="1" dirty="0"/>
+          </a:p>
+          <a:p>
+            <a:pPr lvl="1"/>
+            <a:endParaRPr lang="en-US" altLang="ko-KR" b="1" dirty="0"/>
+          </a:p>
+          <a:p>
+            <a:pPr lvl="1"/>
+            <a:endParaRPr lang="en-US" altLang="ko-KR" b="1" dirty="0"/>
           </a:p>
         </p:txBody>
       </p:sp>
     </p:spTree>
     <p:extLst>
       <p:ext uri="{BB962C8B-B14F-4D97-AF65-F5344CB8AC3E}">
-        <p14:creationId xmlns:p14="http://schemas.microsoft.com/office/powerpoint/2010/main" val="2080462866"/>
+        <p14:creationId xmlns:p14="http://schemas.microsoft.com/office/powerpoint/2010/main" val="1679403011"/>
       </p:ext>
     </p:extLst>
   </p:cSld>
@@ -9277,7 +7395,7 @@
           <p:cNvPr id="2" name="제목 1">
             <a:extLst>
               <a:ext uri="{FF2B5EF4-FFF2-40B4-BE49-F238E27FC236}">
-                <a16:creationId xmlns:a16="http://schemas.microsoft.com/office/drawing/2014/main" id="{F5F63D42-1E06-4A5B-9AAA-45F95E0B04D0}"/>
+                <a16:creationId xmlns:a16="http://schemas.microsoft.com/office/drawing/2014/main" id="{D479E31B-A679-4AE2-A74F-D35A39E82A40}"/>
               </a:ext>
             </a:extLst>
           </p:cNvPr>
@@ -9290,7 +7408,7 @@
         </p:nvSpPr>
         <p:spPr>
           <a:xfrm>
-            <a:off x="116681" y="-4"/>
+            <a:off x="116681" y="0"/>
             <a:ext cx="8910637" cy="987425"/>
           </a:xfrm>
         </p:spPr>
@@ -9300,114 +7418,287 @@
           <a:p>
             <a:r>
               <a:rPr lang="en-US" altLang="ko-KR" dirty="0"/>
-              <a:t>Future Plan(next week) </a:t>
-            </a:r>
-            <a:r>
-              <a:rPr lang="en-US" altLang="ko-KR" sz="2000" dirty="0"/>
-              <a:t>at 7/5</a:t>
+              <a:t>Future plan</a:t>
             </a:r>
             <a:endParaRPr lang="ko-KR" altLang="en-US" sz="2000" dirty="0"/>
           </a:p>
         </p:txBody>
       </p:sp>
-      <p:sp>
-        <p:nvSpPr>
-          <p:cNvPr id="3" name="내용 개체 틀 2">
-            <a:extLst>
-              <a:ext uri="{FF2B5EF4-FFF2-40B4-BE49-F238E27FC236}">
-                <a16:creationId xmlns:a16="http://schemas.microsoft.com/office/drawing/2014/main" id="{08458E5A-D904-4F83-968A-D96BD79BB32E}"/>
-              </a:ext>
-            </a:extLst>
-          </p:cNvPr>
-          <p:cNvSpPr>
-            <a:spLocks noGrp="1"/>
-          </p:cNvSpPr>
-          <p:nvPr>
-            <p:ph idx="1"/>
-          </p:nvPr>
-        </p:nvSpPr>
-        <p:spPr>
-          <a:xfrm>
-            <a:off x="457199" y="1036062"/>
-            <a:ext cx="8297695" cy="5428800"/>
-          </a:xfrm>
-        </p:spPr>
-        <p:txBody>
-          <a:bodyPr>
-            <a:normAutofit/>
-          </a:bodyPr>
-          <a:lstStyle/>
-          <a:p>
-            <a:r>
-              <a:rPr lang="en-US" altLang="ko-KR" b="1" dirty="0">
-                <a:solidFill>
-                  <a:schemeClr val="tx1"/>
-                </a:solidFill>
-              </a:rPr>
-              <a:t>MCTS design</a:t>
-            </a:r>
-          </a:p>
-          <a:p>
-            <a:r>
-              <a:rPr lang="en-US" altLang="ko-KR" b="1" dirty="0">
-                <a:solidFill>
-                  <a:schemeClr val="tx1"/>
-                </a:solidFill>
-              </a:rPr>
-              <a:t>Environment</a:t>
-            </a:r>
-            <a:r>
-              <a:rPr lang="ko-KR" altLang="en-US" b="1" dirty="0">
-                <a:solidFill>
-                  <a:schemeClr val="tx1"/>
-                </a:solidFill>
-              </a:rPr>
-              <a:t>를 </a:t>
-            </a:r>
-            <a:r>
-              <a:rPr lang="en-US" altLang="ko-KR" b="1" dirty="0" err="1">
-                <a:solidFill>
-                  <a:schemeClr val="tx1"/>
-                </a:solidFill>
-              </a:rPr>
-              <a:t>samplin</a:t>
-            </a:r>
-            <a:r>
-              <a:rPr lang="ko-KR" altLang="en-US" b="1" dirty="0">
-                <a:solidFill>
-                  <a:schemeClr val="tx1"/>
-                </a:solidFill>
-              </a:rPr>
-              <a:t>해 </a:t>
-            </a:r>
-            <a:r>
-              <a:rPr lang="ko-KR" altLang="en-US" b="1" dirty="0"/>
-              <a:t>학습된 </a:t>
-            </a:r>
-            <a:r>
-              <a:rPr lang="en-US" altLang="ko-KR" b="1" dirty="0"/>
-              <a:t>policy</a:t>
-            </a:r>
-            <a:r>
-              <a:rPr lang="ko-KR" altLang="en-US" b="1" dirty="0"/>
-              <a:t>가 </a:t>
-            </a:r>
-            <a:r>
-              <a:rPr lang="ko-KR" altLang="en-US" b="1" dirty="0" err="1"/>
-              <a:t>과적합되었는지</a:t>
-            </a:r>
-            <a:r>
-              <a:rPr lang="ko-KR" altLang="en-US" b="1" dirty="0"/>
-              <a:t> 확인</a:t>
-            </a:r>
-            <a:endParaRPr lang="en-US" altLang="ko-KR" b="1" dirty="0"/>
-          </a:p>
-        </p:txBody>
-      </p:sp>
+      <mc:AlternateContent xmlns:mc="http://schemas.openxmlformats.org/markup-compatibility/2006">
+        <mc:Choice xmlns:a14="http://schemas.microsoft.com/office/drawing/2010/main" Requires="a14">
+          <p:sp>
+            <p:nvSpPr>
+              <p:cNvPr id="3" name="내용 개체 틀 2">
+                <a:extLst>
+                  <a:ext uri="{FF2B5EF4-FFF2-40B4-BE49-F238E27FC236}">
+                    <a16:creationId xmlns:a16="http://schemas.microsoft.com/office/drawing/2014/main" id="{76A2C441-517F-450A-A437-5A34F2F7B7E1}"/>
+                  </a:ext>
+                </a:extLst>
+              </p:cNvPr>
+              <p:cNvSpPr>
+                <a:spLocks noGrp="1"/>
+              </p:cNvSpPr>
+              <p:nvPr>
+                <p:ph idx="1"/>
+              </p:nvPr>
+            </p:nvSpPr>
+            <p:spPr/>
+            <p:txBody>
+              <a:bodyPr/>
+              <a:lstStyle/>
+              <a:p>
+                <a:r>
+                  <a:rPr lang="en-US" altLang="ko-KR" dirty="0">
+                    <a:solidFill>
+                      <a:schemeClr val="tx1"/>
+                    </a:solidFill>
+                  </a:rPr>
+                  <a:t>Program RL code by </a:t>
+                </a:r>
+                <a:r>
+                  <a:rPr lang="en-US" altLang="ko-KR" dirty="0" err="1">
+                    <a:solidFill>
+                      <a:schemeClr val="tx1"/>
+                    </a:solidFill>
+                  </a:rPr>
+                  <a:t>Tensorflow</a:t>
+                </a:r>
+                <a:r>
+                  <a:rPr lang="en-US" altLang="ko-KR" dirty="0">
+                    <a:solidFill>
+                      <a:schemeClr val="tx1"/>
+                    </a:solidFill>
+                  </a:rPr>
+                  <a:t> Library</a:t>
+                </a:r>
+              </a:p>
+              <a:p>
+                <a:r>
+                  <a:rPr lang="en-US" altLang="ko-KR" dirty="0">
+                    <a:solidFill>
+                      <a:schemeClr val="tx1"/>
+                    </a:solidFill>
+                  </a:rPr>
+                  <a:t>Apply UDN at our</a:t>
+                </a:r>
+                <a:r>
+                  <a:rPr lang="ko-KR" altLang="en-US" dirty="0">
+                    <a:solidFill>
+                      <a:schemeClr val="tx1"/>
+                    </a:solidFill>
+                  </a:rPr>
+                  <a:t> </a:t>
+                </a:r>
+                <a:r>
+                  <a:rPr lang="en-US" altLang="ko-KR" dirty="0">
+                    <a:solidFill>
+                      <a:schemeClr val="tx1"/>
+                    </a:solidFill>
+                  </a:rPr>
+                  <a:t>Environment</a:t>
+                </a:r>
+              </a:p>
+              <a:p>
+                <a:pPr lvl="1"/>
+                <a:r>
+                  <a:rPr lang="en-US" altLang="ko-KR" dirty="0">
+                    <a:solidFill>
+                      <a:schemeClr val="tx1"/>
+                    </a:solidFill>
+                  </a:rPr>
+                  <a:t>Consider </a:t>
+                </a:r>
+                <a:r>
+                  <a:rPr lang="en-US" altLang="ko-KR" dirty="0" err="1">
+                    <a:solidFill>
+                      <a:schemeClr val="tx1"/>
+                    </a:solidFill>
+                  </a:rPr>
+                  <a:t>LoS</a:t>
+                </a:r>
+                <a:r>
+                  <a:rPr lang="en-US" altLang="ko-KR" dirty="0">
+                    <a:solidFill>
+                      <a:schemeClr val="tx1"/>
+                    </a:solidFill>
+                  </a:rPr>
+                  <a:t>, </a:t>
+                </a:r>
+                <a:r>
+                  <a:rPr lang="en-US" altLang="ko-KR" dirty="0" err="1">
+                    <a:solidFill>
+                      <a:schemeClr val="tx1"/>
+                    </a:solidFill>
+                  </a:rPr>
+                  <a:t>NLoS</a:t>
+                </a:r>
+                <a:r>
+                  <a:rPr lang="en-US" altLang="ko-KR" dirty="0">
+                    <a:solidFill>
+                      <a:schemeClr val="tx1"/>
+                    </a:solidFill>
+                  </a:rPr>
+                  <a:t>, Interference</a:t>
+                </a:r>
+              </a:p>
+              <a:p>
+                <a:pPr lvl="1"/>
+                <a:r>
+                  <a:rPr lang="en-US" altLang="ko-KR" dirty="0">
+                    <a:solidFill>
+                      <a:schemeClr val="tx1"/>
+                    </a:solidFill>
+                  </a:rPr>
+                  <a:t>Set BS density for UDN</a:t>
+                </a:r>
+              </a:p>
+              <a:p>
+                <a:pPr lvl="1"/>
+                <a:r>
+                  <a:rPr lang="en-US" altLang="ko-KR" dirty="0">
+                    <a:solidFill>
+                      <a:schemeClr val="tx1"/>
+                    </a:solidFill>
+                  </a:rPr>
+                  <a:t>Consider all BS state change concurrently </a:t>
+                </a:r>
+              </a:p>
+              <a:p>
+                <a:pPr lvl="1"/>
+                <a:r>
+                  <a:rPr lang="en-US" altLang="ko-KR" dirty="0">
+                    <a:solidFill>
+                      <a:schemeClr val="tx1"/>
+                    </a:solidFill>
+                  </a:rPr>
+                  <a:t>Update reward</a:t>
+                </a:r>
+              </a:p>
+              <a:p>
+                <a:pPr lvl="2"/>
+                <a:r>
+                  <a:rPr lang="en-US" altLang="ko-KR" dirty="0">
+                    <a:solidFill>
+                      <a:schemeClr val="tx1"/>
+                    </a:solidFill>
+                  </a:rPr>
+                  <a:t>consider Energy Consumption</a:t>
+                </a:r>
+              </a:p>
+              <a:p>
+                <a:pPr lvl="2"/>
+                <a:r>
+                  <a:rPr lang="en-US" altLang="ko-KR" dirty="0">
+                    <a:solidFill>
+                      <a:schemeClr val="tx1"/>
+                    </a:solidFill>
+                  </a:rPr>
+                  <a:t>SNR </a:t>
+                </a:r>
+              </a:p>
+              <a:p>
+                <a:pPr lvl="2"/>
+                <a:r>
+                  <a:rPr lang="en-US" altLang="ko-KR" dirty="0">
+                    <a:solidFill>
+                      <a:schemeClr val="tx1"/>
+                    </a:solidFill>
+                  </a:rPr>
+                  <a:t>Terminal condition - reach at Terminal Node or SNR &lt; threshold </a:t>
+                </a:r>
+                <a14:m>
+                  <m:oMath xmlns:m="http://schemas.openxmlformats.org/officeDocument/2006/math">
+                    <m:r>
+                      <a:rPr lang="en-US" altLang="ko-KR" b="0" i="1" smtClean="0">
+                        <a:solidFill>
+                          <a:schemeClr val="tx1"/>
+                        </a:solidFill>
+                        <a:latin typeface="Cambria Math" panose="02040503050406030204" pitchFamily="18" charset="0"/>
+                      </a:rPr>
+                      <m:t>𝜃</m:t>
+                    </m:r>
+                  </m:oMath>
+                </a14:m>
+                <a:endParaRPr lang="en-US" altLang="ko-KR" dirty="0">
+                  <a:solidFill>
+                    <a:schemeClr val="tx1"/>
+                  </a:solidFill>
+                </a:endParaRPr>
+              </a:p>
+              <a:p>
+                <a:r>
+                  <a:rPr lang="en-US" altLang="ko-KR" dirty="0">
+                    <a:solidFill>
+                      <a:schemeClr val="tx1"/>
+                    </a:solidFill>
+                  </a:rPr>
+                  <a:t>Update RL code for programmed env code</a:t>
+                </a:r>
+              </a:p>
+              <a:p>
+                <a:r>
+                  <a:rPr lang="en-US" altLang="ko-KR" dirty="0">
+                    <a:solidFill>
+                      <a:schemeClr val="tx1"/>
+                    </a:solidFill>
+                  </a:rPr>
+                  <a:t>Sample another environment to check policy is overfit or not</a:t>
+                </a:r>
+              </a:p>
+              <a:p>
+                <a:endParaRPr lang="en-US" altLang="ko-KR" dirty="0">
+                  <a:solidFill>
+                    <a:schemeClr val="tx1"/>
+                  </a:solidFill>
+                </a:endParaRPr>
+              </a:p>
+            </p:txBody>
+          </p:sp>
+        </mc:Choice>
+        <mc:Fallback>
+          <p:sp>
+            <p:nvSpPr>
+              <p:cNvPr id="3" name="내용 개체 틀 2">
+                <a:extLst>
+                  <a:ext uri="{FF2B5EF4-FFF2-40B4-BE49-F238E27FC236}">
+                    <a16:creationId xmlns:a16="http://schemas.microsoft.com/office/drawing/2014/main" id="{76A2C441-517F-450A-A437-5A34F2F7B7E1}"/>
+                  </a:ext>
+                </a:extLst>
+              </p:cNvPr>
+              <p:cNvSpPr>
+                <a:spLocks noGrp="1" noRot="1" noChangeAspect="1" noMove="1" noResize="1" noEditPoints="1" noAdjustHandles="1" noChangeArrowheads="1" noChangeShapeType="1" noTextEdit="1"/>
+              </p:cNvSpPr>
+              <p:nvPr>
+                <p:ph idx="1"/>
+              </p:nvPr>
+            </p:nvSpPr>
+            <p:spPr>
+              <a:blipFill>
+                <a:blip r:embed="rId2"/>
+                <a:stretch>
+                  <a:fillRect t="-787"/>
+                </a:stretch>
+              </a:blipFill>
+            </p:spPr>
+            <p:txBody>
+              <a:bodyPr/>
+              <a:lstStyle/>
+              <a:p>
+                <a:r>
+                  <a:rPr lang="ko-KR" altLang="en-US">
+                    <a:noFill/>
+                  </a:rPr>
+                  <a:t> </a:t>
+                </a:r>
+              </a:p>
+            </p:txBody>
+          </p:sp>
+        </mc:Fallback>
+      </mc:AlternateContent>
     </p:spTree>
     <p:extLst>
       <p:ext uri="{BB962C8B-B14F-4D97-AF65-F5344CB8AC3E}">
-        <p14:creationId xmlns:p14="http://schemas.microsoft.com/office/powerpoint/2010/main" val="2061944708"/>
+        <p14:creationId xmlns:p14="http://schemas.microsoft.com/office/powerpoint/2010/main" val="3739733913"/>
       </p:ext>
     </p:extLst>
   </p:cSld>

--- a/Survey meeting/0719 survey/190719 UGRP 발표자료.pptx
+++ b/Survey meeting/0719 survey/190719 UGRP 발표자료.pptx
@@ -3,29 +3,32 @@
 <p:presentation xmlns:a="http://schemas.openxmlformats.org/drawingml/2006/main" xmlns:r="http://schemas.openxmlformats.org/officeDocument/2006/relationships" xmlns:p="http://schemas.openxmlformats.org/presentationml/2006/main" saveSubsetFonts="1" autoCompressPictures="0">
   <p:sldMasterIdLst>
     <p:sldMasterId id="2147483648" r:id="rId1"/>
+    <p:sldMasterId id="2147483662" r:id="rId2"/>
   </p:sldMasterIdLst>
   <p:notesMasterIdLst>
-    <p:notesMasterId r:id="rId12"/>
+    <p:notesMasterId r:id="rId15"/>
   </p:notesMasterIdLst>
   <p:handoutMasterIdLst>
-    <p:handoutMasterId r:id="rId13"/>
+    <p:handoutMasterId r:id="rId16"/>
   </p:handoutMasterIdLst>
   <p:sldIdLst>
-    <p:sldId id="1055" r:id="rId2"/>
-    <p:sldId id="1367" r:id="rId3"/>
-    <p:sldId id="1398" r:id="rId4"/>
-    <p:sldId id="1400" r:id="rId5"/>
-    <p:sldId id="1390" r:id="rId6"/>
-    <p:sldId id="1395" r:id="rId7"/>
-    <p:sldId id="1401" r:id="rId8"/>
-    <p:sldId id="1402" r:id="rId9"/>
-    <p:sldId id="1386" r:id="rId10"/>
-    <p:sldId id="1202" r:id="rId11"/>
+    <p:sldId id="1055" r:id="rId3"/>
+    <p:sldId id="1367" r:id="rId4"/>
+    <p:sldId id="1398" r:id="rId5"/>
+    <p:sldId id="1400" r:id="rId6"/>
+    <p:sldId id="1390" r:id="rId7"/>
+    <p:sldId id="1395" r:id="rId8"/>
+    <p:sldId id="1374" r:id="rId9"/>
+    <p:sldId id="1403" r:id="rId10"/>
+    <p:sldId id="1405" r:id="rId11"/>
+    <p:sldId id="1404" r:id="rId12"/>
+    <p:sldId id="1386" r:id="rId13"/>
+    <p:sldId id="1202" r:id="rId14"/>
   </p:sldIdLst>
   <p:sldSz cx="9144000" cy="6858000" type="screen4x3"/>
   <p:notesSz cx="6805613" cy="9939338"/>
   <p:custDataLst>
-    <p:tags r:id="rId14"/>
+    <p:tags r:id="rId17"/>
   </p:custDataLst>
   <p:defaultTextStyle>
     <a:defPPr>
@@ -179,263 +182,6 @@
 </p:cmAuthorLst>
 </file>
 
-<file path=ppt/revisionInfo.xml><?xml version="1.0" encoding="utf-8"?>
-<p1510:revInfo xmlns:a="http://schemas.openxmlformats.org/drawingml/2006/main" xmlns:r="http://schemas.openxmlformats.org/officeDocument/2006/relationships" xmlns:p1510="http://schemas.microsoft.com/office/powerpoint/2015/10/main">
-  <p1510:revLst>
-    <p1510:client id="{DAAED229-2DD7-4B56-A3D0-FFB6A9DF3094}" v="26" dt="2019-07-18T16:23:01.858"/>
-  </p1510:revLst>
-</p1510:revInfo>
-</file>
-
-<file path=ppt/changesInfos/changesInfo1.xml><?xml version="1.0" encoding="utf-8"?>
-<pc:chgInfo xmlns:a="http://schemas.openxmlformats.org/drawingml/2006/main" xmlns:r="http://schemas.openxmlformats.org/officeDocument/2006/relationships" xmlns:ac="http://schemas.microsoft.com/office/drawing/2013/main/command" xmlns:pc="http://schemas.microsoft.com/office/powerpoint/2013/main/command">
-  <pc:docChgLst>
-    <pc:chgData name="KimBongSang" userId="c8ee6006-c320-4749-b534-71e37e88ccdb" providerId="ADAL" clId="{DAAED229-2DD7-4B56-A3D0-FFB6A9DF3094}"/>
-    <pc:docChg chg="undo custSel addSld delSld modSld sldOrd modMainMaster">
-      <pc:chgData name="KimBongSang" userId="c8ee6006-c320-4749-b534-71e37e88ccdb" providerId="ADAL" clId="{DAAED229-2DD7-4B56-A3D0-FFB6A9DF3094}" dt="2019-07-18T16:23:55.204" v="1655" actId="6549"/>
-      <pc:docMkLst>
-        <pc:docMk/>
-      </pc:docMkLst>
-      <pc:sldChg chg="modSp">
-        <pc:chgData name="KimBongSang" userId="c8ee6006-c320-4749-b534-71e37e88ccdb" providerId="ADAL" clId="{DAAED229-2DD7-4B56-A3D0-FFB6A9DF3094}" dt="2019-07-18T16:23:55.204" v="1655" actId="6549"/>
-        <pc:sldMkLst>
-          <pc:docMk/>
-          <pc:sldMk cId="3739733913" sldId="1386"/>
-        </pc:sldMkLst>
-        <pc:spChg chg="mod">
-          <ac:chgData name="KimBongSang" userId="c8ee6006-c320-4749-b534-71e37e88ccdb" providerId="ADAL" clId="{DAAED229-2DD7-4B56-A3D0-FFB6A9DF3094}" dt="2019-07-18T16:23:10.867" v="1548" actId="6549"/>
-          <ac:spMkLst>
-            <pc:docMk/>
-            <pc:sldMk cId="3739733913" sldId="1386"/>
-            <ac:spMk id="2" creationId="{D479E31B-A679-4AE2-A74F-D35A39E82A40}"/>
-          </ac:spMkLst>
-        </pc:spChg>
-        <pc:spChg chg="mod">
-          <ac:chgData name="KimBongSang" userId="c8ee6006-c320-4749-b534-71e37e88ccdb" providerId="ADAL" clId="{DAAED229-2DD7-4B56-A3D0-FFB6A9DF3094}" dt="2019-07-18T16:23:55.204" v="1655" actId="6549"/>
-          <ac:spMkLst>
-            <pc:docMk/>
-            <pc:sldMk cId="3739733913" sldId="1386"/>
-            <ac:spMk id="3" creationId="{76A2C441-517F-450A-A437-5A34F2F7B7E1}"/>
-          </ac:spMkLst>
-        </pc:spChg>
-      </pc:sldChg>
-      <pc:sldChg chg="del">
-        <pc:chgData name="KimBongSang" userId="c8ee6006-c320-4749-b534-71e37e88ccdb" providerId="ADAL" clId="{DAAED229-2DD7-4B56-A3D0-FFB6A9DF3094}" dt="2019-07-18T16:22:48.469" v="1543" actId="2696"/>
-        <pc:sldMkLst>
-          <pc:docMk/>
-          <pc:sldMk cId="2239232316" sldId="1389"/>
-        </pc:sldMkLst>
-      </pc:sldChg>
-      <pc:sldChg chg="modSp">
-        <pc:chgData name="KimBongSang" userId="c8ee6006-c320-4749-b534-71e37e88ccdb" providerId="ADAL" clId="{DAAED229-2DD7-4B56-A3D0-FFB6A9DF3094}" dt="2019-07-18T13:45:11.030" v="5" actId="20577"/>
-        <pc:sldMkLst>
-          <pc:docMk/>
-          <pc:sldMk cId="1208485303" sldId="1390"/>
-        </pc:sldMkLst>
-        <pc:spChg chg="mod">
-          <ac:chgData name="KimBongSang" userId="c8ee6006-c320-4749-b534-71e37e88ccdb" providerId="ADAL" clId="{DAAED229-2DD7-4B56-A3D0-FFB6A9DF3094}" dt="2019-07-18T13:45:11.030" v="5" actId="20577"/>
-          <ac:spMkLst>
-            <pc:docMk/>
-            <pc:sldMk cId="1208485303" sldId="1390"/>
-            <ac:spMk id="3" creationId="{08458E5A-D904-4F83-968A-D96BD79BB32E}"/>
-          </ac:spMkLst>
-        </pc:spChg>
-      </pc:sldChg>
-      <pc:sldChg chg="del">
-        <pc:chgData name="KimBongSang" userId="c8ee6006-c320-4749-b534-71e37e88ccdb" providerId="ADAL" clId="{DAAED229-2DD7-4B56-A3D0-FFB6A9DF3094}" dt="2019-07-18T14:43:36.418" v="416" actId="2696"/>
-        <pc:sldMkLst>
-          <pc:docMk/>
-          <pc:sldMk cId="480253426" sldId="1391"/>
-        </pc:sldMkLst>
-      </pc:sldChg>
-      <pc:sldChg chg="modSp add del">
-        <pc:chgData name="KimBongSang" userId="c8ee6006-c320-4749-b534-71e37e88ccdb" providerId="ADAL" clId="{DAAED229-2DD7-4B56-A3D0-FFB6A9DF3094}" dt="2019-07-18T15:54:07.250" v="1129" actId="2696"/>
-        <pc:sldMkLst>
-          <pc:docMk/>
-          <pc:sldMk cId="3043170752" sldId="1396"/>
-        </pc:sldMkLst>
-        <pc:spChg chg="mod">
-          <ac:chgData name="KimBongSang" userId="c8ee6006-c320-4749-b534-71e37e88ccdb" providerId="ADAL" clId="{DAAED229-2DD7-4B56-A3D0-FFB6A9DF3094}" dt="2019-07-18T15:53:49.918" v="1126" actId="6549"/>
-          <ac:spMkLst>
-            <pc:docMk/>
-            <pc:sldMk cId="3043170752" sldId="1396"/>
-            <ac:spMk id="3" creationId="{FAEF7A98-5912-4F1F-8CD4-41561FCBE376}"/>
-          </ac:spMkLst>
-        </pc:spChg>
-      </pc:sldChg>
-      <pc:sldChg chg="del">
-        <pc:chgData name="KimBongSang" userId="c8ee6006-c320-4749-b534-71e37e88ccdb" providerId="ADAL" clId="{DAAED229-2DD7-4B56-A3D0-FFB6A9DF3094}" dt="2019-07-18T14:42:03.422" v="415" actId="2696"/>
-        <pc:sldMkLst>
-          <pc:docMk/>
-          <pc:sldMk cId="2080462866" sldId="1397"/>
-        </pc:sldMkLst>
-      </pc:sldChg>
-      <pc:sldChg chg="modSp">
-        <pc:chgData name="KimBongSang" userId="c8ee6006-c320-4749-b534-71e37e88ccdb" providerId="ADAL" clId="{DAAED229-2DD7-4B56-A3D0-FFB6A9DF3094}" dt="2019-07-18T13:45:04.681" v="0"/>
-        <pc:sldMkLst>
-          <pc:docMk/>
-          <pc:sldMk cId="3443461438" sldId="1398"/>
-        </pc:sldMkLst>
-        <pc:spChg chg="mod">
-          <ac:chgData name="KimBongSang" userId="c8ee6006-c320-4749-b534-71e37e88ccdb" providerId="ADAL" clId="{DAAED229-2DD7-4B56-A3D0-FFB6A9DF3094}" dt="2019-07-18T13:45:04.681" v="0"/>
-          <ac:spMkLst>
-            <pc:docMk/>
-            <pc:sldMk cId="3443461438" sldId="1398"/>
-            <ac:spMk id="3" creationId="{08458E5A-D904-4F83-968A-D96BD79BB32E}"/>
-          </ac:spMkLst>
-        </pc:spChg>
-      </pc:sldChg>
-      <pc:sldChg chg="modSp del">
-        <pc:chgData name="KimBongSang" userId="c8ee6006-c320-4749-b534-71e37e88ccdb" providerId="ADAL" clId="{DAAED229-2DD7-4B56-A3D0-FFB6A9DF3094}" dt="2019-07-18T16:23:03.813" v="1547" actId="2696"/>
-        <pc:sldMkLst>
-          <pc:docMk/>
-          <pc:sldMk cId="2061944708" sldId="1399"/>
-        </pc:sldMkLst>
-        <pc:spChg chg="mod">
-          <ac:chgData name="KimBongSang" userId="c8ee6006-c320-4749-b534-71e37e88ccdb" providerId="ADAL" clId="{DAAED229-2DD7-4B56-A3D0-FFB6A9DF3094}" dt="2019-07-18T16:22:59.198" v="1544"/>
-          <ac:spMkLst>
-            <pc:docMk/>
-            <pc:sldMk cId="2061944708" sldId="1399"/>
-            <ac:spMk id="3" creationId="{08458E5A-D904-4F83-968A-D96BD79BB32E}"/>
-          </ac:spMkLst>
-        </pc:spChg>
-      </pc:sldChg>
-      <pc:sldChg chg="delSp modSp ord">
-        <pc:chgData name="KimBongSang" userId="c8ee6006-c320-4749-b534-71e37e88ccdb" providerId="ADAL" clId="{DAAED229-2DD7-4B56-A3D0-FFB6A9DF3094}" dt="2019-07-18T16:22:39.050" v="1542"/>
-        <pc:sldMkLst>
-          <pc:docMk/>
-          <pc:sldMk cId="465659987" sldId="1400"/>
-        </pc:sldMkLst>
-        <pc:spChg chg="mod">
-          <ac:chgData name="KimBongSang" userId="c8ee6006-c320-4749-b534-71e37e88ccdb" providerId="ADAL" clId="{DAAED229-2DD7-4B56-A3D0-FFB6A9DF3094}" dt="2019-07-18T16:22:03.766" v="1540"/>
-          <ac:spMkLst>
-            <pc:docMk/>
-            <pc:sldMk cId="465659987" sldId="1400"/>
-            <ac:spMk id="3" creationId="{08458E5A-D904-4F83-968A-D96BD79BB32E}"/>
-          </ac:spMkLst>
-        </pc:spChg>
-        <pc:spChg chg="del">
-          <ac:chgData name="KimBongSang" userId="c8ee6006-c320-4749-b534-71e37e88ccdb" providerId="ADAL" clId="{DAAED229-2DD7-4B56-A3D0-FFB6A9DF3094}" dt="2019-07-18T13:45:20.747" v="9" actId="478"/>
-          <ac:spMkLst>
-            <pc:docMk/>
-            <pc:sldMk cId="465659987" sldId="1400"/>
-            <ac:spMk id="4" creationId="{4676BBAF-C155-4B5D-AB58-75072E796C53}"/>
-          </ac:spMkLst>
-        </pc:spChg>
-        <pc:spChg chg="del">
-          <ac:chgData name="KimBongSang" userId="c8ee6006-c320-4749-b534-71e37e88ccdb" providerId="ADAL" clId="{DAAED229-2DD7-4B56-A3D0-FFB6A9DF3094}" dt="2019-07-18T13:45:22.446" v="10" actId="478"/>
-          <ac:spMkLst>
-            <pc:docMk/>
-            <pc:sldMk cId="465659987" sldId="1400"/>
-            <ac:spMk id="5" creationId="{5ED103EF-2EDA-48F2-A423-BB360D8800B1}"/>
-          </ac:spMkLst>
-        </pc:spChg>
-        <pc:spChg chg="del">
-          <ac:chgData name="KimBongSang" userId="c8ee6006-c320-4749-b534-71e37e88ccdb" providerId="ADAL" clId="{DAAED229-2DD7-4B56-A3D0-FFB6A9DF3094}" dt="2019-07-18T13:45:20.101" v="8" actId="478"/>
-          <ac:spMkLst>
-            <pc:docMk/>
-            <pc:sldMk cId="465659987" sldId="1400"/>
-            <ac:spMk id="6" creationId="{8E02C415-5B12-45F8-9B88-917F244F3F31}"/>
-          </ac:spMkLst>
-        </pc:spChg>
-        <pc:spChg chg="del">
-          <ac:chgData name="KimBongSang" userId="c8ee6006-c320-4749-b534-71e37e88ccdb" providerId="ADAL" clId="{DAAED229-2DD7-4B56-A3D0-FFB6A9DF3094}" dt="2019-07-18T13:45:19.421" v="7" actId="478"/>
-          <ac:spMkLst>
-            <pc:docMk/>
-            <pc:sldMk cId="465659987" sldId="1400"/>
-            <ac:spMk id="7" creationId="{BC42C601-FD6E-420F-891F-7DEE47B5AD97}"/>
-          </ac:spMkLst>
-        </pc:spChg>
-      </pc:sldChg>
-      <pc:sldChg chg="addSp delSp modSp add">
-        <pc:chgData name="KimBongSang" userId="c8ee6006-c320-4749-b534-71e37e88ccdb" providerId="ADAL" clId="{DAAED229-2DD7-4B56-A3D0-FFB6A9DF3094}" dt="2019-07-18T15:53:45.392" v="1125" actId="20577"/>
-        <pc:sldMkLst>
-          <pc:docMk/>
-          <pc:sldMk cId="2602252885" sldId="1401"/>
-        </pc:sldMkLst>
-        <pc:spChg chg="mod">
-          <ac:chgData name="KimBongSang" userId="c8ee6006-c320-4749-b534-71e37e88ccdb" providerId="ADAL" clId="{DAAED229-2DD7-4B56-A3D0-FFB6A9DF3094}" dt="2019-07-18T13:55:03.094" v="38" actId="20577"/>
-          <ac:spMkLst>
-            <pc:docMk/>
-            <pc:sldMk cId="2602252885" sldId="1401"/>
-            <ac:spMk id="2" creationId="{2FC832C6-B966-497F-A5E0-588C4BED0E2F}"/>
-          </ac:spMkLst>
-        </pc:spChg>
-        <pc:spChg chg="mod">
-          <ac:chgData name="KimBongSang" userId="c8ee6006-c320-4749-b534-71e37e88ccdb" providerId="ADAL" clId="{DAAED229-2DD7-4B56-A3D0-FFB6A9DF3094}" dt="2019-07-18T15:53:45.392" v="1125" actId="20577"/>
-          <ac:spMkLst>
-            <pc:docMk/>
-            <pc:sldMk cId="2602252885" sldId="1401"/>
-            <ac:spMk id="3" creationId="{FAEF7A98-5912-4F1F-8CD4-41561FCBE376}"/>
-          </ac:spMkLst>
-        </pc:spChg>
-        <pc:graphicFrameChg chg="add del mod">
-          <ac:chgData name="KimBongSang" userId="c8ee6006-c320-4749-b534-71e37e88ccdb" providerId="ADAL" clId="{DAAED229-2DD7-4B56-A3D0-FFB6A9DF3094}" dt="2019-07-18T14:01:40.539" v="40" actId="478"/>
-          <ac:graphicFrameMkLst>
-            <pc:docMk/>
-            <pc:sldMk cId="2602252885" sldId="1401"/>
-            <ac:graphicFrameMk id="4" creationId="{0EA81C68-E4E4-4FD6-9048-D417BF51E41C}"/>
-          </ac:graphicFrameMkLst>
-        </pc:graphicFrameChg>
-      </pc:sldChg>
-      <pc:sldChg chg="add del">
-        <pc:chgData name="KimBongSang" userId="c8ee6006-c320-4749-b534-71e37e88ccdb" providerId="ADAL" clId="{DAAED229-2DD7-4B56-A3D0-FFB6A9DF3094}" dt="2019-07-18T14:23:47.170" v="307" actId="2696"/>
-        <pc:sldMkLst>
-          <pc:docMk/>
-          <pc:sldMk cId="443216746" sldId="1402"/>
-        </pc:sldMkLst>
-      </pc:sldChg>
-      <pc:sldChg chg="modSp add">
-        <pc:chgData name="KimBongSang" userId="c8ee6006-c320-4749-b534-71e37e88ccdb" providerId="ADAL" clId="{DAAED229-2DD7-4B56-A3D0-FFB6A9DF3094}" dt="2019-07-18T16:21:25.628" v="1531" actId="20577"/>
-        <pc:sldMkLst>
-          <pc:docMk/>
-          <pc:sldMk cId="1679403011" sldId="1402"/>
-        </pc:sldMkLst>
-        <pc:spChg chg="mod">
-          <ac:chgData name="KimBongSang" userId="c8ee6006-c320-4749-b534-71e37e88ccdb" providerId="ADAL" clId="{DAAED229-2DD7-4B56-A3D0-FFB6A9DF3094}" dt="2019-07-18T16:21:25.628" v="1531" actId="20577"/>
-          <ac:spMkLst>
-            <pc:docMk/>
-            <pc:sldMk cId="1679403011" sldId="1402"/>
-            <ac:spMk id="3" creationId="{FAEF7A98-5912-4F1F-8CD4-41561FCBE376}"/>
-          </ac:spMkLst>
-        </pc:spChg>
-      </pc:sldChg>
-      <pc:sldChg chg="add del">
-        <pc:chgData name="KimBongSang" userId="c8ee6006-c320-4749-b534-71e37e88ccdb" providerId="ADAL" clId="{DAAED229-2DD7-4B56-A3D0-FFB6A9DF3094}" dt="2019-07-18T15:53:13.929" v="1118" actId="2696"/>
-        <pc:sldMkLst>
-          <pc:docMk/>
-          <pc:sldMk cId="1757710328" sldId="1403"/>
-        </pc:sldMkLst>
-      </pc:sldChg>
-      <pc:sldMasterChg chg="modSldLayout">
-        <pc:chgData name="KimBongSang" userId="c8ee6006-c320-4749-b534-71e37e88ccdb" providerId="ADAL" clId="{DAAED229-2DD7-4B56-A3D0-FFB6A9DF3094}" dt="2019-07-18T14:24:52.366" v="313" actId="207"/>
-        <pc:sldMasterMkLst>
-          <pc:docMk/>
-          <pc:sldMasterMk cId="2261891556" sldId="2147483648"/>
-        </pc:sldMasterMkLst>
-        <pc:sldLayoutChg chg="modSp">
-          <pc:chgData name="KimBongSang" userId="c8ee6006-c320-4749-b534-71e37e88ccdb" providerId="ADAL" clId="{DAAED229-2DD7-4B56-A3D0-FFB6A9DF3094}" dt="2019-07-18T14:24:52.366" v="313" actId="207"/>
-          <pc:sldLayoutMkLst>
-            <pc:docMk/>
-            <pc:sldMasterMk cId="2261891556" sldId="2147483648"/>
-            <pc:sldLayoutMk cId="440983218" sldId="2147483650"/>
-          </pc:sldLayoutMkLst>
-          <pc:spChg chg="mod">
-            <ac:chgData name="KimBongSang" userId="c8ee6006-c320-4749-b534-71e37e88ccdb" providerId="ADAL" clId="{DAAED229-2DD7-4B56-A3D0-FFB6A9DF3094}" dt="2019-07-18T14:24:52.366" v="313" actId="207"/>
-            <ac:spMkLst>
-              <pc:docMk/>
-              <pc:sldMasterMk cId="2261891556" sldId="2147483648"/>
-              <pc:sldLayoutMk cId="440983218" sldId="2147483650"/>
-              <ac:spMk id="3" creationId="{00000000-0000-0000-0000-000000000000}"/>
-            </ac:spMkLst>
-          </pc:spChg>
-        </pc:sldLayoutChg>
-      </pc:sldMasterChg>
-    </pc:docChg>
-  </pc:docChgLst>
-</pc:chgInfo>
-</file>
-
 <file path=ppt/handoutMasters/handoutMaster1.xml><?xml version="1.0" encoding="utf-8"?>
 <p:handoutMaster xmlns:a="http://schemas.openxmlformats.org/drawingml/2006/main" xmlns:r="http://schemas.openxmlformats.org/officeDocument/2006/relationships" xmlns:p="http://schemas.openxmlformats.org/presentationml/2006/main">
   <p:cSld>
@@ -518,7 +264,7 @@
           <a:p>
             <a:fld id="{CA9481DB-C454-F848-85FD-7531C4681FA8}" type="datetimeFigureOut">
               <a:rPr lang="en-US" smtClean="0"/>
-              <a:t>7/18/2019</a:t>
+              <a:t>7/19/2019</a:t>
             </a:fld>
             <a:endParaRPr lang="en-US" dirty="0"/>
           </a:p>
@@ -684,7 +430,7 @@
           <a:p>
             <a:fld id="{4915021A-BD82-6549-B6F0-C141B99A7573}" type="datetimeFigureOut">
               <a:rPr lang="en-US" smtClean="0"/>
-              <a:t>7/18/2019</a:t>
+              <a:t>7/19/2019</a:t>
             </a:fld>
             <a:endParaRPr lang="en-US" dirty="0"/>
           </a:p>
@@ -1372,6 +1118,402 @@
 </p:notes>
 </file>
 
+<file path=ppt/notesSlides/notesSlide6.xml><?xml version="1.0" encoding="utf-8"?>
+<p:notes xmlns:a="http://schemas.openxmlformats.org/drawingml/2006/main" xmlns:r="http://schemas.openxmlformats.org/officeDocument/2006/relationships" xmlns:p="http://schemas.openxmlformats.org/presentationml/2006/main">
+  <p:cSld>
+    <p:spTree>
+      <p:nvGrpSpPr>
+        <p:cNvPr id="1" name=""/>
+        <p:cNvGrpSpPr/>
+        <p:nvPr/>
+      </p:nvGrpSpPr>
+      <p:grpSpPr>
+        <a:xfrm>
+          <a:off x="0" y="0"/>
+          <a:ext cx="0" cy="0"/>
+          <a:chOff x="0" y="0"/>
+          <a:chExt cx="0" cy="0"/>
+        </a:xfrm>
+      </p:grpSpPr>
+      <p:sp>
+        <p:nvSpPr>
+          <p:cNvPr id="2" name="슬라이드 이미지 개체 틀 1"/>
+          <p:cNvSpPr>
+            <a:spLocks noGrp="1" noRot="1" noChangeAspect="1"/>
+          </p:cNvSpPr>
+          <p:nvPr>
+            <p:ph type="sldImg"/>
+          </p:nvPr>
+        </p:nvSpPr>
+        <p:spPr/>
+      </p:sp>
+      <p:sp>
+        <p:nvSpPr>
+          <p:cNvPr id="3" name="슬라이드 노트 개체 틀 2"/>
+          <p:cNvSpPr>
+            <a:spLocks noGrp="1"/>
+          </p:cNvSpPr>
+          <p:nvPr>
+            <p:ph type="body" idx="1"/>
+          </p:nvPr>
+        </p:nvSpPr>
+        <p:spPr/>
+        <p:txBody>
+          <a:bodyPr/>
+          <a:lstStyle/>
+          <a:p>
+            <a:endParaRPr lang="ko-KR" altLang="en-US" dirty="0"/>
+          </a:p>
+        </p:txBody>
+      </p:sp>
+      <p:sp>
+        <p:nvSpPr>
+          <p:cNvPr id="4" name="슬라이드 번호 개체 틀 3"/>
+          <p:cNvSpPr>
+            <a:spLocks noGrp="1"/>
+          </p:cNvSpPr>
+          <p:nvPr>
+            <p:ph type="sldNum" sz="quarter" idx="10"/>
+          </p:nvPr>
+        </p:nvSpPr>
+        <p:spPr/>
+        <p:txBody>
+          <a:bodyPr/>
+          <a:lstStyle/>
+          <a:p>
+            <a:pPr marL="0" marR="0" lvl="0" indent="0" algn="r" defTabSz="457200" rtl="0" eaLnBrk="1" fontAlgn="auto" latinLnBrk="0" hangingPunct="1">
+              <a:lnSpc>
+                <a:spcPct val="100000"/>
+              </a:lnSpc>
+              <a:spcBef>
+                <a:spcPts val="0"/>
+              </a:spcBef>
+              <a:spcAft>
+                <a:spcPts val="0"/>
+              </a:spcAft>
+              <a:buClrTx/>
+              <a:buSzTx/>
+              <a:buFontTx/>
+              <a:buNone/>
+              <a:tabLst/>
+              <a:defRPr/>
+            </a:pPr>
+            <a:fld id="{B98F8F32-8FB8-B84B-82B3-E896E2106CA1}" type="slidenum">
+              <a:rPr kumimoji="0" lang="en-US" sz="1200" b="0" i="0" u="none" strike="noStrike" kern="1200" cap="none" spc="0" normalizeH="0" baseline="0" noProof="0" smtClean="0">
+                <a:ln>
+                  <a:noFill/>
+                </a:ln>
+                <a:solidFill>
+                  <a:prstClr val="black"/>
+                </a:solidFill>
+                <a:effectLst/>
+                <a:uLnTx/>
+                <a:uFillTx/>
+                <a:latin typeface="Calibri"/>
+                <a:ea typeface="+mn-ea"/>
+                <a:cs typeface="+mn-cs"/>
+              </a:rPr>
+              <a:pPr marL="0" marR="0" lvl="0" indent="0" algn="r" defTabSz="457200" rtl="0" eaLnBrk="1" fontAlgn="auto" latinLnBrk="0" hangingPunct="1">
+                <a:lnSpc>
+                  <a:spcPct val="100000"/>
+                </a:lnSpc>
+                <a:spcBef>
+                  <a:spcPts val="0"/>
+                </a:spcBef>
+                <a:spcAft>
+                  <a:spcPts val="0"/>
+                </a:spcAft>
+                <a:buClrTx/>
+                <a:buSzTx/>
+                <a:buFontTx/>
+                <a:buNone/>
+                <a:tabLst/>
+                <a:defRPr/>
+              </a:pPr>
+              <a:t>7</a:t>
+            </a:fld>
+            <a:endParaRPr kumimoji="0" lang="en-US" sz="1200" b="0" i="0" u="none" strike="noStrike" kern="1200" cap="none" spc="0" normalizeH="0" baseline="0" noProof="0" dirty="0">
+              <a:ln>
+                <a:noFill/>
+              </a:ln>
+              <a:solidFill>
+                <a:prstClr val="black"/>
+              </a:solidFill>
+              <a:effectLst/>
+              <a:uLnTx/>
+              <a:uFillTx/>
+              <a:latin typeface="Calibri"/>
+              <a:ea typeface="+mn-ea"/>
+              <a:cs typeface="+mn-cs"/>
+            </a:endParaRPr>
+          </a:p>
+        </p:txBody>
+      </p:sp>
+    </p:spTree>
+    <p:extLst>
+      <p:ext uri="{BB962C8B-B14F-4D97-AF65-F5344CB8AC3E}">
+        <p14:creationId xmlns:p14="http://schemas.microsoft.com/office/powerpoint/2010/main" val="839208546"/>
+      </p:ext>
+    </p:extLst>
+  </p:cSld>
+  <p:clrMapOvr>
+    <a:masterClrMapping/>
+  </p:clrMapOvr>
+</p:notes>
+</file>
+
+<file path=ppt/notesSlides/notesSlide7.xml><?xml version="1.0" encoding="utf-8"?>
+<p:notes xmlns:a="http://schemas.openxmlformats.org/drawingml/2006/main" xmlns:r="http://schemas.openxmlformats.org/officeDocument/2006/relationships" xmlns:p="http://schemas.openxmlformats.org/presentationml/2006/main">
+  <p:cSld>
+    <p:spTree>
+      <p:nvGrpSpPr>
+        <p:cNvPr id="1" name=""/>
+        <p:cNvGrpSpPr/>
+        <p:nvPr/>
+      </p:nvGrpSpPr>
+      <p:grpSpPr>
+        <a:xfrm>
+          <a:off x="0" y="0"/>
+          <a:ext cx="0" cy="0"/>
+          <a:chOff x="0" y="0"/>
+          <a:chExt cx="0" cy="0"/>
+        </a:xfrm>
+      </p:grpSpPr>
+      <p:sp>
+        <p:nvSpPr>
+          <p:cNvPr id="2" name="슬라이드 이미지 개체 틀 1"/>
+          <p:cNvSpPr>
+            <a:spLocks noGrp="1" noRot="1" noChangeAspect="1"/>
+          </p:cNvSpPr>
+          <p:nvPr>
+            <p:ph type="sldImg"/>
+          </p:nvPr>
+        </p:nvSpPr>
+        <p:spPr/>
+      </p:sp>
+      <p:sp>
+        <p:nvSpPr>
+          <p:cNvPr id="3" name="슬라이드 노트 개체 틀 2"/>
+          <p:cNvSpPr>
+            <a:spLocks noGrp="1"/>
+          </p:cNvSpPr>
+          <p:nvPr>
+            <p:ph type="body" idx="1"/>
+          </p:nvPr>
+        </p:nvSpPr>
+        <p:spPr/>
+        <p:txBody>
+          <a:bodyPr/>
+          <a:lstStyle/>
+          <a:p>
+            <a:endParaRPr lang="ko-KR" altLang="en-US" dirty="0"/>
+          </a:p>
+        </p:txBody>
+      </p:sp>
+      <p:sp>
+        <p:nvSpPr>
+          <p:cNvPr id="4" name="슬라이드 번호 개체 틀 3"/>
+          <p:cNvSpPr>
+            <a:spLocks noGrp="1"/>
+          </p:cNvSpPr>
+          <p:nvPr>
+            <p:ph type="sldNum" sz="quarter" idx="10"/>
+          </p:nvPr>
+        </p:nvSpPr>
+        <p:spPr/>
+        <p:txBody>
+          <a:bodyPr/>
+          <a:lstStyle/>
+          <a:p>
+            <a:fld id="{B98F8F32-8FB8-B84B-82B3-E896E2106CA1}" type="slidenum">
+              <a:rPr lang="en-US" smtClean="0"/>
+              <a:t>8</a:t>
+            </a:fld>
+            <a:endParaRPr lang="en-US" dirty="0"/>
+          </a:p>
+        </p:txBody>
+      </p:sp>
+    </p:spTree>
+    <p:extLst>
+      <p:ext uri="{BB962C8B-B14F-4D97-AF65-F5344CB8AC3E}">
+        <p14:creationId xmlns:p14="http://schemas.microsoft.com/office/powerpoint/2010/main" val="1673896059"/>
+      </p:ext>
+    </p:extLst>
+  </p:cSld>
+  <p:clrMapOvr>
+    <a:masterClrMapping/>
+  </p:clrMapOvr>
+</p:notes>
+</file>
+
+<file path=ppt/notesSlides/notesSlide8.xml><?xml version="1.0" encoding="utf-8"?>
+<p:notes xmlns:a="http://schemas.openxmlformats.org/drawingml/2006/main" xmlns:r="http://schemas.openxmlformats.org/officeDocument/2006/relationships" xmlns:p="http://schemas.openxmlformats.org/presentationml/2006/main">
+  <p:cSld>
+    <p:spTree>
+      <p:nvGrpSpPr>
+        <p:cNvPr id="1" name=""/>
+        <p:cNvGrpSpPr/>
+        <p:nvPr/>
+      </p:nvGrpSpPr>
+      <p:grpSpPr>
+        <a:xfrm>
+          <a:off x="0" y="0"/>
+          <a:ext cx="0" cy="0"/>
+          <a:chOff x="0" y="0"/>
+          <a:chExt cx="0" cy="0"/>
+        </a:xfrm>
+      </p:grpSpPr>
+      <p:sp>
+        <p:nvSpPr>
+          <p:cNvPr id="2" name="슬라이드 이미지 개체 틀 1"/>
+          <p:cNvSpPr>
+            <a:spLocks noGrp="1" noRot="1" noChangeAspect="1"/>
+          </p:cNvSpPr>
+          <p:nvPr>
+            <p:ph type="sldImg"/>
+          </p:nvPr>
+        </p:nvSpPr>
+        <p:spPr/>
+      </p:sp>
+      <p:sp>
+        <p:nvSpPr>
+          <p:cNvPr id="3" name="슬라이드 노트 개체 틀 2"/>
+          <p:cNvSpPr>
+            <a:spLocks noGrp="1"/>
+          </p:cNvSpPr>
+          <p:nvPr>
+            <p:ph type="body" idx="1"/>
+          </p:nvPr>
+        </p:nvSpPr>
+        <p:spPr/>
+        <p:txBody>
+          <a:bodyPr/>
+          <a:lstStyle/>
+          <a:p>
+            <a:endParaRPr lang="ko-KR" altLang="en-US" dirty="0"/>
+          </a:p>
+        </p:txBody>
+      </p:sp>
+      <p:sp>
+        <p:nvSpPr>
+          <p:cNvPr id="4" name="슬라이드 번호 개체 틀 3"/>
+          <p:cNvSpPr>
+            <a:spLocks noGrp="1"/>
+          </p:cNvSpPr>
+          <p:nvPr>
+            <p:ph type="sldNum" sz="quarter" idx="10"/>
+          </p:nvPr>
+        </p:nvSpPr>
+        <p:spPr/>
+        <p:txBody>
+          <a:bodyPr/>
+          <a:lstStyle/>
+          <a:p>
+            <a:fld id="{B98F8F32-8FB8-B84B-82B3-E896E2106CA1}" type="slidenum">
+              <a:rPr lang="en-US" smtClean="0"/>
+              <a:t>9</a:t>
+            </a:fld>
+            <a:endParaRPr lang="en-US" dirty="0"/>
+          </a:p>
+        </p:txBody>
+      </p:sp>
+    </p:spTree>
+    <p:extLst>
+      <p:ext uri="{BB962C8B-B14F-4D97-AF65-F5344CB8AC3E}">
+        <p14:creationId xmlns:p14="http://schemas.microsoft.com/office/powerpoint/2010/main" val="2876774037"/>
+      </p:ext>
+    </p:extLst>
+  </p:cSld>
+  <p:clrMapOvr>
+    <a:masterClrMapping/>
+  </p:clrMapOvr>
+</p:notes>
+</file>
+
+<file path=ppt/notesSlides/notesSlide9.xml><?xml version="1.0" encoding="utf-8"?>
+<p:notes xmlns:a="http://schemas.openxmlformats.org/drawingml/2006/main" xmlns:r="http://schemas.openxmlformats.org/officeDocument/2006/relationships" xmlns:p="http://schemas.openxmlformats.org/presentationml/2006/main">
+  <p:cSld>
+    <p:spTree>
+      <p:nvGrpSpPr>
+        <p:cNvPr id="1" name=""/>
+        <p:cNvGrpSpPr/>
+        <p:nvPr/>
+      </p:nvGrpSpPr>
+      <p:grpSpPr>
+        <a:xfrm>
+          <a:off x="0" y="0"/>
+          <a:ext cx="0" cy="0"/>
+          <a:chOff x="0" y="0"/>
+          <a:chExt cx="0" cy="0"/>
+        </a:xfrm>
+      </p:grpSpPr>
+      <p:sp>
+        <p:nvSpPr>
+          <p:cNvPr id="2" name="슬라이드 이미지 개체 틀 1"/>
+          <p:cNvSpPr>
+            <a:spLocks noGrp="1" noRot="1" noChangeAspect="1"/>
+          </p:cNvSpPr>
+          <p:nvPr>
+            <p:ph type="sldImg"/>
+          </p:nvPr>
+        </p:nvSpPr>
+        <p:spPr/>
+      </p:sp>
+      <p:sp>
+        <p:nvSpPr>
+          <p:cNvPr id="3" name="슬라이드 노트 개체 틀 2"/>
+          <p:cNvSpPr>
+            <a:spLocks noGrp="1"/>
+          </p:cNvSpPr>
+          <p:nvPr>
+            <p:ph type="body" idx="1"/>
+          </p:nvPr>
+        </p:nvSpPr>
+        <p:spPr/>
+        <p:txBody>
+          <a:bodyPr/>
+          <a:lstStyle/>
+          <a:p>
+            <a:endParaRPr lang="ko-KR" altLang="en-US" dirty="0"/>
+          </a:p>
+        </p:txBody>
+      </p:sp>
+      <p:sp>
+        <p:nvSpPr>
+          <p:cNvPr id="4" name="슬라이드 번호 개체 틀 3"/>
+          <p:cNvSpPr>
+            <a:spLocks noGrp="1"/>
+          </p:cNvSpPr>
+          <p:nvPr>
+            <p:ph type="sldNum" sz="quarter" idx="10"/>
+          </p:nvPr>
+        </p:nvSpPr>
+        <p:spPr/>
+        <p:txBody>
+          <a:bodyPr/>
+          <a:lstStyle/>
+          <a:p>
+            <a:fld id="{B98F8F32-8FB8-B84B-82B3-E896E2106CA1}" type="slidenum">
+              <a:rPr lang="en-US" smtClean="0"/>
+              <a:t>10</a:t>
+            </a:fld>
+            <a:endParaRPr lang="en-US" dirty="0"/>
+          </a:p>
+        </p:txBody>
+      </p:sp>
+    </p:spTree>
+    <p:extLst>
+      <p:ext uri="{BB962C8B-B14F-4D97-AF65-F5344CB8AC3E}">
+        <p14:creationId xmlns:p14="http://schemas.microsoft.com/office/powerpoint/2010/main" val="798639461"/>
+      </p:ext>
+    </p:extLst>
+  </p:cSld>
+  <p:clrMapOvr>
+    <a:masterClrMapping/>
+  </p:clrMapOvr>
+</p:notes>
+</file>
+
 <file path=ppt/slideLayouts/slideLayout1.xml><?xml version="1.0" encoding="utf-8"?>
 <p:sldLayout xmlns:a="http://schemas.openxmlformats.org/drawingml/2006/main" xmlns:r="http://schemas.openxmlformats.org/officeDocument/2006/relationships" xmlns:p="http://schemas.openxmlformats.org/presentationml/2006/main" preserve="1" userDrawn="1">
   <p:cSld name="1_Title Slide (w/ subtitle)">
@@ -1800,9 +1942,9 @@
 </p:sldLayout>
 </file>
 
-<file path=ppt/slideLayouts/slideLayout2.xml><?xml version="1.0" encoding="utf-8"?>
-<p:sldLayout xmlns:a="http://schemas.openxmlformats.org/drawingml/2006/main" xmlns:r="http://schemas.openxmlformats.org/officeDocument/2006/relationships" xmlns:p="http://schemas.openxmlformats.org/presentationml/2006/main" type="title" preserve="1">
-  <p:cSld name="Title Slide">
+<file path=ppt/slideLayouts/slideLayout12.xml><?xml version="1.0" encoding="utf-8"?>
+<p:sldLayout xmlns:a="http://schemas.openxmlformats.org/drawingml/2006/main" xmlns:r="http://schemas.openxmlformats.org/officeDocument/2006/relationships" xmlns:p="http://schemas.openxmlformats.org/presentationml/2006/main" preserve="1" userDrawn="1">
+  <p:cSld name="1_Title Slide (w/ subtitle)">
     <p:spTree>
       <p:nvGrpSpPr>
         <p:cNvPr id="1" name=""/>
@@ -1931,7 +2073,7 @@
           </a:xfrm>
         </p:spPr>
         <p:txBody>
-          <a:bodyPr>
+          <a:bodyPr anchor="t">
             <a:noAutofit/>
           </a:bodyPr>
           <a:lstStyle>
@@ -2060,10 +2202,2139 @@
           </a:p>
         </p:txBody>
       </p:sp>
+      <p:sp>
+        <p:nvSpPr>
+          <p:cNvPr id="6" name="Text Placeholder 5"/>
+          <p:cNvSpPr>
+            <a:spLocks noGrp="1"/>
+          </p:cNvSpPr>
+          <p:nvPr>
+            <p:ph type="body" sz="quarter" idx="10" hasCustomPrompt="1"/>
+          </p:nvPr>
+        </p:nvSpPr>
+        <p:spPr>
+          <a:xfrm>
+            <a:off x="1340760" y="3638826"/>
+            <a:ext cx="6453932" cy="1174178"/>
+          </a:xfrm>
+        </p:spPr>
+        <p:txBody>
+          <a:bodyPr anchor="t">
+            <a:noAutofit/>
+          </a:bodyPr>
+          <a:lstStyle>
+            <a:lvl1pPr marL="0" marR="0" indent="0" algn="ctr" defTabSz="457200" rtl="0" eaLnBrk="1" fontAlgn="auto" latinLnBrk="0" hangingPunct="1">
+              <a:lnSpc>
+                <a:spcPct val="100000"/>
+              </a:lnSpc>
+              <a:spcBef>
+                <a:spcPts val="0"/>
+              </a:spcBef>
+              <a:spcAft>
+                <a:spcPts val="0"/>
+              </a:spcAft>
+              <a:buClrTx/>
+              <a:buSzTx/>
+              <a:buFontTx/>
+              <a:buNone/>
+              <a:tabLst/>
+              <a:defRPr sz="1800" baseline="0">
+                <a:solidFill>
+                  <a:srgbClr val="999999"/>
+                </a:solidFill>
+              </a:defRPr>
+            </a:lvl1pPr>
+            <a:lvl2pPr marL="457200" indent="0">
+              <a:buFontTx/>
+              <a:buNone/>
+              <a:defRPr/>
+            </a:lvl2pPr>
+            <a:lvl3pPr marL="800100" indent="0">
+              <a:buFontTx/>
+              <a:buNone/>
+              <a:defRPr/>
+            </a:lvl3pPr>
+            <a:lvl4pPr marL="1200150" indent="0">
+              <a:buFontTx/>
+              <a:buNone/>
+              <a:defRPr/>
+            </a:lvl4pPr>
+            <a:lvl5pPr marL="1600200" indent="0">
+              <a:buFontTx/>
+              <a:buNone/>
+              <a:defRPr/>
+            </a:lvl5pPr>
+          </a:lstStyle>
+          <a:p>
+            <a:pPr lvl="0"/>
+            <a:r>
+              <a:rPr lang="en-US" dirty="0"/>
+              <a:t>Click to add subtitle</a:t>
+            </a:r>
+          </a:p>
+        </p:txBody>
+      </p:sp>
+    </p:spTree>
+    <p:extLst>
+      <p:ext uri="{BB962C8B-B14F-4D97-AF65-F5344CB8AC3E}">
+        <p14:creationId xmlns:p14="http://schemas.microsoft.com/office/powerpoint/2010/main" val="1296142882"/>
+      </p:ext>
+    </p:extLst>
+  </p:cSld>
+  <p:clrMapOvr>
+    <a:masterClrMapping/>
+  </p:clrMapOvr>
+</p:sldLayout>
+</file>
+
+<file path=ppt/slideLayouts/slideLayout13.xml><?xml version="1.0" encoding="utf-8"?>
+<p:sldLayout xmlns:a="http://schemas.openxmlformats.org/drawingml/2006/main" xmlns:r="http://schemas.openxmlformats.org/officeDocument/2006/relationships" xmlns:p="http://schemas.openxmlformats.org/presentationml/2006/main" type="title" preserve="1">
+  <p:cSld name="Title Slide">
+    <p:spTree>
+      <p:nvGrpSpPr>
+        <p:cNvPr id="1" name=""/>
+        <p:cNvGrpSpPr/>
+        <p:nvPr/>
+      </p:nvGrpSpPr>
+      <p:grpSpPr>
+        <a:xfrm>
+          <a:off x="0" y="0"/>
+          <a:ext cx="0" cy="0"/>
+          <a:chOff x="0" y="0"/>
+          <a:chExt cx="0" cy="0"/>
+        </a:xfrm>
+      </p:grpSpPr>
+      <p:sp>
+        <p:nvSpPr>
+          <p:cNvPr id="2" name="Title 1"/>
+          <p:cNvSpPr>
+            <a:spLocks noGrp="1"/>
+          </p:cNvSpPr>
+          <p:nvPr>
+            <p:ph type="ctrTitle" hasCustomPrompt="1"/>
+          </p:nvPr>
+        </p:nvSpPr>
+        <p:spPr>
+          <a:xfrm>
+            <a:off x="685800" y="723900"/>
+            <a:ext cx="7772400" cy="1470025"/>
+          </a:xfrm>
+          <a:effectLst>
+            <a:outerShdw blurRad="50800" dist="38100" dir="2700000" algn="tl" rotWithShape="0">
+              <a:srgbClr val="000000">
+                <a:alpha val="40000"/>
+              </a:srgbClr>
+            </a:outerShdw>
+          </a:effectLst>
+        </p:spPr>
+        <p:txBody>
+          <a:bodyPr anchor="ctr">
+            <a:noAutofit/>
+          </a:bodyPr>
+          <a:lstStyle>
+            <a:lvl1pPr marL="0" marR="0" indent="0" algn="ctr" defTabSz="457200" rtl="0" eaLnBrk="0" fontAlgn="base" latinLnBrk="0" hangingPunct="0">
+              <a:lnSpc>
+                <a:spcPts val="4400"/>
+              </a:lnSpc>
+              <a:spcBef>
+                <a:spcPct val="0"/>
+              </a:spcBef>
+              <a:spcAft>
+                <a:spcPct val="0"/>
+              </a:spcAft>
+              <a:buClrTx/>
+              <a:buSzTx/>
+              <a:buFontTx/>
+              <a:buNone/>
+              <a:tabLst/>
+              <a:defRPr kumimoji="0" lang="en-US" sz="4400" b="0" i="0" u="none" strike="noStrike" kern="1200" cap="none" spc="0" normalizeH="0" baseline="0" noProof="0" dirty="0">
+                <a:ln>
+                  <a:noFill/>
+                </a:ln>
+                <a:solidFill>
+                  <a:sysClr val="windowText" lastClr="000000"/>
+                </a:solidFill>
+                <a:effectLst/>
+                <a:uLnTx/>
+                <a:uFillTx/>
+                <a:latin typeface="Calibri"/>
+                <a:ea typeface="ＭＳ Ｐゴシック" pitchFamily="-112" charset="-128"/>
+                <a:cs typeface="ＭＳ Ｐゴシック" pitchFamily="-112" charset="-128"/>
+              </a:defRPr>
+            </a:lvl1pPr>
+          </a:lstStyle>
+          <a:p>
+            <a:pPr marL="0" marR="0" lvl="0" indent="0" algn="ctr" defTabSz="457200" rtl="0" eaLnBrk="0" fontAlgn="base" latinLnBrk="0" hangingPunct="0">
+              <a:lnSpc>
+                <a:spcPts val="4400"/>
+              </a:lnSpc>
+              <a:spcBef>
+                <a:spcPct val="0"/>
+              </a:spcBef>
+              <a:spcAft>
+                <a:spcPct val="0"/>
+              </a:spcAft>
+              <a:buClrTx/>
+              <a:buSzTx/>
+              <a:buFontTx/>
+              <a:buNone/>
+              <a:tabLst/>
+              <a:defRPr/>
+            </a:pPr>
+            <a:r>
+              <a:rPr kumimoji="0" lang="en-US" sz="4400" b="0" i="0" u="none" strike="noStrike" kern="1200" cap="none" spc="0" normalizeH="0" baseline="0" noProof="0" dirty="0">
+                <a:ln>
+                  <a:noFill/>
+                </a:ln>
+                <a:solidFill>
+                  <a:sysClr val="windowText" lastClr="000000"/>
+                </a:solidFill>
+                <a:effectLst/>
+                <a:uLnTx/>
+                <a:uFillTx/>
+                <a:latin typeface="+mj-lt"/>
+                <a:ea typeface="ＭＳ Ｐゴシック" pitchFamily="-112" charset="-128"/>
+                <a:cs typeface="ＭＳ Ｐゴシック" pitchFamily="-112" charset="-128"/>
+              </a:rPr>
+              <a:t>Click to add title</a:t>
+            </a:r>
+          </a:p>
+        </p:txBody>
+      </p:sp>
+      <p:sp>
+        <p:nvSpPr>
+          <p:cNvPr id="3" name="Subtitle 2"/>
+          <p:cNvSpPr>
+            <a:spLocks noGrp="1"/>
+          </p:cNvSpPr>
+          <p:nvPr>
+            <p:ph type="subTitle" idx="1" hasCustomPrompt="1"/>
+          </p:nvPr>
+        </p:nvSpPr>
+        <p:spPr>
+          <a:xfrm>
+            <a:off x="1371600" y="2419005"/>
+            <a:ext cx="6400800" cy="653663"/>
+          </a:xfrm>
+        </p:spPr>
+        <p:txBody>
+          <a:bodyPr>
+            <a:noAutofit/>
+          </a:bodyPr>
+          <a:lstStyle>
+            <a:lvl1pPr marL="0" indent="0" algn="ctr">
+              <a:buNone/>
+              <a:defRPr kumimoji="0" lang="en-US" sz="2200" b="0" i="0" u="none" strike="noStrike" kern="1200" cap="none" spc="0" normalizeH="0" baseline="0" dirty="0">
+                <a:ln>
+                  <a:noFill/>
+                </a:ln>
+                <a:solidFill>
+                  <a:sysClr val="windowText" lastClr="000000">
+                    <a:tint val="75000"/>
+                  </a:sysClr>
+                </a:solidFill>
+                <a:effectLst/>
+                <a:uLnTx/>
+                <a:uFillTx/>
+                <a:latin typeface="Calibri"/>
+                <a:ea typeface="ＭＳ Ｐゴシック" pitchFamily="-112" charset="-128"/>
+                <a:cs typeface="ＭＳ Ｐゴシック" pitchFamily="-112" charset="-128"/>
+              </a:defRPr>
+            </a:lvl1pPr>
+            <a:lvl2pPr marL="457200" indent="0" algn="ctr">
+              <a:buNone/>
+              <a:defRPr>
+                <a:solidFill>
+                  <a:schemeClr val="tx1">
+                    <a:tint val="75000"/>
+                  </a:schemeClr>
+                </a:solidFill>
+              </a:defRPr>
+            </a:lvl2pPr>
+            <a:lvl3pPr marL="914400" indent="0" algn="ctr">
+              <a:buNone/>
+              <a:defRPr>
+                <a:solidFill>
+                  <a:schemeClr val="tx1">
+                    <a:tint val="75000"/>
+                  </a:schemeClr>
+                </a:solidFill>
+              </a:defRPr>
+            </a:lvl3pPr>
+            <a:lvl4pPr marL="1371600" indent="0" algn="ctr">
+              <a:buNone/>
+              <a:defRPr>
+                <a:solidFill>
+                  <a:schemeClr val="tx1">
+                    <a:tint val="75000"/>
+                  </a:schemeClr>
+                </a:solidFill>
+              </a:defRPr>
+            </a:lvl4pPr>
+            <a:lvl5pPr marL="1828800" indent="0" algn="ctr">
+              <a:buNone/>
+              <a:defRPr>
+                <a:solidFill>
+                  <a:schemeClr val="tx1">
+                    <a:tint val="75000"/>
+                  </a:schemeClr>
+                </a:solidFill>
+              </a:defRPr>
+            </a:lvl5pPr>
+            <a:lvl6pPr marL="2286000" indent="0" algn="ctr">
+              <a:buNone/>
+              <a:defRPr>
+                <a:solidFill>
+                  <a:schemeClr val="tx1">
+                    <a:tint val="75000"/>
+                  </a:schemeClr>
+                </a:solidFill>
+              </a:defRPr>
+            </a:lvl6pPr>
+            <a:lvl7pPr marL="2743200" indent="0" algn="ctr">
+              <a:buNone/>
+              <a:defRPr>
+                <a:solidFill>
+                  <a:schemeClr val="tx1">
+                    <a:tint val="75000"/>
+                  </a:schemeClr>
+                </a:solidFill>
+              </a:defRPr>
+            </a:lvl7pPr>
+            <a:lvl8pPr marL="3200400" indent="0" algn="ctr">
+              <a:buNone/>
+              <a:defRPr>
+                <a:solidFill>
+                  <a:schemeClr val="tx1">
+                    <a:tint val="75000"/>
+                  </a:schemeClr>
+                </a:solidFill>
+              </a:defRPr>
+            </a:lvl8pPr>
+            <a:lvl9pPr marL="3657600" indent="0" algn="ctr">
+              <a:buNone/>
+              <a:defRPr>
+                <a:solidFill>
+                  <a:schemeClr val="tx1">
+                    <a:tint val="75000"/>
+                  </a:schemeClr>
+                </a:solidFill>
+              </a:defRPr>
+            </a:lvl9pPr>
+          </a:lstStyle>
+          <a:p>
+            <a:pPr marL="0" marR="0" lvl="0" indent="0" algn="ctr" defTabSz="457200" rtl="0" eaLnBrk="0" fontAlgn="base" latinLnBrk="0" hangingPunct="0">
+              <a:lnSpc>
+                <a:spcPct val="100000"/>
+              </a:lnSpc>
+              <a:spcBef>
+                <a:spcPct val="20000"/>
+              </a:spcBef>
+              <a:spcAft>
+                <a:spcPct val="0"/>
+              </a:spcAft>
+              <a:buClrTx/>
+              <a:buSzTx/>
+              <a:buFont typeface="Arial" charset="0"/>
+              <a:buNone/>
+              <a:tabLst/>
+              <a:defRPr/>
+            </a:pPr>
+            <a:r>
+              <a:rPr lang="en-US" dirty="0"/>
+              <a:t>Click to add name</a:t>
+            </a:r>
+          </a:p>
+        </p:txBody>
+      </p:sp>
+    </p:spTree>
+    <p:extLst>
+      <p:ext uri="{BB962C8B-B14F-4D97-AF65-F5344CB8AC3E}">
+        <p14:creationId xmlns:p14="http://schemas.microsoft.com/office/powerpoint/2010/main" val="2972303348"/>
+      </p:ext>
+    </p:extLst>
+  </p:cSld>
+  <p:clrMapOvr>
+    <a:masterClrMapping/>
+  </p:clrMapOvr>
+</p:sldLayout>
+</file>
+
+<file path=ppt/slideLayouts/slideLayout14.xml><?xml version="1.0" encoding="utf-8"?>
+<p:sldLayout xmlns:a="http://schemas.openxmlformats.org/drawingml/2006/main" xmlns:r="http://schemas.openxmlformats.org/officeDocument/2006/relationships" xmlns:p="http://schemas.openxmlformats.org/presentationml/2006/main" type="obj" preserve="1">
+  <p:cSld name="1 line in title">
+    <p:spTree>
+      <p:nvGrpSpPr>
+        <p:cNvPr id="1" name=""/>
+        <p:cNvGrpSpPr/>
+        <p:nvPr/>
+      </p:nvGrpSpPr>
+      <p:grpSpPr>
+        <a:xfrm>
+          <a:off x="0" y="0"/>
+          <a:ext cx="0" cy="0"/>
+          <a:chOff x="0" y="0"/>
+          <a:chExt cx="0" cy="0"/>
+        </a:xfrm>
+      </p:grpSpPr>
+      <p:sp>
+        <p:nvSpPr>
+          <p:cNvPr id="2" name="Title 1"/>
+          <p:cNvSpPr>
+            <a:spLocks noGrp="1"/>
+          </p:cNvSpPr>
+          <p:nvPr>
+            <p:ph type="title"/>
+          </p:nvPr>
+        </p:nvSpPr>
+        <p:spPr/>
+        <p:txBody>
+          <a:bodyPr/>
+          <a:lstStyle/>
+          <a:p>
+            <a:r>
+              <a:rPr lang="en-US"/>
+              <a:t>Click to edit Master title style</a:t>
+            </a:r>
+          </a:p>
+        </p:txBody>
+      </p:sp>
+      <p:sp>
+        <p:nvSpPr>
+          <p:cNvPr id="3" name="Content Placeholder 2"/>
+          <p:cNvSpPr>
+            <a:spLocks noGrp="1"/>
+          </p:cNvSpPr>
+          <p:nvPr>
+            <p:ph idx="1"/>
+          </p:nvPr>
+        </p:nvSpPr>
+        <p:spPr>
+          <a:xfrm>
+            <a:off x="457200" y="1052163"/>
+            <a:ext cx="8229600" cy="5428522"/>
+          </a:xfrm>
+        </p:spPr>
+        <p:txBody>
+          <a:bodyPr/>
+          <a:lstStyle>
+            <a:lvl1pPr>
+              <a:spcBef>
+                <a:spcPts val="800"/>
+              </a:spcBef>
+              <a:defRPr/>
+            </a:lvl1pPr>
+          </a:lstStyle>
+          <a:p>
+            <a:pPr lvl="0"/>
+            <a:r>
+              <a:rPr lang="en-US"/>
+              <a:t>Click to edit Master text styles</a:t>
+            </a:r>
+          </a:p>
+          <a:p>
+            <a:pPr lvl="1"/>
+            <a:r>
+              <a:rPr lang="en-US"/>
+              <a:t>Second level</a:t>
+            </a:r>
+          </a:p>
+          <a:p>
+            <a:pPr lvl="2"/>
+            <a:r>
+              <a:rPr lang="en-US"/>
+              <a:t>Third level</a:t>
+            </a:r>
+          </a:p>
+          <a:p>
+            <a:pPr lvl="3"/>
+            <a:r>
+              <a:rPr lang="en-US"/>
+              <a:t>Fourth level</a:t>
+            </a:r>
+          </a:p>
+          <a:p>
+            <a:pPr lvl="4"/>
+            <a:r>
+              <a:rPr lang="en-US"/>
+              <a:t>Fifth level</a:t>
+            </a:r>
+            <a:endParaRPr lang="en-US" dirty="0"/>
+          </a:p>
+        </p:txBody>
+      </p:sp>
+    </p:spTree>
+    <p:extLst>
+      <p:ext uri="{BB962C8B-B14F-4D97-AF65-F5344CB8AC3E}">
+        <p14:creationId xmlns:p14="http://schemas.microsoft.com/office/powerpoint/2010/main" val="1199060727"/>
+      </p:ext>
+    </p:extLst>
+  </p:cSld>
+  <p:clrMapOvr>
+    <a:masterClrMapping/>
+  </p:clrMapOvr>
+</p:sldLayout>
+</file>
+
+<file path=ppt/slideLayouts/slideLayout15.xml><?xml version="1.0" encoding="utf-8"?>
+<p:sldLayout xmlns:a="http://schemas.openxmlformats.org/drawingml/2006/main" xmlns:r="http://schemas.openxmlformats.org/officeDocument/2006/relationships" xmlns:p="http://schemas.openxmlformats.org/presentationml/2006/main" preserve="1" userDrawn="1">
+  <p:cSld name="1 line, no bullet">
+    <p:spTree>
+      <p:nvGrpSpPr>
+        <p:cNvPr id="1" name=""/>
+        <p:cNvGrpSpPr/>
+        <p:nvPr/>
+      </p:nvGrpSpPr>
+      <p:grpSpPr>
+        <a:xfrm>
+          <a:off x="0" y="0"/>
+          <a:ext cx="0" cy="0"/>
+          <a:chOff x="0" y="0"/>
+          <a:chExt cx="0" cy="0"/>
+        </a:xfrm>
+      </p:grpSpPr>
+      <p:sp>
+        <p:nvSpPr>
+          <p:cNvPr id="2" name="Title 1"/>
+          <p:cNvSpPr>
+            <a:spLocks noGrp="1"/>
+          </p:cNvSpPr>
+          <p:nvPr>
+            <p:ph type="title"/>
+          </p:nvPr>
+        </p:nvSpPr>
+        <p:spPr/>
+        <p:txBody>
+          <a:bodyPr/>
+          <a:lstStyle/>
+          <a:p>
+            <a:r>
+              <a:rPr lang="en-US"/>
+              <a:t>Click to edit Master title style</a:t>
+            </a:r>
+            <a:endParaRPr lang="en-US" dirty="0"/>
+          </a:p>
+        </p:txBody>
+      </p:sp>
+      <p:sp>
+        <p:nvSpPr>
+          <p:cNvPr id="9" name="Content Placeholder 2"/>
+          <p:cNvSpPr>
+            <a:spLocks noGrp="1"/>
+          </p:cNvSpPr>
+          <p:nvPr>
+            <p:ph idx="1"/>
+          </p:nvPr>
+        </p:nvSpPr>
+        <p:spPr>
+          <a:xfrm>
+            <a:off x="457200" y="1052163"/>
+            <a:ext cx="8229600" cy="5428522"/>
+          </a:xfrm>
+        </p:spPr>
+        <p:txBody>
+          <a:bodyPr/>
+          <a:lstStyle>
+            <a:lvl1pPr marL="0" indent="0">
+              <a:buFontTx/>
+              <a:buNone/>
+              <a:defRPr/>
+            </a:lvl1pPr>
+            <a:lvl2pPr marL="339725" indent="-227013">
+              <a:spcBef>
+                <a:spcPts val="800"/>
+              </a:spcBef>
+              <a:buFont typeface="Arial"/>
+              <a:buChar char="•"/>
+              <a:defRPr>
+                <a:solidFill>
+                  <a:srgbClr val="404040"/>
+                </a:solidFill>
+              </a:defRPr>
+            </a:lvl2pPr>
+            <a:lvl3pPr marL="687388" indent="-227013">
+              <a:buFont typeface="Lucida Grande"/>
+              <a:buChar char="−"/>
+              <a:defRPr>
+                <a:solidFill>
+                  <a:srgbClr val="404040"/>
+                </a:solidFill>
+              </a:defRPr>
+            </a:lvl3pPr>
+            <a:lvl4pPr marL="974725" indent="-174625">
+              <a:buFont typeface="Arial"/>
+              <a:buChar char="•"/>
+              <a:defRPr>
+                <a:solidFill>
+                  <a:srgbClr val="404040"/>
+                </a:solidFill>
+              </a:defRPr>
+            </a:lvl4pPr>
+            <a:lvl5pPr marL="1539875" indent="-165100">
+              <a:defRPr>
+                <a:solidFill>
+                  <a:srgbClr val="404040"/>
+                </a:solidFill>
+              </a:defRPr>
+            </a:lvl5pPr>
+          </a:lstStyle>
+          <a:p>
+            <a:pPr lvl="0"/>
+            <a:r>
+              <a:rPr lang="en-US"/>
+              <a:t>Click to edit Master text styles</a:t>
+            </a:r>
+          </a:p>
+          <a:p>
+            <a:pPr lvl="1"/>
+            <a:r>
+              <a:rPr lang="en-US"/>
+              <a:t>Second level</a:t>
+            </a:r>
+          </a:p>
+          <a:p>
+            <a:pPr lvl="2"/>
+            <a:r>
+              <a:rPr lang="en-US"/>
+              <a:t>Third level</a:t>
+            </a:r>
+          </a:p>
+          <a:p>
+            <a:pPr lvl="3"/>
+            <a:r>
+              <a:rPr lang="en-US"/>
+              <a:t>Fourth level</a:t>
+            </a:r>
+          </a:p>
+          <a:p>
+            <a:pPr lvl="4"/>
+            <a:r>
+              <a:rPr lang="en-US"/>
+              <a:t>Fifth level</a:t>
+            </a:r>
+            <a:endParaRPr lang="en-US" dirty="0"/>
+          </a:p>
+        </p:txBody>
+      </p:sp>
+    </p:spTree>
+    <p:extLst>
+      <p:ext uri="{BB962C8B-B14F-4D97-AF65-F5344CB8AC3E}">
+        <p14:creationId xmlns:p14="http://schemas.microsoft.com/office/powerpoint/2010/main" val="4149177404"/>
+      </p:ext>
+    </p:extLst>
+  </p:cSld>
+  <p:clrMapOvr>
+    <a:masterClrMapping/>
+  </p:clrMapOvr>
+</p:sldLayout>
+</file>
+
+<file path=ppt/slideLayouts/slideLayout16.xml><?xml version="1.0" encoding="utf-8"?>
+<p:sldLayout xmlns:a="http://schemas.openxmlformats.org/drawingml/2006/main" xmlns:r="http://schemas.openxmlformats.org/officeDocument/2006/relationships" xmlns:p="http://schemas.openxmlformats.org/presentationml/2006/main" preserve="1" userDrawn="1">
+  <p:cSld name="2 lines in title">
+    <p:spTree>
+      <p:nvGrpSpPr>
+        <p:cNvPr id="1" name=""/>
+        <p:cNvGrpSpPr/>
+        <p:nvPr/>
+      </p:nvGrpSpPr>
+      <p:grpSpPr>
+        <a:xfrm>
+          <a:off x="0" y="0"/>
+          <a:ext cx="0" cy="0"/>
+          <a:chOff x="0" y="0"/>
+          <a:chExt cx="0" cy="0"/>
+        </a:xfrm>
+      </p:grpSpPr>
+      <p:sp>
+        <p:nvSpPr>
+          <p:cNvPr id="8" name="Title 1"/>
+          <p:cNvSpPr>
+            <a:spLocks noGrp="1"/>
+          </p:cNvSpPr>
+          <p:nvPr>
+            <p:ph type="title" hasCustomPrompt="1"/>
+          </p:nvPr>
+        </p:nvSpPr>
+        <p:spPr>
+          <a:xfrm>
+            <a:off x="115888" y="-5291"/>
+            <a:ext cx="8910637" cy="1601072"/>
+          </a:xfrm>
+        </p:spPr>
+        <p:txBody>
+          <a:bodyPr/>
+          <a:lstStyle>
+            <a:lvl1pPr>
+              <a:lnSpc>
+                <a:spcPts val="4400"/>
+              </a:lnSpc>
+              <a:defRPr/>
+            </a:lvl1pPr>
+          </a:lstStyle>
+          <a:p>
+            <a:r>
+              <a:rPr lang="en-US" dirty="0"/>
+              <a:t>Click to edit </a:t>
+            </a:r>
+            <a:br>
+              <a:rPr lang="en-US" dirty="0"/>
+            </a:br>
+            <a:r>
+              <a:rPr lang="en-US" dirty="0"/>
+              <a:t>Master title style</a:t>
+            </a:r>
+          </a:p>
+        </p:txBody>
+      </p:sp>
+      <p:sp>
+        <p:nvSpPr>
+          <p:cNvPr id="9" name="Content Placeholder 2"/>
+          <p:cNvSpPr>
+            <a:spLocks noGrp="1"/>
+          </p:cNvSpPr>
+          <p:nvPr>
+            <p:ph idx="1"/>
+          </p:nvPr>
+        </p:nvSpPr>
+        <p:spPr>
+          <a:xfrm>
+            <a:off x="457200" y="1607151"/>
+            <a:ext cx="8229600" cy="4813809"/>
+          </a:xfrm>
+        </p:spPr>
+        <p:txBody>
+          <a:bodyPr/>
+          <a:lstStyle>
+            <a:lvl1pPr>
+              <a:spcBef>
+                <a:spcPts val="800"/>
+              </a:spcBef>
+              <a:defRPr/>
+            </a:lvl1pPr>
+          </a:lstStyle>
+          <a:p>
+            <a:pPr lvl="0"/>
+            <a:r>
+              <a:rPr lang="en-US"/>
+              <a:t>Click to edit Master text styles</a:t>
+            </a:r>
+          </a:p>
+          <a:p>
+            <a:pPr lvl="1"/>
+            <a:r>
+              <a:rPr lang="en-US"/>
+              <a:t>Second level</a:t>
+            </a:r>
+          </a:p>
+          <a:p>
+            <a:pPr lvl="2"/>
+            <a:r>
+              <a:rPr lang="en-US"/>
+              <a:t>Third level</a:t>
+            </a:r>
+          </a:p>
+          <a:p>
+            <a:pPr lvl="3"/>
+            <a:r>
+              <a:rPr lang="en-US"/>
+              <a:t>Fourth level</a:t>
+            </a:r>
+          </a:p>
+          <a:p>
+            <a:pPr lvl="4"/>
+            <a:r>
+              <a:rPr lang="en-US"/>
+              <a:t>Fifth level</a:t>
+            </a:r>
+            <a:endParaRPr lang="en-US" dirty="0"/>
+          </a:p>
+        </p:txBody>
+      </p:sp>
+      <p:sp>
+        <p:nvSpPr>
+          <p:cNvPr id="11" name="Slide Number Placeholder 5"/>
+          <p:cNvSpPr>
+            <a:spLocks noGrp="1"/>
+          </p:cNvSpPr>
+          <p:nvPr>
+            <p:ph type="sldNum" sz="quarter" idx="4"/>
+          </p:nvPr>
+        </p:nvSpPr>
+        <p:spPr>
+          <a:xfrm>
+            <a:off x="6697884" y="6582706"/>
+            <a:ext cx="2133600" cy="266043"/>
+          </a:xfrm>
+          <a:prstGeom prst="rect">
+            <a:avLst/>
+          </a:prstGeom>
+        </p:spPr>
+        <p:txBody>
+          <a:bodyPr vert="horz" lIns="91440" tIns="45720" rIns="91440" bIns="45720" rtlCol="0" anchor="ctr"/>
+          <a:lstStyle>
+            <a:lvl1pPr algn="r">
+              <a:defRPr sz="1200">
+                <a:solidFill>
+                  <a:schemeClr val="tx1">
+                    <a:tint val="75000"/>
+                  </a:schemeClr>
+                </a:solidFill>
+              </a:defRPr>
+            </a:lvl1pPr>
+          </a:lstStyle>
+          <a:p>
+            <a:fld id="{6183D679-57E1-CE45-BC1C-B0838CBB0D09}" type="slidenum">
+              <a:rPr lang="en-US" smtClean="0"/>
+              <a:t>‹#›</a:t>
+            </a:fld>
+            <a:r>
+              <a:rPr lang="en-US" dirty="0"/>
+              <a:t>/30</a:t>
+            </a:r>
+          </a:p>
+        </p:txBody>
+      </p:sp>
+    </p:spTree>
+    <p:extLst>
+      <p:ext uri="{BB962C8B-B14F-4D97-AF65-F5344CB8AC3E}">
+        <p14:creationId xmlns:p14="http://schemas.microsoft.com/office/powerpoint/2010/main" val="1059028636"/>
+      </p:ext>
+    </p:extLst>
+  </p:cSld>
+  <p:clrMapOvr>
+    <a:masterClrMapping/>
+  </p:clrMapOvr>
+</p:sldLayout>
+</file>
+
+<file path=ppt/slideLayouts/slideLayout17.xml><?xml version="1.0" encoding="utf-8"?>
+<p:sldLayout xmlns:a="http://schemas.openxmlformats.org/drawingml/2006/main" xmlns:r="http://schemas.openxmlformats.org/officeDocument/2006/relationships" xmlns:p="http://schemas.openxmlformats.org/presentationml/2006/main" preserve="1" userDrawn="1">
+  <p:cSld name="2 lines, no bullet">
+    <p:spTree>
+      <p:nvGrpSpPr>
+        <p:cNvPr id="1" name=""/>
+        <p:cNvGrpSpPr/>
+        <p:nvPr/>
+      </p:nvGrpSpPr>
+      <p:grpSpPr>
+        <a:xfrm>
+          <a:off x="0" y="0"/>
+          <a:ext cx="0" cy="0"/>
+          <a:chOff x="0" y="0"/>
+          <a:chExt cx="0" cy="0"/>
+        </a:xfrm>
+      </p:grpSpPr>
+      <p:sp>
+        <p:nvSpPr>
+          <p:cNvPr id="9" name="Content Placeholder 2"/>
+          <p:cNvSpPr>
+            <a:spLocks noGrp="1"/>
+          </p:cNvSpPr>
+          <p:nvPr>
+            <p:ph idx="1"/>
+          </p:nvPr>
+        </p:nvSpPr>
+        <p:spPr>
+          <a:xfrm>
+            <a:off x="457200" y="1608189"/>
+            <a:ext cx="8229600" cy="4813810"/>
+          </a:xfrm>
+        </p:spPr>
+        <p:txBody>
+          <a:bodyPr/>
+          <a:lstStyle>
+            <a:lvl1pPr marL="0" indent="0">
+              <a:buFontTx/>
+              <a:buNone/>
+              <a:defRPr/>
+            </a:lvl1pPr>
+            <a:lvl2pPr marL="339725" indent="-227013">
+              <a:spcBef>
+                <a:spcPts val="800"/>
+              </a:spcBef>
+              <a:buFont typeface="Arial"/>
+              <a:buChar char="•"/>
+              <a:defRPr>
+                <a:solidFill>
+                  <a:srgbClr val="404040"/>
+                </a:solidFill>
+              </a:defRPr>
+            </a:lvl2pPr>
+            <a:lvl3pPr marL="687388" indent="-227013">
+              <a:buFont typeface="Lucida Grande"/>
+              <a:buChar char="−"/>
+              <a:defRPr>
+                <a:solidFill>
+                  <a:srgbClr val="404040"/>
+                </a:solidFill>
+              </a:defRPr>
+            </a:lvl3pPr>
+            <a:lvl4pPr marL="974725" indent="-174625">
+              <a:buFont typeface="Arial"/>
+              <a:buChar char="•"/>
+              <a:defRPr>
+                <a:solidFill>
+                  <a:srgbClr val="404040"/>
+                </a:solidFill>
+              </a:defRPr>
+            </a:lvl4pPr>
+            <a:lvl5pPr marL="1539875" indent="-165100">
+              <a:defRPr>
+                <a:solidFill>
+                  <a:srgbClr val="404040"/>
+                </a:solidFill>
+              </a:defRPr>
+            </a:lvl5pPr>
+          </a:lstStyle>
+          <a:p>
+            <a:pPr lvl="0"/>
+            <a:r>
+              <a:rPr lang="en-US"/>
+              <a:t>Click to edit Master text styles</a:t>
+            </a:r>
+          </a:p>
+          <a:p>
+            <a:pPr lvl="1"/>
+            <a:r>
+              <a:rPr lang="en-US"/>
+              <a:t>Second level</a:t>
+            </a:r>
+          </a:p>
+          <a:p>
+            <a:pPr lvl="2"/>
+            <a:r>
+              <a:rPr lang="en-US"/>
+              <a:t>Third level</a:t>
+            </a:r>
+          </a:p>
+          <a:p>
+            <a:pPr lvl="3"/>
+            <a:r>
+              <a:rPr lang="en-US"/>
+              <a:t>Fourth level</a:t>
+            </a:r>
+          </a:p>
+          <a:p>
+            <a:pPr lvl="4"/>
+            <a:r>
+              <a:rPr lang="en-US"/>
+              <a:t>Fifth level</a:t>
+            </a:r>
+            <a:endParaRPr lang="en-US" dirty="0"/>
+          </a:p>
+        </p:txBody>
+      </p:sp>
+      <p:sp>
+        <p:nvSpPr>
+          <p:cNvPr id="8" name="Title 1"/>
+          <p:cNvSpPr>
+            <a:spLocks noGrp="1"/>
+          </p:cNvSpPr>
+          <p:nvPr>
+            <p:ph type="title" hasCustomPrompt="1"/>
+          </p:nvPr>
+        </p:nvSpPr>
+        <p:spPr>
+          <a:xfrm>
+            <a:off x="115888" y="-5291"/>
+            <a:ext cx="8910637" cy="1601072"/>
+          </a:xfrm>
+        </p:spPr>
+        <p:txBody>
+          <a:bodyPr/>
+          <a:lstStyle>
+            <a:lvl1pPr>
+              <a:lnSpc>
+                <a:spcPts val="4400"/>
+              </a:lnSpc>
+              <a:defRPr/>
+            </a:lvl1pPr>
+          </a:lstStyle>
+          <a:p>
+            <a:r>
+              <a:rPr lang="en-US" dirty="0"/>
+              <a:t>Click to edit </a:t>
+            </a:r>
+            <a:br>
+              <a:rPr lang="en-US" dirty="0"/>
+            </a:br>
+            <a:r>
+              <a:rPr lang="en-US" dirty="0"/>
+              <a:t>Master title style</a:t>
+            </a:r>
+          </a:p>
+        </p:txBody>
+      </p:sp>
+      <p:sp>
+        <p:nvSpPr>
+          <p:cNvPr id="10" name="Slide Number Placeholder 5"/>
+          <p:cNvSpPr>
+            <a:spLocks noGrp="1"/>
+          </p:cNvSpPr>
+          <p:nvPr>
+            <p:ph type="sldNum" sz="quarter" idx="4"/>
+          </p:nvPr>
+        </p:nvSpPr>
+        <p:spPr>
+          <a:xfrm>
+            <a:off x="6697884" y="6590900"/>
+            <a:ext cx="2133600" cy="266043"/>
+          </a:xfrm>
+          <a:prstGeom prst="rect">
+            <a:avLst/>
+          </a:prstGeom>
+        </p:spPr>
+        <p:txBody>
+          <a:bodyPr vert="horz" lIns="91440" tIns="45720" rIns="91440" bIns="45720" rtlCol="0" anchor="ctr"/>
+          <a:lstStyle>
+            <a:lvl1pPr algn="r">
+              <a:defRPr sz="1200">
+                <a:solidFill>
+                  <a:schemeClr val="tx1">
+                    <a:tint val="75000"/>
+                  </a:schemeClr>
+                </a:solidFill>
+              </a:defRPr>
+            </a:lvl1pPr>
+          </a:lstStyle>
+          <a:p>
+            <a:fld id="{6183D679-57E1-CE45-BC1C-B0838CBB0D09}" type="slidenum">
+              <a:rPr lang="en-US" smtClean="0"/>
+              <a:t>‹#›</a:t>
+            </a:fld>
+            <a:r>
+              <a:rPr lang="en-US" dirty="0"/>
+              <a:t>/30</a:t>
+            </a:r>
+          </a:p>
+        </p:txBody>
+      </p:sp>
+    </p:spTree>
+    <p:extLst>
+      <p:ext uri="{BB962C8B-B14F-4D97-AF65-F5344CB8AC3E}">
+        <p14:creationId xmlns:p14="http://schemas.microsoft.com/office/powerpoint/2010/main" val="3174620525"/>
+      </p:ext>
+    </p:extLst>
+  </p:cSld>
+  <p:clrMapOvr>
+    <a:masterClrMapping/>
+  </p:clrMapOvr>
+</p:sldLayout>
+</file>
+
+<file path=ppt/slideLayouts/slideLayout18.xml><?xml version="1.0" encoding="utf-8"?>
+<p:sldLayout xmlns:a="http://schemas.openxmlformats.org/drawingml/2006/main" xmlns:r="http://schemas.openxmlformats.org/officeDocument/2006/relationships" xmlns:p="http://schemas.openxmlformats.org/presentationml/2006/main" type="secHead" preserve="1">
+  <p:cSld name="Section Header">
+    <p:spTree>
+      <p:nvGrpSpPr>
+        <p:cNvPr id="1" name=""/>
+        <p:cNvGrpSpPr/>
+        <p:nvPr/>
+      </p:nvGrpSpPr>
+      <p:grpSpPr>
+        <a:xfrm>
+          <a:off x="0" y="0"/>
+          <a:ext cx="0" cy="0"/>
+          <a:chOff x="0" y="0"/>
+          <a:chExt cx="0" cy="0"/>
+        </a:xfrm>
+      </p:grpSpPr>
+      <p:sp>
+        <p:nvSpPr>
+          <p:cNvPr id="2" name="Title 1"/>
+          <p:cNvSpPr>
+            <a:spLocks noGrp="1"/>
+          </p:cNvSpPr>
+          <p:nvPr>
+            <p:ph type="title"/>
+          </p:nvPr>
+        </p:nvSpPr>
+        <p:spPr>
+          <a:xfrm>
+            <a:off x="722313" y="4406900"/>
+            <a:ext cx="7772400" cy="1362075"/>
+          </a:xfrm>
+          <a:effectLst>
+            <a:outerShdw blurRad="50800" dist="38100" dir="2700000" algn="tl" rotWithShape="0">
+              <a:srgbClr val="000000">
+                <a:alpha val="40000"/>
+              </a:srgbClr>
+            </a:outerShdw>
+          </a:effectLst>
+        </p:spPr>
+        <p:txBody>
+          <a:bodyPr anchor="t"/>
+          <a:lstStyle>
+            <a:lvl1pPr algn="l">
+              <a:defRPr sz="4000" b="1" cap="all"/>
+            </a:lvl1pPr>
+          </a:lstStyle>
+          <a:p>
+            <a:r>
+              <a:rPr lang="en-US"/>
+              <a:t>Click to edit Master title style</a:t>
+            </a:r>
+            <a:endParaRPr lang="en-US" dirty="0"/>
+          </a:p>
+        </p:txBody>
+      </p:sp>
+      <p:sp>
+        <p:nvSpPr>
+          <p:cNvPr id="3" name="Text Placeholder 2"/>
+          <p:cNvSpPr>
+            <a:spLocks noGrp="1"/>
+          </p:cNvSpPr>
+          <p:nvPr>
+            <p:ph type="body" idx="1"/>
+          </p:nvPr>
+        </p:nvSpPr>
+        <p:spPr>
+          <a:xfrm>
+            <a:off x="722313" y="2906713"/>
+            <a:ext cx="7772400" cy="1500187"/>
+          </a:xfrm>
+        </p:spPr>
+        <p:txBody>
+          <a:bodyPr anchor="b"/>
+          <a:lstStyle>
+            <a:lvl1pPr marL="0" indent="0">
+              <a:buNone/>
+              <a:defRPr sz="2000">
+                <a:solidFill>
+                  <a:schemeClr val="tx1">
+                    <a:tint val="75000"/>
+                  </a:schemeClr>
+                </a:solidFill>
+              </a:defRPr>
+            </a:lvl1pPr>
+            <a:lvl2pPr marL="457200" indent="0">
+              <a:buNone/>
+              <a:defRPr sz="1800">
+                <a:solidFill>
+                  <a:schemeClr val="tx1">
+                    <a:tint val="75000"/>
+                  </a:schemeClr>
+                </a:solidFill>
+              </a:defRPr>
+            </a:lvl2pPr>
+            <a:lvl3pPr marL="914400" indent="0">
+              <a:buNone/>
+              <a:defRPr sz="1600">
+                <a:solidFill>
+                  <a:schemeClr val="tx1">
+                    <a:tint val="75000"/>
+                  </a:schemeClr>
+                </a:solidFill>
+              </a:defRPr>
+            </a:lvl3pPr>
+            <a:lvl4pPr marL="1371600" indent="0">
+              <a:buNone/>
+              <a:defRPr sz="1400">
+                <a:solidFill>
+                  <a:schemeClr val="tx1">
+                    <a:tint val="75000"/>
+                  </a:schemeClr>
+                </a:solidFill>
+              </a:defRPr>
+            </a:lvl4pPr>
+            <a:lvl5pPr marL="1828800" indent="0">
+              <a:buNone/>
+              <a:defRPr sz="1400">
+                <a:solidFill>
+                  <a:schemeClr val="tx1">
+                    <a:tint val="75000"/>
+                  </a:schemeClr>
+                </a:solidFill>
+              </a:defRPr>
+            </a:lvl5pPr>
+            <a:lvl6pPr marL="2286000" indent="0">
+              <a:buNone/>
+              <a:defRPr sz="1400">
+                <a:solidFill>
+                  <a:schemeClr val="tx1">
+                    <a:tint val="75000"/>
+                  </a:schemeClr>
+                </a:solidFill>
+              </a:defRPr>
+            </a:lvl6pPr>
+            <a:lvl7pPr marL="2743200" indent="0">
+              <a:buNone/>
+              <a:defRPr sz="1400">
+                <a:solidFill>
+                  <a:schemeClr val="tx1">
+                    <a:tint val="75000"/>
+                  </a:schemeClr>
+                </a:solidFill>
+              </a:defRPr>
+            </a:lvl7pPr>
+            <a:lvl8pPr marL="3200400" indent="0">
+              <a:buNone/>
+              <a:defRPr sz="1400">
+                <a:solidFill>
+                  <a:schemeClr val="tx1">
+                    <a:tint val="75000"/>
+                  </a:schemeClr>
+                </a:solidFill>
+              </a:defRPr>
+            </a:lvl8pPr>
+            <a:lvl9pPr marL="3657600" indent="0">
+              <a:buNone/>
+              <a:defRPr sz="1400">
+                <a:solidFill>
+                  <a:schemeClr val="tx1">
+                    <a:tint val="75000"/>
+                  </a:schemeClr>
+                </a:solidFill>
+              </a:defRPr>
+            </a:lvl9pPr>
+          </a:lstStyle>
+          <a:p>
+            <a:pPr lvl="0"/>
+            <a:r>
+              <a:rPr lang="en-US"/>
+              <a:t>Click to edit Master text styles</a:t>
+            </a:r>
+          </a:p>
+        </p:txBody>
+      </p:sp>
+    </p:spTree>
+    <p:extLst>
+      <p:ext uri="{BB962C8B-B14F-4D97-AF65-F5344CB8AC3E}">
+        <p14:creationId xmlns:p14="http://schemas.microsoft.com/office/powerpoint/2010/main" val="961125824"/>
+      </p:ext>
+    </p:extLst>
+  </p:cSld>
+  <p:clrMapOvr>
+    <a:masterClrMapping/>
+  </p:clrMapOvr>
+</p:sldLayout>
+</file>
+
+<file path=ppt/slideLayouts/slideLayout19.xml><?xml version="1.0" encoding="utf-8"?>
+<p:sldLayout xmlns:a="http://schemas.openxmlformats.org/drawingml/2006/main" xmlns:r="http://schemas.openxmlformats.org/officeDocument/2006/relationships" xmlns:p="http://schemas.openxmlformats.org/presentationml/2006/main" type="twoObj" preserve="1">
+  <p:cSld name="Two Content">
+    <p:spTree>
+      <p:nvGrpSpPr>
+        <p:cNvPr id="1" name=""/>
+        <p:cNvGrpSpPr/>
+        <p:nvPr/>
+      </p:nvGrpSpPr>
+      <p:grpSpPr>
+        <a:xfrm>
+          <a:off x="0" y="0"/>
+          <a:ext cx="0" cy="0"/>
+          <a:chOff x="0" y="0"/>
+          <a:chExt cx="0" cy="0"/>
+        </a:xfrm>
+      </p:grpSpPr>
+      <p:sp>
+        <p:nvSpPr>
+          <p:cNvPr id="2" name="Title 1"/>
+          <p:cNvSpPr>
+            <a:spLocks noGrp="1"/>
+          </p:cNvSpPr>
+          <p:nvPr>
+            <p:ph type="title"/>
+          </p:nvPr>
+        </p:nvSpPr>
+        <p:spPr/>
+        <p:txBody>
+          <a:bodyPr/>
+          <a:lstStyle/>
+          <a:p>
+            <a:r>
+              <a:rPr lang="en-US"/>
+              <a:t>Click to edit Master title style</a:t>
+            </a:r>
+            <a:endParaRPr lang="en-US" dirty="0"/>
+          </a:p>
+        </p:txBody>
+      </p:sp>
+      <p:sp>
+        <p:nvSpPr>
+          <p:cNvPr id="3" name="Content Placeholder 2"/>
+          <p:cNvSpPr>
+            <a:spLocks noGrp="1"/>
+          </p:cNvSpPr>
+          <p:nvPr>
+            <p:ph sz="half" idx="1"/>
+          </p:nvPr>
+        </p:nvSpPr>
+        <p:spPr>
+          <a:xfrm>
+            <a:off x="457200" y="1600200"/>
+            <a:ext cx="4038600" cy="4525963"/>
+          </a:xfrm>
+        </p:spPr>
+        <p:txBody>
+          <a:bodyPr/>
+          <a:lstStyle>
+            <a:lvl1pPr>
+              <a:defRPr sz="2800"/>
+            </a:lvl1pPr>
+            <a:lvl2pPr>
+              <a:defRPr sz="2400"/>
+            </a:lvl2pPr>
+            <a:lvl3pPr>
+              <a:defRPr sz="2000"/>
+            </a:lvl3pPr>
+            <a:lvl4pPr>
+              <a:defRPr sz="1800"/>
+            </a:lvl4pPr>
+            <a:lvl5pPr>
+              <a:defRPr sz="1800"/>
+            </a:lvl5pPr>
+            <a:lvl6pPr>
+              <a:defRPr sz="1800"/>
+            </a:lvl6pPr>
+            <a:lvl7pPr>
+              <a:defRPr sz="1800"/>
+            </a:lvl7pPr>
+            <a:lvl8pPr>
+              <a:defRPr sz="1800"/>
+            </a:lvl8pPr>
+            <a:lvl9pPr>
+              <a:defRPr sz="1800"/>
+            </a:lvl9pPr>
+          </a:lstStyle>
+          <a:p>
+            <a:pPr lvl="0"/>
+            <a:r>
+              <a:rPr lang="en-US"/>
+              <a:t>Click to edit Master text styles</a:t>
+            </a:r>
+          </a:p>
+          <a:p>
+            <a:pPr lvl="1"/>
+            <a:r>
+              <a:rPr lang="en-US"/>
+              <a:t>Second level</a:t>
+            </a:r>
+          </a:p>
+          <a:p>
+            <a:pPr lvl="2"/>
+            <a:r>
+              <a:rPr lang="en-US"/>
+              <a:t>Third level</a:t>
+            </a:r>
+          </a:p>
+          <a:p>
+            <a:pPr lvl="3"/>
+            <a:r>
+              <a:rPr lang="en-US"/>
+              <a:t>Fourth level</a:t>
+            </a:r>
+          </a:p>
+          <a:p>
+            <a:pPr lvl="4"/>
+            <a:r>
+              <a:rPr lang="en-US"/>
+              <a:t>Fifth level</a:t>
+            </a:r>
+            <a:endParaRPr lang="en-US" dirty="0"/>
+          </a:p>
+        </p:txBody>
+      </p:sp>
+      <p:sp>
+        <p:nvSpPr>
+          <p:cNvPr id="4" name="Content Placeholder 3"/>
+          <p:cNvSpPr>
+            <a:spLocks noGrp="1"/>
+          </p:cNvSpPr>
+          <p:nvPr>
+            <p:ph sz="half" idx="2"/>
+          </p:nvPr>
+        </p:nvSpPr>
+        <p:spPr>
+          <a:xfrm>
+            <a:off x="4648200" y="1600200"/>
+            <a:ext cx="4038600" cy="4525963"/>
+          </a:xfrm>
+        </p:spPr>
+        <p:txBody>
+          <a:bodyPr/>
+          <a:lstStyle>
+            <a:lvl1pPr>
+              <a:defRPr sz="2800"/>
+            </a:lvl1pPr>
+            <a:lvl2pPr>
+              <a:defRPr sz="2400"/>
+            </a:lvl2pPr>
+            <a:lvl3pPr>
+              <a:defRPr sz="2000"/>
+            </a:lvl3pPr>
+            <a:lvl4pPr>
+              <a:defRPr sz="1800"/>
+            </a:lvl4pPr>
+            <a:lvl5pPr>
+              <a:defRPr sz="1800"/>
+            </a:lvl5pPr>
+            <a:lvl6pPr>
+              <a:defRPr sz="1800"/>
+            </a:lvl6pPr>
+            <a:lvl7pPr>
+              <a:defRPr sz="1800"/>
+            </a:lvl7pPr>
+            <a:lvl8pPr>
+              <a:defRPr sz="1800"/>
+            </a:lvl8pPr>
+            <a:lvl9pPr>
+              <a:defRPr sz="1800"/>
+            </a:lvl9pPr>
+          </a:lstStyle>
+          <a:p>
+            <a:pPr lvl="0"/>
+            <a:r>
+              <a:rPr lang="en-US"/>
+              <a:t>Click to edit Master text styles</a:t>
+            </a:r>
+          </a:p>
+          <a:p>
+            <a:pPr lvl="1"/>
+            <a:r>
+              <a:rPr lang="en-US"/>
+              <a:t>Second level</a:t>
+            </a:r>
+          </a:p>
+          <a:p>
+            <a:pPr lvl="2"/>
+            <a:r>
+              <a:rPr lang="en-US"/>
+              <a:t>Third level</a:t>
+            </a:r>
+          </a:p>
+          <a:p>
+            <a:pPr lvl="3"/>
+            <a:r>
+              <a:rPr lang="en-US"/>
+              <a:t>Fourth level</a:t>
+            </a:r>
+          </a:p>
+          <a:p>
+            <a:pPr lvl="4"/>
+            <a:r>
+              <a:rPr lang="en-US"/>
+              <a:t>Fifth level</a:t>
+            </a:r>
+          </a:p>
+        </p:txBody>
+      </p:sp>
+    </p:spTree>
+    <p:extLst>
+      <p:ext uri="{BB962C8B-B14F-4D97-AF65-F5344CB8AC3E}">
+        <p14:creationId xmlns:p14="http://schemas.microsoft.com/office/powerpoint/2010/main" val="2585318256"/>
+      </p:ext>
+    </p:extLst>
+  </p:cSld>
+  <p:clrMapOvr>
+    <a:masterClrMapping/>
+  </p:clrMapOvr>
+</p:sldLayout>
+</file>
+
+<file path=ppt/slideLayouts/slideLayout2.xml><?xml version="1.0" encoding="utf-8"?>
+<p:sldLayout xmlns:a="http://schemas.openxmlformats.org/drawingml/2006/main" xmlns:r="http://schemas.openxmlformats.org/officeDocument/2006/relationships" xmlns:p="http://schemas.openxmlformats.org/presentationml/2006/main" type="title" preserve="1">
+  <p:cSld name="Title Slide">
+    <p:spTree>
+      <p:nvGrpSpPr>
+        <p:cNvPr id="1" name=""/>
+        <p:cNvGrpSpPr/>
+        <p:nvPr/>
+      </p:nvGrpSpPr>
+      <p:grpSpPr>
+        <a:xfrm>
+          <a:off x="0" y="0"/>
+          <a:ext cx="0" cy="0"/>
+          <a:chOff x="0" y="0"/>
+          <a:chExt cx="0" cy="0"/>
+        </a:xfrm>
+      </p:grpSpPr>
+      <p:sp>
+        <p:nvSpPr>
+          <p:cNvPr id="2" name="Title 1"/>
+          <p:cNvSpPr>
+            <a:spLocks noGrp="1"/>
+          </p:cNvSpPr>
+          <p:nvPr>
+            <p:ph type="ctrTitle" hasCustomPrompt="1"/>
+          </p:nvPr>
+        </p:nvSpPr>
+        <p:spPr>
+          <a:xfrm>
+            <a:off x="685800" y="723900"/>
+            <a:ext cx="7772400" cy="1470025"/>
+          </a:xfrm>
+          <a:effectLst>
+            <a:outerShdw blurRad="50800" dist="38100" dir="2700000" algn="tl" rotWithShape="0">
+              <a:srgbClr val="000000">
+                <a:alpha val="40000"/>
+              </a:srgbClr>
+            </a:outerShdw>
+          </a:effectLst>
+        </p:spPr>
+        <p:txBody>
+          <a:bodyPr anchor="ctr">
+            <a:noAutofit/>
+          </a:bodyPr>
+          <a:lstStyle>
+            <a:lvl1pPr marL="0" marR="0" indent="0" algn="ctr" defTabSz="457200" rtl="0" eaLnBrk="0" fontAlgn="base" latinLnBrk="0" hangingPunct="0">
+              <a:lnSpc>
+                <a:spcPts val="4400"/>
+              </a:lnSpc>
+              <a:spcBef>
+                <a:spcPct val="0"/>
+              </a:spcBef>
+              <a:spcAft>
+                <a:spcPct val="0"/>
+              </a:spcAft>
+              <a:buClrTx/>
+              <a:buSzTx/>
+              <a:buFontTx/>
+              <a:buNone/>
+              <a:tabLst/>
+              <a:defRPr kumimoji="0" lang="en-US" sz="4400" b="0" i="0" u="none" strike="noStrike" kern="1200" cap="none" spc="0" normalizeH="0" baseline="0" noProof="0" dirty="0">
+                <a:ln>
+                  <a:noFill/>
+                </a:ln>
+                <a:solidFill>
+                  <a:sysClr val="windowText" lastClr="000000"/>
+                </a:solidFill>
+                <a:effectLst/>
+                <a:uLnTx/>
+                <a:uFillTx/>
+                <a:latin typeface="Calibri"/>
+                <a:ea typeface="ＭＳ Ｐゴシック" pitchFamily="-112" charset="-128"/>
+                <a:cs typeface="ＭＳ Ｐゴシック" pitchFamily="-112" charset="-128"/>
+              </a:defRPr>
+            </a:lvl1pPr>
+          </a:lstStyle>
+          <a:p>
+            <a:pPr marL="0" marR="0" lvl="0" indent="0" algn="ctr" defTabSz="457200" rtl="0" eaLnBrk="0" fontAlgn="base" latinLnBrk="0" hangingPunct="0">
+              <a:lnSpc>
+                <a:spcPts val="4400"/>
+              </a:lnSpc>
+              <a:spcBef>
+                <a:spcPct val="0"/>
+              </a:spcBef>
+              <a:spcAft>
+                <a:spcPct val="0"/>
+              </a:spcAft>
+              <a:buClrTx/>
+              <a:buSzTx/>
+              <a:buFontTx/>
+              <a:buNone/>
+              <a:tabLst/>
+              <a:defRPr/>
+            </a:pPr>
+            <a:r>
+              <a:rPr kumimoji="0" lang="en-US" sz="4400" b="0" i="0" u="none" strike="noStrike" kern="1200" cap="none" spc="0" normalizeH="0" baseline="0" noProof="0" dirty="0">
+                <a:ln>
+                  <a:noFill/>
+                </a:ln>
+                <a:solidFill>
+                  <a:sysClr val="windowText" lastClr="000000"/>
+                </a:solidFill>
+                <a:effectLst/>
+                <a:uLnTx/>
+                <a:uFillTx/>
+                <a:latin typeface="+mj-lt"/>
+                <a:ea typeface="ＭＳ Ｐゴシック" pitchFamily="-112" charset="-128"/>
+                <a:cs typeface="ＭＳ Ｐゴシック" pitchFamily="-112" charset="-128"/>
+              </a:rPr>
+              <a:t>Click to add title</a:t>
+            </a:r>
+          </a:p>
+        </p:txBody>
+      </p:sp>
+      <p:sp>
+        <p:nvSpPr>
+          <p:cNvPr id="3" name="Subtitle 2"/>
+          <p:cNvSpPr>
+            <a:spLocks noGrp="1"/>
+          </p:cNvSpPr>
+          <p:nvPr>
+            <p:ph type="subTitle" idx="1" hasCustomPrompt="1"/>
+          </p:nvPr>
+        </p:nvSpPr>
+        <p:spPr>
+          <a:xfrm>
+            <a:off x="1371600" y="2419005"/>
+            <a:ext cx="6400800" cy="653663"/>
+          </a:xfrm>
+        </p:spPr>
+        <p:txBody>
+          <a:bodyPr>
+            <a:noAutofit/>
+          </a:bodyPr>
+          <a:lstStyle>
+            <a:lvl1pPr marL="0" indent="0" algn="ctr">
+              <a:buNone/>
+              <a:defRPr kumimoji="0" lang="en-US" sz="2200" b="0" i="0" u="none" strike="noStrike" kern="1200" cap="none" spc="0" normalizeH="0" baseline="0" dirty="0">
+                <a:ln>
+                  <a:noFill/>
+                </a:ln>
+                <a:solidFill>
+                  <a:sysClr val="windowText" lastClr="000000">
+                    <a:tint val="75000"/>
+                  </a:sysClr>
+                </a:solidFill>
+                <a:effectLst/>
+                <a:uLnTx/>
+                <a:uFillTx/>
+                <a:latin typeface="Calibri"/>
+                <a:ea typeface="ＭＳ Ｐゴシック" pitchFamily="-112" charset="-128"/>
+                <a:cs typeface="ＭＳ Ｐゴシック" pitchFamily="-112" charset="-128"/>
+              </a:defRPr>
+            </a:lvl1pPr>
+            <a:lvl2pPr marL="457200" indent="0" algn="ctr">
+              <a:buNone/>
+              <a:defRPr>
+                <a:solidFill>
+                  <a:schemeClr val="tx1">
+                    <a:tint val="75000"/>
+                  </a:schemeClr>
+                </a:solidFill>
+              </a:defRPr>
+            </a:lvl2pPr>
+            <a:lvl3pPr marL="914400" indent="0" algn="ctr">
+              <a:buNone/>
+              <a:defRPr>
+                <a:solidFill>
+                  <a:schemeClr val="tx1">
+                    <a:tint val="75000"/>
+                  </a:schemeClr>
+                </a:solidFill>
+              </a:defRPr>
+            </a:lvl3pPr>
+            <a:lvl4pPr marL="1371600" indent="0" algn="ctr">
+              <a:buNone/>
+              <a:defRPr>
+                <a:solidFill>
+                  <a:schemeClr val="tx1">
+                    <a:tint val="75000"/>
+                  </a:schemeClr>
+                </a:solidFill>
+              </a:defRPr>
+            </a:lvl4pPr>
+            <a:lvl5pPr marL="1828800" indent="0" algn="ctr">
+              <a:buNone/>
+              <a:defRPr>
+                <a:solidFill>
+                  <a:schemeClr val="tx1">
+                    <a:tint val="75000"/>
+                  </a:schemeClr>
+                </a:solidFill>
+              </a:defRPr>
+            </a:lvl5pPr>
+            <a:lvl6pPr marL="2286000" indent="0" algn="ctr">
+              <a:buNone/>
+              <a:defRPr>
+                <a:solidFill>
+                  <a:schemeClr val="tx1">
+                    <a:tint val="75000"/>
+                  </a:schemeClr>
+                </a:solidFill>
+              </a:defRPr>
+            </a:lvl6pPr>
+            <a:lvl7pPr marL="2743200" indent="0" algn="ctr">
+              <a:buNone/>
+              <a:defRPr>
+                <a:solidFill>
+                  <a:schemeClr val="tx1">
+                    <a:tint val="75000"/>
+                  </a:schemeClr>
+                </a:solidFill>
+              </a:defRPr>
+            </a:lvl7pPr>
+            <a:lvl8pPr marL="3200400" indent="0" algn="ctr">
+              <a:buNone/>
+              <a:defRPr>
+                <a:solidFill>
+                  <a:schemeClr val="tx1">
+                    <a:tint val="75000"/>
+                  </a:schemeClr>
+                </a:solidFill>
+              </a:defRPr>
+            </a:lvl8pPr>
+            <a:lvl9pPr marL="3657600" indent="0" algn="ctr">
+              <a:buNone/>
+              <a:defRPr>
+                <a:solidFill>
+                  <a:schemeClr val="tx1">
+                    <a:tint val="75000"/>
+                  </a:schemeClr>
+                </a:solidFill>
+              </a:defRPr>
+            </a:lvl9pPr>
+          </a:lstStyle>
+          <a:p>
+            <a:pPr marL="0" marR="0" lvl="0" indent="0" algn="ctr" defTabSz="457200" rtl="0" eaLnBrk="0" fontAlgn="base" latinLnBrk="0" hangingPunct="0">
+              <a:lnSpc>
+                <a:spcPct val="100000"/>
+              </a:lnSpc>
+              <a:spcBef>
+                <a:spcPct val="20000"/>
+              </a:spcBef>
+              <a:spcAft>
+                <a:spcPct val="0"/>
+              </a:spcAft>
+              <a:buClrTx/>
+              <a:buSzTx/>
+              <a:buFont typeface="Arial" charset="0"/>
+              <a:buNone/>
+              <a:tabLst/>
+              <a:defRPr/>
+            </a:pPr>
+            <a:r>
+              <a:rPr lang="en-US" dirty="0"/>
+              <a:t>Click to add name</a:t>
+            </a:r>
+          </a:p>
+        </p:txBody>
+      </p:sp>
     </p:spTree>
     <p:extLst>
       <p:ext uri="{BB962C8B-B14F-4D97-AF65-F5344CB8AC3E}">
         <p14:creationId xmlns:p14="http://schemas.microsoft.com/office/powerpoint/2010/main" val="3592651245"/>
+      </p:ext>
+    </p:extLst>
+  </p:cSld>
+  <p:clrMapOvr>
+    <a:masterClrMapping/>
+  </p:clrMapOvr>
+</p:sldLayout>
+</file>
+
+<file path=ppt/slideLayouts/slideLayout20.xml><?xml version="1.0" encoding="utf-8"?>
+<p:sldLayout xmlns:a="http://schemas.openxmlformats.org/drawingml/2006/main" xmlns:r="http://schemas.openxmlformats.org/officeDocument/2006/relationships" xmlns:p="http://schemas.openxmlformats.org/presentationml/2006/main" type="twoTxTwoObj" preserve="1">
+  <p:cSld name="Comparison">
+    <p:spTree>
+      <p:nvGrpSpPr>
+        <p:cNvPr id="1" name=""/>
+        <p:cNvGrpSpPr/>
+        <p:nvPr/>
+      </p:nvGrpSpPr>
+      <p:grpSpPr>
+        <a:xfrm>
+          <a:off x="0" y="0"/>
+          <a:ext cx="0" cy="0"/>
+          <a:chOff x="0" y="0"/>
+          <a:chExt cx="0" cy="0"/>
+        </a:xfrm>
+      </p:grpSpPr>
+      <p:sp>
+        <p:nvSpPr>
+          <p:cNvPr id="2" name="Title 1"/>
+          <p:cNvSpPr>
+            <a:spLocks noGrp="1"/>
+          </p:cNvSpPr>
+          <p:nvPr>
+            <p:ph type="title"/>
+          </p:nvPr>
+        </p:nvSpPr>
+        <p:spPr/>
+        <p:txBody>
+          <a:bodyPr/>
+          <a:lstStyle>
+            <a:lvl1pPr>
+              <a:defRPr/>
+            </a:lvl1pPr>
+          </a:lstStyle>
+          <a:p>
+            <a:r>
+              <a:rPr lang="en-US"/>
+              <a:t>Click to edit Master title style</a:t>
+            </a:r>
+            <a:endParaRPr lang="en-US" dirty="0"/>
+          </a:p>
+        </p:txBody>
+      </p:sp>
+      <p:sp>
+        <p:nvSpPr>
+          <p:cNvPr id="3" name="Text Placeholder 2"/>
+          <p:cNvSpPr>
+            <a:spLocks noGrp="1"/>
+          </p:cNvSpPr>
+          <p:nvPr>
+            <p:ph type="body" idx="1"/>
+          </p:nvPr>
+        </p:nvSpPr>
+        <p:spPr>
+          <a:xfrm>
+            <a:off x="457200" y="1535113"/>
+            <a:ext cx="4040188" cy="639762"/>
+          </a:xfrm>
+        </p:spPr>
+        <p:txBody>
+          <a:bodyPr anchor="b"/>
+          <a:lstStyle>
+            <a:lvl1pPr marL="0" indent="0">
+              <a:buNone/>
+              <a:defRPr sz="2400" b="1"/>
+            </a:lvl1pPr>
+            <a:lvl2pPr marL="457200" indent="0">
+              <a:buNone/>
+              <a:defRPr sz="2000" b="1"/>
+            </a:lvl2pPr>
+            <a:lvl3pPr marL="914400" indent="0">
+              <a:buNone/>
+              <a:defRPr sz="1800" b="1"/>
+            </a:lvl3pPr>
+            <a:lvl4pPr marL="1371600" indent="0">
+              <a:buNone/>
+              <a:defRPr sz="1600" b="1"/>
+            </a:lvl4pPr>
+            <a:lvl5pPr marL="1828800" indent="0">
+              <a:buNone/>
+              <a:defRPr sz="1600" b="1"/>
+            </a:lvl5pPr>
+            <a:lvl6pPr marL="2286000" indent="0">
+              <a:buNone/>
+              <a:defRPr sz="1600" b="1"/>
+            </a:lvl6pPr>
+            <a:lvl7pPr marL="2743200" indent="0">
+              <a:buNone/>
+              <a:defRPr sz="1600" b="1"/>
+            </a:lvl7pPr>
+            <a:lvl8pPr marL="3200400" indent="0">
+              <a:buNone/>
+              <a:defRPr sz="1600" b="1"/>
+            </a:lvl8pPr>
+            <a:lvl9pPr marL="3657600" indent="0">
+              <a:buNone/>
+              <a:defRPr sz="1600" b="1"/>
+            </a:lvl9pPr>
+          </a:lstStyle>
+          <a:p>
+            <a:pPr lvl="0"/>
+            <a:r>
+              <a:rPr lang="en-US"/>
+              <a:t>Click to edit Master text styles</a:t>
+            </a:r>
+          </a:p>
+        </p:txBody>
+      </p:sp>
+      <p:sp>
+        <p:nvSpPr>
+          <p:cNvPr id="4" name="Content Placeholder 3"/>
+          <p:cNvSpPr>
+            <a:spLocks noGrp="1"/>
+          </p:cNvSpPr>
+          <p:nvPr>
+            <p:ph sz="half" idx="2"/>
+          </p:nvPr>
+        </p:nvSpPr>
+        <p:spPr>
+          <a:xfrm>
+            <a:off x="457200" y="2174875"/>
+            <a:ext cx="4040188" cy="3951288"/>
+          </a:xfrm>
+        </p:spPr>
+        <p:txBody>
+          <a:bodyPr/>
+          <a:lstStyle>
+            <a:lvl1pPr>
+              <a:defRPr sz="2400"/>
+            </a:lvl1pPr>
+            <a:lvl2pPr>
+              <a:defRPr sz="2000"/>
+            </a:lvl2pPr>
+            <a:lvl3pPr>
+              <a:defRPr sz="1800"/>
+            </a:lvl3pPr>
+            <a:lvl4pPr>
+              <a:defRPr sz="1600"/>
+            </a:lvl4pPr>
+            <a:lvl5pPr>
+              <a:defRPr sz="1600"/>
+            </a:lvl5pPr>
+            <a:lvl6pPr>
+              <a:defRPr sz="1600"/>
+            </a:lvl6pPr>
+            <a:lvl7pPr>
+              <a:defRPr sz="1600"/>
+            </a:lvl7pPr>
+            <a:lvl8pPr>
+              <a:defRPr sz="1600"/>
+            </a:lvl8pPr>
+            <a:lvl9pPr>
+              <a:defRPr sz="1600"/>
+            </a:lvl9pPr>
+          </a:lstStyle>
+          <a:p>
+            <a:pPr lvl="0"/>
+            <a:r>
+              <a:rPr lang="en-US"/>
+              <a:t>Click to edit Master text styles</a:t>
+            </a:r>
+          </a:p>
+          <a:p>
+            <a:pPr lvl="1"/>
+            <a:r>
+              <a:rPr lang="en-US"/>
+              <a:t>Second level</a:t>
+            </a:r>
+          </a:p>
+          <a:p>
+            <a:pPr lvl="2"/>
+            <a:r>
+              <a:rPr lang="en-US"/>
+              <a:t>Third level</a:t>
+            </a:r>
+          </a:p>
+          <a:p>
+            <a:pPr lvl="3"/>
+            <a:r>
+              <a:rPr lang="en-US"/>
+              <a:t>Fourth level</a:t>
+            </a:r>
+          </a:p>
+          <a:p>
+            <a:pPr lvl="4"/>
+            <a:r>
+              <a:rPr lang="en-US"/>
+              <a:t>Fifth level</a:t>
+            </a:r>
+          </a:p>
+        </p:txBody>
+      </p:sp>
+      <p:sp>
+        <p:nvSpPr>
+          <p:cNvPr id="5" name="Text Placeholder 4"/>
+          <p:cNvSpPr>
+            <a:spLocks noGrp="1"/>
+          </p:cNvSpPr>
+          <p:nvPr>
+            <p:ph type="body" sz="quarter" idx="3"/>
+          </p:nvPr>
+        </p:nvSpPr>
+        <p:spPr>
+          <a:xfrm>
+            <a:off x="4645025" y="1535113"/>
+            <a:ext cx="4041775" cy="639762"/>
+          </a:xfrm>
+        </p:spPr>
+        <p:txBody>
+          <a:bodyPr anchor="b"/>
+          <a:lstStyle>
+            <a:lvl1pPr marL="0" indent="0">
+              <a:buNone/>
+              <a:defRPr sz="2400" b="1"/>
+            </a:lvl1pPr>
+            <a:lvl2pPr marL="457200" indent="0">
+              <a:buNone/>
+              <a:defRPr sz="2000" b="1"/>
+            </a:lvl2pPr>
+            <a:lvl3pPr marL="914400" indent="0">
+              <a:buNone/>
+              <a:defRPr sz="1800" b="1"/>
+            </a:lvl3pPr>
+            <a:lvl4pPr marL="1371600" indent="0">
+              <a:buNone/>
+              <a:defRPr sz="1600" b="1"/>
+            </a:lvl4pPr>
+            <a:lvl5pPr marL="1828800" indent="0">
+              <a:buNone/>
+              <a:defRPr sz="1600" b="1"/>
+            </a:lvl5pPr>
+            <a:lvl6pPr marL="2286000" indent="0">
+              <a:buNone/>
+              <a:defRPr sz="1600" b="1"/>
+            </a:lvl6pPr>
+            <a:lvl7pPr marL="2743200" indent="0">
+              <a:buNone/>
+              <a:defRPr sz="1600" b="1"/>
+            </a:lvl7pPr>
+            <a:lvl8pPr marL="3200400" indent="0">
+              <a:buNone/>
+              <a:defRPr sz="1600" b="1"/>
+            </a:lvl8pPr>
+            <a:lvl9pPr marL="3657600" indent="0">
+              <a:buNone/>
+              <a:defRPr sz="1600" b="1"/>
+            </a:lvl9pPr>
+          </a:lstStyle>
+          <a:p>
+            <a:pPr lvl="0"/>
+            <a:r>
+              <a:rPr lang="en-US"/>
+              <a:t>Click to edit Master text styles</a:t>
+            </a:r>
+          </a:p>
+        </p:txBody>
+      </p:sp>
+      <p:sp>
+        <p:nvSpPr>
+          <p:cNvPr id="6" name="Content Placeholder 5"/>
+          <p:cNvSpPr>
+            <a:spLocks noGrp="1"/>
+          </p:cNvSpPr>
+          <p:nvPr>
+            <p:ph sz="quarter" idx="4"/>
+          </p:nvPr>
+        </p:nvSpPr>
+        <p:spPr>
+          <a:xfrm>
+            <a:off x="4645025" y="2174875"/>
+            <a:ext cx="4041775" cy="3951288"/>
+          </a:xfrm>
+        </p:spPr>
+        <p:txBody>
+          <a:bodyPr/>
+          <a:lstStyle>
+            <a:lvl1pPr>
+              <a:defRPr sz="2400"/>
+            </a:lvl1pPr>
+            <a:lvl2pPr>
+              <a:defRPr sz="2000"/>
+            </a:lvl2pPr>
+            <a:lvl3pPr>
+              <a:defRPr sz="1800"/>
+            </a:lvl3pPr>
+            <a:lvl4pPr>
+              <a:defRPr sz="1600"/>
+            </a:lvl4pPr>
+            <a:lvl5pPr>
+              <a:defRPr sz="1600"/>
+            </a:lvl5pPr>
+            <a:lvl6pPr>
+              <a:defRPr sz="1600"/>
+            </a:lvl6pPr>
+            <a:lvl7pPr>
+              <a:defRPr sz="1600"/>
+            </a:lvl7pPr>
+            <a:lvl8pPr>
+              <a:defRPr sz="1600"/>
+            </a:lvl8pPr>
+            <a:lvl9pPr>
+              <a:defRPr sz="1600"/>
+            </a:lvl9pPr>
+          </a:lstStyle>
+          <a:p>
+            <a:pPr lvl="0"/>
+            <a:r>
+              <a:rPr lang="en-US"/>
+              <a:t>Click to edit Master text styles</a:t>
+            </a:r>
+          </a:p>
+          <a:p>
+            <a:pPr lvl="1"/>
+            <a:r>
+              <a:rPr lang="en-US"/>
+              <a:t>Second level</a:t>
+            </a:r>
+          </a:p>
+          <a:p>
+            <a:pPr lvl="2"/>
+            <a:r>
+              <a:rPr lang="en-US"/>
+              <a:t>Third level</a:t>
+            </a:r>
+          </a:p>
+          <a:p>
+            <a:pPr lvl="3"/>
+            <a:r>
+              <a:rPr lang="en-US"/>
+              <a:t>Fourth level</a:t>
+            </a:r>
+          </a:p>
+          <a:p>
+            <a:pPr lvl="4"/>
+            <a:r>
+              <a:rPr lang="en-US"/>
+              <a:t>Fifth level</a:t>
+            </a:r>
+          </a:p>
+        </p:txBody>
+      </p:sp>
+    </p:spTree>
+    <p:extLst>
+      <p:ext uri="{BB962C8B-B14F-4D97-AF65-F5344CB8AC3E}">
+        <p14:creationId xmlns:p14="http://schemas.microsoft.com/office/powerpoint/2010/main" val="2554533896"/>
+      </p:ext>
+    </p:extLst>
+  </p:cSld>
+  <p:clrMapOvr>
+    <a:masterClrMapping/>
+  </p:clrMapOvr>
+</p:sldLayout>
+</file>
+
+<file path=ppt/slideLayouts/slideLayout21.xml><?xml version="1.0" encoding="utf-8"?>
+<p:sldLayout xmlns:a="http://schemas.openxmlformats.org/drawingml/2006/main" xmlns:r="http://schemas.openxmlformats.org/officeDocument/2006/relationships" xmlns:p="http://schemas.openxmlformats.org/presentationml/2006/main" type="titleOnly" preserve="1">
+  <p:cSld name="Title Only">
+    <p:spTree>
+      <p:nvGrpSpPr>
+        <p:cNvPr id="1" name=""/>
+        <p:cNvGrpSpPr/>
+        <p:nvPr/>
+      </p:nvGrpSpPr>
+      <p:grpSpPr>
+        <a:xfrm>
+          <a:off x="0" y="0"/>
+          <a:ext cx="0" cy="0"/>
+          <a:chOff x="0" y="0"/>
+          <a:chExt cx="0" cy="0"/>
+        </a:xfrm>
+      </p:grpSpPr>
+      <p:sp>
+        <p:nvSpPr>
+          <p:cNvPr id="2" name="Title 1"/>
+          <p:cNvSpPr>
+            <a:spLocks noGrp="1"/>
+          </p:cNvSpPr>
+          <p:nvPr>
+            <p:ph type="title"/>
+          </p:nvPr>
+        </p:nvSpPr>
+        <p:spPr/>
+        <p:txBody>
+          <a:bodyPr/>
+          <a:lstStyle/>
+          <a:p>
+            <a:r>
+              <a:rPr lang="en-US"/>
+              <a:t>Click to edit Master title style</a:t>
+            </a:r>
+            <a:endParaRPr lang="en-US" dirty="0"/>
+          </a:p>
+        </p:txBody>
+      </p:sp>
+    </p:spTree>
+    <p:extLst>
+      <p:ext uri="{BB962C8B-B14F-4D97-AF65-F5344CB8AC3E}">
+        <p14:creationId xmlns:p14="http://schemas.microsoft.com/office/powerpoint/2010/main" val="1823242013"/>
+      </p:ext>
+    </p:extLst>
+  </p:cSld>
+  <p:clrMapOvr>
+    <a:masterClrMapping/>
+  </p:clrMapOvr>
+</p:sldLayout>
+</file>
+
+<file path=ppt/slideLayouts/slideLayout22.xml><?xml version="1.0" encoding="utf-8"?>
+<p:sldLayout xmlns:a="http://schemas.openxmlformats.org/drawingml/2006/main" xmlns:r="http://schemas.openxmlformats.org/officeDocument/2006/relationships" xmlns:p="http://schemas.openxmlformats.org/presentationml/2006/main" type="blank" preserve="1">
+  <p:cSld name="Blank">
+    <p:spTree>
+      <p:nvGrpSpPr>
+        <p:cNvPr id="1" name=""/>
+        <p:cNvGrpSpPr/>
+        <p:nvPr/>
+      </p:nvGrpSpPr>
+      <p:grpSpPr>
+        <a:xfrm>
+          <a:off x="0" y="0"/>
+          <a:ext cx="0" cy="0"/>
+          <a:chOff x="0" y="0"/>
+          <a:chExt cx="0" cy="0"/>
+        </a:xfrm>
+      </p:grpSpPr>
+    </p:spTree>
+    <p:extLst>
+      <p:ext uri="{BB962C8B-B14F-4D97-AF65-F5344CB8AC3E}">
+        <p14:creationId xmlns:p14="http://schemas.microsoft.com/office/powerpoint/2010/main" val="859144675"/>
       </p:ext>
     </p:extLst>
   </p:cSld>
@@ -4182,6 +6453,656 @@
 </p:sldMaster>
 </file>
 
+<file path=ppt/slideMasters/slideMaster2.xml><?xml version="1.0" encoding="utf-8"?>
+<p:sldMaster xmlns:a="http://schemas.openxmlformats.org/drawingml/2006/main" xmlns:r="http://schemas.openxmlformats.org/officeDocument/2006/relationships" xmlns:p="http://schemas.openxmlformats.org/presentationml/2006/main">
+  <p:cSld>
+    <p:bg>
+      <p:bgRef idx="1001">
+        <a:schemeClr val="bg1"/>
+      </p:bgRef>
+    </p:bg>
+    <p:spTree>
+      <p:nvGrpSpPr>
+        <p:cNvPr id="1" name=""/>
+        <p:cNvGrpSpPr/>
+        <p:nvPr/>
+      </p:nvGrpSpPr>
+      <p:grpSpPr>
+        <a:xfrm>
+          <a:off x="0" y="0"/>
+          <a:ext cx="0" cy="0"/>
+          <a:chOff x="0" y="0"/>
+          <a:chExt cx="0" cy="0"/>
+        </a:xfrm>
+      </p:grpSpPr>
+      <p:sp>
+        <p:nvSpPr>
+          <p:cNvPr id="10" name="Rounded Rectangle 9"/>
+          <p:cNvSpPr/>
+          <p:nvPr/>
+        </p:nvSpPr>
+        <p:spPr>
+          <a:xfrm>
+            <a:off x="114300" y="76200"/>
+            <a:ext cx="8915400" cy="6494463"/>
+          </a:xfrm>
+          <a:prstGeom prst="roundRect">
+            <a:avLst>
+              <a:gd name="adj" fmla="val 4054"/>
+            </a:avLst>
+          </a:prstGeom>
+          <a:solidFill>
+            <a:schemeClr val="bg1"/>
+          </a:solidFill>
+          <a:effectLst>
+            <a:outerShdw blurRad="40000" dist="23000" dir="5400000" rotWithShape="0">
+              <a:srgbClr val="000000">
+                <a:alpha val="35000"/>
+              </a:srgbClr>
+            </a:outerShdw>
+          </a:effectLst>
+        </p:spPr>
+        <p:style>
+          <a:lnRef idx="1">
+            <a:schemeClr val="accent1"/>
+          </a:lnRef>
+          <a:fillRef idx="3">
+            <a:schemeClr val="accent1"/>
+          </a:fillRef>
+          <a:effectRef idx="2">
+            <a:schemeClr val="accent1"/>
+          </a:effectRef>
+          <a:fontRef idx="minor">
+            <a:schemeClr val="lt1"/>
+          </a:fontRef>
+        </p:style>
+        <p:txBody>
+          <a:bodyPr anchor="ctr"/>
+          <a:lstStyle/>
+          <a:p>
+            <a:pPr algn="ctr">
+              <a:defRPr/>
+            </a:pPr>
+            <a:endParaRPr lang="en-US" dirty="0">
+              <a:solidFill>
+                <a:srgbClr val="FFFFFF"/>
+              </a:solidFill>
+              <a:ea typeface="ＭＳ Ｐゴシック" charset="-128"/>
+              <a:cs typeface="ＭＳ Ｐゴシック" charset="-128"/>
+            </a:endParaRPr>
+          </a:p>
+        </p:txBody>
+      </p:sp>
+      <p:sp>
+        <p:nvSpPr>
+          <p:cNvPr id="2" name="Title Placeholder 1"/>
+          <p:cNvSpPr>
+            <a:spLocks noGrp="1"/>
+          </p:cNvSpPr>
+          <p:nvPr>
+            <p:ph type="title"/>
+          </p:nvPr>
+        </p:nvSpPr>
+        <p:spPr>
+          <a:xfrm>
+            <a:off x="115888" y="0"/>
+            <a:ext cx="8910637" cy="987425"/>
+          </a:xfrm>
+          <a:prstGeom prst="rect">
+            <a:avLst/>
+          </a:prstGeom>
+          <a:effectLst>
+            <a:outerShdw blurRad="50800" dist="38100" dir="2700000" algn="tl" rotWithShape="0">
+              <a:srgbClr val="000000">
+                <a:alpha val="40000"/>
+              </a:srgbClr>
+            </a:outerShdw>
+          </a:effectLst>
+        </p:spPr>
+        <p:txBody>
+          <a:bodyPr vert="horz" lIns="91440" tIns="45720" rIns="91440" bIns="45720" rtlCol="0" anchor="ctr">
+            <a:noAutofit/>
+          </a:bodyPr>
+          <a:lstStyle/>
+          <a:p>
+            <a:r>
+              <a:rPr lang="en-US" dirty="0"/>
+              <a:t>Click to edit Master title style</a:t>
+            </a:r>
+          </a:p>
+        </p:txBody>
+      </p:sp>
+      <p:sp>
+        <p:nvSpPr>
+          <p:cNvPr id="3" name="Text Placeholder 2"/>
+          <p:cNvSpPr>
+            <a:spLocks noGrp="1"/>
+          </p:cNvSpPr>
+          <p:nvPr>
+            <p:ph type="body" idx="1"/>
+          </p:nvPr>
+        </p:nvSpPr>
+        <p:spPr>
+          <a:xfrm>
+            <a:off x="457200" y="1052163"/>
+            <a:ext cx="8229600" cy="4525963"/>
+          </a:xfrm>
+          <a:prstGeom prst="rect">
+            <a:avLst/>
+          </a:prstGeom>
+        </p:spPr>
+        <p:txBody>
+          <a:bodyPr vert="horz" lIns="91440" tIns="45720" rIns="91440" bIns="45720" rtlCol="0">
+            <a:normAutofit/>
+          </a:bodyPr>
+          <a:lstStyle/>
+          <a:p>
+            <a:pPr lvl="0"/>
+            <a:r>
+              <a:rPr lang="en-US" dirty="0"/>
+              <a:t>Click to edit Master text styles</a:t>
+            </a:r>
+          </a:p>
+          <a:p>
+            <a:pPr lvl="1"/>
+            <a:r>
+              <a:rPr lang="en-US" dirty="0"/>
+              <a:t>Second level</a:t>
+            </a:r>
+          </a:p>
+          <a:p>
+            <a:pPr lvl="2"/>
+            <a:r>
+              <a:rPr lang="en-US" dirty="0"/>
+              <a:t>Third level</a:t>
+            </a:r>
+          </a:p>
+          <a:p>
+            <a:pPr lvl="3"/>
+            <a:r>
+              <a:rPr lang="en-US" dirty="0"/>
+              <a:t>Fourth level</a:t>
+            </a:r>
+          </a:p>
+          <a:p>
+            <a:pPr lvl="4"/>
+            <a:r>
+              <a:rPr lang="en-US" dirty="0"/>
+              <a:t>Fifth level</a:t>
+            </a:r>
+          </a:p>
+        </p:txBody>
+      </p:sp>
+      <p:sp>
+        <p:nvSpPr>
+          <p:cNvPr id="8" name="Slide Number Placeholder 5"/>
+          <p:cNvSpPr txBox="1">
+            <a:spLocks/>
+          </p:cNvSpPr>
+          <p:nvPr userDrawn="1"/>
+        </p:nvSpPr>
+        <p:spPr>
+          <a:xfrm>
+            <a:off x="3522884" y="6591957"/>
+            <a:ext cx="2133600" cy="266043"/>
+          </a:xfrm>
+          <a:prstGeom prst="rect">
+            <a:avLst/>
+          </a:prstGeom>
+        </p:spPr>
+        <p:txBody>
+          <a:bodyPr vert="horz" lIns="91440" tIns="45720" rIns="91440" bIns="45720" rtlCol="0" anchor="ctr"/>
+          <a:lstStyle>
+            <a:defPPr>
+              <a:defRPr lang="en-US"/>
+            </a:defPPr>
+            <a:lvl1pPr marL="0" algn="ctr" defTabSz="457200" rtl="0" eaLnBrk="1" latinLnBrk="0" hangingPunct="1">
+              <a:defRPr sz="1200" kern="1200">
+                <a:solidFill>
+                  <a:schemeClr val="tx1">
+                    <a:tint val="75000"/>
+                  </a:schemeClr>
+                </a:solidFill>
+                <a:latin typeface="+mn-lt"/>
+                <a:ea typeface="+mn-ea"/>
+                <a:cs typeface="+mn-cs"/>
+              </a:defRPr>
+            </a:lvl1pPr>
+            <a:lvl2pPr marL="457200" algn="l" defTabSz="457200" rtl="0" eaLnBrk="1" latinLnBrk="0" hangingPunct="1">
+              <a:defRPr sz="1800" kern="1200">
+                <a:solidFill>
+                  <a:schemeClr val="tx1"/>
+                </a:solidFill>
+                <a:latin typeface="+mn-lt"/>
+                <a:ea typeface="+mn-ea"/>
+                <a:cs typeface="+mn-cs"/>
+              </a:defRPr>
+            </a:lvl2pPr>
+            <a:lvl3pPr marL="914400" algn="l" defTabSz="457200" rtl="0" eaLnBrk="1" latinLnBrk="0" hangingPunct="1">
+              <a:defRPr sz="1800" kern="1200">
+                <a:solidFill>
+                  <a:schemeClr val="tx1"/>
+                </a:solidFill>
+                <a:latin typeface="+mn-lt"/>
+                <a:ea typeface="+mn-ea"/>
+                <a:cs typeface="+mn-cs"/>
+              </a:defRPr>
+            </a:lvl3pPr>
+            <a:lvl4pPr marL="1371600" algn="l" defTabSz="457200" rtl="0" eaLnBrk="1" latinLnBrk="0" hangingPunct="1">
+              <a:defRPr sz="1800" kern="1200">
+                <a:solidFill>
+                  <a:schemeClr val="tx1"/>
+                </a:solidFill>
+                <a:latin typeface="+mn-lt"/>
+                <a:ea typeface="+mn-ea"/>
+                <a:cs typeface="+mn-cs"/>
+              </a:defRPr>
+            </a:lvl4pPr>
+            <a:lvl5pPr marL="1828800" algn="l" defTabSz="457200" rtl="0" eaLnBrk="1" latinLnBrk="0" hangingPunct="1">
+              <a:defRPr sz="1800" kern="1200">
+                <a:solidFill>
+                  <a:schemeClr val="tx1"/>
+                </a:solidFill>
+                <a:latin typeface="+mn-lt"/>
+                <a:ea typeface="+mn-ea"/>
+                <a:cs typeface="+mn-cs"/>
+              </a:defRPr>
+            </a:lvl5pPr>
+            <a:lvl6pPr marL="2286000" algn="l" defTabSz="457200" rtl="0" eaLnBrk="1" latinLnBrk="0" hangingPunct="1">
+              <a:defRPr sz="1800" kern="1200">
+                <a:solidFill>
+                  <a:schemeClr val="tx1"/>
+                </a:solidFill>
+                <a:latin typeface="+mn-lt"/>
+                <a:ea typeface="+mn-ea"/>
+                <a:cs typeface="+mn-cs"/>
+              </a:defRPr>
+            </a:lvl6pPr>
+            <a:lvl7pPr marL="2743200" algn="l" defTabSz="457200" rtl="0" eaLnBrk="1" latinLnBrk="0" hangingPunct="1">
+              <a:defRPr sz="1800" kern="1200">
+                <a:solidFill>
+                  <a:schemeClr val="tx1"/>
+                </a:solidFill>
+                <a:latin typeface="+mn-lt"/>
+                <a:ea typeface="+mn-ea"/>
+                <a:cs typeface="+mn-cs"/>
+              </a:defRPr>
+            </a:lvl7pPr>
+            <a:lvl8pPr marL="3200400" algn="l" defTabSz="457200" rtl="0" eaLnBrk="1" latinLnBrk="0" hangingPunct="1">
+              <a:defRPr sz="1800" kern="1200">
+                <a:solidFill>
+                  <a:schemeClr val="tx1"/>
+                </a:solidFill>
+                <a:latin typeface="+mn-lt"/>
+                <a:ea typeface="+mn-ea"/>
+                <a:cs typeface="+mn-cs"/>
+              </a:defRPr>
+            </a:lvl8pPr>
+            <a:lvl9pPr marL="3657600" algn="l" defTabSz="457200" rtl="0" eaLnBrk="1" latinLnBrk="0" hangingPunct="1">
+              <a:defRPr sz="1800" kern="1200">
+                <a:solidFill>
+                  <a:schemeClr val="tx1"/>
+                </a:solidFill>
+                <a:latin typeface="+mn-lt"/>
+                <a:ea typeface="+mn-ea"/>
+                <a:cs typeface="+mn-cs"/>
+              </a:defRPr>
+            </a:lvl9pPr>
+          </a:lstStyle>
+          <a:p>
+            <a:fld id="{6183D679-57E1-CE45-BC1C-B0838CBB0D09}" type="slidenum">
+              <a:rPr lang="en-US" smtClean="0"/>
+              <a:pPr/>
+              <a:t>‹#›</a:t>
+            </a:fld>
+            <a:r>
+              <a:rPr lang="en-US" dirty="0"/>
+              <a:t>/19</a:t>
+            </a:r>
+          </a:p>
+        </p:txBody>
+      </p:sp>
+      <p:pic>
+        <p:nvPicPr>
+          <p:cNvPr id="11" name="Picture 10" descr="ui.jpg"/>
+          <p:cNvPicPr>
+            <a:picLocks noChangeAspect="1"/>
+          </p:cNvPicPr>
+          <p:nvPr userDrawn="1"/>
+        </p:nvPicPr>
+        <p:blipFill>
+          <a:blip r:embed="rId13">
+            <a:extLst>
+              <a:ext uri="{28A0092B-C50C-407E-A947-70E740481C1C}">
+                <a14:useLocalDpi xmlns:a14="http://schemas.microsoft.com/office/drawing/2010/main" val="0"/>
+              </a:ext>
+            </a:extLst>
+          </a:blip>
+          <a:stretch>
+            <a:fillRect/>
+          </a:stretch>
+        </p:blipFill>
+        <p:spPr>
+          <a:xfrm>
+            <a:off x="381478" y="6609416"/>
+            <a:ext cx="758282" cy="231872"/>
+          </a:xfrm>
+          <a:prstGeom prst="rect">
+            <a:avLst/>
+          </a:prstGeom>
+        </p:spPr>
+      </p:pic>
+      <p:pic>
+        <p:nvPicPr>
+          <p:cNvPr id="12" name="Picture 3" descr="Screen Shot 2017-04-17 at 1.43.31 PM.png">
+            <a:extLst>
+              <a:ext uri="{FF2B5EF4-FFF2-40B4-BE49-F238E27FC236}">
+                <a16:creationId xmlns:a16="http://schemas.microsoft.com/office/drawing/2014/main" id="{19B48D76-A340-450A-8CB3-A86630B6F1DD}"/>
+              </a:ext>
+            </a:extLst>
+          </p:cNvPr>
+          <p:cNvPicPr>
+            <a:picLocks noChangeAspect="1"/>
+          </p:cNvPicPr>
+          <p:nvPr userDrawn="1"/>
+        </p:nvPicPr>
+        <p:blipFill>
+          <a:blip r:embed="rId14">
+            <a:extLst>
+              <a:ext uri="{28A0092B-C50C-407E-A947-70E740481C1C}">
+                <a14:useLocalDpi xmlns:a14="http://schemas.microsoft.com/office/drawing/2010/main" val="0"/>
+              </a:ext>
+            </a:extLst>
+          </a:blip>
+          <a:stretch>
+            <a:fillRect/>
+          </a:stretch>
+        </p:blipFill>
+        <p:spPr>
+          <a:xfrm>
+            <a:off x="8224650" y="6609416"/>
+            <a:ext cx="523681" cy="243370"/>
+          </a:xfrm>
+          <a:prstGeom prst="rect">
+            <a:avLst/>
+          </a:prstGeom>
+        </p:spPr>
+      </p:pic>
+    </p:spTree>
+    <p:extLst>
+      <p:ext uri="{BB962C8B-B14F-4D97-AF65-F5344CB8AC3E}">
+        <p14:creationId xmlns:p14="http://schemas.microsoft.com/office/powerpoint/2010/main" val="2116053596"/>
+      </p:ext>
+    </p:extLst>
+  </p:cSld>
+  <p:clrMap bg1="lt1" tx1="dk1" bg2="lt2" tx2="dk2" accent1="accent1" accent2="accent2" accent3="accent3" accent4="accent4" accent5="accent5" accent6="accent6" hlink="hlink" folHlink="folHlink"/>
+  <p:sldLayoutIdLst>
+    <p:sldLayoutId id="2147483663" r:id="rId1"/>
+    <p:sldLayoutId id="2147483664" r:id="rId2"/>
+    <p:sldLayoutId id="2147483665" r:id="rId3"/>
+    <p:sldLayoutId id="2147483666" r:id="rId4"/>
+    <p:sldLayoutId id="2147483667" r:id="rId5"/>
+    <p:sldLayoutId id="2147483668" r:id="rId6"/>
+    <p:sldLayoutId id="2147483669" r:id="rId7"/>
+    <p:sldLayoutId id="2147483670" r:id="rId8"/>
+    <p:sldLayoutId id="2147483671" r:id="rId9"/>
+    <p:sldLayoutId id="2147483672" r:id="rId10"/>
+    <p:sldLayoutId id="2147483673" r:id="rId11"/>
+  </p:sldLayoutIdLst>
+  <p:hf hdr="0" ftr="0" dt="0"/>
+  <p:txStyles>
+    <p:titleStyle>
+      <a:lvl1pPr algn="ctr" defTabSz="457200" rtl="0" eaLnBrk="1" latinLnBrk="0" hangingPunct="1">
+        <a:spcBef>
+          <a:spcPct val="0"/>
+        </a:spcBef>
+        <a:buNone/>
+        <a:defRPr sz="4000" kern="1200">
+          <a:solidFill>
+            <a:schemeClr val="tx1"/>
+          </a:solidFill>
+          <a:latin typeface="+mj-lt"/>
+          <a:ea typeface="+mj-ea"/>
+          <a:cs typeface="+mj-cs"/>
+        </a:defRPr>
+      </a:lvl1pPr>
+    </p:titleStyle>
+    <p:bodyStyle>
+      <a:lvl1pPr marL="342900" indent="-230188" algn="just" defTabSz="457200" rtl="0" eaLnBrk="1" latinLnBrk="0" hangingPunct="1">
+        <a:spcBef>
+          <a:spcPts val="600"/>
+        </a:spcBef>
+        <a:buFont typeface="Arial"/>
+        <a:buChar char="•"/>
+        <a:defRPr sz="2200" kern="1200">
+          <a:solidFill>
+            <a:schemeClr val="tx1"/>
+          </a:solidFill>
+          <a:latin typeface="+mn-lt"/>
+          <a:ea typeface="+mn-ea"/>
+          <a:cs typeface="+mn-cs"/>
+        </a:defRPr>
+      </a:lvl1pPr>
+      <a:lvl2pPr marL="687388" indent="-230188" algn="just" defTabSz="457200" rtl="0" eaLnBrk="1" latinLnBrk="0" hangingPunct="1">
+        <a:spcBef>
+          <a:spcPts val="600"/>
+        </a:spcBef>
+        <a:buFont typeface="Arial"/>
+        <a:buChar char="–"/>
+        <a:defRPr sz="2000" kern="1200">
+          <a:solidFill>
+            <a:srgbClr val="404040"/>
+          </a:solidFill>
+          <a:latin typeface="+mn-lt"/>
+          <a:ea typeface="+mn-ea"/>
+          <a:cs typeface="+mn-cs"/>
+        </a:defRPr>
+      </a:lvl2pPr>
+      <a:lvl3pPr marL="974725" indent="-174625" algn="just" defTabSz="457200" rtl="0" eaLnBrk="1" latinLnBrk="0" hangingPunct="1">
+        <a:spcBef>
+          <a:spcPts val="600"/>
+        </a:spcBef>
+        <a:buFont typeface="Arial"/>
+        <a:buChar char="•"/>
+        <a:defRPr sz="1800" kern="1200">
+          <a:solidFill>
+            <a:srgbClr val="404040"/>
+          </a:solidFill>
+          <a:latin typeface="+mn-lt"/>
+          <a:ea typeface="+mn-ea"/>
+          <a:cs typeface="+mn-cs"/>
+        </a:defRPr>
+      </a:lvl3pPr>
+      <a:lvl4pPr marL="1374775" indent="-174625" algn="just" defTabSz="457200" rtl="0" eaLnBrk="1" latinLnBrk="0" hangingPunct="1">
+        <a:spcBef>
+          <a:spcPts val="600"/>
+        </a:spcBef>
+        <a:buFont typeface="Arial"/>
+        <a:buChar char="–"/>
+        <a:defRPr sz="1600" kern="1200">
+          <a:solidFill>
+            <a:srgbClr val="404040"/>
+          </a:solidFill>
+          <a:latin typeface="+mn-lt"/>
+          <a:ea typeface="+mn-ea"/>
+          <a:cs typeface="+mn-cs"/>
+        </a:defRPr>
+      </a:lvl4pPr>
+      <a:lvl5pPr marL="1774825" indent="-174625" algn="just" defTabSz="457200" rtl="0" eaLnBrk="1" latinLnBrk="0" hangingPunct="1">
+        <a:spcBef>
+          <a:spcPts val="600"/>
+        </a:spcBef>
+        <a:buFont typeface="Arial"/>
+        <a:buChar char="»"/>
+        <a:defRPr sz="1600" kern="1200">
+          <a:solidFill>
+            <a:srgbClr val="404040"/>
+          </a:solidFill>
+          <a:latin typeface="+mn-lt"/>
+          <a:ea typeface="+mn-ea"/>
+          <a:cs typeface="+mn-cs"/>
+        </a:defRPr>
+      </a:lvl5pPr>
+      <a:lvl6pPr marL="2514600" indent="-228600" algn="l" defTabSz="457200" rtl="0" eaLnBrk="1" latinLnBrk="0" hangingPunct="1">
+        <a:spcBef>
+          <a:spcPct val="20000"/>
+        </a:spcBef>
+        <a:buFont typeface="Arial"/>
+        <a:buChar char="•"/>
+        <a:defRPr sz="2000" kern="1200">
+          <a:solidFill>
+            <a:schemeClr val="tx1"/>
+          </a:solidFill>
+          <a:latin typeface="+mn-lt"/>
+          <a:ea typeface="+mn-ea"/>
+          <a:cs typeface="+mn-cs"/>
+        </a:defRPr>
+      </a:lvl6pPr>
+      <a:lvl7pPr marL="2971800" indent="-228600" algn="l" defTabSz="457200" rtl="0" eaLnBrk="1" latinLnBrk="0" hangingPunct="1">
+        <a:spcBef>
+          <a:spcPct val="20000"/>
+        </a:spcBef>
+        <a:buFont typeface="Arial"/>
+        <a:buChar char="•"/>
+        <a:defRPr sz="2000" kern="1200">
+          <a:solidFill>
+            <a:schemeClr val="tx1"/>
+          </a:solidFill>
+          <a:latin typeface="+mn-lt"/>
+          <a:ea typeface="+mn-ea"/>
+          <a:cs typeface="+mn-cs"/>
+        </a:defRPr>
+      </a:lvl7pPr>
+      <a:lvl8pPr marL="3429000" indent="-228600" algn="l" defTabSz="457200" rtl="0" eaLnBrk="1" latinLnBrk="0" hangingPunct="1">
+        <a:spcBef>
+          <a:spcPct val="20000"/>
+        </a:spcBef>
+        <a:buFont typeface="Arial"/>
+        <a:buChar char="•"/>
+        <a:defRPr sz="2000" kern="1200">
+          <a:solidFill>
+            <a:schemeClr val="tx1"/>
+          </a:solidFill>
+          <a:latin typeface="+mn-lt"/>
+          <a:ea typeface="+mn-ea"/>
+          <a:cs typeface="+mn-cs"/>
+        </a:defRPr>
+      </a:lvl8pPr>
+      <a:lvl9pPr marL="3886200" indent="-228600" algn="l" defTabSz="457200" rtl="0" eaLnBrk="1" latinLnBrk="0" hangingPunct="1">
+        <a:spcBef>
+          <a:spcPct val="20000"/>
+        </a:spcBef>
+        <a:buFont typeface="Arial"/>
+        <a:buChar char="•"/>
+        <a:defRPr sz="2000" kern="1200">
+          <a:solidFill>
+            <a:schemeClr val="tx1"/>
+          </a:solidFill>
+          <a:latin typeface="+mn-lt"/>
+          <a:ea typeface="+mn-ea"/>
+          <a:cs typeface="+mn-cs"/>
+        </a:defRPr>
+      </a:lvl9pPr>
+    </p:bodyStyle>
+    <p:otherStyle>
+      <a:defPPr>
+        <a:defRPr lang="en-US"/>
+      </a:defPPr>
+      <a:lvl1pPr marL="0" algn="l" defTabSz="457200" rtl="0" eaLnBrk="1" latinLnBrk="0" hangingPunct="1">
+        <a:defRPr sz="1800" kern="1200">
+          <a:solidFill>
+            <a:schemeClr val="tx1"/>
+          </a:solidFill>
+          <a:latin typeface="+mn-lt"/>
+          <a:ea typeface="+mn-ea"/>
+          <a:cs typeface="+mn-cs"/>
+        </a:defRPr>
+      </a:lvl1pPr>
+      <a:lvl2pPr marL="457200" algn="l" defTabSz="457200" rtl="0" eaLnBrk="1" latinLnBrk="0" hangingPunct="1">
+        <a:defRPr sz="1800" kern="1200">
+          <a:solidFill>
+            <a:schemeClr val="tx1"/>
+          </a:solidFill>
+          <a:latin typeface="+mn-lt"/>
+          <a:ea typeface="+mn-ea"/>
+          <a:cs typeface="+mn-cs"/>
+        </a:defRPr>
+      </a:lvl2pPr>
+      <a:lvl3pPr marL="914400" algn="l" defTabSz="457200" rtl="0" eaLnBrk="1" latinLnBrk="0" hangingPunct="1">
+        <a:defRPr sz="1800" kern="1200">
+          <a:solidFill>
+            <a:schemeClr val="tx1"/>
+          </a:solidFill>
+          <a:latin typeface="+mn-lt"/>
+          <a:ea typeface="+mn-ea"/>
+          <a:cs typeface="+mn-cs"/>
+        </a:defRPr>
+      </a:lvl3pPr>
+      <a:lvl4pPr marL="1371600" algn="l" defTabSz="457200" rtl="0" eaLnBrk="1" latinLnBrk="0" hangingPunct="1">
+        <a:defRPr sz="1800" kern="1200">
+          <a:solidFill>
+            <a:schemeClr val="tx1"/>
+          </a:solidFill>
+          <a:latin typeface="+mn-lt"/>
+          <a:ea typeface="+mn-ea"/>
+          <a:cs typeface="+mn-cs"/>
+        </a:defRPr>
+      </a:lvl4pPr>
+      <a:lvl5pPr marL="1828800" algn="l" defTabSz="457200" rtl="0" eaLnBrk="1" latinLnBrk="0" hangingPunct="1">
+        <a:defRPr sz="1800" kern="1200">
+          <a:solidFill>
+            <a:schemeClr val="tx1"/>
+          </a:solidFill>
+          <a:latin typeface="+mn-lt"/>
+          <a:ea typeface="+mn-ea"/>
+          <a:cs typeface="+mn-cs"/>
+        </a:defRPr>
+      </a:lvl5pPr>
+      <a:lvl6pPr marL="2286000" algn="l" defTabSz="457200" rtl="0" eaLnBrk="1" latinLnBrk="0" hangingPunct="1">
+        <a:defRPr sz="1800" kern="1200">
+          <a:solidFill>
+            <a:schemeClr val="tx1"/>
+          </a:solidFill>
+          <a:latin typeface="+mn-lt"/>
+          <a:ea typeface="+mn-ea"/>
+          <a:cs typeface="+mn-cs"/>
+        </a:defRPr>
+      </a:lvl6pPr>
+      <a:lvl7pPr marL="2743200" algn="l" defTabSz="457200" rtl="0" eaLnBrk="1" latinLnBrk="0" hangingPunct="1">
+        <a:defRPr sz="1800" kern="1200">
+          <a:solidFill>
+            <a:schemeClr val="tx1"/>
+          </a:solidFill>
+          <a:latin typeface="+mn-lt"/>
+          <a:ea typeface="+mn-ea"/>
+          <a:cs typeface="+mn-cs"/>
+        </a:defRPr>
+      </a:lvl7pPr>
+      <a:lvl8pPr marL="3200400" algn="l" defTabSz="457200" rtl="0" eaLnBrk="1" latinLnBrk="0" hangingPunct="1">
+        <a:defRPr sz="1800" kern="1200">
+          <a:solidFill>
+            <a:schemeClr val="tx1"/>
+          </a:solidFill>
+          <a:latin typeface="+mn-lt"/>
+          <a:ea typeface="+mn-ea"/>
+          <a:cs typeface="+mn-cs"/>
+        </a:defRPr>
+      </a:lvl8pPr>
+      <a:lvl9pPr marL="3657600" algn="l" defTabSz="457200" rtl="0" eaLnBrk="1" latinLnBrk="0" hangingPunct="1">
+        <a:defRPr sz="1800" kern="1200">
+          <a:solidFill>
+            <a:schemeClr val="tx1"/>
+          </a:solidFill>
+          <a:latin typeface="+mn-lt"/>
+          <a:ea typeface="+mn-ea"/>
+          <a:cs typeface="+mn-cs"/>
+        </a:defRPr>
+      </a:lvl9pPr>
+    </p:otherStyle>
+  </p:txStyles>
+</p:sldMaster>
+</file>
+
 <file path=ppt/slides/slide1.xml><?xml version="1.0" encoding="utf-8"?>
 <p:sld xmlns:a="http://schemas.openxmlformats.org/drawingml/2006/main" xmlns:r="http://schemas.openxmlformats.org/officeDocument/2006/relationships" xmlns:p="http://schemas.openxmlformats.org/presentationml/2006/main">
   <p:cSld>
@@ -4435,6 +7356,465 @@
       </p:grpSpPr>
       <p:sp>
         <p:nvSpPr>
+          <p:cNvPr id="32" name="제목 1">
+            <a:extLst>
+              <a:ext uri="{FF2B5EF4-FFF2-40B4-BE49-F238E27FC236}">
+                <a16:creationId xmlns:a16="http://schemas.microsoft.com/office/drawing/2014/main" id="{CEB6824C-74A4-4DC8-AFDD-5BA8F0636FF0}"/>
+              </a:ext>
+            </a:extLst>
+          </p:cNvPr>
+          <p:cNvSpPr txBox="1">
+            <a:spLocks/>
+          </p:cNvSpPr>
+          <p:nvPr/>
+        </p:nvSpPr>
+        <p:spPr>
+          <a:xfrm>
+            <a:off x="116681" y="-4"/>
+            <a:ext cx="8910637" cy="987425"/>
+          </a:xfrm>
+          <a:prstGeom prst="rect">
+            <a:avLst/>
+          </a:prstGeom>
+          <a:effectLst>
+            <a:outerShdw blurRad="50800" dist="38100" dir="2700000" algn="tl" rotWithShape="0">
+              <a:srgbClr val="000000">
+                <a:alpha val="40000"/>
+              </a:srgbClr>
+            </a:outerShdw>
+          </a:effectLst>
+        </p:spPr>
+        <p:txBody>
+          <a:bodyPr vert="horz" lIns="91440" tIns="45720" rIns="91440" bIns="45720" rtlCol="0" anchor="ctr">
+            <a:noAutofit/>
+          </a:bodyPr>
+          <a:lstStyle>
+            <a:lvl1pPr algn="ctr" defTabSz="457200" rtl="0" eaLnBrk="1" latinLnBrk="0" hangingPunct="1">
+              <a:spcBef>
+                <a:spcPct val="0"/>
+              </a:spcBef>
+              <a:buNone/>
+              <a:defRPr sz="4000" kern="1200">
+                <a:solidFill>
+                  <a:schemeClr val="tx1"/>
+                </a:solidFill>
+                <a:latin typeface="+mj-lt"/>
+                <a:ea typeface="+mj-ea"/>
+                <a:cs typeface="+mj-cs"/>
+              </a:defRPr>
+            </a:lvl1pPr>
+          </a:lstStyle>
+          <a:p>
+            <a:pPr lvl="0"/>
+            <a:r>
+              <a:rPr lang="en-US" altLang="ko-KR" dirty="0"/>
+              <a:t>Result – 100,000 Iteration</a:t>
+            </a:r>
+            <a:endParaRPr lang="ko-KR" altLang="en-US" sz="7200" dirty="0">
+              <a:solidFill>
+                <a:prstClr val="black"/>
+              </a:solidFill>
+            </a:endParaRPr>
+          </a:p>
+        </p:txBody>
+      </p:sp>
+      <p:pic>
+        <p:nvPicPr>
+          <p:cNvPr id="3" name="그림 2">
+            <a:extLst>
+              <a:ext uri="{FF2B5EF4-FFF2-40B4-BE49-F238E27FC236}">
+                <a16:creationId xmlns:a16="http://schemas.microsoft.com/office/drawing/2014/main" id="{D62BB7AB-9A37-4B31-B43A-00F1A8F874CE}"/>
+              </a:ext>
+            </a:extLst>
+          </p:cNvPr>
+          <p:cNvPicPr>
+            <a:picLocks noChangeAspect="1"/>
+          </p:cNvPicPr>
+          <p:nvPr/>
+        </p:nvPicPr>
+        <p:blipFill>
+          <a:blip r:embed="rId3"/>
+          <a:stretch>
+            <a:fillRect/>
+          </a:stretch>
+        </p:blipFill>
+        <p:spPr>
+          <a:xfrm>
+            <a:off x="397664" y="987421"/>
+            <a:ext cx="8348669" cy="5565778"/>
+          </a:xfrm>
+          <a:prstGeom prst="rect">
+            <a:avLst/>
+          </a:prstGeom>
+        </p:spPr>
+      </p:pic>
+    </p:spTree>
+    <p:extLst>
+      <p:ext uri="{BB962C8B-B14F-4D97-AF65-F5344CB8AC3E}">
+        <p14:creationId xmlns:p14="http://schemas.microsoft.com/office/powerpoint/2010/main" val="3864362377"/>
+      </p:ext>
+    </p:extLst>
+  </p:cSld>
+  <p:clrMapOvr>
+    <a:masterClrMapping/>
+  </p:clrMapOvr>
+</p:sld>
+</file>
+
+<file path=ppt/slides/slide11.xml><?xml version="1.0" encoding="utf-8"?>
+<p:sld xmlns:a="http://schemas.openxmlformats.org/drawingml/2006/main" xmlns:r="http://schemas.openxmlformats.org/officeDocument/2006/relationships" xmlns:p="http://schemas.openxmlformats.org/presentationml/2006/main">
+  <p:cSld>
+    <p:spTree>
+      <p:nvGrpSpPr>
+        <p:cNvPr id="1" name=""/>
+        <p:cNvGrpSpPr/>
+        <p:nvPr/>
+      </p:nvGrpSpPr>
+      <p:grpSpPr>
+        <a:xfrm>
+          <a:off x="0" y="0"/>
+          <a:ext cx="0" cy="0"/>
+          <a:chOff x="0" y="0"/>
+          <a:chExt cx="0" cy="0"/>
+        </a:xfrm>
+      </p:grpSpPr>
+      <p:sp>
+        <p:nvSpPr>
+          <p:cNvPr id="2" name="제목 1">
+            <a:extLst>
+              <a:ext uri="{FF2B5EF4-FFF2-40B4-BE49-F238E27FC236}">
+                <a16:creationId xmlns:a16="http://schemas.microsoft.com/office/drawing/2014/main" id="{D479E31B-A679-4AE2-A74F-D35A39E82A40}"/>
+              </a:ext>
+            </a:extLst>
+          </p:cNvPr>
+          <p:cNvSpPr>
+            <a:spLocks noGrp="1"/>
+          </p:cNvSpPr>
+          <p:nvPr>
+            <p:ph type="title"/>
+          </p:nvPr>
+        </p:nvSpPr>
+        <p:spPr>
+          <a:xfrm>
+            <a:off x="116681" y="0"/>
+            <a:ext cx="8910637" cy="987425"/>
+          </a:xfrm>
+        </p:spPr>
+        <p:txBody>
+          <a:bodyPr/>
+          <a:lstStyle/>
+          <a:p>
+            <a:r>
+              <a:rPr lang="en-US" altLang="ko-KR" dirty="0"/>
+              <a:t>Future plan</a:t>
+            </a:r>
+            <a:endParaRPr lang="ko-KR" altLang="en-US" sz="2000" dirty="0"/>
+          </a:p>
+        </p:txBody>
+      </p:sp>
+      <mc:AlternateContent xmlns:mc="http://schemas.openxmlformats.org/markup-compatibility/2006" xmlns:a14="http://schemas.microsoft.com/office/drawing/2010/main">
+        <mc:Choice Requires="a14">
+          <p:sp>
+            <p:nvSpPr>
+              <p:cNvPr id="3" name="내용 개체 틀 2">
+                <a:extLst>
+                  <a:ext uri="{FF2B5EF4-FFF2-40B4-BE49-F238E27FC236}">
+                    <a16:creationId xmlns:a16="http://schemas.microsoft.com/office/drawing/2014/main" id="{76A2C441-517F-450A-A437-5A34F2F7B7E1}"/>
+                  </a:ext>
+                </a:extLst>
+              </p:cNvPr>
+              <p:cNvSpPr>
+                <a:spLocks noGrp="1"/>
+              </p:cNvSpPr>
+              <p:nvPr>
+                <p:ph idx="1"/>
+              </p:nvPr>
+            </p:nvSpPr>
+            <p:spPr/>
+            <p:txBody>
+              <a:bodyPr/>
+              <a:lstStyle/>
+              <a:p>
+                <a:r>
+                  <a:rPr lang="en-US" altLang="ko-KR" dirty="0">
+                    <a:solidFill>
+                      <a:schemeClr val="tx1"/>
+                    </a:solidFill>
+                  </a:rPr>
+                  <a:t>Program RL code by </a:t>
+                </a:r>
+                <a:r>
+                  <a:rPr lang="en-US" altLang="ko-KR" dirty="0" err="1">
+                    <a:solidFill>
+                      <a:schemeClr val="tx1"/>
+                    </a:solidFill>
+                  </a:rPr>
+                  <a:t>Tensorflow</a:t>
+                </a:r>
+                <a:r>
+                  <a:rPr lang="en-US" altLang="ko-KR" dirty="0">
+                    <a:solidFill>
+                      <a:schemeClr val="tx1"/>
+                    </a:solidFill>
+                  </a:rPr>
+                  <a:t> Library</a:t>
+                </a:r>
+              </a:p>
+              <a:p>
+                <a:r>
+                  <a:rPr lang="en-US" altLang="ko-KR" dirty="0">
+                    <a:solidFill>
+                      <a:schemeClr val="tx1"/>
+                    </a:solidFill>
+                  </a:rPr>
+                  <a:t>Apply UDN at our</a:t>
+                </a:r>
+                <a:r>
+                  <a:rPr lang="ko-KR" altLang="en-US" dirty="0">
+                    <a:solidFill>
+                      <a:schemeClr val="tx1"/>
+                    </a:solidFill>
+                  </a:rPr>
+                  <a:t> </a:t>
+                </a:r>
+                <a:r>
+                  <a:rPr lang="en-US" altLang="ko-KR" dirty="0">
+                    <a:solidFill>
+                      <a:schemeClr val="tx1"/>
+                    </a:solidFill>
+                  </a:rPr>
+                  <a:t>Environment</a:t>
+                </a:r>
+              </a:p>
+              <a:p>
+                <a:pPr lvl="1"/>
+                <a:r>
+                  <a:rPr lang="en-US" altLang="ko-KR" dirty="0">
+                    <a:solidFill>
+                      <a:schemeClr val="tx1"/>
+                    </a:solidFill>
+                  </a:rPr>
+                  <a:t>Consider </a:t>
+                </a:r>
+                <a:r>
+                  <a:rPr lang="en-US" altLang="ko-KR" dirty="0" err="1">
+                    <a:solidFill>
+                      <a:schemeClr val="tx1"/>
+                    </a:solidFill>
+                  </a:rPr>
+                  <a:t>LoS</a:t>
+                </a:r>
+                <a:r>
+                  <a:rPr lang="en-US" altLang="ko-KR" dirty="0">
+                    <a:solidFill>
+                      <a:schemeClr val="tx1"/>
+                    </a:solidFill>
+                  </a:rPr>
+                  <a:t>, </a:t>
+                </a:r>
+                <a:r>
+                  <a:rPr lang="en-US" altLang="ko-KR" dirty="0" err="1">
+                    <a:solidFill>
+                      <a:schemeClr val="tx1"/>
+                    </a:solidFill>
+                  </a:rPr>
+                  <a:t>NLoS</a:t>
+                </a:r>
+                <a:r>
+                  <a:rPr lang="en-US" altLang="ko-KR" dirty="0">
+                    <a:solidFill>
+                      <a:schemeClr val="tx1"/>
+                    </a:solidFill>
+                  </a:rPr>
+                  <a:t>, Interference</a:t>
+                </a:r>
+              </a:p>
+              <a:p>
+                <a:pPr lvl="1"/>
+                <a:r>
+                  <a:rPr lang="en-US" altLang="ko-KR" dirty="0">
+                    <a:solidFill>
+                      <a:schemeClr val="tx1"/>
+                    </a:solidFill>
+                  </a:rPr>
+                  <a:t>Set BS density for UDN</a:t>
+                </a:r>
+              </a:p>
+              <a:p>
+                <a:pPr lvl="1"/>
+                <a:r>
+                  <a:rPr lang="en-US" altLang="ko-KR" dirty="0">
+                    <a:solidFill>
+                      <a:schemeClr val="tx1"/>
+                    </a:solidFill>
+                  </a:rPr>
+                  <a:t>Consider all BS state change concurrently </a:t>
+                </a:r>
+              </a:p>
+              <a:p>
+                <a:pPr lvl="1"/>
+                <a:r>
+                  <a:rPr lang="en-US" altLang="ko-KR" dirty="0">
+                    <a:solidFill>
+                      <a:schemeClr val="tx1"/>
+                    </a:solidFill>
+                  </a:rPr>
+                  <a:t>Update reward</a:t>
+                </a:r>
+              </a:p>
+              <a:p>
+                <a:pPr lvl="2"/>
+                <a:r>
+                  <a:rPr lang="en-US" altLang="ko-KR" dirty="0">
+                    <a:solidFill>
+                      <a:schemeClr val="tx1"/>
+                    </a:solidFill>
+                  </a:rPr>
+                  <a:t>consider Energy Consumption</a:t>
+                </a:r>
+              </a:p>
+              <a:p>
+                <a:pPr lvl="2"/>
+                <a:r>
+                  <a:rPr lang="en-US" altLang="ko-KR" dirty="0">
+                    <a:solidFill>
+                      <a:schemeClr val="tx1"/>
+                    </a:solidFill>
+                  </a:rPr>
+                  <a:t>SNR </a:t>
+                </a:r>
+              </a:p>
+              <a:p>
+                <a:pPr lvl="2"/>
+                <a:r>
+                  <a:rPr lang="en-US" altLang="ko-KR" dirty="0">
+                    <a:solidFill>
+                      <a:schemeClr val="tx1"/>
+                    </a:solidFill>
+                  </a:rPr>
+                  <a:t>Terminal condition - reach at Terminal Node or SNR &lt; threshold </a:t>
+                </a:r>
+                <a14:m>
+                  <m:oMath xmlns:m="http://schemas.openxmlformats.org/officeDocument/2006/math">
+                    <m:r>
+                      <a:rPr lang="en-US" altLang="ko-KR" b="0" i="1" smtClean="0">
+                        <a:solidFill>
+                          <a:schemeClr val="tx1"/>
+                        </a:solidFill>
+                        <a:latin typeface="Cambria Math" panose="02040503050406030204" pitchFamily="18" charset="0"/>
+                      </a:rPr>
+                      <m:t>𝜃</m:t>
+                    </m:r>
+                  </m:oMath>
+                </a14:m>
+                <a:endParaRPr lang="en-US" altLang="ko-KR" dirty="0">
+                  <a:solidFill>
+                    <a:schemeClr val="tx1"/>
+                  </a:solidFill>
+                </a:endParaRPr>
+              </a:p>
+              <a:p>
+                <a:r>
+                  <a:rPr lang="en-US" altLang="ko-KR" dirty="0">
+                    <a:solidFill>
+                      <a:schemeClr val="tx1"/>
+                    </a:solidFill>
+                  </a:rPr>
+                  <a:t>Update RL code for programmed env code</a:t>
+                </a:r>
+              </a:p>
+              <a:p>
+                <a:r>
+                  <a:rPr lang="en-US" altLang="ko-KR" dirty="0">
+                    <a:solidFill>
+                      <a:schemeClr val="tx1"/>
+                    </a:solidFill>
+                  </a:rPr>
+                  <a:t>Sample another environment to check optimization is overfit or not</a:t>
+                </a:r>
+              </a:p>
+              <a:p>
+                <a:endParaRPr lang="en-US" altLang="ko-KR" dirty="0">
+                  <a:solidFill>
+                    <a:schemeClr val="tx1"/>
+                  </a:solidFill>
+                </a:endParaRPr>
+              </a:p>
+            </p:txBody>
+          </p:sp>
+        </mc:Choice>
+        <mc:Fallback xmlns="">
+          <p:sp>
+            <p:nvSpPr>
+              <p:cNvPr id="3" name="내용 개체 틀 2">
+                <a:extLst>
+                  <a:ext uri="{FF2B5EF4-FFF2-40B4-BE49-F238E27FC236}">
+                    <a16:creationId xmlns:a16="http://schemas.microsoft.com/office/drawing/2014/main" id="{76A2C441-517F-450A-A437-5A34F2F7B7E1}"/>
+                  </a:ext>
+                </a:extLst>
+              </p:cNvPr>
+              <p:cNvSpPr>
+                <a:spLocks noGrp="1" noRot="1" noChangeAspect="1" noMove="1" noResize="1" noEditPoints="1" noAdjustHandles="1" noChangeArrowheads="1" noChangeShapeType="1" noTextEdit="1"/>
+              </p:cNvSpPr>
+              <p:nvPr>
+                <p:ph idx="1"/>
+              </p:nvPr>
+            </p:nvSpPr>
+            <p:spPr>
+              <a:blipFill>
+                <a:blip r:embed="rId2"/>
+                <a:stretch>
+                  <a:fillRect t="-787"/>
+                </a:stretch>
+              </a:blipFill>
+            </p:spPr>
+            <p:txBody>
+              <a:bodyPr/>
+              <a:lstStyle/>
+              <a:p>
+                <a:r>
+                  <a:rPr lang="ko-KR" altLang="en-US">
+                    <a:noFill/>
+                  </a:rPr>
+                  <a:t> </a:t>
+                </a:r>
+              </a:p>
+            </p:txBody>
+          </p:sp>
+        </mc:Fallback>
+      </mc:AlternateContent>
+    </p:spTree>
+    <p:extLst>
+      <p:ext uri="{BB962C8B-B14F-4D97-AF65-F5344CB8AC3E}">
+        <p14:creationId xmlns:p14="http://schemas.microsoft.com/office/powerpoint/2010/main" val="3739733913"/>
+      </p:ext>
+    </p:extLst>
+  </p:cSld>
+  <p:clrMapOvr>
+    <a:masterClrMapping/>
+  </p:clrMapOvr>
+</p:sld>
+</file>
+
+<file path=ppt/slides/slide12.xml><?xml version="1.0" encoding="utf-8"?>
+<p:sld xmlns:a="http://schemas.openxmlformats.org/drawingml/2006/main" xmlns:r="http://schemas.openxmlformats.org/officeDocument/2006/relationships" xmlns:p="http://schemas.openxmlformats.org/presentationml/2006/main">
+  <p:cSld>
+    <p:spTree>
+      <p:nvGrpSpPr>
+        <p:cNvPr id="1" name=""/>
+        <p:cNvGrpSpPr/>
+        <p:nvPr/>
+      </p:nvGrpSpPr>
+      <p:grpSpPr>
+        <a:xfrm>
+          <a:off x="0" y="0"/>
+          <a:ext cx="0" cy="0"/>
+          <a:chOff x="0" y="0"/>
+          <a:chExt cx="0" cy="0"/>
+        </a:xfrm>
+      </p:grpSpPr>
+      <p:sp>
+        <p:nvSpPr>
           <p:cNvPr id="7" name="Title 4"/>
           <p:cNvSpPr>
             <a:spLocks noGrp="1"/>
@@ -4530,7 +7910,7 @@
               </a14:hiddenLine>
             </a:ext>
             <a:ext uri="{FAA26D3D-D897-4be2-8F04-BA451C77F1D7}">
-              <ma14:placeholderFlag xmlns:ma14="http://schemas.microsoft.com/office/mac/drawingml/2011/main" xmlns="" val="1"/>
+              <ma14:placeholderFlag xmlns="" xmlns:ma14="http://schemas.microsoft.com/office/mac/drawingml/2011/main" val="1"/>
             </a:ext>
           </a:extLst>
         </p:spPr>
@@ -5274,8 +8654,8 @@
           </a:p>
         </p:txBody>
       </p:sp>
-      <mc:AlternateContent xmlns:mc="http://schemas.openxmlformats.org/markup-compatibility/2006">
-        <mc:Choice xmlns:a14="http://schemas.microsoft.com/office/drawing/2010/main" Requires="a14">
+      <mc:AlternateContent xmlns:mc="http://schemas.openxmlformats.org/markup-compatibility/2006" xmlns:a14="http://schemas.microsoft.com/office/drawing/2010/main">
+        <mc:Choice Requires="a14">
           <p:sp>
             <p:nvSpPr>
               <p:cNvPr id="3" name="내용 개체 틀 2">
@@ -5988,7 +9368,7 @@
             </p:txBody>
           </p:sp>
         </mc:Choice>
-        <mc:Fallback>
+        <mc:Fallback xmlns="">
           <p:sp>
             <p:nvSpPr>
               <p:cNvPr id="3" name="내용 개체 틀 2">
@@ -6096,8 +9476,8 @@
           </a:p>
         </p:txBody>
       </p:sp>
-      <mc:AlternateContent xmlns:mc="http://schemas.openxmlformats.org/markup-compatibility/2006">
-        <mc:Choice xmlns:a14="http://schemas.microsoft.com/office/drawing/2010/main" Requires="a14">
+      <mc:AlternateContent xmlns:mc="http://schemas.openxmlformats.org/markup-compatibility/2006" xmlns:a14="http://schemas.microsoft.com/office/drawing/2010/main">
+        <mc:Choice Requires="a14">
           <p:sp>
             <p:nvSpPr>
               <p:cNvPr id="3" name="내용 개체 틀 2">
@@ -6682,7 +10062,7 @@
             </p:txBody>
           </p:sp>
         </mc:Choice>
-        <mc:Fallback>
+        <mc:Fallback xmlns="">
           <p:sp>
             <p:nvSpPr>
               <p:cNvPr id="3" name="내용 개체 틀 2">
@@ -6897,261 +10277,2146 @@
       </p:grpSpPr>
       <p:sp>
         <p:nvSpPr>
-          <p:cNvPr id="2" name="제목 1">
+          <p:cNvPr id="47" name="모서리가 둥근 직사각형 11">
             <a:extLst>
               <a:ext uri="{FF2B5EF4-FFF2-40B4-BE49-F238E27FC236}">
-                <a16:creationId xmlns:a16="http://schemas.microsoft.com/office/drawing/2014/main" id="{2FC832C6-B966-497F-A5E0-588C4BED0E2F}"/>
+                <a16:creationId xmlns:a16="http://schemas.microsoft.com/office/drawing/2014/main" id="{A080D458-F234-43F2-9EBD-AEAD46ADC858}"/>
               </a:ext>
             </a:extLst>
           </p:cNvPr>
-          <p:cNvSpPr>
-            <a:spLocks noGrp="1"/>
-          </p:cNvSpPr>
-          <p:nvPr>
-            <p:ph type="title"/>
-          </p:nvPr>
-        </p:nvSpPr>
-        <p:spPr/>
-        <p:txBody>
-          <a:bodyPr/>
+          <p:cNvSpPr/>
+          <p:nvPr/>
+        </p:nvSpPr>
+        <p:spPr>
+          <a:xfrm>
+            <a:off x="1130174" y="5393719"/>
+            <a:ext cx="1205620" cy="480749"/>
+          </a:xfrm>
+          <a:prstGeom prst="roundRect">
+            <a:avLst/>
+          </a:prstGeom>
+        </p:spPr>
+        <p:style>
+          <a:lnRef idx="2">
+            <a:schemeClr val="accent6"/>
+          </a:lnRef>
+          <a:fillRef idx="1">
+            <a:schemeClr val="lt1"/>
+          </a:fillRef>
+          <a:effectRef idx="0">
+            <a:schemeClr val="accent6"/>
+          </a:effectRef>
+          <a:fontRef idx="minor">
+            <a:schemeClr val="dk1"/>
+          </a:fontRef>
+        </p:style>
+        <p:txBody>
+          <a:bodyPr rtlCol="0" anchor="ctr"/>
           <a:lstStyle/>
           <a:p>
-            <a:r>
-              <a:rPr lang="en-US" altLang="ko-KR" dirty="0"/>
-              <a:t>System Model Structure</a:t>
-            </a:r>
-            <a:endParaRPr lang="ko-KR" altLang="en-US" dirty="0"/>
-          </a:p>
-        </p:txBody>
-      </p:sp>
-      <p:sp>
-        <p:nvSpPr>
-          <p:cNvPr id="3" name="내용 개체 틀 2">
+            <a:pPr marL="0" marR="0" lvl="0" indent="0" algn="ctr" defTabSz="457200" rtl="0" eaLnBrk="1" fontAlgn="auto" latinLnBrk="0" hangingPunct="1">
+              <a:lnSpc>
+                <a:spcPct val="100000"/>
+              </a:lnSpc>
+              <a:spcBef>
+                <a:spcPts val="0"/>
+              </a:spcBef>
+              <a:spcAft>
+                <a:spcPts val="0"/>
+              </a:spcAft>
+              <a:buClrTx/>
+              <a:buSzTx/>
+              <a:buFontTx/>
+              <a:buNone/>
+              <a:tabLst/>
+              <a:defRPr/>
+            </a:pPr>
+            <a:endParaRPr kumimoji="0" lang="ko-KR" altLang="en-US" sz="1800" b="0" i="0" u="none" strike="noStrike" kern="1200" cap="none" spc="0" normalizeH="0" baseline="0" noProof="0">
+              <a:ln>
+                <a:noFill/>
+              </a:ln>
+              <a:solidFill>
+                <a:prstClr val="black"/>
+              </a:solidFill>
+              <a:effectLst/>
+              <a:uLnTx/>
+              <a:uFillTx/>
+              <a:latin typeface="Calibri"/>
+              <a:ea typeface="맑은 고딕" panose="020B0503020000020004" pitchFamily="50" charset="-127"/>
+              <a:cs typeface="+mn-cs"/>
+            </a:endParaRPr>
+          </a:p>
+        </p:txBody>
+      </p:sp>
+      <p:cxnSp>
+        <p:nvCxnSpPr>
+          <p:cNvPr id="43" name="직선 연결선 42"/>
+          <p:cNvCxnSpPr>
+            <a:cxnSpLocks/>
+            <a:endCxn id="22" idx="1"/>
+          </p:cNvCxnSpPr>
+          <p:nvPr/>
+        </p:nvCxnSpPr>
+        <p:spPr>
+          <a:xfrm>
+            <a:off x="768321" y="3759096"/>
+            <a:ext cx="361854" cy="0"/>
+          </a:xfrm>
+          <a:prstGeom prst="line">
+            <a:avLst/>
+          </a:prstGeom>
+          <a:ln w="28575"/>
+        </p:spPr>
+        <p:style>
+          <a:lnRef idx="1">
+            <a:schemeClr val="accent4"/>
+          </a:lnRef>
+          <a:fillRef idx="0">
+            <a:schemeClr val="accent4"/>
+          </a:fillRef>
+          <a:effectRef idx="0">
+            <a:schemeClr val="accent4"/>
+          </a:effectRef>
+          <a:fontRef idx="minor">
+            <a:schemeClr val="tx1"/>
+          </a:fontRef>
+        </p:style>
+      </p:cxnSp>
+      <p:cxnSp>
+        <p:nvCxnSpPr>
+          <p:cNvPr id="35" name="직선 연결선 34"/>
+          <p:cNvCxnSpPr>
+            <a:endCxn id="10" idx="1"/>
+          </p:cNvCxnSpPr>
+          <p:nvPr/>
+        </p:nvCxnSpPr>
+        <p:spPr>
+          <a:xfrm>
+            <a:off x="752662" y="1902938"/>
+            <a:ext cx="387952" cy="0"/>
+          </a:xfrm>
+          <a:prstGeom prst="line">
+            <a:avLst/>
+          </a:prstGeom>
+          <a:ln w="28575"/>
+        </p:spPr>
+        <p:style>
+          <a:lnRef idx="1">
+            <a:schemeClr val="accent4"/>
+          </a:lnRef>
+          <a:fillRef idx="0">
+            <a:schemeClr val="accent4"/>
+          </a:fillRef>
+          <a:effectRef idx="0">
+            <a:schemeClr val="accent4"/>
+          </a:effectRef>
+          <a:fontRef idx="minor">
+            <a:schemeClr val="tx1"/>
+          </a:fontRef>
+        </p:style>
+      </p:cxnSp>
+      <p:cxnSp>
+        <p:nvCxnSpPr>
+          <p:cNvPr id="41" name="직선 연결선 40"/>
+          <p:cNvCxnSpPr>
+            <a:endCxn id="16" idx="1"/>
+          </p:cNvCxnSpPr>
+          <p:nvPr/>
+        </p:nvCxnSpPr>
+        <p:spPr>
+          <a:xfrm>
+            <a:off x="760491" y="2542613"/>
+            <a:ext cx="390563" cy="0"/>
+          </a:xfrm>
+          <a:prstGeom prst="line">
+            <a:avLst/>
+          </a:prstGeom>
+          <a:ln w="28575"/>
+        </p:spPr>
+        <p:style>
+          <a:lnRef idx="1">
+            <a:schemeClr val="accent4"/>
+          </a:lnRef>
+          <a:fillRef idx="0">
+            <a:schemeClr val="accent4"/>
+          </a:fillRef>
+          <a:effectRef idx="0">
+            <a:schemeClr val="accent4"/>
+          </a:effectRef>
+          <a:fontRef idx="minor">
+            <a:schemeClr val="tx1"/>
+          </a:fontRef>
+        </p:style>
+      </p:cxnSp>
+      <p:cxnSp>
+        <p:nvCxnSpPr>
+          <p:cNvPr id="42" name="직선 연결선 41"/>
+          <p:cNvCxnSpPr>
+            <a:endCxn id="19" idx="1"/>
+          </p:cNvCxnSpPr>
+          <p:nvPr/>
+        </p:nvCxnSpPr>
+        <p:spPr>
+          <a:xfrm>
+            <a:off x="751357" y="3155312"/>
+            <a:ext cx="399697" cy="3237"/>
+          </a:xfrm>
+          <a:prstGeom prst="line">
+            <a:avLst/>
+          </a:prstGeom>
+          <a:ln w="28575"/>
+        </p:spPr>
+        <p:style>
+          <a:lnRef idx="1">
+            <a:schemeClr val="accent4"/>
+          </a:lnRef>
+          <a:fillRef idx="0">
+            <a:schemeClr val="accent4"/>
+          </a:fillRef>
+          <a:effectRef idx="0">
+            <a:schemeClr val="accent4"/>
+          </a:effectRef>
+          <a:fontRef idx="minor">
+            <a:schemeClr val="tx1"/>
+          </a:fontRef>
+        </p:style>
+      </p:cxnSp>
+      <p:cxnSp>
+        <p:nvCxnSpPr>
+          <p:cNvPr id="44" name="직선 연결선 43"/>
+          <p:cNvCxnSpPr>
+            <a:cxnSpLocks/>
+            <a:endCxn id="13" idx="1"/>
+          </p:cNvCxnSpPr>
+          <p:nvPr/>
+        </p:nvCxnSpPr>
+        <p:spPr>
+          <a:xfrm>
+            <a:off x="768321" y="5003160"/>
+            <a:ext cx="372293" cy="0"/>
+          </a:xfrm>
+          <a:prstGeom prst="line">
+            <a:avLst/>
+          </a:prstGeom>
+          <a:ln w="28575"/>
+        </p:spPr>
+        <p:style>
+          <a:lnRef idx="1">
+            <a:schemeClr val="accent4"/>
+          </a:lnRef>
+          <a:fillRef idx="0">
+            <a:schemeClr val="accent4"/>
+          </a:fillRef>
+          <a:effectRef idx="0">
+            <a:schemeClr val="accent4"/>
+          </a:effectRef>
+          <a:fontRef idx="minor">
+            <a:schemeClr val="tx1"/>
+          </a:fontRef>
+        </p:style>
+      </p:cxnSp>
+      <p:cxnSp>
+        <p:nvCxnSpPr>
+          <p:cNvPr id="45" name="직선 연결선 44"/>
+          <p:cNvCxnSpPr>
+            <a:cxnSpLocks/>
+            <a:endCxn id="28" idx="1"/>
+          </p:cNvCxnSpPr>
+          <p:nvPr/>
+        </p:nvCxnSpPr>
+        <p:spPr>
+          <a:xfrm>
+            <a:off x="768321" y="5606904"/>
+            <a:ext cx="361853" cy="0"/>
+          </a:xfrm>
+          <a:prstGeom prst="line">
+            <a:avLst/>
+          </a:prstGeom>
+          <a:ln w="28575"/>
+        </p:spPr>
+        <p:style>
+          <a:lnRef idx="1">
+            <a:schemeClr val="accent4"/>
+          </a:lnRef>
+          <a:fillRef idx="0">
+            <a:schemeClr val="accent4"/>
+          </a:fillRef>
+          <a:effectRef idx="0">
+            <a:schemeClr val="accent4"/>
+          </a:effectRef>
+          <a:fontRef idx="minor">
+            <a:schemeClr val="tx1"/>
+          </a:fontRef>
+        </p:style>
+      </p:cxnSp>
+      <p:cxnSp>
+        <p:nvCxnSpPr>
+          <p:cNvPr id="49" name="직선 연결선 48"/>
+          <p:cNvCxnSpPr>
+            <a:endCxn id="31" idx="1"/>
+          </p:cNvCxnSpPr>
+          <p:nvPr/>
+        </p:nvCxnSpPr>
+        <p:spPr>
+          <a:xfrm>
+            <a:off x="768321" y="6237838"/>
+            <a:ext cx="351415" cy="390"/>
+          </a:xfrm>
+          <a:prstGeom prst="line">
+            <a:avLst/>
+          </a:prstGeom>
+          <a:ln w="28575"/>
+        </p:spPr>
+        <p:style>
+          <a:lnRef idx="1">
+            <a:schemeClr val="accent4"/>
+          </a:lnRef>
+          <a:fillRef idx="0">
+            <a:schemeClr val="accent4"/>
+          </a:fillRef>
+          <a:effectRef idx="0">
+            <a:schemeClr val="accent4"/>
+          </a:effectRef>
+          <a:fontRef idx="minor">
+            <a:schemeClr val="tx1"/>
+          </a:fontRef>
+        </p:style>
+      </p:cxnSp>
+      <p:cxnSp>
+        <p:nvCxnSpPr>
+          <p:cNvPr id="50" name="직선 연결선 49"/>
+          <p:cNvCxnSpPr>
+            <a:endCxn id="25" idx="1"/>
+          </p:cNvCxnSpPr>
+          <p:nvPr/>
+        </p:nvCxnSpPr>
+        <p:spPr>
+          <a:xfrm>
+            <a:off x="751357" y="4387183"/>
+            <a:ext cx="381379" cy="3238"/>
+          </a:xfrm>
+          <a:prstGeom prst="line">
+            <a:avLst/>
+          </a:prstGeom>
+          <a:ln w="28575"/>
+        </p:spPr>
+        <p:style>
+          <a:lnRef idx="1">
+            <a:schemeClr val="accent4"/>
+          </a:lnRef>
+          <a:fillRef idx="0">
+            <a:schemeClr val="accent4"/>
+          </a:fillRef>
+          <a:effectRef idx="0">
+            <a:schemeClr val="accent4"/>
+          </a:effectRef>
+          <a:fontRef idx="minor">
+            <a:schemeClr val="tx1"/>
+          </a:fontRef>
+        </p:style>
+      </p:cxnSp>
+      <p:sp>
+        <p:nvSpPr>
+          <p:cNvPr id="32" name="제목 1">
             <a:extLst>
               <a:ext uri="{FF2B5EF4-FFF2-40B4-BE49-F238E27FC236}">
-                <a16:creationId xmlns:a16="http://schemas.microsoft.com/office/drawing/2014/main" id="{FAEF7A98-5912-4F1F-8CD4-41561FCBE376}"/>
+                <a16:creationId xmlns:a16="http://schemas.microsoft.com/office/drawing/2014/main" id="{CEB6824C-74A4-4DC8-AFDD-5BA8F0636FF0}"/>
               </a:ext>
             </a:extLst>
           </p:cNvPr>
-          <p:cNvSpPr>
-            <a:spLocks noGrp="1"/>
+          <p:cNvSpPr txBox="1">
+            <a:spLocks/>
           </p:cNvSpPr>
-          <p:nvPr>
-            <p:ph idx="1"/>
-          </p:nvPr>
+          <p:nvPr/>
         </p:nvSpPr>
         <p:spPr>
           <a:xfrm>
-            <a:off x="457200" y="1052163"/>
-            <a:ext cx="8229600" cy="5428522"/>
+            <a:off x="116681" y="-4"/>
+            <a:ext cx="8910637" cy="987425"/>
           </a:xfrm>
+          <a:prstGeom prst="rect">
+            <a:avLst/>
+          </a:prstGeom>
+          <a:effectLst>
+            <a:outerShdw blurRad="50800" dist="38100" dir="2700000" algn="tl" rotWithShape="0">
+              <a:srgbClr val="000000">
+                <a:alpha val="40000"/>
+              </a:srgbClr>
+            </a:outerShdw>
+          </a:effectLst>
         </p:spPr>
         <p:txBody>
-          <a:bodyPr/>
+          <a:bodyPr vert="horz" lIns="91440" tIns="45720" rIns="91440" bIns="45720" rtlCol="0" anchor="ctr">
+            <a:noAutofit/>
+          </a:bodyPr>
+          <a:lstStyle>
+            <a:lvl1pPr algn="ctr" defTabSz="457200" rtl="0" eaLnBrk="1" latinLnBrk="0" hangingPunct="1">
+              <a:spcBef>
+                <a:spcPct val="0"/>
+              </a:spcBef>
+              <a:buNone/>
+              <a:defRPr sz="4000" kern="1200">
+                <a:solidFill>
+                  <a:schemeClr val="tx1"/>
+                </a:solidFill>
+                <a:latin typeface="+mj-lt"/>
+                <a:ea typeface="+mj-ea"/>
+                <a:cs typeface="+mj-cs"/>
+              </a:defRPr>
+            </a:lvl1pPr>
+          </a:lstStyle>
+          <a:p>
+            <a:pPr lvl="0"/>
+            <a:r>
+              <a:rPr lang="en-US" altLang="ko-KR" dirty="0"/>
+              <a:t>System Model Structure</a:t>
+            </a:r>
+            <a:endParaRPr kumimoji="0" lang="ko-KR" altLang="en-US" sz="4000" b="0" i="0" u="none" strike="noStrike" kern="1200" cap="none" spc="0" normalizeH="0" baseline="0" noProof="0" dirty="0">
+              <a:ln>
+                <a:noFill/>
+              </a:ln>
+              <a:solidFill>
+                <a:prstClr val="black"/>
+              </a:solidFill>
+              <a:effectLst/>
+              <a:uLnTx/>
+              <a:uFillTx/>
+              <a:latin typeface="Calibri"/>
+              <a:ea typeface="맑은 고딕" panose="020B0503020000020004" pitchFamily="50" charset="-127"/>
+              <a:cs typeface="+mj-cs"/>
+            </a:endParaRPr>
+          </a:p>
+        </p:txBody>
+      </p:sp>
+      <p:grpSp>
+        <p:nvGrpSpPr>
+          <p:cNvPr id="6" name="그룹 5"/>
+          <p:cNvGrpSpPr/>
+          <p:nvPr/>
+        </p:nvGrpSpPr>
+        <p:grpSpPr>
+          <a:xfrm>
+            <a:off x="552262" y="996474"/>
+            <a:ext cx="1642298" cy="551668"/>
+            <a:chOff x="552262" y="996474"/>
+            <a:chExt cx="2091350" cy="551668"/>
+          </a:xfrm>
+        </p:grpSpPr>
+        <p:sp>
+          <p:nvSpPr>
+            <p:cNvPr id="4" name="모서리가 둥근 직사각형 3"/>
+            <p:cNvSpPr/>
+            <p:nvPr/>
+          </p:nvSpPr>
+          <p:spPr>
+            <a:xfrm>
+              <a:off x="552262" y="996474"/>
+              <a:ext cx="2091350" cy="551668"/>
+            </a:xfrm>
+            <a:prstGeom prst="roundRect">
+              <a:avLst/>
+            </a:prstGeom>
+          </p:spPr>
+          <p:style>
+            <a:lnRef idx="2">
+              <a:schemeClr val="accent4"/>
+            </a:lnRef>
+            <a:fillRef idx="1">
+              <a:schemeClr val="lt1"/>
+            </a:fillRef>
+            <a:effectRef idx="0">
+              <a:schemeClr val="accent4"/>
+            </a:effectRef>
+            <a:fontRef idx="minor">
+              <a:schemeClr val="dk1"/>
+            </a:fontRef>
+          </p:style>
+          <p:txBody>
+            <a:bodyPr rtlCol="0" anchor="ctr"/>
+            <a:lstStyle/>
+            <a:p>
+              <a:pPr marL="0" marR="0" lvl="0" indent="0" algn="ctr" defTabSz="457200" rtl="0" eaLnBrk="1" fontAlgn="auto" latinLnBrk="0" hangingPunct="1">
+                <a:lnSpc>
+                  <a:spcPct val="100000"/>
+                </a:lnSpc>
+                <a:spcBef>
+                  <a:spcPts val="0"/>
+                </a:spcBef>
+                <a:spcAft>
+                  <a:spcPts val="0"/>
+                </a:spcAft>
+                <a:buClrTx/>
+                <a:buSzTx/>
+                <a:buFontTx/>
+                <a:buNone/>
+                <a:tabLst/>
+                <a:defRPr/>
+              </a:pPr>
+              <a:endParaRPr kumimoji="0" lang="ko-KR" altLang="en-US" sz="1800" b="0" i="0" u="none" strike="noStrike" kern="1200" cap="none" spc="0" normalizeH="0" baseline="0" noProof="0">
+                <a:ln>
+                  <a:noFill/>
+                </a:ln>
+                <a:solidFill>
+                  <a:prstClr val="black"/>
+                </a:solidFill>
+                <a:effectLst/>
+                <a:uLnTx/>
+                <a:uFillTx/>
+                <a:latin typeface="Calibri"/>
+                <a:ea typeface="맑은 고딕" panose="020B0503020000020004" pitchFamily="50" charset="-127"/>
+                <a:cs typeface="+mn-cs"/>
+              </a:endParaRPr>
+            </a:p>
+          </p:txBody>
+        </p:sp>
+        <p:sp>
+          <p:nvSpPr>
+            <p:cNvPr id="5" name="TextBox 4"/>
+            <p:cNvSpPr txBox="1"/>
+            <p:nvPr/>
+          </p:nvSpPr>
+          <p:spPr>
+            <a:xfrm>
+              <a:off x="570371" y="1087642"/>
+              <a:ext cx="2055133" cy="369332"/>
+            </a:xfrm>
+            <a:prstGeom prst="rect">
+              <a:avLst/>
+            </a:prstGeom>
+            <a:noFill/>
+          </p:spPr>
+          <p:txBody>
+            <a:bodyPr wrap="square" rtlCol="0">
+              <a:spAutoFit/>
+            </a:bodyPr>
+            <a:lstStyle/>
+            <a:p>
+              <a:r>
+                <a:rPr lang="en-US" altLang="ko-KR" b="1" dirty="0"/>
+                <a:t>Class : </a:t>
+              </a:r>
+              <a:r>
+                <a:rPr lang="en-US" altLang="ko-KR" b="1" dirty="0" err="1"/>
+                <a:t>UDNEnv</a:t>
+              </a:r>
+              <a:endParaRPr lang="en-US" altLang="ko-KR" b="1" dirty="0"/>
+            </a:p>
+          </p:txBody>
+        </p:sp>
+      </p:grpSp>
+      <p:sp>
+        <p:nvSpPr>
+          <p:cNvPr id="9" name="모서리가 둥근 직사각형 8"/>
+          <p:cNvSpPr/>
+          <p:nvPr/>
+        </p:nvSpPr>
+        <p:spPr>
+          <a:xfrm>
+            <a:off x="1130174" y="1673982"/>
+            <a:ext cx="1205620" cy="480749"/>
+          </a:xfrm>
+          <a:prstGeom prst="roundRect">
+            <a:avLst/>
+          </a:prstGeom>
+        </p:spPr>
+        <p:style>
+          <a:lnRef idx="2">
+            <a:schemeClr val="accent2"/>
+          </a:lnRef>
+          <a:fillRef idx="1">
+            <a:schemeClr val="lt1"/>
+          </a:fillRef>
+          <a:effectRef idx="0">
+            <a:schemeClr val="accent2"/>
+          </a:effectRef>
+          <a:fontRef idx="minor">
+            <a:schemeClr val="dk1"/>
+          </a:fontRef>
+        </p:style>
+        <p:txBody>
+          <a:bodyPr rtlCol="0" anchor="ctr"/>
           <a:lstStyle/>
           <a:p>
-            <a:r>
-              <a:rPr lang="en-US" altLang="ko-KR" b="1" dirty="0"/>
-              <a:t>Class : </a:t>
-            </a:r>
-            <a:r>
-              <a:rPr lang="en-US" altLang="ko-KR" b="1" dirty="0" err="1"/>
-              <a:t>UDNEnv</a:t>
-            </a:r>
-            <a:endParaRPr lang="en-US" altLang="ko-KR" b="1" dirty="0"/>
-          </a:p>
-          <a:p>
-            <a:pPr lvl="1"/>
-            <a:r>
-              <a:rPr lang="en-US" altLang="ko-KR" b="1" dirty="0">
-                <a:solidFill>
-                  <a:schemeClr val="tx1"/>
-                </a:solidFill>
+            <a:pPr marL="0" marR="0" lvl="0" indent="0" algn="ctr" defTabSz="457200" rtl="0" eaLnBrk="1" fontAlgn="auto" latinLnBrk="0" hangingPunct="1">
+              <a:lnSpc>
+                <a:spcPct val="100000"/>
+              </a:lnSpc>
+              <a:spcBef>
+                <a:spcPts val="0"/>
+              </a:spcBef>
+              <a:spcAft>
+                <a:spcPts val="0"/>
+              </a:spcAft>
+              <a:buClrTx/>
+              <a:buSzTx/>
+              <a:buFontTx/>
+              <a:buNone/>
+              <a:tabLst/>
+              <a:defRPr/>
+            </a:pPr>
+            <a:endParaRPr kumimoji="0" lang="ko-KR" altLang="en-US" sz="1800" b="0" i="0" u="none" strike="noStrike" kern="1200" cap="none" spc="0" normalizeH="0" baseline="0" noProof="0">
+              <a:ln>
+                <a:noFill/>
+              </a:ln>
+              <a:solidFill>
+                <a:prstClr val="black"/>
+              </a:solidFill>
+              <a:effectLst/>
+              <a:uLnTx/>
+              <a:uFillTx/>
+              <a:latin typeface="Calibri"/>
+              <a:ea typeface="맑은 고딕" panose="020B0503020000020004" pitchFamily="50" charset="-127"/>
+              <a:cs typeface="+mn-cs"/>
+            </a:endParaRPr>
+          </a:p>
+        </p:txBody>
+      </p:sp>
+      <p:sp>
+        <p:nvSpPr>
+          <p:cNvPr id="10" name="TextBox 9"/>
+          <p:cNvSpPr txBox="1"/>
+          <p:nvPr/>
+        </p:nvSpPr>
+        <p:spPr>
+          <a:xfrm>
+            <a:off x="1140614" y="1742011"/>
+            <a:ext cx="1184741" cy="321854"/>
+          </a:xfrm>
+          <a:prstGeom prst="rect">
+            <a:avLst/>
+          </a:prstGeom>
+          <a:noFill/>
+        </p:spPr>
+        <p:txBody>
+          <a:bodyPr wrap="square" rtlCol="0">
+            <a:spAutoFit/>
+          </a:bodyPr>
+          <a:lstStyle/>
+          <a:p>
+            <a:pPr marL="0" marR="0" lvl="0" indent="0" algn="ctr" defTabSz="457200" rtl="0" eaLnBrk="1" fontAlgn="auto" latinLnBrk="0" hangingPunct="1">
+              <a:lnSpc>
+                <a:spcPct val="100000"/>
+              </a:lnSpc>
+              <a:spcBef>
+                <a:spcPts val="0"/>
+              </a:spcBef>
+              <a:spcAft>
+                <a:spcPts val="0"/>
+              </a:spcAft>
+              <a:buClrTx/>
+              <a:buSzTx/>
+              <a:buFontTx/>
+              <a:buNone/>
+              <a:tabLst/>
+              <a:defRPr/>
+            </a:pPr>
+            <a:r>
+              <a:rPr kumimoji="0" lang="en-US" altLang="ko-KR" sz="1800" b="1" i="0" u="none" strike="noStrike" kern="1200" cap="none" spc="0" normalizeH="0" baseline="0" noProof="0" dirty="0">
+                <a:ln>
+                  <a:noFill/>
+                </a:ln>
+                <a:solidFill>
+                  <a:prstClr val="black"/>
+                </a:solidFill>
+                <a:effectLst/>
+                <a:uLnTx/>
+                <a:uFillTx/>
+                <a:latin typeface="Calibri"/>
+                <a:ea typeface="맑은 고딕" panose="020B0503020000020004" pitchFamily="50" charset="-127"/>
+                <a:cs typeface="+mn-cs"/>
               </a:rPr>
               <a:t>__</a:t>
             </a:r>
             <a:r>
-              <a:rPr lang="en-US" altLang="ko-KR" b="1" dirty="0" err="1">
-                <a:solidFill>
-                  <a:schemeClr val="tx1"/>
-                </a:solidFill>
+              <a:rPr kumimoji="0" lang="en-US" altLang="ko-KR" sz="1800" b="1" i="0" u="none" strike="noStrike" kern="1200" cap="none" spc="0" normalizeH="0" baseline="0" noProof="0" dirty="0" err="1">
+                <a:ln>
+                  <a:noFill/>
+                </a:ln>
+                <a:solidFill>
+                  <a:prstClr val="black"/>
+                </a:solidFill>
+                <a:effectLst/>
+                <a:uLnTx/>
+                <a:uFillTx/>
+                <a:latin typeface="Calibri"/>
+                <a:ea typeface="맑은 고딕" panose="020B0503020000020004" pitchFamily="50" charset="-127"/>
+                <a:cs typeface="+mn-cs"/>
               </a:rPr>
               <a:t>init</a:t>
             </a:r>
             <a:r>
-              <a:rPr lang="en-US" altLang="ko-KR" b="1" dirty="0">
-                <a:solidFill>
-                  <a:schemeClr val="tx1"/>
-                </a:solidFill>
+              <a:rPr kumimoji="0" lang="en-US" altLang="ko-KR" sz="1800" b="1" i="0" u="none" strike="noStrike" kern="1200" cap="none" spc="0" normalizeH="0" baseline="0" noProof="0" dirty="0">
+                <a:ln>
+                  <a:noFill/>
+                </a:ln>
+                <a:solidFill>
+                  <a:prstClr val="black"/>
+                </a:solidFill>
+                <a:effectLst/>
+                <a:uLnTx/>
+                <a:uFillTx/>
+                <a:latin typeface="Calibri"/>
+                <a:ea typeface="맑은 고딕" panose="020B0503020000020004" pitchFamily="50" charset="-127"/>
+                <a:cs typeface="+mn-cs"/>
               </a:rPr>
-              <a:t>__ : Initialize parameters, BS position, </a:t>
-            </a:r>
-            <a:r>
-              <a:rPr lang="en-US" altLang="ko-KR" b="1" dirty="0" err="1">
-                <a:solidFill>
-                  <a:schemeClr val="tx1"/>
+              <a:t>__</a:t>
+            </a:r>
+            <a:endParaRPr kumimoji="0" lang="ko-KR" altLang="en-US" sz="1800" b="1" i="0" u="none" strike="noStrike" kern="1200" cap="none" spc="0" normalizeH="0" baseline="0" noProof="0" dirty="0">
+              <a:ln>
+                <a:noFill/>
+              </a:ln>
+              <a:solidFill>
+                <a:prstClr val="black"/>
+              </a:solidFill>
+              <a:effectLst/>
+              <a:uLnTx/>
+              <a:uFillTx/>
+              <a:latin typeface="Calibri"/>
+              <a:ea typeface="맑은 고딕" panose="020B0503020000020004" pitchFamily="50" charset="-127"/>
+              <a:cs typeface="+mn-cs"/>
+            </a:endParaRPr>
+          </a:p>
+        </p:txBody>
+      </p:sp>
+      <p:sp>
+        <p:nvSpPr>
+          <p:cNvPr id="12" name="모서리가 둥근 직사각형 11"/>
+          <p:cNvSpPr/>
+          <p:nvPr/>
+        </p:nvSpPr>
+        <p:spPr>
+          <a:xfrm>
+            <a:off x="1130174" y="4753662"/>
+            <a:ext cx="1205620" cy="480749"/>
+          </a:xfrm>
+          <a:prstGeom prst="roundRect">
+            <a:avLst/>
+          </a:prstGeom>
+        </p:spPr>
+        <p:style>
+          <a:lnRef idx="2">
+            <a:schemeClr val="accent6"/>
+          </a:lnRef>
+          <a:fillRef idx="1">
+            <a:schemeClr val="lt1"/>
+          </a:fillRef>
+          <a:effectRef idx="0">
+            <a:schemeClr val="accent6"/>
+          </a:effectRef>
+          <a:fontRef idx="minor">
+            <a:schemeClr val="dk1"/>
+          </a:fontRef>
+        </p:style>
+        <p:txBody>
+          <a:bodyPr rtlCol="0" anchor="ctr"/>
+          <a:lstStyle/>
+          <a:p>
+            <a:pPr marL="0" marR="0" lvl="0" indent="0" algn="ctr" defTabSz="457200" rtl="0" eaLnBrk="1" fontAlgn="auto" latinLnBrk="0" hangingPunct="1">
+              <a:lnSpc>
+                <a:spcPct val="100000"/>
+              </a:lnSpc>
+              <a:spcBef>
+                <a:spcPts val="0"/>
+              </a:spcBef>
+              <a:spcAft>
+                <a:spcPts val="0"/>
+              </a:spcAft>
+              <a:buClrTx/>
+              <a:buSzTx/>
+              <a:buFontTx/>
+              <a:buNone/>
+              <a:tabLst/>
+              <a:defRPr/>
+            </a:pPr>
+            <a:endParaRPr kumimoji="0" lang="ko-KR" altLang="en-US" sz="1800" b="0" i="0" u="none" strike="noStrike" kern="1200" cap="none" spc="0" normalizeH="0" baseline="0" noProof="0">
+              <a:ln>
+                <a:noFill/>
+              </a:ln>
+              <a:solidFill>
+                <a:prstClr val="black"/>
+              </a:solidFill>
+              <a:effectLst/>
+              <a:uLnTx/>
+              <a:uFillTx/>
+              <a:latin typeface="Calibri"/>
+              <a:ea typeface="맑은 고딕" panose="020B0503020000020004" pitchFamily="50" charset="-127"/>
+              <a:cs typeface="+mn-cs"/>
+            </a:endParaRPr>
+          </a:p>
+        </p:txBody>
+      </p:sp>
+      <p:sp>
+        <p:nvSpPr>
+          <p:cNvPr id="13" name="TextBox 12"/>
+          <p:cNvSpPr txBox="1"/>
+          <p:nvPr/>
+        </p:nvSpPr>
+        <p:spPr>
+          <a:xfrm>
+            <a:off x="1140614" y="4833883"/>
+            <a:ext cx="1184741" cy="338554"/>
+          </a:xfrm>
+          <a:prstGeom prst="rect">
+            <a:avLst/>
+          </a:prstGeom>
+          <a:noFill/>
+        </p:spPr>
+        <p:txBody>
+          <a:bodyPr wrap="square" rtlCol="0">
+            <a:spAutoFit/>
+          </a:bodyPr>
+          <a:lstStyle/>
+          <a:p>
+            <a:pPr lvl="0" algn="ctr"/>
+            <a:r>
+              <a:rPr lang="en-US" altLang="ko-KR" sz="1600" b="1" dirty="0" err="1"/>
+              <a:t>takeAction</a:t>
+            </a:r>
+            <a:endParaRPr kumimoji="0" lang="ko-KR" altLang="en-US" sz="1600" b="1" i="0" u="none" strike="noStrike" kern="1200" cap="none" spc="0" normalizeH="0" baseline="0" noProof="0" dirty="0">
+              <a:ln>
+                <a:noFill/>
+              </a:ln>
+              <a:solidFill>
+                <a:prstClr val="black"/>
+              </a:solidFill>
+              <a:effectLst/>
+              <a:uLnTx/>
+              <a:uFillTx/>
+              <a:latin typeface="Calibri"/>
+              <a:ea typeface="맑은 고딕" panose="020B0503020000020004" pitchFamily="50" charset="-127"/>
+              <a:cs typeface="+mn-cs"/>
+            </a:endParaRPr>
+          </a:p>
+        </p:txBody>
+      </p:sp>
+      <p:sp>
+        <p:nvSpPr>
+          <p:cNvPr id="15" name="모서리가 둥근 직사각형 14"/>
+          <p:cNvSpPr/>
+          <p:nvPr/>
+        </p:nvSpPr>
+        <p:spPr>
+          <a:xfrm>
+            <a:off x="1140614" y="2289918"/>
+            <a:ext cx="1205620" cy="480749"/>
+          </a:xfrm>
+          <a:prstGeom prst="roundRect">
+            <a:avLst/>
+          </a:prstGeom>
+        </p:spPr>
+        <p:style>
+          <a:lnRef idx="2">
+            <a:schemeClr val="accent2"/>
+          </a:lnRef>
+          <a:fillRef idx="1">
+            <a:schemeClr val="lt1"/>
+          </a:fillRef>
+          <a:effectRef idx="0">
+            <a:schemeClr val="accent2"/>
+          </a:effectRef>
+          <a:fontRef idx="minor">
+            <a:schemeClr val="dk1"/>
+          </a:fontRef>
+        </p:style>
+        <p:txBody>
+          <a:bodyPr rtlCol="0" anchor="ctr"/>
+          <a:lstStyle/>
+          <a:p>
+            <a:pPr marL="0" marR="0" lvl="0" indent="0" algn="ctr" defTabSz="457200" rtl="0" eaLnBrk="1" fontAlgn="auto" latinLnBrk="0" hangingPunct="1">
+              <a:lnSpc>
+                <a:spcPct val="100000"/>
+              </a:lnSpc>
+              <a:spcBef>
+                <a:spcPts val="0"/>
+              </a:spcBef>
+              <a:spcAft>
+                <a:spcPts val="0"/>
+              </a:spcAft>
+              <a:buClrTx/>
+              <a:buSzTx/>
+              <a:buFontTx/>
+              <a:buNone/>
+              <a:tabLst/>
+              <a:defRPr/>
+            </a:pPr>
+            <a:endParaRPr kumimoji="0" lang="ko-KR" altLang="en-US" sz="1800" b="0" i="0" u="none" strike="noStrike" kern="1200" cap="none" spc="0" normalizeH="0" baseline="0" noProof="0">
+              <a:ln>
+                <a:noFill/>
+              </a:ln>
+              <a:solidFill>
+                <a:prstClr val="black"/>
+              </a:solidFill>
+              <a:effectLst/>
+              <a:uLnTx/>
+              <a:uFillTx/>
+              <a:latin typeface="Calibri"/>
+              <a:ea typeface="맑은 고딕" panose="020B0503020000020004" pitchFamily="50" charset="-127"/>
+              <a:cs typeface="+mn-cs"/>
+            </a:endParaRPr>
+          </a:p>
+        </p:txBody>
+      </p:sp>
+      <p:sp>
+        <p:nvSpPr>
+          <p:cNvPr id="16" name="TextBox 15"/>
+          <p:cNvSpPr txBox="1"/>
+          <p:nvPr/>
+        </p:nvSpPr>
+        <p:spPr>
+          <a:xfrm>
+            <a:off x="1151054" y="2357947"/>
+            <a:ext cx="1184741" cy="369332"/>
+          </a:xfrm>
+          <a:prstGeom prst="rect">
+            <a:avLst/>
+          </a:prstGeom>
+          <a:noFill/>
+        </p:spPr>
+        <p:txBody>
+          <a:bodyPr wrap="square" rtlCol="0">
+            <a:spAutoFit/>
+          </a:bodyPr>
+          <a:lstStyle/>
+          <a:p>
+            <a:pPr lvl="0" algn="ctr"/>
+            <a:r>
+              <a:rPr lang="en-US" altLang="ko-KR" b="1" dirty="0" err="1"/>
+              <a:t>isTerminal</a:t>
+            </a:r>
+            <a:endParaRPr kumimoji="0" lang="ko-KR" altLang="en-US" sz="1800" b="1" i="0" u="none" strike="noStrike" kern="1200" cap="none" spc="0" normalizeH="0" baseline="0" noProof="0" dirty="0">
+              <a:ln>
+                <a:noFill/>
+              </a:ln>
+              <a:solidFill>
+                <a:prstClr val="black"/>
+              </a:solidFill>
+              <a:effectLst/>
+              <a:uLnTx/>
+              <a:uFillTx/>
+              <a:latin typeface="Calibri"/>
+              <a:ea typeface="맑은 고딕" panose="020B0503020000020004" pitchFamily="50" charset="-127"/>
+              <a:cs typeface="+mn-cs"/>
+            </a:endParaRPr>
+          </a:p>
+        </p:txBody>
+      </p:sp>
+      <p:sp>
+        <p:nvSpPr>
+          <p:cNvPr id="18" name="모서리가 둥근 직사각형 17"/>
+          <p:cNvSpPr/>
+          <p:nvPr/>
+        </p:nvSpPr>
+        <p:spPr>
+          <a:xfrm>
+            <a:off x="1140614" y="2905854"/>
+            <a:ext cx="1205620" cy="480749"/>
+          </a:xfrm>
+          <a:prstGeom prst="roundRect">
+            <a:avLst/>
+          </a:prstGeom>
+        </p:spPr>
+        <p:style>
+          <a:lnRef idx="2">
+            <a:schemeClr val="accent2"/>
+          </a:lnRef>
+          <a:fillRef idx="1">
+            <a:schemeClr val="lt1"/>
+          </a:fillRef>
+          <a:effectRef idx="0">
+            <a:schemeClr val="accent2"/>
+          </a:effectRef>
+          <a:fontRef idx="minor">
+            <a:schemeClr val="dk1"/>
+          </a:fontRef>
+        </p:style>
+        <p:txBody>
+          <a:bodyPr rtlCol="0" anchor="ctr"/>
+          <a:lstStyle/>
+          <a:p>
+            <a:pPr marL="0" marR="0" lvl="0" indent="0" algn="ctr" defTabSz="457200" rtl="0" eaLnBrk="1" fontAlgn="auto" latinLnBrk="0" hangingPunct="1">
+              <a:lnSpc>
+                <a:spcPct val="100000"/>
+              </a:lnSpc>
+              <a:spcBef>
+                <a:spcPts val="0"/>
+              </a:spcBef>
+              <a:spcAft>
+                <a:spcPts val="0"/>
+              </a:spcAft>
+              <a:buClrTx/>
+              <a:buSzTx/>
+              <a:buFontTx/>
+              <a:buNone/>
+              <a:tabLst/>
+              <a:defRPr/>
+            </a:pPr>
+            <a:endParaRPr kumimoji="0" lang="ko-KR" altLang="en-US" sz="1800" b="0" i="0" u="none" strike="noStrike" kern="1200" cap="none" spc="0" normalizeH="0" baseline="0" noProof="0">
+              <a:ln>
+                <a:noFill/>
+              </a:ln>
+              <a:solidFill>
+                <a:prstClr val="black"/>
+              </a:solidFill>
+              <a:effectLst/>
+              <a:uLnTx/>
+              <a:uFillTx/>
+              <a:latin typeface="Calibri"/>
+              <a:ea typeface="맑은 고딕" panose="020B0503020000020004" pitchFamily="50" charset="-127"/>
+              <a:cs typeface="+mn-cs"/>
+            </a:endParaRPr>
+          </a:p>
+        </p:txBody>
+      </p:sp>
+      <p:sp>
+        <p:nvSpPr>
+          <p:cNvPr id="19" name="TextBox 18"/>
+          <p:cNvSpPr txBox="1"/>
+          <p:nvPr/>
+        </p:nvSpPr>
+        <p:spPr>
+          <a:xfrm>
+            <a:off x="1151054" y="2973883"/>
+            <a:ext cx="1184741" cy="369332"/>
+          </a:xfrm>
+          <a:prstGeom prst="rect">
+            <a:avLst/>
+          </a:prstGeom>
+          <a:noFill/>
+        </p:spPr>
+        <p:txBody>
+          <a:bodyPr wrap="square" rtlCol="0">
+            <a:spAutoFit/>
+          </a:bodyPr>
+          <a:lstStyle/>
+          <a:p>
+            <a:pPr marL="0" marR="0" lvl="0" indent="0" algn="ctr" defTabSz="457200" rtl="0" eaLnBrk="1" fontAlgn="auto" latinLnBrk="0" hangingPunct="1">
+              <a:lnSpc>
+                <a:spcPct val="100000"/>
+              </a:lnSpc>
+              <a:spcBef>
+                <a:spcPts val="0"/>
+              </a:spcBef>
+              <a:spcAft>
+                <a:spcPts val="0"/>
+              </a:spcAft>
+              <a:buClrTx/>
+              <a:buSzTx/>
+              <a:buFontTx/>
+              <a:buNone/>
+              <a:tabLst/>
+              <a:defRPr/>
+            </a:pPr>
+            <a:r>
+              <a:rPr kumimoji="0" lang="en-US" altLang="ko-KR" sz="1800" b="1" i="0" u="none" strike="noStrike" kern="1200" cap="none" spc="0" normalizeH="0" baseline="0" noProof="0" dirty="0">
+                <a:ln>
+                  <a:noFill/>
+                </a:ln>
+                <a:solidFill>
+                  <a:prstClr val="black"/>
+                </a:solidFill>
+                <a:effectLst/>
+                <a:uLnTx/>
+                <a:uFillTx/>
+                <a:latin typeface="Calibri"/>
+                <a:ea typeface="맑은 고딕" panose="020B0503020000020004" pitchFamily="50" charset="-127"/>
+                <a:cs typeface="+mn-cs"/>
+              </a:rPr>
+              <a:t>step</a:t>
+            </a:r>
+            <a:endParaRPr kumimoji="0" lang="ko-KR" altLang="en-US" sz="1800" b="1" i="0" u="none" strike="noStrike" kern="1200" cap="none" spc="0" normalizeH="0" baseline="0" noProof="0" dirty="0">
+              <a:ln>
+                <a:noFill/>
+              </a:ln>
+              <a:solidFill>
+                <a:prstClr val="black"/>
+              </a:solidFill>
+              <a:effectLst/>
+              <a:uLnTx/>
+              <a:uFillTx/>
+              <a:latin typeface="Calibri"/>
+              <a:ea typeface="맑은 고딕" panose="020B0503020000020004" pitchFamily="50" charset="-127"/>
+              <a:cs typeface="+mn-cs"/>
+            </a:endParaRPr>
+          </a:p>
+        </p:txBody>
+      </p:sp>
+      <p:sp>
+        <p:nvSpPr>
+          <p:cNvPr id="21" name="모서리가 둥근 직사각형 20"/>
+          <p:cNvSpPr/>
+          <p:nvPr/>
+        </p:nvSpPr>
+        <p:spPr>
+          <a:xfrm>
+            <a:off x="1119735" y="3521790"/>
+            <a:ext cx="1205620" cy="480749"/>
+          </a:xfrm>
+          <a:prstGeom prst="roundRect">
+            <a:avLst/>
+          </a:prstGeom>
+        </p:spPr>
+        <p:style>
+          <a:lnRef idx="2">
+            <a:schemeClr val="accent6"/>
+          </a:lnRef>
+          <a:fillRef idx="1">
+            <a:schemeClr val="lt1"/>
+          </a:fillRef>
+          <a:effectRef idx="0">
+            <a:schemeClr val="accent6"/>
+          </a:effectRef>
+          <a:fontRef idx="minor">
+            <a:schemeClr val="dk1"/>
+          </a:fontRef>
+        </p:style>
+        <p:txBody>
+          <a:bodyPr rtlCol="0" anchor="ctr"/>
+          <a:lstStyle/>
+          <a:p>
+            <a:pPr marL="0" marR="0" lvl="0" indent="0" algn="ctr" defTabSz="457200" rtl="0" eaLnBrk="1" fontAlgn="auto" latinLnBrk="0" hangingPunct="1">
+              <a:lnSpc>
+                <a:spcPct val="100000"/>
+              </a:lnSpc>
+              <a:spcBef>
+                <a:spcPts val="0"/>
+              </a:spcBef>
+              <a:spcAft>
+                <a:spcPts val="0"/>
+              </a:spcAft>
+              <a:buClrTx/>
+              <a:buSzTx/>
+              <a:buFontTx/>
+              <a:buNone/>
+              <a:tabLst/>
+              <a:defRPr/>
+            </a:pPr>
+            <a:endParaRPr kumimoji="0" lang="ko-KR" altLang="en-US" sz="1800" b="0" i="0" u="none" strike="noStrike" kern="1200" cap="none" spc="0" normalizeH="0" baseline="0" noProof="0">
+              <a:ln>
+                <a:noFill/>
+              </a:ln>
+              <a:solidFill>
+                <a:prstClr val="black"/>
+              </a:solidFill>
+              <a:effectLst/>
+              <a:uLnTx/>
+              <a:uFillTx/>
+              <a:latin typeface="Calibri"/>
+              <a:ea typeface="맑은 고딕" panose="020B0503020000020004" pitchFamily="50" charset="-127"/>
+              <a:cs typeface="+mn-cs"/>
+            </a:endParaRPr>
+          </a:p>
+        </p:txBody>
+      </p:sp>
+      <p:sp>
+        <p:nvSpPr>
+          <p:cNvPr id="22" name="TextBox 21"/>
+          <p:cNvSpPr txBox="1"/>
+          <p:nvPr/>
+        </p:nvSpPr>
+        <p:spPr>
+          <a:xfrm>
+            <a:off x="1130175" y="3589819"/>
+            <a:ext cx="1184741" cy="338554"/>
+          </a:xfrm>
+          <a:prstGeom prst="rect">
+            <a:avLst/>
+          </a:prstGeom>
+          <a:noFill/>
+        </p:spPr>
+        <p:txBody>
+          <a:bodyPr wrap="square" rtlCol="0">
+            <a:spAutoFit/>
+          </a:bodyPr>
+          <a:lstStyle/>
+          <a:p>
+            <a:pPr lvl="0" algn="ctr"/>
+            <a:r>
+              <a:rPr lang="en-US" altLang="ko-KR" sz="1600" b="1" dirty="0">
+                <a:solidFill>
+                  <a:prstClr val="black"/>
+                </a:solidFill>
+              </a:rPr>
+              <a:t>Association</a:t>
+            </a:r>
+            <a:endParaRPr kumimoji="0" lang="ko-KR" altLang="en-US" sz="1600" b="1" i="0" u="none" strike="noStrike" kern="1200" cap="none" spc="0" normalizeH="0" baseline="0" noProof="0" dirty="0">
+              <a:ln>
+                <a:noFill/>
+              </a:ln>
+              <a:solidFill>
+                <a:prstClr val="black"/>
+              </a:solidFill>
+              <a:effectLst/>
+              <a:uLnTx/>
+              <a:uFillTx/>
+              <a:latin typeface="Calibri"/>
+              <a:ea typeface="맑은 고딕" panose="020B0503020000020004" pitchFamily="50" charset="-127"/>
+              <a:cs typeface="+mn-cs"/>
+            </a:endParaRPr>
+          </a:p>
+        </p:txBody>
+      </p:sp>
+      <p:sp>
+        <p:nvSpPr>
+          <p:cNvPr id="24" name="모서리가 둥근 직사각형 23"/>
+          <p:cNvSpPr/>
+          <p:nvPr/>
+        </p:nvSpPr>
+        <p:spPr>
+          <a:xfrm>
+            <a:off x="1110681" y="4137726"/>
+            <a:ext cx="2546919" cy="480749"/>
+          </a:xfrm>
+          <a:prstGeom prst="roundRect">
+            <a:avLst/>
+          </a:prstGeom>
+        </p:spPr>
+        <p:style>
+          <a:lnRef idx="2">
+            <a:schemeClr val="accent6"/>
+          </a:lnRef>
+          <a:fillRef idx="1">
+            <a:schemeClr val="lt1"/>
+          </a:fillRef>
+          <a:effectRef idx="0">
+            <a:schemeClr val="accent6"/>
+          </a:effectRef>
+          <a:fontRef idx="minor">
+            <a:schemeClr val="dk1"/>
+          </a:fontRef>
+        </p:style>
+        <p:txBody>
+          <a:bodyPr rtlCol="0" anchor="ctr"/>
+          <a:lstStyle/>
+          <a:p>
+            <a:pPr marL="0" marR="0" lvl="0" indent="0" algn="ctr" defTabSz="457200" rtl="0" eaLnBrk="1" fontAlgn="auto" latinLnBrk="0" hangingPunct="1">
+              <a:lnSpc>
+                <a:spcPct val="100000"/>
+              </a:lnSpc>
+              <a:spcBef>
+                <a:spcPts val="0"/>
+              </a:spcBef>
+              <a:spcAft>
+                <a:spcPts val="0"/>
+              </a:spcAft>
+              <a:buClrTx/>
+              <a:buSzTx/>
+              <a:buFontTx/>
+              <a:buNone/>
+              <a:tabLst/>
+              <a:defRPr/>
+            </a:pPr>
+            <a:endParaRPr kumimoji="0" lang="ko-KR" altLang="en-US" sz="1800" b="0" i="0" u="none" strike="noStrike" kern="1200" cap="none" spc="0" normalizeH="0" baseline="0" noProof="0">
+              <a:ln>
+                <a:noFill/>
+              </a:ln>
+              <a:solidFill>
+                <a:prstClr val="black"/>
+              </a:solidFill>
+              <a:effectLst/>
+              <a:uLnTx/>
+              <a:uFillTx/>
+              <a:latin typeface="Calibri"/>
+              <a:ea typeface="맑은 고딕" panose="020B0503020000020004" pitchFamily="50" charset="-127"/>
+              <a:cs typeface="+mn-cs"/>
+            </a:endParaRPr>
+          </a:p>
+        </p:txBody>
+      </p:sp>
+      <p:sp>
+        <p:nvSpPr>
+          <p:cNvPr id="25" name="TextBox 24"/>
+          <p:cNvSpPr txBox="1"/>
+          <p:nvPr/>
+        </p:nvSpPr>
+        <p:spPr>
+          <a:xfrm>
+            <a:off x="1132736" y="4205755"/>
+            <a:ext cx="2502811" cy="369332"/>
+          </a:xfrm>
+          <a:prstGeom prst="rect">
+            <a:avLst/>
+          </a:prstGeom>
+          <a:noFill/>
+        </p:spPr>
+        <p:txBody>
+          <a:bodyPr wrap="square" rtlCol="0">
+            <a:spAutoFit/>
+          </a:bodyPr>
+          <a:lstStyle/>
+          <a:p>
+            <a:pPr lvl="0" algn="ctr"/>
+            <a:r>
+              <a:rPr lang="en-US" altLang="ko-KR" b="1" dirty="0" err="1"/>
+              <a:t>getPossibleAction</a:t>
+            </a:r>
+            <a:endParaRPr kumimoji="0" lang="en-US" altLang="ko-KR" sz="1800" b="1" i="0" u="none" strike="noStrike" kern="1200" cap="none" spc="0" normalizeH="0" baseline="0" noProof="0" dirty="0">
+              <a:ln>
+                <a:noFill/>
+              </a:ln>
+              <a:solidFill>
+                <a:prstClr val="black"/>
+              </a:solidFill>
+              <a:effectLst/>
+              <a:uLnTx/>
+              <a:uFillTx/>
+              <a:latin typeface="Calibri"/>
+              <a:ea typeface="맑은 고딕" panose="020B0503020000020004" pitchFamily="50" charset="-127"/>
+              <a:cs typeface="+mn-cs"/>
+            </a:endParaRPr>
+          </a:p>
+        </p:txBody>
+      </p:sp>
+      <p:sp>
+        <p:nvSpPr>
+          <p:cNvPr id="28" name="TextBox 27"/>
+          <p:cNvSpPr txBox="1"/>
+          <p:nvPr/>
+        </p:nvSpPr>
+        <p:spPr>
+          <a:xfrm>
+            <a:off x="1130174" y="5437627"/>
+            <a:ext cx="1184741" cy="338554"/>
+          </a:xfrm>
+          <a:prstGeom prst="rect">
+            <a:avLst/>
+          </a:prstGeom>
+          <a:noFill/>
+        </p:spPr>
+        <p:txBody>
+          <a:bodyPr wrap="square" rtlCol="0">
+            <a:spAutoFit/>
+          </a:bodyPr>
+          <a:lstStyle/>
+          <a:p>
+            <a:pPr lvl="0" algn="ctr"/>
+            <a:r>
+              <a:rPr lang="en-US" altLang="ko-KR" sz="1600" b="1" dirty="0" err="1">
+                <a:solidFill>
+                  <a:prstClr val="black"/>
+                </a:solidFill>
+              </a:rPr>
+              <a:t>getReward</a:t>
+            </a:r>
+            <a:endParaRPr kumimoji="0" lang="ko-KR" altLang="en-US" sz="1600" b="1" i="0" u="none" strike="noStrike" kern="1200" cap="none" spc="0" normalizeH="0" baseline="0" noProof="0" dirty="0">
+              <a:ln>
+                <a:noFill/>
+              </a:ln>
+              <a:solidFill>
+                <a:prstClr val="white">
+                  <a:lumMod val="50000"/>
+                </a:prstClr>
+              </a:solidFill>
+              <a:effectLst/>
+              <a:uLnTx/>
+              <a:uFillTx/>
+              <a:latin typeface="Calibri"/>
+              <a:ea typeface="맑은 고딕" panose="020B0503020000020004" pitchFamily="50" charset="-127"/>
+              <a:cs typeface="+mn-cs"/>
+            </a:endParaRPr>
+          </a:p>
+        </p:txBody>
+      </p:sp>
+      <p:sp>
+        <p:nvSpPr>
+          <p:cNvPr id="30" name="모서리가 둥근 직사각형 29"/>
+          <p:cNvSpPr/>
+          <p:nvPr/>
+        </p:nvSpPr>
+        <p:spPr>
+          <a:xfrm>
+            <a:off x="1109296" y="5985533"/>
+            <a:ext cx="1205620" cy="480749"/>
+          </a:xfrm>
+          <a:prstGeom prst="roundRect">
+            <a:avLst/>
+          </a:prstGeom>
+          <a:ln>
+            <a:solidFill>
+              <a:schemeClr val="bg1">
+                <a:lumMod val="65000"/>
+              </a:schemeClr>
+            </a:solidFill>
+          </a:ln>
+        </p:spPr>
+        <p:style>
+          <a:lnRef idx="2">
+            <a:schemeClr val="dk1"/>
+          </a:lnRef>
+          <a:fillRef idx="1">
+            <a:schemeClr val="lt1"/>
+          </a:fillRef>
+          <a:effectRef idx="0">
+            <a:schemeClr val="dk1"/>
+          </a:effectRef>
+          <a:fontRef idx="minor">
+            <a:schemeClr val="dk1"/>
+          </a:fontRef>
+        </p:style>
+        <p:txBody>
+          <a:bodyPr rtlCol="0" anchor="ctr"/>
+          <a:lstStyle/>
+          <a:p>
+            <a:pPr marL="0" marR="0" lvl="0" indent="0" algn="ctr" defTabSz="457200" rtl="0" eaLnBrk="1" fontAlgn="auto" latinLnBrk="0" hangingPunct="1">
+              <a:lnSpc>
+                <a:spcPct val="100000"/>
+              </a:lnSpc>
+              <a:spcBef>
+                <a:spcPts val="0"/>
+              </a:spcBef>
+              <a:spcAft>
+                <a:spcPts val="0"/>
+              </a:spcAft>
+              <a:buClrTx/>
+              <a:buSzTx/>
+              <a:buFontTx/>
+              <a:buNone/>
+              <a:tabLst/>
+              <a:defRPr/>
+            </a:pPr>
+            <a:endParaRPr kumimoji="0" lang="ko-KR" altLang="en-US" sz="1800" b="0" i="0" u="none" strike="noStrike" kern="1200" cap="none" spc="0" normalizeH="0" baseline="0" noProof="0">
+              <a:ln>
+                <a:noFill/>
+              </a:ln>
+              <a:solidFill>
+                <a:prstClr val="black"/>
+              </a:solidFill>
+              <a:effectLst/>
+              <a:uLnTx/>
+              <a:uFillTx/>
+              <a:latin typeface="Calibri"/>
+              <a:ea typeface="맑은 고딕" panose="020B0503020000020004" pitchFamily="50" charset="-127"/>
+              <a:cs typeface="+mn-cs"/>
+            </a:endParaRPr>
+          </a:p>
+        </p:txBody>
+      </p:sp>
+      <p:sp>
+        <p:nvSpPr>
+          <p:cNvPr id="31" name="TextBox 30"/>
+          <p:cNvSpPr txBox="1"/>
+          <p:nvPr/>
+        </p:nvSpPr>
+        <p:spPr>
+          <a:xfrm>
+            <a:off x="1119736" y="6053562"/>
+            <a:ext cx="1184741" cy="369332"/>
+          </a:xfrm>
+          <a:prstGeom prst="rect">
+            <a:avLst/>
+          </a:prstGeom>
+          <a:noFill/>
+        </p:spPr>
+        <p:txBody>
+          <a:bodyPr wrap="square" rtlCol="0">
+            <a:spAutoFit/>
+          </a:bodyPr>
+          <a:lstStyle/>
+          <a:p>
+            <a:pPr marL="0" marR="0" lvl="0" indent="0" algn="ctr" defTabSz="457200" rtl="0" eaLnBrk="1" fontAlgn="auto" latinLnBrk="0" hangingPunct="1">
+              <a:lnSpc>
+                <a:spcPct val="100000"/>
+              </a:lnSpc>
+              <a:spcBef>
+                <a:spcPts val="0"/>
+              </a:spcBef>
+              <a:spcAft>
+                <a:spcPts val="0"/>
+              </a:spcAft>
+              <a:buClrTx/>
+              <a:buSzTx/>
+              <a:buFontTx/>
+              <a:buNone/>
+              <a:tabLst/>
+              <a:defRPr/>
+            </a:pPr>
+            <a:r>
+              <a:rPr kumimoji="0" lang="en-US" altLang="ko-KR" sz="1800" b="1" i="0" u="none" strike="noStrike" kern="1200" cap="none" spc="0" normalizeH="0" baseline="0" noProof="0" dirty="0">
+                <a:ln>
+                  <a:noFill/>
+                </a:ln>
+                <a:solidFill>
+                  <a:prstClr val="white">
+                    <a:lumMod val="50000"/>
+                  </a:prstClr>
+                </a:solidFill>
+                <a:effectLst/>
+                <a:uLnTx/>
+                <a:uFillTx/>
+                <a:latin typeface="Calibri"/>
+                <a:ea typeface="맑은 고딕" panose="020B0503020000020004" pitchFamily="50" charset="-127"/>
+                <a:cs typeface="+mn-cs"/>
+              </a:rPr>
+              <a:t>render</a:t>
+            </a:r>
+            <a:endParaRPr kumimoji="0" lang="ko-KR" altLang="en-US" sz="1800" b="1" i="0" u="none" strike="noStrike" kern="1200" cap="none" spc="0" normalizeH="0" baseline="0" noProof="0" dirty="0">
+              <a:ln>
+                <a:noFill/>
+              </a:ln>
+              <a:solidFill>
+                <a:prstClr val="white">
+                  <a:lumMod val="50000"/>
+                </a:prstClr>
+              </a:solidFill>
+              <a:effectLst/>
+              <a:uLnTx/>
+              <a:uFillTx/>
+              <a:latin typeface="Calibri"/>
+              <a:ea typeface="맑은 고딕" panose="020B0503020000020004" pitchFamily="50" charset="-127"/>
+              <a:cs typeface="+mn-cs"/>
+            </a:endParaRPr>
+          </a:p>
+        </p:txBody>
+      </p:sp>
+      <p:cxnSp>
+        <p:nvCxnSpPr>
+          <p:cNvPr id="33" name="직선 연결선 32"/>
+          <p:cNvCxnSpPr/>
+          <p:nvPr/>
+        </p:nvCxnSpPr>
+        <p:spPr>
+          <a:xfrm flipH="1">
+            <a:off x="757882" y="1548142"/>
+            <a:ext cx="2611" cy="4689696"/>
+          </a:xfrm>
+          <a:prstGeom prst="line">
+            <a:avLst/>
+          </a:prstGeom>
+          <a:ln w="28575"/>
+        </p:spPr>
+        <p:style>
+          <a:lnRef idx="1">
+            <a:schemeClr val="accent4"/>
+          </a:lnRef>
+          <a:fillRef idx="0">
+            <a:schemeClr val="accent4"/>
+          </a:fillRef>
+          <a:effectRef idx="0">
+            <a:schemeClr val="accent4"/>
+          </a:effectRef>
+          <a:fontRef idx="minor">
+            <a:schemeClr val="tx1"/>
+          </a:fontRef>
+        </p:style>
+      </p:cxnSp>
+      <p:sp>
+        <p:nvSpPr>
+          <p:cNvPr id="69" name="모서리가 둥근 직사각형 68"/>
+          <p:cNvSpPr/>
+          <p:nvPr/>
+        </p:nvSpPr>
+        <p:spPr>
+          <a:xfrm>
+            <a:off x="2441419" y="1673033"/>
+            <a:ext cx="5742913" cy="480749"/>
+          </a:xfrm>
+          <a:prstGeom prst="roundRect">
+            <a:avLst/>
+          </a:prstGeom>
+        </p:spPr>
+        <p:style>
+          <a:lnRef idx="2">
+            <a:schemeClr val="dk1"/>
+          </a:lnRef>
+          <a:fillRef idx="1">
+            <a:schemeClr val="lt1"/>
+          </a:fillRef>
+          <a:effectRef idx="0">
+            <a:schemeClr val="dk1"/>
+          </a:effectRef>
+          <a:fontRef idx="minor">
+            <a:schemeClr val="dk1"/>
+          </a:fontRef>
+        </p:style>
+        <p:txBody>
+          <a:bodyPr rtlCol="0" anchor="ctr"/>
+          <a:lstStyle/>
+          <a:p>
+            <a:pPr lvl="0" algn="ctr"/>
+            <a:r>
+              <a:rPr lang="en-US" altLang="ko-KR" dirty="0">
+                <a:solidFill>
+                  <a:prstClr val="black"/>
+                </a:solidFill>
+              </a:rPr>
+              <a:t>Initialize parameters, BS position, </a:t>
+            </a:r>
+            <a:r>
+              <a:rPr lang="en-US" altLang="ko-KR" dirty="0" err="1">
+                <a:solidFill>
+                  <a:prstClr val="black"/>
                 </a:solidFill>
               </a:rPr>
               <a:t>depthLimit</a:t>
             </a:r>
-            <a:endParaRPr lang="en-US" altLang="ko-KR" b="1" dirty="0">
+            <a:endParaRPr kumimoji="0" lang="ko-KR" altLang="en-US" sz="1800" b="0" i="0" u="none" strike="noStrike" kern="1200" cap="none" spc="0" normalizeH="0" baseline="0" noProof="0" dirty="0">
+              <a:ln>
+                <a:noFill/>
+              </a:ln>
               <a:solidFill>
-                <a:schemeClr val="tx1"/>
+                <a:prstClr val="black"/>
               </a:solidFill>
+              <a:effectLst/>
+              <a:uLnTx/>
+              <a:uFillTx/>
+              <a:latin typeface="Calibri"/>
+              <a:ea typeface="맑은 고딕" panose="020B0503020000020004" pitchFamily="50" charset="-127"/>
+              <a:cs typeface="+mn-cs"/>
             </a:endParaRPr>
           </a:p>
-          <a:p>
-            <a:pPr lvl="1"/>
-            <a:r>
-              <a:rPr lang="en-US" altLang="ko-KR" b="1" dirty="0">
-                <a:solidFill>
-                  <a:schemeClr val="tx1"/>
+        </p:txBody>
+      </p:sp>
+      <p:sp>
+        <p:nvSpPr>
+          <p:cNvPr id="70" name="모서리가 둥근 직사각형 69"/>
+          <p:cNvSpPr/>
+          <p:nvPr/>
+        </p:nvSpPr>
+        <p:spPr>
+          <a:xfrm>
+            <a:off x="2441420" y="2289018"/>
+            <a:ext cx="5742912" cy="480749"/>
+          </a:xfrm>
+          <a:prstGeom prst="roundRect">
+            <a:avLst/>
+          </a:prstGeom>
+        </p:spPr>
+        <p:style>
+          <a:lnRef idx="2">
+            <a:schemeClr val="dk1"/>
+          </a:lnRef>
+          <a:fillRef idx="1">
+            <a:schemeClr val="lt1"/>
+          </a:fillRef>
+          <a:effectRef idx="0">
+            <a:schemeClr val="dk1"/>
+          </a:effectRef>
+          <a:fontRef idx="minor">
+            <a:schemeClr val="dk1"/>
+          </a:fontRef>
+        </p:style>
+        <p:txBody>
+          <a:bodyPr rtlCol="0" anchor="ctr"/>
+          <a:lstStyle/>
+          <a:p>
+            <a:pPr lvl="0" algn="ctr"/>
+            <a:r>
+              <a:rPr lang="en-US" altLang="ko-KR" dirty="0">
+                <a:solidFill>
+                  <a:prstClr val="black"/>
                 </a:solidFill>
               </a:rPr>
-              <a:t>Step : calculate </a:t>
-            </a:r>
-            <a:r>
-              <a:rPr lang="en-US" altLang="ko-KR" b="1" dirty="0" err="1">
-                <a:solidFill>
-                  <a:schemeClr val="tx1"/>
+              <a:t>decide whether the state is terminal or not</a:t>
+            </a:r>
+            <a:endParaRPr kumimoji="0" lang="ko-KR" altLang="en-US" sz="1800" b="0" i="0" u="none" strike="noStrike" kern="1200" cap="none" spc="0" normalizeH="0" baseline="0" noProof="0" dirty="0">
+              <a:ln>
+                <a:noFill/>
+              </a:ln>
+              <a:solidFill>
+                <a:prstClr val="black"/>
+              </a:solidFill>
+              <a:effectLst/>
+              <a:uLnTx/>
+              <a:uFillTx/>
+              <a:latin typeface="Calibri"/>
+              <a:ea typeface="맑은 고딕" panose="020B0503020000020004" pitchFamily="50" charset="-127"/>
+              <a:cs typeface="+mn-cs"/>
+            </a:endParaRPr>
+          </a:p>
+        </p:txBody>
+      </p:sp>
+      <mc:AlternateContent xmlns:mc="http://schemas.openxmlformats.org/markup-compatibility/2006" xmlns:a14="http://schemas.microsoft.com/office/drawing/2010/main">
+        <mc:Choice Requires="a14">
+          <p:sp>
+            <p:nvSpPr>
+              <p:cNvPr id="71" name="모서리가 둥근 직사각형 70"/>
+              <p:cNvSpPr/>
+              <p:nvPr/>
+            </p:nvSpPr>
+            <p:spPr>
+              <a:xfrm>
+                <a:off x="2441420" y="2905003"/>
+                <a:ext cx="5742912" cy="480749"/>
+              </a:xfrm>
+              <a:prstGeom prst="roundRect">
+                <a:avLst/>
+              </a:prstGeom>
+            </p:spPr>
+            <p:style>
+              <a:lnRef idx="2">
+                <a:schemeClr val="dk1"/>
+              </a:lnRef>
+              <a:fillRef idx="1">
+                <a:schemeClr val="lt1"/>
+              </a:fillRef>
+              <a:effectRef idx="0">
+                <a:schemeClr val="dk1"/>
+              </a:effectRef>
+              <a:fontRef idx="minor">
+                <a:schemeClr val="dk1"/>
+              </a:fontRef>
+            </p:style>
+            <p:txBody>
+              <a:bodyPr rtlCol="0" anchor="ctr"/>
+              <a:lstStyle/>
+              <a:p>
+                <a:pPr lvl="0" algn="ctr"/>
+                <a14:m>
+                  <m:oMathPara xmlns:m="http://schemas.openxmlformats.org/officeDocument/2006/math">
+                    <m:oMathParaPr>
+                      <m:jc m:val="centerGroup"/>
+                    </m:oMathParaPr>
+                    <m:oMath xmlns:m="http://schemas.openxmlformats.org/officeDocument/2006/math">
+                      <m:r>
+                        <m:rPr>
+                          <m:sty m:val="p"/>
+                        </m:rPr>
+                        <a:rPr lang="en-US" altLang="ko-KR" i="0">
+                          <a:solidFill>
+                            <a:prstClr val="black"/>
+                          </a:solidFill>
+                          <a:latin typeface="Cambria Math" panose="02040503050406030204" pitchFamily="18" charset="0"/>
+                        </a:rPr>
+                        <m:t>calculate</m:t>
+                      </m:r>
+                      <m:r>
+                        <a:rPr lang="en-US" altLang="ko-KR" i="0">
+                          <a:solidFill>
+                            <a:prstClr val="black"/>
+                          </a:solidFill>
+                          <a:latin typeface="Cambria Math" panose="02040503050406030204" pitchFamily="18" charset="0"/>
+                        </a:rPr>
+                        <m:t> </m:t>
+                      </m:r>
+                      <m:r>
+                        <m:rPr>
+                          <m:sty m:val="p"/>
+                        </m:rPr>
+                        <a:rPr lang="en-US" altLang="ko-KR" i="0">
+                          <a:solidFill>
+                            <a:prstClr val="black"/>
+                          </a:solidFill>
+                          <a:latin typeface="Cambria Math" panose="02040503050406030204" pitchFamily="18" charset="0"/>
+                        </a:rPr>
+                        <m:t>Bsdistance</m:t>
+                      </m:r>
+                      <m:r>
+                        <a:rPr lang="en-US" altLang="ko-KR" i="0">
+                          <a:solidFill>
+                            <a:prstClr val="black"/>
+                          </a:solidFill>
+                          <a:latin typeface="Cambria Math" panose="02040503050406030204" pitchFamily="18" charset="0"/>
+                        </a:rPr>
+                        <m:t>/</m:t>
+                      </m:r>
+                      <m:r>
+                        <m:rPr>
+                          <m:sty m:val="p"/>
+                        </m:rPr>
+                        <a:rPr lang="en-US" altLang="ko-KR" i="0">
+                          <a:solidFill>
+                            <a:prstClr val="black"/>
+                          </a:solidFill>
+                          <a:latin typeface="Cambria Math" panose="02040503050406030204" pitchFamily="18" charset="0"/>
+                        </a:rPr>
+                        <m:t>EnergyConsumption</m:t>
+                      </m:r>
+                      <m:r>
+                        <a:rPr lang="en-US" altLang="ko-KR" i="0">
+                          <a:solidFill>
+                            <a:prstClr val="black"/>
+                          </a:solidFill>
+                          <a:latin typeface="Cambria Math" panose="02040503050406030204" pitchFamily="18" charset="0"/>
+                        </a:rPr>
+                        <m:t>/</m:t>
+                      </m:r>
+                      <m:r>
+                        <m:rPr>
+                          <m:sty m:val="p"/>
+                        </m:rPr>
+                        <a:rPr lang="en-US" altLang="ko-KR" i="0">
+                          <a:solidFill>
+                            <a:prstClr val="black"/>
+                          </a:solidFill>
+                          <a:latin typeface="Cambria Math" panose="02040503050406030204" pitchFamily="18" charset="0"/>
+                        </a:rPr>
+                        <m:t>SNR</m:t>
+                      </m:r>
+                      <m:r>
+                        <a:rPr lang="en-US" altLang="ko-KR" i="0">
+                          <a:solidFill>
+                            <a:prstClr val="black"/>
+                          </a:solidFill>
+                          <a:latin typeface="Cambria Math" panose="02040503050406030204" pitchFamily="18" charset="0"/>
+                        </a:rPr>
+                        <m:t>/</m:t>
+                      </m:r>
+                      <m:r>
+                        <m:rPr>
+                          <m:sty m:val="p"/>
+                        </m:rPr>
+                        <a:rPr lang="en-US" altLang="ko-KR" i="0">
+                          <a:solidFill>
+                            <a:prstClr val="black"/>
+                          </a:solidFill>
+                          <a:latin typeface="Cambria Math" panose="02040503050406030204" pitchFamily="18" charset="0"/>
+                        </a:rPr>
+                        <m:t>reward</m:t>
+                      </m:r>
+                    </m:oMath>
+                  </m:oMathPara>
+                </a14:m>
+                <a:endParaRPr kumimoji="0" lang="ko-KR" altLang="en-US" b="0" u="none" strike="noStrike" kern="1200" cap="none" spc="0" normalizeH="0" baseline="0" noProof="0" dirty="0">
+                  <a:ln>
+                    <a:noFill/>
+                  </a:ln>
+                  <a:solidFill>
+                    <a:prstClr val="black"/>
+                  </a:solidFill>
+                  <a:effectLst/>
+                  <a:uLnTx/>
+                  <a:uFillTx/>
+                  <a:latin typeface="Calibri"/>
+                  <a:ea typeface="맑은 고딕" panose="020B0503020000020004" pitchFamily="50" charset="-127"/>
+                </a:endParaRPr>
+              </a:p>
+            </p:txBody>
+          </p:sp>
+        </mc:Choice>
+        <mc:Fallback xmlns="">
+          <p:sp>
+            <p:nvSpPr>
+              <p:cNvPr id="71" name="모서리가 둥근 직사각형 70"/>
+              <p:cNvSpPr>
+                <a:spLocks noRot="1" noChangeAspect="1" noMove="1" noResize="1" noEditPoints="1" noAdjustHandles="1" noChangeArrowheads="1" noChangeShapeType="1" noTextEdit="1"/>
+              </p:cNvSpPr>
+              <p:nvPr/>
+            </p:nvSpPr>
+            <p:spPr>
+              <a:xfrm>
+                <a:off x="2441420" y="2905003"/>
+                <a:ext cx="5742912" cy="480749"/>
+              </a:xfrm>
+              <a:prstGeom prst="roundRect">
+                <a:avLst/>
+              </a:prstGeom>
+              <a:blipFill>
+                <a:blip r:embed="rId3"/>
+                <a:stretch>
+                  <a:fillRect/>
+                </a:stretch>
+              </a:blipFill>
+            </p:spPr>
+            <p:txBody>
+              <a:bodyPr/>
+              <a:lstStyle/>
+              <a:p>
+                <a:r>
+                  <a:rPr lang="ko-KR" altLang="en-US">
+                    <a:noFill/>
+                  </a:rPr>
+                  <a:t> </a:t>
+                </a:r>
+              </a:p>
+            </p:txBody>
+          </p:sp>
+        </mc:Fallback>
+      </mc:AlternateContent>
+      <p:sp>
+        <p:nvSpPr>
+          <p:cNvPr id="72" name="모서리가 둥근 직사각형 71"/>
+          <p:cNvSpPr/>
+          <p:nvPr/>
+        </p:nvSpPr>
+        <p:spPr>
+          <a:xfrm>
+            <a:off x="2441420" y="3520988"/>
+            <a:ext cx="5742912" cy="480749"/>
+          </a:xfrm>
+          <a:prstGeom prst="roundRect">
+            <a:avLst/>
+          </a:prstGeom>
+        </p:spPr>
+        <p:style>
+          <a:lnRef idx="2">
+            <a:schemeClr val="dk1"/>
+          </a:lnRef>
+          <a:fillRef idx="1">
+            <a:schemeClr val="lt1"/>
+          </a:fillRef>
+          <a:effectRef idx="0">
+            <a:schemeClr val="dk1"/>
+          </a:effectRef>
+          <a:fontRef idx="minor">
+            <a:schemeClr val="dk1"/>
+          </a:fontRef>
+        </p:style>
+        <p:txBody>
+          <a:bodyPr rtlCol="0" anchor="ctr"/>
+          <a:lstStyle/>
+          <a:p>
+            <a:pPr lvl="0" algn="ctr"/>
+            <a:r>
+              <a:rPr lang="en-US" altLang="ko-KR" dirty="0">
+                <a:solidFill>
+                  <a:prstClr val="black"/>
                 </a:solidFill>
               </a:rPr>
-              <a:t>Bsdistance</a:t>
-            </a:r>
-            <a:r>
-              <a:rPr lang="en-US" altLang="ko-KR" b="1" dirty="0">
-                <a:solidFill>
-                  <a:schemeClr val="tx1"/>
+              <a:t>associate BS/UE by association rule</a:t>
+            </a:r>
+            <a:endParaRPr kumimoji="0" lang="ko-KR" altLang="en-US" sz="1800" b="0" i="0" u="none" strike="noStrike" kern="1200" cap="none" spc="0" normalizeH="0" baseline="0" noProof="0" dirty="0">
+              <a:ln>
+                <a:noFill/>
+              </a:ln>
+              <a:solidFill>
+                <a:prstClr val="black"/>
+              </a:solidFill>
+              <a:effectLst/>
+              <a:uLnTx/>
+              <a:uFillTx/>
+              <a:latin typeface="Calibri"/>
+              <a:ea typeface="맑은 고딕" panose="020B0503020000020004" pitchFamily="50" charset="-127"/>
+              <a:cs typeface="+mn-cs"/>
+            </a:endParaRPr>
+          </a:p>
+        </p:txBody>
+      </p:sp>
+      <p:sp>
+        <p:nvSpPr>
+          <p:cNvPr id="73" name="모서리가 둥근 직사각형 72"/>
+          <p:cNvSpPr/>
+          <p:nvPr/>
+        </p:nvSpPr>
+        <p:spPr>
+          <a:xfrm>
+            <a:off x="3763214" y="4136973"/>
+            <a:ext cx="4421118" cy="480749"/>
+          </a:xfrm>
+          <a:prstGeom prst="roundRect">
+            <a:avLst/>
+          </a:prstGeom>
+        </p:spPr>
+        <p:style>
+          <a:lnRef idx="2">
+            <a:schemeClr val="dk1"/>
+          </a:lnRef>
+          <a:fillRef idx="1">
+            <a:schemeClr val="lt1"/>
+          </a:fillRef>
+          <a:effectRef idx="0">
+            <a:schemeClr val="dk1"/>
+          </a:effectRef>
+          <a:fontRef idx="minor">
+            <a:schemeClr val="dk1"/>
+          </a:fontRef>
+        </p:style>
+        <p:txBody>
+          <a:bodyPr rtlCol="0" anchor="ctr"/>
+          <a:lstStyle/>
+          <a:p>
+            <a:pPr lvl="0" algn="ctr"/>
+            <a:r>
+              <a:rPr lang="en-US" altLang="ko-KR" dirty="0">
+                <a:solidFill>
+                  <a:prstClr val="black"/>
                 </a:solidFill>
               </a:rPr>
-              <a:t>/</a:t>
-            </a:r>
-            <a:r>
-              <a:rPr lang="en-US" altLang="ko-KR" b="1" dirty="0" err="1">
-                <a:solidFill>
-                  <a:schemeClr val="tx1"/>
+              <a:t>return list of every possible action</a:t>
+            </a:r>
+            <a:endParaRPr kumimoji="0" lang="ko-KR" altLang="en-US" sz="1800" b="0" i="0" u="none" strike="noStrike" kern="1200" cap="none" spc="0" normalizeH="0" baseline="0" noProof="0" dirty="0">
+              <a:ln>
+                <a:noFill/>
+              </a:ln>
+              <a:solidFill>
+                <a:prstClr val="black"/>
+              </a:solidFill>
+              <a:effectLst/>
+              <a:uLnTx/>
+              <a:uFillTx/>
+              <a:latin typeface="Calibri"/>
+              <a:ea typeface="맑은 고딕" panose="020B0503020000020004" pitchFamily="50" charset="-127"/>
+              <a:cs typeface="+mn-cs"/>
+            </a:endParaRPr>
+          </a:p>
+        </p:txBody>
+      </p:sp>
+      <p:sp>
+        <p:nvSpPr>
+          <p:cNvPr id="74" name="모서리가 둥근 직사각형 73"/>
+          <p:cNvSpPr/>
+          <p:nvPr/>
+        </p:nvSpPr>
+        <p:spPr>
+          <a:xfrm>
+            <a:off x="2441420" y="4752958"/>
+            <a:ext cx="5742912" cy="480749"/>
+          </a:xfrm>
+          <a:prstGeom prst="roundRect">
+            <a:avLst/>
+          </a:prstGeom>
+        </p:spPr>
+        <p:style>
+          <a:lnRef idx="2">
+            <a:schemeClr val="dk1"/>
+          </a:lnRef>
+          <a:fillRef idx="1">
+            <a:schemeClr val="lt1"/>
+          </a:fillRef>
+          <a:effectRef idx="0">
+            <a:schemeClr val="dk1"/>
+          </a:effectRef>
+          <a:fontRef idx="minor">
+            <a:schemeClr val="dk1"/>
+          </a:fontRef>
+        </p:style>
+        <p:txBody>
+          <a:bodyPr rtlCol="0" anchor="ctr"/>
+          <a:lstStyle/>
+          <a:p>
+            <a:pPr lvl="0" algn="ctr"/>
+            <a:r>
+              <a:rPr lang="en-US" altLang="ko-KR" dirty="0">
+                <a:solidFill>
+                  <a:prstClr val="black"/>
                 </a:solidFill>
               </a:rPr>
-              <a:t>EnergyConsumption</a:t>
-            </a:r>
-            <a:r>
-              <a:rPr lang="en-US" altLang="ko-KR" b="1" dirty="0"/>
-              <a:t>/SNR/reward</a:t>
-            </a:r>
-          </a:p>
-          <a:p>
-            <a:pPr marL="1200150" lvl="3" indent="0">
+              <a:t>return the state according to action</a:t>
+            </a:r>
+          </a:p>
+        </p:txBody>
+      </p:sp>
+      <p:sp>
+        <p:nvSpPr>
+          <p:cNvPr id="75" name="모서리가 둥근 직사각형 74"/>
+          <p:cNvSpPr/>
+          <p:nvPr/>
+        </p:nvSpPr>
+        <p:spPr>
+          <a:xfrm>
+            <a:off x="2441420" y="5368943"/>
+            <a:ext cx="5742912" cy="480749"/>
+          </a:xfrm>
+          <a:prstGeom prst="roundRect">
+            <a:avLst/>
+          </a:prstGeom>
+        </p:spPr>
+        <p:style>
+          <a:lnRef idx="2">
+            <a:schemeClr val="dk1"/>
+          </a:lnRef>
+          <a:fillRef idx="1">
+            <a:schemeClr val="lt1"/>
+          </a:fillRef>
+          <a:effectRef idx="0">
+            <a:schemeClr val="dk1"/>
+          </a:effectRef>
+          <a:fontRef idx="minor">
+            <a:schemeClr val="dk1"/>
+          </a:fontRef>
+        </p:style>
+        <p:txBody>
+          <a:bodyPr rtlCol="0" anchor="ctr"/>
+          <a:lstStyle/>
+          <a:p>
+            <a:pPr lvl="0" algn="ctr"/>
+            <a:r>
+              <a:rPr lang="en-US" altLang="ko-KR" dirty="0">
+                <a:solidFill>
+                  <a:prstClr val="black"/>
+                </a:solidFill>
+              </a:rPr>
+              <a:t>return the reward of specific state</a:t>
+            </a:r>
+          </a:p>
+        </p:txBody>
+      </p:sp>
+      <p:sp>
+        <p:nvSpPr>
+          <p:cNvPr id="76" name="모서리가 둥근 직사각형 75"/>
+          <p:cNvSpPr/>
+          <p:nvPr/>
+        </p:nvSpPr>
+        <p:spPr>
+          <a:xfrm>
+            <a:off x="2441420" y="5984925"/>
+            <a:ext cx="5742912" cy="480749"/>
+          </a:xfrm>
+          <a:prstGeom prst="roundRect">
+            <a:avLst/>
+          </a:prstGeom>
+        </p:spPr>
+        <p:style>
+          <a:lnRef idx="2">
+            <a:schemeClr val="dk1"/>
+          </a:lnRef>
+          <a:fillRef idx="1">
+            <a:schemeClr val="lt1"/>
+          </a:fillRef>
+          <a:effectRef idx="0">
+            <a:schemeClr val="dk1"/>
+          </a:effectRef>
+          <a:fontRef idx="minor">
+            <a:schemeClr val="dk1"/>
+          </a:fontRef>
+        </p:style>
+        <p:txBody>
+          <a:bodyPr rtlCol="0" anchor="ctr"/>
+          <a:lstStyle/>
+          <a:p>
+            <a:pPr marL="0" marR="0" lvl="0" indent="0" algn="ctr" defTabSz="457200" rtl="0" eaLnBrk="1" fontAlgn="auto" latinLnBrk="0" hangingPunct="1">
+              <a:lnSpc>
+                <a:spcPct val="100000"/>
+              </a:lnSpc>
+              <a:spcBef>
+                <a:spcPts val="0"/>
+              </a:spcBef>
+              <a:spcAft>
+                <a:spcPts val="0"/>
+              </a:spcAft>
+              <a:buClrTx/>
+              <a:buSzTx/>
+              <a:buFontTx/>
               <a:buNone/>
+              <a:tabLst/>
+              <a:defRPr/>
             </a:pPr>
             <a:r>
-              <a:rPr lang="en-US" altLang="ko-KR" b="1" dirty="0"/>
-              <a:t>Initialize UE position(at every iteration)</a:t>
-            </a:r>
-          </a:p>
-          <a:p>
-            <a:pPr marL="1200150" lvl="3" indent="0">
-              <a:buNone/>
-            </a:pPr>
-            <a:r>
-              <a:rPr lang="en-US" altLang="ko-KR" b="1" dirty="0">
-                <a:solidFill>
-                  <a:schemeClr val="tx1"/>
-                </a:solidFill>
+              <a:rPr kumimoji="0" lang="en-US" altLang="ko-KR" sz="1800" b="0" i="0" u="none" strike="noStrike" kern="1200" cap="none" spc="0" normalizeH="0" baseline="0" noProof="0" dirty="0">
+                <a:ln>
+                  <a:noFill/>
+                </a:ln>
+                <a:solidFill>
+                  <a:prstClr val="black"/>
+                </a:solidFill>
+                <a:effectLst/>
+                <a:uLnTx/>
+                <a:uFillTx/>
+                <a:latin typeface="Calibri"/>
+                <a:ea typeface="맑은 고딕" panose="020B0503020000020004" pitchFamily="50" charset="-127"/>
+                <a:cs typeface="+mn-cs"/>
               </a:rPr>
-              <a:t>Update State / Reward</a:t>
-            </a:r>
-          </a:p>
-          <a:p>
-            <a:pPr lvl="1"/>
-            <a:r>
-              <a:rPr lang="en-US" altLang="ko-KR" b="1" dirty="0"/>
-              <a:t>Association : associate BS/UE by association rule</a:t>
-            </a:r>
-          </a:p>
-          <a:p>
-            <a:pPr lvl="1"/>
-            <a:r>
-              <a:rPr lang="en-US" altLang="ko-KR" b="1" dirty="0"/>
-              <a:t>Binary convert : convert integer number to binary action</a:t>
-            </a:r>
-          </a:p>
-          <a:p>
-            <a:pPr lvl="1"/>
-            <a:r>
-              <a:rPr lang="en-US" altLang="ko-KR" b="1" dirty="0" err="1"/>
-              <a:t>isTerminal</a:t>
-            </a:r>
-            <a:r>
-              <a:rPr lang="en-US" altLang="ko-KR" b="1" dirty="0"/>
-              <a:t> : decide whether the state is terminal or not</a:t>
-            </a:r>
-          </a:p>
-          <a:p>
-            <a:pPr marL="1600200" lvl="4" indent="0">
-              <a:buNone/>
-            </a:pPr>
-            <a:r>
-              <a:rPr lang="en-US" altLang="ko-KR" b="1" dirty="0"/>
-              <a:t>Terminate when reach at </a:t>
-            </a:r>
-          </a:p>
-          <a:p>
-            <a:pPr marL="1600200" lvl="4" indent="0">
-              <a:buNone/>
-            </a:pPr>
-            <a:r>
-              <a:rPr lang="en-US" altLang="ko-KR" b="1" dirty="0"/>
-              <a:t>Return True/False</a:t>
-            </a:r>
-          </a:p>
-          <a:p>
-            <a:pPr lvl="1"/>
-            <a:r>
-              <a:rPr lang="en-US" altLang="ko-KR" b="1" dirty="0" err="1"/>
-              <a:t>getPossibleAction</a:t>
-            </a:r>
-            <a:r>
-              <a:rPr lang="en-US" altLang="ko-KR" b="1" dirty="0"/>
-              <a:t> :  return list of every </a:t>
-            </a:r>
-            <a:r>
-              <a:rPr lang="en-US" altLang="ko-KR" b="1" dirty="0" err="1"/>
-              <a:t>possibleaction</a:t>
-            </a:r>
-            <a:endParaRPr lang="en-US" altLang="ko-KR" b="1" dirty="0"/>
-          </a:p>
-          <a:p>
-            <a:pPr lvl="1"/>
-            <a:r>
-              <a:rPr lang="en-US" altLang="ko-KR" b="1" dirty="0" err="1"/>
-              <a:t>takeAction</a:t>
-            </a:r>
-            <a:r>
-              <a:rPr lang="en-US" altLang="ko-KR" b="1" dirty="0"/>
-              <a:t>(action) : return the state according to action</a:t>
-            </a:r>
-          </a:p>
-          <a:p>
-            <a:pPr lvl="1"/>
-            <a:r>
-              <a:rPr lang="en-US" altLang="ko-KR" b="1" dirty="0" err="1"/>
-              <a:t>getReward</a:t>
-            </a:r>
-            <a:r>
-              <a:rPr lang="en-US" altLang="ko-KR" b="1" dirty="0"/>
-              <a:t>(action) : return the reward of specific state</a:t>
-            </a:r>
-          </a:p>
-          <a:p>
-            <a:pPr lvl="1"/>
-            <a:endParaRPr lang="en-US" altLang="ko-KR" b="1" dirty="0"/>
+              <a:t>Display the environment (not use)</a:t>
+            </a:r>
+            <a:endParaRPr kumimoji="0" lang="ko-KR" altLang="en-US" sz="1800" b="0" i="0" u="none" strike="noStrike" kern="1200" cap="none" spc="0" normalizeH="0" baseline="0" noProof="0" dirty="0">
+              <a:ln>
+                <a:noFill/>
+              </a:ln>
+              <a:solidFill>
+                <a:prstClr val="black"/>
+              </a:solidFill>
+              <a:effectLst/>
+              <a:uLnTx/>
+              <a:uFillTx/>
+              <a:latin typeface="Calibri"/>
+              <a:ea typeface="맑은 고딕" panose="020B0503020000020004" pitchFamily="50" charset="-127"/>
+              <a:cs typeface="+mn-cs"/>
+            </a:endParaRPr>
           </a:p>
         </p:txBody>
       </p:sp>
     </p:spTree>
     <p:extLst>
       <p:ext uri="{BB962C8B-B14F-4D97-AF65-F5344CB8AC3E}">
-        <p14:creationId xmlns:p14="http://schemas.microsoft.com/office/powerpoint/2010/main" val="2602252885"/>
+        <p14:creationId xmlns:p14="http://schemas.microsoft.com/office/powerpoint/2010/main" val="2804684821"/>
       </p:ext>
     </p:extLst>
   </p:cSld>
@@ -7178,192 +12443,1402 @@
           <a:chExt cx="0" cy="0"/>
         </a:xfrm>
       </p:grpSpPr>
-      <p:sp>
-        <p:nvSpPr>
-          <p:cNvPr id="2" name="제목 1">
+      <p:cxnSp>
+        <p:nvCxnSpPr>
+          <p:cNvPr id="35" name="직선 연결선 34"/>
+          <p:cNvCxnSpPr>
+            <a:endCxn id="10" idx="1"/>
+          </p:cNvCxnSpPr>
+          <p:nvPr/>
+        </p:nvCxnSpPr>
+        <p:spPr>
+          <a:xfrm>
+            <a:off x="752662" y="1902938"/>
+            <a:ext cx="387952" cy="0"/>
+          </a:xfrm>
+          <a:prstGeom prst="line">
+            <a:avLst/>
+          </a:prstGeom>
+          <a:ln w="28575"/>
+        </p:spPr>
+        <p:style>
+          <a:lnRef idx="1">
+            <a:schemeClr val="accent4"/>
+          </a:lnRef>
+          <a:fillRef idx="0">
+            <a:schemeClr val="accent4"/>
+          </a:fillRef>
+          <a:effectRef idx="0">
+            <a:schemeClr val="accent4"/>
+          </a:effectRef>
+          <a:fontRef idx="minor">
+            <a:schemeClr val="tx1"/>
+          </a:fontRef>
+        </p:style>
+      </p:cxnSp>
+      <p:cxnSp>
+        <p:nvCxnSpPr>
+          <p:cNvPr id="41" name="직선 연결선 40"/>
+          <p:cNvCxnSpPr>
+            <a:endCxn id="47" idx="1"/>
+          </p:cNvCxnSpPr>
+          <p:nvPr/>
+        </p:nvCxnSpPr>
+        <p:spPr>
+          <a:xfrm>
+            <a:off x="757882" y="2557574"/>
+            <a:ext cx="382732" cy="2844"/>
+          </a:xfrm>
+          <a:prstGeom prst="line">
+            <a:avLst/>
+          </a:prstGeom>
+          <a:ln w="28575"/>
+        </p:spPr>
+        <p:style>
+          <a:lnRef idx="1">
+            <a:schemeClr val="accent4"/>
+          </a:lnRef>
+          <a:fillRef idx="0">
+            <a:schemeClr val="accent4"/>
+          </a:fillRef>
+          <a:effectRef idx="0">
+            <a:schemeClr val="accent4"/>
+          </a:effectRef>
+          <a:fontRef idx="minor">
+            <a:schemeClr val="tx1"/>
+          </a:fontRef>
+        </p:style>
+      </p:cxnSp>
+      <p:cxnSp>
+        <p:nvCxnSpPr>
+          <p:cNvPr id="44" name="직선 연결선 43"/>
+          <p:cNvCxnSpPr/>
+          <p:nvPr/>
+        </p:nvCxnSpPr>
+        <p:spPr>
+          <a:xfrm>
+            <a:off x="746135" y="3800349"/>
+            <a:ext cx="372293" cy="2175"/>
+          </a:xfrm>
+          <a:prstGeom prst="line">
+            <a:avLst/>
+          </a:prstGeom>
+          <a:ln w="28575"/>
+        </p:spPr>
+        <p:style>
+          <a:lnRef idx="1">
+            <a:schemeClr val="accent4"/>
+          </a:lnRef>
+          <a:fillRef idx="0">
+            <a:schemeClr val="accent4"/>
+          </a:fillRef>
+          <a:effectRef idx="0">
+            <a:schemeClr val="accent4"/>
+          </a:effectRef>
+          <a:fontRef idx="minor">
+            <a:schemeClr val="tx1"/>
+          </a:fontRef>
+        </p:style>
+      </p:cxnSp>
+      <p:cxnSp>
+        <p:nvCxnSpPr>
+          <p:cNvPr id="45" name="직선 연결선 44"/>
+          <p:cNvCxnSpPr/>
+          <p:nvPr/>
+        </p:nvCxnSpPr>
+        <p:spPr>
+          <a:xfrm flipV="1">
+            <a:off x="746135" y="4401245"/>
+            <a:ext cx="387953" cy="3528"/>
+          </a:xfrm>
+          <a:prstGeom prst="line">
+            <a:avLst/>
+          </a:prstGeom>
+          <a:ln w="28575"/>
+        </p:spPr>
+        <p:style>
+          <a:lnRef idx="1">
+            <a:schemeClr val="accent4"/>
+          </a:lnRef>
+          <a:fillRef idx="0">
+            <a:schemeClr val="accent4"/>
+          </a:fillRef>
+          <a:effectRef idx="0">
+            <a:schemeClr val="accent4"/>
+          </a:effectRef>
+          <a:fontRef idx="minor">
+            <a:schemeClr val="tx1"/>
+          </a:fontRef>
+        </p:style>
+      </p:cxnSp>
+      <p:cxnSp>
+        <p:nvCxnSpPr>
+          <p:cNvPr id="49" name="직선 연결선 48"/>
+          <p:cNvCxnSpPr/>
+          <p:nvPr/>
+        </p:nvCxnSpPr>
+        <p:spPr>
+          <a:xfrm>
+            <a:off x="752661" y="5029308"/>
+            <a:ext cx="351415" cy="390"/>
+          </a:xfrm>
+          <a:prstGeom prst="line">
+            <a:avLst/>
+          </a:prstGeom>
+          <a:ln w="28575"/>
+        </p:spPr>
+        <p:style>
+          <a:lnRef idx="1">
+            <a:schemeClr val="accent4"/>
+          </a:lnRef>
+          <a:fillRef idx="0">
+            <a:schemeClr val="accent4"/>
+          </a:fillRef>
+          <a:effectRef idx="0">
+            <a:schemeClr val="accent4"/>
+          </a:effectRef>
+          <a:fontRef idx="minor">
+            <a:schemeClr val="tx1"/>
+          </a:fontRef>
+        </p:style>
+      </p:cxnSp>
+      <p:cxnSp>
+        <p:nvCxnSpPr>
+          <p:cNvPr id="50" name="직선 연결선 49"/>
+          <p:cNvCxnSpPr/>
+          <p:nvPr/>
+        </p:nvCxnSpPr>
+        <p:spPr>
+          <a:xfrm>
+            <a:off x="767021" y="3178074"/>
+            <a:ext cx="381379" cy="3238"/>
+          </a:xfrm>
+          <a:prstGeom prst="line">
+            <a:avLst/>
+          </a:prstGeom>
+          <a:ln w="28575"/>
+        </p:spPr>
+        <p:style>
+          <a:lnRef idx="1">
+            <a:schemeClr val="accent4"/>
+          </a:lnRef>
+          <a:fillRef idx="0">
+            <a:schemeClr val="accent4"/>
+          </a:fillRef>
+          <a:effectRef idx="0">
+            <a:schemeClr val="accent4"/>
+          </a:effectRef>
+          <a:fontRef idx="minor">
+            <a:schemeClr val="tx1"/>
+          </a:fontRef>
+        </p:style>
+      </p:cxnSp>
+      <p:sp>
+        <p:nvSpPr>
+          <p:cNvPr id="32" name="제목 1">
             <a:extLst>
               <a:ext uri="{FF2B5EF4-FFF2-40B4-BE49-F238E27FC236}">
-                <a16:creationId xmlns:a16="http://schemas.microsoft.com/office/drawing/2014/main" id="{2FC832C6-B966-497F-A5E0-588C4BED0E2F}"/>
+                <a16:creationId xmlns:a16="http://schemas.microsoft.com/office/drawing/2014/main" id="{CEB6824C-74A4-4DC8-AFDD-5BA8F0636FF0}"/>
               </a:ext>
             </a:extLst>
           </p:cNvPr>
-          <p:cNvSpPr>
-            <a:spLocks noGrp="1"/>
+          <p:cNvSpPr txBox="1">
+            <a:spLocks/>
           </p:cNvSpPr>
-          <p:nvPr>
-            <p:ph type="title"/>
-          </p:nvPr>
-        </p:nvSpPr>
-        <p:spPr/>
-        <p:txBody>
-          <a:bodyPr/>
-          <a:lstStyle/>
-          <a:p>
+          <p:nvPr/>
+        </p:nvSpPr>
+        <p:spPr>
+          <a:xfrm>
+            <a:off x="116681" y="-4"/>
+            <a:ext cx="8910637" cy="987425"/>
+          </a:xfrm>
+          <a:prstGeom prst="rect">
+            <a:avLst/>
+          </a:prstGeom>
+          <a:effectLst>
+            <a:outerShdw blurRad="50800" dist="38100" dir="2700000" algn="tl" rotWithShape="0">
+              <a:srgbClr val="000000">
+                <a:alpha val="40000"/>
+              </a:srgbClr>
+            </a:outerShdw>
+          </a:effectLst>
+        </p:spPr>
+        <p:txBody>
+          <a:bodyPr vert="horz" lIns="91440" tIns="45720" rIns="91440" bIns="45720" rtlCol="0" anchor="ctr">
+            <a:noAutofit/>
+          </a:bodyPr>
+          <a:lstStyle>
+            <a:lvl1pPr algn="ctr" defTabSz="457200" rtl="0" eaLnBrk="1" latinLnBrk="0" hangingPunct="1">
+              <a:spcBef>
+                <a:spcPct val="0"/>
+              </a:spcBef>
+              <a:buNone/>
+              <a:defRPr sz="4000" kern="1200">
+                <a:solidFill>
+                  <a:schemeClr val="tx1"/>
+                </a:solidFill>
+                <a:latin typeface="+mj-lt"/>
+                <a:ea typeface="+mj-ea"/>
+                <a:cs typeface="+mj-cs"/>
+              </a:defRPr>
+            </a:lvl1pPr>
+          </a:lstStyle>
+          <a:p>
+            <a:pPr lvl="0"/>
             <a:r>
               <a:rPr lang="en-US" altLang="ko-KR" dirty="0"/>
               <a:t>System Model Structure</a:t>
             </a:r>
+            <a:endParaRPr lang="ko-KR" altLang="en-US" sz="7200" dirty="0">
+              <a:solidFill>
+                <a:prstClr val="black"/>
+              </a:solidFill>
+            </a:endParaRPr>
+          </a:p>
+        </p:txBody>
+      </p:sp>
+      <p:grpSp>
+        <p:nvGrpSpPr>
+          <p:cNvPr id="6" name="그룹 5"/>
+          <p:cNvGrpSpPr/>
+          <p:nvPr/>
+        </p:nvGrpSpPr>
+        <p:grpSpPr>
+          <a:xfrm>
+            <a:off x="552262" y="996474"/>
+            <a:ext cx="2091350" cy="551668"/>
+            <a:chOff x="552262" y="996474"/>
+            <a:chExt cx="2091350" cy="551668"/>
+          </a:xfrm>
+        </p:grpSpPr>
+        <p:sp>
+          <p:nvSpPr>
+            <p:cNvPr id="4" name="모서리가 둥근 직사각형 3"/>
+            <p:cNvSpPr/>
+            <p:nvPr/>
+          </p:nvSpPr>
+          <p:spPr>
+            <a:xfrm>
+              <a:off x="552262" y="996474"/>
+              <a:ext cx="2091350" cy="551668"/>
+            </a:xfrm>
+            <a:prstGeom prst="roundRect">
+              <a:avLst/>
+            </a:prstGeom>
+          </p:spPr>
+          <p:style>
+            <a:lnRef idx="2">
+              <a:schemeClr val="accent4"/>
+            </a:lnRef>
+            <a:fillRef idx="1">
+              <a:schemeClr val="lt1"/>
+            </a:fillRef>
+            <a:effectRef idx="0">
+              <a:schemeClr val="accent4"/>
+            </a:effectRef>
+            <a:fontRef idx="minor">
+              <a:schemeClr val="dk1"/>
+            </a:fontRef>
+          </p:style>
+          <p:txBody>
+            <a:bodyPr rtlCol="0" anchor="ctr"/>
+            <a:lstStyle/>
+            <a:p>
+              <a:pPr algn="ctr"/>
+              <a:endParaRPr lang="ko-KR" altLang="en-US"/>
+            </a:p>
+          </p:txBody>
+        </p:sp>
+        <p:sp>
+          <p:nvSpPr>
+            <p:cNvPr id="5" name="TextBox 4"/>
+            <p:cNvSpPr txBox="1"/>
+            <p:nvPr/>
+          </p:nvSpPr>
+          <p:spPr>
+            <a:xfrm>
+              <a:off x="570371" y="1087642"/>
+              <a:ext cx="2055133" cy="369332"/>
+            </a:xfrm>
+            <a:prstGeom prst="rect">
+              <a:avLst/>
+            </a:prstGeom>
+            <a:noFill/>
+          </p:spPr>
+          <p:txBody>
+            <a:bodyPr wrap="square" rtlCol="0">
+              <a:spAutoFit/>
+            </a:bodyPr>
+            <a:lstStyle/>
+            <a:p>
+              <a:pPr algn="ctr"/>
+              <a:r>
+                <a:rPr lang="en-US" altLang="ko-KR" b="1" dirty="0"/>
+                <a:t>Class : </a:t>
+              </a:r>
+              <a:r>
+                <a:rPr lang="en-US" altLang="ko-KR" b="1" dirty="0" err="1"/>
+                <a:t>mcts</a:t>
+              </a:r>
+              <a:endParaRPr lang="en-US" altLang="ko-KR" b="1" dirty="0"/>
+            </a:p>
+          </p:txBody>
+        </p:sp>
+      </p:grpSp>
+      <p:sp>
+        <p:nvSpPr>
+          <p:cNvPr id="9" name="모서리가 둥근 직사각형 8"/>
+          <p:cNvSpPr/>
+          <p:nvPr/>
+        </p:nvSpPr>
+        <p:spPr>
+          <a:xfrm>
+            <a:off x="1130174" y="1673982"/>
+            <a:ext cx="1721668" cy="480749"/>
+          </a:xfrm>
+          <a:prstGeom prst="roundRect">
+            <a:avLst/>
+          </a:prstGeom>
+        </p:spPr>
+        <p:style>
+          <a:lnRef idx="2">
+            <a:schemeClr val="accent2"/>
+          </a:lnRef>
+          <a:fillRef idx="1">
+            <a:schemeClr val="lt1"/>
+          </a:fillRef>
+          <a:effectRef idx="0">
+            <a:schemeClr val="accent2"/>
+          </a:effectRef>
+          <a:fontRef idx="minor">
+            <a:schemeClr val="dk1"/>
+          </a:fontRef>
+        </p:style>
+        <p:txBody>
+          <a:bodyPr rtlCol="0" anchor="ctr"/>
+          <a:lstStyle/>
+          <a:p>
+            <a:pPr algn="ctr"/>
+            <a:endParaRPr lang="ko-KR" altLang="en-US"/>
+          </a:p>
+        </p:txBody>
+      </p:sp>
+      <p:sp>
+        <p:nvSpPr>
+          <p:cNvPr id="10" name="TextBox 9"/>
+          <p:cNvSpPr txBox="1"/>
+          <p:nvPr/>
+        </p:nvSpPr>
+        <p:spPr>
+          <a:xfrm>
+            <a:off x="1140614" y="1742011"/>
+            <a:ext cx="1711228" cy="369332"/>
+          </a:xfrm>
+          <a:prstGeom prst="rect">
+            <a:avLst/>
+          </a:prstGeom>
+          <a:noFill/>
+        </p:spPr>
+        <p:txBody>
+          <a:bodyPr wrap="square" rtlCol="0">
+            <a:spAutoFit/>
+          </a:bodyPr>
+          <a:lstStyle/>
+          <a:p>
+            <a:pPr algn="ctr"/>
+            <a:r>
+              <a:rPr lang="en-US" altLang="ko-KR" b="1" dirty="0"/>
+              <a:t>__</a:t>
+            </a:r>
+            <a:r>
+              <a:rPr lang="en-US" altLang="ko-KR" b="1" dirty="0" err="1"/>
+              <a:t>init</a:t>
+            </a:r>
+            <a:r>
+              <a:rPr lang="en-US" altLang="ko-KR" b="1" dirty="0"/>
+              <a:t>__</a:t>
+            </a:r>
+            <a:endParaRPr lang="ko-KR" altLang="en-US" b="1" dirty="0"/>
+          </a:p>
+        </p:txBody>
+      </p:sp>
+      <p:cxnSp>
+        <p:nvCxnSpPr>
+          <p:cNvPr id="33" name="직선 연결선 32"/>
+          <p:cNvCxnSpPr>
+            <a:cxnSpLocks/>
+          </p:cNvCxnSpPr>
+          <p:nvPr/>
+        </p:nvCxnSpPr>
+        <p:spPr>
+          <a:xfrm flipH="1">
+            <a:off x="752661" y="1548142"/>
+            <a:ext cx="7834" cy="4679922"/>
+          </a:xfrm>
+          <a:prstGeom prst="line">
+            <a:avLst/>
+          </a:prstGeom>
+          <a:ln w="28575"/>
+        </p:spPr>
+        <p:style>
+          <a:lnRef idx="1">
+            <a:schemeClr val="accent4"/>
+          </a:lnRef>
+          <a:fillRef idx="0">
+            <a:schemeClr val="accent4"/>
+          </a:fillRef>
+          <a:effectRef idx="0">
+            <a:schemeClr val="accent4"/>
+          </a:effectRef>
+          <a:fontRef idx="minor">
+            <a:schemeClr val="tx1"/>
+          </a:fontRef>
+        </p:style>
+      </p:cxnSp>
+      <p:sp>
+        <p:nvSpPr>
+          <p:cNvPr id="46" name="모서리가 둥근 직사각형 45"/>
+          <p:cNvSpPr/>
+          <p:nvPr/>
+        </p:nvSpPr>
+        <p:spPr>
+          <a:xfrm>
+            <a:off x="1130174" y="2307723"/>
+            <a:ext cx="1721668" cy="480749"/>
+          </a:xfrm>
+          <a:prstGeom prst="roundRect">
+            <a:avLst/>
+          </a:prstGeom>
+        </p:spPr>
+        <p:style>
+          <a:lnRef idx="2">
+            <a:schemeClr val="accent6"/>
+          </a:lnRef>
+          <a:fillRef idx="1">
+            <a:schemeClr val="lt1"/>
+          </a:fillRef>
+          <a:effectRef idx="0">
+            <a:schemeClr val="accent6"/>
+          </a:effectRef>
+          <a:fontRef idx="minor">
+            <a:schemeClr val="dk1"/>
+          </a:fontRef>
+        </p:style>
+        <p:txBody>
+          <a:bodyPr rtlCol="0" anchor="ctr"/>
+          <a:lstStyle/>
+          <a:p>
+            <a:pPr algn="ctr"/>
+            <a:endParaRPr lang="ko-KR" altLang="en-US"/>
+          </a:p>
+        </p:txBody>
+      </p:sp>
+      <p:sp>
+        <p:nvSpPr>
+          <p:cNvPr id="47" name="TextBox 46"/>
+          <p:cNvSpPr txBox="1"/>
+          <p:nvPr/>
+        </p:nvSpPr>
+        <p:spPr>
+          <a:xfrm>
+            <a:off x="1140614" y="2375752"/>
+            <a:ext cx="1711228" cy="369332"/>
+          </a:xfrm>
+          <a:prstGeom prst="rect">
+            <a:avLst/>
+          </a:prstGeom>
+          <a:noFill/>
+        </p:spPr>
+        <p:txBody>
+          <a:bodyPr wrap="square" rtlCol="0">
+            <a:spAutoFit/>
+          </a:bodyPr>
+          <a:lstStyle/>
+          <a:p>
+            <a:pPr algn="ctr"/>
+            <a:r>
+              <a:rPr lang="en-US" altLang="ko-KR" b="1" dirty="0"/>
+              <a:t>search</a:t>
+            </a:r>
+            <a:endParaRPr lang="ko-KR" altLang="en-US" b="1" dirty="0"/>
+          </a:p>
+        </p:txBody>
+      </p:sp>
+      <p:sp>
+        <p:nvSpPr>
+          <p:cNvPr id="51" name="모서리가 둥근 직사각형 50"/>
+          <p:cNvSpPr/>
+          <p:nvPr/>
+        </p:nvSpPr>
+        <p:spPr>
+          <a:xfrm>
+            <a:off x="1131482" y="2945028"/>
+            <a:ext cx="1721668" cy="480749"/>
+          </a:xfrm>
+          <a:prstGeom prst="roundRect">
+            <a:avLst/>
+          </a:prstGeom>
+        </p:spPr>
+        <p:style>
+          <a:lnRef idx="2">
+            <a:schemeClr val="accent6"/>
+          </a:lnRef>
+          <a:fillRef idx="1">
+            <a:schemeClr val="lt1"/>
+          </a:fillRef>
+          <a:effectRef idx="0">
+            <a:schemeClr val="accent6"/>
+          </a:effectRef>
+          <a:fontRef idx="minor">
+            <a:schemeClr val="dk1"/>
+          </a:fontRef>
+        </p:style>
+        <p:txBody>
+          <a:bodyPr rtlCol="0" anchor="ctr"/>
+          <a:lstStyle/>
+          <a:p>
+            <a:pPr algn="ctr"/>
+            <a:endParaRPr lang="ko-KR" altLang="en-US"/>
+          </a:p>
+        </p:txBody>
+      </p:sp>
+      <p:sp>
+        <p:nvSpPr>
+          <p:cNvPr id="52" name="TextBox 51"/>
+          <p:cNvSpPr txBox="1"/>
+          <p:nvPr/>
+        </p:nvSpPr>
+        <p:spPr>
+          <a:xfrm>
+            <a:off x="1141922" y="3013057"/>
+            <a:ext cx="1711228" cy="369332"/>
+          </a:xfrm>
+          <a:prstGeom prst="rect">
+            <a:avLst/>
+          </a:prstGeom>
+          <a:noFill/>
+        </p:spPr>
+        <p:txBody>
+          <a:bodyPr wrap="square" rtlCol="0">
+            <a:spAutoFit/>
+          </a:bodyPr>
+          <a:lstStyle/>
+          <a:p>
+            <a:pPr algn="ctr"/>
+            <a:r>
+              <a:rPr lang="en-US" altLang="ko-KR" b="1" dirty="0" err="1"/>
+              <a:t>executeRound</a:t>
+            </a:r>
+            <a:endParaRPr lang="ko-KR" altLang="en-US" b="1" dirty="0"/>
+          </a:p>
+        </p:txBody>
+      </p:sp>
+      <p:sp>
+        <p:nvSpPr>
+          <p:cNvPr id="54" name="모서리가 둥근 직사각형 53"/>
+          <p:cNvSpPr/>
+          <p:nvPr/>
+        </p:nvSpPr>
+        <p:spPr>
+          <a:xfrm>
+            <a:off x="1123648" y="3569477"/>
+            <a:ext cx="1721668" cy="480749"/>
+          </a:xfrm>
+          <a:prstGeom prst="roundRect">
+            <a:avLst/>
+          </a:prstGeom>
+        </p:spPr>
+        <p:style>
+          <a:lnRef idx="2">
+            <a:schemeClr val="accent6"/>
+          </a:lnRef>
+          <a:fillRef idx="1">
+            <a:schemeClr val="lt1"/>
+          </a:fillRef>
+          <a:effectRef idx="0">
+            <a:schemeClr val="accent6"/>
+          </a:effectRef>
+          <a:fontRef idx="minor">
+            <a:schemeClr val="dk1"/>
+          </a:fontRef>
+        </p:style>
+        <p:txBody>
+          <a:bodyPr rtlCol="0" anchor="ctr"/>
+          <a:lstStyle/>
+          <a:p>
+            <a:pPr algn="ctr"/>
+            <a:endParaRPr lang="ko-KR" altLang="en-US"/>
+          </a:p>
+        </p:txBody>
+      </p:sp>
+      <p:sp>
+        <p:nvSpPr>
+          <p:cNvPr id="55" name="TextBox 54"/>
+          <p:cNvSpPr txBox="1"/>
+          <p:nvPr/>
+        </p:nvSpPr>
+        <p:spPr>
+          <a:xfrm>
+            <a:off x="1134088" y="3637506"/>
+            <a:ext cx="1711228" cy="369332"/>
+          </a:xfrm>
+          <a:prstGeom prst="rect">
+            <a:avLst/>
+          </a:prstGeom>
+          <a:noFill/>
+        </p:spPr>
+        <p:txBody>
+          <a:bodyPr wrap="square" rtlCol="0">
+            <a:spAutoFit/>
+          </a:bodyPr>
+          <a:lstStyle/>
+          <a:p>
+            <a:pPr algn="ctr"/>
+            <a:r>
+              <a:rPr lang="en-US" altLang="ko-KR" b="1" dirty="0" err="1"/>
+              <a:t>selectNode</a:t>
+            </a:r>
+            <a:endParaRPr lang="ko-KR" altLang="en-US" b="1" dirty="0"/>
+          </a:p>
+        </p:txBody>
+      </p:sp>
+      <p:sp>
+        <p:nvSpPr>
+          <p:cNvPr id="57" name="모서리가 둥근 직사각형 56"/>
+          <p:cNvSpPr/>
+          <p:nvPr/>
+        </p:nvSpPr>
+        <p:spPr>
+          <a:xfrm>
+            <a:off x="1123648" y="4157603"/>
+            <a:ext cx="1721668" cy="480749"/>
+          </a:xfrm>
+          <a:prstGeom prst="roundRect">
+            <a:avLst/>
+          </a:prstGeom>
+        </p:spPr>
+        <p:style>
+          <a:lnRef idx="2">
+            <a:schemeClr val="accent6"/>
+          </a:lnRef>
+          <a:fillRef idx="1">
+            <a:schemeClr val="lt1"/>
+          </a:fillRef>
+          <a:effectRef idx="0">
+            <a:schemeClr val="accent6"/>
+          </a:effectRef>
+          <a:fontRef idx="minor">
+            <a:schemeClr val="dk1"/>
+          </a:fontRef>
+        </p:style>
+        <p:txBody>
+          <a:bodyPr rtlCol="0" anchor="ctr"/>
+          <a:lstStyle/>
+          <a:p>
+            <a:pPr algn="ctr"/>
+            <a:endParaRPr lang="ko-KR" altLang="en-US"/>
+          </a:p>
+        </p:txBody>
+      </p:sp>
+      <p:sp>
+        <p:nvSpPr>
+          <p:cNvPr id="58" name="TextBox 57"/>
+          <p:cNvSpPr txBox="1"/>
+          <p:nvPr/>
+        </p:nvSpPr>
+        <p:spPr>
+          <a:xfrm>
+            <a:off x="1134088" y="4225632"/>
+            <a:ext cx="1711228" cy="369332"/>
+          </a:xfrm>
+          <a:prstGeom prst="rect">
+            <a:avLst/>
+          </a:prstGeom>
+          <a:noFill/>
+        </p:spPr>
+        <p:txBody>
+          <a:bodyPr wrap="square" rtlCol="0">
+            <a:spAutoFit/>
+          </a:bodyPr>
+          <a:lstStyle/>
+          <a:p>
+            <a:pPr algn="ctr"/>
+            <a:r>
+              <a:rPr lang="en-US" altLang="ko-KR" b="1" dirty="0"/>
+              <a:t>expand</a:t>
+            </a:r>
+            <a:endParaRPr lang="ko-KR" altLang="en-US" b="1" dirty="0"/>
+          </a:p>
+        </p:txBody>
+      </p:sp>
+      <p:sp>
+        <p:nvSpPr>
+          <p:cNvPr id="60" name="모서리가 둥근 직사각형 59"/>
+          <p:cNvSpPr/>
+          <p:nvPr/>
+        </p:nvSpPr>
+        <p:spPr>
+          <a:xfrm>
+            <a:off x="1123648" y="4776613"/>
+            <a:ext cx="1721668" cy="480749"/>
+          </a:xfrm>
+          <a:prstGeom prst="roundRect">
+            <a:avLst/>
+          </a:prstGeom>
+        </p:spPr>
+        <p:style>
+          <a:lnRef idx="2">
+            <a:schemeClr val="accent6"/>
+          </a:lnRef>
+          <a:fillRef idx="1">
+            <a:schemeClr val="lt1"/>
+          </a:fillRef>
+          <a:effectRef idx="0">
+            <a:schemeClr val="accent6"/>
+          </a:effectRef>
+          <a:fontRef idx="minor">
+            <a:schemeClr val="dk1"/>
+          </a:fontRef>
+        </p:style>
+        <p:txBody>
+          <a:bodyPr rtlCol="0" anchor="ctr"/>
+          <a:lstStyle/>
+          <a:p>
+            <a:pPr algn="ctr"/>
+            <a:endParaRPr lang="ko-KR" altLang="en-US"/>
+          </a:p>
+        </p:txBody>
+      </p:sp>
+      <p:sp>
+        <p:nvSpPr>
+          <p:cNvPr id="61" name="TextBox 60"/>
+          <p:cNvSpPr txBox="1"/>
+          <p:nvPr/>
+        </p:nvSpPr>
+        <p:spPr>
+          <a:xfrm>
+            <a:off x="1134088" y="4844642"/>
+            <a:ext cx="1711228" cy="369332"/>
+          </a:xfrm>
+          <a:prstGeom prst="rect">
+            <a:avLst/>
+          </a:prstGeom>
+          <a:noFill/>
+        </p:spPr>
+        <p:txBody>
+          <a:bodyPr wrap="square" rtlCol="0">
+            <a:spAutoFit/>
+          </a:bodyPr>
+          <a:lstStyle/>
+          <a:p>
+            <a:pPr algn="ctr"/>
+            <a:r>
+              <a:rPr lang="en-US" altLang="ko-KR" b="1" dirty="0"/>
+              <a:t>Backpropagate</a:t>
+            </a:r>
+            <a:endParaRPr lang="ko-KR" altLang="en-US" b="1" dirty="0"/>
+          </a:p>
+        </p:txBody>
+      </p:sp>
+      <p:sp>
+        <p:nvSpPr>
+          <p:cNvPr id="77" name="모서리가 둥근 직사각형 76"/>
+          <p:cNvSpPr/>
+          <p:nvPr/>
+        </p:nvSpPr>
+        <p:spPr>
+          <a:xfrm>
+            <a:off x="3057054" y="1671616"/>
+            <a:ext cx="5742913" cy="480749"/>
+          </a:xfrm>
+          <a:prstGeom prst="roundRect">
+            <a:avLst/>
+          </a:prstGeom>
+        </p:spPr>
+        <p:style>
+          <a:lnRef idx="2">
+            <a:schemeClr val="dk1"/>
+          </a:lnRef>
+          <a:fillRef idx="1">
+            <a:schemeClr val="lt1"/>
+          </a:fillRef>
+          <a:effectRef idx="0">
+            <a:schemeClr val="dk1"/>
+          </a:effectRef>
+          <a:fontRef idx="minor">
+            <a:schemeClr val="dk1"/>
+          </a:fontRef>
+        </p:style>
+        <p:txBody>
+          <a:bodyPr rtlCol="0" anchor="ctr"/>
+          <a:lstStyle/>
+          <a:p>
+            <a:pPr algn="ctr"/>
+            <a:r>
+              <a:rPr lang="en-US" altLang="ko-KR" dirty="0"/>
+              <a:t>initialize parameters</a:t>
+            </a:r>
             <a:endParaRPr lang="ko-KR" altLang="en-US" dirty="0"/>
           </a:p>
         </p:txBody>
       </p:sp>
       <p:sp>
         <p:nvSpPr>
-          <p:cNvPr id="3" name="내용 개체 틀 2">
+          <p:cNvPr id="78" name="모서리가 둥근 직사각형 77"/>
+          <p:cNvSpPr/>
+          <p:nvPr/>
+        </p:nvSpPr>
+        <p:spPr>
+          <a:xfrm>
+            <a:off x="3057054" y="2305830"/>
+            <a:ext cx="5742913" cy="480749"/>
+          </a:xfrm>
+          <a:prstGeom prst="roundRect">
+            <a:avLst/>
+          </a:prstGeom>
+        </p:spPr>
+        <p:style>
+          <a:lnRef idx="2">
+            <a:schemeClr val="dk1"/>
+          </a:lnRef>
+          <a:fillRef idx="1">
+            <a:schemeClr val="lt1"/>
+          </a:fillRef>
+          <a:effectRef idx="0">
+            <a:schemeClr val="dk1"/>
+          </a:effectRef>
+          <a:fontRef idx="minor">
+            <a:schemeClr val="dk1"/>
+          </a:fontRef>
+        </p:style>
+        <p:txBody>
+          <a:bodyPr rtlCol="0" anchor="ctr"/>
+          <a:lstStyle/>
+          <a:p>
+            <a:pPr algn="ctr"/>
+            <a:r>
+              <a:rPr lang="en-US" altLang="ko-KR" dirty="0"/>
+              <a:t>search Tree until </a:t>
+            </a:r>
+            <a:r>
+              <a:rPr lang="en-US" altLang="ko-KR" dirty="0" err="1"/>
+              <a:t>iterationlimit</a:t>
+            </a:r>
+            <a:endParaRPr lang="ko-KR" altLang="en-US" dirty="0"/>
+          </a:p>
+        </p:txBody>
+      </p:sp>
+      <p:sp>
+        <p:nvSpPr>
+          <p:cNvPr id="79" name="모서리가 둥근 직사각형 78"/>
+          <p:cNvSpPr/>
+          <p:nvPr/>
+        </p:nvSpPr>
+        <p:spPr>
+          <a:xfrm>
+            <a:off x="3058362" y="2943609"/>
+            <a:ext cx="5742913" cy="480746"/>
+          </a:xfrm>
+          <a:prstGeom prst="roundRect">
+            <a:avLst/>
+          </a:prstGeom>
+        </p:spPr>
+        <p:style>
+          <a:lnRef idx="2">
+            <a:schemeClr val="dk1"/>
+          </a:lnRef>
+          <a:fillRef idx="1">
+            <a:schemeClr val="lt1"/>
+          </a:fillRef>
+          <a:effectRef idx="0">
+            <a:schemeClr val="dk1"/>
+          </a:effectRef>
+          <a:fontRef idx="minor">
+            <a:schemeClr val="dk1"/>
+          </a:fontRef>
+        </p:style>
+        <p:txBody>
+          <a:bodyPr rtlCol="0" anchor="ctr"/>
+          <a:lstStyle/>
+          <a:p>
+            <a:pPr algn="ctr"/>
+            <a:r>
+              <a:rPr lang="en-US" altLang="ko-KR" dirty="0"/>
+              <a:t>update node/reward, do backpropagate)</a:t>
+            </a:r>
+            <a:endParaRPr lang="ko-KR" altLang="en-US" dirty="0"/>
+          </a:p>
+        </p:txBody>
+      </p:sp>
+      <p:sp>
+        <p:nvSpPr>
+          <p:cNvPr id="80" name="모서리가 둥근 직사각형 79"/>
+          <p:cNvSpPr/>
+          <p:nvPr/>
+        </p:nvSpPr>
+        <p:spPr>
+          <a:xfrm>
+            <a:off x="3050528" y="3568530"/>
+            <a:ext cx="5742913" cy="480749"/>
+          </a:xfrm>
+          <a:prstGeom prst="roundRect">
+            <a:avLst/>
+          </a:prstGeom>
+        </p:spPr>
+        <p:style>
+          <a:lnRef idx="2">
+            <a:schemeClr val="dk1"/>
+          </a:lnRef>
+          <a:fillRef idx="1">
+            <a:schemeClr val="lt1"/>
+          </a:fillRef>
+          <a:effectRef idx="0">
+            <a:schemeClr val="dk1"/>
+          </a:effectRef>
+          <a:fontRef idx="minor">
+            <a:schemeClr val="dk1"/>
+          </a:fontRef>
+        </p:style>
+        <p:txBody>
+          <a:bodyPr rtlCol="0" anchor="ctr"/>
+          <a:lstStyle/>
+          <a:p>
+            <a:pPr algn="ctr"/>
+            <a:r>
+              <a:rPr lang="en-US" altLang="ko-KR" dirty="0"/>
+              <a:t>decide next node</a:t>
+            </a:r>
+            <a:endParaRPr lang="ko-KR" altLang="en-US" dirty="0"/>
+          </a:p>
+        </p:txBody>
+      </p:sp>
+      <p:sp>
+        <p:nvSpPr>
+          <p:cNvPr id="81" name="모서리가 둥근 직사각형 80"/>
+          <p:cNvSpPr/>
+          <p:nvPr/>
+        </p:nvSpPr>
+        <p:spPr>
+          <a:xfrm>
+            <a:off x="3050528" y="4157129"/>
+            <a:ext cx="5742913" cy="480749"/>
+          </a:xfrm>
+          <a:prstGeom prst="roundRect">
+            <a:avLst/>
+          </a:prstGeom>
+        </p:spPr>
+        <p:style>
+          <a:lnRef idx="2">
+            <a:schemeClr val="dk1"/>
+          </a:lnRef>
+          <a:fillRef idx="1">
+            <a:schemeClr val="lt1"/>
+          </a:fillRef>
+          <a:effectRef idx="0">
+            <a:schemeClr val="dk1"/>
+          </a:effectRef>
+          <a:fontRef idx="minor">
+            <a:schemeClr val="dk1"/>
+          </a:fontRef>
+        </p:style>
+        <p:txBody>
+          <a:bodyPr rtlCol="0" anchor="ctr"/>
+          <a:lstStyle/>
+          <a:p>
+            <a:pPr algn="ctr"/>
+            <a:r>
+              <a:rPr lang="en-US" altLang="ko-KR" dirty="0"/>
+              <a:t>expand new node</a:t>
+            </a:r>
+          </a:p>
+        </p:txBody>
+      </p:sp>
+      <p:sp>
+        <p:nvSpPr>
+          <p:cNvPr id="83" name="모서리가 둥근 직사각형 82"/>
+          <p:cNvSpPr/>
+          <p:nvPr/>
+        </p:nvSpPr>
+        <p:spPr>
+          <a:xfrm>
+            <a:off x="3050528" y="4776612"/>
+            <a:ext cx="5742913" cy="480749"/>
+          </a:xfrm>
+          <a:prstGeom prst="roundRect">
+            <a:avLst/>
+          </a:prstGeom>
+        </p:spPr>
+        <p:style>
+          <a:lnRef idx="2">
+            <a:schemeClr val="dk1"/>
+          </a:lnRef>
+          <a:fillRef idx="1">
+            <a:schemeClr val="lt1"/>
+          </a:fillRef>
+          <a:effectRef idx="0">
+            <a:schemeClr val="dk1"/>
+          </a:effectRef>
+          <a:fontRef idx="minor">
+            <a:schemeClr val="dk1"/>
+          </a:fontRef>
+        </p:style>
+        <p:txBody>
+          <a:bodyPr rtlCol="0" anchor="ctr"/>
+          <a:lstStyle/>
+          <a:p>
+            <a:pPr algn="ctr"/>
+            <a:r>
+              <a:rPr lang="en-US" altLang="ko-KR" dirty="0"/>
+              <a:t>backpropagate the tree</a:t>
+            </a:r>
+            <a:endParaRPr lang="ko-KR" altLang="en-US" dirty="0"/>
+          </a:p>
+        </p:txBody>
+      </p:sp>
+      <p:cxnSp>
+        <p:nvCxnSpPr>
+          <p:cNvPr id="31" name="직선 연결선 30">
             <a:extLst>
               <a:ext uri="{FF2B5EF4-FFF2-40B4-BE49-F238E27FC236}">
-                <a16:creationId xmlns:a16="http://schemas.microsoft.com/office/drawing/2014/main" id="{FAEF7A98-5912-4F1F-8CD4-41561FCBE376}"/>
+                <a16:creationId xmlns:a16="http://schemas.microsoft.com/office/drawing/2014/main" id="{41033C74-92B4-4043-B837-B47A4A8995DD}"/>
               </a:ext>
             </a:extLst>
           </p:cNvPr>
-          <p:cNvSpPr>
-            <a:spLocks noGrp="1"/>
-          </p:cNvSpPr>
-          <p:nvPr>
-            <p:ph idx="1"/>
-          </p:nvPr>
-        </p:nvSpPr>
+          <p:cNvCxnSpPr/>
+          <p:nvPr/>
+        </p:nvCxnSpPr>
         <p:spPr>
           <a:xfrm>
-            <a:off x="457200" y="1052163"/>
-            <a:ext cx="8229600" cy="5428522"/>
+            <a:off x="759187" y="5646917"/>
+            <a:ext cx="351415" cy="390"/>
           </a:xfrm>
+          <a:prstGeom prst="line">
+            <a:avLst/>
+          </a:prstGeom>
+          <a:ln w="28575"/>
         </p:spPr>
-        <p:txBody>
-          <a:bodyPr/>
+        <p:style>
+          <a:lnRef idx="1">
+            <a:schemeClr val="accent4"/>
+          </a:lnRef>
+          <a:fillRef idx="0">
+            <a:schemeClr val="accent4"/>
+          </a:fillRef>
+          <a:effectRef idx="0">
+            <a:schemeClr val="accent4"/>
+          </a:effectRef>
+          <a:fontRef idx="minor">
+            <a:schemeClr val="tx1"/>
+          </a:fontRef>
+        </p:style>
+      </p:cxnSp>
+      <p:sp>
+        <p:nvSpPr>
+          <p:cNvPr id="34" name="모서리가 둥근 직사각형 59">
+            <a:extLst>
+              <a:ext uri="{FF2B5EF4-FFF2-40B4-BE49-F238E27FC236}">
+                <a16:creationId xmlns:a16="http://schemas.microsoft.com/office/drawing/2014/main" id="{2F0AA62F-9E66-48C9-A8FA-C51889D24A85}"/>
+              </a:ext>
+            </a:extLst>
+          </p:cNvPr>
+          <p:cNvSpPr/>
+          <p:nvPr/>
+        </p:nvSpPr>
+        <p:spPr>
+          <a:xfrm>
+            <a:off x="1130174" y="5394222"/>
+            <a:ext cx="1721668" cy="480749"/>
+          </a:xfrm>
+          <a:prstGeom prst="roundRect">
+            <a:avLst/>
+          </a:prstGeom>
+        </p:spPr>
+        <p:style>
+          <a:lnRef idx="2">
+            <a:schemeClr val="accent6"/>
+          </a:lnRef>
+          <a:fillRef idx="1">
+            <a:schemeClr val="lt1"/>
+          </a:fillRef>
+          <a:effectRef idx="0">
+            <a:schemeClr val="accent6"/>
+          </a:effectRef>
+          <a:fontRef idx="minor">
+            <a:schemeClr val="dk1"/>
+          </a:fontRef>
+        </p:style>
+        <p:txBody>
+          <a:bodyPr rtlCol="0" anchor="ctr"/>
           <a:lstStyle/>
           <a:p>
-            <a:r>
-              <a:rPr lang="en-US" altLang="ko-KR" b="1" dirty="0"/>
-              <a:t>Class : </a:t>
-            </a:r>
-            <a:r>
-              <a:rPr lang="en-US" altLang="ko-KR" b="1" dirty="0" err="1"/>
-              <a:t>mcts</a:t>
-            </a:r>
-            <a:endParaRPr lang="en-US" altLang="ko-KR" b="1" dirty="0"/>
-          </a:p>
-          <a:p>
-            <a:pPr lvl="1"/>
-            <a:r>
-              <a:rPr lang="en-US" altLang="ko-KR" b="1" dirty="0">
-                <a:solidFill>
-                  <a:schemeClr val="tx1"/>
-                </a:solidFill>
-              </a:rPr>
-              <a:t>__</a:t>
-            </a:r>
-            <a:r>
-              <a:rPr lang="en-US" altLang="ko-KR" b="1" dirty="0" err="1">
-                <a:solidFill>
-                  <a:schemeClr val="tx1"/>
-                </a:solidFill>
-              </a:rPr>
-              <a:t>init</a:t>
-            </a:r>
-            <a:r>
-              <a:rPr lang="en-US" altLang="ko-KR" b="1" dirty="0">
-                <a:solidFill>
-                  <a:schemeClr val="tx1"/>
-                </a:solidFill>
-              </a:rPr>
-              <a:t>__ : initialize parameters</a:t>
-            </a:r>
-          </a:p>
-          <a:p>
-            <a:pPr lvl="1"/>
-            <a:r>
-              <a:rPr lang="en-US" altLang="ko-KR" b="1" dirty="0"/>
-              <a:t>search : search Tree until </a:t>
-            </a:r>
-            <a:r>
-              <a:rPr lang="en-US" altLang="ko-KR" b="1" dirty="0" err="1"/>
-              <a:t>iterationlimit</a:t>
-            </a:r>
-            <a:endParaRPr lang="en-US" altLang="ko-KR" b="1" dirty="0"/>
-          </a:p>
-          <a:p>
-            <a:pPr lvl="1"/>
-            <a:r>
-              <a:rPr lang="en-US" altLang="ko-KR" b="1" dirty="0" err="1"/>
-              <a:t>executeRound</a:t>
-            </a:r>
-            <a:r>
-              <a:rPr lang="en-US" altLang="ko-KR" b="1" dirty="0"/>
-              <a:t> : update node/reward, do backpropagate</a:t>
-            </a:r>
-          </a:p>
-          <a:p>
-            <a:pPr lvl="1"/>
-            <a:r>
-              <a:rPr lang="en-US" altLang="ko-KR" b="1" dirty="0" err="1"/>
-              <a:t>selectNode</a:t>
-            </a:r>
-            <a:r>
-              <a:rPr lang="en-US" altLang="ko-KR" b="1" dirty="0"/>
-              <a:t> : decide next node</a:t>
-            </a:r>
-          </a:p>
-          <a:p>
-            <a:pPr lvl="1"/>
-            <a:r>
-              <a:rPr lang="en-US" altLang="ko-KR" b="1" dirty="0"/>
-              <a:t>expand : expand new node</a:t>
-            </a:r>
-          </a:p>
-          <a:p>
-            <a:pPr lvl="1"/>
-            <a:r>
-              <a:rPr lang="en-US" altLang="ko-KR" b="1" dirty="0"/>
-              <a:t>Backpropagate : backpropagate the tree</a:t>
-            </a:r>
-          </a:p>
-          <a:p>
-            <a:pPr lvl="1"/>
+            <a:pPr algn="ctr"/>
+            <a:endParaRPr lang="ko-KR" altLang="en-US"/>
+          </a:p>
+        </p:txBody>
+      </p:sp>
+      <p:sp>
+        <p:nvSpPr>
+          <p:cNvPr id="36" name="TextBox 35">
+            <a:extLst>
+              <a:ext uri="{FF2B5EF4-FFF2-40B4-BE49-F238E27FC236}">
+                <a16:creationId xmlns:a16="http://schemas.microsoft.com/office/drawing/2014/main" id="{8E18D6F7-BA1C-4180-B137-945E5969C663}"/>
+              </a:ext>
+            </a:extLst>
+          </p:cNvPr>
+          <p:cNvSpPr txBox="1"/>
+          <p:nvPr/>
+        </p:nvSpPr>
+        <p:spPr>
+          <a:xfrm>
+            <a:off x="1140614" y="5462251"/>
+            <a:ext cx="1711228" cy="369332"/>
+          </a:xfrm>
+          <a:prstGeom prst="rect">
+            <a:avLst/>
+          </a:prstGeom>
+          <a:noFill/>
+        </p:spPr>
+        <p:txBody>
+          <a:bodyPr wrap="square" rtlCol="0">
+            <a:spAutoFit/>
+          </a:bodyPr>
+          <a:lstStyle/>
+          <a:p>
+            <a:pPr algn="ctr"/>
             <a:r>
               <a:rPr lang="en-US" altLang="ko-KR" b="1" dirty="0" err="1"/>
               <a:t>getBestChild</a:t>
             </a:r>
-            <a:r>
-              <a:rPr lang="en-US" altLang="ko-KR" b="1" dirty="0"/>
-              <a:t> : find possible </a:t>
-            </a:r>
-            <a:r>
-              <a:rPr lang="en-US" altLang="ko-KR" b="1" dirty="0" err="1"/>
+            <a:endParaRPr lang="ko-KR" altLang="en-US" b="1" dirty="0"/>
+          </a:p>
+        </p:txBody>
+      </p:sp>
+      <p:sp>
+        <p:nvSpPr>
+          <p:cNvPr id="37" name="모서리가 둥근 직사각형 82">
+            <a:extLst>
+              <a:ext uri="{FF2B5EF4-FFF2-40B4-BE49-F238E27FC236}">
+                <a16:creationId xmlns:a16="http://schemas.microsoft.com/office/drawing/2014/main" id="{9A3D7D65-7E6E-44B0-B5A1-158078A3A744}"/>
+              </a:ext>
+            </a:extLst>
+          </p:cNvPr>
+          <p:cNvSpPr/>
+          <p:nvPr/>
+        </p:nvSpPr>
+        <p:spPr>
+          <a:xfrm>
+            <a:off x="3057054" y="5394221"/>
+            <a:ext cx="5742913" cy="480749"/>
+          </a:xfrm>
+          <a:prstGeom prst="roundRect">
+            <a:avLst/>
+          </a:prstGeom>
+        </p:spPr>
+        <p:style>
+          <a:lnRef idx="2">
+            <a:schemeClr val="dk1"/>
+          </a:lnRef>
+          <a:fillRef idx="1">
+            <a:schemeClr val="lt1"/>
+          </a:fillRef>
+          <a:effectRef idx="0">
+            <a:schemeClr val="dk1"/>
+          </a:effectRef>
+          <a:fontRef idx="minor">
+            <a:schemeClr val="dk1"/>
+          </a:fontRef>
+        </p:style>
+        <p:txBody>
+          <a:bodyPr rtlCol="0" anchor="ctr"/>
+          <a:lstStyle/>
+          <a:p>
+            <a:pPr algn="ctr"/>
+            <a:r>
+              <a:rPr lang="en-US" altLang="ko-KR" dirty="0"/>
+              <a:t>find possible </a:t>
+            </a:r>
+            <a:r>
+              <a:rPr lang="en-US" altLang="ko-KR" dirty="0" err="1"/>
               <a:t>bestNodes</a:t>
             </a:r>
-            <a:endParaRPr lang="en-US" altLang="ko-KR" b="1" dirty="0"/>
-          </a:p>
-          <a:p>
-            <a:pPr lvl="1"/>
+            <a:endParaRPr lang="en-US" altLang="ko-KR" dirty="0"/>
+          </a:p>
+        </p:txBody>
+      </p:sp>
+      <p:cxnSp>
+        <p:nvCxnSpPr>
+          <p:cNvPr id="38" name="직선 연결선 37">
+            <a:extLst>
+              <a:ext uri="{FF2B5EF4-FFF2-40B4-BE49-F238E27FC236}">
+                <a16:creationId xmlns:a16="http://schemas.microsoft.com/office/drawing/2014/main" id="{AF7157C4-22B0-4844-A422-6E9980473925}"/>
+              </a:ext>
+            </a:extLst>
+          </p:cNvPr>
+          <p:cNvCxnSpPr/>
+          <p:nvPr/>
+        </p:nvCxnSpPr>
+        <p:spPr>
+          <a:xfrm>
+            <a:off x="767021" y="6228064"/>
+            <a:ext cx="351415" cy="390"/>
+          </a:xfrm>
+          <a:prstGeom prst="line">
+            <a:avLst/>
+          </a:prstGeom>
+          <a:ln w="28575"/>
+        </p:spPr>
+        <p:style>
+          <a:lnRef idx="1">
+            <a:schemeClr val="accent4"/>
+          </a:lnRef>
+          <a:fillRef idx="0">
+            <a:schemeClr val="accent4"/>
+          </a:fillRef>
+          <a:effectRef idx="0">
+            <a:schemeClr val="accent4"/>
+          </a:effectRef>
+          <a:fontRef idx="minor">
+            <a:schemeClr val="tx1"/>
+          </a:fontRef>
+        </p:style>
+      </p:cxnSp>
+      <p:sp>
+        <p:nvSpPr>
+          <p:cNvPr id="39" name="모서리가 둥근 직사각형 59">
+            <a:extLst>
+              <a:ext uri="{FF2B5EF4-FFF2-40B4-BE49-F238E27FC236}">
+                <a16:creationId xmlns:a16="http://schemas.microsoft.com/office/drawing/2014/main" id="{4F55176B-32F2-4BF0-8D64-3F47AB5646BC}"/>
+              </a:ext>
+            </a:extLst>
+          </p:cNvPr>
+          <p:cNvSpPr/>
+          <p:nvPr/>
+        </p:nvSpPr>
+        <p:spPr>
+          <a:xfrm>
+            <a:off x="1138008" y="5975369"/>
+            <a:ext cx="1721668" cy="480749"/>
+          </a:xfrm>
+          <a:prstGeom prst="roundRect">
+            <a:avLst/>
+          </a:prstGeom>
+        </p:spPr>
+        <p:style>
+          <a:lnRef idx="2">
+            <a:schemeClr val="accent6"/>
+          </a:lnRef>
+          <a:fillRef idx="1">
+            <a:schemeClr val="lt1"/>
+          </a:fillRef>
+          <a:effectRef idx="0">
+            <a:schemeClr val="accent6"/>
+          </a:effectRef>
+          <a:fontRef idx="minor">
+            <a:schemeClr val="dk1"/>
+          </a:fontRef>
+        </p:style>
+        <p:txBody>
+          <a:bodyPr rtlCol="0" anchor="ctr"/>
+          <a:lstStyle/>
+          <a:p>
+            <a:pPr algn="ctr"/>
+            <a:endParaRPr lang="ko-KR" altLang="en-US"/>
+          </a:p>
+        </p:txBody>
+      </p:sp>
+      <p:sp>
+        <p:nvSpPr>
+          <p:cNvPr id="40" name="TextBox 39">
+            <a:extLst>
+              <a:ext uri="{FF2B5EF4-FFF2-40B4-BE49-F238E27FC236}">
+                <a16:creationId xmlns:a16="http://schemas.microsoft.com/office/drawing/2014/main" id="{AD6E8AF5-7686-4ED2-8CF2-5531473FCC5B}"/>
+              </a:ext>
+            </a:extLst>
+          </p:cNvPr>
+          <p:cNvSpPr txBox="1"/>
+          <p:nvPr/>
+        </p:nvSpPr>
+        <p:spPr>
+          <a:xfrm>
+            <a:off x="1148448" y="6043398"/>
+            <a:ext cx="1711228" cy="369332"/>
+          </a:xfrm>
+          <a:prstGeom prst="rect">
+            <a:avLst/>
+          </a:prstGeom>
+          <a:noFill/>
+        </p:spPr>
+        <p:txBody>
+          <a:bodyPr wrap="square" rtlCol="0">
+            <a:spAutoFit/>
+          </a:bodyPr>
+          <a:lstStyle/>
+          <a:p>
+            <a:pPr algn="ctr"/>
             <a:r>
               <a:rPr lang="en-US" altLang="ko-KR" b="1" dirty="0" err="1"/>
               <a:t>getAction</a:t>
             </a:r>
-            <a:r>
-              <a:rPr lang="en-US" altLang="ko-KR" b="1" dirty="0"/>
-              <a:t> : return action of </a:t>
-            </a:r>
-            <a:r>
-              <a:rPr lang="en-US" altLang="ko-KR" b="1" dirty="0" err="1"/>
+            <a:endParaRPr lang="ko-KR" altLang="en-US" b="1" dirty="0"/>
+          </a:p>
+        </p:txBody>
+      </p:sp>
+      <p:sp>
+        <p:nvSpPr>
+          <p:cNvPr id="42" name="모서리가 둥근 직사각형 82">
+            <a:extLst>
+              <a:ext uri="{FF2B5EF4-FFF2-40B4-BE49-F238E27FC236}">
+                <a16:creationId xmlns:a16="http://schemas.microsoft.com/office/drawing/2014/main" id="{F378EBC7-3418-4F83-81AA-62CD96B7893D}"/>
+              </a:ext>
+            </a:extLst>
+          </p:cNvPr>
+          <p:cNvSpPr/>
+          <p:nvPr/>
+        </p:nvSpPr>
+        <p:spPr>
+          <a:xfrm>
+            <a:off x="3064888" y="5975368"/>
+            <a:ext cx="5742913" cy="480749"/>
+          </a:xfrm>
+          <a:prstGeom prst="roundRect">
+            <a:avLst/>
+          </a:prstGeom>
+        </p:spPr>
+        <p:style>
+          <a:lnRef idx="2">
+            <a:schemeClr val="dk1"/>
+          </a:lnRef>
+          <a:fillRef idx="1">
+            <a:schemeClr val="lt1"/>
+          </a:fillRef>
+          <a:effectRef idx="0">
+            <a:schemeClr val="dk1"/>
+          </a:effectRef>
+          <a:fontRef idx="minor">
+            <a:schemeClr val="dk1"/>
+          </a:fontRef>
+        </p:style>
+        <p:txBody>
+          <a:bodyPr rtlCol="0" anchor="ctr"/>
+          <a:lstStyle/>
+          <a:p>
+            <a:pPr algn="ctr"/>
+            <a:r>
+              <a:rPr lang="en-US" altLang="ko-KR" dirty="0"/>
+              <a:t>return action of </a:t>
+            </a:r>
+            <a:r>
+              <a:rPr lang="en-US" altLang="ko-KR" dirty="0" err="1"/>
               <a:t>bestnode</a:t>
             </a:r>
-            <a:endParaRPr lang="en-US" altLang="ko-KR" b="1" dirty="0"/>
-          </a:p>
-          <a:p>
-            <a:pPr lvl="1"/>
-            <a:endParaRPr lang="en-US" altLang="ko-KR" b="1" dirty="0"/>
-          </a:p>
-          <a:p>
-            <a:pPr lvl="1"/>
-            <a:endParaRPr lang="en-US" altLang="ko-KR" b="1" dirty="0"/>
+            <a:endParaRPr lang="en-US" altLang="ko-KR" dirty="0"/>
           </a:p>
         </p:txBody>
       </p:sp>
     </p:spTree>
     <p:extLst>
       <p:ext uri="{BB962C8B-B14F-4D97-AF65-F5344CB8AC3E}">
-        <p14:creationId xmlns:p14="http://schemas.microsoft.com/office/powerpoint/2010/main" val="1679403011"/>
+        <p14:creationId xmlns:p14="http://schemas.microsoft.com/office/powerpoint/2010/main" val="3594920671"/>
       </p:ext>
     </p:extLst>
   </p:cSld>
@@ -7392,313 +13867,132 @@
       </p:grpSpPr>
       <p:sp>
         <p:nvSpPr>
-          <p:cNvPr id="2" name="제목 1">
+          <p:cNvPr id="32" name="제목 1">
             <a:extLst>
               <a:ext uri="{FF2B5EF4-FFF2-40B4-BE49-F238E27FC236}">
-                <a16:creationId xmlns:a16="http://schemas.microsoft.com/office/drawing/2014/main" id="{D479E31B-A679-4AE2-A74F-D35A39E82A40}"/>
+                <a16:creationId xmlns:a16="http://schemas.microsoft.com/office/drawing/2014/main" id="{CEB6824C-74A4-4DC8-AFDD-5BA8F0636FF0}"/>
               </a:ext>
             </a:extLst>
           </p:cNvPr>
-          <p:cNvSpPr>
-            <a:spLocks noGrp="1"/>
+          <p:cNvSpPr txBox="1">
+            <a:spLocks/>
           </p:cNvSpPr>
-          <p:nvPr>
-            <p:ph type="title"/>
-          </p:nvPr>
+          <p:nvPr/>
         </p:nvSpPr>
         <p:spPr>
           <a:xfrm>
-            <a:off x="116681" y="0"/>
+            <a:off x="116681" y="-4"/>
             <a:ext cx="8910637" cy="987425"/>
           </a:xfrm>
+          <a:prstGeom prst="rect">
+            <a:avLst/>
+          </a:prstGeom>
+          <a:effectLst>
+            <a:outerShdw blurRad="50800" dist="38100" dir="2700000" algn="tl" rotWithShape="0">
+              <a:srgbClr val="000000">
+                <a:alpha val="40000"/>
+              </a:srgbClr>
+            </a:outerShdw>
+          </a:effectLst>
         </p:spPr>
         <p:txBody>
-          <a:bodyPr/>
-          <a:lstStyle/>
-          <a:p>
+          <a:bodyPr vert="horz" lIns="91440" tIns="45720" rIns="91440" bIns="45720" rtlCol="0" anchor="ctr">
+            <a:noAutofit/>
+          </a:bodyPr>
+          <a:lstStyle>
+            <a:lvl1pPr algn="ctr" defTabSz="457200" rtl="0" eaLnBrk="1" latinLnBrk="0" hangingPunct="1">
+              <a:spcBef>
+                <a:spcPct val="0"/>
+              </a:spcBef>
+              <a:buNone/>
+              <a:defRPr sz="4000" kern="1200">
+                <a:solidFill>
+                  <a:schemeClr val="tx1"/>
+                </a:solidFill>
+                <a:latin typeface="+mj-lt"/>
+                <a:ea typeface="+mj-ea"/>
+                <a:cs typeface="+mj-cs"/>
+              </a:defRPr>
+            </a:lvl1pPr>
+          </a:lstStyle>
+          <a:p>
+            <a:pPr lvl="0"/>
             <a:r>
               <a:rPr lang="en-US" altLang="ko-KR" dirty="0"/>
-              <a:t>Future plan</a:t>
-            </a:r>
-            <a:endParaRPr lang="ko-KR" altLang="en-US" sz="2000" dirty="0"/>
-          </a:p>
-        </p:txBody>
-      </p:sp>
-      <mc:AlternateContent xmlns:mc="http://schemas.openxmlformats.org/markup-compatibility/2006">
-        <mc:Choice xmlns:a14="http://schemas.microsoft.com/office/drawing/2010/main" Requires="a14">
-          <p:sp>
-            <p:nvSpPr>
-              <p:cNvPr id="3" name="내용 개체 틀 2">
-                <a:extLst>
-                  <a:ext uri="{FF2B5EF4-FFF2-40B4-BE49-F238E27FC236}">
-                    <a16:creationId xmlns:a16="http://schemas.microsoft.com/office/drawing/2014/main" id="{76A2C441-517F-450A-A437-5A34F2F7B7E1}"/>
-                  </a:ext>
-                </a:extLst>
-              </p:cNvPr>
-              <p:cNvSpPr>
-                <a:spLocks noGrp="1"/>
-              </p:cNvSpPr>
-              <p:nvPr>
-                <p:ph idx="1"/>
-              </p:nvPr>
-            </p:nvSpPr>
-            <p:spPr/>
-            <p:txBody>
-              <a:bodyPr/>
-              <a:lstStyle/>
-              <a:p>
-                <a:r>
-                  <a:rPr lang="en-US" altLang="ko-KR" dirty="0">
-                    <a:solidFill>
-                      <a:schemeClr val="tx1"/>
-                    </a:solidFill>
-                  </a:rPr>
-                  <a:t>Program RL code by </a:t>
-                </a:r>
-                <a:r>
-                  <a:rPr lang="en-US" altLang="ko-KR" dirty="0" err="1">
-                    <a:solidFill>
-                      <a:schemeClr val="tx1"/>
-                    </a:solidFill>
-                  </a:rPr>
-                  <a:t>Tensorflow</a:t>
-                </a:r>
-                <a:r>
-                  <a:rPr lang="en-US" altLang="ko-KR" dirty="0">
-                    <a:solidFill>
-                      <a:schemeClr val="tx1"/>
-                    </a:solidFill>
-                  </a:rPr>
-                  <a:t> Library</a:t>
-                </a:r>
-              </a:p>
-              <a:p>
-                <a:r>
-                  <a:rPr lang="en-US" altLang="ko-KR" dirty="0">
-                    <a:solidFill>
-                      <a:schemeClr val="tx1"/>
-                    </a:solidFill>
-                  </a:rPr>
-                  <a:t>Apply UDN at our</a:t>
-                </a:r>
-                <a:r>
-                  <a:rPr lang="ko-KR" altLang="en-US" dirty="0">
-                    <a:solidFill>
-                      <a:schemeClr val="tx1"/>
-                    </a:solidFill>
-                  </a:rPr>
-                  <a:t> </a:t>
-                </a:r>
-                <a:r>
-                  <a:rPr lang="en-US" altLang="ko-KR" dirty="0">
-                    <a:solidFill>
-                      <a:schemeClr val="tx1"/>
-                    </a:solidFill>
-                  </a:rPr>
-                  <a:t>Environment</a:t>
-                </a:r>
-              </a:p>
-              <a:p>
-                <a:pPr lvl="1"/>
-                <a:r>
-                  <a:rPr lang="en-US" altLang="ko-KR" dirty="0">
-                    <a:solidFill>
-                      <a:schemeClr val="tx1"/>
-                    </a:solidFill>
-                  </a:rPr>
-                  <a:t>Consider </a:t>
-                </a:r>
-                <a:r>
-                  <a:rPr lang="en-US" altLang="ko-KR" dirty="0" err="1">
-                    <a:solidFill>
-                      <a:schemeClr val="tx1"/>
-                    </a:solidFill>
-                  </a:rPr>
-                  <a:t>LoS</a:t>
-                </a:r>
-                <a:r>
-                  <a:rPr lang="en-US" altLang="ko-KR" dirty="0">
-                    <a:solidFill>
-                      <a:schemeClr val="tx1"/>
-                    </a:solidFill>
-                  </a:rPr>
-                  <a:t>, </a:t>
-                </a:r>
-                <a:r>
-                  <a:rPr lang="en-US" altLang="ko-KR" dirty="0" err="1">
-                    <a:solidFill>
-                      <a:schemeClr val="tx1"/>
-                    </a:solidFill>
-                  </a:rPr>
-                  <a:t>NLoS</a:t>
-                </a:r>
-                <a:r>
-                  <a:rPr lang="en-US" altLang="ko-KR" dirty="0">
-                    <a:solidFill>
-                      <a:schemeClr val="tx1"/>
-                    </a:solidFill>
-                  </a:rPr>
-                  <a:t>, Interference</a:t>
-                </a:r>
-              </a:p>
-              <a:p>
-                <a:pPr lvl="1"/>
-                <a:r>
-                  <a:rPr lang="en-US" altLang="ko-KR" dirty="0">
-                    <a:solidFill>
-                      <a:schemeClr val="tx1"/>
-                    </a:solidFill>
-                  </a:rPr>
-                  <a:t>Set BS density for UDN</a:t>
-                </a:r>
-              </a:p>
-              <a:p>
-                <a:pPr lvl="1"/>
-                <a:r>
-                  <a:rPr lang="en-US" altLang="ko-KR" dirty="0">
-                    <a:solidFill>
-                      <a:schemeClr val="tx1"/>
-                    </a:solidFill>
-                  </a:rPr>
-                  <a:t>Consider all BS state change concurrently </a:t>
-                </a:r>
-              </a:p>
-              <a:p>
-                <a:pPr lvl="1"/>
-                <a:r>
-                  <a:rPr lang="en-US" altLang="ko-KR" dirty="0">
-                    <a:solidFill>
-                      <a:schemeClr val="tx1"/>
-                    </a:solidFill>
-                  </a:rPr>
-                  <a:t>Update reward</a:t>
-                </a:r>
-              </a:p>
-              <a:p>
-                <a:pPr lvl="2"/>
-                <a:r>
-                  <a:rPr lang="en-US" altLang="ko-KR" dirty="0">
-                    <a:solidFill>
-                      <a:schemeClr val="tx1"/>
-                    </a:solidFill>
-                  </a:rPr>
-                  <a:t>consider Energy Consumption</a:t>
-                </a:r>
-              </a:p>
-              <a:p>
-                <a:pPr lvl="2"/>
-                <a:r>
-                  <a:rPr lang="en-US" altLang="ko-KR" dirty="0">
-                    <a:solidFill>
-                      <a:schemeClr val="tx1"/>
-                    </a:solidFill>
-                  </a:rPr>
-                  <a:t>SNR </a:t>
-                </a:r>
-              </a:p>
-              <a:p>
-                <a:pPr lvl="2"/>
-                <a:r>
-                  <a:rPr lang="en-US" altLang="ko-KR" dirty="0">
-                    <a:solidFill>
-                      <a:schemeClr val="tx1"/>
-                    </a:solidFill>
-                  </a:rPr>
-                  <a:t>Terminal condition - reach at Terminal Node or SNR &lt; threshold </a:t>
-                </a:r>
-                <a14:m>
-                  <m:oMath xmlns:m="http://schemas.openxmlformats.org/officeDocument/2006/math">
-                    <m:r>
-                      <a:rPr lang="en-US" altLang="ko-KR" b="0" i="1" smtClean="0">
-                        <a:solidFill>
-                          <a:schemeClr val="tx1"/>
-                        </a:solidFill>
-                        <a:latin typeface="Cambria Math" panose="02040503050406030204" pitchFamily="18" charset="0"/>
-                      </a:rPr>
-                      <m:t>𝜃</m:t>
-                    </m:r>
-                  </m:oMath>
-                </a14:m>
-                <a:endParaRPr lang="en-US" altLang="ko-KR" dirty="0">
-                  <a:solidFill>
-                    <a:schemeClr val="tx1"/>
-                  </a:solidFill>
-                </a:endParaRPr>
-              </a:p>
-              <a:p>
-                <a:r>
-                  <a:rPr lang="en-US" altLang="ko-KR" dirty="0">
-                    <a:solidFill>
-                      <a:schemeClr val="tx1"/>
-                    </a:solidFill>
-                  </a:rPr>
-                  <a:t>Update RL code for programmed env code</a:t>
-                </a:r>
-              </a:p>
-              <a:p>
-                <a:r>
-                  <a:rPr lang="en-US" altLang="ko-KR" dirty="0">
-                    <a:solidFill>
-                      <a:schemeClr val="tx1"/>
-                    </a:solidFill>
-                  </a:rPr>
-                  <a:t>Sample another environment to check policy is overfit or not</a:t>
-                </a:r>
-              </a:p>
-              <a:p>
-                <a:endParaRPr lang="en-US" altLang="ko-KR" dirty="0">
-                  <a:solidFill>
-                    <a:schemeClr val="tx1"/>
-                  </a:solidFill>
-                </a:endParaRPr>
-              </a:p>
-            </p:txBody>
-          </p:sp>
-        </mc:Choice>
-        <mc:Fallback>
-          <p:sp>
-            <p:nvSpPr>
-              <p:cNvPr id="3" name="내용 개체 틀 2">
-                <a:extLst>
-                  <a:ext uri="{FF2B5EF4-FFF2-40B4-BE49-F238E27FC236}">
-                    <a16:creationId xmlns:a16="http://schemas.microsoft.com/office/drawing/2014/main" id="{76A2C441-517F-450A-A437-5A34F2F7B7E1}"/>
-                  </a:ext>
-                </a:extLst>
-              </p:cNvPr>
-              <p:cNvSpPr>
-                <a:spLocks noGrp="1" noRot="1" noChangeAspect="1" noMove="1" noResize="1" noEditPoints="1" noAdjustHandles="1" noChangeArrowheads="1" noChangeShapeType="1" noTextEdit="1"/>
-              </p:cNvSpPr>
-              <p:nvPr>
-                <p:ph idx="1"/>
-              </p:nvPr>
-            </p:nvSpPr>
-            <p:spPr>
-              <a:blipFill>
-                <a:blip r:embed="rId2"/>
-                <a:stretch>
-                  <a:fillRect t="-787"/>
-                </a:stretch>
-              </a:blipFill>
-            </p:spPr>
-            <p:txBody>
-              <a:bodyPr/>
-              <a:lstStyle/>
-              <a:p>
-                <a:r>
-                  <a:rPr lang="ko-KR" altLang="en-US">
-                    <a:noFill/>
-                  </a:rPr>
-                  <a:t> </a:t>
-                </a:r>
-              </a:p>
-            </p:txBody>
-          </p:sp>
-        </mc:Fallback>
-      </mc:AlternateContent>
+              <a:t>Result – 10,000 Iteration</a:t>
+            </a:r>
+            <a:endParaRPr lang="ko-KR" altLang="en-US" sz="7200" dirty="0">
+              <a:solidFill>
+                <a:prstClr val="black"/>
+              </a:solidFill>
+            </a:endParaRPr>
+          </a:p>
+        </p:txBody>
+      </p:sp>
+      <p:pic>
+        <p:nvPicPr>
+          <p:cNvPr id="3" name="그림 2">
+            <a:extLst>
+              <a:ext uri="{FF2B5EF4-FFF2-40B4-BE49-F238E27FC236}">
+                <a16:creationId xmlns:a16="http://schemas.microsoft.com/office/drawing/2014/main" id="{D62BB7AB-9A37-4B31-B43A-00F1A8F874CE}"/>
+              </a:ext>
+            </a:extLst>
+          </p:cNvPr>
+          <p:cNvPicPr>
+            <a:picLocks noChangeAspect="1"/>
+          </p:cNvPicPr>
+          <p:nvPr/>
+        </p:nvPicPr>
+        <p:blipFill>
+          <a:blip r:embed="rId3"/>
+          <a:stretch>
+            <a:fillRect/>
+          </a:stretch>
+        </p:blipFill>
+        <p:spPr>
+          <a:xfrm>
+            <a:off x="1828794" y="1600196"/>
+            <a:ext cx="5486411" cy="3657607"/>
+          </a:xfrm>
+          <a:prstGeom prst="rect">
+            <a:avLst/>
+          </a:prstGeom>
+        </p:spPr>
+      </p:pic>
+      <p:pic>
+        <p:nvPicPr>
+          <p:cNvPr id="8" name="그림 7">
+            <a:extLst>
+              <a:ext uri="{FF2B5EF4-FFF2-40B4-BE49-F238E27FC236}">
+                <a16:creationId xmlns:a16="http://schemas.microsoft.com/office/drawing/2014/main" id="{B3E2FE00-3AB5-4B54-BD04-7C3860F25B17}"/>
+              </a:ext>
+            </a:extLst>
+          </p:cNvPr>
+          <p:cNvPicPr>
+            <a:picLocks noChangeAspect="1"/>
+          </p:cNvPicPr>
+          <p:nvPr/>
+        </p:nvPicPr>
+        <p:blipFill>
+          <a:blip r:embed="rId4"/>
+          <a:stretch>
+            <a:fillRect/>
+          </a:stretch>
+        </p:blipFill>
+        <p:spPr>
+          <a:xfrm>
+            <a:off x="397663" y="987421"/>
+            <a:ext cx="8348671" cy="5565779"/>
+          </a:xfrm>
+          <a:prstGeom prst="rect">
+            <a:avLst/>
+          </a:prstGeom>
+        </p:spPr>
+      </p:pic>
     </p:spTree>
     <p:extLst>
       <p:ext uri="{BB962C8B-B14F-4D97-AF65-F5344CB8AC3E}">
-        <p14:creationId xmlns:p14="http://schemas.microsoft.com/office/powerpoint/2010/main" val="3739733913"/>
+        <p14:creationId xmlns:p14="http://schemas.microsoft.com/office/powerpoint/2010/main" val="1923847523"/>
       </p:ext>
     </p:extLst>
   </p:cSld>
@@ -8047,7 +14341,7 @@
 </file>
 
 <file path=ppt/theme/theme2.xml><?xml version="1.0" encoding="utf-8"?>
-<a:theme xmlns:a="http://schemas.openxmlformats.org/drawingml/2006/main" name="Office Theme">
+<a:theme xmlns:a="http://schemas.openxmlformats.org/drawingml/2006/main" name="1_wgroup-release-04-2011-12-14">
   <a:themeElements>
     <a:clrScheme name="Office">
       <a:dk1>
@@ -8684,4 +14978,324 @@
   </a:objectDefaults>
   <a:extraClrSchemeLst/>
 </a:theme>
+</file>
+
+<file path=ppt/theme/theme4.xml><?xml version="1.0" encoding="utf-8"?>
+<a:theme xmlns:a="http://schemas.openxmlformats.org/drawingml/2006/main" name="Office Theme">
+  <a:themeElements>
+    <a:clrScheme name="Office">
+      <a:dk1>
+        <a:sysClr val="windowText" lastClr="000000"/>
+      </a:dk1>
+      <a:lt1>
+        <a:sysClr val="window" lastClr="FFFFFF"/>
+      </a:lt1>
+      <a:dk2>
+        <a:srgbClr val="1F497D"/>
+      </a:dk2>
+      <a:lt2>
+        <a:srgbClr val="EEECE1"/>
+      </a:lt2>
+      <a:accent1>
+        <a:srgbClr val="4F81BD"/>
+      </a:accent1>
+      <a:accent2>
+        <a:srgbClr val="C0504D"/>
+      </a:accent2>
+      <a:accent3>
+        <a:srgbClr val="9BBB59"/>
+      </a:accent3>
+      <a:accent4>
+        <a:srgbClr val="8064A2"/>
+      </a:accent4>
+      <a:accent5>
+        <a:srgbClr val="4BACC6"/>
+      </a:accent5>
+      <a:accent6>
+        <a:srgbClr val="F79646"/>
+      </a:accent6>
+      <a:hlink>
+        <a:srgbClr val="0000FF"/>
+      </a:hlink>
+      <a:folHlink>
+        <a:srgbClr val="800080"/>
+      </a:folHlink>
+    </a:clrScheme>
+    <a:fontScheme name="Office">
+      <a:majorFont>
+        <a:latin typeface="Calibri"/>
+        <a:ea typeface=""/>
+        <a:cs typeface=""/>
+        <a:font script="Jpan" typeface="ＭＳ Ｐゴシック"/>
+        <a:font script="Hang" typeface="맑은 고딕"/>
+        <a:font script="Hans" typeface="宋体"/>
+        <a:font script="Hant" typeface="新細明體"/>
+        <a:font script="Arab" typeface="Times New Roman"/>
+        <a:font script="Hebr" typeface="Times New Roman"/>
+        <a:font script="Thai" typeface="Angsana New"/>
+        <a:font script="Ethi" typeface="Nyala"/>
+        <a:font script="Beng" typeface="Vrinda"/>
+        <a:font script="Gujr" typeface="Shruti"/>
+        <a:font script="Khmr" typeface="MoolBoran"/>
+        <a:font script="Knda" typeface="Tunga"/>
+        <a:font script="Guru" typeface="Raavi"/>
+        <a:font script="Cans" typeface="Euphemia"/>
+        <a:font script="Cher" typeface="Plantagenet Cherokee"/>
+        <a:font script="Yiii" typeface="Microsoft Yi Baiti"/>
+        <a:font script="Tibt" typeface="Microsoft Himalaya"/>
+        <a:font script="Thaa" typeface="MV Boli"/>
+        <a:font script="Deva" typeface="Mangal"/>
+        <a:font script="Telu" typeface="Gautami"/>
+        <a:font script="Taml" typeface="Latha"/>
+        <a:font script="Syrc" typeface="Estrangelo Edessa"/>
+        <a:font script="Orya" typeface="Kalinga"/>
+        <a:font script="Mlym" typeface="Kartika"/>
+        <a:font script="Laoo" typeface="DokChampa"/>
+        <a:font script="Sinh" typeface="Iskoola Pota"/>
+        <a:font script="Mong" typeface="Mongolian Baiti"/>
+        <a:font script="Viet" typeface="Times New Roman"/>
+        <a:font script="Uigh" typeface="Microsoft Uighur"/>
+        <a:font script="Geor" typeface="Sylfaen"/>
+      </a:majorFont>
+      <a:minorFont>
+        <a:latin typeface="Calibri"/>
+        <a:ea typeface=""/>
+        <a:cs typeface=""/>
+        <a:font script="Jpan" typeface="ＭＳ Ｐゴシック"/>
+        <a:font script="Hang" typeface="맑은 고딕"/>
+        <a:font script="Hans" typeface="宋体"/>
+        <a:font script="Hant" typeface="新細明體"/>
+        <a:font script="Arab" typeface="Arial"/>
+        <a:font script="Hebr" typeface="Arial"/>
+        <a:font script="Thai" typeface="Cordia New"/>
+        <a:font script="Ethi" typeface="Nyala"/>
+        <a:font script="Beng" typeface="Vrinda"/>
+        <a:font script="Gujr" typeface="Shruti"/>
+        <a:font script="Khmr" typeface="DaunPenh"/>
+        <a:font script="Knda" typeface="Tunga"/>
+        <a:font script="Guru" typeface="Raavi"/>
+        <a:font script="Cans" typeface="Euphemia"/>
+        <a:font script="Cher" typeface="Plantagenet Cherokee"/>
+        <a:font script="Yiii" typeface="Microsoft Yi Baiti"/>
+        <a:font script="Tibt" typeface="Microsoft Himalaya"/>
+        <a:font script="Thaa" typeface="MV Boli"/>
+        <a:font script="Deva" typeface="Mangal"/>
+        <a:font script="Telu" typeface="Gautami"/>
+        <a:font script="Taml" typeface="Latha"/>
+        <a:font script="Syrc" typeface="Estrangelo Edessa"/>
+        <a:font script="Orya" typeface="Kalinga"/>
+        <a:font script="Mlym" typeface="Kartika"/>
+        <a:font script="Laoo" typeface="DokChampa"/>
+        <a:font script="Sinh" typeface="Iskoola Pota"/>
+        <a:font script="Mong" typeface="Mongolian Baiti"/>
+        <a:font script="Viet" typeface="Arial"/>
+        <a:font script="Uigh" typeface="Microsoft Uighur"/>
+        <a:font script="Geor" typeface="Sylfaen"/>
+      </a:minorFont>
+    </a:fontScheme>
+    <a:fmtScheme name="Office">
+      <a:fillStyleLst>
+        <a:solidFill>
+          <a:schemeClr val="phClr"/>
+        </a:solidFill>
+        <a:gradFill rotWithShape="1">
+          <a:gsLst>
+            <a:gs pos="0">
+              <a:schemeClr val="phClr">
+                <a:tint val="50000"/>
+                <a:satMod val="300000"/>
+              </a:schemeClr>
+            </a:gs>
+            <a:gs pos="35000">
+              <a:schemeClr val="phClr">
+                <a:tint val="37000"/>
+                <a:satMod val="300000"/>
+              </a:schemeClr>
+            </a:gs>
+            <a:gs pos="100000">
+              <a:schemeClr val="phClr">
+                <a:tint val="15000"/>
+                <a:satMod val="350000"/>
+              </a:schemeClr>
+            </a:gs>
+          </a:gsLst>
+          <a:lin ang="16200000" scaled="1"/>
+        </a:gradFill>
+        <a:gradFill rotWithShape="1">
+          <a:gsLst>
+            <a:gs pos="0">
+              <a:schemeClr val="phClr">
+                <a:tint val="100000"/>
+                <a:shade val="100000"/>
+                <a:satMod val="130000"/>
+              </a:schemeClr>
+            </a:gs>
+            <a:gs pos="100000">
+              <a:schemeClr val="phClr">
+                <a:tint val="50000"/>
+                <a:shade val="100000"/>
+                <a:satMod val="350000"/>
+              </a:schemeClr>
+            </a:gs>
+          </a:gsLst>
+          <a:lin ang="16200000" scaled="0"/>
+        </a:gradFill>
+      </a:fillStyleLst>
+      <a:lnStyleLst>
+        <a:ln w="9525" cap="flat" cmpd="sng" algn="ctr">
+          <a:solidFill>
+            <a:schemeClr val="phClr">
+              <a:shade val="95000"/>
+              <a:satMod val="105000"/>
+            </a:schemeClr>
+          </a:solidFill>
+          <a:prstDash val="solid"/>
+        </a:ln>
+        <a:ln w="25400" cap="flat" cmpd="sng" algn="ctr">
+          <a:solidFill>
+            <a:schemeClr val="phClr"/>
+          </a:solidFill>
+          <a:prstDash val="solid"/>
+        </a:ln>
+        <a:ln w="38100" cap="flat" cmpd="sng" algn="ctr">
+          <a:solidFill>
+            <a:schemeClr val="phClr"/>
+          </a:solidFill>
+          <a:prstDash val="solid"/>
+        </a:ln>
+      </a:lnStyleLst>
+      <a:effectStyleLst>
+        <a:effectStyle>
+          <a:effectLst>
+            <a:outerShdw blurRad="40000" dist="20000" dir="5400000" rotWithShape="0">
+              <a:srgbClr val="000000">
+                <a:alpha val="38000"/>
+              </a:srgbClr>
+            </a:outerShdw>
+          </a:effectLst>
+        </a:effectStyle>
+        <a:effectStyle>
+          <a:effectLst>
+            <a:outerShdw blurRad="40000" dist="23000" dir="5400000" rotWithShape="0">
+              <a:srgbClr val="000000">
+                <a:alpha val="35000"/>
+              </a:srgbClr>
+            </a:outerShdw>
+          </a:effectLst>
+        </a:effectStyle>
+        <a:effectStyle>
+          <a:effectLst>
+            <a:outerShdw blurRad="40000" dist="23000" dir="5400000" rotWithShape="0">
+              <a:srgbClr val="000000">
+                <a:alpha val="35000"/>
+              </a:srgbClr>
+            </a:outerShdw>
+          </a:effectLst>
+          <a:scene3d>
+            <a:camera prst="orthographicFront">
+              <a:rot lat="0" lon="0" rev="0"/>
+            </a:camera>
+            <a:lightRig rig="threePt" dir="t">
+              <a:rot lat="0" lon="0" rev="1200000"/>
+            </a:lightRig>
+          </a:scene3d>
+          <a:sp3d>
+            <a:bevelT w="63500" h="25400"/>
+          </a:sp3d>
+        </a:effectStyle>
+      </a:effectStyleLst>
+      <a:bgFillStyleLst>
+        <a:solidFill>
+          <a:schemeClr val="phClr"/>
+        </a:solidFill>
+        <a:gradFill rotWithShape="1">
+          <a:gsLst>
+            <a:gs pos="0">
+              <a:schemeClr val="phClr">
+                <a:tint val="40000"/>
+                <a:satMod val="350000"/>
+              </a:schemeClr>
+            </a:gs>
+            <a:gs pos="40000">
+              <a:schemeClr val="phClr">
+                <a:tint val="45000"/>
+                <a:shade val="99000"/>
+                <a:satMod val="350000"/>
+              </a:schemeClr>
+            </a:gs>
+            <a:gs pos="100000">
+              <a:schemeClr val="phClr">
+                <a:shade val="20000"/>
+                <a:satMod val="255000"/>
+              </a:schemeClr>
+            </a:gs>
+          </a:gsLst>
+          <a:path path="circle">
+            <a:fillToRect l="50000" t="-80000" r="50000" b="180000"/>
+          </a:path>
+        </a:gradFill>
+        <a:gradFill rotWithShape="1">
+          <a:gsLst>
+            <a:gs pos="0">
+              <a:schemeClr val="phClr">
+                <a:tint val="80000"/>
+                <a:satMod val="300000"/>
+              </a:schemeClr>
+            </a:gs>
+            <a:gs pos="100000">
+              <a:schemeClr val="phClr">
+                <a:shade val="30000"/>
+                <a:satMod val="200000"/>
+              </a:schemeClr>
+            </a:gs>
+          </a:gsLst>
+          <a:path path="circle">
+            <a:fillToRect l="50000" t="50000" r="50000" b="50000"/>
+          </a:path>
+        </a:gradFill>
+      </a:bgFillStyleLst>
+    </a:fmtScheme>
+  </a:themeElements>
+  <a:objectDefaults>
+    <a:spDef>
+      <a:spPr/>
+      <a:bodyPr/>
+      <a:lstStyle/>
+      <a:style>
+        <a:lnRef idx="1">
+          <a:schemeClr val="accent1"/>
+        </a:lnRef>
+        <a:fillRef idx="3">
+          <a:schemeClr val="accent1"/>
+        </a:fillRef>
+        <a:effectRef idx="2">
+          <a:schemeClr val="accent1"/>
+        </a:effectRef>
+        <a:fontRef idx="minor">
+          <a:schemeClr val="lt1"/>
+        </a:fontRef>
+      </a:style>
+    </a:spDef>
+    <a:lnDef>
+      <a:spPr/>
+      <a:bodyPr/>
+      <a:lstStyle/>
+      <a:style>
+        <a:lnRef idx="2">
+          <a:schemeClr val="accent1"/>
+        </a:lnRef>
+        <a:fillRef idx="0">
+          <a:schemeClr val="accent1"/>
+        </a:fillRef>
+        <a:effectRef idx="1">
+          <a:schemeClr val="accent1"/>
+        </a:effectRef>
+        <a:fontRef idx="minor">
+          <a:schemeClr val="tx1"/>
+        </a:fontRef>
+      </a:style>
+    </a:lnDef>
+  </a:objectDefaults>
+  <a:extraClrSchemeLst/>
+</a:theme>
 </file>
--- a/Survey meeting/0719 survey/190719 UGRP 발표자료.pptx
+++ b/Survey meeting/0719 survey/190719 UGRP 발표자료.pptx
@@ -741,6 +741,609 @@
         <p:txBody>
           <a:bodyPr/>
           <a:lstStyle/>
+          <a:p>
+            <a:r>
+              <a:rPr lang="en-US" altLang="ko-KR" dirty="0"/>
+              <a:t>DQN </a:t>
+            </a:r>
+            <a:r>
+              <a:rPr lang="ko-KR" altLang="en-US" dirty="0"/>
+              <a:t>짜서 </a:t>
+            </a:r>
+            <a:r>
+              <a:rPr lang="en-US" altLang="ko-KR" dirty="0"/>
+              <a:t>MCTS </a:t>
+            </a:r>
+            <a:r>
+              <a:rPr lang="ko-KR" altLang="en-US" dirty="0" err="1"/>
+              <a:t>결과랑</a:t>
+            </a:r>
+            <a:r>
+              <a:rPr lang="ko-KR" altLang="en-US" dirty="0"/>
+              <a:t> 비교하기 </a:t>
+            </a:r>
+            <a:r>
+              <a:rPr lang="en-US" altLang="ko-KR" dirty="0"/>
+              <a:t>+</a:t>
+            </a:r>
+            <a:r>
+              <a:rPr lang="ko-KR" altLang="en-US" dirty="0"/>
+              <a:t>좌표 시각화해서 </a:t>
+            </a:r>
+            <a:r>
+              <a:rPr lang="en-US" altLang="ko-KR" dirty="0"/>
+              <a:t>BS</a:t>
+            </a:r>
+            <a:r>
+              <a:rPr lang="ko-KR" altLang="en-US" dirty="0"/>
+              <a:t>가 켜지고 </a:t>
+            </a:r>
+            <a:r>
+              <a:rPr lang="ko-KR" altLang="en-US" dirty="0" err="1"/>
+              <a:t>꺼지는거</a:t>
+            </a:r>
+            <a:r>
+              <a:rPr lang="ko-KR" altLang="en-US" dirty="0"/>
+              <a:t> 잘 되었나 확인</a:t>
+            </a:r>
+            <a:endParaRPr lang="en-US" altLang="ko-KR" dirty="0"/>
+          </a:p>
+          <a:p>
+            <a:endParaRPr lang="en-US" altLang="ko-KR" dirty="0"/>
+          </a:p>
+          <a:p>
+            <a:r>
+              <a:rPr lang="en-US" altLang="ko-KR" dirty="0"/>
+              <a:t>Step</a:t>
+            </a:r>
+            <a:r>
+              <a:rPr lang="ko-KR" altLang="en-US" dirty="0"/>
+              <a:t>에서 </a:t>
+            </a:r>
+            <a:r>
+              <a:rPr lang="en-US" altLang="ko-KR" dirty="0"/>
+              <a:t>UE </a:t>
+            </a:r>
+            <a:r>
+              <a:rPr lang="ko-KR" altLang="en-US" dirty="0"/>
+              <a:t>초기화되는 건 환경이 </a:t>
+            </a:r>
+            <a:r>
+              <a:rPr lang="ko-KR" altLang="en-US" dirty="0" err="1"/>
+              <a:t>달라지느</a:t>
+            </a:r>
+            <a:r>
+              <a:rPr lang="ko-KR" altLang="en-US" dirty="0"/>
+              <a:t> 거니까 문제가 될 수 있다</a:t>
+            </a:r>
+            <a:endParaRPr lang="en-US" altLang="ko-KR" dirty="0"/>
+          </a:p>
+          <a:p>
+            <a:r>
+              <a:rPr lang="en-US" altLang="ko-KR" dirty="0"/>
+              <a:t>UE</a:t>
+            </a:r>
+            <a:r>
+              <a:rPr lang="ko-KR" altLang="en-US" dirty="0"/>
+              <a:t>가 확률로 어떤 방향으로 이동한다 정도가 </a:t>
+            </a:r>
+            <a:r>
+              <a:rPr lang="ko-KR" altLang="en-US" dirty="0" err="1"/>
+              <a:t>ㄱㅊ을듯</a:t>
+            </a:r>
+            <a:endParaRPr lang="en-US" altLang="ko-KR" dirty="0"/>
+          </a:p>
+          <a:p>
+            <a:r>
+              <a:rPr lang="en-US" altLang="ko-KR" dirty="0"/>
+              <a:t>SNR </a:t>
+            </a:r>
+            <a:r>
+              <a:rPr lang="ko-KR" altLang="en-US" dirty="0"/>
+              <a:t>에서 </a:t>
+            </a:r>
+            <a:r>
+              <a:rPr lang="en-US" altLang="ko-KR" dirty="0"/>
+              <a:t>SIR</a:t>
+            </a:r>
+            <a:r>
+              <a:rPr lang="ko-KR" altLang="en-US" dirty="0"/>
+              <a:t>로 바꾸세요 그게 좋을 </a:t>
+            </a:r>
+            <a:r>
+              <a:rPr lang="ko-KR" altLang="en-US" dirty="0" err="1"/>
+              <a:t>거에요</a:t>
+            </a:r>
+            <a:endParaRPr lang="en-US" altLang="ko-KR" dirty="0"/>
+          </a:p>
+          <a:p>
+            <a:r>
+              <a:rPr lang="en-US" altLang="ko-KR" dirty="0"/>
+              <a:t>Function approximation </a:t>
+            </a:r>
+            <a:r>
+              <a:rPr lang="ko-KR" altLang="en-US" dirty="0"/>
+              <a:t>빠졌네</a:t>
+            </a:r>
+            <a:r>
+              <a:rPr lang="en-US" altLang="ko-KR" dirty="0"/>
+              <a:t>.</a:t>
+            </a:r>
+          </a:p>
+          <a:p>
+            <a:r>
+              <a:rPr lang="en-US" altLang="ko-KR" dirty="0"/>
+              <a:t>MCTS RL </a:t>
+            </a:r>
+            <a:r>
+              <a:rPr lang="ko-KR" altLang="en-US" dirty="0"/>
+              <a:t>논문 찾아보기</a:t>
+            </a:r>
+            <a:endParaRPr lang="en-US" altLang="ko-KR" dirty="0"/>
+          </a:p>
+          <a:p>
+            <a:r>
+              <a:rPr lang="en-US" altLang="ko-KR" dirty="0"/>
+              <a:t>State</a:t>
+            </a:r>
+            <a:r>
+              <a:rPr lang="ko-KR" altLang="en-US" dirty="0"/>
+              <a:t>에 </a:t>
+            </a:r>
+            <a:r>
+              <a:rPr lang="en-US" altLang="ko-KR" dirty="0"/>
+              <a:t>user distance</a:t>
+            </a:r>
+            <a:r>
+              <a:rPr lang="ko-KR" altLang="en-US" dirty="0"/>
+              <a:t>는 </a:t>
+            </a:r>
+            <a:r>
+              <a:rPr lang="ko-KR" altLang="en-US" dirty="0" err="1"/>
+              <a:t>고려안한</a:t>
+            </a:r>
+            <a:r>
+              <a:rPr lang="ko-KR" altLang="en-US" dirty="0"/>
+              <a:t> 이유가 있나요</a:t>
+            </a:r>
+            <a:r>
+              <a:rPr lang="en-US" altLang="ko-KR" dirty="0"/>
+              <a:t>? </a:t>
+            </a:r>
+            <a:r>
+              <a:rPr lang="ko-KR" altLang="en-US" dirty="0"/>
+              <a:t>지금 </a:t>
+            </a:r>
+            <a:r>
+              <a:rPr lang="en-US" altLang="ko-KR" dirty="0"/>
+              <a:t>on/off</a:t>
+            </a:r>
+            <a:r>
+              <a:rPr lang="ko-KR" altLang="en-US" dirty="0"/>
+              <a:t>만 고려하면 </a:t>
+            </a:r>
+            <a:r>
+              <a:rPr lang="en-US" altLang="ko-KR" dirty="0"/>
+              <a:t>brute</a:t>
+            </a:r>
+            <a:r>
+              <a:rPr lang="ko-KR" altLang="en-US" dirty="0"/>
+              <a:t> </a:t>
+            </a:r>
+            <a:r>
+              <a:rPr lang="en-US" altLang="ko-KR" dirty="0"/>
+              <a:t>force</a:t>
+            </a:r>
+            <a:r>
+              <a:rPr lang="ko-KR" altLang="en-US" dirty="0"/>
+              <a:t>로 </a:t>
+            </a:r>
+            <a:r>
+              <a:rPr lang="ko-KR" altLang="en-US" dirty="0" err="1"/>
+              <a:t>찾는거지</a:t>
+            </a:r>
+            <a:r>
+              <a:rPr lang="en-US" altLang="ko-KR" dirty="0"/>
+              <a:t> RL</a:t>
+            </a:r>
+            <a:r>
+              <a:rPr lang="ko-KR" altLang="en-US" dirty="0"/>
+              <a:t>코드로 볼 수 있을까요</a:t>
+            </a:r>
+            <a:r>
+              <a:rPr lang="en-US" altLang="ko-KR" dirty="0"/>
+              <a:t>.</a:t>
+            </a:r>
+          </a:p>
+          <a:p>
+            <a:r>
+              <a:rPr lang="ko-KR" altLang="en-US" dirty="0"/>
+              <a:t>그래프</a:t>
+            </a:r>
+            <a:r>
+              <a:rPr lang="en-US" altLang="ko-KR" dirty="0"/>
+              <a:t> </a:t>
+            </a:r>
+          </a:p>
+          <a:p>
+            <a:r>
+              <a:rPr lang="en-US" altLang="ko-KR" dirty="0"/>
+              <a:t>State</a:t>
+            </a:r>
+            <a:r>
+              <a:rPr lang="ko-KR" altLang="en-US" dirty="0"/>
+              <a:t>를 바꾸고 </a:t>
+            </a:r>
+            <a:r>
+              <a:rPr lang="en-US" altLang="ko-KR" dirty="0"/>
+              <a:t>action</a:t>
+            </a:r>
+            <a:r>
+              <a:rPr lang="ko-KR" altLang="en-US" dirty="0"/>
+              <a:t>은 그대로 써도 </a:t>
+            </a:r>
+            <a:r>
+              <a:rPr lang="ko-KR" altLang="en-US" dirty="0" err="1"/>
+              <a:t>될듯</a:t>
+            </a:r>
+            <a:endParaRPr lang="en-US" altLang="ko-KR" dirty="0"/>
+          </a:p>
+          <a:p>
+            <a:r>
+              <a:rPr lang="ko-KR" altLang="en-US" dirty="0"/>
+              <a:t>원래 </a:t>
+            </a:r>
+            <a:r>
+              <a:rPr lang="en-US" altLang="ko-KR" dirty="0"/>
+              <a:t>node</a:t>
+            </a:r>
+            <a:r>
+              <a:rPr lang="ko-KR" altLang="en-US" dirty="0"/>
+              <a:t>는 </a:t>
+            </a:r>
+            <a:r>
+              <a:rPr lang="en-US" altLang="ko-KR" dirty="0"/>
+              <a:t>state</a:t>
+            </a:r>
+            <a:r>
+              <a:rPr lang="ko-KR" altLang="en-US" dirty="0"/>
+              <a:t>기준임</a:t>
+            </a:r>
+            <a:endParaRPr lang="en-US" altLang="ko-KR" dirty="0"/>
+          </a:p>
+          <a:p>
+            <a:r>
+              <a:rPr lang="en-US" altLang="ko-KR" dirty="0"/>
+              <a:t>BS</a:t>
+            </a:r>
+            <a:r>
+              <a:rPr lang="ko-KR" altLang="en-US" dirty="0"/>
+              <a:t>가 </a:t>
+            </a:r>
+            <a:r>
+              <a:rPr lang="en-US" altLang="ko-KR" dirty="0"/>
+              <a:t>000 -&gt; 100 -&gt; 000</a:t>
+            </a:r>
+            <a:r>
+              <a:rPr lang="ko-KR" altLang="en-US" dirty="0"/>
+              <a:t>이 되면 </a:t>
+            </a:r>
+            <a:r>
+              <a:rPr lang="en-US" altLang="ko-KR" dirty="0"/>
+              <a:t>000</a:t>
+            </a:r>
+            <a:r>
+              <a:rPr lang="ko-KR" altLang="en-US" dirty="0"/>
+              <a:t>의 </a:t>
+            </a:r>
+            <a:r>
+              <a:rPr lang="en-US" altLang="ko-KR" dirty="0" err="1"/>
+              <a:t>visitnum</a:t>
+            </a:r>
+            <a:r>
+              <a:rPr lang="ko-KR" altLang="en-US" dirty="0"/>
+              <a:t>이 </a:t>
+            </a:r>
+            <a:r>
+              <a:rPr lang="ko-KR" altLang="en-US" dirty="0" err="1"/>
+              <a:t>올라가냐요</a:t>
+            </a:r>
+            <a:r>
+              <a:rPr lang="en-US" altLang="ko-KR" dirty="0"/>
+              <a:t>? </a:t>
+            </a:r>
+            <a:r>
+              <a:rPr lang="ko-KR" altLang="en-US" dirty="0"/>
+              <a:t>그렇게 하던가</a:t>
+            </a:r>
+            <a:r>
+              <a:rPr lang="en-US" altLang="ko-KR" dirty="0"/>
+              <a:t>, </a:t>
+            </a:r>
+            <a:r>
+              <a:rPr lang="ko-KR" altLang="en-US" dirty="0"/>
+              <a:t>한번 </a:t>
+            </a:r>
+            <a:r>
+              <a:rPr lang="ko-KR" altLang="en-US" dirty="0" err="1"/>
+              <a:t>끄꼬</a:t>
+            </a:r>
+            <a:r>
+              <a:rPr lang="ko-KR" altLang="en-US" dirty="0"/>
+              <a:t> 켜면 다시 </a:t>
+            </a:r>
+            <a:r>
+              <a:rPr lang="ko-KR" altLang="en-US" dirty="0" err="1"/>
+              <a:t>온오프</a:t>
+            </a:r>
+            <a:r>
+              <a:rPr lang="ko-KR" altLang="en-US" dirty="0"/>
+              <a:t> </a:t>
+            </a:r>
+            <a:r>
+              <a:rPr lang="ko-KR" altLang="en-US" dirty="0" err="1"/>
+              <a:t>안디ㅗ게해서</a:t>
+            </a:r>
+            <a:r>
+              <a:rPr lang="ko-KR" altLang="en-US" dirty="0"/>
+              <a:t> 그런 상황을 막던가 </a:t>
+            </a:r>
+            <a:r>
+              <a:rPr lang="ko-KR" altLang="en-US" dirty="0" err="1"/>
+              <a:t>하시길</a:t>
+            </a:r>
+            <a:endParaRPr lang="en-US" altLang="ko-KR" dirty="0"/>
+          </a:p>
+          <a:p>
+            <a:endParaRPr lang="en-US" altLang="ko-KR" dirty="0"/>
+          </a:p>
+          <a:p>
+            <a:r>
+              <a:rPr lang="ko-KR" altLang="en-US" dirty="0"/>
+              <a:t>객체는 명확하게 분리되어야 유지보수하기 좋을 것</a:t>
+            </a:r>
+            <a:endParaRPr lang="en-US" altLang="ko-KR" dirty="0"/>
+          </a:p>
+          <a:p>
+            <a:r>
+              <a:rPr lang="en-US" altLang="ko-KR" dirty="0"/>
+              <a:t>Import</a:t>
+            </a:r>
+            <a:r>
+              <a:rPr lang="ko-KR" altLang="en-US" dirty="0"/>
+              <a:t> </a:t>
+            </a:r>
+            <a:r>
+              <a:rPr lang="en-US" altLang="ko-KR" dirty="0"/>
+              <a:t>gym</a:t>
+            </a:r>
+            <a:r>
+              <a:rPr lang="ko-KR" altLang="en-US" dirty="0"/>
+              <a:t>으로 </a:t>
+            </a:r>
+            <a:r>
+              <a:rPr lang="en-US" altLang="ko-KR" dirty="0"/>
+              <a:t>gym make</a:t>
+            </a:r>
+            <a:r>
+              <a:rPr lang="ko-KR" altLang="en-US" dirty="0"/>
+              <a:t>해서 돌아가게 해라는 말이었는데</a:t>
+            </a:r>
+            <a:r>
+              <a:rPr lang="en-US" altLang="ko-KR" dirty="0"/>
+              <a:t>…</a:t>
+            </a:r>
+          </a:p>
+          <a:p>
+            <a:r>
+              <a:rPr lang="en-US" altLang="ko-KR" dirty="0">
+                <a:sym typeface="Wingdings" panose="05000000000000000000" pitchFamily="2" charset="2"/>
+              </a:rPr>
+              <a:t>cartpole</a:t>
+            </a:r>
+            <a:r>
+              <a:rPr lang="ko-KR" altLang="en-US" dirty="0">
+                <a:sym typeface="Wingdings" panose="05000000000000000000" pitchFamily="2" charset="2"/>
+              </a:rPr>
+              <a:t> 참고</a:t>
+            </a:r>
+            <a:endParaRPr lang="en-US" altLang="ko-KR" dirty="0">
+              <a:sym typeface="Wingdings" panose="05000000000000000000" pitchFamily="2" charset="2"/>
+            </a:endParaRPr>
+          </a:p>
+          <a:p>
+            <a:r>
+              <a:rPr lang="en-US" altLang="ko-KR" dirty="0">
+                <a:sym typeface="Wingdings" panose="05000000000000000000" pitchFamily="2" charset="2"/>
+              </a:rPr>
+              <a:t>__main__.py</a:t>
+            </a:r>
+          </a:p>
+          <a:p>
+            <a:r>
+              <a:rPr lang="en-US" altLang="ko-KR" dirty="0">
+                <a:sym typeface="Wingdings" panose="05000000000000000000" pitchFamily="2" charset="2"/>
+              </a:rPr>
+              <a:t>MCTS.py</a:t>
+            </a:r>
+          </a:p>
+          <a:p>
+            <a:r>
+              <a:rPr lang="en-US" altLang="ko-KR" dirty="0">
+                <a:sym typeface="Wingdings" panose="05000000000000000000" pitchFamily="2" charset="2"/>
+              </a:rPr>
+              <a:t>Gym.py</a:t>
+            </a:r>
+          </a:p>
+          <a:p>
+            <a:r>
+              <a:rPr lang="ko-KR" altLang="en-US" dirty="0">
+                <a:sym typeface="Wingdings" panose="05000000000000000000" pitchFamily="2" charset="2"/>
+              </a:rPr>
+              <a:t>원래 있던 </a:t>
+            </a:r>
+            <a:r>
+              <a:rPr lang="en-US" altLang="ko-KR" dirty="0">
+                <a:sym typeface="Wingdings" panose="05000000000000000000" pitchFamily="2" charset="2"/>
+              </a:rPr>
+              <a:t>function</a:t>
+            </a:r>
+            <a:r>
+              <a:rPr lang="ko-KR" altLang="en-US" dirty="0">
+                <a:sym typeface="Wingdings" panose="05000000000000000000" pitchFamily="2" charset="2"/>
+              </a:rPr>
+              <a:t>이름 쓰는게 좋다</a:t>
+            </a:r>
+            <a:endParaRPr lang="en-US" altLang="ko-KR" dirty="0">
+              <a:sym typeface="Wingdings" panose="05000000000000000000" pitchFamily="2" charset="2"/>
+            </a:endParaRPr>
+          </a:p>
+          <a:p>
+            <a:endParaRPr lang="en-US" altLang="ko-KR" dirty="0"/>
+          </a:p>
+          <a:p>
+            <a:r>
+              <a:rPr lang="en-US" altLang="ko-KR" dirty="0"/>
+              <a:t>Reward</a:t>
+            </a:r>
+            <a:r>
+              <a:rPr lang="ko-KR" altLang="en-US" dirty="0"/>
+              <a:t>가 어디지점부터 유익한 값인지 알려주는게 좋다</a:t>
+            </a:r>
+            <a:endParaRPr lang="en-US" altLang="ko-KR" dirty="0"/>
+          </a:p>
+          <a:p>
+            <a:r>
+              <a:rPr lang="ko-KR" altLang="en-US" dirty="0"/>
+              <a:t>수식으로 계산해서 최대 </a:t>
+            </a:r>
+            <a:r>
+              <a:rPr lang="en-US" altLang="ko-KR" dirty="0"/>
+              <a:t>optimal</a:t>
+            </a:r>
+            <a:r>
+              <a:rPr lang="ko-KR" altLang="en-US" dirty="0"/>
+              <a:t>을 알아내서 할 수 도 있고</a:t>
+            </a:r>
+            <a:endParaRPr lang="en-US" altLang="ko-KR" dirty="0"/>
+          </a:p>
+          <a:p>
+            <a:r>
+              <a:rPr lang="ko-KR" altLang="en-US" dirty="0"/>
+              <a:t>다른 알고리즘을 써서 비교해보고 </a:t>
+            </a:r>
+            <a:endParaRPr lang="en-US" altLang="ko-KR" dirty="0"/>
+          </a:p>
+          <a:p>
+            <a:r>
+              <a:rPr lang="en-US" altLang="ko-KR" dirty="0" err="1"/>
+              <a:t>Alphago</a:t>
+            </a:r>
+            <a:r>
+              <a:rPr lang="en-US" altLang="ko-KR" dirty="0"/>
+              <a:t> zero </a:t>
+            </a:r>
+            <a:r>
+              <a:rPr lang="ko-KR" altLang="en-US" dirty="0"/>
+              <a:t>논문 읽어보고 </a:t>
+            </a:r>
+            <a:r>
+              <a:rPr lang="en-US" altLang="ko-KR" dirty="0" err="1"/>
+              <a:t>mcts</a:t>
+            </a:r>
+            <a:r>
+              <a:rPr lang="en-US" altLang="ko-KR" dirty="0"/>
+              <a:t> </a:t>
+            </a:r>
+            <a:r>
+              <a:rPr lang="ko-KR" altLang="en-US" dirty="0"/>
+              <a:t>이해하기</a:t>
+            </a:r>
+            <a:endParaRPr lang="en-US" altLang="ko-KR" dirty="0"/>
+          </a:p>
+          <a:p>
+            <a:r>
+              <a:rPr lang="en-US" altLang="ko-KR" dirty="0"/>
+              <a:t>State</a:t>
+            </a:r>
+            <a:r>
+              <a:rPr lang="ko-KR" altLang="en-US" dirty="0"/>
+              <a:t>는 </a:t>
+            </a:r>
+            <a:r>
+              <a:rPr lang="en-US" altLang="ko-KR" dirty="0"/>
+              <a:t>user </a:t>
+            </a:r>
+            <a:r>
+              <a:rPr lang="en-US" altLang="ko-KR" dirty="0" err="1"/>
+              <a:t>distnace</a:t>
+            </a:r>
+            <a:r>
+              <a:rPr lang="ko-KR" altLang="en-US" dirty="0"/>
+              <a:t>등등 정보가 다 </a:t>
+            </a:r>
+            <a:r>
+              <a:rPr lang="ko-KR" altLang="en-US" dirty="0" err="1"/>
+              <a:t>들어가야하는데</a:t>
+            </a:r>
+            <a:r>
+              <a:rPr lang="ko-KR" altLang="en-US" dirty="0"/>
+              <a:t> 그러면 </a:t>
+            </a:r>
+            <a:r>
+              <a:rPr lang="en-US" altLang="ko-KR" dirty="0"/>
+              <a:t>sate</a:t>
+            </a:r>
+            <a:r>
+              <a:rPr lang="ko-KR" altLang="en-US" dirty="0"/>
+              <a:t>는 무한하게 되는데 단순한 </a:t>
+            </a:r>
+            <a:r>
+              <a:rPr lang="en-US" altLang="ko-KR" dirty="0" err="1"/>
+              <a:t>mcts</a:t>
+            </a:r>
+            <a:r>
+              <a:rPr lang="ko-KR" altLang="en-US" dirty="0"/>
+              <a:t>로는 힘들죠</a:t>
+            </a:r>
+            <a:endParaRPr lang="en-US" altLang="ko-KR" dirty="0"/>
+          </a:p>
+          <a:p>
+            <a:r>
+              <a:rPr lang="en-US" altLang="ko-KR" dirty="0"/>
+              <a:t>Link </a:t>
+            </a:r>
+            <a:r>
+              <a:rPr lang="ko-KR" altLang="en-US" dirty="0"/>
+              <a:t>세기</a:t>
+            </a:r>
+            <a:r>
+              <a:rPr lang="en-US" altLang="ko-KR" dirty="0"/>
+              <a:t>… los </a:t>
+            </a:r>
+            <a:r>
+              <a:rPr lang="en-US" altLang="ko-KR" dirty="0" err="1"/>
+              <a:t>nlos</a:t>
+            </a:r>
+            <a:r>
+              <a:rPr lang="en-US" altLang="ko-KR" dirty="0"/>
+              <a:t> </a:t>
+            </a:r>
+            <a:r>
+              <a:rPr lang="en-US" altLang="ko-KR" dirty="0" err="1"/>
+              <a:t>probabililty</a:t>
+            </a:r>
+            <a:r>
+              <a:rPr lang="en-US" altLang="ko-KR" dirty="0"/>
+              <a:t> </a:t>
+            </a:r>
+          </a:p>
+          <a:p>
+            <a:endParaRPr lang="en-US" altLang="ko-KR" dirty="0"/>
+          </a:p>
+          <a:p>
+            <a:endParaRPr lang="ko-KR" altLang="en-US" dirty="0"/>
+          </a:p>
           <a:p>
             <a:endParaRPr lang="en-US" dirty="0"/>
           </a:p>
@@ -7910,7 +8513,7 @@
               </a14:hiddenLine>
             </a:ext>
             <a:ext uri="{FAA26D3D-D897-4be2-8F04-BA451C77F1D7}">
-              <ma14:placeholderFlag xmlns="" xmlns:ma14="http://schemas.microsoft.com/office/mac/drawingml/2011/main" val="1"/>
+              <ma14:placeholderFlag xmlns:ma14="http://schemas.microsoft.com/office/mac/drawingml/2011/main" xmlns="" val="1"/>
             </a:ext>
           </a:extLst>
         </p:spPr>
